--- a/Demo/Qlang.pptx
+++ b/Demo/Qlang.pptx
@@ -7,9 +7,14 @@
   <p:sldIdLst>
     <p:sldId id="256" r:id="rId2"/>
     <p:sldId id="257" r:id="rId3"/>
-    <p:sldId id="258" r:id="rId4"/>
-    <p:sldId id="259" r:id="rId5"/>
-    <p:sldId id="260" r:id="rId6"/>
+    <p:sldId id="261" r:id="rId4"/>
+    <p:sldId id="265" r:id="rId5"/>
+    <p:sldId id="264" r:id="rId6"/>
+    <p:sldId id="258" r:id="rId7"/>
+    <p:sldId id="262" r:id="rId8"/>
+    <p:sldId id="263" r:id="rId9"/>
+    <p:sldId id="259" r:id="rId10"/>
+    <p:sldId id="260" r:id="rId11"/>
   </p:sldIdLst>
   <p:sldSz cx="9144000" cy="6858000" type="screen4x3"/>
   <p:notesSz cx="6858000" cy="9144000"/>
@@ -3590,12 +3595,12 @@
           <a:lstStyle/>
           <a:p>
             <a:r>
-              <a:rPr lang="es-UY" sz="2000" b="1" dirty="0">
+              <a:rPr lang="es-UY" sz="2000" b="1" dirty="0" smtClean="0">
                 <a:solidFill>
                   <a:srgbClr val="1C1C1C"/>
                 </a:solidFill>
               </a:rPr>
-              <a:t>Your company information</a:t>
+              <a:t>The Qubit Language</a:t>
             </a:r>
             <a:endParaRPr lang="es-ES" sz="2000" b="1" dirty="0">
               <a:solidFill>
@@ -3617,6 +3622,83 @@
       </p:par>
     </p:tnLst>
   </p:timing>
+</p:sld>
+</file>
+
+<file path=ppt/slides/slide10.xml><?xml version="1.0" encoding="utf-8"?>
+<p:sld xmlns:a="http://schemas.openxmlformats.org/drawingml/2006/main" xmlns:r="http://schemas.openxmlformats.org/officeDocument/2006/relationships" xmlns:p="http://schemas.openxmlformats.org/presentationml/2006/main">
+  <p:cSld>
+    <p:spTree>
+      <p:nvGrpSpPr>
+        <p:cNvPr id="1" name=""/>
+        <p:cNvGrpSpPr/>
+        <p:nvPr/>
+      </p:nvGrpSpPr>
+      <p:grpSpPr>
+        <a:xfrm>
+          <a:off x="0" y="0"/>
+          <a:ext cx="0" cy="0"/>
+          <a:chOff x="0" y="0"/>
+          <a:chExt cx="0" cy="0"/>
+        </a:xfrm>
+      </p:grpSpPr>
+      <p:sp>
+        <p:nvSpPr>
+          <p:cNvPr id="2" name="Title 1"/>
+          <p:cNvSpPr>
+            <a:spLocks noGrp="1"/>
+          </p:cNvSpPr>
+          <p:nvPr>
+            <p:ph type="title"/>
+          </p:nvPr>
+        </p:nvSpPr>
+        <p:spPr>
+          <a:xfrm>
+            <a:off x="683568" y="260648"/>
+            <a:ext cx="8229600" cy="1143000"/>
+          </a:xfrm>
+        </p:spPr>
+        <p:txBody>
+          <a:bodyPr/>
+          <a:lstStyle/>
+          <a:p>
+            <a:r>
+              <a:rPr lang="en-US" dirty="0" smtClean="0"/>
+              <a:t>Testing and Verification</a:t>
+            </a:r>
+            <a:endParaRPr lang="en-US" dirty="0"/>
+          </a:p>
+        </p:txBody>
+      </p:sp>
+      <p:sp>
+        <p:nvSpPr>
+          <p:cNvPr id="3" name="Content Placeholder 2"/>
+          <p:cNvSpPr>
+            <a:spLocks noGrp="1"/>
+          </p:cNvSpPr>
+          <p:nvPr>
+            <p:ph idx="1"/>
+          </p:nvPr>
+        </p:nvSpPr>
+        <p:spPr/>
+        <p:txBody>
+          <a:bodyPr/>
+          <a:lstStyle/>
+          <a:p>
+            <a:endParaRPr lang="en-US"/>
+          </a:p>
+        </p:txBody>
+      </p:sp>
+    </p:spTree>
+    <p:extLst>
+      <p:ext uri="{BB962C8B-B14F-4D97-AF65-F5344CB8AC3E}">
+        <p14:creationId xmlns:p14="http://schemas.microsoft.com/office/powerpoint/2010/main" val="4283947283"/>
+      </p:ext>
+    </p:extLst>
+  </p:cSld>
+  <p:clrMapOvr>
+    <a:masterClrMapping/>
+  </p:clrMapOvr>
 </p:sld>
 </file>
 
@@ -3663,7 +3745,7 @@
                   <a:schemeClr val="tx1"/>
                 </a:solidFill>
               </a:rPr>
-              <a:t>Introduction</a:t>
+              <a:t>Team</a:t>
             </a:r>
             <a:endParaRPr lang="en-US" dirty="0">
               <a:solidFill>
@@ -3685,7 +3767,7 @@
         </p:nvSpPr>
         <p:spPr>
           <a:xfrm>
-            <a:off x="457200" y="1855788"/>
+            <a:off x="1526976" y="1196752"/>
             <a:ext cx="8229600" cy="4525962"/>
           </a:xfrm>
         </p:spPr>
@@ -3693,7 +3775,99 @@
           <a:bodyPr/>
           <a:lstStyle/>
           <a:p>
-            <a:endParaRPr lang="en-US" dirty="0"/>
+            <a:endParaRPr lang="en-US" sz="2600" b="1" dirty="0" smtClean="0"/>
+          </a:p>
+          <a:p>
+            <a:r>
+              <a:rPr lang="en-US" sz="2600" b="1" dirty="0" smtClean="0"/>
+              <a:t>Christopher </a:t>
+            </a:r>
+            <a:r>
+              <a:rPr lang="en-US" sz="2600" b="1" dirty="0"/>
+              <a:t>Campbell </a:t>
+            </a:r>
+            <a:r>
+              <a:rPr lang="en-US" sz="2600" b="1" dirty="0"/>
+              <a:t> </a:t>
+            </a:r>
+            <a:r>
+              <a:rPr lang="en-US" sz="2600" b="1" dirty="0" smtClean="0"/>
+              <a:t>(System Architect)</a:t>
+            </a:r>
+          </a:p>
+          <a:p>
+            <a:r>
+              <a:rPr lang="en-US" sz="2600" b="1" dirty="0" err="1" smtClean="0"/>
+              <a:t>Sankalpa</a:t>
+            </a:r>
+            <a:r>
+              <a:rPr lang="en-US" sz="2600" b="1" dirty="0" smtClean="0"/>
+              <a:t> </a:t>
+            </a:r>
+            <a:r>
+              <a:rPr lang="en-US" sz="2600" b="1" dirty="0" err="1"/>
+              <a:t>Khadka</a:t>
+            </a:r>
+            <a:r>
+              <a:rPr lang="en-US" sz="2600" b="1" dirty="0"/>
+              <a:t> </a:t>
+            </a:r>
+            <a:r>
+              <a:rPr lang="en-US" sz="2600" b="1" dirty="0" smtClean="0"/>
+              <a:t>(Language Guru)</a:t>
+            </a:r>
+            <a:endParaRPr lang="en-US" sz="2600" b="1" dirty="0"/>
+          </a:p>
+          <a:p>
+            <a:r>
+              <a:rPr lang="en-US" sz="2600" b="1" dirty="0"/>
+              <a:t>Winnie </a:t>
+            </a:r>
+            <a:r>
+              <a:rPr lang="en-US" sz="2600" b="1" dirty="0" err="1"/>
+              <a:t>Narang</a:t>
+            </a:r>
+            <a:r>
+              <a:rPr lang="en-US" sz="2600" b="1" dirty="0"/>
+              <a:t> </a:t>
+            </a:r>
+            <a:r>
+              <a:rPr lang="en-US" sz="2600" b="1" dirty="0" smtClean="0"/>
+              <a:t>(Verification and Validation)</a:t>
+            </a:r>
+            <a:endParaRPr lang="en-US" sz="2600" b="1" dirty="0"/>
+          </a:p>
+          <a:p>
+            <a:r>
+              <a:rPr lang="en-US" sz="2600" b="1" dirty="0" smtClean="0"/>
+              <a:t> </a:t>
+            </a:r>
+            <a:r>
+              <a:rPr lang="en-US" sz="2600" b="1" dirty="0"/>
+              <a:t>Jonathan Wong </a:t>
+            </a:r>
+            <a:r>
+              <a:rPr lang="en-US" sz="2600" b="1" dirty="0" smtClean="0"/>
+              <a:t>(Manager)</a:t>
+            </a:r>
+          </a:p>
+          <a:p>
+            <a:r>
+              <a:rPr lang="en-US" sz="2600" b="1" dirty="0" err="1"/>
+              <a:t>Clément</a:t>
+            </a:r>
+            <a:r>
+              <a:rPr lang="en-US" sz="2600" b="1" dirty="0"/>
+              <a:t> </a:t>
+            </a:r>
+            <a:r>
+              <a:rPr lang="en-US" sz="2600" b="1" dirty="0" err="1" smtClean="0"/>
+              <a:t>Canonne</a:t>
+            </a:r>
+            <a:endParaRPr lang="en-US" sz="2600" b="1" dirty="0"/>
+          </a:p>
+          <a:p>
+            <a:endParaRPr lang="en-US" sz="2600" b="1" dirty="0"/>
           </a:p>
         </p:txBody>
       </p:sp>
@@ -3731,76 +3905,61 @@
       </p:grpSpPr>
       <p:sp>
         <p:nvSpPr>
-          <p:cNvPr id="153602" name="Rectangle 2"/>
-          <p:cNvSpPr>
-            <a:spLocks noGrp="1" noChangeArrowheads="1"/>
+          <p:cNvPr id="2" name="Title 1"/>
+          <p:cNvSpPr>
+            <a:spLocks noGrp="1"/>
           </p:cNvSpPr>
           <p:nvPr>
             <p:ph type="title"/>
           </p:nvPr>
         </p:nvSpPr>
+        <p:spPr/>
+        <p:txBody>
+          <a:bodyPr/>
+          <a:lstStyle/>
+          <a:p>
+            <a:r>
+              <a:rPr lang="en-US" dirty="0" smtClean="0"/>
+              <a:t>Overview &amp; Motivation</a:t>
+            </a:r>
+            <a:endParaRPr lang="en-US" dirty="0"/>
+          </a:p>
+        </p:txBody>
+      </p:sp>
+      <p:pic>
+        <p:nvPicPr>
+          <p:cNvPr id="4" name="Content Placeholder 3"/>
+          <p:cNvPicPr>
+            <a:picLocks noGrp="1" noChangeAspect="1"/>
+          </p:cNvPicPr>
+          <p:nvPr>
+            <p:ph idx="1"/>
+          </p:nvPr>
+        </p:nvPicPr>
+        <p:blipFill>
+          <a:blip r:embed="rId2"/>
+          <a:srcRect l="-39552" r="-39552"/>
+          <a:stretch>
+            <a:fillRect/>
+          </a:stretch>
+        </p:blipFill>
         <p:spPr>
           <a:xfrm>
-            <a:off x="395288" y="188913"/>
-            <a:ext cx="8229600" cy="981075"/>
+            <a:off x="5220072" y="3861048"/>
+            <a:ext cx="4114901" cy="2263037"/>
           </a:xfrm>
         </p:spPr>
-        <p:txBody>
-          <a:bodyPr/>
-          <a:lstStyle/>
-          <a:p>
-            <a:r>
-              <a:rPr lang="en-US" dirty="0" smtClean="0">
-                <a:solidFill>
-                  <a:schemeClr val="tx1"/>
-                </a:solidFill>
-              </a:rPr>
-              <a:t>Project Plan</a:t>
-            </a:r>
-            <a:endParaRPr lang="en-US" dirty="0">
-              <a:solidFill>
-                <a:schemeClr val="tx1"/>
-              </a:solidFill>
-            </a:endParaRPr>
-          </a:p>
-        </p:txBody>
-      </p:sp>
-      <p:sp>
-        <p:nvSpPr>
-          <p:cNvPr id="153603" name="Rectangle 3"/>
-          <p:cNvSpPr>
-            <a:spLocks noGrp="1" noChangeArrowheads="1"/>
-          </p:cNvSpPr>
-          <p:nvPr>
-            <p:ph idx="1"/>
-          </p:nvPr>
-        </p:nvSpPr>
-        <p:spPr>
-          <a:xfrm>
-            <a:off x="457200" y="1855788"/>
-            <a:ext cx="8229600" cy="4525962"/>
-          </a:xfrm>
-        </p:spPr>
-        <p:txBody>
-          <a:bodyPr/>
-          <a:lstStyle/>
-          <a:p>
-            <a:endParaRPr lang="en-US"/>
-          </a:p>
-        </p:txBody>
-      </p:sp>
+      </p:pic>
     </p:spTree>
+    <p:extLst>
+      <p:ext uri="{BB962C8B-B14F-4D97-AF65-F5344CB8AC3E}">
+        <p14:creationId xmlns:p14="http://schemas.microsoft.com/office/powerpoint/2010/main" val="1516557967"/>
+      </p:ext>
+    </p:extLst>
   </p:cSld>
   <p:clrMapOvr>
     <a:masterClrMapping/>
   </p:clrMapOvr>
-  <p:timing>
-    <p:tnLst>
-      <p:par>
-        <p:cTn xmlns:p14="http://schemas.microsoft.com/office/powerpoint/2010/main" id="1" dur="indefinite" restart="never" nodeType="tmRoot"/>
-      </p:par>
-    </p:tnLst>
-  </p:timing>
 </p:sld>
 </file>
 
@@ -3838,7 +3997,7 @@
           <a:p>
             <a:r>
               <a:rPr lang="en-US" dirty="0" smtClean="0"/>
-              <a:t>Architecture &amp; Design</a:t>
+              <a:t>Overview &amp; Motivation</a:t>
             </a:r>
             <a:endParaRPr lang="en-US" dirty="0"/>
           </a:p>
@@ -3859,14 +4018,14 @@
           <a:bodyPr/>
           <a:lstStyle/>
           <a:p>
-            <a:endParaRPr lang="en-US"/>
+            <a:endParaRPr lang="en-US" dirty="0"/>
           </a:p>
         </p:txBody>
       </p:sp>
     </p:spTree>
     <p:extLst>
       <p:ext uri="{BB962C8B-B14F-4D97-AF65-F5344CB8AC3E}">
-        <p14:creationId xmlns:p14="http://schemas.microsoft.com/office/powerpoint/2010/main" val="2721382723"/>
+        <p14:creationId xmlns:p14="http://schemas.microsoft.com/office/powerpoint/2010/main" val="2918676079"/>
       </p:ext>
     </p:extLst>
   </p:cSld>
@@ -3903,19 +4062,14 @@
             <p:ph type="title"/>
           </p:nvPr>
         </p:nvSpPr>
-        <p:spPr>
-          <a:xfrm>
-            <a:off x="683568" y="260648"/>
-            <a:ext cx="8229600" cy="1143000"/>
-          </a:xfrm>
-        </p:spPr>
+        <p:spPr/>
         <p:txBody>
           <a:bodyPr/>
           <a:lstStyle/>
           <a:p>
             <a:r>
               <a:rPr lang="en-US" dirty="0" smtClean="0"/>
-              <a:t>Testing and Verification</a:t>
+              <a:t>Overview &amp; Motivation</a:t>
             </a:r>
             <a:endParaRPr lang="en-US" dirty="0"/>
           </a:p>
@@ -3936,14 +4090,372 @@
           <a:bodyPr/>
           <a:lstStyle/>
           <a:p>
-            <a:endParaRPr lang="en-US"/>
+            <a:endParaRPr lang="en-US" dirty="0"/>
           </a:p>
         </p:txBody>
       </p:sp>
     </p:spTree>
     <p:extLst>
       <p:ext uri="{BB962C8B-B14F-4D97-AF65-F5344CB8AC3E}">
-        <p14:creationId xmlns:p14="http://schemas.microsoft.com/office/powerpoint/2010/main" val="4283947283"/>
+        <p14:creationId xmlns:p14="http://schemas.microsoft.com/office/powerpoint/2010/main" val="751257363"/>
+      </p:ext>
+    </p:extLst>
+  </p:cSld>
+  <p:clrMapOvr>
+    <a:masterClrMapping/>
+  </p:clrMapOvr>
+</p:sld>
+</file>
+
+<file path=ppt/slides/slide6.xml><?xml version="1.0" encoding="utf-8"?>
+<p:sld xmlns:a="http://schemas.openxmlformats.org/drawingml/2006/main" xmlns:r="http://schemas.openxmlformats.org/officeDocument/2006/relationships" xmlns:p="http://schemas.openxmlformats.org/presentationml/2006/main">
+  <p:cSld>
+    <p:spTree>
+      <p:nvGrpSpPr>
+        <p:cNvPr id="1" name=""/>
+        <p:cNvGrpSpPr/>
+        <p:nvPr/>
+      </p:nvGrpSpPr>
+      <p:grpSpPr>
+        <a:xfrm>
+          <a:off x="0" y="0"/>
+          <a:ext cx="0" cy="0"/>
+          <a:chOff x="0" y="0"/>
+          <a:chExt cx="0" cy="0"/>
+        </a:xfrm>
+      </p:grpSpPr>
+      <p:sp>
+        <p:nvSpPr>
+          <p:cNvPr id="153602" name="Rectangle 2"/>
+          <p:cNvSpPr>
+            <a:spLocks noGrp="1" noChangeArrowheads="1"/>
+          </p:cNvSpPr>
+          <p:nvPr>
+            <p:ph type="title"/>
+          </p:nvPr>
+        </p:nvSpPr>
+        <p:spPr>
+          <a:xfrm>
+            <a:off x="395288" y="188913"/>
+            <a:ext cx="8229600" cy="981075"/>
+          </a:xfrm>
+        </p:spPr>
+        <p:txBody>
+          <a:bodyPr/>
+          <a:lstStyle/>
+          <a:p>
+            <a:r>
+              <a:rPr lang="en-US" dirty="0" smtClean="0">
+                <a:solidFill>
+                  <a:schemeClr val="tx1"/>
+                </a:solidFill>
+              </a:rPr>
+              <a:t>Tutorial Introduction</a:t>
+            </a:r>
+            <a:endParaRPr lang="en-US" dirty="0">
+              <a:solidFill>
+                <a:schemeClr val="tx1"/>
+              </a:solidFill>
+            </a:endParaRPr>
+          </a:p>
+        </p:txBody>
+      </p:sp>
+      <p:sp>
+        <p:nvSpPr>
+          <p:cNvPr id="153603" name="Rectangle 3"/>
+          <p:cNvSpPr>
+            <a:spLocks noGrp="1" noChangeArrowheads="1"/>
+          </p:cNvSpPr>
+          <p:nvPr>
+            <p:ph idx="1"/>
+          </p:nvPr>
+        </p:nvSpPr>
+        <p:spPr>
+          <a:xfrm>
+            <a:off x="457200" y="1855788"/>
+            <a:ext cx="8229600" cy="4525962"/>
+          </a:xfrm>
+        </p:spPr>
+        <p:txBody>
+          <a:bodyPr/>
+          <a:lstStyle/>
+          <a:p>
+            <a:endParaRPr lang="en-US"/>
+          </a:p>
+        </p:txBody>
+      </p:sp>
+    </p:spTree>
+  </p:cSld>
+  <p:clrMapOvr>
+    <a:masterClrMapping/>
+  </p:clrMapOvr>
+  <p:timing>
+    <p:tnLst>
+      <p:par>
+        <p:cTn xmlns:p14="http://schemas.microsoft.com/office/powerpoint/2010/main" id="1" dur="indefinite" restart="never" nodeType="tmRoot"/>
+      </p:par>
+    </p:tnLst>
+  </p:timing>
+</p:sld>
+</file>
+
+<file path=ppt/slides/slide7.xml><?xml version="1.0" encoding="utf-8"?>
+<p:sld xmlns:a="http://schemas.openxmlformats.org/drawingml/2006/main" xmlns:r="http://schemas.openxmlformats.org/officeDocument/2006/relationships" xmlns:p="http://schemas.openxmlformats.org/presentationml/2006/main">
+  <p:cSld>
+    <p:spTree>
+      <p:nvGrpSpPr>
+        <p:cNvPr id="1" name=""/>
+        <p:cNvGrpSpPr/>
+        <p:nvPr/>
+      </p:nvGrpSpPr>
+      <p:grpSpPr>
+        <a:xfrm>
+          <a:off x="0" y="0"/>
+          <a:ext cx="0" cy="0"/>
+          <a:chOff x="0" y="0"/>
+          <a:chExt cx="0" cy="0"/>
+        </a:xfrm>
+      </p:grpSpPr>
+      <p:sp>
+        <p:nvSpPr>
+          <p:cNvPr id="153602" name="Rectangle 2"/>
+          <p:cNvSpPr>
+            <a:spLocks noGrp="1" noChangeArrowheads="1"/>
+          </p:cNvSpPr>
+          <p:nvPr>
+            <p:ph type="title"/>
+          </p:nvPr>
+        </p:nvSpPr>
+        <p:spPr>
+          <a:xfrm>
+            <a:off x="395288" y="188913"/>
+            <a:ext cx="8229600" cy="981075"/>
+          </a:xfrm>
+        </p:spPr>
+        <p:txBody>
+          <a:bodyPr/>
+          <a:lstStyle/>
+          <a:p>
+            <a:r>
+              <a:rPr lang="en-US" dirty="0" smtClean="0">
+                <a:solidFill>
+                  <a:schemeClr val="tx1"/>
+                </a:solidFill>
+              </a:rPr>
+              <a:t>Tutorial Introduction</a:t>
+            </a:r>
+            <a:endParaRPr lang="en-US" dirty="0">
+              <a:solidFill>
+                <a:schemeClr val="tx1"/>
+              </a:solidFill>
+            </a:endParaRPr>
+          </a:p>
+        </p:txBody>
+      </p:sp>
+      <p:sp>
+        <p:nvSpPr>
+          <p:cNvPr id="153603" name="Rectangle 3"/>
+          <p:cNvSpPr>
+            <a:spLocks noGrp="1" noChangeArrowheads="1"/>
+          </p:cNvSpPr>
+          <p:nvPr>
+            <p:ph idx="1"/>
+          </p:nvPr>
+        </p:nvSpPr>
+        <p:spPr>
+          <a:xfrm>
+            <a:off x="457200" y="1855788"/>
+            <a:ext cx="8229600" cy="4525962"/>
+          </a:xfrm>
+        </p:spPr>
+        <p:txBody>
+          <a:bodyPr/>
+          <a:lstStyle/>
+          <a:p>
+            <a:endParaRPr lang="en-US"/>
+          </a:p>
+        </p:txBody>
+      </p:sp>
+    </p:spTree>
+    <p:extLst>
+      <p:ext uri="{BB962C8B-B14F-4D97-AF65-F5344CB8AC3E}">
+        <p14:creationId xmlns:p14="http://schemas.microsoft.com/office/powerpoint/2010/main" val="519852466"/>
+      </p:ext>
+    </p:extLst>
+  </p:cSld>
+  <p:clrMapOvr>
+    <a:masterClrMapping/>
+  </p:clrMapOvr>
+  <p:timing>
+    <p:tnLst>
+      <p:par>
+        <p:cTn xmlns:p14="http://schemas.microsoft.com/office/powerpoint/2010/main" id="1" dur="indefinite" restart="never" nodeType="tmRoot"/>
+      </p:par>
+    </p:tnLst>
+  </p:timing>
+</p:sld>
+</file>
+
+<file path=ppt/slides/slide8.xml><?xml version="1.0" encoding="utf-8"?>
+<p:sld xmlns:a="http://schemas.openxmlformats.org/drawingml/2006/main" xmlns:r="http://schemas.openxmlformats.org/officeDocument/2006/relationships" xmlns:p="http://schemas.openxmlformats.org/presentationml/2006/main">
+  <p:cSld>
+    <p:spTree>
+      <p:nvGrpSpPr>
+        <p:cNvPr id="1" name=""/>
+        <p:cNvGrpSpPr/>
+        <p:nvPr/>
+      </p:nvGrpSpPr>
+      <p:grpSpPr>
+        <a:xfrm>
+          <a:off x="0" y="0"/>
+          <a:ext cx="0" cy="0"/>
+          <a:chOff x="0" y="0"/>
+          <a:chExt cx="0" cy="0"/>
+        </a:xfrm>
+      </p:grpSpPr>
+      <p:sp>
+        <p:nvSpPr>
+          <p:cNvPr id="153602" name="Rectangle 2"/>
+          <p:cNvSpPr>
+            <a:spLocks noGrp="1" noChangeArrowheads="1"/>
+          </p:cNvSpPr>
+          <p:nvPr>
+            <p:ph type="title"/>
+          </p:nvPr>
+        </p:nvSpPr>
+        <p:spPr>
+          <a:xfrm>
+            <a:off x="395288" y="188913"/>
+            <a:ext cx="8229600" cy="981075"/>
+          </a:xfrm>
+        </p:spPr>
+        <p:txBody>
+          <a:bodyPr/>
+          <a:lstStyle/>
+          <a:p>
+            <a:r>
+              <a:rPr lang="en-US" dirty="0" smtClean="0">
+                <a:solidFill>
+                  <a:schemeClr val="tx1"/>
+                </a:solidFill>
+              </a:rPr>
+              <a:t>Tutorial Introduction</a:t>
+            </a:r>
+            <a:endParaRPr lang="en-US" dirty="0">
+              <a:solidFill>
+                <a:schemeClr val="tx1"/>
+              </a:solidFill>
+            </a:endParaRPr>
+          </a:p>
+        </p:txBody>
+      </p:sp>
+      <p:sp>
+        <p:nvSpPr>
+          <p:cNvPr id="153603" name="Rectangle 3"/>
+          <p:cNvSpPr>
+            <a:spLocks noGrp="1" noChangeArrowheads="1"/>
+          </p:cNvSpPr>
+          <p:nvPr>
+            <p:ph idx="1"/>
+          </p:nvPr>
+        </p:nvSpPr>
+        <p:spPr>
+          <a:xfrm>
+            <a:off x="457200" y="1855788"/>
+            <a:ext cx="8229600" cy="4525962"/>
+          </a:xfrm>
+        </p:spPr>
+        <p:txBody>
+          <a:bodyPr/>
+          <a:lstStyle/>
+          <a:p>
+            <a:endParaRPr lang="en-US"/>
+          </a:p>
+        </p:txBody>
+      </p:sp>
+    </p:spTree>
+    <p:extLst>
+      <p:ext uri="{BB962C8B-B14F-4D97-AF65-F5344CB8AC3E}">
+        <p14:creationId xmlns:p14="http://schemas.microsoft.com/office/powerpoint/2010/main" val="1678167667"/>
+      </p:ext>
+    </p:extLst>
+  </p:cSld>
+  <p:clrMapOvr>
+    <a:masterClrMapping/>
+  </p:clrMapOvr>
+  <p:timing>
+    <p:tnLst>
+      <p:par>
+        <p:cTn xmlns:p14="http://schemas.microsoft.com/office/powerpoint/2010/main" id="1" dur="indefinite" restart="never" nodeType="tmRoot"/>
+      </p:par>
+    </p:tnLst>
+  </p:timing>
+</p:sld>
+</file>
+
+<file path=ppt/slides/slide9.xml><?xml version="1.0" encoding="utf-8"?>
+<p:sld xmlns:a="http://schemas.openxmlformats.org/drawingml/2006/main" xmlns:r="http://schemas.openxmlformats.org/officeDocument/2006/relationships" xmlns:p="http://schemas.openxmlformats.org/presentationml/2006/main">
+  <p:cSld>
+    <p:spTree>
+      <p:nvGrpSpPr>
+        <p:cNvPr id="1" name=""/>
+        <p:cNvGrpSpPr/>
+        <p:nvPr/>
+      </p:nvGrpSpPr>
+      <p:grpSpPr>
+        <a:xfrm>
+          <a:off x="0" y="0"/>
+          <a:ext cx="0" cy="0"/>
+          <a:chOff x="0" y="0"/>
+          <a:chExt cx="0" cy="0"/>
+        </a:xfrm>
+      </p:grpSpPr>
+      <p:sp>
+        <p:nvSpPr>
+          <p:cNvPr id="2" name="Title 1"/>
+          <p:cNvSpPr>
+            <a:spLocks noGrp="1"/>
+          </p:cNvSpPr>
+          <p:nvPr>
+            <p:ph type="title"/>
+          </p:nvPr>
+        </p:nvSpPr>
+        <p:spPr/>
+        <p:txBody>
+          <a:bodyPr/>
+          <a:lstStyle/>
+          <a:p>
+            <a:r>
+              <a:rPr lang="en-US" dirty="0" smtClean="0"/>
+              <a:t>Implementation</a:t>
+            </a:r>
+            <a:endParaRPr lang="en-US" dirty="0"/>
+          </a:p>
+        </p:txBody>
+      </p:sp>
+      <p:sp>
+        <p:nvSpPr>
+          <p:cNvPr id="3" name="Content Placeholder 2"/>
+          <p:cNvSpPr>
+            <a:spLocks noGrp="1"/>
+          </p:cNvSpPr>
+          <p:nvPr>
+            <p:ph idx="1"/>
+          </p:nvPr>
+        </p:nvSpPr>
+        <p:spPr/>
+        <p:txBody>
+          <a:bodyPr/>
+          <a:lstStyle/>
+          <a:p>
+            <a:endParaRPr lang="en-US" dirty="0"/>
+          </a:p>
+        </p:txBody>
+      </p:sp>
+    </p:spTree>
+    <p:extLst>
+      <p:ext uri="{BB962C8B-B14F-4D97-AF65-F5344CB8AC3E}">
+        <p14:creationId xmlns:p14="http://schemas.microsoft.com/office/powerpoint/2010/main" val="2721382723"/>
       </p:ext>
     </p:extLst>
   </p:cSld>

--- a/Demo/Qlang.pptx
+++ b/Demo/Qlang.pptx
@@ -1,6 +1,6 @@
 
 <file path=ppt/presentation.xml><?xml version="1.0" encoding="utf-8"?>
-<p:presentation xmlns:a="http://schemas.openxmlformats.org/drawingml/2006/main" xmlns:r="http://schemas.openxmlformats.org/officeDocument/2006/relationships" xmlns:p="http://schemas.openxmlformats.org/presentationml/2006/main" compatMode="1" saveSubsetFonts="1" autoCompressPictures="0">
+<p:presentation xmlns:a="http://schemas.openxmlformats.org/drawingml/2006/main" xmlns:r="http://schemas.openxmlformats.org/officeDocument/2006/relationships" xmlns:p="http://schemas.openxmlformats.org/presentationml/2006/main" saveSubsetFonts="1" autoCompressPictures="0">
   <p:sldMasterIdLst>
     <p:sldMasterId id="2147483648" r:id="rId1"/>
   </p:sldMasterIdLst>
@@ -8,13 +8,12 @@
     <p:sldId id="256" r:id="rId2"/>
     <p:sldId id="257" r:id="rId3"/>
     <p:sldId id="261" r:id="rId4"/>
-    <p:sldId id="265" r:id="rId5"/>
-    <p:sldId id="264" r:id="rId6"/>
-    <p:sldId id="258" r:id="rId7"/>
-    <p:sldId id="262" r:id="rId8"/>
-    <p:sldId id="263" r:id="rId9"/>
-    <p:sldId id="259" r:id="rId10"/>
-    <p:sldId id="260" r:id="rId11"/>
+    <p:sldId id="264" r:id="rId5"/>
+    <p:sldId id="258" r:id="rId6"/>
+    <p:sldId id="262" r:id="rId7"/>
+    <p:sldId id="263" r:id="rId8"/>
+    <p:sldId id="259" r:id="rId9"/>
+    <p:sldId id="260" r:id="rId10"/>
   </p:sldIdLst>
   <p:sldSz cx="9144000" cy="6858000" type="screen4x3"/>
   <p:notesSz cx="6858000" cy="9144000"/>
@@ -3625,83 +3624,6 @@
 </p:sld>
 </file>
 
-<file path=ppt/slides/slide10.xml><?xml version="1.0" encoding="utf-8"?>
-<p:sld xmlns:a="http://schemas.openxmlformats.org/drawingml/2006/main" xmlns:r="http://schemas.openxmlformats.org/officeDocument/2006/relationships" xmlns:p="http://schemas.openxmlformats.org/presentationml/2006/main">
-  <p:cSld>
-    <p:spTree>
-      <p:nvGrpSpPr>
-        <p:cNvPr id="1" name=""/>
-        <p:cNvGrpSpPr/>
-        <p:nvPr/>
-      </p:nvGrpSpPr>
-      <p:grpSpPr>
-        <a:xfrm>
-          <a:off x="0" y="0"/>
-          <a:ext cx="0" cy="0"/>
-          <a:chOff x="0" y="0"/>
-          <a:chExt cx="0" cy="0"/>
-        </a:xfrm>
-      </p:grpSpPr>
-      <p:sp>
-        <p:nvSpPr>
-          <p:cNvPr id="2" name="Title 1"/>
-          <p:cNvSpPr>
-            <a:spLocks noGrp="1"/>
-          </p:cNvSpPr>
-          <p:nvPr>
-            <p:ph type="title"/>
-          </p:nvPr>
-        </p:nvSpPr>
-        <p:spPr>
-          <a:xfrm>
-            <a:off x="683568" y="260648"/>
-            <a:ext cx="8229600" cy="1143000"/>
-          </a:xfrm>
-        </p:spPr>
-        <p:txBody>
-          <a:bodyPr/>
-          <a:lstStyle/>
-          <a:p>
-            <a:r>
-              <a:rPr lang="en-US" dirty="0" smtClean="0"/>
-              <a:t>Testing and Verification</a:t>
-            </a:r>
-            <a:endParaRPr lang="en-US" dirty="0"/>
-          </a:p>
-        </p:txBody>
-      </p:sp>
-      <p:sp>
-        <p:nvSpPr>
-          <p:cNvPr id="3" name="Content Placeholder 2"/>
-          <p:cNvSpPr>
-            <a:spLocks noGrp="1"/>
-          </p:cNvSpPr>
-          <p:nvPr>
-            <p:ph idx="1"/>
-          </p:nvPr>
-        </p:nvSpPr>
-        <p:spPr/>
-        <p:txBody>
-          <a:bodyPr/>
-          <a:lstStyle/>
-          <a:p>
-            <a:endParaRPr lang="en-US"/>
-          </a:p>
-        </p:txBody>
-      </p:sp>
-    </p:spTree>
-    <p:extLst>
-      <p:ext uri="{BB962C8B-B14F-4D97-AF65-F5344CB8AC3E}">
-        <p14:creationId xmlns:p14="http://schemas.microsoft.com/office/powerpoint/2010/main" val="4283947283"/>
-      </p:ext>
-    </p:extLst>
-  </p:cSld>
-  <p:clrMapOvr>
-    <a:masterClrMapping/>
-  </p:clrMapOvr>
-</p:sld>
-</file>
-
 <file path=ppt/slides/slide2.xml><?xml version="1.0" encoding="utf-8"?>
 <p:sld xmlns:a="http://schemas.openxmlformats.org/drawingml/2006/main" xmlns:r="http://schemas.openxmlformats.org/officeDocument/2006/relationships" xmlns:p="http://schemas.openxmlformats.org/presentationml/2006/main">
   <p:cSld>
@@ -3926,30 +3848,34 @@
           </a:p>
         </p:txBody>
       </p:sp>
-      <p:pic>
-        <p:nvPicPr>
-          <p:cNvPr id="4" name="Content Placeholder 3"/>
-          <p:cNvPicPr>
-            <a:picLocks noGrp="1" noChangeAspect="1"/>
-          </p:cNvPicPr>
+      <p:sp>
+        <p:nvSpPr>
+          <p:cNvPr id="5" name="Content Placeholder 4"/>
+          <p:cNvSpPr>
+            <a:spLocks noGrp="1"/>
+          </p:cNvSpPr>
           <p:nvPr>
             <p:ph idx="1"/>
           </p:nvPr>
-        </p:nvPicPr>
-        <p:blipFill>
-          <a:blip r:embed="rId2"/>
-          <a:srcRect l="-39552" r="-39552"/>
-          <a:stretch>
-            <a:fillRect/>
-          </a:stretch>
-        </p:blipFill>
+        </p:nvSpPr>
         <p:spPr>
           <a:xfrm>
-            <a:off x="5220072" y="3861048"/>
-            <a:ext cx="4114901" cy="2263037"/>
+            <a:off x="1526976" y="1556792"/>
+            <a:ext cx="8229600" cy="4525963"/>
           </a:xfrm>
         </p:spPr>
-      </p:pic>
+        <p:txBody>
+          <a:bodyPr/>
+          <a:lstStyle/>
+          <a:p>
+            <a:r>
+              <a:rPr lang="en-US" dirty="0" smtClean="0"/>
+              <a:t>Quantum Computing</a:t>
+            </a:r>
+            <a:endParaRPr lang="en-US" dirty="0"/>
+          </a:p>
+        </p:txBody>
+      </p:sp>
     </p:spTree>
     <p:extLst>
       <p:ext uri="{BB962C8B-B14F-4D97-AF65-F5344CB8AC3E}">
@@ -4013,7 +3939,12 @@
             <p:ph idx="1"/>
           </p:nvPr>
         </p:nvSpPr>
-        <p:spPr/>
+        <p:spPr>
+          <a:xfrm>
+            <a:off x="1526976" y="1600200"/>
+            <a:ext cx="8229600" cy="4525963"/>
+          </a:xfrm>
+        </p:spPr>
         <p:txBody>
           <a:bodyPr/>
           <a:lstStyle/>
@@ -4025,7 +3956,7 @@
     </p:spTree>
     <p:extLst>
       <p:ext uri="{BB962C8B-B14F-4D97-AF65-F5344CB8AC3E}">
-        <p14:creationId xmlns:p14="http://schemas.microsoft.com/office/powerpoint/2010/main" val="2918676079"/>
+        <p14:creationId xmlns:p14="http://schemas.microsoft.com/office/powerpoint/2010/main" val="751257363"/>
       </p:ext>
     </p:extLst>
   </p:cSld>
@@ -4054,56 +3985,76 @@
       </p:grpSpPr>
       <p:sp>
         <p:nvSpPr>
-          <p:cNvPr id="2" name="Title 1"/>
-          <p:cNvSpPr>
-            <a:spLocks noGrp="1"/>
+          <p:cNvPr id="153602" name="Rectangle 2"/>
+          <p:cNvSpPr>
+            <a:spLocks noGrp="1" noChangeArrowheads="1"/>
           </p:cNvSpPr>
           <p:nvPr>
             <p:ph type="title"/>
           </p:nvPr>
         </p:nvSpPr>
-        <p:spPr/>
+        <p:spPr>
+          <a:xfrm>
+            <a:off x="395288" y="188913"/>
+            <a:ext cx="8229600" cy="981075"/>
+          </a:xfrm>
+        </p:spPr>
         <p:txBody>
           <a:bodyPr/>
           <a:lstStyle/>
           <a:p>
             <a:r>
-              <a:rPr lang="en-US" dirty="0" smtClean="0"/>
-              <a:t>Overview &amp; Motivation</a:t>
-            </a:r>
+              <a:rPr lang="en-US" dirty="0" smtClean="0">
+                <a:solidFill>
+                  <a:schemeClr val="tx1"/>
+                </a:solidFill>
+              </a:rPr>
+              <a:t>Tutorial Introduction</a:t>
+            </a:r>
+            <a:endParaRPr lang="en-US" dirty="0">
+              <a:solidFill>
+                <a:schemeClr val="tx1"/>
+              </a:solidFill>
+            </a:endParaRPr>
+          </a:p>
+        </p:txBody>
+      </p:sp>
+      <p:sp>
+        <p:nvSpPr>
+          <p:cNvPr id="153603" name="Rectangle 3"/>
+          <p:cNvSpPr>
+            <a:spLocks noGrp="1" noChangeArrowheads="1"/>
+          </p:cNvSpPr>
+          <p:nvPr>
+            <p:ph idx="1"/>
+          </p:nvPr>
+        </p:nvSpPr>
+        <p:spPr>
+          <a:xfrm>
+            <a:off x="1526976" y="1855788"/>
+            <a:ext cx="8229600" cy="4525962"/>
+          </a:xfrm>
+        </p:spPr>
+        <p:txBody>
+          <a:bodyPr/>
+          <a:lstStyle/>
+          <a:p>
             <a:endParaRPr lang="en-US" dirty="0"/>
           </a:p>
         </p:txBody>
       </p:sp>
-      <p:sp>
-        <p:nvSpPr>
-          <p:cNvPr id="3" name="Content Placeholder 2"/>
-          <p:cNvSpPr>
-            <a:spLocks noGrp="1"/>
-          </p:cNvSpPr>
-          <p:nvPr>
-            <p:ph idx="1"/>
-          </p:nvPr>
-        </p:nvSpPr>
-        <p:spPr/>
-        <p:txBody>
-          <a:bodyPr/>
-          <a:lstStyle/>
-          <a:p>
-            <a:endParaRPr lang="en-US" dirty="0"/>
-          </a:p>
-        </p:txBody>
-      </p:sp>
     </p:spTree>
-    <p:extLst>
-      <p:ext uri="{BB962C8B-B14F-4D97-AF65-F5344CB8AC3E}">
-        <p14:creationId xmlns:p14="http://schemas.microsoft.com/office/powerpoint/2010/main" val="751257363"/>
-      </p:ext>
-    </p:extLst>
   </p:cSld>
   <p:clrMapOvr>
     <a:masterClrMapping/>
   </p:clrMapOvr>
+  <p:timing>
+    <p:tnLst>
+      <p:par>
+        <p:cTn xmlns:p14="http://schemas.microsoft.com/office/powerpoint/2010/main" id="1" dur="indefinite" restart="never" nodeType="tmRoot"/>
+      </p:par>
+    </p:tnLst>
+  </p:timing>
 </p:sld>
 </file>
 
@@ -4172,7 +4123,7 @@
         </p:nvSpPr>
         <p:spPr>
           <a:xfrm>
-            <a:off x="457200" y="1855788"/>
+            <a:off x="1526976" y="1855788"/>
             <a:ext cx="8229600" cy="4525962"/>
           </a:xfrm>
         </p:spPr>
@@ -4180,11 +4131,16 @@
           <a:bodyPr/>
           <a:lstStyle/>
           <a:p>
-            <a:endParaRPr lang="en-US"/>
+            <a:endParaRPr lang="en-US" dirty="0"/>
           </a:p>
         </p:txBody>
       </p:sp>
     </p:spTree>
+    <p:extLst>
+      <p:ext uri="{BB962C8B-B14F-4D97-AF65-F5344CB8AC3E}">
+        <p14:creationId xmlns:p14="http://schemas.microsoft.com/office/powerpoint/2010/main" val="519852466"/>
+      </p:ext>
+    </p:extLst>
   </p:cSld>
   <p:clrMapOvr>
     <a:masterClrMapping/>
@@ -4264,7 +4220,7 @@
         </p:nvSpPr>
         <p:spPr>
           <a:xfrm>
-            <a:off x="457200" y="1855788"/>
+            <a:off x="1526976" y="1855788"/>
             <a:ext cx="8229600" cy="4525962"/>
           </a:xfrm>
         </p:spPr>
@@ -4279,7 +4235,7 @@
     </p:spTree>
     <p:extLst>
       <p:ext uri="{BB962C8B-B14F-4D97-AF65-F5344CB8AC3E}">
-        <p14:creationId xmlns:p14="http://schemas.microsoft.com/office/powerpoint/2010/main" val="519852466"/>
+        <p14:creationId xmlns:p14="http://schemas.microsoft.com/office/powerpoint/2010/main" val="1678167667"/>
       </p:ext>
     </p:extLst>
   </p:cSld>
@@ -4315,81 +4271,61 @@
       </p:grpSpPr>
       <p:sp>
         <p:nvSpPr>
-          <p:cNvPr id="153602" name="Rectangle 2"/>
-          <p:cNvSpPr>
-            <a:spLocks noGrp="1" noChangeArrowheads="1"/>
+          <p:cNvPr id="2" name="Title 1"/>
+          <p:cNvSpPr>
+            <a:spLocks noGrp="1"/>
           </p:cNvSpPr>
           <p:nvPr>
             <p:ph type="title"/>
+          </p:nvPr>
+        </p:nvSpPr>
+        <p:spPr/>
+        <p:txBody>
+          <a:bodyPr/>
+          <a:lstStyle/>
+          <a:p>
+            <a:r>
+              <a:rPr lang="en-US" dirty="0" smtClean="0"/>
+              <a:t>Implementation</a:t>
+            </a:r>
+            <a:endParaRPr lang="en-US" dirty="0"/>
+          </a:p>
+        </p:txBody>
+      </p:sp>
+      <p:sp>
+        <p:nvSpPr>
+          <p:cNvPr id="3" name="Content Placeholder 2"/>
+          <p:cNvSpPr>
+            <a:spLocks noGrp="1"/>
+          </p:cNvSpPr>
+          <p:nvPr>
+            <p:ph idx="1"/>
           </p:nvPr>
         </p:nvSpPr>
         <p:spPr>
           <a:xfrm>
-            <a:off x="395288" y="188913"/>
-            <a:ext cx="8229600" cy="981075"/>
+            <a:off x="1547664" y="1600200"/>
+            <a:ext cx="8229600" cy="4525963"/>
           </a:xfrm>
         </p:spPr>
         <p:txBody>
           <a:bodyPr/>
           <a:lstStyle/>
           <a:p>
-            <a:r>
-              <a:rPr lang="en-US" dirty="0" smtClean="0">
-                <a:solidFill>
-                  <a:schemeClr val="tx1"/>
-                </a:solidFill>
-              </a:rPr>
-              <a:t>Tutorial Introduction</a:t>
-            </a:r>
-            <a:endParaRPr lang="en-US" dirty="0">
-              <a:solidFill>
-                <a:schemeClr val="tx1"/>
-              </a:solidFill>
-            </a:endParaRPr>
-          </a:p>
-        </p:txBody>
-      </p:sp>
-      <p:sp>
-        <p:nvSpPr>
-          <p:cNvPr id="153603" name="Rectangle 3"/>
-          <p:cNvSpPr>
-            <a:spLocks noGrp="1" noChangeArrowheads="1"/>
-          </p:cNvSpPr>
-          <p:nvPr>
-            <p:ph idx="1"/>
-          </p:nvPr>
-        </p:nvSpPr>
-        <p:spPr>
-          <a:xfrm>
-            <a:off x="457200" y="1855788"/>
-            <a:ext cx="8229600" cy="4525962"/>
-          </a:xfrm>
-        </p:spPr>
-        <p:txBody>
-          <a:bodyPr/>
-          <a:lstStyle/>
-          <a:p>
-            <a:endParaRPr lang="en-US"/>
+            <a:endParaRPr lang="en-US" dirty="0"/>
           </a:p>
         </p:txBody>
       </p:sp>
     </p:spTree>
     <p:extLst>
       <p:ext uri="{BB962C8B-B14F-4D97-AF65-F5344CB8AC3E}">
-        <p14:creationId xmlns:p14="http://schemas.microsoft.com/office/powerpoint/2010/main" val="1678167667"/>
+        <p14:creationId xmlns:p14="http://schemas.microsoft.com/office/powerpoint/2010/main" val="2721382723"/>
       </p:ext>
     </p:extLst>
   </p:cSld>
   <p:clrMapOvr>
     <a:masterClrMapping/>
   </p:clrMapOvr>
-  <p:timing>
-    <p:tnLst>
-      <p:par>
-        <p:cTn xmlns:p14="http://schemas.microsoft.com/office/powerpoint/2010/main" id="1" dur="indefinite" restart="never" nodeType="tmRoot"/>
-      </p:par>
-    </p:tnLst>
-  </p:timing>
 </p:sld>
 </file>
 
@@ -4420,14 +4356,19 @@
             <p:ph type="title"/>
           </p:nvPr>
         </p:nvSpPr>
-        <p:spPr/>
+        <p:spPr>
+          <a:xfrm>
+            <a:off x="683568" y="260648"/>
+            <a:ext cx="8229600" cy="1143000"/>
+          </a:xfrm>
+        </p:spPr>
         <p:txBody>
           <a:bodyPr/>
           <a:lstStyle/>
           <a:p>
             <a:r>
               <a:rPr lang="en-US" dirty="0" smtClean="0"/>
-              <a:t>Implementation</a:t>
+              <a:t>Testing and Verification</a:t>
             </a:r>
             <a:endParaRPr lang="en-US" dirty="0"/>
           </a:p>
@@ -4443,7 +4384,12 @@
             <p:ph idx="1"/>
           </p:nvPr>
         </p:nvSpPr>
-        <p:spPr/>
+        <p:spPr>
+          <a:xfrm>
+            <a:off x="1526976" y="1600200"/>
+            <a:ext cx="8229600" cy="4525963"/>
+          </a:xfrm>
+        </p:spPr>
         <p:txBody>
           <a:bodyPr/>
           <a:lstStyle/>
@@ -4455,7 +4401,7 @@
     </p:spTree>
     <p:extLst>
       <p:ext uri="{BB962C8B-B14F-4D97-AF65-F5344CB8AC3E}">
-        <p14:creationId xmlns:p14="http://schemas.microsoft.com/office/powerpoint/2010/main" val="2721382723"/>
+        <p14:creationId xmlns:p14="http://schemas.microsoft.com/office/powerpoint/2010/main" val="4283947283"/>
       </p:ext>
     </p:extLst>
   </p:cSld>

--- a/Demo/Qlang.pptx
+++ b/Demo/Qlang.pptx
@@ -8,12 +8,9 @@
     <p:sldId id="256" r:id="rId2"/>
     <p:sldId id="257" r:id="rId3"/>
     <p:sldId id="261" r:id="rId4"/>
-    <p:sldId id="264" r:id="rId5"/>
-    <p:sldId id="258" r:id="rId6"/>
-    <p:sldId id="262" r:id="rId7"/>
-    <p:sldId id="263" r:id="rId8"/>
-    <p:sldId id="259" r:id="rId9"/>
-    <p:sldId id="260" r:id="rId10"/>
+    <p:sldId id="258" r:id="rId5"/>
+    <p:sldId id="259" r:id="rId6"/>
+    <p:sldId id="260" r:id="rId7"/>
   </p:sldIdLst>
   <p:sldSz cx="9144000" cy="6858000" type="screen4x3"/>
   <p:notesSz cx="6858000" cy="9144000"/>
@@ -3653,23 +3650,24 @@
         </p:nvSpPr>
         <p:spPr>
           <a:xfrm>
-            <a:off x="395288" y="188913"/>
-            <a:ext cx="8229600" cy="981075"/>
+            <a:off x="1547664" y="188913"/>
+            <a:ext cx="4032448" cy="981075"/>
           </a:xfrm>
         </p:spPr>
         <p:txBody>
           <a:bodyPr/>
           <a:lstStyle/>
           <a:p>
-            <a:r>
-              <a:rPr lang="en-US" dirty="0" smtClean="0">
+            <a:pPr algn="l"/>
+            <a:r>
+              <a:rPr lang="en-US" sz="4000" dirty="0" smtClean="0">
                 <a:solidFill>
                   <a:schemeClr val="tx1"/>
                 </a:solidFill>
               </a:rPr>
               <a:t>Team</a:t>
             </a:r>
-            <a:endParaRPr lang="en-US" dirty="0">
+            <a:endParaRPr lang="en-US" sz="4000" dirty="0">
               <a:solidFill>
                 <a:schemeClr val="tx1"/>
               </a:solidFill>
@@ -3835,16 +3833,22 @@
             <p:ph type="title"/>
           </p:nvPr>
         </p:nvSpPr>
-        <p:spPr/>
+        <p:spPr>
+          <a:xfrm>
+            <a:off x="1609328" y="188640"/>
+            <a:ext cx="6347048" cy="1143000"/>
+          </a:xfrm>
+        </p:spPr>
         <p:txBody>
           <a:bodyPr/>
           <a:lstStyle/>
           <a:p>
-            <a:r>
-              <a:rPr lang="en-US" dirty="0" smtClean="0"/>
+            <a:pPr algn="l"/>
+            <a:r>
+              <a:rPr lang="en-US" sz="4000" dirty="0" smtClean="0"/>
               <a:t>Overview &amp; Motivation</a:t>
             </a:r>
-            <a:endParaRPr lang="en-US" dirty="0"/>
+            <a:endParaRPr lang="en-US" sz="4000" dirty="0"/>
           </a:p>
         </p:txBody>
       </p:sp>
@@ -3908,61 +3912,77 @@
       </p:grpSpPr>
       <p:sp>
         <p:nvSpPr>
-          <p:cNvPr id="2" name="Title 1"/>
-          <p:cNvSpPr>
-            <a:spLocks noGrp="1"/>
+          <p:cNvPr id="153602" name="Rectangle 2"/>
+          <p:cNvSpPr>
+            <a:spLocks noGrp="1" noChangeArrowheads="1"/>
           </p:cNvSpPr>
           <p:nvPr>
             <p:ph type="title"/>
-          </p:nvPr>
-        </p:nvSpPr>
-        <p:spPr/>
-        <p:txBody>
-          <a:bodyPr/>
-          <a:lstStyle/>
-          <a:p>
-            <a:r>
-              <a:rPr lang="en-US" dirty="0" smtClean="0"/>
-              <a:t>Overview &amp; Motivation</a:t>
-            </a:r>
-            <a:endParaRPr lang="en-US" dirty="0"/>
-          </a:p>
-        </p:txBody>
-      </p:sp>
-      <p:sp>
-        <p:nvSpPr>
-          <p:cNvPr id="3" name="Content Placeholder 2"/>
-          <p:cNvSpPr>
-            <a:spLocks noGrp="1"/>
-          </p:cNvSpPr>
-          <p:nvPr>
-            <p:ph idx="1"/>
           </p:nvPr>
         </p:nvSpPr>
         <p:spPr>
           <a:xfrm>
-            <a:off x="1526976" y="1600200"/>
-            <a:ext cx="8229600" cy="4525963"/>
+            <a:off x="1547664" y="188913"/>
+            <a:ext cx="7077224" cy="981075"/>
           </a:xfrm>
         </p:spPr>
         <p:txBody>
           <a:bodyPr/>
           <a:lstStyle/>
           <a:p>
+            <a:pPr algn="l"/>
+            <a:r>
+              <a:rPr lang="en-US" sz="4000" dirty="0" smtClean="0">
+                <a:solidFill>
+                  <a:schemeClr val="tx1"/>
+                </a:solidFill>
+              </a:rPr>
+              <a:t>Tutorial Introduction</a:t>
+            </a:r>
+            <a:endParaRPr lang="en-US" sz="4000" dirty="0">
+              <a:solidFill>
+                <a:schemeClr val="tx1"/>
+              </a:solidFill>
+            </a:endParaRPr>
+          </a:p>
+        </p:txBody>
+      </p:sp>
+      <p:sp>
+        <p:nvSpPr>
+          <p:cNvPr id="153603" name="Rectangle 3"/>
+          <p:cNvSpPr>
+            <a:spLocks noGrp="1" noChangeArrowheads="1"/>
+          </p:cNvSpPr>
+          <p:nvPr>
+            <p:ph idx="1"/>
+          </p:nvPr>
+        </p:nvSpPr>
+        <p:spPr>
+          <a:xfrm>
+            <a:off x="1526976" y="1855788"/>
+            <a:ext cx="8229600" cy="4525962"/>
+          </a:xfrm>
+        </p:spPr>
+        <p:txBody>
+          <a:bodyPr/>
+          <a:lstStyle/>
+          <a:p>
             <a:endParaRPr lang="en-US" dirty="0"/>
           </a:p>
         </p:txBody>
       </p:sp>
     </p:spTree>
-    <p:extLst>
-      <p:ext uri="{BB962C8B-B14F-4D97-AF65-F5344CB8AC3E}">
-        <p14:creationId xmlns:p14="http://schemas.microsoft.com/office/powerpoint/2010/main" val="751257363"/>
-      </p:ext>
-    </p:extLst>
   </p:cSld>
   <p:clrMapOvr>
     <a:masterClrMapping/>
   </p:clrMapOvr>
+  <p:timing>
+    <p:tnLst>
+      <p:par>
+        <p:cTn xmlns:p14="http://schemas.microsoft.com/office/powerpoint/2010/main" id="1" dur="indefinite" restart="never" nodeType="tmRoot"/>
+      </p:par>
+    </p:tnLst>
+  </p:timing>
 </p:sld>
 </file>
 
@@ -3985,9 +4005,9 @@
       </p:grpSpPr>
       <p:sp>
         <p:nvSpPr>
-          <p:cNvPr id="153602" name="Rectangle 2"/>
-          <p:cNvSpPr>
-            <a:spLocks noGrp="1" noChangeArrowheads="1"/>
+          <p:cNvPr id="2" name="Title 1"/>
+          <p:cNvSpPr>
+            <a:spLocks noGrp="1"/>
           </p:cNvSpPr>
           <p:nvPr>
             <p:ph type="title"/>
@@ -3995,66 +4015,228 @@
         </p:nvSpPr>
         <p:spPr>
           <a:xfrm>
-            <a:off x="395288" y="188913"/>
-            <a:ext cx="8229600" cy="981075"/>
+            <a:off x="1547664" y="116632"/>
+            <a:ext cx="5915000" cy="1143000"/>
           </a:xfrm>
         </p:spPr>
         <p:txBody>
           <a:bodyPr/>
           <a:lstStyle/>
           <a:p>
-            <a:r>
-              <a:rPr lang="en-US" dirty="0" smtClean="0">
-                <a:solidFill>
-                  <a:schemeClr val="tx1"/>
-                </a:solidFill>
-              </a:rPr>
-              <a:t>Tutorial Introduction</a:t>
-            </a:r>
-            <a:endParaRPr lang="en-US" dirty="0">
-              <a:solidFill>
-                <a:schemeClr val="tx1"/>
-              </a:solidFill>
-            </a:endParaRPr>
-          </a:p>
-        </p:txBody>
-      </p:sp>
-      <p:sp>
-        <p:nvSpPr>
-          <p:cNvPr id="153603" name="Rectangle 3"/>
-          <p:cNvSpPr>
-            <a:spLocks noGrp="1" noChangeArrowheads="1"/>
-          </p:cNvSpPr>
-          <p:nvPr>
-            <p:ph idx="1"/>
-          </p:nvPr>
+            <a:pPr algn="l"/>
+            <a:r>
+              <a:rPr lang="en-US" sz="4000" dirty="0" smtClean="0"/>
+              <a:t>Implementation</a:t>
+            </a:r>
+            <a:endParaRPr lang="en-US" sz="4000" dirty="0"/>
+          </a:p>
+        </p:txBody>
+      </p:sp>
+      <p:sp>
+        <p:nvSpPr>
+          <p:cNvPr id="4" name="Oval 3"/>
+          <p:cNvSpPr/>
+          <p:nvPr/>
         </p:nvSpPr>
         <p:spPr>
           <a:xfrm>
-            <a:off x="1526976" y="1855788"/>
-            <a:ext cx="8229600" cy="4525962"/>
+            <a:off x="3995936" y="1484784"/>
+            <a:ext cx="1224136" cy="504056"/>
           </a:xfrm>
+          <a:prstGeom prst="ellipse">
+            <a:avLst/>
+          </a:prstGeom>
+          <a:solidFill>
+            <a:schemeClr val="bg1">
+              <a:lumMod val="95000"/>
+            </a:schemeClr>
+          </a:solidFill>
+          <a:ln w="25400">
+            <a:solidFill>
+              <a:schemeClr val="tx1"/>
+            </a:solidFill>
+          </a:ln>
         </p:spPr>
-        <p:txBody>
-          <a:bodyPr/>
+        <p:style>
+          <a:lnRef idx="1">
+            <a:schemeClr val="accent1"/>
+          </a:lnRef>
+          <a:fillRef idx="3">
+            <a:schemeClr val="accent1"/>
+          </a:fillRef>
+          <a:effectRef idx="2">
+            <a:schemeClr val="accent1"/>
+          </a:effectRef>
+          <a:fontRef idx="minor">
+            <a:schemeClr val="lt1"/>
+          </a:fontRef>
+        </p:style>
+        <p:txBody>
+          <a:bodyPr rtlCol="0" anchor="ctr"/>
           <a:lstStyle/>
           <a:p>
-            <a:endParaRPr lang="en-US" dirty="0"/>
-          </a:p>
-        </p:txBody>
-      </p:sp>
+            <a:pPr algn="ctr"/>
+            <a:endParaRPr lang="en-US"/>
+          </a:p>
+        </p:txBody>
+      </p:sp>
+      <p:sp>
+        <p:nvSpPr>
+          <p:cNvPr id="5" name="TextBox 4"/>
+          <p:cNvSpPr txBox="1"/>
+          <p:nvPr/>
+        </p:nvSpPr>
+        <p:spPr>
+          <a:xfrm>
+            <a:off x="4139952" y="1556792"/>
+            <a:ext cx="971640" cy="338554"/>
+          </a:xfrm>
+          <a:prstGeom prst="rect">
+            <a:avLst/>
+          </a:prstGeom>
+          <a:noFill/>
+        </p:spPr>
+        <p:txBody>
+          <a:bodyPr wrap="none" rtlCol="0">
+            <a:spAutoFit/>
+          </a:bodyPr>
+          <a:lstStyle/>
+          <a:p>
+            <a:r>
+              <a:rPr lang="en-US" sz="1600" b="1" dirty="0" smtClean="0"/>
+              <a:t>scanner</a:t>
+            </a:r>
+            <a:endParaRPr lang="en-US" sz="1600" b="1" dirty="0"/>
+          </a:p>
+        </p:txBody>
+      </p:sp>
+      <p:sp>
+        <p:nvSpPr>
+          <p:cNvPr id="7" name="Oval 6"/>
+          <p:cNvSpPr/>
+          <p:nvPr/>
+        </p:nvSpPr>
+        <p:spPr>
+          <a:xfrm>
+            <a:off x="3995936" y="2636912"/>
+            <a:ext cx="1224136" cy="504056"/>
+          </a:xfrm>
+          <a:prstGeom prst="ellipse">
+            <a:avLst/>
+          </a:prstGeom>
+          <a:solidFill>
+            <a:schemeClr val="bg1">
+              <a:lumMod val="95000"/>
+            </a:schemeClr>
+          </a:solidFill>
+          <a:ln w="25400">
+            <a:solidFill>
+              <a:schemeClr val="tx1"/>
+            </a:solidFill>
+          </a:ln>
+        </p:spPr>
+        <p:style>
+          <a:lnRef idx="1">
+            <a:schemeClr val="accent1"/>
+          </a:lnRef>
+          <a:fillRef idx="3">
+            <a:schemeClr val="accent1"/>
+          </a:fillRef>
+          <a:effectRef idx="2">
+            <a:schemeClr val="accent1"/>
+          </a:effectRef>
+          <a:fontRef idx="minor">
+            <a:schemeClr val="lt1"/>
+          </a:fontRef>
+        </p:style>
+        <p:txBody>
+          <a:bodyPr rtlCol="0" anchor="ctr"/>
+          <a:lstStyle/>
+          <a:p>
+            <a:pPr algn="ctr"/>
+            <a:endParaRPr lang="en-US"/>
+          </a:p>
+        </p:txBody>
+      </p:sp>
+      <p:sp>
+        <p:nvSpPr>
+          <p:cNvPr id="8" name="TextBox 7"/>
+          <p:cNvSpPr txBox="1"/>
+          <p:nvPr/>
+        </p:nvSpPr>
+        <p:spPr>
+          <a:xfrm>
+            <a:off x="4211960" y="2658398"/>
+            <a:ext cx="813043" cy="338554"/>
+          </a:xfrm>
+          <a:prstGeom prst="rect">
+            <a:avLst/>
+          </a:prstGeom>
+          <a:noFill/>
+        </p:spPr>
+        <p:txBody>
+          <a:bodyPr wrap="none" rtlCol="0">
+            <a:spAutoFit/>
+          </a:bodyPr>
+          <a:lstStyle/>
+          <a:p>
+            <a:r>
+              <a:rPr lang="en-US" sz="1600" b="1" dirty="0" smtClean="0"/>
+              <a:t>parser</a:t>
+            </a:r>
+            <a:endParaRPr lang="en-US" sz="1600" b="1" dirty="0"/>
+          </a:p>
+        </p:txBody>
+      </p:sp>
+      <p:cxnSp>
+        <p:nvCxnSpPr>
+          <p:cNvPr id="10" name="Straight Connector 9"/>
+          <p:cNvCxnSpPr>
+            <a:stCxn id="4" idx="4"/>
+            <a:endCxn id="7" idx="0"/>
+          </p:cNvCxnSpPr>
+          <p:nvPr/>
+        </p:nvCxnSpPr>
+        <p:spPr>
+          <a:xfrm>
+            <a:off x="4608004" y="1988840"/>
+            <a:ext cx="0" cy="648072"/>
+          </a:xfrm>
+          <a:prstGeom prst="line">
+            <a:avLst/>
+          </a:prstGeom>
+          <a:ln>
+            <a:solidFill>
+              <a:schemeClr val="tx1"/>
+            </a:solidFill>
+            <a:tailEnd type="triangle" w="lg" len="med"/>
+          </a:ln>
+        </p:spPr>
+        <p:style>
+          <a:lnRef idx="2">
+            <a:schemeClr val="accent1"/>
+          </a:lnRef>
+          <a:fillRef idx="0">
+            <a:schemeClr val="accent1"/>
+          </a:fillRef>
+          <a:effectRef idx="1">
+            <a:schemeClr val="accent1"/>
+          </a:effectRef>
+          <a:fontRef idx="minor">
+            <a:schemeClr val="tx1"/>
+          </a:fontRef>
+        </p:style>
+      </p:cxnSp>
     </p:spTree>
+    <p:extLst>
+      <p:ext uri="{BB962C8B-B14F-4D97-AF65-F5344CB8AC3E}">
+        <p14:creationId xmlns:p14="http://schemas.microsoft.com/office/powerpoint/2010/main" val="2721382723"/>
+      </p:ext>
+    </p:extLst>
   </p:cSld>
   <p:clrMapOvr>
     <a:masterClrMapping/>
   </p:clrMapOvr>
-  <p:timing>
-    <p:tnLst>
-      <p:par>
-        <p:cTn xmlns:p14="http://schemas.microsoft.com/office/powerpoint/2010/main" id="1" dur="indefinite" restart="never" nodeType="tmRoot"/>
-      </p:par>
-    </p:tnLst>
-  </p:timing>
 </p:sld>
 </file>
 
@@ -4077,9 +4259,9 @@
       </p:grpSpPr>
       <p:sp>
         <p:nvSpPr>
-          <p:cNvPr id="153602" name="Rectangle 2"/>
-          <p:cNvSpPr>
-            <a:spLocks noGrp="1" noChangeArrowheads="1"/>
+          <p:cNvPr id="2" name="Title 1"/>
+          <p:cNvSpPr>
+            <a:spLocks noGrp="1"/>
           </p:cNvSpPr>
           <p:nvPr>
             <p:ph type="title"/>
@@ -4087,290 +4269,20 @@
         </p:nvSpPr>
         <p:spPr>
           <a:xfrm>
-            <a:off x="395288" y="188913"/>
-            <a:ext cx="8229600" cy="981075"/>
+            <a:off x="1547664" y="116632"/>
+            <a:ext cx="6429400" cy="1143000"/>
           </a:xfrm>
         </p:spPr>
         <p:txBody>
           <a:bodyPr/>
           <a:lstStyle/>
           <a:p>
-            <a:r>
-              <a:rPr lang="en-US" dirty="0" smtClean="0">
-                <a:solidFill>
-                  <a:schemeClr val="tx1"/>
-                </a:solidFill>
-              </a:rPr>
-              <a:t>Tutorial Introduction</a:t>
-            </a:r>
-            <a:endParaRPr lang="en-US" dirty="0">
-              <a:solidFill>
-                <a:schemeClr val="tx1"/>
-              </a:solidFill>
-            </a:endParaRPr>
-          </a:p>
-        </p:txBody>
-      </p:sp>
-      <p:sp>
-        <p:nvSpPr>
-          <p:cNvPr id="153603" name="Rectangle 3"/>
-          <p:cNvSpPr>
-            <a:spLocks noGrp="1" noChangeArrowheads="1"/>
-          </p:cNvSpPr>
-          <p:nvPr>
-            <p:ph idx="1"/>
-          </p:nvPr>
-        </p:nvSpPr>
-        <p:spPr>
-          <a:xfrm>
-            <a:off x="1526976" y="1855788"/>
-            <a:ext cx="8229600" cy="4525962"/>
-          </a:xfrm>
-        </p:spPr>
-        <p:txBody>
-          <a:bodyPr/>
-          <a:lstStyle/>
-          <a:p>
-            <a:endParaRPr lang="en-US" dirty="0"/>
-          </a:p>
-        </p:txBody>
-      </p:sp>
-    </p:spTree>
-    <p:extLst>
-      <p:ext uri="{BB962C8B-B14F-4D97-AF65-F5344CB8AC3E}">
-        <p14:creationId xmlns:p14="http://schemas.microsoft.com/office/powerpoint/2010/main" val="519852466"/>
-      </p:ext>
-    </p:extLst>
-  </p:cSld>
-  <p:clrMapOvr>
-    <a:masterClrMapping/>
-  </p:clrMapOvr>
-  <p:timing>
-    <p:tnLst>
-      <p:par>
-        <p:cTn xmlns:p14="http://schemas.microsoft.com/office/powerpoint/2010/main" id="1" dur="indefinite" restart="never" nodeType="tmRoot"/>
-      </p:par>
-    </p:tnLst>
-  </p:timing>
-</p:sld>
-</file>
-
-<file path=ppt/slides/slide7.xml><?xml version="1.0" encoding="utf-8"?>
-<p:sld xmlns:a="http://schemas.openxmlformats.org/drawingml/2006/main" xmlns:r="http://schemas.openxmlformats.org/officeDocument/2006/relationships" xmlns:p="http://schemas.openxmlformats.org/presentationml/2006/main">
-  <p:cSld>
-    <p:spTree>
-      <p:nvGrpSpPr>
-        <p:cNvPr id="1" name=""/>
-        <p:cNvGrpSpPr/>
-        <p:nvPr/>
-      </p:nvGrpSpPr>
-      <p:grpSpPr>
-        <a:xfrm>
-          <a:off x="0" y="0"/>
-          <a:ext cx="0" cy="0"/>
-          <a:chOff x="0" y="0"/>
-          <a:chExt cx="0" cy="0"/>
-        </a:xfrm>
-      </p:grpSpPr>
-      <p:sp>
-        <p:nvSpPr>
-          <p:cNvPr id="153602" name="Rectangle 2"/>
-          <p:cNvSpPr>
-            <a:spLocks noGrp="1" noChangeArrowheads="1"/>
-          </p:cNvSpPr>
-          <p:nvPr>
-            <p:ph type="title"/>
-          </p:nvPr>
-        </p:nvSpPr>
-        <p:spPr>
-          <a:xfrm>
-            <a:off x="395288" y="188913"/>
-            <a:ext cx="8229600" cy="981075"/>
-          </a:xfrm>
-        </p:spPr>
-        <p:txBody>
-          <a:bodyPr/>
-          <a:lstStyle/>
-          <a:p>
-            <a:r>
-              <a:rPr lang="en-US" dirty="0" smtClean="0">
-                <a:solidFill>
-                  <a:schemeClr val="tx1"/>
-                </a:solidFill>
-              </a:rPr>
-              <a:t>Tutorial Introduction</a:t>
-            </a:r>
-            <a:endParaRPr lang="en-US" dirty="0">
-              <a:solidFill>
-                <a:schemeClr val="tx1"/>
-              </a:solidFill>
-            </a:endParaRPr>
-          </a:p>
-        </p:txBody>
-      </p:sp>
-      <p:sp>
-        <p:nvSpPr>
-          <p:cNvPr id="153603" name="Rectangle 3"/>
-          <p:cNvSpPr>
-            <a:spLocks noGrp="1" noChangeArrowheads="1"/>
-          </p:cNvSpPr>
-          <p:nvPr>
-            <p:ph idx="1"/>
-          </p:nvPr>
-        </p:nvSpPr>
-        <p:spPr>
-          <a:xfrm>
-            <a:off x="1526976" y="1855788"/>
-            <a:ext cx="8229600" cy="4525962"/>
-          </a:xfrm>
-        </p:spPr>
-        <p:txBody>
-          <a:bodyPr/>
-          <a:lstStyle/>
-          <a:p>
-            <a:endParaRPr lang="en-US"/>
-          </a:p>
-        </p:txBody>
-      </p:sp>
-    </p:spTree>
-    <p:extLst>
-      <p:ext uri="{BB962C8B-B14F-4D97-AF65-F5344CB8AC3E}">
-        <p14:creationId xmlns:p14="http://schemas.microsoft.com/office/powerpoint/2010/main" val="1678167667"/>
-      </p:ext>
-    </p:extLst>
-  </p:cSld>
-  <p:clrMapOvr>
-    <a:masterClrMapping/>
-  </p:clrMapOvr>
-  <p:timing>
-    <p:tnLst>
-      <p:par>
-        <p:cTn xmlns:p14="http://schemas.microsoft.com/office/powerpoint/2010/main" id="1" dur="indefinite" restart="never" nodeType="tmRoot"/>
-      </p:par>
-    </p:tnLst>
-  </p:timing>
-</p:sld>
-</file>
-
-<file path=ppt/slides/slide8.xml><?xml version="1.0" encoding="utf-8"?>
-<p:sld xmlns:a="http://schemas.openxmlformats.org/drawingml/2006/main" xmlns:r="http://schemas.openxmlformats.org/officeDocument/2006/relationships" xmlns:p="http://schemas.openxmlformats.org/presentationml/2006/main">
-  <p:cSld>
-    <p:spTree>
-      <p:nvGrpSpPr>
-        <p:cNvPr id="1" name=""/>
-        <p:cNvGrpSpPr/>
-        <p:nvPr/>
-      </p:nvGrpSpPr>
-      <p:grpSpPr>
-        <a:xfrm>
-          <a:off x="0" y="0"/>
-          <a:ext cx="0" cy="0"/>
-          <a:chOff x="0" y="0"/>
-          <a:chExt cx="0" cy="0"/>
-        </a:xfrm>
-      </p:grpSpPr>
-      <p:sp>
-        <p:nvSpPr>
-          <p:cNvPr id="2" name="Title 1"/>
-          <p:cNvSpPr>
-            <a:spLocks noGrp="1"/>
-          </p:cNvSpPr>
-          <p:nvPr>
-            <p:ph type="title"/>
-          </p:nvPr>
-        </p:nvSpPr>
-        <p:spPr/>
-        <p:txBody>
-          <a:bodyPr/>
-          <a:lstStyle/>
-          <a:p>
-            <a:r>
-              <a:rPr lang="en-US" dirty="0" smtClean="0"/>
-              <a:t>Implementation</a:t>
-            </a:r>
-            <a:endParaRPr lang="en-US" dirty="0"/>
-          </a:p>
-        </p:txBody>
-      </p:sp>
-      <p:sp>
-        <p:nvSpPr>
-          <p:cNvPr id="3" name="Content Placeholder 2"/>
-          <p:cNvSpPr>
-            <a:spLocks noGrp="1"/>
-          </p:cNvSpPr>
-          <p:nvPr>
-            <p:ph idx="1"/>
-          </p:nvPr>
-        </p:nvSpPr>
-        <p:spPr>
-          <a:xfrm>
-            <a:off x="1547664" y="1600200"/>
-            <a:ext cx="8229600" cy="4525963"/>
-          </a:xfrm>
-        </p:spPr>
-        <p:txBody>
-          <a:bodyPr/>
-          <a:lstStyle/>
-          <a:p>
-            <a:endParaRPr lang="en-US" dirty="0"/>
-          </a:p>
-        </p:txBody>
-      </p:sp>
-    </p:spTree>
-    <p:extLst>
-      <p:ext uri="{BB962C8B-B14F-4D97-AF65-F5344CB8AC3E}">
-        <p14:creationId xmlns:p14="http://schemas.microsoft.com/office/powerpoint/2010/main" val="2721382723"/>
-      </p:ext>
-    </p:extLst>
-  </p:cSld>
-  <p:clrMapOvr>
-    <a:masterClrMapping/>
-  </p:clrMapOvr>
-</p:sld>
-</file>
-
-<file path=ppt/slides/slide9.xml><?xml version="1.0" encoding="utf-8"?>
-<p:sld xmlns:a="http://schemas.openxmlformats.org/drawingml/2006/main" xmlns:r="http://schemas.openxmlformats.org/officeDocument/2006/relationships" xmlns:p="http://schemas.openxmlformats.org/presentationml/2006/main">
-  <p:cSld>
-    <p:spTree>
-      <p:nvGrpSpPr>
-        <p:cNvPr id="1" name=""/>
-        <p:cNvGrpSpPr/>
-        <p:nvPr/>
-      </p:nvGrpSpPr>
-      <p:grpSpPr>
-        <a:xfrm>
-          <a:off x="0" y="0"/>
-          <a:ext cx="0" cy="0"/>
-          <a:chOff x="0" y="0"/>
-          <a:chExt cx="0" cy="0"/>
-        </a:xfrm>
-      </p:grpSpPr>
-      <p:sp>
-        <p:nvSpPr>
-          <p:cNvPr id="2" name="Title 1"/>
-          <p:cNvSpPr>
-            <a:spLocks noGrp="1"/>
-          </p:cNvSpPr>
-          <p:nvPr>
-            <p:ph type="title"/>
-          </p:nvPr>
-        </p:nvSpPr>
-        <p:spPr>
-          <a:xfrm>
-            <a:off x="683568" y="260648"/>
-            <a:ext cx="8229600" cy="1143000"/>
-          </a:xfrm>
-        </p:spPr>
-        <p:txBody>
-          <a:bodyPr/>
-          <a:lstStyle/>
-          <a:p>
-            <a:r>
-              <a:rPr lang="en-US" dirty="0" smtClean="0"/>
+            <a:pPr algn="l"/>
+            <a:r>
+              <a:rPr lang="en-US" sz="4000" dirty="0" smtClean="0"/>
               <a:t>Testing and Verification</a:t>
             </a:r>
-            <a:endParaRPr lang="en-US" dirty="0"/>
+            <a:endParaRPr lang="en-US" sz="4000" dirty="0"/>
           </a:p>
         </p:txBody>
       </p:sp>

--- a/Demo/Qlang.pptx
+++ b/Demo/Qlang.pptx
@@ -10,7 +10,8 @@
     <p:sldId id="261" r:id="rId4"/>
     <p:sldId id="258" r:id="rId5"/>
     <p:sldId id="259" r:id="rId6"/>
-    <p:sldId id="260" r:id="rId7"/>
+    <p:sldId id="262" r:id="rId7"/>
+    <p:sldId id="260" r:id="rId8"/>
   </p:sldIdLst>
   <p:sldSz cx="9144000" cy="6858000" type="screen4x3"/>
   <p:notesSz cx="6858000" cy="9144000"/>
@@ -3695,99 +3696,99 @@
           <a:bodyPr/>
           <a:lstStyle/>
           <a:p>
-            <a:endParaRPr lang="en-US" sz="2600" b="1" dirty="0" smtClean="0"/>
-          </a:p>
-          <a:p>
-            <a:r>
-              <a:rPr lang="en-US" sz="2600" b="1" dirty="0" smtClean="0"/>
+            <a:endParaRPr lang="en-US" sz="2400" b="1" dirty="0" smtClean="0"/>
+          </a:p>
+          <a:p>
+            <a:r>
+              <a:rPr lang="en-US" sz="2400" b="1" dirty="0" smtClean="0"/>
               <a:t>Christopher </a:t>
             </a:r>
             <a:r>
-              <a:rPr lang="en-US" sz="2600" b="1" dirty="0"/>
+              <a:rPr lang="en-US" sz="2400" b="1" dirty="0"/>
               <a:t>Campbell </a:t>
             </a:r>
             <a:r>
-              <a:rPr lang="en-US" sz="2600" b="1" dirty="0"/>
+              <a:rPr lang="en-US" sz="2400" b="1" dirty="0"/>
               <a:t> </a:t>
             </a:r>
             <a:r>
-              <a:rPr lang="en-US" sz="2600" b="1" dirty="0" smtClean="0"/>
+              <a:rPr lang="en-US" sz="2400" b="1" dirty="0" smtClean="0"/>
               <a:t>(System Architect)</a:t>
             </a:r>
           </a:p>
           <a:p>
             <a:r>
-              <a:rPr lang="en-US" sz="2600" b="1" dirty="0" err="1" smtClean="0"/>
+              <a:rPr lang="en-US" sz="2400" b="1" dirty="0" err="1" smtClean="0"/>
               <a:t>Sankalpa</a:t>
             </a:r>
             <a:r>
-              <a:rPr lang="en-US" sz="2600" b="1" dirty="0" smtClean="0"/>
+              <a:rPr lang="en-US" sz="2400" b="1" dirty="0" smtClean="0"/>
               <a:t> </a:t>
             </a:r>
             <a:r>
-              <a:rPr lang="en-US" sz="2600" b="1" dirty="0" err="1"/>
+              <a:rPr lang="en-US" sz="2400" b="1" dirty="0" err="1"/>
               <a:t>Khadka</a:t>
             </a:r>
             <a:r>
-              <a:rPr lang="en-US" sz="2600" b="1" dirty="0"/>
+              <a:rPr lang="en-US" sz="2400" b="1" dirty="0"/>
               <a:t> </a:t>
             </a:r>
             <a:r>
-              <a:rPr lang="en-US" sz="2600" b="1" dirty="0" smtClean="0"/>
+              <a:rPr lang="en-US" sz="2400" b="1" dirty="0" smtClean="0"/>
               <a:t>(Language Guru)</a:t>
             </a:r>
-            <a:endParaRPr lang="en-US" sz="2600" b="1" dirty="0"/>
-          </a:p>
-          <a:p>
-            <a:r>
-              <a:rPr lang="en-US" sz="2600" b="1" dirty="0"/>
+            <a:endParaRPr lang="en-US" sz="2400" b="1" dirty="0"/>
+          </a:p>
+          <a:p>
+            <a:r>
+              <a:rPr lang="en-US" sz="2400" b="1" dirty="0"/>
               <a:t>Winnie </a:t>
             </a:r>
             <a:r>
-              <a:rPr lang="en-US" sz="2600" b="1" dirty="0" err="1"/>
+              <a:rPr lang="en-US" sz="2400" b="1" dirty="0" err="1"/>
               <a:t>Narang</a:t>
             </a:r>
             <a:r>
-              <a:rPr lang="en-US" sz="2600" b="1" dirty="0"/>
+              <a:rPr lang="en-US" sz="2400" b="1" dirty="0"/>
               <a:t> </a:t>
             </a:r>
             <a:r>
-              <a:rPr lang="en-US" sz="2600" b="1" dirty="0" smtClean="0"/>
+              <a:rPr lang="en-US" sz="2400" b="1" dirty="0" smtClean="0"/>
               <a:t>(Verification and Validation)</a:t>
             </a:r>
-            <a:endParaRPr lang="en-US" sz="2600" b="1" dirty="0"/>
-          </a:p>
-          <a:p>
-            <a:r>
-              <a:rPr lang="en-US" sz="2600" b="1" dirty="0" smtClean="0"/>
+            <a:endParaRPr lang="en-US" sz="2400" b="1" dirty="0"/>
+          </a:p>
+          <a:p>
+            <a:r>
+              <a:rPr lang="en-US" sz="2400" b="1" dirty="0" smtClean="0"/>
               <a:t> </a:t>
             </a:r>
             <a:r>
-              <a:rPr lang="en-US" sz="2600" b="1" dirty="0"/>
+              <a:rPr lang="en-US" sz="2400" b="1" dirty="0"/>
               <a:t>Jonathan Wong </a:t>
             </a:r>
             <a:r>
-              <a:rPr lang="en-US" sz="2600" b="1" dirty="0" smtClean="0"/>
+              <a:rPr lang="en-US" sz="2400" b="1" dirty="0" smtClean="0"/>
               <a:t>(Manager)</a:t>
             </a:r>
           </a:p>
           <a:p>
             <a:r>
-              <a:rPr lang="en-US" sz="2600" b="1" dirty="0" err="1"/>
+              <a:rPr lang="en-US" sz="2400" b="1" dirty="0" err="1"/>
               <a:t>Clément</a:t>
             </a:r>
             <a:r>
-              <a:rPr lang="en-US" sz="2600" b="1" dirty="0"/>
+              <a:rPr lang="en-US" sz="2400" b="1" dirty="0"/>
               <a:t> </a:t>
             </a:r>
             <a:r>
-              <a:rPr lang="en-US" sz="2600" b="1" dirty="0" err="1" smtClean="0"/>
+              <a:rPr lang="en-US" sz="2400" b="1" dirty="0" err="1" smtClean="0"/>
               <a:t>Canonne</a:t>
             </a:r>
-            <a:endParaRPr lang="en-US" sz="2600" b="1" dirty="0"/>
-          </a:p>
-          <a:p>
-            <a:endParaRPr lang="en-US" sz="2600" b="1" dirty="0"/>
+            <a:endParaRPr lang="en-US" sz="2400" b="1" dirty="0"/>
+          </a:p>
+          <a:p>
+            <a:endParaRPr lang="en-US" sz="2400" b="1" dirty="0"/>
           </a:p>
         </p:txBody>
       </p:sp>
@@ -3873,10 +3874,10 @@
           <a:lstStyle/>
           <a:p>
             <a:r>
-              <a:rPr lang="en-US" dirty="0" smtClean="0"/>
+              <a:rPr lang="en-US" sz="2400" dirty="0" smtClean="0"/>
               <a:t>Quantum Computing</a:t>
             </a:r>
-            <a:endParaRPr lang="en-US" dirty="0"/>
+            <a:endParaRPr lang="en-US" sz="2400" dirty="0"/>
           </a:p>
         </p:txBody>
       </p:sp>
@@ -3967,7 +3968,7 @@
           <a:bodyPr/>
           <a:lstStyle/>
           <a:p>
-            <a:endParaRPr lang="en-US" dirty="0"/>
+            <a:endParaRPr lang="en-US" sz="2400" dirty="0"/>
           </a:p>
         </p:txBody>
       </p:sp>
@@ -4040,7 +4041,7 @@
         </p:nvSpPr>
         <p:spPr>
           <a:xfrm>
-            <a:off x="3995936" y="1484784"/>
+            <a:off x="3438843" y="1844824"/>
             <a:ext cx="1224136" cy="504056"/>
           </a:xfrm>
           <a:prstGeom prst="ellipse">
@@ -4088,7 +4089,7 @@
         </p:nvSpPr>
         <p:spPr>
           <a:xfrm>
-            <a:off x="4139952" y="1556792"/>
+            <a:off x="3582859" y="1916832"/>
             <a:ext cx="971640" cy="338554"/>
           </a:xfrm>
           <a:prstGeom prst="rect">
@@ -4118,7 +4119,7 @@
         </p:nvSpPr>
         <p:spPr>
           <a:xfrm>
-            <a:off x="3995936" y="2636912"/>
+            <a:off x="3438843" y="2852936"/>
             <a:ext cx="1224136" cy="504056"/>
           </a:xfrm>
           <a:prstGeom prst="ellipse">
@@ -4166,7 +4167,7 @@
         </p:nvSpPr>
         <p:spPr>
           <a:xfrm>
-            <a:off x="4211960" y="2658398"/>
+            <a:off x="3654867" y="2874422"/>
             <a:ext cx="813043" cy="338554"/>
           </a:xfrm>
           <a:prstGeom prst="rect">
@@ -4190,17 +4191,14 @@
       </p:sp>
       <p:cxnSp>
         <p:nvCxnSpPr>
-          <p:cNvPr id="10" name="Straight Connector 9"/>
-          <p:cNvCxnSpPr>
-            <a:stCxn id="4" idx="4"/>
-            <a:endCxn id="7" idx="0"/>
-          </p:cNvCxnSpPr>
+          <p:cNvPr id="19" name="Straight Connector 18"/>
+          <p:cNvCxnSpPr/>
           <p:nvPr/>
         </p:nvCxnSpPr>
         <p:spPr>
           <a:xfrm>
-            <a:off x="4608004" y="1988840"/>
-            <a:ext cx="0" cy="648072"/>
+            <a:off x="2915816" y="2060849"/>
+            <a:ext cx="523027" cy="0"/>
           </a:xfrm>
           <a:prstGeom prst="line">
             <a:avLst/>
@@ -4227,6 +4225,732 @@
           </a:fontRef>
         </p:style>
       </p:cxnSp>
+      <p:sp>
+        <p:nvSpPr>
+          <p:cNvPr id="22" name="TextBox 21"/>
+          <p:cNvSpPr txBox="1"/>
+          <p:nvPr/>
+        </p:nvSpPr>
+        <p:spPr>
+          <a:xfrm>
+            <a:off x="1403648" y="1844824"/>
+            <a:ext cx="1769635" cy="584776"/>
+          </a:xfrm>
+          <a:prstGeom prst="rect">
+            <a:avLst/>
+          </a:prstGeom>
+          <a:noFill/>
+        </p:spPr>
+        <p:txBody>
+          <a:bodyPr wrap="none" rtlCol="0">
+            <a:spAutoFit/>
+          </a:bodyPr>
+          <a:lstStyle/>
+          <a:p>
+            <a:pPr algn="ctr"/>
+            <a:r>
+              <a:rPr lang="en-US" sz="1600" b="1" dirty="0" smtClean="0"/>
+              <a:t>program</a:t>
+            </a:r>
+          </a:p>
+          <a:p>
+            <a:pPr algn="ctr"/>
+            <a:r>
+              <a:rPr lang="en-US" sz="1600" b="1" dirty="0" smtClean="0"/>
+              <a:t>(symbol stream)</a:t>
+            </a:r>
+            <a:endParaRPr lang="en-US" sz="1600" b="1" dirty="0"/>
+          </a:p>
+        </p:txBody>
+      </p:sp>
+      <p:sp>
+        <p:nvSpPr>
+          <p:cNvPr id="23" name="TextBox 22"/>
+          <p:cNvSpPr txBox="1"/>
+          <p:nvPr/>
+        </p:nvSpPr>
+        <p:spPr>
+          <a:xfrm>
+            <a:off x="4014907" y="3429000"/>
+            <a:ext cx="595035" cy="338554"/>
+          </a:xfrm>
+          <a:prstGeom prst="rect">
+            <a:avLst/>
+          </a:prstGeom>
+          <a:noFill/>
+        </p:spPr>
+        <p:txBody>
+          <a:bodyPr wrap="none" rtlCol="0">
+            <a:spAutoFit/>
+          </a:bodyPr>
+          <a:lstStyle/>
+          <a:p>
+            <a:r>
+              <a:rPr lang="en-US" sz="1600" b="1" dirty="0" smtClean="0"/>
+              <a:t>AST</a:t>
+            </a:r>
+            <a:endParaRPr lang="en-US" sz="1600" b="1" dirty="0"/>
+          </a:p>
+        </p:txBody>
+      </p:sp>
+      <p:sp>
+        <p:nvSpPr>
+          <p:cNvPr id="24" name="Oval 23"/>
+          <p:cNvSpPr/>
+          <p:nvPr/>
+        </p:nvSpPr>
+        <p:spPr>
+          <a:xfrm>
+            <a:off x="3438843" y="3861048"/>
+            <a:ext cx="1224136" cy="504056"/>
+          </a:xfrm>
+          <a:prstGeom prst="ellipse">
+            <a:avLst/>
+          </a:prstGeom>
+          <a:solidFill>
+            <a:schemeClr val="bg1">
+              <a:lumMod val="95000"/>
+            </a:schemeClr>
+          </a:solidFill>
+          <a:ln w="25400">
+            <a:solidFill>
+              <a:schemeClr val="tx1"/>
+            </a:solidFill>
+          </a:ln>
+        </p:spPr>
+        <p:style>
+          <a:lnRef idx="1">
+            <a:schemeClr val="accent1"/>
+          </a:lnRef>
+          <a:fillRef idx="3">
+            <a:schemeClr val="accent1"/>
+          </a:fillRef>
+          <a:effectRef idx="2">
+            <a:schemeClr val="accent1"/>
+          </a:effectRef>
+          <a:fontRef idx="minor">
+            <a:schemeClr val="lt1"/>
+          </a:fontRef>
+        </p:style>
+        <p:txBody>
+          <a:bodyPr rtlCol="0" anchor="ctr"/>
+          <a:lstStyle/>
+          <a:p>
+            <a:pPr algn="ctr"/>
+            <a:endParaRPr lang="en-US"/>
+          </a:p>
+        </p:txBody>
+      </p:sp>
+      <p:sp>
+        <p:nvSpPr>
+          <p:cNvPr id="25" name="TextBox 24"/>
+          <p:cNvSpPr txBox="1"/>
+          <p:nvPr/>
+        </p:nvSpPr>
+        <p:spPr>
+          <a:xfrm>
+            <a:off x="3510851" y="3882534"/>
+            <a:ext cx="1005904" cy="338554"/>
+          </a:xfrm>
+          <a:prstGeom prst="rect">
+            <a:avLst/>
+          </a:prstGeom>
+          <a:noFill/>
+        </p:spPr>
+        <p:txBody>
+          <a:bodyPr wrap="none" rtlCol="0">
+            <a:spAutoFit/>
+          </a:bodyPr>
+          <a:lstStyle/>
+          <a:p>
+            <a:r>
+              <a:rPr lang="en-US" sz="1600" b="1" dirty="0"/>
+              <a:t>a</a:t>
+            </a:r>
+            <a:r>
+              <a:rPr lang="en-US" sz="1600" b="1" dirty="0" smtClean="0"/>
+              <a:t>nalyzer</a:t>
+            </a:r>
+            <a:endParaRPr lang="en-US" sz="1600" b="1" dirty="0"/>
+          </a:p>
+        </p:txBody>
+      </p:sp>
+      <p:sp>
+        <p:nvSpPr>
+          <p:cNvPr id="27" name="TextBox 26"/>
+          <p:cNvSpPr txBox="1"/>
+          <p:nvPr/>
+        </p:nvSpPr>
+        <p:spPr>
+          <a:xfrm>
+            <a:off x="4014907" y="4437112"/>
+            <a:ext cx="736099" cy="338554"/>
+          </a:xfrm>
+          <a:prstGeom prst="rect">
+            <a:avLst/>
+          </a:prstGeom>
+          <a:noFill/>
+        </p:spPr>
+        <p:txBody>
+          <a:bodyPr wrap="none" rtlCol="0">
+            <a:spAutoFit/>
+          </a:bodyPr>
+          <a:lstStyle/>
+          <a:p>
+            <a:r>
+              <a:rPr lang="en-US" sz="1600" b="1" dirty="0" smtClean="0"/>
+              <a:t>SAST</a:t>
+            </a:r>
+            <a:endParaRPr lang="en-US" sz="1600" b="1" dirty="0"/>
+          </a:p>
+        </p:txBody>
+      </p:sp>
+      <p:sp>
+        <p:nvSpPr>
+          <p:cNvPr id="28" name="TextBox 27"/>
+          <p:cNvSpPr txBox="1"/>
+          <p:nvPr/>
+        </p:nvSpPr>
+        <p:spPr>
+          <a:xfrm>
+            <a:off x="3993208" y="2370366"/>
+            <a:ext cx="1461859" cy="338554"/>
+          </a:xfrm>
+          <a:prstGeom prst="rect">
+            <a:avLst/>
+          </a:prstGeom>
+          <a:noFill/>
+        </p:spPr>
+        <p:txBody>
+          <a:bodyPr wrap="none" rtlCol="0">
+            <a:spAutoFit/>
+          </a:bodyPr>
+          <a:lstStyle/>
+          <a:p>
+            <a:r>
+              <a:rPr lang="en-US" sz="1600" b="1" dirty="0" smtClean="0"/>
+              <a:t>token stream</a:t>
+            </a:r>
+            <a:endParaRPr lang="en-US" sz="1600" b="1" dirty="0"/>
+          </a:p>
+        </p:txBody>
+      </p:sp>
+      <p:sp>
+        <p:nvSpPr>
+          <p:cNvPr id="30" name="Oval 29"/>
+          <p:cNvSpPr/>
+          <p:nvPr/>
+        </p:nvSpPr>
+        <p:spPr>
+          <a:xfrm>
+            <a:off x="3438843" y="4869160"/>
+            <a:ext cx="1224136" cy="504056"/>
+          </a:xfrm>
+          <a:prstGeom prst="ellipse">
+            <a:avLst/>
+          </a:prstGeom>
+          <a:solidFill>
+            <a:schemeClr val="bg1">
+              <a:lumMod val="95000"/>
+            </a:schemeClr>
+          </a:solidFill>
+          <a:ln w="25400">
+            <a:solidFill>
+              <a:schemeClr val="tx1"/>
+            </a:solidFill>
+          </a:ln>
+        </p:spPr>
+        <p:style>
+          <a:lnRef idx="1">
+            <a:schemeClr val="accent1"/>
+          </a:lnRef>
+          <a:fillRef idx="3">
+            <a:schemeClr val="accent1"/>
+          </a:fillRef>
+          <a:effectRef idx="2">
+            <a:schemeClr val="accent1"/>
+          </a:effectRef>
+          <a:fontRef idx="minor">
+            <a:schemeClr val="lt1"/>
+          </a:fontRef>
+        </p:style>
+        <p:txBody>
+          <a:bodyPr rtlCol="0" anchor="ctr"/>
+          <a:lstStyle/>
+          <a:p>
+            <a:pPr algn="ctr"/>
+            <a:endParaRPr lang="en-US"/>
+          </a:p>
+        </p:txBody>
+      </p:sp>
+      <p:sp>
+        <p:nvSpPr>
+          <p:cNvPr id="31" name="TextBox 30"/>
+          <p:cNvSpPr txBox="1"/>
+          <p:nvPr/>
+        </p:nvSpPr>
+        <p:spPr>
+          <a:xfrm>
+            <a:off x="3510851" y="4890646"/>
+            <a:ext cx="1133644" cy="338554"/>
+          </a:xfrm>
+          <a:prstGeom prst="rect">
+            <a:avLst/>
+          </a:prstGeom>
+          <a:noFill/>
+        </p:spPr>
+        <p:txBody>
+          <a:bodyPr wrap="none" rtlCol="0">
+            <a:spAutoFit/>
+          </a:bodyPr>
+          <a:lstStyle/>
+          <a:p>
+            <a:r>
+              <a:rPr lang="en-US" sz="1600" b="1" dirty="0" smtClean="0"/>
+              <a:t>generator</a:t>
+            </a:r>
+            <a:endParaRPr lang="en-US" sz="1600" b="1" dirty="0"/>
+          </a:p>
+        </p:txBody>
+      </p:sp>
+      <p:cxnSp>
+        <p:nvCxnSpPr>
+          <p:cNvPr id="32" name="Straight Connector 31"/>
+          <p:cNvCxnSpPr/>
+          <p:nvPr/>
+        </p:nvCxnSpPr>
+        <p:spPr>
+          <a:xfrm>
+            <a:off x="4014907" y="4365104"/>
+            <a:ext cx="0" cy="504056"/>
+          </a:xfrm>
+          <a:prstGeom prst="line">
+            <a:avLst/>
+          </a:prstGeom>
+          <a:ln>
+            <a:solidFill>
+              <a:schemeClr val="tx1"/>
+            </a:solidFill>
+            <a:tailEnd type="triangle" w="lg" len="med"/>
+          </a:ln>
+        </p:spPr>
+        <p:style>
+          <a:lnRef idx="2">
+            <a:schemeClr val="accent1"/>
+          </a:lnRef>
+          <a:fillRef idx="0">
+            <a:schemeClr val="accent1"/>
+          </a:fillRef>
+          <a:effectRef idx="1">
+            <a:schemeClr val="accent1"/>
+          </a:effectRef>
+          <a:fontRef idx="minor">
+            <a:schemeClr val="tx1"/>
+          </a:fontRef>
+        </p:style>
+      </p:cxnSp>
+      <p:cxnSp>
+        <p:nvCxnSpPr>
+          <p:cNvPr id="35" name="Straight Connector 34"/>
+          <p:cNvCxnSpPr/>
+          <p:nvPr/>
+        </p:nvCxnSpPr>
+        <p:spPr>
+          <a:xfrm>
+            <a:off x="4014907" y="2348880"/>
+            <a:ext cx="0" cy="504056"/>
+          </a:xfrm>
+          <a:prstGeom prst="line">
+            <a:avLst/>
+          </a:prstGeom>
+          <a:ln>
+            <a:solidFill>
+              <a:schemeClr val="tx1"/>
+            </a:solidFill>
+            <a:tailEnd type="triangle" w="lg" len="med"/>
+          </a:ln>
+        </p:spPr>
+        <p:style>
+          <a:lnRef idx="2">
+            <a:schemeClr val="accent1"/>
+          </a:lnRef>
+          <a:fillRef idx="0">
+            <a:schemeClr val="accent1"/>
+          </a:fillRef>
+          <a:effectRef idx="1">
+            <a:schemeClr val="accent1"/>
+          </a:effectRef>
+          <a:fontRef idx="minor">
+            <a:schemeClr val="tx1"/>
+          </a:fontRef>
+        </p:style>
+      </p:cxnSp>
+      <p:cxnSp>
+        <p:nvCxnSpPr>
+          <p:cNvPr id="36" name="Straight Connector 35"/>
+          <p:cNvCxnSpPr/>
+          <p:nvPr/>
+        </p:nvCxnSpPr>
+        <p:spPr>
+          <a:xfrm>
+            <a:off x="4014907" y="3356992"/>
+            <a:ext cx="0" cy="504056"/>
+          </a:xfrm>
+          <a:prstGeom prst="line">
+            <a:avLst/>
+          </a:prstGeom>
+          <a:ln>
+            <a:solidFill>
+              <a:schemeClr val="tx1"/>
+            </a:solidFill>
+            <a:tailEnd type="triangle" w="lg" len="med"/>
+          </a:ln>
+        </p:spPr>
+        <p:style>
+          <a:lnRef idx="2">
+            <a:schemeClr val="accent1"/>
+          </a:lnRef>
+          <a:fillRef idx="0">
+            <a:schemeClr val="accent1"/>
+          </a:fillRef>
+          <a:effectRef idx="1">
+            <a:schemeClr val="accent1"/>
+          </a:effectRef>
+          <a:fontRef idx="minor">
+            <a:schemeClr val="tx1"/>
+          </a:fontRef>
+        </p:style>
+      </p:cxnSp>
+      <p:cxnSp>
+        <p:nvCxnSpPr>
+          <p:cNvPr id="39" name="Straight Connector 38"/>
+          <p:cNvCxnSpPr/>
+          <p:nvPr/>
+        </p:nvCxnSpPr>
+        <p:spPr>
+          <a:xfrm>
+            <a:off x="4662979" y="5085184"/>
+            <a:ext cx="917133" cy="0"/>
+          </a:xfrm>
+          <a:prstGeom prst="line">
+            <a:avLst/>
+          </a:prstGeom>
+          <a:ln>
+            <a:solidFill>
+              <a:schemeClr val="tx1"/>
+            </a:solidFill>
+            <a:tailEnd type="triangle" w="lg" len="med"/>
+          </a:ln>
+        </p:spPr>
+        <p:style>
+          <a:lnRef idx="2">
+            <a:schemeClr val="accent1"/>
+          </a:lnRef>
+          <a:fillRef idx="0">
+            <a:schemeClr val="accent1"/>
+          </a:fillRef>
+          <a:effectRef idx="1">
+            <a:schemeClr val="accent1"/>
+          </a:effectRef>
+          <a:fontRef idx="minor">
+            <a:schemeClr val="tx1"/>
+          </a:fontRef>
+        </p:style>
+      </p:cxnSp>
+      <p:sp>
+        <p:nvSpPr>
+          <p:cNvPr id="41" name="TextBox 40"/>
+          <p:cNvSpPr txBox="1"/>
+          <p:nvPr/>
+        </p:nvSpPr>
+        <p:spPr>
+          <a:xfrm>
+            <a:off x="4644008" y="4725144"/>
+            <a:ext cx="903513" cy="338554"/>
+          </a:xfrm>
+          <a:prstGeom prst="rect">
+            <a:avLst/>
+          </a:prstGeom>
+          <a:noFill/>
+        </p:spPr>
+        <p:txBody>
+          <a:bodyPr wrap="none" rtlCol="0">
+            <a:spAutoFit/>
+          </a:bodyPr>
+          <a:lstStyle/>
+          <a:p>
+            <a:r>
+              <a:rPr lang="en-US" sz="1600" b="1" dirty="0" err="1" smtClean="0"/>
+              <a:t>c++</a:t>
+            </a:r>
+            <a:r>
+              <a:rPr lang="en-US" sz="1600" b="1" dirty="0" smtClean="0"/>
+              <a:t> </a:t>
+            </a:r>
+            <a:r>
+              <a:rPr lang="en-US" sz="1600" b="1" dirty="0" err="1" smtClean="0"/>
+              <a:t>src</a:t>
+            </a:r>
+            <a:endParaRPr lang="en-US" sz="1600" b="1" dirty="0"/>
+          </a:p>
+        </p:txBody>
+      </p:sp>
+      <p:sp>
+        <p:nvSpPr>
+          <p:cNvPr id="44" name="Oval 43"/>
+          <p:cNvSpPr/>
+          <p:nvPr/>
+        </p:nvSpPr>
+        <p:spPr>
+          <a:xfrm>
+            <a:off x="5671091" y="4797152"/>
+            <a:ext cx="1224136" cy="504056"/>
+          </a:xfrm>
+          <a:prstGeom prst="ellipse">
+            <a:avLst/>
+          </a:prstGeom>
+          <a:solidFill>
+            <a:schemeClr val="bg1">
+              <a:lumMod val="95000"/>
+            </a:schemeClr>
+          </a:solidFill>
+          <a:ln w="25400">
+            <a:solidFill>
+              <a:schemeClr val="tx1"/>
+            </a:solidFill>
+          </a:ln>
+        </p:spPr>
+        <p:style>
+          <a:lnRef idx="1">
+            <a:schemeClr val="accent1"/>
+          </a:lnRef>
+          <a:fillRef idx="3">
+            <a:schemeClr val="accent1"/>
+          </a:fillRef>
+          <a:effectRef idx="2">
+            <a:schemeClr val="accent1"/>
+          </a:effectRef>
+          <a:fontRef idx="minor">
+            <a:schemeClr val="lt1"/>
+          </a:fontRef>
+        </p:style>
+        <p:txBody>
+          <a:bodyPr rtlCol="0" anchor="ctr"/>
+          <a:lstStyle/>
+          <a:p>
+            <a:pPr algn="ctr"/>
+            <a:endParaRPr lang="en-US"/>
+          </a:p>
+        </p:txBody>
+      </p:sp>
+      <p:sp>
+        <p:nvSpPr>
+          <p:cNvPr id="45" name="TextBox 44"/>
+          <p:cNvSpPr txBox="1"/>
+          <p:nvPr/>
+        </p:nvSpPr>
+        <p:spPr>
+          <a:xfrm>
+            <a:off x="5959123" y="4869160"/>
+            <a:ext cx="549650" cy="338554"/>
+          </a:xfrm>
+          <a:prstGeom prst="rect">
+            <a:avLst/>
+          </a:prstGeom>
+          <a:noFill/>
+        </p:spPr>
+        <p:txBody>
+          <a:bodyPr wrap="none" rtlCol="0">
+            <a:spAutoFit/>
+          </a:bodyPr>
+          <a:lstStyle/>
+          <a:p>
+            <a:r>
+              <a:rPr lang="en-US" sz="1600" b="1" dirty="0" smtClean="0"/>
+              <a:t>g++</a:t>
+            </a:r>
+            <a:endParaRPr lang="en-US" sz="1600" b="1" dirty="0"/>
+          </a:p>
+        </p:txBody>
+      </p:sp>
+      <p:cxnSp>
+        <p:nvCxnSpPr>
+          <p:cNvPr id="48" name="Straight Connector 47"/>
+          <p:cNvCxnSpPr/>
+          <p:nvPr/>
+        </p:nvCxnSpPr>
+        <p:spPr>
+          <a:xfrm>
+            <a:off x="6247155" y="4293096"/>
+            <a:ext cx="0" cy="504056"/>
+          </a:xfrm>
+          <a:prstGeom prst="line">
+            <a:avLst/>
+          </a:prstGeom>
+          <a:ln>
+            <a:solidFill>
+              <a:schemeClr val="tx1"/>
+            </a:solidFill>
+            <a:tailEnd type="triangle" w="lg" len="med"/>
+          </a:ln>
+        </p:spPr>
+        <p:style>
+          <a:lnRef idx="2">
+            <a:schemeClr val="accent1"/>
+          </a:lnRef>
+          <a:fillRef idx="0">
+            <a:schemeClr val="accent1"/>
+          </a:fillRef>
+          <a:effectRef idx="1">
+            <a:schemeClr val="accent1"/>
+          </a:effectRef>
+          <a:fontRef idx="minor">
+            <a:schemeClr val="tx1"/>
+          </a:fontRef>
+        </p:style>
+      </p:cxnSp>
+      <p:sp>
+        <p:nvSpPr>
+          <p:cNvPr id="49" name="TextBox 48"/>
+          <p:cNvSpPr txBox="1"/>
+          <p:nvPr/>
+        </p:nvSpPr>
+        <p:spPr>
+          <a:xfrm>
+            <a:off x="5743099" y="3462099"/>
+            <a:ext cx="1039668" cy="830997"/>
+          </a:xfrm>
+          <a:prstGeom prst="rect">
+            <a:avLst/>
+          </a:prstGeom>
+          <a:noFill/>
+        </p:spPr>
+        <p:txBody>
+          <a:bodyPr wrap="none" rtlCol="0">
+            <a:spAutoFit/>
+          </a:bodyPr>
+          <a:lstStyle/>
+          <a:p>
+            <a:pPr algn="ctr"/>
+            <a:r>
+              <a:rPr lang="en-US" sz="1600" b="1" dirty="0" smtClean="0"/>
+              <a:t>qlang lib</a:t>
+            </a:r>
+          </a:p>
+          <a:p>
+            <a:pPr algn="ctr"/>
+            <a:r>
+              <a:rPr lang="en-US" sz="1600" b="1" dirty="0" smtClean="0"/>
+              <a:t>Eigen lib</a:t>
+            </a:r>
+          </a:p>
+          <a:p>
+            <a:pPr algn="ctr"/>
+            <a:r>
+              <a:rPr lang="en-US" sz="1600" b="1" dirty="0" smtClean="0"/>
+              <a:t>libc++</a:t>
+            </a:r>
+            <a:endParaRPr lang="en-US" sz="1600" b="1" dirty="0"/>
+          </a:p>
+        </p:txBody>
+      </p:sp>
+      <p:sp>
+        <p:nvSpPr>
+          <p:cNvPr id="51" name="TextBox 50"/>
+          <p:cNvSpPr txBox="1"/>
+          <p:nvPr/>
+        </p:nvSpPr>
+        <p:spPr>
+          <a:xfrm>
+            <a:off x="7740352" y="4797152"/>
+            <a:ext cx="1245353" cy="338554"/>
+          </a:xfrm>
+          <a:prstGeom prst="rect">
+            <a:avLst/>
+          </a:prstGeom>
+          <a:noFill/>
+        </p:spPr>
+        <p:txBody>
+          <a:bodyPr wrap="none" rtlCol="0">
+            <a:spAutoFit/>
+          </a:bodyPr>
+          <a:lstStyle/>
+          <a:p>
+            <a:r>
+              <a:rPr lang="en-US" sz="1600" b="1" dirty="0" smtClean="0"/>
+              <a:t>executable</a:t>
+            </a:r>
+            <a:endParaRPr lang="en-US" sz="1600" b="1" dirty="0"/>
+          </a:p>
+        </p:txBody>
+      </p:sp>
+      <p:cxnSp>
+        <p:nvCxnSpPr>
+          <p:cNvPr id="53" name="Straight Connector 52"/>
+          <p:cNvCxnSpPr/>
+          <p:nvPr/>
+        </p:nvCxnSpPr>
+        <p:spPr>
+          <a:xfrm>
+            <a:off x="6876256" y="5013176"/>
+            <a:ext cx="917133" cy="0"/>
+          </a:xfrm>
+          <a:prstGeom prst="line">
+            <a:avLst/>
+          </a:prstGeom>
+          <a:ln>
+            <a:solidFill>
+              <a:schemeClr val="tx1"/>
+            </a:solidFill>
+            <a:tailEnd type="triangle" w="lg" len="med"/>
+          </a:ln>
+        </p:spPr>
+        <p:style>
+          <a:lnRef idx="2">
+            <a:schemeClr val="accent1"/>
+          </a:lnRef>
+          <a:fillRef idx="0">
+            <a:schemeClr val="accent1"/>
+          </a:fillRef>
+          <a:effectRef idx="1">
+            <a:schemeClr val="accent1"/>
+          </a:effectRef>
+          <a:fontRef idx="minor">
+            <a:schemeClr val="tx1"/>
+          </a:fontRef>
+        </p:style>
+      </p:cxnSp>
+      <p:sp>
+        <p:nvSpPr>
+          <p:cNvPr id="54" name="Content Placeholder 4"/>
+          <p:cNvSpPr>
+            <a:spLocks noGrp="1"/>
+          </p:cNvSpPr>
+          <p:nvPr>
+            <p:ph idx="1"/>
+          </p:nvPr>
+        </p:nvSpPr>
+        <p:spPr>
+          <a:xfrm>
+            <a:off x="1526976" y="1052736"/>
+            <a:ext cx="8229600" cy="4525963"/>
+          </a:xfrm>
+        </p:spPr>
+        <p:txBody>
+          <a:bodyPr/>
+          <a:lstStyle/>
+          <a:p>
+            <a:pPr marL="0" indent="0">
+              <a:buNone/>
+            </a:pPr>
+            <a:r>
+              <a:rPr lang="en-US" sz="2400" b="1" dirty="0" smtClean="0"/>
+              <a:t>Structure</a:t>
+            </a:r>
+            <a:endParaRPr lang="en-US" sz="2400" b="1" dirty="0"/>
+          </a:p>
+        </p:txBody>
+      </p:sp>
     </p:spTree>
     <p:extLst>
       <p:ext uri="{BB962C8B-B14F-4D97-AF65-F5344CB8AC3E}">
@@ -4270,6 +4994,164 @@
         <p:spPr>
           <a:xfrm>
             <a:off x="1547664" y="116632"/>
+            <a:ext cx="5915000" cy="1143000"/>
+          </a:xfrm>
+        </p:spPr>
+        <p:txBody>
+          <a:bodyPr/>
+          <a:lstStyle/>
+          <a:p>
+            <a:pPr algn="l"/>
+            <a:r>
+              <a:rPr lang="en-US" sz="4000" dirty="0" smtClean="0"/>
+              <a:t>Implementation</a:t>
+            </a:r>
+            <a:endParaRPr lang="en-US" sz="4000" dirty="0"/>
+          </a:p>
+        </p:txBody>
+      </p:sp>
+      <p:sp>
+        <p:nvSpPr>
+          <p:cNvPr id="54" name="Content Placeholder 4"/>
+          <p:cNvSpPr>
+            <a:spLocks noGrp="1"/>
+          </p:cNvSpPr>
+          <p:nvPr>
+            <p:ph idx="1"/>
+          </p:nvPr>
+        </p:nvSpPr>
+        <p:spPr>
+          <a:xfrm>
+            <a:off x="1526976" y="1052736"/>
+            <a:ext cx="8229600" cy="4525963"/>
+          </a:xfrm>
+        </p:spPr>
+        <p:txBody>
+          <a:bodyPr/>
+          <a:lstStyle/>
+          <a:p>
+            <a:pPr marL="0" indent="0">
+              <a:buNone/>
+            </a:pPr>
+            <a:r>
+              <a:rPr lang="en-US" sz="2200" b="1" dirty="0" smtClean="0"/>
+              <a:t>Types</a:t>
+            </a:r>
+          </a:p>
+          <a:p>
+            <a:pPr marL="0" indent="0">
+              <a:buNone/>
+            </a:pPr>
+            <a:endParaRPr lang="en-US" sz="2000" b="1" dirty="0"/>
+          </a:p>
+          <a:p>
+            <a:r>
+              <a:rPr lang="en-US" sz="1800" b="1" dirty="0" err="1" smtClean="0"/>
+              <a:t>int</a:t>
+            </a:r>
+            <a:r>
+              <a:rPr lang="en-US" sz="1800" b="1" dirty="0" smtClean="0"/>
+              <a:t> (integer)</a:t>
+            </a:r>
+          </a:p>
+          <a:p>
+            <a:pPr lvl="1"/>
+            <a:r>
+              <a:rPr lang="en-US" sz="1800" b="1" dirty="0" smtClean="0">
+                <a:latin typeface="Courier"/>
+                <a:cs typeface="Courier"/>
+              </a:rPr>
+              <a:t>17, 0, -3489</a:t>
+            </a:r>
+          </a:p>
+          <a:p>
+            <a:r>
+              <a:rPr lang="en-US" sz="1800" b="1" dirty="0" smtClean="0"/>
+              <a:t>float (floating point)</a:t>
+            </a:r>
+          </a:p>
+          <a:p>
+            <a:pPr lvl="1"/>
+            <a:r>
+              <a:rPr lang="en-US" sz="1800" b="1" dirty="0" smtClean="0">
+                <a:latin typeface="Courier"/>
+                <a:cs typeface="Courier"/>
+              </a:rPr>
+              <a:t>24.2, -3., 17.006 </a:t>
+            </a:r>
+          </a:p>
+          <a:p>
+            <a:r>
+              <a:rPr lang="en-US" sz="1800" b="1" dirty="0" smtClean="0"/>
+              <a:t>comp (complex)</a:t>
+            </a:r>
+          </a:p>
+          <a:p>
+            <a:pPr lvl="1"/>
+            <a:r>
+              <a:rPr lang="en-US" sz="1800" b="1" smtClean="0">
+                <a:latin typeface="Courier"/>
+                <a:cs typeface="Courier"/>
+              </a:rPr>
+              <a:t>C(</a:t>
+            </a:r>
+            <a:endParaRPr lang="en-US" sz="1800" b="1" dirty="0" smtClean="0">
+              <a:latin typeface="Courier"/>
+              <a:cs typeface="Courier"/>
+            </a:endParaRPr>
+          </a:p>
+          <a:p>
+            <a:r>
+              <a:rPr lang="en-US" sz="1800" b="1" dirty="0" smtClean="0"/>
+              <a:t>mat (matrix)</a:t>
+            </a:r>
+            <a:endParaRPr lang="en-US" sz="1800" b="1" dirty="0"/>
+          </a:p>
+        </p:txBody>
+      </p:sp>
+    </p:spTree>
+    <p:extLst>
+      <p:ext uri="{BB962C8B-B14F-4D97-AF65-F5344CB8AC3E}">
+        <p14:creationId xmlns:p14="http://schemas.microsoft.com/office/powerpoint/2010/main" val="647352319"/>
+      </p:ext>
+    </p:extLst>
+  </p:cSld>
+  <p:clrMapOvr>
+    <a:masterClrMapping/>
+  </p:clrMapOvr>
+</p:sld>
+</file>
+
+<file path=ppt/slides/slide7.xml><?xml version="1.0" encoding="utf-8"?>
+<p:sld xmlns:a="http://schemas.openxmlformats.org/drawingml/2006/main" xmlns:r="http://schemas.openxmlformats.org/officeDocument/2006/relationships" xmlns:p="http://schemas.openxmlformats.org/presentationml/2006/main">
+  <p:cSld>
+    <p:spTree>
+      <p:nvGrpSpPr>
+        <p:cNvPr id="1" name=""/>
+        <p:cNvGrpSpPr/>
+        <p:nvPr/>
+      </p:nvGrpSpPr>
+      <p:grpSpPr>
+        <a:xfrm>
+          <a:off x="0" y="0"/>
+          <a:ext cx="0" cy="0"/>
+          <a:chOff x="0" y="0"/>
+          <a:chExt cx="0" cy="0"/>
+        </a:xfrm>
+      </p:grpSpPr>
+      <p:sp>
+        <p:nvSpPr>
+          <p:cNvPr id="2" name="Title 1"/>
+          <p:cNvSpPr>
+            <a:spLocks noGrp="1"/>
+          </p:cNvSpPr>
+          <p:nvPr>
+            <p:ph type="title"/>
+          </p:nvPr>
+        </p:nvSpPr>
+        <p:spPr>
+          <a:xfrm>
+            <a:off x="1547664" y="116632"/>
             <a:ext cx="6429400" cy="1143000"/>
           </a:xfrm>
         </p:spPr>
@@ -4306,7 +5188,7 @@
           <a:bodyPr/>
           <a:lstStyle/>
           <a:p>
-            <a:endParaRPr lang="en-US" dirty="0"/>
+            <a:endParaRPr lang="en-US" sz="2400" dirty="0"/>
           </a:p>
         </p:txBody>
       </p:sp>

--- a/Demo/Qlang.pptx
+++ b/Demo/Qlang.pptx
@@ -8,10 +8,13 @@
     <p:sldId id="256" r:id="rId2"/>
     <p:sldId id="257" r:id="rId3"/>
     <p:sldId id="261" r:id="rId4"/>
-    <p:sldId id="258" r:id="rId5"/>
-    <p:sldId id="259" r:id="rId6"/>
-    <p:sldId id="262" r:id="rId7"/>
-    <p:sldId id="260" r:id="rId8"/>
+    <p:sldId id="264" r:id="rId5"/>
+    <p:sldId id="258" r:id="rId6"/>
+    <p:sldId id="259" r:id="rId7"/>
+    <p:sldId id="262" r:id="rId8"/>
+    <p:sldId id="263" r:id="rId9"/>
+    <p:sldId id="265" r:id="rId10"/>
+    <p:sldId id="260" r:id="rId11"/>
   </p:sldIdLst>
   <p:sldSz cx="9144000" cy="6858000" type="screen4x3"/>
   <p:notesSz cx="6858000" cy="9144000"/>
@@ -3622,6 +3625,89 @@
 </p:sld>
 </file>
 
+<file path=ppt/slides/slide10.xml><?xml version="1.0" encoding="utf-8"?>
+<p:sld xmlns:a="http://schemas.openxmlformats.org/drawingml/2006/main" xmlns:r="http://schemas.openxmlformats.org/officeDocument/2006/relationships" xmlns:p="http://schemas.openxmlformats.org/presentationml/2006/main">
+  <p:cSld>
+    <p:spTree>
+      <p:nvGrpSpPr>
+        <p:cNvPr id="1" name=""/>
+        <p:cNvGrpSpPr/>
+        <p:nvPr/>
+      </p:nvGrpSpPr>
+      <p:grpSpPr>
+        <a:xfrm>
+          <a:off x="0" y="0"/>
+          <a:ext cx="0" cy="0"/>
+          <a:chOff x="0" y="0"/>
+          <a:chExt cx="0" cy="0"/>
+        </a:xfrm>
+      </p:grpSpPr>
+      <p:sp>
+        <p:nvSpPr>
+          <p:cNvPr id="2" name="Title 1"/>
+          <p:cNvSpPr>
+            <a:spLocks noGrp="1"/>
+          </p:cNvSpPr>
+          <p:nvPr>
+            <p:ph type="title"/>
+          </p:nvPr>
+        </p:nvSpPr>
+        <p:spPr>
+          <a:xfrm>
+            <a:off x="1547664" y="116632"/>
+            <a:ext cx="6429400" cy="1143000"/>
+          </a:xfrm>
+        </p:spPr>
+        <p:txBody>
+          <a:bodyPr/>
+          <a:lstStyle/>
+          <a:p>
+            <a:pPr algn="l"/>
+            <a:r>
+              <a:rPr lang="en-US" sz="4000" dirty="0" smtClean="0"/>
+              <a:t>Testing and Verification</a:t>
+            </a:r>
+            <a:endParaRPr lang="en-US" sz="4000" dirty="0"/>
+          </a:p>
+        </p:txBody>
+      </p:sp>
+      <p:sp>
+        <p:nvSpPr>
+          <p:cNvPr id="3" name="Content Placeholder 2"/>
+          <p:cNvSpPr>
+            <a:spLocks noGrp="1"/>
+          </p:cNvSpPr>
+          <p:nvPr>
+            <p:ph idx="1"/>
+          </p:nvPr>
+        </p:nvSpPr>
+        <p:spPr>
+          <a:xfrm>
+            <a:off x="1526976" y="1600200"/>
+            <a:ext cx="8229600" cy="4525963"/>
+          </a:xfrm>
+        </p:spPr>
+        <p:txBody>
+          <a:bodyPr/>
+          <a:lstStyle/>
+          <a:p>
+            <a:endParaRPr lang="en-US" sz="2400" dirty="0"/>
+          </a:p>
+        </p:txBody>
+      </p:sp>
+    </p:spTree>
+    <p:extLst>
+      <p:ext uri="{BB962C8B-B14F-4D97-AF65-F5344CB8AC3E}">
+        <p14:creationId xmlns:p14="http://schemas.microsoft.com/office/powerpoint/2010/main" val="4283947283"/>
+      </p:ext>
+    </p:extLst>
+  </p:cSld>
+  <p:clrMapOvr>
+    <a:masterClrMapping/>
+  </p:clrMapOvr>
+</p:sld>
+</file>
+
 <file path=ppt/slides/slide2.xml><?xml version="1.0" encoding="utf-8"?>
 <p:sld xmlns:a="http://schemas.openxmlformats.org/drawingml/2006/main" xmlns:r="http://schemas.openxmlformats.org/officeDocument/2006/relationships" xmlns:p="http://schemas.openxmlformats.org/presentationml/2006/main">
   <p:cSld>
@@ -3913,6 +3999,93 @@
       </p:grpSpPr>
       <p:sp>
         <p:nvSpPr>
+          <p:cNvPr id="2" name="Title 1"/>
+          <p:cNvSpPr>
+            <a:spLocks noGrp="1"/>
+          </p:cNvSpPr>
+          <p:nvPr>
+            <p:ph type="title"/>
+          </p:nvPr>
+        </p:nvSpPr>
+        <p:spPr>
+          <a:xfrm>
+            <a:off x="1609328" y="188640"/>
+            <a:ext cx="6347048" cy="1143000"/>
+          </a:xfrm>
+        </p:spPr>
+        <p:txBody>
+          <a:bodyPr/>
+          <a:lstStyle/>
+          <a:p>
+            <a:pPr algn="l"/>
+            <a:r>
+              <a:rPr lang="en-US" sz="4000" dirty="0" smtClean="0"/>
+              <a:t>Overview &amp; Motivation</a:t>
+            </a:r>
+            <a:endParaRPr lang="en-US" sz="4000" dirty="0"/>
+          </a:p>
+        </p:txBody>
+      </p:sp>
+      <p:sp>
+        <p:nvSpPr>
+          <p:cNvPr id="5" name="Content Placeholder 4"/>
+          <p:cNvSpPr>
+            <a:spLocks noGrp="1"/>
+          </p:cNvSpPr>
+          <p:nvPr>
+            <p:ph idx="1"/>
+          </p:nvPr>
+        </p:nvSpPr>
+        <p:spPr>
+          <a:xfrm>
+            <a:off x="1526976" y="1556792"/>
+            <a:ext cx="8229600" cy="4525963"/>
+          </a:xfrm>
+        </p:spPr>
+        <p:txBody>
+          <a:bodyPr/>
+          <a:lstStyle/>
+          <a:p>
+            <a:r>
+              <a:rPr lang="en-US" sz="2400" dirty="0" smtClean="0"/>
+              <a:t>Types, operators, etc.</a:t>
+            </a:r>
+            <a:endParaRPr lang="en-US" sz="2400" dirty="0"/>
+          </a:p>
+        </p:txBody>
+      </p:sp>
+    </p:spTree>
+    <p:extLst>
+      <p:ext uri="{BB962C8B-B14F-4D97-AF65-F5344CB8AC3E}">
+        <p14:creationId xmlns:p14="http://schemas.microsoft.com/office/powerpoint/2010/main" val="2852806127"/>
+      </p:ext>
+    </p:extLst>
+  </p:cSld>
+  <p:clrMapOvr>
+    <a:masterClrMapping/>
+  </p:clrMapOvr>
+</p:sld>
+</file>
+
+<file path=ppt/slides/slide5.xml><?xml version="1.0" encoding="utf-8"?>
+<p:sld xmlns:a="http://schemas.openxmlformats.org/drawingml/2006/main" xmlns:r="http://schemas.openxmlformats.org/officeDocument/2006/relationships" xmlns:p="http://schemas.openxmlformats.org/presentationml/2006/main">
+  <p:cSld>
+    <p:spTree>
+      <p:nvGrpSpPr>
+        <p:cNvPr id="1" name=""/>
+        <p:cNvGrpSpPr/>
+        <p:nvPr/>
+      </p:nvGrpSpPr>
+      <p:grpSpPr>
+        <a:xfrm>
+          <a:off x="0" y="0"/>
+          <a:ext cx="0" cy="0"/>
+          <a:chOff x="0" y="0"/>
+          <a:chExt cx="0" cy="0"/>
+        </a:xfrm>
+      </p:grpSpPr>
+      <p:sp>
+        <p:nvSpPr>
           <p:cNvPr id="153602" name="Rectangle 2"/>
           <p:cNvSpPr>
             <a:spLocks noGrp="1" noChangeArrowheads="1"/>
@@ -3987,7 +4160,7 @@
 </p:sld>
 </file>
 
-<file path=ppt/slides/slide5.xml><?xml version="1.0" encoding="utf-8"?>
+<file path=ppt/slides/slide6.xml><?xml version="1.0" encoding="utf-8"?>
 <p:sld xmlns:a="http://schemas.openxmlformats.org/drawingml/2006/main" xmlns:r="http://schemas.openxmlformats.org/officeDocument/2006/relationships" xmlns:p="http://schemas.openxmlformats.org/presentationml/2006/main">
   <p:cSld>
     <p:spTree>
@@ -4945,7 +5118,7 @@
             </a:pPr>
             <a:r>
               <a:rPr lang="en-US" sz="2400" b="1" dirty="0" smtClean="0"/>
-              <a:t>Structure</a:t>
+              <a:t>Compilation</a:t>
             </a:r>
             <a:endParaRPr lang="en-US" sz="2400" b="1" dirty="0"/>
           </a:p>
@@ -4955,164 +5128,6 @@
     <p:extLst>
       <p:ext uri="{BB962C8B-B14F-4D97-AF65-F5344CB8AC3E}">
         <p14:creationId xmlns:p14="http://schemas.microsoft.com/office/powerpoint/2010/main" val="2721382723"/>
-      </p:ext>
-    </p:extLst>
-  </p:cSld>
-  <p:clrMapOvr>
-    <a:masterClrMapping/>
-  </p:clrMapOvr>
-</p:sld>
-</file>
-
-<file path=ppt/slides/slide6.xml><?xml version="1.0" encoding="utf-8"?>
-<p:sld xmlns:a="http://schemas.openxmlformats.org/drawingml/2006/main" xmlns:r="http://schemas.openxmlformats.org/officeDocument/2006/relationships" xmlns:p="http://schemas.openxmlformats.org/presentationml/2006/main">
-  <p:cSld>
-    <p:spTree>
-      <p:nvGrpSpPr>
-        <p:cNvPr id="1" name=""/>
-        <p:cNvGrpSpPr/>
-        <p:nvPr/>
-      </p:nvGrpSpPr>
-      <p:grpSpPr>
-        <a:xfrm>
-          <a:off x="0" y="0"/>
-          <a:ext cx="0" cy="0"/>
-          <a:chOff x="0" y="0"/>
-          <a:chExt cx="0" cy="0"/>
-        </a:xfrm>
-      </p:grpSpPr>
-      <p:sp>
-        <p:nvSpPr>
-          <p:cNvPr id="2" name="Title 1"/>
-          <p:cNvSpPr>
-            <a:spLocks noGrp="1"/>
-          </p:cNvSpPr>
-          <p:nvPr>
-            <p:ph type="title"/>
-          </p:nvPr>
-        </p:nvSpPr>
-        <p:spPr>
-          <a:xfrm>
-            <a:off x="1547664" y="116632"/>
-            <a:ext cx="5915000" cy="1143000"/>
-          </a:xfrm>
-        </p:spPr>
-        <p:txBody>
-          <a:bodyPr/>
-          <a:lstStyle/>
-          <a:p>
-            <a:pPr algn="l"/>
-            <a:r>
-              <a:rPr lang="en-US" sz="4000" dirty="0" smtClean="0"/>
-              <a:t>Implementation</a:t>
-            </a:r>
-            <a:endParaRPr lang="en-US" sz="4000" dirty="0"/>
-          </a:p>
-        </p:txBody>
-      </p:sp>
-      <p:sp>
-        <p:nvSpPr>
-          <p:cNvPr id="54" name="Content Placeholder 4"/>
-          <p:cNvSpPr>
-            <a:spLocks noGrp="1"/>
-          </p:cNvSpPr>
-          <p:nvPr>
-            <p:ph idx="1"/>
-          </p:nvPr>
-        </p:nvSpPr>
-        <p:spPr>
-          <a:xfrm>
-            <a:off x="1526976" y="1052736"/>
-            <a:ext cx="8229600" cy="4525963"/>
-          </a:xfrm>
-        </p:spPr>
-        <p:txBody>
-          <a:bodyPr/>
-          <a:lstStyle/>
-          <a:p>
-            <a:pPr marL="0" indent="0">
-              <a:buNone/>
-            </a:pPr>
-            <a:r>
-              <a:rPr lang="en-US" sz="2200" b="1" dirty="0" smtClean="0"/>
-              <a:t>Types</a:t>
-            </a:r>
-          </a:p>
-          <a:p>
-            <a:pPr marL="0" indent="0">
-              <a:buNone/>
-            </a:pPr>
-            <a:endParaRPr lang="en-US" sz="2000" b="1" dirty="0"/>
-          </a:p>
-          <a:p>
-            <a:r>
-              <a:rPr lang="en-US" sz="1800" b="1" dirty="0" err="1" smtClean="0"/>
-              <a:t>int</a:t>
-            </a:r>
-            <a:r>
-              <a:rPr lang="en-US" sz="1800" b="1" dirty="0" smtClean="0"/>
-              <a:t> (integer)</a:t>
-            </a:r>
-          </a:p>
-          <a:p>
-            <a:pPr lvl="1"/>
-            <a:r>
-              <a:rPr lang="en-US" sz="1800" b="1" dirty="0" smtClean="0">
-                <a:latin typeface="Courier"/>
-                <a:cs typeface="Courier"/>
-              </a:rPr>
-              <a:t>17, 0, -3489</a:t>
-            </a:r>
-          </a:p>
-          <a:p>
-            <a:r>
-              <a:rPr lang="en-US" sz="1800" b="1" dirty="0" smtClean="0"/>
-              <a:t>float (floating point)</a:t>
-            </a:r>
-          </a:p>
-          <a:p>
-            <a:pPr lvl="1"/>
-            <a:r>
-              <a:rPr lang="en-US" sz="1800" b="1" dirty="0" smtClean="0">
-                <a:latin typeface="Courier"/>
-                <a:cs typeface="Courier"/>
-              </a:rPr>
-              <a:t>24.2, -3., 17.006 </a:t>
-            </a:r>
-          </a:p>
-          <a:p>
-            <a:r>
-              <a:rPr lang="en-US" sz="1800" b="1" dirty="0" smtClean="0"/>
-              <a:t>comp (complex)</a:t>
-            </a:r>
-          </a:p>
-          <a:p>
-            <a:pPr lvl="1"/>
-            <a:r>
-              <a:rPr lang="en-US" sz="1800" b="1" smtClean="0">
-                <a:latin typeface="Courier"/>
-                <a:cs typeface="Courier"/>
-              </a:rPr>
-              <a:t>C(</a:t>
-            </a:r>
-            <a:endParaRPr lang="en-US" sz="1800" b="1" dirty="0" smtClean="0">
-              <a:latin typeface="Courier"/>
-              <a:cs typeface="Courier"/>
-            </a:endParaRPr>
-          </a:p>
-          <a:p>
-            <a:r>
-              <a:rPr lang="en-US" sz="1800" b="1" dirty="0" smtClean="0"/>
-              <a:t>mat (matrix)</a:t>
-            </a:r>
-            <a:endParaRPr lang="en-US" sz="1800" b="1" dirty="0"/>
-          </a:p>
-        </p:txBody>
-      </p:sp>
-    </p:spTree>
-    <p:extLst>
-      <p:ext uri="{BB962C8B-B14F-4D97-AF65-F5344CB8AC3E}">
-        <p14:creationId xmlns:p14="http://schemas.microsoft.com/office/powerpoint/2010/main" val="647352319"/>
       </p:ext>
     </p:extLst>
   </p:cSld>
@@ -5152,7 +5167,7 @@
         <p:spPr>
           <a:xfrm>
             <a:off x="1547664" y="116632"/>
-            <a:ext cx="6429400" cy="1143000"/>
+            <a:ext cx="5915000" cy="1143000"/>
           </a:xfrm>
         </p:spPr>
         <p:txBody>
@@ -5162,7 +5177,7 @@
             <a:pPr algn="l"/>
             <a:r>
               <a:rPr lang="en-US" sz="4000" dirty="0" smtClean="0"/>
-              <a:t>Testing and Verification</a:t>
+              <a:t>Implementation</a:t>
             </a:r>
             <a:endParaRPr lang="en-US" sz="4000" dirty="0"/>
           </a:p>
@@ -5170,7 +5185,7 @@
       </p:sp>
       <p:sp>
         <p:nvSpPr>
-          <p:cNvPr id="3" name="Content Placeholder 2"/>
+          <p:cNvPr id="54" name="Content Placeholder 4"/>
           <p:cNvSpPr>
             <a:spLocks noGrp="1"/>
           </p:cNvSpPr>
@@ -5180,7 +5195,7 @@
         </p:nvSpPr>
         <p:spPr>
           <a:xfrm>
-            <a:off x="1526976" y="1600200"/>
+            <a:off x="1526976" y="1052736"/>
             <a:ext cx="8229600" cy="4525963"/>
           </a:xfrm>
         </p:spPr>
@@ -5188,14 +5203,307 @@
           <a:bodyPr/>
           <a:lstStyle/>
           <a:p>
-            <a:endParaRPr lang="en-US" sz="2400" dirty="0"/>
+            <a:pPr marL="0" indent="0">
+              <a:buNone/>
+            </a:pPr>
+            <a:r>
+              <a:rPr lang="en-US" sz="2200" b="1" dirty="0" smtClean="0"/>
+              <a:t>Types</a:t>
+            </a:r>
+          </a:p>
+          <a:p>
+            <a:pPr marL="0" indent="0">
+              <a:buNone/>
+            </a:pPr>
+            <a:endParaRPr lang="en-US" sz="2000" b="1" dirty="0"/>
+          </a:p>
+          <a:p>
+            <a:r>
+              <a:rPr lang="en-US" sz="1800" b="1" dirty="0" err="1" smtClean="0"/>
+              <a:t>int</a:t>
+            </a:r>
+            <a:r>
+              <a:rPr lang="en-US" sz="1800" b="1" dirty="0" smtClean="0"/>
+              <a:t> (integer)</a:t>
+            </a:r>
+          </a:p>
+          <a:p>
+            <a:pPr lvl="1"/>
+            <a:r>
+              <a:rPr lang="en-US" sz="1600" b="1" dirty="0" smtClean="0">
+                <a:latin typeface="Courier"/>
+                <a:cs typeface="Courier"/>
+              </a:rPr>
+              <a:t>17, 0, -3489</a:t>
+            </a:r>
+          </a:p>
+          <a:p>
+            <a:r>
+              <a:rPr lang="en-US" sz="1800" b="1" dirty="0" smtClean="0"/>
+              <a:t>float (floating point)</a:t>
+            </a:r>
+          </a:p>
+          <a:p>
+            <a:pPr lvl="1"/>
+            <a:r>
+              <a:rPr lang="en-US" sz="1600" b="1" dirty="0" smtClean="0">
+                <a:latin typeface="Courier"/>
+                <a:cs typeface="Courier"/>
+              </a:rPr>
+              <a:t>24.2, -3., 17.006 </a:t>
+            </a:r>
+          </a:p>
+          <a:p>
+            <a:r>
+              <a:rPr lang="en-US" sz="1800" b="1" dirty="0" smtClean="0"/>
+              <a:t>comp (complex)</a:t>
+            </a:r>
+          </a:p>
+          <a:p>
+            <a:pPr lvl="1"/>
+            <a:r>
+              <a:rPr lang="en-US" sz="1600" b="1" dirty="0" smtClean="0">
+                <a:latin typeface="Courier"/>
+                <a:cs typeface="Courier"/>
+              </a:rPr>
+              <a:t>C(7.4 + 8.1I), C(2.48769), C(0.114I)</a:t>
+            </a:r>
+          </a:p>
+          <a:p>
+            <a:r>
+              <a:rPr lang="en-US" sz="1800" b="1" dirty="0" smtClean="0"/>
+              <a:t>mat (matrix)</a:t>
+            </a:r>
+          </a:p>
+          <a:p>
+            <a:pPr lvl="1"/>
+            <a:r>
+              <a:rPr lang="en-US" sz="1600" b="1" dirty="0" smtClean="0">
+                <a:latin typeface="Courier"/>
+                <a:cs typeface="Courier"/>
+              </a:rPr>
+              <a:t>[(1,2,3)(4,5,6)]</a:t>
+            </a:r>
+          </a:p>
+          <a:p>
+            <a:pPr lvl="1"/>
+            <a:r>
+              <a:rPr lang="en-US" sz="1600" b="1" dirty="0" smtClean="0">
+                <a:latin typeface="Courier"/>
+                <a:cs typeface="Courier"/>
+              </a:rPr>
+              <a:t>[(43.7, 3, C(2.1 + 3.I))(6, C(4. + 0.089I), 43.1)]</a:t>
+            </a:r>
+          </a:p>
+          <a:p>
+            <a:pPr lvl="1"/>
+            <a:r>
+              <a:rPr lang="en-US" sz="1600" b="1" dirty="0" smtClean="0">
+                <a:latin typeface="Courier"/>
+                <a:cs typeface="Courier"/>
+              </a:rPr>
+              <a:t>&lt;001011|</a:t>
+            </a:r>
+          </a:p>
+          <a:p>
+            <a:pPr lvl="1"/>
+            <a:r>
+              <a:rPr lang="en-US" sz="1600" b="1" dirty="0" smtClean="0">
+                <a:latin typeface="Courier"/>
+                <a:cs typeface="Courier"/>
+              </a:rPr>
+              <a:t>|1101&gt;</a:t>
+            </a:r>
+            <a:endParaRPr lang="en-US" sz="1600" b="1" dirty="0">
+              <a:latin typeface="Courier"/>
+              <a:cs typeface="Courier"/>
+            </a:endParaRPr>
           </a:p>
         </p:txBody>
       </p:sp>
     </p:spTree>
     <p:extLst>
       <p:ext uri="{BB962C8B-B14F-4D97-AF65-F5344CB8AC3E}">
-        <p14:creationId xmlns:p14="http://schemas.microsoft.com/office/powerpoint/2010/main" val="4283947283"/>
+        <p14:creationId xmlns:p14="http://schemas.microsoft.com/office/powerpoint/2010/main" val="647352319"/>
+      </p:ext>
+    </p:extLst>
+  </p:cSld>
+  <p:clrMapOvr>
+    <a:masterClrMapping/>
+  </p:clrMapOvr>
+</p:sld>
+</file>
+
+<file path=ppt/slides/slide8.xml><?xml version="1.0" encoding="utf-8"?>
+<p:sld xmlns:a="http://schemas.openxmlformats.org/drawingml/2006/main" xmlns:r="http://schemas.openxmlformats.org/officeDocument/2006/relationships" xmlns:p="http://schemas.openxmlformats.org/presentationml/2006/main">
+  <p:cSld>
+    <p:spTree>
+      <p:nvGrpSpPr>
+        <p:cNvPr id="1" name=""/>
+        <p:cNvGrpSpPr/>
+        <p:nvPr/>
+      </p:nvGrpSpPr>
+      <p:grpSpPr>
+        <a:xfrm>
+          <a:off x="0" y="0"/>
+          <a:ext cx="0" cy="0"/>
+          <a:chOff x="0" y="0"/>
+          <a:chExt cx="0" cy="0"/>
+        </a:xfrm>
+      </p:grpSpPr>
+      <p:sp>
+        <p:nvSpPr>
+          <p:cNvPr id="2" name="Title 1"/>
+          <p:cNvSpPr>
+            <a:spLocks noGrp="1"/>
+          </p:cNvSpPr>
+          <p:nvPr>
+            <p:ph type="title"/>
+          </p:nvPr>
+        </p:nvSpPr>
+        <p:spPr>
+          <a:xfrm>
+            <a:off x="1547664" y="116632"/>
+            <a:ext cx="5915000" cy="1143000"/>
+          </a:xfrm>
+        </p:spPr>
+        <p:txBody>
+          <a:bodyPr/>
+          <a:lstStyle/>
+          <a:p>
+            <a:pPr algn="l"/>
+            <a:r>
+              <a:rPr lang="en-US" sz="4000" dirty="0" smtClean="0"/>
+              <a:t>Implementation</a:t>
+            </a:r>
+            <a:endParaRPr lang="en-US" sz="4000" dirty="0"/>
+          </a:p>
+        </p:txBody>
+      </p:sp>
+      <p:sp>
+        <p:nvSpPr>
+          <p:cNvPr id="54" name="Content Placeholder 4"/>
+          <p:cNvSpPr>
+            <a:spLocks noGrp="1"/>
+          </p:cNvSpPr>
+          <p:nvPr>
+            <p:ph idx="1"/>
+          </p:nvPr>
+        </p:nvSpPr>
+        <p:spPr>
+          <a:xfrm>
+            <a:off x="1526976" y="1052736"/>
+            <a:ext cx="8229600" cy="4525963"/>
+          </a:xfrm>
+        </p:spPr>
+        <p:txBody>
+          <a:bodyPr/>
+          <a:lstStyle/>
+          <a:p>
+            <a:pPr marL="0" indent="0">
+              <a:buNone/>
+            </a:pPr>
+            <a:r>
+              <a:rPr lang="en-US" sz="2200" b="1" dirty="0" smtClean="0"/>
+              <a:t>Operators</a:t>
+            </a:r>
+          </a:p>
+        </p:txBody>
+      </p:sp>
+    </p:spTree>
+    <p:extLst>
+      <p:ext uri="{BB962C8B-B14F-4D97-AF65-F5344CB8AC3E}">
+        <p14:creationId xmlns:p14="http://schemas.microsoft.com/office/powerpoint/2010/main" val="3463991577"/>
+      </p:ext>
+    </p:extLst>
+  </p:cSld>
+  <p:clrMapOvr>
+    <a:masterClrMapping/>
+  </p:clrMapOvr>
+</p:sld>
+</file>
+
+<file path=ppt/slides/slide9.xml><?xml version="1.0" encoding="utf-8"?>
+<p:sld xmlns:a="http://schemas.openxmlformats.org/drawingml/2006/main" xmlns:r="http://schemas.openxmlformats.org/officeDocument/2006/relationships" xmlns:p="http://schemas.openxmlformats.org/presentationml/2006/main">
+  <p:cSld>
+    <p:spTree>
+      <p:nvGrpSpPr>
+        <p:cNvPr id="1" name=""/>
+        <p:cNvGrpSpPr/>
+        <p:nvPr/>
+      </p:nvGrpSpPr>
+      <p:grpSpPr>
+        <a:xfrm>
+          <a:off x="0" y="0"/>
+          <a:ext cx="0" cy="0"/>
+          <a:chOff x="0" y="0"/>
+          <a:chExt cx="0" cy="0"/>
+        </a:xfrm>
+      </p:grpSpPr>
+      <p:sp>
+        <p:nvSpPr>
+          <p:cNvPr id="2" name="Title 1"/>
+          <p:cNvSpPr>
+            <a:spLocks noGrp="1"/>
+          </p:cNvSpPr>
+          <p:nvPr>
+            <p:ph type="title"/>
+          </p:nvPr>
+        </p:nvSpPr>
+        <p:spPr>
+          <a:xfrm>
+            <a:off x="1547664" y="116632"/>
+            <a:ext cx="5915000" cy="1143000"/>
+          </a:xfrm>
+        </p:spPr>
+        <p:txBody>
+          <a:bodyPr/>
+          <a:lstStyle/>
+          <a:p>
+            <a:pPr algn="l"/>
+            <a:r>
+              <a:rPr lang="en-US" sz="4000" dirty="0" smtClean="0"/>
+              <a:t>Implementation</a:t>
+            </a:r>
+            <a:endParaRPr lang="en-US" sz="4000" dirty="0"/>
+          </a:p>
+        </p:txBody>
+      </p:sp>
+      <p:sp>
+        <p:nvSpPr>
+          <p:cNvPr id="54" name="Content Placeholder 4"/>
+          <p:cNvSpPr>
+            <a:spLocks noGrp="1"/>
+          </p:cNvSpPr>
+          <p:nvPr>
+            <p:ph idx="1"/>
+          </p:nvPr>
+        </p:nvSpPr>
+        <p:spPr>
+          <a:xfrm>
+            <a:off x="1526976" y="1052736"/>
+            <a:ext cx="8229600" cy="4525963"/>
+          </a:xfrm>
+        </p:spPr>
+        <p:txBody>
+          <a:bodyPr/>
+          <a:lstStyle/>
+          <a:p>
+            <a:pPr marL="0" indent="0">
+              <a:buNone/>
+            </a:pPr>
+            <a:r>
+              <a:rPr lang="en-US" sz="2200" b="1" smtClean="0"/>
+              <a:t>Structure</a:t>
+            </a:r>
+            <a:endParaRPr lang="en-US" sz="2200" b="1" dirty="0" smtClean="0"/>
+          </a:p>
+        </p:txBody>
+      </p:sp>
+    </p:spTree>
+    <p:extLst>
+      <p:ext uri="{BB962C8B-B14F-4D97-AF65-F5344CB8AC3E}">
+        <p14:creationId xmlns:p14="http://schemas.microsoft.com/office/powerpoint/2010/main" val="2617038298"/>
       </p:ext>
     </p:extLst>
   </p:cSld>

--- a/Demo/Qlang.pptx
+++ b/Demo/Qlang.pptx
@@ -11,9 +11,9 @@
     <p:sldId id="264" r:id="rId5"/>
     <p:sldId id="258" r:id="rId6"/>
     <p:sldId id="259" r:id="rId7"/>
-    <p:sldId id="262" r:id="rId8"/>
-    <p:sldId id="263" r:id="rId9"/>
-    <p:sldId id="265" r:id="rId10"/>
+    <p:sldId id="265" r:id="rId8"/>
+    <p:sldId id="262" r:id="rId9"/>
+    <p:sldId id="263" r:id="rId10"/>
     <p:sldId id="260" r:id="rId11"/>
   </p:sldIdLst>
   <p:sldSz cx="9144000" cy="6858000" type="screen4x3"/>
@@ -5156,6 +5156,147 @@
       </p:grpSpPr>
       <p:sp>
         <p:nvSpPr>
+          <p:cNvPr id="113" name="Rounded Rectangle 112"/>
+          <p:cNvSpPr/>
+          <p:nvPr/>
+        </p:nvSpPr>
+        <p:spPr>
+          <a:xfrm>
+            <a:off x="1547664" y="1772816"/>
+            <a:ext cx="7200800" cy="3384376"/>
+          </a:xfrm>
+          <a:prstGeom prst="roundRect">
+            <a:avLst/>
+          </a:prstGeom>
+          <a:solidFill>
+            <a:schemeClr val="bg1">
+              <a:lumMod val="85000"/>
+            </a:schemeClr>
+          </a:solidFill>
+          <a:ln>
+            <a:noFill/>
+          </a:ln>
+          <a:effectLst/>
+        </p:spPr>
+        <p:style>
+          <a:lnRef idx="1">
+            <a:schemeClr val="accent1"/>
+          </a:lnRef>
+          <a:fillRef idx="3">
+            <a:schemeClr val="accent1"/>
+          </a:fillRef>
+          <a:effectRef idx="2">
+            <a:schemeClr val="accent1"/>
+          </a:effectRef>
+          <a:fontRef idx="minor">
+            <a:schemeClr val="lt1"/>
+          </a:fontRef>
+        </p:style>
+        <p:txBody>
+          <a:bodyPr rtlCol="0" anchor="ctr"/>
+          <a:lstStyle/>
+          <a:p>
+            <a:pPr algn="ctr"/>
+            <a:endParaRPr lang="en-US"/>
+          </a:p>
+        </p:txBody>
+      </p:sp>
+      <p:sp>
+        <p:nvSpPr>
+          <p:cNvPr id="110" name="Rounded Rectangle 109"/>
+          <p:cNvSpPr/>
+          <p:nvPr/>
+        </p:nvSpPr>
+        <p:spPr>
+          <a:xfrm>
+            <a:off x="1619672" y="3501008"/>
+            <a:ext cx="3600400" cy="1296144"/>
+          </a:xfrm>
+          <a:prstGeom prst="roundRect">
+            <a:avLst/>
+          </a:prstGeom>
+          <a:solidFill>
+            <a:srgbClr val="EF978F">
+              <a:alpha val="80000"/>
+            </a:srgbClr>
+          </a:solidFill>
+          <a:ln>
+            <a:noFill/>
+          </a:ln>
+          <a:effectLst/>
+        </p:spPr>
+        <p:style>
+          <a:lnRef idx="1">
+            <a:schemeClr val="accent1"/>
+          </a:lnRef>
+          <a:fillRef idx="3">
+            <a:schemeClr val="accent1"/>
+          </a:fillRef>
+          <a:effectRef idx="2">
+            <a:schemeClr val="accent1"/>
+          </a:effectRef>
+          <a:fontRef idx="minor">
+            <a:schemeClr val="lt1"/>
+          </a:fontRef>
+        </p:style>
+        <p:txBody>
+          <a:bodyPr rtlCol="0" anchor="ctr"/>
+          <a:lstStyle/>
+          <a:p>
+            <a:pPr algn="ctr"/>
+            <a:endParaRPr lang="en-US"/>
+          </a:p>
+        </p:txBody>
+      </p:sp>
+      <p:sp>
+        <p:nvSpPr>
+          <p:cNvPr id="95" name="Rounded Rectangle 94"/>
+          <p:cNvSpPr/>
+          <p:nvPr/>
+        </p:nvSpPr>
+        <p:spPr>
+          <a:xfrm>
+            <a:off x="2843808" y="2276872"/>
+            <a:ext cx="5760640" cy="1152128"/>
+          </a:xfrm>
+          <a:prstGeom prst="roundRect">
+            <a:avLst/>
+          </a:prstGeom>
+          <a:solidFill>
+            <a:schemeClr val="accent5">
+              <a:lumMod val="90000"/>
+            </a:schemeClr>
+          </a:solidFill>
+          <a:ln>
+            <a:noFill/>
+          </a:ln>
+          <a:effectLst/>
+        </p:spPr>
+        <p:style>
+          <a:lnRef idx="1">
+            <a:schemeClr val="accent1"/>
+          </a:lnRef>
+          <a:fillRef idx="3">
+            <a:schemeClr val="accent1"/>
+          </a:fillRef>
+          <a:effectRef idx="2">
+            <a:schemeClr val="accent1"/>
+          </a:effectRef>
+          <a:fontRef idx="minor">
+            <a:schemeClr val="lt1"/>
+          </a:fontRef>
+        </p:style>
+        <p:txBody>
+          <a:bodyPr rtlCol="0" anchor="ctr"/>
+          <a:lstStyle/>
+          <a:p>
+            <a:pPr algn="ctr"/>
+            <a:endParaRPr lang="en-US"/>
+          </a:p>
+        </p:txBody>
+      </p:sp>
+      <p:sp>
+        <p:nvSpPr>
           <p:cNvPr id="2" name="Title 1"/>
           <p:cNvSpPr>
             <a:spLocks noGrp="1"/>
@@ -5208,123 +5349,860 @@
             </a:pPr>
             <a:r>
               <a:rPr lang="en-US" sz="2200" b="1" dirty="0" smtClean="0"/>
-              <a:t>Types</a:t>
-            </a:r>
-          </a:p>
-          <a:p>
-            <a:pPr marL="0" indent="0">
-              <a:buNone/>
-            </a:pPr>
-            <a:endParaRPr lang="en-US" sz="2000" b="1" dirty="0"/>
-          </a:p>
-          <a:p>
-            <a:r>
-              <a:rPr lang="en-US" sz="1800" b="1" dirty="0" err="1" smtClean="0"/>
-              <a:t>int</a:t>
-            </a:r>
-            <a:r>
-              <a:rPr lang="en-US" sz="1800" b="1" dirty="0" smtClean="0"/>
-              <a:t> (integer)</a:t>
-            </a:r>
-          </a:p>
-          <a:p>
-            <a:pPr lvl="1"/>
-            <a:r>
-              <a:rPr lang="en-US" sz="1600" b="1" dirty="0" smtClean="0">
-                <a:latin typeface="Courier"/>
-                <a:cs typeface="Courier"/>
-              </a:rPr>
-              <a:t>17, 0, -3489</a:t>
-            </a:r>
-          </a:p>
-          <a:p>
-            <a:r>
-              <a:rPr lang="en-US" sz="1800" b="1" dirty="0" smtClean="0"/>
-              <a:t>float (floating point)</a:t>
-            </a:r>
-          </a:p>
-          <a:p>
-            <a:pPr lvl="1"/>
-            <a:r>
-              <a:rPr lang="en-US" sz="1600" b="1" dirty="0" smtClean="0">
-                <a:latin typeface="Courier"/>
-                <a:cs typeface="Courier"/>
-              </a:rPr>
-              <a:t>24.2, -3., 17.006 </a:t>
-            </a:r>
-          </a:p>
-          <a:p>
-            <a:r>
-              <a:rPr lang="en-US" sz="1800" b="1" dirty="0" smtClean="0"/>
-              <a:t>comp (complex)</a:t>
-            </a:r>
-          </a:p>
-          <a:p>
-            <a:pPr lvl="1"/>
-            <a:r>
-              <a:rPr lang="en-US" sz="1600" b="1" dirty="0" smtClean="0">
-                <a:latin typeface="Courier"/>
-                <a:cs typeface="Courier"/>
-              </a:rPr>
-              <a:t>C(7.4 + 8.1I), C(2.48769), C(0.114I)</a:t>
-            </a:r>
-          </a:p>
-          <a:p>
-            <a:r>
-              <a:rPr lang="en-US" sz="1800" b="1" dirty="0" smtClean="0"/>
-              <a:t>mat (matrix)</a:t>
-            </a:r>
-          </a:p>
-          <a:p>
-            <a:pPr lvl="1"/>
-            <a:r>
-              <a:rPr lang="en-US" sz="1600" b="1" dirty="0" smtClean="0">
-                <a:latin typeface="Courier"/>
-                <a:cs typeface="Courier"/>
-              </a:rPr>
-              <a:t>[(1,2,3)(4,5,6)]</a:t>
-            </a:r>
-          </a:p>
-          <a:p>
-            <a:pPr lvl="1"/>
-            <a:r>
-              <a:rPr lang="en-US" sz="1600" b="1" dirty="0" smtClean="0">
-                <a:latin typeface="Courier"/>
-                <a:cs typeface="Courier"/>
-              </a:rPr>
-              <a:t>[(43.7, 3, C(2.1 + 3.I))(6, C(4. + 0.089I), 43.1)]</a:t>
-            </a:r>
-          </a:p>
-          <a:p>
-            <a:pPr lvl="1"/>
-            <a:r>
-              <a:rPr lang="en-US" sz="1600" b="1" dirty="0" smtClean="0">
-                <a:latin typeface="Courier"/>
-                <a:cs typeface="Courier"/>
-              </a:rPr>
-              <a:t>&lt;001011|</a:t>
-            </a:r>
-          </a:p>
-          <a:p>
-            <a:pPr lvl="1"/>
-            <a:r>
-              <a:rPr lang="en-US" sz="1600" b="1" dirty="0" smtClean="0">
-                <a:latin typeface="Courier"/>
-                <a:cs typeface="Courier"/>
-              </a:rPr>
-              <a:t>|1101&gt;</a:t>
-            </a:r>
-            <a:endParaRPr lang="en-US" sz="1600" b="1" dirty="0">
-              <a:latin typeface="Courier"/>
-              <a:cs typeface="Courier"/>
-            </a:endParaRPr>
+              <a:t>Structure</a:t>
+            </a:r>
+          </a:p>
+        </p:txBody>
+      </p:sp>
+      <p:sp>
+        <p:nvSpPr>
+          <p:cNvPr id="4" name="TextBox 3"/>
+          <p:cNvSpPr txBox="1"/>
+          <p:nvPr/>
+        </p:nvSpPr>
+        <p:spPr>
+          <a:xfrm>
+            <a:off x="5126593" y="2276872"/>
+            <a:ext cx="1016925" cy="338554"/>
+          </a:xfrm>
+          <a:prstGeom prst="rect">
+            <a:avLst/>
+          </a:prstGeom>
+          <a:noFill/>
+        </p:spPr>
+        <p:txBody>
+          <a:bodyPr wrap="none" rtlCol="0">
+            <a:spAutoFit/>
+          </a:bodyPr>
+          <a:lstStyle/>
+          <a:p>
+            <a:pPr algn="ctr"/>
+            <a:r>
+              <a:rPr lang="en-US" sz="1600" b="1" dirty="0" smtClean="0"/>
+              <a:t>program</a:t>
+            </a:r>
+          </a:p>
+        </p:txBody>
+      </p:sp>
+      <p:cxnSp>
+        <p:nvCxnSpPr>
+          <p:cNvPr id="5" name="Straight Connector 4"/>
+          <p:cNvCxnSpPr>
+            <a:stCxn id="4" idx="2"/>
+            <a:endCxn id="24" idx="0"/>
+          </p:cNvCxnSpPr>
+          <p:nvPr/>
+        </p:nvCxnSpPr>
+        <p:spPr>
+          <a:xfrm flipH="1">
+            <a:off x="3664155" y="2615426"/>
+            <a:ext cx="1970901" cy="453534"/>
+          </a:xfrm>
+          <a:prstGeom prst="line">
+            <a:avLst/>
+          </a:prstGeom>
+          <a:ln>
+            <a:solidFill>
+              <a:schemeClr val="tx1"/>
+            </a:solidFill>
+            <a:tailEnd type="triangle" w="lg" len="med"/>
+          </a:ln>
+        </p:spPr>
+        <p:style>
+          <a:lnRef idx="2">
+            <a:schemeClr val="accent1"/>
+          </a:lnRef>
+          <a:fillRef idx="0">
+            <a:schemeClr val="accent1"/>
+          </a:fillRef>
+          <a:effectRef idx="1">
+            <a:schemeClr val="accent1"/>
+          </a:effectRef>
+          <a:fontRef idx="minor">
+            <a:schemeClr val="tx1"/>
+          </a:fontRef>
+        </p:style>
+      </p:cxnSp>
+      <p:sp>
+        <p:nvSpPr>
+          <p:cNvPr id="24" name="TextBox 23"/>
+          <p:cNvSpPr txBox="1"/>
+          <p:nvPr/>
+        </p:nvSpPr>
+        <p:spPr>
+          <a:xfrm>
+            <a:off x="3332373" y="3068960"/>
+            <a:ext cx="663563" cy="338554"/>
+          </a:xfrm>
+          <a:prstGeom prst="rect">
+            <a:avLst/>
+          </a:prstGeom>
+          <a:noFill/>
+        </p:spPr>
+        <p:txBody>
+          <a:bodyPr wrap="none" rtlCol="0">
+            <a:spAutoFit/>
+          </a:bodyPr>
+          <a:lstStyle/>
+          <a:p>
+            <a:pPr algn="ctr"/>
+            <a:r>
+              <a:rPr lang="en-US" sz="1600" b="1" dirty="0" err="1" smtClean="0"/>
+              <a:t>fdecl</a:t>
+            </a:r>
+            <a:endParaRPr lang="en-US" sz="1600" b="1" dirty="0" smtClean="0"/>
+          </a:p>
+        </p:txBody>
+      </p:sp>
+      <p:sp>
+        <p:nvSpPr>
+          <p:cNvPr id="40" name="TextBox 39"/>
+          <p:cNvSpPr txBox="1"/>
+          <p:nvPr/>
+        </p:nvSpPr>
+        <p:spPr>
+          <a:xfrm>
+            <a:off x="4211960" y="3738518"/>
+            <a:ext cx="914633" cy="338554"/>
+          </a:xfrm>
+          <a:prstGeom prst="rect">
+            <a:avLst/>
+          </a:prstGeom>
+          <a:noFill/>
+        </p:spPr>
+        <p:txBody>
+          <a:bodyPr wrap="none" rtlCol="0">
+            <a:spAutoFit/>
+          </a:bodyPr>
+          <a:lstStyle/>
+          <a:p>
+            <a:pPr algn="ctr"/>
+            <a:r>
+              <a:rPr lang="en-US" sz="1600" b="1" dirty="0" err="1" smtClean="0"/>
+              <a:t>params</a:t>
+            </a:r>
+            <a:r>
+              <a:rPr lang="en-US" sz="1600" b="1" dirty="0" smtClean="0"/>
+              <a:t> </a:t>
+            </a:r>
+          </a:p>
+        </p:txBody>
+      </p:sp>
+      <p:cxnSp>
+        <p:nvCxnSpPr>
+          <p:cNvPr id="41" name="Straight Connector 40"/>
+          <p:cNvCxnSpPr/>
+          <p:nvPr/>
+        </p:nvCxnSpPr>
+        <p:spPr>
+          <a:xfrm flipH="1">
+            <a:off x="2843808" y="3530044"/>
+            <a:ext cx="763830" cy="93494"/>
+          </a:xfrm>
+          <a:prstGeom prst="line">
+            <a:avLst/>
+          </a:prstGeom>
+          <a:ln>
+            <a:solidFill>
+              <a:schemeClr val="tx1"/>
+            </a:solidFill>
+            <a:tailEnd type="triangle" w="lg" len="med"/>
+          </a:ln>
+        </p:spPr>
+        <p:style>
+          <a:lnRef idx="2">
+            <a:schemeClr val="accent1"/>
+          </a:lnRef>
+          <a:fillRef idx="0">
+            <a:schemeClr val="accent1"/>
+          </a:fillRef>
+          <a:effectRef idx="1">
+            <a:schemeClr val="accent1"/>
+          </a:effectRef>
+          <a:fontRef idx="minor">
+            <a:schemeClr val="tx1"/>
+          </a:fontRef>
+        </p:style>
+      </p:cxnSp>
+      <p:sp>
+        <p:nvSpPr>
+          <p:cNvPr id="42" name="TextBox 41"/>
+          <p:cNvSpPr txBox="1"/>
+          <p:nvPr/>
+        </p:nvSpPr>
+        <p:spPr>
+          <a:xfrm>
+            <a:off x="2123138" y="3429000"/>
+            <a:ext cx="720670" cy="338554"/>
+          </a:xfrm>
+          <a:prstGeom prst="rect">
+            <a:avLst/>
+          </a:prstGeom>
+          <a:noFill/>
+        </p:spPr>
+        <p:txBody>
+          <a:bodyPr wrap="none" rtlCol="0">
+            <a:spAutoFit/>
+          </a:bodyPr>
+          <a:lstStyle/>
+          <a:p>
+            <a:pPr algn="ctr"/>
+            <a:r>
+              <a:rPr lang="en-US" sz="1600" b="1" dirty="0" smtClean="0"/>
+              <a:t>name</a:t>
+            </a:r>
+          </a:p>
+        </p:txBody>
+      </p:sp>
+      <p:cxnSp>
+        <p:nvCxnSpPr>
+          <p:cNvPr id="43" name="Straight Connector 42"/>
+          <p:cNvCxnSpPr/>
+          <p:nvPr/>
+        </p:nvCxnSpPr>
+        <p:spPr>
+          <a:xfrm flipH="1">
+            <a:off x="2987824" y="3530044"/>
+            <a:ext cx="619814" cy="381526"/>
+          </a:xfrm>
+          <a:prstGeom prst="line">
+            <a:avLst/>
+          </a:prstGeom>
+          <a:ln>
+            <a:solidFill>
+              <a:schemeClr val="tx1"/>
+            </a:solidFill>
+            <a:tailEnd type="triangle" w="lg" len="med"/>
+          </a:ln>
+        </p:spPr>
+        <p:style>
+          <a:lnRef idx="2">
+            <a:schemeClr val="accent1"/>
+          </a:lnRef>
+          <a:fillRef idx="0">
+            <a:schemeClr val="accent1"/>
+          </a:fillRef>
+          <a:effectRef idx="1">
+            <a:schemeClr val="accent1"/>
+          </a:effectRef>
+          <a:fontRef idx="minor">
+            <a:schemeClr val="tx1"/>
+          </a:fontRef>
+        </p:style>
+      </p:cxnSp>
+      <p:sp>
+        <p:nvSpPr>
+          <p:cNvPr id="44" name="TextBox 43"/>
+          <p:cNvSpPr txBox="1"/>
+          <p:nvPr/>
+        </p:nvSpPr>
+        <p:spPr>
+          <a:xfrm>
+            <a:off x="1619672" y="3717032"/>
+            <a:ext cx="1370487" cy="338554"/>
+          </a:xfrm>
+          <a:prstGeom prst="rect">
+            <a:avLst/>
+          </a:prstGeom>
+          <a:noFill/>
+        </p:spPr>
+        <p:txBody>
+          <a:bodyPr wrap="none" rtlCol="0">
+            <a:spAutoFit/>
+          </a:bodyPr>
+          <a:lstStyle/>
+          <a:p>
+            <a:pPr algn="ctr"/>
+            <a:r>
+              <a:rPr lang="en-US" sz="1600" b="1" dirty="0" smtClean="0"/>
+              <a:t>return name</a:t>
+            </a:r>
+          </a:p>
+        </p:txBody>
+      </p:sp>
+      <p:cxnSp>
+        <p:nvCxnSpPr>
+          <p:cNvPr id="45" name="Straight Connector 44"/>
+          <p:cNvCxnSpPr/>
+          <p:nvPr/>
+        </p:nvCxnSpPr>
+        <p:spPr>
+          <a:xfrm flipH="1">
+            <a:off x="3275856" y="3530044"/>
+            <a:ext cx="331782" cy="525542"/>
+          </a:xfrm>
+          <a:prstGeom prst="line">
+            <a:avLst/>
+          </a:prstGeom>
+          <a:ln>
+            <a:solidFill>
+              <a:schemeClr val="tx1"/>
+            </a:solidFill>
+            <a:tailEnd type="triangle" w="lg" len="med"/>
+          </a:ln>
+        </p:spPr>
+        <p:style>
+          <a:lnRef idx="2">
+            <a:schemeClr val="accent1"/>
+          </a:lnRef>
+          <a:fillRef idx="0">
+            <a:schemeClr val="accent1"/>
+          </a:fillRef>
+          <a:effectRef idx="1">
+            <a:schemeClr val="accent1"/>
+          </a:effectRef>
+          <a:fontRef idx="minor">
+            <a:schemeClr val="tx1"/>
+          </a:fontRef>
+        </p:style>
+      </p:cxnSp>
+      <p:sp>
+        <p:nvSpPr>
+          <p:cNvPr id="46" name="TextBox 45"/>
+          <p:cNvSpPr txBox="1"/>
+          <p:nvPr/>
+        </p:nvSpPr>
+        <p:spPr>
+          <a:xfrm>
+            <a:off x="2091490" y="4005064"/>
+            <a:ext cx="1256374" cy="338554"/>
+          </a:xfrm>
+          <a:prstGeom prst="rect">
+            <a:avLst/>
+          </a:prstGeom>
+          <a:noFill/>
+        </p:spPr>
+        <p:txBody>
+          <a:bodyPr wrap="none" rtlCol="0">
+            <a:spAutoFit/>
+          </a:bodyPr>
+          <a:lstStyle/>
+          <a:p>
+            <a:pPr algn="ctr"/>
+            <a:r>
+              <a:rPr lang="en-US" sz="1600" b="1" dirty="0" smtClean="0"/>
+              <a:t>return type</a:t>
+            </a:r>
+          </a:p>
+        </p:txBody>
+      </p:sp>
+      <p:sp>
+        <p:nvSpPr>
+          <p:cNvPr id="47" name="TextBox 46"/>
+          <p:cNvSpPr txBox="1"/>
+          <p:nvPr/>
+        </p:nvSpPr>
+        <p:spPr>
+          <a:xfrm>
+            <a:off x="3779912" y="4034100"/>
+            <a:ext cx="766356" cy="338554"/>
+          </a:xfrm>
+          <a:prstGeom prst="rect">
+            <a:avLst/>
+          </a:prstGeom>
+          <a:noFill/>
+        </p:spPr>
+        <p:txBody>
+          <a:bodyPr wrap="none" rtlCol="0">
+            <a:spAutoFit/>
+          </a:bodyPr>
+          <a:lstStyle/>
+          <a:p>
+            <a:pPr algn="ctr"/>
+            <a:r>
+              <a:rPr lang="en-US" sz="1600" b="1" dirty="0" smtClean="0"/>
+              <a:t>locals</a:t>
+            </a:r>
+          </a:p>
+        </p:txBody>
+      </p:sp>
+      <p:cxnSp>
+        <p:nvCxnSpPr>
+          <p:cNvPr id="48" name="Straight Connector 47"/>
+          <p:cNvCxnSpPr>
+            <a:endCxn id="40" idx="1"/>
+          </p:cNvCxnSpPr>
+          <p:nvPr/>
+        </p:nvCxnSpPr>
+        <p:spPr>
+          <a:xfrm>
+            <a:off x="3635896" y="3530044"/>
+            <a:ext cx="576064" cy="377751"/>
+          </a:xfrm>
+          <a:prstGeom prst="line">
+            <a:avLst/>
+          </a:prstGeom>
+          <a:ln>
+            <a:solidFill>
+              <a:schemeClr val="tx1"/>
+            </a:solidFill>
+            <a:tailEnd type="triangle" w="lg" len="med"/>
+          </a:ln>
+        </p:spPr>
+        <p:style>
+          <a:lnRef idx="2">
+            <a:schemeClr val="accent1"/>
+          </a:lnRef>
+          <a:fillRef idx="0">
+            <a:schemeClr val="accent1"/>
+          </a:fillRef>
+          <a:effectRef idx="1">
+            <a:schemeClr val="accent1"/>
+          </a:effectRef>
+          <a:fontRef idx="minor">
+            <a:schemeClr val="tx1"/>
+          </a:fontRef>
+        </p:style>
+      </p:cxnSp>
+      <p:sp>
+        <p:nvSpPr>
+          <p:cNvPr id="52" name="TextBox 51"/>
+          <p:cNvSpPr txBox="1"/>
+          <p:nvPr/>
+        </p:nvSpPr>
+        <p:spPr>
+          <a:xfrm>
+            <a:off x="3311133" y="4394140"/>
+            <a:ext cx="684803" cy="338554"/>
+          </a:xfrm>
+          <a:prstGeom prst="rect">
+            <a:avLst/>
+          </a:prstGeom>
+          <a:noFill/>
+        </p:spPr>
+        <p:txBody>
+          <a:bodyPr wrap="none" rtlCol="0">
+            <a:spAutoFit/>
+          </a:bodyPr>
+          <a:lstStyle/>
+          <a:p>
+            <a:pPr algn="ctr"/>
+            <a:r>
+              <a:rPr lang="en-US" sz="1600" b="1" dirty="0" smtClean="0"/>
+              <a:t>body</a:t>
+            </a:r>
+          </a:p>
+        </p:txBody>
+      </p:sp>
+      <p:cxnSp>
+        <p:nvCxnSpPr>
+          <p:cNvPr id="53" name="Straight Connector 52"/>
+          <p:cNvCxnSpPr/>
+          <p:nvPr/>
+        </p:nvCxnSpPr>
+        <p:spPr>
+          <a:xfrm>
+            <a:off x="3635896" y="3530044"/>
+            <a:ext cx="288032" cy="432048"/>
+          </a:xfrm>
+          <a:prstGeom prst="line">
+            <a:avLst/>
+          </a:prstGeom>
+          <a:ln>
+            <a:solidFill>
+              <a:schemeClr val="tx1"/>
+            </a:solidFill>
+            <a:tailEnd type="triangle" w="lg" len="med"/>
+          </a:ln>
+        </p:spPr>
+        <p:style>
+          <a:lnRef idx="2">
+            <a:schemeClr val="accent1"/>
+          </a:lnRef>
+          <a:fillRef idx="0">
+            <a:schemeClr val="accent1"/>
+          </a:fillRef>
+          <a:effectRef idx="1">
+            <a:schemeClr val="accent1"/>
+          </a:effectRef>
+          <a:fontRef idx="minor">
+            <a:schemeClr val="tx1"/>
+          </a:fontRef>
+        </p:style>
+      </p:cxnSp>
+      <p:cxnSp>
+        <p:nvCxnSpPr>
+          <p:cNvPr id="58" name="Straight Connector 57"/>
+          <p:cNvCxnSpPr/>
+          <p:nvPr/>
+        </p:nvCxnSpPr>
+        <p:spPr>
+          <a:xfrm flipH="1">
+            <a:off x="3635896" y="3530044"/>
+            <a:ext cx="1" cy="792088"/>
+          </a:xfrm>
+          <a:prstGeom prst="line">
+            <a:avLst/>
+          </a:prstGeom>
+          <a:ln>
+            <a:solidFill>
+              <a:schemeClr val="tx1"/>
+            </a:solidFill>
+            <a:tailEnd type="triangle" w="lg" len="med"/>
+          </a:ln>
+        </p:spPr>
+        <p:style>
+          <a:lnRef idx="2">
+            <a:schemeClr val="accent1"/>
+          </a:lnRef>
+          <a:fillRef idx="0">
+            <a:schemeClr val="accent1"/>
+          </a:fillRef>
+          <a:effectRef idx="1">
+            <a:schemeClr val="accent1"/>
+          </a:effectRef>
+          <a:fontRef idx="minor">
+            <a:schemeClr val="tx1"/>
+          </a:fontRef>
+        </p:style>
+      </p:cxnSp>
+      <p:cxnSp>
+        <p:nvCxnSpPr>
+          <p:cNvPr id="63" name="Straight Connector 62"/>
+          <p:cNvCxnSpPr>
+            <a:endCxn id="67" idx="1"/>
+          </p:cNvCxnSpPr>
+          <p:nvPr/>
+        </p:nvCxnSpPr>
+        <p:spPr>
+          <a:xfrm>
+            <a:off x="3635896" y="3530044"/>
+            <a:ext cx="648072" cy="68233"/>
+          </a:xfrm>
+          <a:prstGeom prst="line">
+            <a:avLst/>
+          </a:prstGeom>
+          <a:ln>
+            <a:solidFill>
+              <a:schemeClr val="tx1"/>
+            </a:solidFill>
+            <a:tailEnd type="triangle" w="lg" len="med"/>
+          </a:ln>
+        </p:spPr>
+        <p:style>
+          <a:lnRef idx="2">
+            <a:schemeClr val="accent1"/>
+          </a:lnRef>
+          <a:fillRef idx="0">
+            <a:schemeClr val="accent1"/>
+          </a:fillRef>
+          <a:effectRef idx="1">
+            <a:schemeClr val="accent1"/>
+          </a:effectRef>
+          <a:fontRef idx="minor">
+            <a:schemeClr val="tx1"/>
+          </a:fontRef>
+        </p:style>
+      </p:cxnSp>
+      <p:sp>
+        <p:nvSpPr>
+          <p:cNvPr id="67" name="TextBox 66"/>
+          <p:cNvSpPr txBox="1"/>
+          <p:nvPr/>
+        </p:nvSpPr>
+        <p:spPr>
+          <a:xfrm>
+            <a:off x="4283968" y="3429000"/>
+            <a:ext cx="800019" cy="338554"/>
+          </a:xfrm>
+          <a:prstGeom prst="rect">
+            <a:avLst/>
+          </a:prstGeom>
+          <a:noFill/>
+        </p:spPr>
+        <p:txBody>
+          <a:bodyPr wrap="none" rtlCol="0">
+            <a:spAutoFit/>
+          </a:bodyPr>
+          <a:lstStyle/>
+          <a:p>
+            <a:pPr algn="ctr"/>
+            <a:r>
+              <a:rPr lang="en-US" sz="1600" b="1" dirty="0" err="1" smtClean="0"/>
+              <a:t>builtin</a:t>
+            </a:r>
+            <a:endParaRPr lang="en-US" sz="1600" b="1" dirty="0" smtClean="0"/>
+          </a:p>
+        </p:txBody>
+      </p:sp>
+      <p:cxnSp>
+        <p:nvCxnSpPr>
+          <p:cNvPr id="79" name="Straight Connector 78"/>
+          <p:cNvCxnSpPr>
+            <a:stCxn id="4" idx="2"/>
+            <a:endCxn id="80" idx="0"/>
+          </p:cNvCxnSpPr>
+          <p:nvPr/>
+        </p:nvCxnSpPr>
+        <p:spPr>
+          <a:xfrm>
+            <a:off x="5635056" y="2615426"/>
+            <a:ext cx="2256100" cy="453534"/>
+          </a:xfrm>
+          <a:prstGeom prst="line">
+            <a:avLst/>
+          </a:prstGeom>
+          <a:ln>
+            <a:solidFill>
+              <a:schemeClr val="tx1"/>
+            </a:solidFill>
+            <a:tailEnd type="triangle" w="lg" len="med"/>
+          </a:ln>
+        </p:spPr>
+        <p:style>
+          <a:lnRef idx="2">
+            <a:schemeClr val="accent1"/>
+          </a:lnRef>
+          <a:fillRef idx="0">
+            <a:schemeClr val="accent1"/>
+          </a:fillRef>
+          <a:effectRef idx="1">
+            <a:schemeClr val="accent1"/>
+          </a:effectRef>
+          <a:fontRef idx="minor">
+            <a:schemeClr val="tx1"/>
+          </a:fontRef>
+        </p:style>
+      </p:cxnSp>
+      <p:sp>
+        <p:nvSpPr>
+          <p:cNvPr id="80" name="TextBox 79"/>
+          <p:cNvSpPr txBox="1"/>
+          <p:nvPr/>
+        </p:nvSpPr>
+        <p:spPr>
+          <a:xfrm>
+            <a:off x="7559374" y="3068960"/>
+            <a:ext cx="663563" cy="338554"/>
+          </a:xfrm>
+          <a:prstGeom prst="rect">
+            <a:avLst/>
+          </a:prstGeom>
+          <a:noFill/>
+        </p:spPr>
+        <p:txBody>
+          <a:bodyPr wrap="none" rtlCol="0">
+            <a:spAutoFit/>
+          </a:bodyPr>
+          <a:lstStyle/>
+          <a:p>
+            <a:pPr algn="ctr"/>
+            <a:r>
+              <a:rPr lang="en-US" sz="1600" b="1" dirty="0" err="1" smtClean="0"/>
+              <a:t>fdecl</a:t>
+            </a:r>
+            <a:endParaRPr lang="en-US" sz="1600" b="1" dirty="0" smtClean="0"/>
+          </a:p>
+        </p:txBody>
+      </p:sp>
+      <p:sp>
+        <p:nvSpPr>
+          <p:cNvPr id="86" name="TextBox 85"/>
+          <p:cNvSpPr txBox="1"/>
+          <p:nvPr/>
+        </p:nvSpPr>
+        <p:spPr>
+          <a:xfrm>
+            <a:off x="5270609" y="3068960"/>
+            <a:ext cx="663563" cy="338554"/>
+          </a:xfrm>
+          <a:prstGeom prst="rect">
+            <a:avLst/>
+          </a:prstGeom>
+          <a:noFill/>
+        </p:spPr>
+        <p:txBody>
+          <a:bodyPr wrap="none" rtlCol="0">
+            <a:spAutoFit/>
+          </a:bodyPr>
+          <a:lstStyle/>
+          <a:p>
+            <a:pPr algn="ctr"/>
+            <a:r>
+              <a:rPr lang="en-US" sz="1600" b="1" dirty="0" err="1" smtClean="0"/>
+              <a:t>fdecl</a:t>
+            </a:r>
+            <a:endParaRPr lang="en-US" sz="1600" b="1" dirty="0" smtClean="0"/>
+          </a:p>
+        </p:txBody>
+      </p:sp>
+      <p:cxnSp>
+        <p:nvCxnSpPr>
+          <p:cNvPr id="87" name="Straight Connector 86"/>
+          <p:cNvCxnSpPr>
+            <a:stCxn id="4" idx="2"/>
+          </p:cNvCxnSpPr>
+          <p:nvPr/>
+        </p:nvCxnSpPr>
+        <p:spPr>
+          <a:xfrm flipH="1">
+            <a:off x="5630649" y="2615426"/>
+            <a:ext cx="4407" cy="502920"/>
+          </a:xfrm>
+          <a:prstGeom prst="line">
+            <a:avLst/>
+          </a:prstGeom>
+          <a:ln>
+            <a:solidFill>
+              <a:schemeClr val="tx1"/>
+            </a:solidFill>
+            <a:tailEnd type="triangle" w="lg" len="med"/>
+          </a:ln>
+        </p:spPr>
+        <p:style>
+          <a:lnRef idx="2">
+            <a:schemeClr val="accent1"/>
+          </a:lnRef>
+          <a:fillRef idx="0">
+            <a:schemeClr val="accent1"/>
+          </a:fillRef>
+          <a:effectRef idx="1">
+            <a:schemeClr val="accent1"/>
+          </a:effectRef>
+          <a:fontRef idx="minor">
+            <a:schemeClr val="tx1"/>
+          </a:fontRef>
+        </p:style>
+      </p:cxnSp>
+      <p:sp>
+        <p:nvSpPr>
+          <p:cNvPr id="111" name="TextBox 110"/>
+          <p:cNvSpPr txBox="1"/>
+          <p:nvPr/>
+        </p:nvSpPr>
+        <p:spPr>
+          <a:xfrm>
+            <a:off x="3086258" y="1969095"/>
+            <a:ext cx="1107895" cy="338554"/>
+          </a:xfrm>
+          <a:prstGeom prst="rect">
+            <a:avLst/>
+          </a:prstGeom>
+          <a:noFill/>
+        </p:spPr>
+        <p:txBody>
+          <a:bodyPr wrap="none" rtlCol="0">
+            <a:spAutoFit/>
+          </a:bodyPr>
+          <a:lstStyle/>
+          <a:p>
+            <a:pPr algn="ctr"/>
+            <a:r>
+              <a:rPr lang="en-US" sz="1600" b="1" dirty="0" smtClean="0"/>
+              <a:t>functions</a:t>
+            </a:r>
+          </a:p>
+        </p:txBody>
+      </p:sp>
+      <p:sp>
+        <p:nvSpPr>
+          <p:cNvPr id="112" name="TextBox 111"/>
+          <p:cNvSpPr txBox="1"/>
+          <p:nvPr/>
+        </p:nvSpPr>
+        <p:spPr>
+          <a:xfrm>
+            <a:off x="1775062" y="3193231"/>
+            <a:ext cx="777677" cy="338554"/>
+          </a:xfrm>
+          <a:prstGeom prst="rect">
+            <a:avLst/>
+          </a:prstGeom>
+          <a:noFill/>
+        </p:spPr>
+        <p:txBody>
+          <a:bodyPr wrap="none" rtlCol="0">
+            <a:spAutoFit/>
+          </a:bodyPr>
+          <a:lstStyle/>
+          <a:p>
+            <a:pPr algn="ctr"/>
+            <a:r>
+              <a:rPr lang="en-US" sz="1600" b="1" dirty="0" smtClean="0"/>
+              <a:t>scope</a:t>
+            </a:r>
+          </a:p>
+        </p:txBody>
+      </p:sp>
+      <p:sp>
+        <p:nvSpPr>
+          <p:cNvPr id="114" name="Rounded Rectangle 113"/>
+          <p:cNvSpPr/>
+          <p:nvPr/>
+        </p:nvSpPr>
+        <p:spPr>
+          <a:xfrm>
+            <a:off x="5292080" y="3501008"/>
+            <a:ext cx="3528392" cy="1728192"/>
+          </a:xfrm>
+          <a:prstGeom prst="roundRect">
+            <a:avLst/>
+          </a:prstGeom>
+          <a:solidFill>
+            <a:schemeClr val="bg1"/>
+          </a:solidFill>
+          <a:ln>
+            <a:noFill/>
+          </a:ln>
+          <a:effectLst/>
+        </p:spPr>
+        <p:style>
+          <a:lnRef idx="1">
+            <a:schemeClr val="accent1"/>
+          </a:lnRef>
+          <a:fillRef idx="3">
+            <a:schemeClr val="accent1"/>
+          </a:fillRef>
+          <a:effectRef idx="2">
+            <a:schemeClr val="accent1"/>
+          </a:effectRef>
+          <a:fontRef idx="minor">
+            <a:schemeClr val="lt1"/>
+          </a:fontRef>
+        </p:style>
+        <p:txBody>
+          <a:bodyPr rtlCol="0" anchor="ctr"/>
+          <a:lstStyle/>
+          <a:p>
+            <a:pPr algn="ctr"/>
+            <a:endParaRPr lang="en-US"/>
+          </a:p>
+        </p:txBody>
+      </p:sp>
+      <p:sp>
+        <p:nvSpPr>
+          <p:cNvPr id="115" name="TextBox 114"/>
+          <p:cNvSpPr txBox="1"/>
+          <p:nvPr/>
+        </p:nvSpPr>
+        <p:spPr>
+          <a:xfrm>
+            <a:off x="1979712" y="1484784"/>
+            <a:ext cx="1438715" cy="338554"/>
+          </a:xfrm>
+          <a:prstGeom prst="rect">
+            <a:avLst/>
+          </a:prstGeom>
+          <a:noFill/>
+        </p:spPr>
+        <p:txBody>
+          <a:bodyPr wrap="none" rtlCol="0">
+            <a:spAutoFit/>
+          </a:bodyPr>
+          <a:lstStyle/>
+          <a:p>
+            <a:pPr algn="ctr"/>
+            <a:r>
+              <a:rPr lang="en-US" sz="1600" b="1" dirty="0" smtClean="0"/>
+              <a:t>Environment</a:t>
+            </a:r>
           </a:p>
         </p:txBody>
       </p:sp>
     </p:spTree>
     <p:extLst>
       <p:ext uri="{BB962C8B-B14F-4D97-AF65-F5344CB8AC3E}">
-        <p14:creationId xmlns:p14="http://schemas.microsoft.com/office/powerpoint/2010/main" val="647352319"/>
+        <p14:creationId xmlns:p14="http://schemas.microsoft.com/office/powerpoint/2010/main" val="2617038298"/>
       </p:ext>
     </p:extLst>
   </p:cSld>
@@ -5405,15 +6283,123 @@
             </a:pPr>
             <a:r>
               <a:rPr lang="en-US" sz="2200" b="1" dirty="0" smtClean="0"/>
-              <a:t>Operators</a:t>
-            </a:r>
+              <a:t>Types</a:t>
+            </a:r>
+          </a:p>
+          <a:p>
+            <a:pPr marL="0" indent="0">
+              <a:buNone/>
+            </a:pPr>
+            <a:endParaRPr lang="en-US" sz="2000" b="1" dirty="0"/>
+          </a:p>
+          <a:p>
+            <a:r>
+              <a:rPr lang="en-US" sz="1800" b="1" dirty="0" err="1" smtClean="0"/>
+              <a:t>int</a:t>
+            </a:r>
+            <a:r>
+              <a:rPr lang="en-US" sz="1800" b="1" dirty="0" smtClean="0"/>
+              <a:t> (integer)</a:t>
+            </a:r>
+          </a:p>
+          <a:p>
+            <a:pPr lvl="1"/>
+            <a:r>
+              <a:rPr lang="en-US" sz="1600" b="1" dirty="0" smtClean="0">
+                <a:latin typeface="Courier"/>
+                <a:cs typeface="Courier"/>
+              </a:rPr>
+              <a:t>17, 0, -3489</a:t>
+            </a:r>
+          </a:p>
+          <a:p>
+            <a:r>
+              <a:rPr lang="en-US" sz="1800" b="1" dirty="0" smtClean="0"/>
+              <a:t>float (floating point)</a:t>
+            </a:r>
+          </a:p>
+          <a:p>
+            <a:pPr lvl="1"/>
+            <a:r>
+              <a:rPr lang="en-US" sz="1600" b="1" dirty="0" smtClean="0">
+                <a:latin typeface="Courier"/>
+                <a:cs typeface="Courier"/>
+              </a:rPr>
+              <a:t>24.2, -3., 17.006 </a:t>
+            </a:r>
+          </a:p>
+          <a:p>
+            <a:r>
+              <a:rPr lang="en-US" sz="1800" b="1" dirty="0" smtClean="0"/>
+              <a:t>comp (complex)</a:t>
+            </a:r>
+          </a:p>
+          <a:p>
+            <a:pPr lvl="1"/>
+            <a:r>
+              <a:rPr lang="en-US" sz="1600" b="1" dirty="0" smtClean="0">
+                <a:latin typeface="Courier"/>
+                <a:cs typeface="Courier"/>
+              </a:rPr>
+              <a:t>C(7.4 + 8.1I), C(2.48769), C(0.114I)</a:t>
+            </a:r>
+          </a:p>
+          <a:p>
+            <a:r>
+              <a:rPr lang="en-US" sz="1800" b="1" dirty="0" smtClean="0"/>
+              <a:t>mat (matrix)</a:t>
+            </a:r>
+          </a:p>
+          <a:p>
+            <a:pPr lvl="1"/>
+            <a:r>
+              <a:rPr lang="en-US" sz="1600" b="1" dirty="0" smtClean="0">
+                <a:latin typeface="Courier"/>
+                <a:cs typeface="Courier"/>
+              </a:rPr>
+              <a:t>[(1,2,3)(4,5,6)]</a:t>
+            </a:r>
+          </a:p>
+          <a:p>
+            <a:pPr lvl="1"/>
+            <a:r>
+              <a:rPr lang="en-US" sz="1600" b="1" dirty="0" smtClean="0">
+                <a:latin typeface="Courier"/>
+                <a:cs typeface="Courier"/>
+              </a:rPr>
+              <a:t>[(43.7, 3, C(2.1 + 3.I))(6, C(4. + 0.089I), 43.1)]</a:t>
+            </a:r>
+          </a:p>
+          <a:p>
+            <a:pPr lvl="1"/>
+            <a:r>
+              <a:rPr lang="en-US" sz="1600" b="1" dirty="0" smtClean="0">
+                <a:latin typeface="Courier"/>
+                <a:cs typeface="Courier"/>
+              </a:rPr>
+              <a:t>&lt;001011|</a:t>
+            </a:r>
+          </a:p>
+          <a:p>
+            <a:pPr lvl="1"/>
+            <a:r>
+              <a:rPr lang="en-US" sz="1600" b="1" dirty="0" smtClean="0">
+                <a:latin typeface="Courier"/>
+                <a:cs typeface="Courier"/>
+              </a:rPr>
+              <a:t>|1101&gt;</a:t>
+            </a:r>
+            <a:endParaRPr lang="en-US" sz="1600" b="1" dirty="0">
+              <a:latin typeface="Courier"/>
+              <a:cs typeface="Courier"/>
+            </a:endParaRPr>
           </a:p>
         </p:txBody>
       </p:sp>
     </p:spTree>
     <p:extLst>
       <p:ext uri="{BB962C8B-B14F-4D97-AF65-F5344CB8AC3E}">
-        <p14:creationId xmlns:p14="http://schemas.microsoft.com/office/powerpoint/2010/main" val="3463991577"/>
+        <p14:creationId xmlns:p14="http://schemas.microsoft.com/office/powerpoint/2010/main" val="647352319"/>
       </p:ext>
     </p:extLst>
   </p:cSld>
@@ -5493,17 +6479,16 @@
               <a:buNone/>
             </a:pPr>
             <a:r>
-              <a:rPr lang="en-US" sz="2200" b="1" smtClean="0"/>
-              <a:t>Structure</a:t>
-            </a:r>
-            <a:endParaRPr lang="en-US" sz="2200" b="1" dirty="0" smtClean="0"/>
+              <a:rPr lang="en-US" sz="2200" b="1" dirty="0" smtClean="0"/>
+              <a:t>Operators</a:t>
+            </a:r>
           </a:p>
         </p:txBody>
       </p:sp>
     </p:spTree>
     <p:extLst>
       <p:ext uri="{BB962C8B-B14F-4D97-AF65-F5344CB8AC3E}">
-        <p14:creationId xmlns:p14="http://schemas.microsoft.com/office/powerpoint/2010/main" val="2617038298"/>
+        <p14:creationId xmlns:p14="http://schemas.microsoft.com/office/powerpoint/2010/main" val="3463991577"/>
       </p:ext>
     </p:extLst>
   </p:cSld>

--- a/Demo/Qlang.pptx
+++ b/Demo/Qlang.pptx
@@ -8,13 +8,16 @@
     <p:sldId id="256" r:id="rId2"/>
     <p:sldId id="257" r:id="rId3"/>
     <p:sldId id="261" r:id="rId4"/>
-    <p:sldId id="264" r:id="rId5"/>
-    <p:sldId id="258" r:id="rId6"/>
-    <p:sldId id="259" r:id="rId7"/>
-    <p:sldId id="265" r:id="rId8"/>
-    <p:sldId id="262" r:id="rId9"/>
-    <p:sldId id="263" r:id="rId10"/>
-    <p:sldId id="260" r:id="rId11"/>
+    <p:sldId id="268" r:id="rId5"/>
+    <p:sldId id="264" r:id="rId6"/>
+    <p:sldId id="267" r:id="rId7"/>
+    <p:sldId id="258" r:id="rId8"/>
+    <p:sldId id="270" r:id="rId9"/>
+    <p:sldId id="269" r:id="rId10"/>
+    <p:sldId id="259" r:id="rId11"/>
+    <p:sldId id="265" r:id="rId12"/>
+    <p:sldId id="263" r:id="rId13"/>
+    <p:sldId id="260" r:id="rId14"/>
   </p:sldIdLst>
   <p:sldSz cx="9144000" cy="6858000" type="screen4x3"/>
   <p:notesSz cx="6858000" cy="9144000"/>
@@ -3655,6 +3658,2844 @@
         <p:spPr>
           <a:xfrm>
             <a:off x="1547664" y="116632"/>
+            <a:ext cx="5915000" cy="1143000"/>
+          </a:xfrm>
+        </p:spPr>
+        <p:txBody>
+          <a:bodyPr/>
+          <a:lstStyle/>
+          <a:p>
+            <a:pPr algn="l"/>
+            <a:r>
+              <a:rPr lang="en-US" sz="4000" dirty="0" smtClean="0"/>
+              <a:t>Implementation</a:t>
+            </a:r>
+            <a:endParaRPr lang="en-US" sz="4000" dirty="0"/>
+          </a:p>
+        </p:txBody>
+      </p:sp>
+      <p:sp>
+        <p:nvSpPr>
+          <p:cNvPr id="4" name="Oval 3"/>
+          <p:cNvSpPr/>
+          <p:nvPr/>
+        </p:nvSpPr>
+        <p:spPr>
+          <a:xfrm>
+            <a:off x="3438843" y="1844824"/>
+            <a:ext cx="1224136" cy="504056"/>
+          </a:xfrm>
+          <a:prstGeom prst="ellipse">
+            <a:avLst/>
+          </a:prstGeom>
+          <a:solidFill>
+            <a:schemeClr val="bg1">
+              <a:lumMod val="95000"/>
+            </a:schemeClr>
+          </a:solidFill>
+          <a:ln w="25400">
+            <a:solidFill>
+              <a:schemeClr val="tx1"/>
+            </a:solidFill>
+          </a:ln>
+        </p:spPr>
+        <p:style>
+          <a:lnRef idx="1">
+            <a:schemeClr val="accent1"/>
+          </a:lnRef>
+          <a:fillRef idx="3">
+            <a:schemeClr val="accent1"/>
+          </a:fillRef>
+          <a:effectRef idx="2">
+            <a:schemeClr val="accent1"/>
+          </a:effectRef>
+          <a:fontRef idx="minor">
+            <a:schemeClr val="lt1"/>
+          </a:fontRef>
+        </p:style>
+        <p:txBody>
+          <a:bodyPr rtlCol="0" anchor="ctr"/>
+          <a:lstStyle/>
+          <a:p>
+            <a:pPr algn="ctr"/>
+            <a:endParaRPr lang="en-US"/>
+          </a:p>
+        </p:txBody>
+      </p:sp>
+      <p:sp>
+        <p:nvSpPr>
+          <p:cNvPr id="5" name="TextBox 4"/>
+          <p:cNvSpPr txBox="1"/>
+          <p:nvPr/>
+        </p:nvSpPr>
+        <p:spPr>
+          <a:xfrm>
+            <a:off x="3582859" y="1916832"/>
+            <a:ext cx="971640" cy="338554"/>
+          </a:xfrm>
+          <a:prstGeom prst="rect">
+            <a:avLst/>
+          </a:prstGeom>
+          <a:noFill/>
+        </p:spPr>
+        <p:txBody>
+          <a:bodyPr wrap="none" rtlCol="0">
+            <a:spAutoFit/>
+          </a:bodyPr>
+          <a:lstStyle/>
+          <a:p>
+            <a:r>
+              <a:rPr lang="en-US" sz="1600" b="1" dirty="0" smtClean="0"/>
+              <a:t>scanner</a:t>
+            </a:r>
+            <a:endParaRPr lang="en-US" sz="1600" b="1" dirty="0"/>
+          </a:p>
+        </p:txBody>
+      </p:sp>
+      <p:sp>
+        <p:nvSpPr>
+          <p:cNvPr id="7" name="Oval 6"/>
+          <p:cNvSpPr/>
+          <p:nvPr/>
+        </p:nvSpPr>
+        <p:spPr>
+          <a:xfrm>
+            <a:off x="3438843" y="2852936"/>
+            <a:ext cx="1224136" cy="504056"/>
+          </a:xfrm>
+          <a:prstGeom prst="ellipse">
+            <a:avLst/>
+          </a:prstGeom>
+          <a:solidFill>
+            <a:schemeClr val="bg1">
+              <a:lumMod val="95000"/>
+            </a:schemeClr>
+          </a:solidFill>
+          <a:ln w="25400">
+            <a:solidFill>
+              <a:schemeClr val="tx1"/>
+            </a:solidFill>
+          </a:ln>
+        </p:spPr>
+        <p:style>
+          <a:lnRef idx="1">
+            <a:schemeClr val="accent1"/>
+          </a:lnRef>
+          <a:fillRef idx="3">
+            <a:schemeClr val="accent1"/>
+          </a:fillRef>
+          <a:effectRef idx="2">
+            <a:schemeClr val="accent1"/>
+          </a:effectRef>
+          <a:fontRef idx="minor">
+            <a:schemeClr val="lt1"/>
+          </a:fontRef>
+        </p:style>
+        <p:txBody>
+          <a:bodyPr rtlCol="0" anchor="ctr"/>
+          <a:lstStyle/>
+          <a:p>
+            <a:pPr algn="ctr"/>
+            <a:endParaRPr lang="en-US"/>
+          </a:p>
+        </p:txBody>
+      </p:sp>
+      <p:sp>
+        <p:nvSpPr>
+          <p:cNvPr id="8" name="TextBox 7"/>
+          <p:cNvSpPr txBox="1"/>
+          <p:nvPr/>
+        </p:nvSpPr>
+        <p:spPr>
+          <a:xfrm>
+            <a:off x="3654867" y="2874422"/>
+            <a:ext cx="813043" cy="338554"/>
+          </a:xfrm>
+          <a:prstGeom prst="rect">
+            <a:avLst/>
+          </a:prstGeom>
+          <a:noFill/>
+        </p:spPr>
+        <p:txBody>
+          <a:bodyPr wrap="none" rtlCol="0">
+            <a:spAutoFit/>
+          </a:bodyPr>
+          <a:lstStyle/>
+          <a:p>
+            <a:r>
+              <a:rPr lang="en-US" sz="1600" b="1" dirty="0" smtClean="0"/>
+              <a:t>parser</a:t>
+            </a:r>
+            <a:endParaRPr lang="en-US" sz="1600" b="1" dirty="0"/>
+          </a:p>
+        </p:txBody>
+      </p:sp>
+      <p:cxnSp>
+        <p:nvCxnSpPr>
+          <p:cNvPr id="19" name="Straight Connector 18"/>
+          <p:cNvCxnSpPr/>
+          <p:nvPr/>
+        </p:nvCxnSpPr>
+        <p:spPr>
+          <a:xfrm>
+            <a:off x="2915816" y="2060849"/>
+            <a:ext cx="523027" cy="0"/>
+          </a:xfrm>
+          <a:prstGeom prst="line">
+            <a:avLst/>
+          </a:prstGeom>
+          <a:ln>
+            <a:solidFill>
+              <a:schemeClr val="tx1"/>
+            </a:solidFill>
+            <a:tailEnd type="triangle" w="lg" len="med"/>
+          </a:ln>
+        </p:spPr>
+        <p:style>
+          <a:lnRef idx="2">
+            <a:schemeClr val="accent1"/>
+          </a:lnRef>
+          <a:fillRef idx="0">
+            <a:schemeClr val="accent1"/>
+          </a:fillRef>
+          <a:effectRef idx="1">
+            <a:schemeClr val="accent1"/>
+          </a:effectRef>
+          <a:fontRef idx="minor">
+            <a:schemeClr val="tx1"/>
+          </a:fontRef>
+        </p:style>
+      </p:cxnSp>
+      <p:sp>
+        <p:nvSpPr>
+          <p:cNvPr id="22" name="TextBox 21"/>
+          <p:cNvSpPr txBox="1"/>
+          <p:nvPr/>
+        </p:nvSpPr>
+        <p:spPr>
+          <a:xfrm>
+            <a:off x="1403648" y="1844824"/>
+            <a:ext cx="1769635" cy="584776"/>
+          </a:xfrm>
+          <a:prstGeom prst="rect">
+            <a:avLst/>
+          </a:prstGeom>
+          <a:noFill/>
+        </p:spPr>
+        <p:txBody>
+          <a:bodyPr wrap="none" rtlCol="0">
+            <a:spAutoFit/>
+          </a:bodyPr>
+          <a:lstStyle/>
+          <a:p>
+            <a:pPr algn="ctr"/>
+            <a:r>
+              <a:rPr lang="en-US" sz="1600" b="1" dirty="0" smtClean="0"/>
+              <a:t>program</a:t>
+            </a:r>
+          </a:p>
+          <a:p>
+            <a:pPr algn="ctr"/>
+            <a:r>
+              <a:rPr lang="en-US" sz="1600" b="1" dirty="0" smtClean="0"/>
+              <a:t>(symbol stream)</a:t>
+            </a:r>
+            <a:endParaRPr lang="en-US" sz="1600" b="1" dirty="0"/>
+          </a:p>
+        </p:txBody>
+      </p:sp>
+      <p:sp>
+        <p:nvSpPr>
+          <p:cNvPr id="23" name="TextBox 22"/>
+          <p:cNvSpPr txBox="1"/>
+          <p:nvPr/>
+        </p:nvSpPr>
+        <p:spPr>
+          <a:xfrm>
+            <a:off x="4014907" y="3429000"/>
+            <a:ext cx="595035" cy="338554"/>
+          </a:xfrm>
+          <a:prstGeom prst="rect">
+            <a:avLst/>
+          </a:prstGeom>
+          <a:noFill/>
+        </p:spPr>
+        <p:txBody>
+          <a:bodyPr wrap="none" rtlCol="0">
+            <a:spAutoFit/>
+          </a:bodyPr>
+          <a:lstStyle/>
+          <a:p>
+            <a:r>
+              <a:rPr lang="en-US" sz="1600" b="1" dirty="0" smtClean="0"/>
+              <a:t>AST</a:t>
+            </a:r>
+            <a:endParaRPr lang="en-US" sz="1600" b="1" dirty="0"/>
+          </a:p>
+        </p:txBody>
+      </p:sp>
+      <p:sp>
+        <p:nvSpPr>
+          <p:cNvPr id="24" name="Oval 23"/>
+          <p:cNvSpPr/>
+          <p:nvPr/>
+        </p:nvSpPr>
+        <p:spPr>
+          <a:xfrm>
+            <a:off x="3438843" y="3861048"/>
+            <a:ext cx="1224136" cy="504056"/>
+          </a:xfrm>
+          <a:prstGeom prst="ellipse">
+            <a:avLst/>
+          </a:prstGeom>
+          <a:solidFill>
+            <a:schemeClr val="bg1">
+              <a:lumMod val="95000"/>
+            </a:schemeClr>
+          </a:solidFill>
+          <a:ln w="25400">
+            <a:solidFill>
+              <a:schemeClr val="tx1"/>
+            </a:solidFill>
+          </a:ln>
+        </p:spPr>
+        <p:style>
+          <a:lnRef idx="1">
+            <a:schemeClr val="accent1"/>
+          </a:lnRef>
+          <a:fillRef idx="3">
+            <a:schemeClr val="accent1"/>
+          </a:fillRef>
+          <a:effectRef idx="2">
+            <a:schemeClr val="accent1"/>
+          </a:effectRef>
+          <a:fontRef idx="minor">
+            <a:schemeClr val="lt1"/>
+          </a:fontRef>
+        </p:style>
+        <p:txBody>
+          <a:bodyPr rtlCol="0" anchor="ctr"/>
+          <a:lstStyle/>
+          <a:p>
+            <a:pPr algn="ctr"/>
+            <a:endParaRPr lang="en-US"/>
+          </a:p>
+        </p:txBody>
+      </p:sp>
+      <p:sp>
+        <p:nvSpPr>
+          <p:cNvPr id="25" name="TextBox 24"/>
+          <p:cNvSpPr txBox="1"/>
+          <p:nvPr/>
+        </p:nvSpPr>
+        <p:spPr>
+          <a:xfrm>
+            <a:off x="3510851" y="3882534"/>
+            <a:ext cx="1005904" cy="338554"/>
+          </a:xfrm>
+          <a:prstGeom prst="rect">
+            <a:avLst/>
+          </a:prstGeom>
+          <a:noFill/>
+        </p:spPr>
+        <p:txBody>
+          <a:bodyPr wrap="none" rtlCol="0">
+            <a:spAutoFit/>
+          </a:bodyPr>
+          <a:lstStyle/>
+          <a:p>
+            <a:r>
+              <a:rPr lang="en-US" sz="1600" b="1" dirty="0"/>
+              <a:t>a</a:t>
+            </a:r>
+            <a:r>
+              <a:rPr lang="en-US" sz="1600" b="1" dirty="0" smtClean="0"/>
+              <a:t>nalyzer</a:t>
+            </a:r>
+            <a:endParaRPr lang="en-US" sz="1600" b="1" dirty="0"/>
+          </a:p>
+        </p:txBody>
+      </p:sp>
+      <p:sp>
+        <p:nvSpPr>
+          <p:cNvPr id="27" name="TextBox 26"/>
+          <p:cNvSpPr txBox="1"/>
+          <p:nvPr/>
+        </p:nvSpPr>
+        <p:spPr>
+          <a:xfrm>
+            <a:off x="4014907" y="4437112"/>
+            <a:ext cx="736099" cy="338554"/>
+          </a:xfrm>
+          <a:prstGeom prst="rect">
+            <a:avLst/>
+          </a:prstGeom>
+          <a:noFill/>
+        </p:spPr>
+        <p:txBody>
+          <a:bodyPr wrap="none" rtlCol="0">
+            <a:spAutoFit/>
+          </a:bodyPr>
+          <a:lstStyle/>
+          <a:p>
+            <a:r>
+              <a:rPr lang="en-US" sz="1600" b="1" dirty="0" smtClean="0"/>
+              <a:t>SAST</a:t>
+            </a:r>
+            <a:endParaRPr lang="en-US" sz="1600" b="1" dirty="0"/>
+          </a:p>
+        </p:txBody>
+      </p:sp>
+      <p:sp>
+        <p:nvSpPr>
+          <p:cNvPr id="28" name="TextBox 27"/>
+          <p:cNvSpPr txBox="1"/>
+          <p:nvPr/>
+        </p:nvSpPr>
+        <p:spPr>
+          <a:xfrm>
+            <a:off x="3993208" y="2370366"/>
+            <a:ext cx="1461859" cy="338554"/>
+          </a:xfrm>
+          <a:prstGeom prst="rect">
+            <a:avLst/>
+          </a:prstGeom>
+          <a:noFill/>
+        </p:spPr>
+        <p:txBody>
+          <a:bodyPr wrap="none" rtlCol="0">
+            <a:spAutoFit/>
+          </a:bodyPr>
+          <a:lstStyle/>
+          <a:p>
+            <a:r>
+              <a:rPr lang="en-US" sz="1600" b="1" dirty="0" smtClean="0"/>
+              <a:t>token stream</a:t>
+            </a:r>
+            <a:endParaRPr lang="en-US" sz="1600" b="1" dirty="0"/>
+          </a:p>
+        </p:txBody>
+      </p:sp>
+      <p:sp>
+        <p:nvSpPr>
+          <p:cNvPr id="30" name="Oval 29"/>
+          <p:cNvSpPr/>
+          <p:nvPr/>
+        </p:nvSpPr>
+        <p:spPr>
+          <a:xfrm>
+            <a:off x="3438843" y="4869160"/>
+            <a:ext cx="1224136" cy="504056"/>
+          </a:xfrm>
+          <a:prstGeom prst="ellipse">
+            <a:avLst/>
+          </a:prstGeom>
+          <a:solidFill>
+            <a:schemeClr val="bg1">
+              <a:lumMod val="95000"/>
+            </a:schemeClr>
+          </a:solidFill>
+          <a:ln w="25400">
+            <a:solidFill>
+              <a:schemeClr val="tx1"/>
+            </a:solidFill>
+          </a:ln>
+        </p:spPr>
+        <p:style>
+          <a:lnRef idx="1">
+            <a:schemeClr val="accent1"/>
+          </a:lnRef>
+          <a:fillRef idx="3">
+            <a:schemeClr val="accent1"/>
+          </a:fillRef>
+          <a:effectRef idx="2">
+            <a:schemeClr val="accent1"/>
+          </a:effectRef>
+          <a:fontRef idx="minor">
+            <a:schemeClr val="lt1"/>
+          </a:fontRef>
+        </p:style>
+        <p:txBody>
+          <a:bodyPr rtlCol="0" anchor="ctr"/>
+          <a:lstStyle/>
+          <a:p>
+            <a:pPr algn="ctr"/>
+            <a:endParaRPr lang="en-US"/>
+          </a:p>
+        </p:txBody>
+      </p:sp>
+      <p:sp>
+        <p:nvSpPr>
+          <p:cNvPr id="31" name="TextBox 30"/>
+          <p:cNvSpPr txBox="1"/>
+          <p:nvPr/>
+        </p:nvSpPr>
+        <p:spPr>
+          <a:xfrm>
+            <a:off x="3510851" y="4890646"/>
+            <a:ext cx="1133644" cy="338554"/>
+          </a:xfrm>
+          <a:prstGeom prst="rect">
+            <a:avLst/>
+          </a:prstGeom>
+          <a:noFill/>
+        </p:spPr>
+        <p:txBody>
+          <a:bodyPr wrap="none" rtlCol="0">
+            <a:spAutoFit/>
+          </a:bodyPr>
+          <a:lstStyle/>
+          <a:p>
+            <a:r>
+              <a:rPr lang="en-US" sz="1600" b="1" dirty="0" smtClean="0"/>
+              <a:t>generator</a:t>
+            </a:r>
+            <a:endParaRPr lang="en-US" sz="1600" b="1" dirty="0"/>
+          </a:p>
+        </p:txBody>
+      </p:sp>
+      <p:cxnSp>
+        <p:nvCxnSpPr>
+          <p:cNvPr id="32" name="Straight Connector 31"/>
+          <p:cNvCxnSpPr/>
+          <p:nvPr/>
+        </p:nvCxnSpPr>
+        <p:spPr>
+          <a:xfrm>
+            <a:off x="4014907" y="4365104"/>
+            <a:ext cx="0" cy="504056"/>
+          </a:xfrm>
+          <a:prstGeom prst="line">
+            <a:avLst/>
+          </a:prstGeom>
+          <a:ln>
+            <a:solidFill>
+              <a:schemeClr val="tx1"/>
+            </a:solidFill>
+            <a:tailEnd type="triangle" w="lg" len="med"/>
+          </a:ln>
+        </p:spPr>
+        <p:style>
+          <a:lnRef idx="2">
+            <a:schemeClr val="accent1"/>
+          </a:lnRef>
+          <a:fillRef idx="0">
+            <a:schemeClr val="accent1"/>
+          </a:fillRef>
+          <a:effectRef idx="1">
+            <a:schemeClr val="accent1"/>
+          </a:effectRef>
+          <a:fontRef idx="minor">
+            <a:schemeClr val="tx1"/>
+          </a:fontRef>
+        </p:style>
+      </p:cxnSp>
+      <p:cxnSp>
+        <p:nvCxnSpPr>
+          <p:cNvPr id="35" name="Straight Connector 34"/>
+          <p:cNvCxnSpPr/>
+          <p:nvPr/>
+        </p:nvCxnSpPr>
+        <p:spPr>
+          <a:xfrm>
+            <a:off x="4014907" y="2348880"/>
+            <a:ext cx="0" cy="504056"/>
+          </a:xfrm>
+          <a:prstGeom prst="line">
+            <a:avLst/>
+          </a:prstGeom>
+          <a:ln>
+            <a:solidFill>
+              <a:schemeClr val="tx1"/>
+            </a:solidFill>
+            <a:tailEnd type="triangle" w="lg" len="med"/>
+          </a:ln>
+        </p:spPr>
+        <p:style>
+          <a:lnRef idx="2">
+            <a:schemeClr val="accent1"/>
+          </a:lnRef>
+          <a:fillRef idx="0">
+            <a:schemeClr val="accent1"/>
+          </a:fillRef>
+          <a:effectRef idx="1">
+            <a:schemeClr val="accent1"/>
+          </a:effectRef>
+          <a:fontRef idx="minor">
+            <a:schemeClr val="tx1"/>
+          </a:fontRef>
+        </p:style>
+      </p:cxnSp>
+      <p:cxnSp>
+        <p:nvCxnSpPr>
+          <p:cNvPr id="36" name="Straight Connector 35"/>
+          <p:cNvCxnSpPr/>
+          <p:nvPr/>
+        </p:nvCxnSpPr>
+        <p:spPr>
+          <a:xfrm>
+            <a:off x="4014907" y="3356992"/>
+            <a:ext cx="0" cy="504056"/>
+          </a:xfrm>
+          <a:prstGeom prst="line">
+            <a:avLst/>
+          </a:prstGeom>
+          <a:ln>
+            <a:solidFill>
+              <a:schemeClr val="tx1"/>
+            </a:solidFill>
+            <a:tailEnd type="triangle" w="lg" len="med"/>
+          </a:ln>
+        </p:spPr>
+        <p:style>
+          <a:lnRef idx="2">
+            <a:schemeClr val="accent1"/>
+          </a:lnRef>
+          <a:fillRef idx="0">
+            <a:schemeClr val="accent1"/>
+          </a:fillRef>
+          <a:effectRef idx="1">
+            <a:schemeClr val="accent1"/>
+          </a:effectRef>
+          <a:fontRef idx="minor">
+            <a:schemeClr val="tx1"/>
+          </a:fontRef>
+        </p:style>
+      </p:cxnSp>
+      <p:cxnSp>
+        <p:nvCxnSpPr>
+          <p:cNvPr id="39" name="Straight Connector 38"/>
+          <p:cNvCxnSpPr/>
+          <p:nvPr/>
+        </p:nvCxnSpPr>
+        <p:spPr>
+          <a:xfrm>
+            <a:off x="4662979" y="5085184"/>
+            <a:ext cx="917133" cy="0"/>
+          </a:xfrm>
+          <a:prstGeom prst="line">
+            <a:avLst/>
+          </a:prstGeom>
+          <a:ln>
+            <a:solidFill>
+              <a:schemeClr val="tx1"/>
+            </a:solidFill>
+            <a:tailEnd type="triangle" w="lg" len="med"/>
+          </a:ln>
+        </p:spPr>
+        <p:style>
+          <a:lnRef idx="2">
+            <a:schemeClr val="accent1"/>
+          </a:lnRef>
+          <a:fillRef idx="0">
+            <a:schemeClr val="accent1"/>
+          </a:fillRef>
+          <a:effectRef idx="1">
+            <a:schemeClr val="accent1"/>
+          </a:effectRef>
+          <a:fontRef idx="minor">
+            <a:schemeClr val="tx1"/>
+          </a:fontRef>
+        </p:style>
+      </p:cxnSp>
+      <p:sp>
+        <p:nvSpPr>
+          <p:cNvPr id="41" name="TextBox 40"/>
+          <p:cNvSpPr txBox="1"/>
+          <p:nvPr/>
+        </p:nvSpPr>
+        <p:spPr>
+          <a:xfrm>
+            <a:off x="4644008" y="4725144"/>
+            <a:ext cx="903513" cy="338554"/>
+          </a:xfrm>
+          <a:prstGeom prst="rect">
+            <a:avLst/>
+          </a:prstGeom>
+          <a:noFill/>
+        </p:spPr>
+        <p:txBody>
+          <a:bodyPr wrap="none" rtlCol="0">
+            <a:spAutoFit/>
+          </a:bodyPr>
+          <a:lstStyle/>
+          <a:p>
+            <a:r>
+              <a:rPr lang="en-US" sz="1600" b="1" dirty="0" err="1" smtClean="0"/>
+              <a:t>c++</a:t>
+            </a:r>
+            <a:r>
+              <a:rPr lang="en-US" sz="1600" b="1" dirty="0" smtClean="0"/>
+              <a:t> </a:t>
+            </a:r>
+            <a:r>
+              <a:rPr lang="en-US" sz="1600" b="1" dirty="0" err="1" smtClean="0"/>
+              <a:t>src</a:t>
+            </a:r>
+            <a:endParaRPr lang="en-US" sz="1600" b="1" dirty="0"/>
+          </a:p>
+        </p:txBody>
+      </p:sp>
+      <p:sp>
+        <p:nvSpPr>
+          <p:cNvPr id="44" name="Oval 43"/>
+          <p:cNvSpPr/>
+          <p:nvPr/>
+        </p:nvSpPr>
+        <p:spPr>
+          <a:xfrm>
+            <a:off x="5671091" y="4797152"/>
+            <a:ext cx="1224136" cy="504056"/>
+          </a:xfrm>
+          <a:prstGeom prst="ellipse">
+            <a:avLst/>
+          </a:prstGeom>
+          <a:solidFill>
+            <a:schemeClr val="bg1">
+              <a:lumMod val="95000"/>
+            </a:schemeClr>
+          </a:solidFill>
+          <a:ln w="25400">
+            <a:solidFill>
+              <a:schemeClr val="tx1"/>
+            </a:solidFill>
+          </a:ln>
+        </p:spPr>
+        <p:style>
+          <a:lnRef idx="1">
+            <a:schemeClr val="accent1"/>
+          </a:lnRef>
+          <a:fillRef idx="3">
+            <a:schemeClr val="accent1"/>
+          </a:fillRef>
+          <a:effectRef idx="2">
+            <a:schemeClr val="accent1"/>
+          </a:effectRef>
+          <a:fontRef idx="minor">
+            <a:schemeClr val="lt1"/>
+          </a:fontRef>
+        </p:style>
+        <p:txBody>
+          <a:bodyPr rtlCol="0" anchor="ctr"/>
+          <a:lstStyle/>
+          <a:p>
+            <a:pPr algn="ctr"/>
+            <a:endParaRPr lang="en-US"/>
+          </a:p>
+        </p:txBody>
+      </p:sp>
+      <p:sp>
+        <p:nvSpPr>
+          <p:cNvPr id="45" name="TextBox 44"/>
+          <p:cNvSpPr txBox="1"/>
+          <p:nvPr/>
+        </p:nvSpPr>
+        <p:spPr>
+          <a:xfrm>
+            <a:off x="5959123" y="4869160"/>
+            <a:ext cx="549650" cy="338554"/>
+          </a:xfrm>
+          <a:prstGeom prst="rect">
+            <a:avLst/>
+          </a:prstGeom>
+          <a:noFill/>
+        </p:spPr>
+        <p:txBody>
+          <a:bodyPr wrap="none" rtlCol="0">
+            <a:spAutoFit/>
+          </a:bodyPr>
+          <a:lstStyle/>
+          <a:p>
+            <a:r>
+              <a:rPr lang="en-US" sz="1600" b="1" dirty="0" smtClean="0"/>
+              <a:t>g++</a:t>
+            </a:r>
+            <a:endParaRPr lang="en-US" sz="1600" b="1" dirty="0"/>
+          </a:p>
+        </p:txBody>
+      </p:sp>
+      <p:cxnSp>
+        <p:nvCxnSpPr>
+          <p:cNvPr id="48" name="Straight Connector 47"/>
+          <p:cNvCxnSpPr/>
+          <p:nvPr/>
+        </p:nvCxnSpPr>
+        <p:spPr>
+          <a:xfrm>
+            <a:off x="6247155" y="4293096"/>
+            <a:ext cx="0" cy="504056"/>
+          </a:xfrm>
+          <a:prstGeom prst="line">
+            <a:avLst/>
+          </a:prstGeom>
+          <a:ln>
+            <a:solidFill>
+              <a:schemeClr val="tx1"/>
+            </a:solidFill>
+            <a:tailEnd type="triangle" w="lg" len="med"/>
+          </a:ln>
+        </p:spPr>
+        <p:style>
+          <a:lnRef idx="2">
+            <a:schemeClr val="accent1"/>
+          </a:lnRef>
+          <a:fillRef idx="0">
+            <a:schemeClr val="accent1"/>
+          </a:fillRef>
+          <a:effectRef idx="1">
+            <a:schemeClr val="accent1"/>
+          </a:effectRef>
+          <a:fontRef idx="minor">
+            <a:schemeClr val="tx1"/>
+          </a:fontRef>
+        </p:style>
+      </p:cxnSp>
+      <p:sp>
+        <p:nvSpPr>
+          <p:cNvPr id="49" name="TextBox 48"/>
+          <p:cNvSpPr txBox="1"/>
+          <p:nvPr/>
+        </p:nvSpPr>
+        <p:spPr>
+          <a:xfrm>
+            <a:off x="5743099" y="3462099"/>
+            <a:ext cx="1039668" cy="830997"/>
+          </a:xfrm>
+          <a:prstGeom prst="rect">
+            <a:avLst/>
+          </a:prstGeom>
+          <a:noFill/>
+        </p:spPr>
+        <p:txBody>
+          <a:bodyPr wrap="none" rtlCol="0">
+            <a:spAutoFit/>
+          </a:bodyPr>
+          <a:lstStyle/>
+          <a:p>
+            <a:pPr algn="ctr"/>
+            <a:r>
+              <a:rPr lang="en-US" sz="1600" b="1" dirty="0" smtClean="0"/>
+              <a:t>qlang lib</a:t>
+            </a:r>
+          </a:p>
+          <a:p>
+            <a:pPr algn="ctr"/>
+            <a:r>
+              <a:rPr lang="en-US" sz="1600" b="1" dirty="0" smtClean="0"/>
+              <a:t>Eigen lib</a:t>
+            </a:r>
+          </a:p>
+          <a:p>
+            <a:pPr algn="ctr"/>
+            <a:r>
+              <a:rPr lang="en-US" sz="1600" b="1" dirty="0" smtClean="0"/>
+              <a:t>libc++</a:t>
+            </a:r>
+            <a:endParaRPr lang="en-US" sz="1600" b="1" dirty="0"/>
+          </a:p>
+        </p:txBody>
+      </p:sp>
+      <p:sp>
+        <p:nvSpPr>
+          <p:cNvPr id="51" name="TextBox 50"/>
+          <p:cNvSpPr txBox="1"/>
+          <p:nvPr/>
+        </p:nvSpPr>
+        <p:spPr>
+          <a:xfrm>
+            <a:off x="7740352" y="4797152"/>
+            <a:ext cx="1245353" cy="338554"/>
+          </a:xfrm>
+          <a:prstGeom prst="rect">
+            <a:avLst/>
+          </a:prstGeom>
+          <a:noFill/>
+        </p:spPr>
+        <p:txBody>
+          <a:bodyPr wrap="none" rtlCol="0">
+            <a:spAutoFit/>
+          </a:bodyPr>
+          <a:lstStyle/>
+          <a:p>
+            <a:r>
+              <a:rPr lang="en-US" sz="1600" b="1" dirty="0" smtClean="0"/>
+              <a:t>executable</a:t>
+            </a:r>
+            <a:endParaRPr lang="en-US" sz="1600" b="1" dirty="0"/>
+          </a:p>
+        </p:txBody>
+      </p:sp>
+      <p:cxnSp>
+        <p:nvCxnSpPr>
+          <p:cNvPr id="53" name="Straight Connector 52"/>
+          <p:cNvCxnSpPr/>
+          <p:nvPr/>
+        </p:nvCxnSpPr>
+        <p:spPr>
+          <a:xfrm>
+            <a:off x="6876256" y="5013176"/>
+            <a:ext cx="917133" cy="0"/>
+          </a:xfrm>
+          <a:prstGeom prst="line">
+            <a:avLst/>
+          </a:prstGeom>
+          <a:ln>
+            <a:solidFill>
+              <a:schemeClr val="tx1"/>
+            </a:solidFill>
+            <a:tailEnd type="triangle" w="lg" len="med"/>
+          </a:ln>
+        </p:spPr>
+        <p:style>
+          <a:lnRef idx="2">
+            <a:schemeClr val="accent1"/>
+          </a:lnRef>
+          <a:fillRef idx="0">
+            <a:schemeClr val="accent1"/>
+          </a:fillRef>
+          <a:effectRef idx="1">
+            <a:schemeClr val="accent1"/>
+          </a:effectRef>
+          <a:fontRef idx="minor">
+            <a:schemeClr val="tx1"/>
+          </a:fontRef>
+        </p:style>
+      </p:cxnSp>
+      <p:sp>
+        <p:nvSpPr>
+          <p:cNvPr id="54" name="Content Placeholder 4"/>
+          <p:cNvSpPr>
+            <a:spLocks noGrp="1"/>
+          </p:cNvSpPr>
+          <p:nvPr>
+            <p:ph idx="1"/>
+          </p:nvPr>
+        </p:nvSpPr>
+        <p:spPr>
+          <a:xfrm>
+            <a:off x="1526976" y="1052736"/>
+            <a:ext cx="8229600" cy="4525963"/>
+          </a:xfrm>
+        </p:spPr>
+        <p:txBody>
+          <a:bodyPr/>
+          <a:lstStyle/>
+          <a:p>
+            <a:pPr marL="0" indent="0">
+              <a:buNone/>
+            </a:pPr>
+            <a:r>
+              <a:rPr lang="en-US" sz="2400" b="1" dirty="0" smtClean="0"/>
+              <a:t>Compilation</a:t>
+            </a:r>
+            <a:endParaRPr lang="en-US" sz="2400" b="1" dirty="0"/>
+          </a:p>
+        </p:txBody>
+      </p:sp>
+    </p:spTree>
+    <p:extLst>
+      <p:ext uri="{BB962C8B-B14F-4D97-AF65-F5344CB8AC3E}">
+        <p14:creationId xmlns:p14="http://schemas.microsoft.com/office/powerpoint/2010/main" val="2721382723"/>
+      </p:ext>
+    </p:extLst>
+  </p:cSld>
+  <p:clrMapOvr>
+    <a:masterClrMapping/>
+  </p:clrMapOvr>
+</p:sld>
+</file>
+
+<file path=ppt/slides/slide11.xml><?xml version="1.0" encoding="utf-8"?>
+<p:sld xmlns:a="http://schemas.openxmlformats.org/drawingml/2006/main" xmlns:r="http://schemas.openxmlformats.org/officeDocument/2006/relationships" xmlns:p="http://schemas.openxmlformats.org/presentationml/2006/main">
+  <p:cSld>
+    <p:spTree>
+      <p:nvGrpSpPr>
+        <p:cNvPr id="1" name=""/>
+        <p:cNvGrpSpPr/>
+        <p:nvPr/>
+      </p:nvGrpSpPr>
+      <p:grpSpPr>
+        <a:xfrm>
+          <a:off x="0" y="0"/>
+          <a:ext cx="0" cy="0"/>
+          <a:chOff x="0" y="0"/>
+          <a:chExt cx="0" cy="0"/>
+        </a:xfrm>
+      </p:grpSpPr>
+      <p:sp>
+        <p:nvSpPr>
+          <p:cNvPr id="113" name="Rounded Rectangle 112"/>
+          <p:cNvSpPr/>
+          <p:nvPr/>
+        </p:nvSpPr>
+        <p:spPr>
+          <a:xfrm>
+            <a:off x="1547664" y="1916832"/>
+            <a:ext cx="7200800" cy="3024336"/>
+          </a:xfrm>
+          <a:prstGeom prst="roundRect">
+            <a:avLst/>
+          </a:prstGeom>
+          <a:solidFill>
+            <a:schemeClr val="bg1">
+              <a:lumMod val="85000"/>
+            </a:schemeClr>
+          </a:solidFill>
+          <a:ln>
+            <a:noFill/>
+          </a:ln>
+          <a:effectLst/>
+        </p:spPr>
+        <p:style>
+          <a:lnRef idx="1">
+            <a:schemeClr val="accent1"/>
+          </a:lnRef>
+          <a:fillRef idx="3">
+            <a:schemeClr val="accent1"/>
+          </a:fillRef>
+          <a:effectRef idx="2">
+            <a:schemeClr val="accent1"/>
+          </a:effectRef>
+          <a:fontRef idx="minor">
+            <a:schemeClr val="lt1"/>
+          </a:fontRef>
+        </p:style>
+        <p:txBody>
+          <a:bodyPr rtlCol="0" anchor="ctr"/>
+          <a:lstStyle/>
+          <a:p>
+            <a:pPr algn="ctr"/>
+            <a:endParaRPr lang="en-US"/>
+          </a:p>
+        </p:txBody>
+      </p:sp>
+      <p:sp>
+        <p:nvSpPr>
+          <p:cNvPr id="110" name="Rounded Rectangle 109"/>
+          <p:cNvSpPr/>
+          <p:nvPr/>
+        </p:nvSpPr>
+        <p:spPr>
+          <a:xfrm>
+            <a:off x="1619672" y="3501008"/>
+            <a:ext cx="3600400" cy="1296144"/>
+          </a:xfrm>
+          <a:prstGeom prst="roundRect">
+            <a:avLst/>
+          </a:prstGeom>
+          <a:solidFill>
+            <a:srgbClr val="EF978F">
+              <a:alpha val="80000"/>
+            </a:srgbClr>
+          </a:solidFill>
+          <a:ln>
+            <a:noFill/>
+          </a:ln>
+          <a:effectLst/>
+        </p:spPr>
+        <p:style>
+          <a:lnRef idx="1">
+            <a:schemeClr val="accent1"/>
+          </a:lnRef>
+          <a:fillRef idx="3">
+            <a:schemeClr val="accent1"/>
+          </a:fillRef>
+          <a:effectRef idx="2">
+            <a:schemeClr val="accent1"/>
+          </a:effectRef>
+          <a:fontRef idx="minor">
+            <a:schemeClr val="lt1"/>
+          </a:fontRef>
+        </p:style>
+        <p:txBody>
+          <a:bodyPr rtlCol="0" anchor="ctr"/>
+          <a:lstStyle/>
+          <a:p>
+            <a:pPr algn="ctr"/>
+            <a:endParaRPr lang="en-US"/>
+          </a:p>
+        </p:txBody>
+      </p:sp>
+      <p:sp>
+        <p:nvSpPr>
+          <p:cNvPr id="95" name="Rounded Rectangle 94"/>
+          <p:cNvSpPr/>
+          <p:nvPr/>
+        </p:nvSpPr>
+        <p:spPr>
+          <a:xfrm>
+            <a:off x="2843808" y="2276872"/>
+            <a:ext cx="5760640" cy="1152128"/>
+          </a:xfrm>
+          <a:prstGeom prst="roundRect">
+            <a:avLst/>
+          </a:prstGeom>
+          <a:solidFill>
+            <a:schemeClr val="accent5">
+              <a:lumMod val="90000"/>
+            </a:schemeClr>
+          </a:solidFill>
+          <a:ln>
+            <a:noFill/>
+          </a:ln>
+          <a:effectLst/>
+        </p:spPr>
+        <p:style>
+          <a:lnRef idx="1">
+            <a:schemeClr val="accent1"/>
+          </a:lnRef>
+          <a:fillRef idx="3">
+            <a:schemeClr val="accent1"/>
+          </a:fillRef>
+          <a:effectRef idx="2">
+            <a:schemeClr val="accent1"/>
+          </a:effectRef>
+          <a:fontRef idx="minor">
+            <a:schemeClr val="lt1"/>
+          </a:fontRef>
+        </p:style>
+        <p:txBody>
+          <a:bodyPr rtlCol="0" anchor="ctr"/>
+          <a:lstStyle/>
+          <a:p>
+            <a:pPr algn="ctr"/>
+            <a:endParaRPr lang="en-US"/>
+          </a:p>
+        </p:txBody>
+      </p:sp>
+      <p:sp>
+        <p:nvSpPr>
+          <p:cNvPr id="2" name="Title 1"/>
+          <p:cNvSpPr>
+            <a:spLocks noGrp="1"/>
+          </p:cNvSpPr>
+          <p:nvPr>
+            <p:ph type="title"/>
+          </p:nvPr>
+        </p:nvSpPr>
+        <p:spPr>
+          <a:xfrm>
+            <a:off x="1547664" y="116632"/>
+            <a:ext cx="5915000" cy="1143000"/>
+          </a:xfrm>
+        </p:spPr>
+        <p:txBody>
+          <a:bodyPr/>
+          <a:lstStyle/>
+          <a:p>
+            <a:pPr algn="l"/>
+            <a:r>
+              <a:rPr lang="en-US" sz="4000" dirty="0" smtClean="0"/>
+              <a:t>Implementation</a:t>
+            </a:r>
+            <a:endParaRPr lang="en-US" sz="4000" dirty="0"/>
+          </a:p>
+        </p:txBody>
+      </p:sp>
+      <p:sp>
+        <p:nvSpPr>
+          <p:cNvPr id="54" name="Content Placeholder 4"/>
+          <p:cNvSpPr>
+            <a:spLocks noGrp="1"/>
+          </p:cNvSpPr>
+          <p:nvPr>
+            <p:ph idx="1"/>
+          </p:nvPr>
+        </p:nvSpPr>
+        <p:spPr>
+          <a:xfrm>
+            <a:off x="1526976" y="1052736"/>
+            <a:ext cx="8229600" cy="4525963"/>
+          </a:xfrm>
+        </p:spPr>
+        <p:txBody>
+          <a:bodyPr/>
+          <a:lstStyle/>
+          <a:p>
+            <a:pPr marL="0" indent="0">
+              <a:buNone/>
+            </a:pPr>
+            <a:r>
+              <a:rPr lang="en-US" sz="2200" b="1" dirty="0" smtClean="0"/>
+              <a:t>Structure</a:t>
+            </a:r>
+          </a:p>
+        </p:txBody>
+      </p:sp>
+      <p:sp>
+        <p:nvSpPr>
+          <p:cNvPr id="4" name="TextBox 3"/>
+          <p:cNvSpPr txBox="1"/>
+          <p:nvPr/>
+        </p:nvSpPr>
+        <p:spPr>
+          <a:xfrm>
+            <a:off x="5126593" y="2276872"/>
+            <a:ext cx="1016925" cy="338554"/>
+          </a:xfrm>
+          <a:prstGeom prst="rect">
+            <a:avLst/>
+          </a:prstGeom>
+          <a:noFill/>
+        </p:spPr>
+        <p:txBody>
+          <a:bodyPr wrap="none" rtlCol="0">
+            <a:spAutoFit/>
+          </a:bodyPr>
+          <a:lstStyle/>
+          <a:p>
+            <a:pPr algn="ctr"/>
+            <a:r>
+              <a:rPr lang="en-US" sz="1600" b="1" dirty="0" smtClean="0"/>
+              <a:t>program</a:t>
+            </a:r>
+          </a:p>
+        </p:txBody>
+      </p:sp>
+      <p:cxnSp>
+        <p:nvCxnSpPr>
+          <p:cNvPr id="5" name="Straight Connector 4"/>
+          <p:cNvCxnSpPr>
+            <a:stCxn id="4" idx="2"/>
+            <a:endCxn id="24" idx="0"/>
+          </p:cNvCxnSpPr>
+          <p:nvPr/>
+        </p:nvCxnSpPr>
+        <p:spPr>
+          <a:xfrm flipH="1">
+            <a:off x="3664155" y="2615426"/>
+            <a:ext cx="1970901" cy="453534"/>
+          </a:xfrm>
+          <a:prstGeom prst="line">
+            <a:avLst/>
+          </a:prstGeom>
+          <a:ln>
+            <a:solidFill>
+              <a:schemeClr val="tx1"/>
+            </a:solidFill>
+            <a:tailEnd type="triangle" w="lg" len="med"/>
+          </a:ln>
+        </p:spPr>
+        <p:style>
+          <a:lnRef idx="2">
+            <a:schemeClr val="accent1"/>
+          </a:lnRef>
+          <a:fillRef idx="0">
+            <a:schemeClr val="accent1"/>
+          </a:fillRef>
+          <a:effectRef idx="1">
+            <a:schemeClr val="accent1"/>
+          </a:effectRef>
+          <a:fontRef idx="minor">
+            <a:schemeClr val="tx1"/>
+          </a:fontRef>
+        </p:style>
+      </p:cxnSp>
+      <p:sp>
+        <p:nvSpPr>
+          <p:cNvPr id="24" name="TextBox 23"/>
+          <p:cNvSpPr txBox="1"/>
+          <p:nvPr/>
+        </p:nvSpPr>
+        <p:spPr>
+          <a:xfrm>
+            <a:off x="3332373" y="3068960"/>
+            <a:ext cx="663563" cy="338554"/>
+          </a:xfrm>
+          <a:prstGeom prst="rect">
+            <a:avLst/>
+          </a:prstGeom>
+          <a:noFill/>
+        </p:spPr>
+        <p:txBody>
+          <a:bodyPr wrap="none" rtlCol="0">
+            <a:spAutoFit/>
+          </a:bodyPr>
+          <a:lstStyle/>
+          <a:p>
+            <a:pPr algn="ctr"/>
+            <a:r>
+              <a:rPr lang="en-US" sz="1600" b="1" dirty="0" err="1" smtClean="0"/>
+              <a:t>fdecl</a:t>
+            </a:r>
+            <a:endParaRPr lang="en-US" sz="1600" b="1" dirty="0" smtClean="0"/>
+          </a:p>
+        </p:txBody>
+      </p:sp>
+      <p:sp>
+        <p:nvSpPr>
+          <p:cNvPr id="40" name="TextBox 39"/>
+          <p:cNvSpPr txBox="1"/>
+          <p:nvPr/>
+        </p:nvSpPr>
+        <p:spPr>
+          <a:xfrm>
+            <a:off x="4211960" y="3738518"/>
+            <a:ext cx="914633" cy="338554"/>
+          </a:xfrm>
+          <a:prstGeom prst="rect">
+            <a:avLst/>
+          </a:prstGeom>
+          <a:noFill/>
+        </p:spPr>
+        <p:txBody>
+          <a:bodyPr wrap="none" rtlCol="0">
+            <a:spAutoFit/>
+          </a:bodyPr>
+          <a:lstStyle/>
+          <a:p>
+            <a:pPr algn="ctr"/>
+            <a:r>
+              <a:rPr lang="en-US" sz="1600" b="1" dirty="0" err="1" smtClean="0"/>
+              <a:t>params</a:t>
+            </a:r>
+            <a:r>
+              <a:rPr lang="en-US" sz="1600" b="1" dirty="0" smtClean="0"/>
+              <a:t> </a:t>
+            </a:r>
+          </a:p>
+        </p:txBody>
+      </p:sp>
+      <p:cxnSp>
+        <p:nvCxnSpPr>
+          <p:cNvPr id="41" name="Straight Connector 40"/>
+          <p:cNvCxnSpPr/>
+          <p:nvPr/>
+        </p:nvCxnSpPr>
+        <p:spPr>
+          <a:xfrm flipH="1">
+            <a:off x="2843808" y="3530044"/>
+            <a:ext cx="763830" cy="93494"/>
+          </a:xfrm>
+          <a:prstGeom prst="line">
+            <a:avLst/>
+          </a:prstGeom>
+          <a:ln>
+            <a:solidFill>
+              <a:schemeClr val="tx1"/>
+            </a:solidFill>
+            <a:tailEnd type="triangle" w="lg" len="med"/>
+          </a:ln>
+        </p:spPr>
+        <p:style>
+          <a:lnRef idx="2">
+            <a:schemeClr val="accent1"/>
+          </a:lnRef>
+          <a:fillRef idx="0">
+            <a:schemeClr val="accent1"/>
+          </a:fillRef>
+          <a:effectRef idx="1">
+            <a:schemeClr val="accent1"/>
+          </a:effectRef>
+          <a:fontRef idx="minor">
+            <a:schemeClr val="tx1"/>
+          </a:fontRef>
+        </p:style>
+      </p:cxnSp>
+      <p:sp>
+        <p:nvSpPr>
+          <p:cNvPr id="42" name="TextBox 41"/>
+          <p:cNvSpPr txBox="1"/>
+          <p:nvPr/>
+        </p:nvSpPr>
+        <p:spPr>
+          <a:xfrm>
+            <a:off x="2123138" y="3429000"/>
+            <a:ext cx="720670" cy="338554"/>
+          </a:xfrm>
+          <a:prstGeom prst="rect">
+            <a:avLst/>
+          </a:prstGeom>
+          <a:noFill/>
+        </p:spPr>
+        <p:txBody>
+          <a:bodyPr wrap="none" rtlCol="0">
+            <a:spAutoFit/>
+          </a:bodyPr>
+          <a:lstStyle/>
+          <a:p>
+            <a:pPr algn="ctr"/>
+            <a:r>
+              <a:rPr lang="en-US" sz="1600" b="1" dirty="0" smtClean="0"/>
+              <a:t>name</a:t>
+            </a:r>
+          </a:p>
+        </p:txBody>
+      </p:sp>
+      <p:cxnSp>
+        <p:nvCxnSpPr>
+          <p:cNvPr id="43" name="Straight Connector 42"/>
+          <p:cNvCxnSpPr/>
+          <p:nvPr/>
+        </p:nvCxnSpPr>
+        <p:spPr>
+          <a:xfrm flipH="1">
+            <a:off x="2987824" y="3530044"/>
+            <a:ext cx="619814" cy="381526"/>
+          </a:xfrm>
+          <a:prstGeom prst="line">
+            <a:avLst/>
+          </a:prstGeom>
+          <a:ln>
+            <a:solidFill>
+              <a:schemeClr val="tx1"/>
+            </a:solidFill>
+            <a:tailEnd type="triangle" w="lg" len="med"/>
+          </a:ln>
+        </p:spPr>
+        <p:style>
+          <a:lnRef idx="2">
+            <a:schemeClr val="accent1"/>
+          </a:lnRef>
+          <a:fillRef idx="0">
+            <a:schemeClr val="accent1"/>
+          </a:fillRef>
+          <a:effectRef idx="1">
+            <a:schemeClr val="accent1"/>
+          </a:effectRef>
+          <a:fontRef idx="minor">
+            <a:schemeClr val="tx1"/>
+          </a:fontRef>
+        </p:style>
+      </p:cxnSp>
+      <p:sp>
+        <p:nvSpPr>
+          <p:cNvPr id="44" name="TextBox 43"/>
+          <p:cNvSpPr txBox="1"/>
+          <p:nvPr/>
+        </p:nvSpPr>
+        <p:spPr>
+          <a:xfrm>
+            <a:off x="1619672" y="3717032"/>
+            <a:ext cx="1370487" cy="338554"/>
+          </a:xfrm>
+          <a:prstGeom prst="rect">
+            <a:avLst/>
+          </a:prstGeom>
+          <a:noFill/>
+        </p:spPr>
+        <p:txBody>
+          <a:bodyPr wrap="none" rtlCol="0">
+            <a:spAutoFit/>
+          </a:bodyPr>
+          <a:lstStyle/>
+          <a:p>
+            <a:pPr algn="ctr"/>
+            <a:r>
+              <a:rPr lang="en-US" sz="1600" b="1" dirty="0" smtClean="0"/>
+              <a:t>return name</a:t>
+            </a:r>
+          </a:p>
+        </p:txBody>
+      </p:sp>
+      <p:cxnSp>
+        <p:nvCxnSpPr>
+          <p:cNvPr id="45" name="Straight Connector 44"/>
+          <p:cNvCxnSpPr/>
+          <p:nvPr/>
+        </p:nvCxnSpPr>
+        <p:spPr>
+          <a:xfrm flipH="1">
+            <a:off x="3275856" y="3530044"/>
+            <a:ext cx="331782" cy="525542"/>
+          </a:xfrm>
+          <a:prstGeom prst="line">
+            <a:avLst/>
+          </a:prstGeom>
+          <a:ln>
+            <a:solidFill>
+              <a:schemeClr val="tx1"/>
+            </a:solidFill>
+            <a:tailEnd type="triangle" w="lg" len="med"/>
+          </a:ln>
+        </p:spPr>
+        <p:style>
+          <a:lnRef idx="2">
+            <a:schemeClr val="accent1"/>
+          </a:lnRef>
+          <a:fillRef idx="0">
+            <a:schemeClr val="accent1"/>
+          </a:fillRef>
+          <a:effectRef idx="1">
+            <a:schemeClr val="accent1"/>
+          </a:effectRef>
+          <a:fontRef idx="minor">
+            <a:schemeClr val="tx1"/>
+          </a:fontRef>
+        </p:style>
+      </p:cxnSp>
+      <p:sp>
+        <p:nvSpPr>
+          <p:cNvPr id="46" name="TextBox 45"/>
+          <p:cNvSpPr txBox="1"/>
+          <p:nvPr/>
+        </p:nvSpPr>
+        <p:spPr>
+          <a:xfrm>
+            <a:off x="2091490" y="4005064"/>
+            <a:ext cx="1256374" cy="338554"/>
+          </a:xfrm>
+          <a:prstGeom prst="rect">
+            <a:avLst/>
+          </a:prstGeom>
+          <a:noFill/>
+        </p:spPr>
+        <p:txBody>
+          <a:bodyPr wrap="none" rtlCol="0">
+            <a:spAutoFit/>
+          </a:bodyPr>
+          <a:lstStyle/>
+          <a:p>
+            <a:pPr algn="ctr"/>
+            <a:r>
+              <a:rPr lang="en-US" sz="1600" b="1" dirty="0" smtClean="0"/>
+              <a:t>return type</a:t>
+            </a:r>
+          </a:p>
+        </p:txBody>
+      </p:sp>
+      <p:sp>
+        <p:nvSpPr>
+          <p:cNvPr id="47" name="TextBox 46"/>
+          <p:cNvSpPr txBox="1"/>
+          <p:nvPr/>
+        </p:nvSpPr>
+        <p:spPr>
+          <a:xfrm>
+            <a:off x="3779912" y="4034100"/>
+            <a:ext cx="766356" cy="338554"/>
+          </a:xfrm>
+          <a:prstGeom prst="rect">
+            <a:avLst/>
+          </a:prstGeom>
+          <a:noFill/>
+        </p:spPr>
+        <p:txBody>
+          <a:bodyPr wrap="none" rtlCol="0">
+            <a:spAutoFit/>
+          </a:bodyPr>
+          <a:lstStyle/>
+          <a:p>
+            <a:pPr algn="ctr"/>
+            <a:r>
+              <a:rPr lang="en-US" sz="1600" b="1" dirty="0" smtClean="0"/>
+              <a:t>locals</a:t>
+            </a:r>
+          </a:p>
+        </p:txBody>
+      </p:sp>
+      <p:cxnSp>
+        <p:nvCxnSpPr>
+          <p:cNvPr id="48" name="Straight Connector 47"/>
+          <p:cNvCxnSpPr>
+            <a:endCxn id="40" idx="1"/>
+          </p:cNvCxnSpPr>
+          <p:nvPr/>
+        </p:nvCxnSpPr>
+        <p:spPr>
+          <a:xfrm>
+            <a:off x="3635896" y="3530044"/>
+            <a:ext cx="576064" cy="377751"/>
+          </a:xfrm>
+          <a:prstGeom prst="line">
+            <a:avLst/>
+          </a:prstGeom>
+          <a:ln>
+            <a:solidFill>
+              <a:schemeClr val="tx1"/>
+            </a:solidFill>
+            <a:tailEnd type="triangle" w="lg" len="med"/>
+          </a:ln>
+        </p:spPr>
+        <p:style>
+          <a:lnRef idx="2">
+            <a:schemeClr val="accent1"/>
+          </a:lnRef>
+          <a:fillRef idx="0">
+            <a:schemeClr val="accent1"/>
+          </a:fillRef>
+          <a:effectRef idx="1">
+            <a:schemeClr val="accent1"/>
+          </a:effectRef>
+          <a:fontRef idx="minor">
+            <a:schemeClr val="tx1"/>
+          </a:fontRef>
+        </p:style>
+      </p:cxnSp>
+      <p:sp>
+        <p:nvSpPr>
+          <p:cNvPr id="52" name="TextBox 51"/>
+          <p:cNvSpPr txBox="1"/>
+          <p:nvPr/>
+        </p:nvSpPr>
+        <p:spPr>
+          <a:xfrm>
+            <a:off x="3311133" y="4394140"/>
+            <a:ext cx="684803" cy="338554"/>
+          </a:xfrm>
+          <a:prstGeom prst="rect">
+            <a:avLst/>
+          </a:prstGeom>
+          <a:noFill/>
+        </p:spPr>
+        <p:txBody>
+          <a:bodyPr wrap="none" rtlCol="0">
+            <a:spAutoFit/>
+          </a:bodyPr>
+          <a:lstStyle/>
+          <a:p>
+            <a:pPr algn="ctr"/>
+            <a:r>
+              <a:rPr lang="en-US" sz="1600" b="1" dirty="0" smtClean="0"/>
+              <a:t>body</a:t>
+            </a:r>
+          </a:p>
+        </p:txBody>
+      </p:sp>
+      <p:cxnSp>
+        <p:nvCxnSpPr>
+          <p:cNvPr id="53" name="Straight Connector 52"/>
+          <p:cNvCxnSpPr/>
+          <p:nvPr/>
+        </p:nvCxnSpPr>
+        <p:spPr>
+          <a:xfrm>
+            <a:off x="3635896" y="3530044"/>
+            <a:ext cx="288032" cy="432048"/>
+          </a:xfrm>
+          <a:prstGeom prst="line">
+            <a:avLst/>
+          </a:prstGeom>
+          <a:ln>
+            <a:solidFill>
+              <a:schemeClr val="tx1"/>
+            </a:solidFill>
+            <a:tailEnd type="triangle" w="lg" len="med"/>
+          </a:ln>
+        </p:spPr>
+        <p:style>
+          <a:lnRef idx="2">
+            <a:schemeClr val="accent1"/>
+          </a:lnRef>
+          <a:fillRef idx="0">
+            <a:schemeClr val="accent1"/>
+          </a:fillRef>
+          <a:effectRef idx="1">
+            <a:schemeClr val="accent1"/>
+          </a:effectRef>
+          <a:fontRef idx="minor">
+            <a:schemeClr val="tx1"/>
+          </a:fontRef>
+        </p:style>
+      </p:cxnSp>
+      <p:cxnSp>
+        <p:nvCxnSpPr>
+          <p:cNvPr id="58" name="Straight Connector 57"/>
+          <p:cNvCxnSpPr/>
+          <p:nvPr/>
+        </p:nvCxnSpPr>
+        <p:spPr>
+          <a:xfrm flipH="1">
+            <a:off x="3635896" y="3530044"/>
+            <a:ext cx="1" cy="792088"/>
+          </a:xfrm>
+          <a:prstGeom prst="line">
+            <a:avLst/>
+          </a:prstGeom>
+          <a:ln>
+            <a:solidFill>
+              <a:schemeClr val="tx1"/>
+            </a:solidFill>
+            <a:tailEnd type="triangle" w="lg" len="med"/>
+          </a:ln>
+        </p:spPr>
+        <p:style>
+          <a:lnRef idx="2">
+            <a:schemeClr val="accent1"/>
+          </a:lnRef>
+          <a:fillRef idx="0">
+            <a:schemeClr val="accent1"/>
+          </a:fillRef>
+          <a:effectRef idx="1">
+            <a:schemeClr val="accent1"/>
+          </a:effectRef>
+          <a:fontRef idx="minor">
+            <a:schemeClr val="tx1"/>
+          </a:fontRef>
+        </p:style>
+      </p:cxnSp>
+      <p:cxnSp>
+        <p:nvCxnSpPr>
+          <p:cNvPr id="63" name="Straight Connector 62"/>
+          <p:cNvCxnSpPr>
+            <a:endCxn id="67" idx="1"/>
+          </p:cNvCxnSpPr>
+          <p:nvPr/>
+        </p:nvCxnSpPr>
+        <p:spPr>
+          <a:xfrm>
+            <a:off x="3635896" y="3530044"/>
+            <a:ext cx="648072" cy="68233"/>
+          </a:xfrm>
+          <a:prstGeom prst="line">
+            <a:avLst/>
+          </a:prstGeom>
+          <a:ln>
+            <a:solidFill>
+              <a:schemeClr val="tx1"/>
+            </a:solidFill>
+            <a:tailEnd type="triangle" w="lg" len="med"/>
+          </a:ln>
+        </p:spPr>
+        <p:style>
+          <a:lnRef idx="2">
+            <a:schemeClr val="accent1"/>
+          </a:lnRef>
+          <a:fillRef idx="0">
+            <a:schemeClr val="accent1"/>
+          </a:fillRef>
+          <a:effectRef idx="1">
+            <a:schemeClr val="accent1"/>
+          </a:effectRef>
+          <a:fontRef idx="minor">
+            <a:schemeClr val="tx1"/>
+          </a:fontRef>
+        </p:style>
+      </p:cxnSp>
+      <p:sp>
+        <p:nvSpPr>
+          <p:cNvPr id="67" name="TextBox 66"/>
+          <p:cNvSpPr txBox="1"/>
+          <p:nvPr/>
+        </p:nvSpPr>
+        <p:spPr>
+          <a:xfrm>
+            <a:off x="4283968" y="3429000"/>
+            <a:ext cx="800019" cy="338554"/>
+          </a:xfrm>
+          <a:prstGeom prst="rect">
+            <a:avLst/>
+          </a:prstGeom>
+          <a:noFill/>
+        </p:spPr>
+        <p:txBody>
+          <a:bodyPr wrap="none" rtlCol="0">
+            <a:spAutoFit/>
+          </a:bodyPr>
+          <a:lstStyle/>
+          <a:p>
+            <a:pPr algn="ctr"/>
+            <a:r>
+              <a:rPr lang="en-US" sz="1600" b="1" dirty="0" err="1" smtClean="0"/>
+              <a:t>builtin</a:t>
+            </a:r>
+            <a:endParaRPr lang="en-US" sz="1600" b="1" dirty="0" smtClean="0"/>
+          </a:p>
+        </p:txBody>
+      </p:sp>
+      <p:cxnSp>
+        <p:nvCxnSpPr>
+          <p:cNvPr id="79" name="Straight Connector 78"/>
+          <p:cNvCxnSpPr>
+            <a:stCxn id="4" idx="2"/>
+            <a:endCxn id="80" idx="0"/>
+          </p:cNvCxnSpPr>
+          <p:nvPr/>
+        </p:nvCxnSpPr>
+        <p:spPr>
+          <a:xfrm>
+            <a:off x="5635056" y="2615426"/>
+            <a:ext cx="2256100" cy="453534"/>
+          </a:xfrm>
+          <a:prstGeom prst="line">
+            <a:avLst/>
+          </a:prstGeom>
+          <a:ln>
+            <a:solidFill>
+              <a:schemeClr val="tx1"/>
+            </a:solidFill>
+            <a:tailEnd type="triangle" w="lg" len="med"/>
+          </a:ln>
+        </p:spPr>
+        <p:style>
+          <a:lnRef idx="2">
+            <a:schemeClr val="accent1"/>
+          </a:lnRef>
+          <a:fillRef idx="0">
+            <a:schemeClr val="accent1"/>
+          </a:fillRef>
+          <a:effectRef idx="1">
+            <a:schemeClr val="accent1"/>
+          </a:effectRef>
+          <a:fontRef idx="minor">
+            <a:schemeClr val="tx1"/>
+          </a:fontRef>
+        </p:style>
+      </p:cxnSp>
+      <p:sp>
+        <p:nvSpPr>
+          <p:cNvPr id="80" name="TextBox 79"/>
+          <p:cNvSpPr txBox="1"/>
+          <p:nvPr/>
+        </p:nvSpPr>
+        <p:spPr>
+          <a:xfrm>
+            <a:off x="7559374" y="3068960"/>
+            <a:ext cx="663563" cy="338554"/>
+          </a:xfrm>
+          <a:prstGeom prst="rect">
+            <a:avLst/>
+          </a:prstGeom>
+          <a:noFill/>
+        </p:spPr>
+        <p:txBody>
+          <a:bodyPr wrap="none" rtlCol="0">
+            <a:spAutoFit/>
+          </a:bodyPr>
+          <a:lstStyle/>
+          <a:p>
+            <a:pPr algn="ctr"/>
+            <a:r>
+              <a:rPr lang="en-US" sz="1600" b="1" dirty="0" err="1" smtClean="0"/>
+              <a:t>fdecl</a:t>
+            </a:r>
+            <a:endParaRPr lang="en-US" sz="1600" b="1" dirty="0" smtClean="0"/>
+          </a:p>
+        </p:txBody>
+      </p:sp>
+      <p:sp>
+        <p:nvSpPr>
+          <p:cNvPr id="86" name="TextBox 85"/>
+          <p:cNvSpPr txBox="1"/>
+          <p:nvPr/>
+        </p:nvSpPr>
+        <p:spPr>
+          <a:xfrm>
+            <a:off x="5270609" y="3068960"/>
+            <a:ext cx="663563" cy="338554"/>
+          </a:xfrm>
+          <a:prstGeom prst="rect">
+            <a:avLst/>
+          </a:prstGeom>
+          <a:noFill/>
+        </p:spPr>
+        <p:txBody>
+          <a:bodyPr wrap="none" rtlCol="0">
+            <a:spAutoFit/>
+          </a:bodyPr>
+          <a:lstStyle/>
+          <a:p>
+            <a:pPr algn="ctr"/>
+            <a:r>
+              <a:rPr lang="en-US" sz="1600" b="1" dirty="0" err="1" smtClean="0"/>
+              <a:t>fdecl</a:t>
+            </a:r>
+            <a:endParaRPr lang="en-US" sz="1600" b="1" dirty="0" smtClean="0"/>
+          </a:p>
+        </p:txBody>
+      </p:sp>
+      <p:cxnSp>
+        <p:nvCxnSpPr>
+          <p:cNvPr id="87" name="Straight Connector 86"/>
+          <p:cNvCxnSpPr>
+            <a:stCxn id="4" idx="2"/>
+          </p:cNvCxnSpPr>
+          <p:nvPr/>
+        </p:nvCxnSpPr>
+        <p:spPr>
+          <a:xfrm flipH="1">
+            <a:off x="5630649" y="2615426"/>
+            <a:ext cx="4407" cy="502920"/>
+          </a:xfrm>
+          <a:prstGeom prst="line">
+            <a:avLst/>
+          </a:prstGeom>
+          <a:ln>
+            <a:solidFill>
+              <a:schemeClr val="tx1"/>
+            </a:solidFill>
+            <a:tailEnd type="triangle" w="lg" len="med"/>
+          </a:ln>
+        </p:spPr>
+        <p:style>
+          <a:lnRef idx="2">
+            <a:schemeClr val="accent1"/>
+          </a:lnRef>
+          <a:fillRef idx="0">
+            <a:schemeClr val="accent1"/>
+          </a:fillRef>
+          <a:effectRef idx="1">
+            <a:schemeClr val="accent1"/>
+          </a:effectRef>
+          <a:fontRef idx="minor">
+            <a:schemeClr val="tx1"/>
+          </a:fontRef>
+        </p:style>
+      </p:cxnSp>
+      <p:sp>
+        <p:nvSpPr>
+          <p:cNvPr id="111" name="TextBox 110"/>
+          <p:cNvSpPr txBox="1"/>
+          <p:nvPr/>
+        </p:nvSpPr>
+        <p:spPr>
+          <a:xfrm>
+            <a:off x="3086258" y="1969095"/>
+            <a:ext cx="1107895" cy="338554"/>
+          </a:xfrm>
+          <a:prstGeom prst="rect">
+            <a:avLst/>
+          </a:prstGeom>
+          <a:noFill/>
+        </p:spPr>
+        <p:txBody>
+          <a:bodyPr wrap="none" rtlCol="0">
+            <a:spAutoFit/>
+          </a:bodyPr>
+          <a:lstStyle/>
+          <a:p>
+            <a:pPr algn="ctr"/>
+            <a:r>
+              <a:rPr lang="en-US" sz="1600" b="1" dirty="0" smtClean="0"/>
+              <a:t>functions</a:t>
+            </a:r>
+          </a:p>
+        </p:txBody>
+      </p:sp>
+      <p:sp>
+        <p:nvSpPr>
+          <p:cNvPr id="112" name="TextBox 111"/>
+          <p:cNvSpPr txBox="1"/>
+          <p:nvPr/>
+        </p:nvSpPr>
+        <p:spPr>
+          <a:xfrm>
+            <a:off x="1775062" y="3193231"/>
+            <a:ext cx="777677" cy="338554"/>
+          </a:xfrm>
+          <a:prstGeom prst="rect">
+            <a:avLst/>
+          </a:prstGeom>
+          <a:noFill/>
+        </p:spPr>
+        <p:txBody>
+          <a:bodyPr wrap="none" rtlCol="0">
+            <a:spAutoFit/>
+          </a:bodyPr>
+          <a:lstStyle/>
+          <a:p>
+            <a:pPr algn="ctr"/>
+            <a:r>
+              <a:rPr lang="en-US" sz="1600" b="1" dirty="0" smtClean="0"/>
+              <a:t>scope</a:t>
+            </a:r>
+          </a:p>
+        </p:txBody>
+      </p:sp>
+      <p:sp>
+        <p:nvSpPr>
+          <p:cNvPr id="115" name="TextBox 114"/>
+          <p:cNvSpPr txBox="1"/>
+          <p:nvPr/>
+        </p:nvSpPr>
+        <p:spPr>
+          <a:xfrm>
+            <a:off x="1979712" y="1628800"/>
+            <a:ext cx="1438715" cy="338554"/>
+          </a:xfrm>
+          <a:prstGeom prst="rect">
+            <a:avLst/>
+          </a:prstGeom>
+          <a:noFill/>
+        </p:spPr>
+        <p:txBody>
+          <a:bodyPr wrap="none" rtlCol="0">
+            <a:spAutoFit/>
+          </a:bodyPr>
+          <a:lstStyle/>
+          <a:p>
+            <a:pPr algn="ctr"/>
+            <a:r>
+              <a:rPr lang="en-US" sz="1600" b="1" dirty="0" smtClean="0"/>
+              <a:t>Environment</a:t>
+            </a:r>
+          </a:p>
+        </p:txBody>
+      </p:sp>
+      <p:sp>
+        <p:nvSpPr>
+          <p:cNvPr id="116" name="Rectangle 115"/>
+          <p:cNvSpPr/>
+          <p:nvPr/>
+        </p:nvSpPr>
+        <p:spPr>
+          <a:xfrm>
+            <a:off x="5292080" y="3501008"/>
+            <a:ext cx="3528392" cy="1512168"/>
+          </a:xfrm>
+          <a:prstGeom prst="rect">
+            <a:avLst/>
+          </a:prstGeom>
+          <a:solidFill>
+            <a:schemeClr val="bg1"/>
+          </a:solidFill>
+          <a:ln>
+            <a:noFill/>
+          </a:ln>
+          <a:effectLst/>
+        </p:spPr>
+        <p:style>
+          <a:lnRef idx="1">
+            <a:schemeClr val="accent1"/>
+          </a:lnRef>
+          <a:fillRef idx="3">
+            <a:schemeClr val="accent1"/>
+          </a:fillRef>
+          <a:effectRef idx="2">
+            <a:schemeClr val="accent1"/>
+          </a:effectRef>
+          <a:fontRef idx="minor">
+            <a:schemeClr val="lt1"/>
+          </a:fontRef>
+        </p:style>
+        <p:txBody>
+          <a:bodyPr rtlCol="0" anchor="ctr"/>
+          <a:lstStyle/>
+          <a:p>
+            <a:pPr algn="ctr"/>
+            <a:endParaRPr lang="en-US"/>
+          </a:p>
+        </p:txBody>
+      </p:sp>
+      <p:sp>
+        <p:nvSpPr>
+          <p:cNvPr id="117" name="TextBox 116"/>
+          <p:cNvSpPr txBox="1"/>
+          <p:nvPr/>
+        </p:nvSpPr>
+        <p:spPr>
+          <a:xfrm>
+            <a:off x="6516216" y="3789040"/>
+            <a:ext cx="914633" cy="338554"/>
+          </a:xfrm>
+          <a:prstGeom prst="rect">
+            <a:avLst/>
+          </a:prstGeom>
+          <a:noFill/>
+        </p:spPr>
+        <p:txBody>
+          <a:bodyPr wrap="none" rtlCol="0">
+            <a:spAutoFit/>
+          </a:bodyPr>
+          <a:lstStyle/>
+          <a:p>
+            <a:pPr algn="ctr"/>
+            <a:r>
+              <a:rPr lang="en-US" sz="1600" b="1" dirty="0" err="1" smtClean="0"/>
+              <a:t>params</a:t>
+            </a:r>
+            <a:r>
+              <a:rPr lang="en-US" sz="1600" b="1" dirty="0" smtClean="0"/>
+              <a:t> </a:t>
+            </a:r>
+          </a:p>
+        </p:txBody>
+      </p:sp>
+      <p:cxnSp>
+        <p:nvCxnSpPr>
+          <p:cNvPr id="118" name="Straight Connector 117"/>
+          <p:cNvCxnSpPr/>
+          <p:nvPr/>
+        </p:nvCxnSpPr>
+        <p:spPr>
+          <a:xfrm flipH="1">
+            <a:off x="7020272" y="4149080"/>
+            <a:ext cx="2" cy="432048"/>
+          </a:xfrm>
+          <a:prstGeom prst="line">
+            <a:avLst/>
+          </a:prstGeom>
+          <a:ln>
+            <a:solidFill>
+              <a:schemeClr val="tx1"/>
+            </a:solidFill>
+            <a:tailEnd type="triangle" w="lg" len="med"/>
+          </a:ln>
+        </p:spPr>
+        <p:style>
+          <a:lnRef idx="2">
+            <a:schemeClr val="accent1"/>
+          </a:lnRef>
+          <a:fillRef idx="0">
+            <a:schemeClr val="accent1"/>
+          </a:fillRef>
+          <a:effectRef idx="1">
+            <a:schemeClr val="accent1"/>
+          </a:effectRef>
+          <a:fontRef idx="minor">
+            <a:schemeClr val="tx1"/>
+          </a:fontRef>
+        </p:style>
+      </p:cxnSp>
+    </p:spTree>
+    <p:extLst>
+      <p:ext uri="{BB962C8B-B14F-4D97-AF65-F5344CB8AC3E}">
+        <p14:creationId xmlns:p14="http://schemas.microsoft.com/office/powerpoint/2010/main" val="2617038298"/>
+      </p:ext>
+    </p:extLst>
+  </p:cSld>
+  <p:clrMapOvr>
+    <a:masterClrMapping/>
+  </p:clrMapOvr>
+</p:sld>
+</file>
+
+<file path=ppt/slides/slide12.xml><?xml version="1.0" encoding="utf-8"?>
+<p:sld xmlns:a="http://schemas.openxmlformats.org/drawingml/2006/main" xmlns:r="http://schemas.openxmlformats.org/officeDocument/2006/relationships" xmlns:p="http://schemas.openxmlformats.org/presentationml/2006/main">
+  <p:cSld>
+    <p:spTree>
+      <p:nvGrpSpPr>
+        <p:cNvPr id="1" name=""/>
+        <p:cNvGrpSpPr/>
+        <p:nvPr/>
+      </p:nvGrpSpPr>
+      <p:grpSpPr>
+        <a:xfrm>
+          <a:off x="0" y="0"/>
+          <a:ext cx="0" cy="0"/>
+          <a:chOff x="0" y="0"/>
+          <a:chExt cx="0" cy="0"/>
+        </a:xfrm>
+      </p:grpSpPr>
+      <p:sp>
+        <p:nvSpPr>
+          <p:cNvPr id="2" name="Title 1"/>
+          <p:cNvSpPr>
+            <a:spLocks noGrp="1"/>
+          </p:cNvSpPr>
+          <p:nvPr>
+            <p:ph type="title"/>
+          </p:nvPr>
+        </p:nvSpPr>
+        <p:spPr>
+          <a:xfrm>
+            <a:off x="1547664" y="116632"/>
+            <a:ext cx="5915000" cy="1143000"/>
+          </a:xfrm>
+        </p:spPr>
+        <p:txBody>
+          <a:bodyPr/>
+          <a:lstStyle/>
+          <a:p>
+            <a:pPr algn="l"/>
+            <a:r>
+              <a:rPr lang="en-US" sz="4000" dirty="0" smtClean="0"/>
+              <a:t>Implementation</a:t>
+            </a:r>
+            <a:endParaRPr lang="en-US" sz="4000" dirty="0"/>
+          </a:p>
+        </p:txBody>
+      </p:sp>
+      <p:sp>
+        <p:nvSpPr>
+          <p:cNvPr id="54" name="Content Placeholder 4"/>
+          <p:cNvSpPr>
+            <a:spLocks noGrp="1"/>
+          </p:cNvSpPr>
+          <p:nvPr>
+            <p:ph idx="1"/>
+          </p:nvPr>
+        </p:nvSpPr>
+        <p:spPr>
+          <a:xfrm>
+            <a:off x="1526976" y="1124744"/>
+            <a:ext cx="8229600" cy="4525963"/>
+          </a:xfrm>
+        </p:spPr>
+        <p:txBody>
+          <a:bodyPr/>
+          <a:lstStyle/>
+          <a:p>
+            <a:pPr marL="0" indent="0">
+              <a:buNone/>
+            </a:pPr>
+            <a:r>
+              <a:rPr lang="en-US" sz="2200" b="1" dirty="0" smtClean="0"/>
+              <a:t>Details</a:t>
+            </a:r>
+          </a:p>
+          <a:p>
+            <a:pPr marL="0" indent="0">
+              <a:spcBef>
+                <a:spcPts val="0"/>
+              </a:spcBef>
+              <a:buNone/>
+            </a:pPr>
+            <a:endParaRPr lang="en-US" sz="2200" b="1" dirty="0" smtClean="0"/>
+          </a:p>
+          <a:p>
+            <a:pPr marL="0" indent="0">
+              <a:spcBef>
+                <a:spcPts val="0"/>
+              </a:spcBef>
+              <a:buNone/>
+            </a:pPr>
+            <a:endParaRPr lang="en-US" sz="2200" b="1" dirty="0" smtClean="0"/>
+          </a:p>
+          <a:p>
+            <a:pPr marL="0" indent="0">
+              <a:spcBef>
+                <a:spcPts val="0"/>
+              </a:spcBef>
+              <a:buNone/>
+            </a:pPr>
+            <a:endParaRPr lang="en-US" sz="2200" b="1" dirty="0"/>
+          </a:p>
+          <a:p>
+            <a:pPr marL="0" indent="0">
+              <a:buNone/>
+            </a:pPr>
+            <a:r>
+              <a:rPr lang="en-US" sz="1600" b="1" dirty="0" err="1" smtClean="0"/>
+              <a:t>def</a:t>
+            </a:r>
+            <a:r>
+              <a:rPr lang="en-US" sz="1600" b="1" dirty="0" smtClean="0"/>
+              <a:t> x2(</a:t>
+            </a:r>
+            <a:r>
+              <a:rPr lang="en-US" sz="1600" b="1" dirty="0" err="1" smtClean="0"/>
+              <a:t>int</a:t>
+            </a:r>
+            <a:r>
+              <a:rPr lang="en-US" sz="1600" b="1" dirty="0" smtClean="0"/>
+              <a:t> a) </a:t>
+            </a:r>
+            <a:r>
+              <a:rPr lang="en-US" sz="1600" b="1" dirty="0"/>
+              <a:t>: comp  </a:t>
+            </a:r>
+            <a:r>
+              <a:rPr lang="en-US" sz="1600" b="1" dirty="0" smtClean="0"/>
+              <a:t>result {</a:t>
+            </a:r>
+            <a:endParaRPr lang="en-US" sz="1600" b="1" dirty="0"/>
+          </a:p>
+          <a:p>
+            <a:pPr marL="0" indent="0">
+              <a:buNone/>
+            </a:pPr>
+            <a:r>
+              <a:rPr lang="en-US" sz="1600" b="1" dirty="0" smtClean="0"/>
+              <a:t>    result = a * 2;</a:t>
+            </a:r>
+            <a:endParaRPr lang="en-US" sz="1600" b="1" dirty="0"/>
+          </a:p>
+          <a:p>
+            <a:pPr marL="0" indent="0">
+              <a:buNone/>
+            </a:pPr>
+            <a:r>
+              <a:rPr lang="en-US" sz="1600" b="1" dirty="0"/>
+              <a:t>}</a:t>
+            </a:r>
+          </a:p>
+          <a:p>
+            <a:pPr marL="0" indent="0">
+              <a:buNone/>
+            </a:pPr>
+            <a:endParaRPr lang="en-US" sz="2200" b="1" dirty="0" smtClean="0"/>
+          </a:p>
+          <a:p>
+            <a:pPr marL="0" indent="0">
+              <a:buNone/>
+            </a:pPr>
+            <a:r>
+              <a:rPr lang="en-US" sz="1600" b="1" dirty="0" err="1" smtClean="0"/>
+              <a:t>def</a:t>
+            </a:r>
+            <a:r>
+              <a:rPr lang="en-US" sz="1600" b="1" dirty="0" smtClean="0"/>
+              <a:t> </a:t>
+            </a:r>
+            <a:r>
+              <a:rPr lang="en-US" sz="1600" b="1" dirty="0"/>
+              <a:t>compute() : comp  </a:t>
+            </a:r>
+            <a:r>
+              <a:rPr lang="en-US" sz="1600" b="1" dirty="0" err="1" smtClean="0"/>
+              <a:t>final_result</a:t>
+            </a:r>
+            <a:r>
+              <a:rPr lang="en-US" sz="1600" b="1" dirty="0" smtClean="0"/>
+              <a:t> {</a:t>
+            </a:r>
+          </a:p>
+          <a:p>
+            <a:pPr marL="0" indent="0">
+              <a:buNone/>
+            </a:pPr>
+            <a:r>
+              <a:rPr lang="en-US" sz="1600" b="1" dirty="0" smtClean="0"/>
+              <a:t>    </a:t>
+            </a:r>
+            <a:r>
+              <a:rPr lang="en-US" sz="1600" b="1" dirty="0" err="1" smtClean="0"/>
+              <a:t>int</a:t>
+            </a:r>
+            <a:r>
+              <a:rPr lang="en-US" sz="1600" b="1" dirty="0" smtClean="0"/>
+              <a:t> a;</a:t>
+            </a:r>
+          </a:p>
+          <a:p>
+            <a:pPr marL="0" indent="0">
+              <a:buNone/>
+            </a:pPr>
+            <a:r>
+              <a:rPr lang="en-US" sz="1600" b="1" dirty="0"/>
+              <a:t> </a:t>
+            </a:r>
+            <a:r>
+              <a:rPr lang="en-US" sz="1600" b="1" dirty="0" smtClean="0"/>
+              <a:t>   a = 3;	</a:t>
+            </a:r>
+          </a:p>
+          <a:p>
+            <a:pPr marL="0" indent="0">
+              <a:buNone/>
+            </a:pPr>
+            <a:r>
+              <a:rPr lang="en-US" sz="1600" b="1" dirty="0" smtClean="0"/>
+              <a:t>    </a:t>
+            </a:r>
+            <a:r>
+              <a:rPr lang="en-US" sz="1600" b="1" dirty="0" err="1" smtClean="0"/>
+              <a:t>final_result</a:t>
+            </a:r>
+            <a:r>
+              <a:rPr lang="en-US" sz="1600" b="1" dirty="0" smtClean="0"/>
+              <a:t> = x2(a);</a:t>
+            </a:r>
+            <a:endParaRPr lang="en-US" sz="1600" b="1" dirty="0"/>
+          </a:p>
+          <a:p>
+            <a:pPr marL="0" indent="0">
+              <a:buNone/>
+            </a:pPr>
+            <a:r>
+              <a:rPr lang="en-US" sz="1600" b="1" dirty="0" smtClean="0"/>
+              <a:t>}</a:t>
+            </a:r>
+          </a:p>
+          <a:p>
+            <a:endParaRPr lang="en-US" sz="2200" b="1" dirty="0" smtClean="0"/>
+          </a:p>
+        </p:txBody>
+      </p:sp>
+      <p:cxnSp>
+        <p:nvCxnSpPr>
+          <p:cNvPr id="4" name="Straight Connector 3"/>
+          <p:cNvCxnSpPr>
+            <a:stCxn id="11" idx="2"/>
+          </p:cNvCxnSpPr>
+          <p:nvPr/>
+        </p:nvCxnSpPr>
+        <p:spPr>
+          <a:xfrm>
+            <a:off x="1871700" y="2213576"/>
+            <a:ext cx="180020" cy="279320"/>
+          </a:xfrm>
+          <a:prstGeom prst="line">
+            <a:avLst/>
+          </a:prstGeom>
+          <a:ln>
+            <a:solidFill>
+              <a:srgbClr val="FF0000"/>
+            </a:solidFill>
+            <a:tailEnd type="triangle" w="lg" len="med"/>
+          </a:ln>
+        </p:spPr>
+        <p:style>
+          <a:lnRef idx="2">
+            <a:schemeClr val="accent1"/>
+          </a:lnRef>
+          <a:fillRef idx="0">
+            <a:schemeClr val="accent1"/>
+          </a:fillRef>
+          <a:effectRef idx="1">
+            <a:schemeClr val="accent1"/>
+          </a:effectRef>
+          <a:fontRef idx="minor">
+            <a:schemeClr val="tx1"/>
+          </a:fontRef>
+        </p:style>
+      </p:cxnSp>
+      <p:cxnSp>
+        <p:nvCxnSpPr>
+          <p:cNvPr id="10" name="Straight Connector 9"/>
+          <p:cNvCxnSpPr/>
+          <p:nvPr/>
+        </p:nvCxnSpPr>
+        <p:spPr>
+          <a:xfrm flipH="1">
+            <a:off x="2555776" y="2204864"/>
+            <a:ext cx="216023" cy="288032"/>
+          </a:xfrm>
+          <a:prstGeom prst="line">
+            <a:avLst/>
+          </a:prstGeom>
+          <a:ln>
+            <a:solidFill>
+              <a:srgbClr val="FF0000"/>
+            </a:solidFill>
+            <a:tailEnd type="triangle" w="lg" len="med"/>
+          </a:ln>
+        </p:spPr>
+        <p:style>
+          <a:lnRef idx="2">
+            <a:schemeClr val="accent1"/>
+          </a:lnRef>
+          <a:fillRef idx="0">
+            <a:schemeClr val="accent1"/>
+          </a:fillRef>
+          <a:effectRef idx="1">
+            <a:schemeClr val="accent1"/>
+          </a:effectRef>
+          <a:fontRef idx="minor">
+            <a:schemeClr val="tx1"/>
+          </a:fontRef>
+        </p:style>
+      </p:cxnSp>
+      <p:sp>
+        <p:nvSpPr>
+          <p:cNvPr id="11" name="TextBox 10"/>
+          <p:cNvSpPr txBox="1"/>
+          <p:nvPr/>
+        </p:nvSpPr>
+        <p:spPr>
+          <a:xfrm>
+            <a:off x="1331640" y="1628800"/>
+            <a:ext cx="1080120" cy="584776"/>
+          </a:xfrm>
+          <a:prstGeom prst="rect">
+            <a:avLst/>
+          </a:prstGeom>
+          <a:noFill/>
+        </p:spPr>
+        <p:txBody>
+          <a:bodyPr wrap="square" rtlCol="0">
+            <a:spAutoFit/>
+          </a:bodyPr>
+          <a:lstStyle/>
+          <a:p>
+            <a:pPr algn="ctr"/>
+            <a:r>
+              <a:rPr lang="en-US" sz="1600" b="1" dirty="0" smtClean="0">
+                <a:solidFill>
+                  <a:srgbClr val="FF0000"/>
+                </a:solidFill>
+              </a:rPr>
+              <a:t>function name</a:t>
+            </a:r>
+            <a:endParaRPr lang="en-US" sz="1600" b="1" dirty="0">
+              <a:solidFill>
+                <a:srgbClr val="FF0000"/>
+              </a:solidFill>
+            </a:endParaRPr>
+          </a:p>
+        </p:txBody>
+      </p:sp>
+      <p:sp>
+        <p:nvSpPr>
+          <p:cNvPr id="15" name="TextBox 14"/>
+          <p:cNvSpPr txBox="1"/>
+          <p:nvPr/>
+        </p:nvSpPr>
+        <p:spPr>
+          <a:xfrm>
+            <a:off x="2267744" y="1620088"/>
+            <a:ext cx="1080120" cy="584776"/>
+          </a:xfrm>
+          <a:prstGeom prst="rect">
+            <a:avLst/>
+          </a:prstGeom>
+          <a:noFill/>
+        </p:spPr>
+        <p:txBody>
+          <a:bodyPr wrap="square" rtlCol="0">
+            <a:spAutoFit/>
+          </a:bodyPr>
+          <a:lstStyle/>
+          <a:p>
+            <a:pPr algn="ctr"/>
+            <a:r>
+              <a:rPr lang="en-US" sz="1600" b="1" dirty="0" smtClean="0">
+                <a:solidFill>
+                  <a:srgbClr val="FF0000"/>
+                </a:solidFill>
+              </a:rPr>
+              <a:t>formal </a:t>
+            </a:r>
+            <a:r>
+              <a:rPr lang="en-US" sz="1600" b="1" dirty="0" err="1" smtClean="0">
+                <a:solidFill>
+                  <a:srgbClr val="FF0000"/>
+                </a:solidFill>
+              </a:rPr>
+              <a:t>params</a:t>
+            </a:r>
+            <a:endParaRPr lang="en-US" sz="1600" b="1" dirty="0">
+              <a:solidFill>
+                <a:srgbClr val="FF0000"/>
+              </a:solidFill>
+            </a:endParaRPr>
+          </a:p>
+        </p:txBody>
+      </p:sp>
+      <p:cxnSp>
+        <p:nvCxnSpPr>
+          <p:cNvPr id="16" name="Straight Connector 15"/>
+          <p:cNvCxnSpPr/>
+          <p:nvPr/>
+        </p:nvCxnSpPr>
+        <p:spPr>
+          <a:xfrm flipH="1">
+            <a:off x="3275856" y="2276872"/>
+            <a:ext cx="216023" cy="288032"/>
+          </a:xfrm>
+          <a:prstGeom prst="line">
+            <a:avLst/>
+          </a:prstGeom>
+          <a:ln>
+            <a:solidFill>
+              <a:srgbClr val="FF0000"/>
+            </a:solidFill>
+            <a:tailEnd type="triangle" w="lg" len="med"/>
+          </a:ln>
+        </p:spPr>
+        <p:style>
+          <a:lnRef idx="2">
+            <a:schemeClr val="accent1"/>
+          </a:lnRef>
+          <a:fillRef idx="0">
+            <a:schemeClr val="accent1"/>
+          </a:fillRef>
+          <a:effectRef idx="1">
+            <a:schemeClr val="accent1"/>
+          </a:effectRef>
+          <a:fontRef idx="minor">
+            <a:schemeClr val="tx1"/>
+          </a:fontRef>
+        </p:style>
+      </p:cxnSp>
+      <p:sp>
+        <p:nvSpPr>
+          <p:cNvPr id="17" name="TextBox 16"/>
+          <p:cNvSpPr txBox="1"/>
+          <p:nvPr/>
+        </p:nvSpPr>
+        <p:spPr>
+          <a:xfrm>
+            <a:off x="3131840" y="1700808"/>
+            <a:ext cx="1080120" cy="584776"/>
+          </a:xfrm>
+          <a:prstGeom prst="rect">
+            <a:avLst/>
+          </a:prstGeom>
+          <a:noFill/>
+        </p:spPr>
+        <p:txBody>
+          <a:bodyPr wrap="square" rtlCol="0">
+            <a:spAutoFit/>
+          </a:bodyPr>
+          <a:lstStyle/>
+          <a:p>
+            <a:pPr algn="ctr"/>
+            <a:r>
+              <a:rPr lang="en-US" sz="1600" b="1" dirty="0" smtClean="0">
+                <a:solidFill>
+                  <a:srgbClr val="FF0000"/>
+                </a:solidFill>
+              </a:rPr>
+              <a:t>return type</a:t>
+            </a:r>
+            <a:endParaRPr lang="en-US" sz="1600" b="1" dirty="0">
+              <a:solidFill>
+                <a:srgbClr val="FF0000"/>
+              </a:solidFill>
+            </a:endParaRPr>
+          </a:p>
+        </p:txBody>
+      </p:sp>
+      <p:cxnSp>
+        <p:nvCxnSpPr>
+          <p:cNvPr id="18" name="Straight Connector 17"/>
+          <p:cNvCxnSpPr/>
+          <p:nvPr/>
+        </p:nvCxnSpPr>
+        <p:spPr>
+          <a:xfrm flipH="1">
+            <a:off x="3995936" y="2276872"/>
+            <a:ext cx="216023" cy="288032"/>
+          </a:xfrm>
+          <a:prstGeom prst="line">
+            <a:avLst/>
+          </a:prstGeom>
+          <a:ln>
+            <a:solidFill>
+              <a:srgbClr val="FF0000"/>
+            </a:solidFill>
+            <a:tailEnd type="triangle" w="lg" len="med"/>
+          </a:ln>
+        </p:spPr>
+        <p:style>
+          <a:lnRef idx="2">
+            <a:schemeClr val="accent1"/>
+          </a:lnRef>
+          <a:fillRef idx="0">
+            <a:schemeClr val="accent1"/>
+          </a:fillRef>
+          <a:effectRef idx="1">
+            <a:schemeClr val="accent1"/>
+          </a:effectRef>
+          <a:fontRef idx="minor">
+            <a:schemeClr val="tx1"/>
+          </a:fontRef>
+        </p:style>
+      </p:cxnSp>
+      <p:sp>
+        <p:nvSpPr>
+          <p:cNvPr id="19" name="TextBox 18"/>
+          <p:cNvSpPr txBox="1"/>
+          <p:nvPr/>
+        </p:nvSpPr>
+        <p:spPr>
+          <a:xfrm>
+            <a:off x="3851920" y="1700808"/>
+            <a:ext cx="1080120" cy="584776"/>
+          </a:xfrm>
+          <a:prstGeom prst="rect">
+            <a:avLst/>
+          </a:prstGeom>
+          <a:noFill/>
+        </p:spPr>
+        <p:txBody>
+          <a:bodyPr wrap="square" rtlCol="0">
+            <a:spAutoFit/>
+          </a:bodyPr>
+          <a:lstStyle/>
+          <a:p>
+            <a:pPr algn="ctr"/>
+            <a:r>
+              <a:rPr lang="en-US" sz="1600" b="1" dirty="0" smtClean="0">
+                <a:solidFill>
+                  <a:srgbClr val="FF0000"/>
+                </a:solidFill>
+              </a:rPr>
+              <a:t>return name</a:t>
+            </a:r>
+            <a:endParaRPr lang="en-US" sz="1600" b="1" dirty="0">
+              <a:solidFill>
+                <a:srgbClr val="FF0000"/>
+              </a:solidFill>
+            </a:endParaRPr>
+          </a:p>
+        </p:txBody>
+      </p:sp>
+      <p:cxnSp>
+        <p:nvCxnSpPr>
+          <p:cNvPr id="20" name="Straight Connector 19"/>
+          <p:cNvCxnSpPr/>
+          <p:nvPr/>
+        </p:nvCxnSpPr>
+        <p:spPr>
+          <a:xfrm flipH="1" flipV="1">
+            <a:off x="2267744" y="3212976"/>
+            <a:ext cx="576064" cy="216024"/>
+          </a:xfrm>
+          <a:prstGeom prst="line">
+            <a:avLst/>
+          </a:prstGeom>
+          <a:ln>
+            <a:solidFill>
+              <a:srgbClr val="FF0000"/>
+            </a:solidFill>
+            <a:tailEnd type="triangle" w="lg" len="med"/>
+          </a:ln>
+        </p:spPr>
+        <p:style>
+          <a:lnRef idx="2">
+            <a:schemeClr val="accent1"/>
+          </a:lnRef>
+          <a:fillRef idx="0">
+            <a:schemeClr val="accent1"/>
+          </a:fillRef>
+          <a:effectRef idx="1">
+            <a:schemeClr val="accent1"/>
+          </a:effectRef>
+          <a:fontRef idx="minor">
+            <a:schemeClr val="tx1"/>
+          </a:fontRef>
+        </p:style>
+      </p:cxnSp>
+      <p:sp>
+        <p:nvSpPr>
+          <p:cNvPr id="25" name="TextBox 24"/>
+          <p:cNvSpPr txBox="1"/>
+          <p:nvPr/>
+        </p:nvSpPr>
+        <p:spPr>
+          <a:xfrm>
+            <a:off x="2627784" y="3212976"/>
+            <a:ext cx="1944216" cy="584776"/>
+          </a:xfrm>
+          <a:prstGeom prst="rect">
+            <a:avLst/>
+          </a:prstGeom>
+          <a:noFill/>
+        </p:spPr>
+        <p:txBody>
+          <a:bodyPr wrap="square" rtlCol="0">
+            <a:spAutoFit/>
+          </a:bodyPr>
+          <a:lstStyle/>
+          <a:p>
+            <a:pPr algn="ctr"/>
+            <a:r>
+              <a:rPr lang="en-US" sz="1600" b="1" dirty="0" smtClean="0">
+                <a:solidFill>
+                  <a:srgbClr val="FF0000"/>
+                </a:solidFill>
+              </a:rPr>
+              <a:t>automatically returned</a:t>
+            </a:r>
+            <a:endParaRPr lang="en-US" sz="1600" b="1" dirty="0">
+              <a:solidFill>
+                <a:srgbClr val="FF0000"/>
+              </a:solidFill>
+            </a:endParaRPr>
+          </a:p>
+        </p:txBody>
+      </p:sp>
+      <p:cxnSp>
+        <p:nvCxnSpPr>
+          <p:cNvPr id="26" name="Straight Connector 25"/>
+          <p:cNvCxnSpPr/>
+          <p:nvPr/>
+        </p:nvCxnSpPr>
+        <p:spPr>
+          <a:xfrm flipH="1">
+            <a:off x="2627784" y="4437112"/>
+            <a:ext cx="648072" cy="216024"/>
+          </a:xfrm>
+          <a:prstGeom prst="line">
+            <a:avLst/>
+          </a:prstGeom>
+          <a:ln>
+            <a:solidFill>
+              <a:srgbClr val="FF0000"/>
+            </a:solidFill>
+            <a:tailEnd type="triangle" w="lg" len="med"/>
+          </a:ln>
+        </p:spPr>
+        <p:style>
+          <a:lnRef idx="2">
+            <a:schemeClr val="accent1"/>
+          </a:lnRef>
+          <a:fillRef idx="0">
+            <a:schemeClr val="accent1"/>
+          </a:fillRef>
+          <a:effectRef idx="1">
+            <a:schemeClr val="accent1"/>
+          </a:effectRef>
+          <a:fontRef idx="minor">
+            <a:schemeClr val="tx1"/>
+          </a:fontRef>
+        </p:style>
+      </p:cxnSp>
+      <p:sp>
+        <p:nvSpPr>
+          <p:cNvPr id="31" name="TextBox 30"/>
+          <p:cNvSpPr txBox="1"/>
+          <p:nvPr/>
+        </p:nvSpPr>
+        <p:spPr>
+          <a:xfrm>
+            <a:off x="2987824" y="4140368"/>
+            <a:ext cx="1944216" cy="584776"/>
+          </a:xfrm>
+          <a:prstGeom prst="rect">
+            <a:avLst/>
+          </a:prstGeom>
+          <a:noFill/>
+        </p:spPr>
+        <p:txBody>
+          <a:bodyPr wrap="square" rtlCol="0">
+            <a:spAutoFit/>
+          </a:bodyPr>
+          <a:lstStyle/>
+          <a:p>
+            <a:pPr algn="ctr"/>
+            <a:r>
+              <a:rPr lang="en-US" sz="1600" b="1" dirty="0" smtClean="0">
+                <a:solidFill>
+                  <a:srgbClr val="FF0000"/>
+                </a:solidFill>
+              </a:rPr>
+              <a:t>automatically printed</a:t>
+            </a:r>
+            <a:endParaRPr lang="en-US" sz="1600" b="1" dirty="0">
+              <a:solidFill>
+                <a:srgbClr val="FF0000"/>
+              </a:solidFill>
+            </a:endParaRPr>
+          </a:p>
+        </p:txBody>
+      </p:sp>
+    </p:spTree>
+    <p:extLst>
+      <p:ext uri="{BB962C8B-B14F-4D97-AF65-F5344CB8AC3E}">
+        <p14:creationId xmlns:p14="http://schemas.microsoft.com/office/powerpoint/2010/main" val="3463991577"/>
+      </p:ext>
+    </p:extLst>
+  </p:cSld>
+  <p:clrMapOvr>
+    <a:masterClrMapping/>
+  </p:clrMapOvr>
+</p:sld>
+</file>
+
+<file path=ppt/slides/slide13.xml><?xml version="1.0" encoding="utf-8"?>
+<p:sld xmlns:a="http://schemas.openxmlformats.org/drawingml/2006/main" xmlns:r="http://schemas.openxmlformats.org/officeDocument/2006/relationships" xmlns:p="http://schemas.openxmlformats.org/presentationml/2006/main">
+  <p:cSld>
+    <p:spTree>
+      <p:nvGrpSpPr>
+        <p:cNvPr id="1" name=""/>
+        <p:cNvGrpSpPr/>
+        <p:nvPr/>
+      </p:nvGrpSpPr>
+      <p:grpSpPr>
+        <a:xfrm>
+          <a:off x="0" y="0"/>
+          <a:ext cx="0" cy="0"/>
+          <a:chOff x="0" y="0"/>
+          <a:chExt cx="0" cy="0"/>
+        </a:xfrm>
+      </p:grpSpPr>
+      <p:sp>
+        <p:nvSpPr>
+          <p:cNvPr id="2" name="Title 1"/>
+          <p:cNvSpPr>
+            <a:spLocks noGrp="1"/>
+          </p:cNvSpPr>
+          <p:nvPr>
+            <p:ph type="title"/>
+          </p:nvPr>
+        </p:nvSpPr>
+        <p:spPr>
+          <a:xfrm>
+            <a:off x="1547664" y="116632"/>
             <a:ext cx="6429400" cy="1143000"/>
           </a:xfrm>
         </p:spPr>
@@ -3785,6 +6626,9 @@
             <a:endParaRPr lang="en-US" sz="2400" b="1" dirty="0" smtClean="0"/>
           </a:p>
           <a:p>
+            <a:pPr marL="0" indent="0">
+              <a:buNone/>
+            </a:pPr>
             <a:r>
               <a:rPr lang="en-US" sz="2400" b="1" dirty="0" smtClean="0"/>
               <a:t>Christopher </a:t>
@@ -3803,6 +6647,9 @@
             </a:r>
           </a:p>
           <a:p>
+            <a:pPr marL="0" indent="0">
+              <a:buNone/>
+            </a:pPr>
             <a:r>
               <a:rPr lang="en-US" sz="2400" b="1" dirty="0" err="1" smtClean="0"/>
               <a:t>Sankalpa</a:t>
@@ -3826,6 +6673,9 @@
             <a:endParaRPr lang="en-US" sz="2400" b="1" dirty="0"/>
           </a:p>
           <a:p>
+            <a:pPr marL="0" indent="0">
+              <a:buNone/>
+            </a:pPr>
             <a:r>
               <a:rPr lang="en-US" sz="2400" b="1" dirty="0"/>
               <a:t>Winnie </a:t>
@@ -3845,13 +6695,20 @@
             <a:endParaRPr lang="en-US" sz="2400" b="1" dirty="0"/>
           </a:p>
           <a:p>
+            <a:pPr marL="0" indent="0">
+              <a:buNone/>
+            </a:pPr>
+            <a:r>
+              <a:rPr lang="en-US" sz="2400" b="1" dirty="0"/>
+              <a:t>J</a:t>
+            </a:r>
             <a:r>
               <a:rPr lang="en-US" sz="2400" b="1" dirty="0" smtClean="0"/>
-              <a:t> </a:t>
+              <a:t>onathan </a:t>
             </a:r>
             <a:r>
               <a:rPr lang="en-US" sz="2400" b="1" dirty="0"/>
-              <a:t>Jonathan Wong </a:t>
+              <a:t>Wong </a:t>
             </a:r>
             <a:r>
               <a:rPr lang="en-US" sz="2400" b="1" dirty="0" smtClean="0"/>
@@ -3859,6 +6716,9 @@
             </a:r>
           </a:p>
           <a:p>
+            <a:pPr marL="0" indent="0">
+              <a:buNone/>
+            </a:pPr>
             <a:r>
               <a:rPr lang="en-US" sz="2400" b="1" dirty="0" err="1"/>
               <a:t>Clément</a:t>
@@ -3959,6 +6819,9 @@
           <a:bodyPr/>
           <a:lstStyle/>
           <a:p>
+            <a:pPr marL="0" indent="0">
+              <a:buNone/>
+            </a:pPr>
             <a:r>
               <a:rPr lang="en-US" sz="2400" dirty="0" smtClean="0"/>
               <a:t>Quantum Computing</a:t>
@@ -4038,7 +6901,7 @@
         </p:nvSpPr>
         <p:spPr>
           <a:xfrm>
-            <a:off x="1526976" y="1556792"/>
+            <a:off x="1526976" y="1268760"/>
             <a:ext cx="8229600" cy="4525963"/>
           </a:xfrm>
         </p:spPr>
@@ -4046,18 +6909,117 @@
           <a:bodyPr/>
           <a:lstStyle/>
           <a:p>
-            <a:r>
-              <a:rPr lang="en-US" sz="2400" dirty="0" smtClean="0"/>
-              <a:t>Types, operators, etc.</a:t>
-            </a:r>
-            <a:endParaRPr lang="en-US" sz="2400" dirty="0"/>
+            <a:pPr marL="0" indent="0">
+              <a:buNone/>
+            </a:pPr>
+            <a:r>
+              <a:rPr lang="en-US" sz="1800" b="1" dirty="0">
+                <a:latin typeface="Arial"/>
+                <a:cs typeface="Arial"/>
+              </a:rPr>
+              <a:t>Types and Operators</a:t>
+            </a:r>
+          </a:p>
+          <a:p>
+            <a:pPr marL="0" indent="0">
+              <a:spcBef>
+                <a:spcPts val="0"/>
+              </a:spcBef>
+              <a:buNone/>
+            </a:pPr>
+            <a:endParaRPr lang="en-US" sz="1800" b="1" dirty="0">
+              <a:latin typeface="Arial"/>
+              <a:cs typeface="Arial"/>
+            </a:endParaRPr>
+          </a:p>
+          <a:p>
+            <a:pPr marL="0" indent="0">
+              <a:buNone/>
+            </a:pPr>
+            <a:r>
+              <a:rPr lang="en-US" sz="1800" b="1" dirty="0">
+                <a:latin typeface="Arial"/>
+                <a:cs typeface="Arial"/>
+              </a:rPr>
+              <a:t>Types</a:t>
+            </a:r>
+          </a:p>
+          <a:p>
+            <a:r>
+              <a:rPr lang="en-US" sz="1800" b="1" dirty="0" err="1">
+                <a:latin typeface="Arial"/>
+                <a:cs typeface="Arial"/>
+              </a:rPr>
+              <a:t>int</a:t>
+            </a:r>
+            <a:r>
+              <a:rPr lang="en-US" sz="1800" b="1" dirty="0">
+                <a:latin typeface="Arial"/>
+                <a:cs typeface="Arial"/>
+              </a:rPr>
+              <a:t> (integers): 17, 0, -3489</a:t>
+            </a:r>
+          </a:p>
+          <a:p>
+            <a:r>
+              <a:rPr lang="en-US" sz="1800" b="1" dirty="0">
+                <a:latin typeface="Arial"/>
+                <a:cs typeface="Arial"/>
+              </a:rPr>
+              <a:t>float (floating point): 24.2, -3., 17.006 </a:t>
+            </a:r>
+          </a:p>
+          <a:p>
+            <a:r>
+              <a:rPr lang="en-US" sz="1800" b="1" dirty="0">
+                <a:latin typeface="Arial"/>
+                <a:cs typeface="Arial"/>
+              </a:rPr>
+              <a:t>comp (complex): C(7.4 + 8.1I)</a:t>
+            </a:r>
+          </a:p>
+          <a:p>
+            <a:r>
+              <a:rPr lang="en-US" sz="1800" b="1" dirty="0">
+                <a:latin typeface="Arial"/>
+                <a:cs typeface="Arial"/>
+              </a:rPr>
+              <a:t>mat (matrix): [(1,2,3)(4,5,6)], |1101&gt;</a:t>
+            </a:r>
+          </a:p>
+          <a:p>
+            <a:endParaRPr lang="en-US" sz="1800" b="1" dirty="0">
+              <a:latin typeface="Arial"/>
+              <a:cs typeface="Arial"/>
+            </a:endParaRPr>
+          </a:p>
+          <a:p>
+            <a:pPr marL="0" indent="0">
+              <a:buNone/>
+            </a:pPr>
+            <a:r>
+              <a:rPr lang="en-US" sz="1800" b="1" dirty="0">
+                <a:latin typeface="Arial"/>
+                <a:cs typeface="Arial"/>
+              </a:rPr>
+              <a:t>Operators</a:t>
+            </a:r>
+          </a:p>
+          <a:p>
+            <a:pPr marL="0" indent="0">
+              <a:buNone/>
+            </a:pPr>
+            <a:endParaRPr lang="en-US" sz="1800" b="1" dirty="0">
+              <a:latin typeface="Arial"/>
+              <a:cs typeface="Arial"/>
+            </a:endParaRPr>
           </a:p>
         </p:txBody>
       </p:sp>
     </p:spTree>
     <p:extLst>
       <p:ext uri="{BB962C8B-B14F-4D97-AF65-F5344CB8AC3E}">
-        <p14:creationId xmlns:p14="http://schemas.microsoft.com/office/powerpoint/2010/main" val="2852806127"/>
+        <p14:creationId xmlns:p14="http://schemas.microsoft.com/office/powerpoint/2010/main" val="1043839614"/>
       </p:ext>
     </p:extLst>
   </p:cSld>
@@ -4086,9 +7048,9 @@
       </p:grpSpPr>
       <p:sp>
         <p:nvSpPr>
-          <p:cNvPr id="153602" name="Rectangle 2"/>
-          <p:cNvSpPr>
-            <a:spLocks noGrp="1" noChangeArrowheads="1"/>
+          <p:cNvPr id="2" name="Title 1"/>
+          <p:cNvSpPr>
+            <a:spLocks noGrp="1"/>
           </p:cNvSpPr>
           <p:nvPr>
             <p:ph type="title"/>
@@ -4096,8 +7058,8 @@
         </p:nvSpPr>
         <p:spPr>
           <a:xfrm>
-            <a:off x="1547664" y="188913"/>
-            <a:ext cx="7077224" cy="981075"/>
+            <a:off x="1609328" y="188640"/>
+            <a:ext cx="6347048" cy="1143000"/>
           </a:xfrm>
         </p:spPr>
         <p:txBody>
@@ -4106,26 +7068,18 @@
           <a:p>
             <a:pPr algn="l"/>
             <a:r>
-              <a:rPr lang="en-US" sz="4000" dirty="0" smtClean="0">
-                <a:solidFill>
-                  <a:schemeClr val="tx1"/>
-                </a:solidFill>
-              </a:rPr>
-              <a:t>Tutorial Introduction</a:t>
-            </a:r>
-            <a:endParaRPr lang="en-US" sz="4000" dirty="0">
-              <a:solidFill>
-                <a:schemeClr val="tx1"/>
-              </a:solidFill>
-            </a:endParaRPr>
-          </a:p>
-        </p:txBody>
-      </p:sp>
-      <p:sp>
-        <p:nvSpPr>
-          <p:cNvPr id="153603" name="Rectangle 3"/>
-          <p:cNvSpPr>
-            <a:spLocks noGrp="1" noChangeArrowheads="1"/>
+              <a:rPr lang="en-US" sz="4000" dirty="0" smtClean="0"/>
+              <a:t>Overview &amp; Motivation</a:t>
+            </a:r>
+            <a:endParaRPr lang="en-US" sz="4000" dirty="0"/>
+          </a:p>
+        </p:txBody>
+      </p:sp>
+      <p:sp>
+        <p:nvSpPr>
+          <p:cNvPr id="5" name="Content Placeholder 4"/>
+          <p:cNvSpPr>
+            <a:spLocks noGrp="1"/>
           </p:cNvSpPr>
           <p:nvPr>
             <p:ph idx="1"/>
@@ -4133,30 +7087,383 @@
         </p:nvSpPr>
         <p:spPr>
           <a:xfrm>
-            <a:off x="1526976" y="1855788"/>
-            <a:ext cx="8229600" cy="4525962"/>
+            <a:off x="1526976" y="1556793"/>
+            <a:ext cx="4125144" cy="3528392"/>
           </a:xfrm>
         </p:spPr>
         <p:txBody>
           <a:bodyPr/>
           <a:lstStyle/>
           <a:p>
-            <a:endParaRPr lang="en-US" sz="2400" dirty="0"/>
+            <a:pPr marL="0" indent="0">
+              <a:buNone/>
+            </a:pPr>
+            <a:r>
+              <a:rPr lang="en-US" sz="1800" b="1" dirty="0" smtClean="0"/>
+              <a:t>Example Code</a:t>
+            </a:r>
+            <a:endParaRPr lang="en-US" sz="1800" dirty="0" smtClean="0">
+              <a:latin typeface="Courier"/>
+              <a:cs typeface="Courier"/>
+            </a:endParaRPr>
+          </a:p>
+          <a:p>
+            <a:pPr marL="0" indent="0">
+              <a:buNone/>
+            </a:pPr>
+            <a:r>
+              <a:rPr lang="en-US" sz="1400" b="1" dirty="0" err="1">
+                <a:latin typeface="Courier"/>
+                <a:cs typeface="Courier"/>
+              </a:rPr>
+              <a:t>def</a:t>
+            </a:r>
+            <a:r>
+              <a:rPr lang="en-US" sz="1400" b="1" dirty="0">
+                <a:latin typeface="Courier"/>
+                <a:cs typeface="Courier"/>
+              </a:rPr>
+              <a:t> </a:t>
+            </a:r>
+            <a:r>
+              <a:rPr lang="en-US" sz="1400" b="1" dirty="0" smtClean="0">
+                <a:latin typeface="Courier"/>
+                <a:cs typeface="Courier"/>
+              </a:rPr>
+              <a:t>add01(mat x) </a:t>
+            </a:r>
+            <a:r>
+              <a:rPr lang="en-US" sz="1400" b="1" dirty="0">
+                <a:latin typeface="Courier"/>
+                <a:cs typeface="Courier"/>
+              </a:rPr>
+              <a:t>: mat </a:t>
+            </a:r>
+            <a:r>
+              <a:rPr lang="en-US" sz="1400" b="1" dirty="0" smtClean="0">
+                <a:latin typeface="Courier"/>
+                <a:cs typeface="Courier"/>
+              </a:rPr>
+              <a:t>result </a:t>
+            </a:r>
+            <a:r>
+              <a:rPr lang="en-US" sz="1400" b="1" dirty="0">
+                <a:latin typeface="Courier"/>
+                <a:cs typeface="Courier"/>
+              </a:rPr>
+              <a:t>{</a:t>
+            </a:r>
+          </a:p>
+          <a:p>
+            <a:pPr marL="0" indent="0">
+              <a:buNone/>
+            </a:pPr>
+            <a:r>
+              <a:rPr lang="en-US" sz="1400" b="1" dirty="0">
+                <a:latin typeface="Courier"/>
+                <a:cs typeface="Courier"/>
+              </a:rPr>
+              <a:t> </a:t>
+            </a:r>
+            <a:r>
+              <a:rPr lang="en-US" sz="1400" b="1" dirty="0" smtClean="0">
+                <a:latin typeface="Courier"/>
+                <a:cs typeface="Courier"/>
+              </a:rPr>
+              <a:t>   mat </a:t>
+            </a:r>
+            <a:r>
+              <a:rPr lang="en-US" sz="1400" b="1" dirty="0">
+                <a:latin typeface="Courier"/>
+                <a:cs typeface="Courier"/>
+              </a:rPr>
+              <a:t>y</a:t>
+            </a:r>
+            <a:r>
+              <a:rPr lang="en-US" sz="1400" b="1" dirty="0" smtClean="0">
+                <a:latin typeface="Courier"/>
+                <a:cs typeface="Courier"/>
+              </a:rPr>
+              <a:t>;</a:t>
+            </a:r>
+            <a:endParaRPr lang="fi-FI" sz="1400" b="1" dirty="0">
+              <a:latin typeface="Courier"/>
+              <a:cs typeface="Courier"/>
+            </a:endParaRPr>
+          </a:p>
+          <a:p>
+            <a:pPr marL="0" indent="0">
+              <a:buNone/>
+            </a:pPr>
+            <a:r>
+              <a:rPr lang="fr-FR" sz="1400" b="1" dirty="0" smtClean="0">
+                <a:latin typeface="Courier"/>
+                <a:cs typeface="Courier"/>
+              </a:rPr>
+              <a:t>    y </a:t>
+            </a:r>
+            <a:r>
+              <a:rPr lang="fr-FR" sz="1400" b="1" dirty="0">
+                <a:latin typeface="Courier"/>
+                <a:cs typeface="Courier"/>
+              </a:rPr>
+              <a:t>= &lt;01|</a:t>
+            </a:r>
+            <a:r>
+              <a:rPr lang="fr-FR" sz="1400" b="1" dirty="0" smtClean="0">
+                <a:latin typeface="Courier"/>
+                <a:cs typeface="Courier"/>
+              </a:rPr>
+              <a:t>;</a:t>
+            </a:r>
+            <a:endParaRPr lang="es-ES_tradnl" sz="1400" b="1" dirty="0">
+              <a:latin typeface="Courier"/>
+              <a:cs typeface="Courier"/>
+            </a:endParaRPr>
+          </a:p>
+          <a:p>
+            <a:pPr marL="0" indent="0">
+              <a:buNone/>
+            </a:pPr>
+            <a:r>
+              <a:rPr lang="es-ES_tradnl" sz="1400" b="1" dirty="0" smtClean="0">
+                <a:latin typeface="Courier"/>
+                <a:cs typeface="Courier"/>
+              </a:rPr>
+              <a:t>    </a:t>
+            </a:r>
+            <a:r>
+              <a:rPr lang="en-US" sz="1400" b="1" dirty="0">
+                <a:latin typeface="Courier"/>
+                <a:cs typeface="Courier"/>
+              </a:rPr>
+              <a:t>result </a:t>
+            </a:r>
+            <a:r>
+              <a:rPr lang="es-ES_tradnl" sz="1400" b="1" dirty="0" smtClean="0">
+                <a:latin typeface="Courier"/>
+                <a:cs typeface="Courier"/>
+              </a:rPr>
+              <a:t>= </a:t>
+            </a:r>
+            <a:r>
+              <a:rPr lang="es-ES_tradnl" sz="1400" b="1" dirty="0">
+                <a:latin typeface="Courier"/>
+                <a:cs typeface="Courier"/>
+              </a:rPr>
+              <a:t>x + y</a:t>
+            </a:r>
+            <a:r>
+              <a:rPr lang="es-ES_tradnl" sz="1400" b="1" dirty="0" smtClean="0">
+                <a:latin typeface="Courier"/>
+                <a:cs typeface="Courier"/>
+              </a:rPr>
+              <a:t>;</a:t>
+            </a:r>
+          </a:p>
+          <a:p>
+            <a:pPr marL="0" indent="0">
+              <a:buNone/>
+            </a:pPr>
+            <a:r>
+              <a:rPr lang="es-ES_tradnl" sz="1400" b="1" dirty="0" smtClean="0">
+                <a:latin typeface="Courier"/>
+                <a:cs typeface="Courier"/>
+              </a:rPr>
+              <a:t>}</a:t>
+            </a:r>
+            <a:endParaRPr lang="es-ES_tradnl" sz="1400" b="1" dirty="0">
+              <a:latin typeface="Courier"/>
+              <a:cs typeface="Courier"/>
+            </a:endParaRPr>
+          </a:p>
+          <a:p>
+            <a:pPr marL="0" indent="0">
+              <a:buNone/>
+            </a:pPr>
+            <a:endParaRPr lang="es-ES_tradnl" sz="1400" b="1" dirty="0">
+              <a:latin typeface="Courier"/>
+              <a:cs typeface="Courier"/>
+            </a:endParaRPr>
+          </a:p>
+          <a:p>
+            <a:pPr marL="0" indent="0">
+              <a:buNone/>
+            </a:pPr>
+            <a:r>
+              <a:rPr lang="es-ES_tradnl" sz="1400" b="1" dirty="0" err="1" smtClean="0">
+                <a:latin typeface="Courier"/>
+                <a:cs typeface="Courier"/>
+              </a:rPr>
+              <a:t>def</a:t>
+            </a:r>
+            <a:r>
+              <a:rPr lang="es-ES_tradnl" sz="1400" b="1" dirty="0" smtClean="0">
+                <a:latin typeface="Courier"/>
+                <a:cs typeface="Courier"/>
+              </a:rPr>
+              <a:t> </a:t>
+            </a:r>
+            <a:r>
+              <a:rPr lang="es-ES_tradnl" sz="1400" b="1" dirty="0">
+                <a:latin typeface="Courier"/>
+                <a:cs typeface="Courier"/>
+              </a:rPr>
+              <a:t>compute(</a:t>
+            </a:r>
+            <a:r>
+              <a:rPr lang="es-ES_tradnl" sz="1400" b="1" dirty="0" smtClean="0">
+                <a:latin typeface="Courier"/>
+                <a:cs typeface="Courier"/>
+              </a:rPr>
+              <a:t>) : </a:t>
+            </a:r>
+            <a:r>
+              <a:rPr lang="es-ES_tradnl" sz="1400" b="1" dirty="0" err="1" smtClean="0">
+                <a:latin typeface="Courier"/>
+                <a:cs typeface="Courier"/>
+              </a:rPr>
+              <a:t>mat</a:t>
+            </a:r>
+            <a:r>
+              <a:rPr lang="es-ES_tradnl" sz="1400" b="1" dirty="0" smtClean="0">
+                <a:latin typeface="Courier"/>
+                <a:cs typeface="Courier"/>
+              </a:rPr>
+              <a:t> </a:t>
+            </a:r>
+            <a:r>
+              <a:rPr lang="es-ES_tradnl" sz="1400" b="1" dirty="0" err="1" smtClean="0">
+                <a:latin typeface="Courier"/>
+                <a:cs typeface="Courier"/>
+              </a:rPr>
+              <a:t>final_result</a:t>
+            </a:r>
+            <a:r>
+              <a:rPr lang="es-ES_tradnl" sz="1400" b="1" dirty="0" smtClean="0">
+                <a:latin typeface="Courier"/>
+                <a:cs typeface="Courier"/>
+              </a:rPr>
+              <a:t> {</a:t>
+            </a:r>
+          </a:p>
+          <a:p>
+            <a:pPr marL="0" indent="0">
+              <a:buNone/>
+            </a:pPr>
+            <a:r>
+              <a:rPr lang="es-ES_tradnl" sz="1400" b="1" dirty="0" smtClean="0">
+                <a:latin typeface="Courier"/>
+                <a:cs typeface="Courier"/>
+              </a:rPr>
+              <a:t>    </a:t>
+            </a:r>
+            <a:r>
+              <a:rPr lang="nl-NL" sz="1400" b="1" dirty="0" smtClean="0">
+                <a:latin typeface="Courier"/>
+                <a:cs typeface="Courier"/>
+              </a:rPr>
+              <a:t>mat x;</a:t>
+            </a:r>
+          </a:p>
+          <a:p>
+            <a:pPr marL="0" indent="0">
+              <a:buNone/>
+            </a:pPr>
+            <a:r>
+              <a:rPr lang="nl-NL" sz="1400" b="1" dirty="0" smtClean="0">
+                <a:latin typeface="Courier"/>
+                <a:cs typeface="Courier"/>
+              </a:rPr>
+              <a:t>    x = &lt;10;</a:t>
+            </a:r>
+          </a:p>
+          <a:p>
+            <a:pPr marL="0" indent="0">
+              <a:buNone/>
+            </a:pPr>
+            <a:r>
+              <a:rPr lang="nl-NL" sz="1400" b="1" dirty="0">
+                <a:latin typeface="Courier"/>
+                <a:cs typeface="Courier"/>
+              </a:rPr>
+              <a:t> </a:t>
+            </a:r>
+            <a:r>
+              <a:rPr lang="nl-NL" sz="1400" b="1" dirty="0" smtClean="0">
+                <a:latin typeface="Courier"/>
+                <a:cs typeface="Courier"/>
+              </a:rPr>
+              <a:t>   </a:t>
+            </a:r>
+            <a:r>
+              <a:rPr lang="es-ES_tradnl" sz="1400" b="1" dirty="0" err="1">
+                <a:latin typeface="Courier"/>
+                <a:cs typeface="Courier"/>
+              </a:rPr>
+              <a:t>final_result</a:t>
+            </a:r>
+            <a:r>
+              <a:rPr lang="es-ES_tradnl" sz="1400" b="1" dirty="0">
+                <a:latin typeface="Courier"/>
+                <a:cs typeface="Courier"/>
+              </a:rPr>
+              <a:t> </a:t>
+            </a:r>
+            <a:r>
+              <a:rPr lang="nl-NL" sz="1400" b="1" dirty="0" smtClean="0">
+                <a:latin typeface="Courier"/>
+                <a:cs typeface="Courier"/>
+              </a:rPr>
+              <a:t>= </a:t>
+            </a:r>
+            <a:r>
+              <a:rPr lang="en-US" sz="1400" b="1" dirty="0" smtClean="0">
+                <a:latin typeface="Courier"/>
+                <a:cs typeface="Courier"/>
+              </a:rPr>
+              <a:t>add01</a:t>
+            </a:r>
+            <a:r>
+              <a:rPr lang="nl-NL" sz="1400" b="1" dirty="0" smtClean="0">
+                <a:latin typeface="Courier"/>
+                <a:cs typeface="Courier"/>
+              </a:rPr>
+              <a:t>(x);</a:t>
+            </a:r>
+            <a:endParaRPr lang="nl-NL" sz="1400" b="1" dirty="0">
+              <a:latin typeface="Courier"/>
+              <a:cs typeface="Courier"/>
+            </a:endParaRPr>
+          </a:p>
+          <a:p>
+            <a:pPr marL="0" indent="0">
+              <a:buNone/>
+            </a:pPr>
+            <a:r>
+              <a:rPr lang="nl-NL" sz="1400" b="1" dirty="0" smtClean="0">
+                <a:latin typeface="Courier"/>
+                <a:cs typeface="Courier"/>
+              </a:rPr>
+              <a:t>}</a:t>
+            </a:r>
+            <a:endParaRPr lang="en-US" sz="1400" dirty="0">
+              <a:latin typeface="Courier"/>
+              <a:cs typeface="Courier"/>
+            </a:endParaRPr>
           </a:p>
         </p:txBody>
       </p:sp>
     </p:spTree>
+    <p:extLst>
+      <p:ext uri="{BB962C8B-B14F-4D97-AF65-F5344CB8AC3E}">
+        <p14:creationId xmlns:p14="http://schemas.microsoft.com/office/powerpoint/2010/main" val="2852806127"/>
+      </p:ext>
+    </p:extLst>
   </p:cSld>
   <p:clrMapOvr>
     <a:masterClrMapping/>
   </p:clrMapOvr>
-  <p:timing>
-    <p:tnLst>
-      <p:par>
-        <p:cTn xmlns:p14="http://schemas.microsoft.com/office/powerpoint/2010/main" id="1" dur="indefinite" restart="never" nodeType="tmRoot"/>
-      </p:par>
-    </p:tnLst>
-  </p:timing>
 </p:sld>
 </file>
 
@@ -4189,8 +7496,8 @@
         </p:nvSpPr>
         <p:spPr>
           <a:xfrm>
-            <a:off x="1547664" y="116632"/>
-            <a:ext cx="5915000" cy="1143000"/>
+            <a:off x="1609328" y="188640"/>
+            <a:ext cx="6347048" cy="1143000"/>
           </a:xfrm>
         </p:spPr>
         <p:txBody>
@@ -4200,7 +7507,7 @@
             <a:pPr algn="l"/>
             <a:r>
               <a:rPr lang="en-US" sz="4000" dirty="0" smtClean="0"/>
-              <a:t>Implementation</a:t>
+              <a:t>Overview &amp; Motivation</a:t>
             </a:r>
             <a:endParaRPr lang="en-US" sz="4000" dirty="0"/>
           </a:p>
@@ -4208,894 +7515,7 @@
       </p:sp>
       <p:sp>
         <p:nvSpPr>
-          <p:cNvPr id="4" name="Oval 3"/>
-          <p:cNvSpPr/>
-          <p:nvPr/>
-        </p:nvSpPr>
-        <p:spPr>
-          <a:xfrm>
-            <a:off x="3438843" y="1844824"/>
-            <a:ext cx="1224136" cy="504056"/>
-          </a:xfrm>
-          <a:prstGeom prst="ellipse">
-            <a:avLst/>
-          </a:prstGeom>
-          <a:solidFill>
-            <a:schemeClr val="bg1">
-              <a:lumMod val="95000"/>
-            </a:schemeClr>
-          </a:solidFill>
-          <a:ln w="25400">
-            <a:solidFill>
-              <a:schemeClr val="tx1"/>
-            </a:solidFill>
-          </a:ln>
-        </p:spPr>
-        <p:style>
-          <a:lnRef idx="1">
-            <a:schemeClr val="accent1"/>
-          </a:lnRef>
-          <a:fillRef idx="3">
-            <a:schemeClr val="accent1"/>
-          </a:fillRef>
-          <a:effectRef idx="2">
-            <a:schemeClr val="accent1"/>
-          </a:effectRef>
-          <a:fontRef idx="minor">
-            <a:schemeClr val="lt1"/>
-          </a:fontRef>
-        </p:style>
-        <p:txBody>
-          <a:bodyPr rtlCol="0" anchor="ctr"/>
-          <a:lstStyle/>
-          <a:p>
-            <a:pPr algn="ctr"/>
-            <a:endParaRPr lang="en-US"/>
-          </a:p>
-        </p:txBody>
-      </p:sp>
-      <p:sp>
-        <p:nvSpPr>
-          <p:cNvPr id="5" name="TextBox 4"/>
-          <p:cNvSpPr txBox="1"/>
-          <p:nvPr/>
-        </p:nvSpPr>
-        <p:spPr>
-          <a:xfrm>
-            <a:off x="3582859" y="1916832"/>
-            <a:ext cx="971640" cy="338554"/>
-          </a:xfrm>
-          <a:prstGeom prst="rect">
-            <a:avLst/>
-          </a:prstGeom>
-          <a:noFill/>
-        </p:spPr>
-        <p:txBody>
-          <a:bodyPr wrap="none" rtlCol="0">
-            <a:spAutoFit/>
-          </a:bodyPr>
-          <a:lstStyle/>
-          <a:p>
-            <a:r>
-              <a:rPr lang="en-US" sz="1600" b="1" dirty="0" smtClean="0"/>
-              <a:t>scanner</a:t>
-            </a:r>
-            <a:endParaRPr lang="en-US" sz="1600" b="1" dirty="0"/>
-          </a:p>
-        </p:txBody>
-      </p:sp>
-      <p:sp>
-        <p:nvSpPr>
-          <p:cNvPr id="7" name="Oval 6"/>
-          <p:cNvSpPr/>
-          <p:nvPr/>
-        </p:nvSpPr>
-        <p:spPr>
-          <a:xfrm>
-            <a:off x="3438843" y="2852936"/>
-            <a:ext cx="1224136" cy="504056"/>
-          </a:xfrm>
-          <a:prstGeom prst="ellipse">
-            <a:avLst/>
-          </a:prstGeom>
-          <a:solidFill>
-            <a:schemeClr val="bg1">
-              <a:lumMod val="95000"/>
-            </a:schemeClr>
-          </a:solidFill>
-          <a:ln w="25400">
-            <a:solidFill>
-              <a:schemeClr val="tx1"/>
-            </a:solidFill>
-          </a:ln>
-        </p:spPr>
-        <p:style>
-          <a:lnRef idx="1">
-            <a:schemeClr val="accent1"/>
-          </a:lnRef>
-          <a:fillRef idx="3">
-            <a:schemeClr val="accent1"/>
-          </a:fillRef>
-          <a:effectRef idx="2">
-            <a:schemeClr val="accent1"/>
-          </a:effectRef>
-          <a:fontRef idx="minor">
-            <a:schemeClr val="lt1"/>
-          </a:fontRef>
-        </p:style>
-        <p:txBody>
-          <a:bodyPr rtlCol="0" anchor="ctr"/>
-          <a:lstStyle/>
-          <a:p>
-            <a:pPr algn="ctr"/>
-            <a:endParaRPr lang="en-US"/>
-          </a:p>
-        </p:txBody>
-      </p:sp>
-      <p:sp>
-        <p:nvSpPr>
-          <p:cNvPr id="8" name="TextBox 7"/>
-          <p:cNvSpPr txBox="1"/>
-          <p:nvPr/>
-        </p:nvSpPr>
-        <p:spPr>
-          <a:xfrm>
-            <a:off x="3654867" y="2874422"/>
-            <a:ext cx="813043" cy="338554"/>
-          </a:xfrm>
-          <a:prstGeom prst="rect">
-            <a:avLst/>
-          </a:prstGeom>
-          <a:noFill/>
-        </p:spPr>
-        <p:txBody>
-          <a:bodyPr wrap="none" rtlCol="0">
-            <a:spAutoFit/>
-          </a:bodyPr>
-          <a:lstStyle/>
-          <a:p>
-            <a:r>
-              <a:rPr lang="en-US" sz="1600" b="1" dirty="0" smtClean="0"/>
-              <a:t>parser</a:t>
-            </a:r>
-            <a:endParaRPr lang="en-US" sz="1600" b="1" dirty="0"/>
-          </a:p>
-        </p:txBody>
-      </p:sp>
-      <p:cxnSp>
-        <p:nvCxnSpPr>
-          <p:cNvPr id="19" name="Straight Connector 18"/>
-          <p:cNvCxnSpPr/>
-          <p:nvPr/>
-        </p:nvCxnSpPr>
-        <p:spPr>
-          <a:xfrm>
-            <a:off x="2915816" y="2060849"/>
-            <a:ext cx="523027" cy="0"/>
-          </a:xfrm>
-          <a:prstGeom prst="line">
-            <a:avLst/>
-          </a:prstGeom>
-          <a:ln>
-            <a:solidFill>
-              <a:schemeClr val="tx1"/>
-            </a:solidFill>
-            <a:tailEnd type="triangle" w="lg" len="med"/>
-          </a:ln>
-        </p:spPr>
-        <p:style>
-          <a:lnRef idx="2">
-            <a:schemeClr val="accent1"/>
-          </a:lnRef>
-          <a:fillRef idx="0">
-            <a:schemeClr val="accent1"/>
-          </a:fillRef>
-          <a:effectRef idx="1">
-            <a:schemeClr val="accent1"/>
-          </a:effectRef>
-          <a:fontRef idx="minor">
-            <a:schemeClr val="tx1"/>
-          </a:fontRef>
-        </p:style>
-      </p:cxnSp>
-      <p:sp>
-        <p:nvSpPr>
-          <p:cNvPr id="22" name="TextBox 21"/>
-          <p:cNvSpPr txBox="1"/>
-          <p:nvPr/>
-        </p:nvSpPr>
-        <p:spPr>
-          <a:xfrm>
-            <a:off x="1403648" y="1844824"/>
-            <a:ext cx="1769635" cy="584776"/>
-          </a:xfrm>
-          <a:prstGeom prst="rect">
-            <a:avLst/>
-          </a:prstGeom>
-          <a:noFill/>
-        </p:spPr>
-        <p:txBody>
-          <a:bodyPr wrap="none" rtlCol="0">
-            <a:spAutoFit/>
-          </a:bodyPr>
-          <a:lstStyle/>
-          <a:p>
-            <a:pPr algn="ctr"/>
-            <a:r>
-              <a:rPr lang="en-US" sz="1600" b="1" dirty="0" smtClean="0"/>
-              <a:t>program</a:t>
-            </a:r>
-          </a:p>
-          <a:p>
-            <a:pPr algn="ctr"/>
-            <a:r>
-              <a:rPr lang="en-US" sz="1600" b="1" dirty="0" smtClean="0"/>
-              <a:t>(symbol stream)</a:t>
-            </a:r>
-            <a:endParaRPr lang="en-US" sz="1600" b="1" dirty="0"/>
-          </a:p>
-        </p:txBody>
-      </p:sp>
-      <p:sp>
-        <p:nvSpPr>
-          <p:cNvPr id="23" name="TextBox 22"/>
-          <p:cNvSpPr txBox="1"/>
-          <p:nvPr/>
-        </p:nvSpPr>
-        <p:spPr>
-          <a:xfrm>
-            <a:off x="4014907" y="3429000"/>
-            <a:ext cx="595035" cy="338554"/>
-          </a:xfrm>
-          <a:prstGeom prst="rect">
-            <a:avLst/>
-          </a:prstGeom>
-          <a:noFill/>
-        </p:spPr>
-        <p:txBody>
-          <a:bodyPr wrap="none" rtlCol="0">
-            <a:spAutoFit/>
-          </a:bodyPr>
-          <a:lstStyle/>
-          <a:p>
-            <a:r>
-              <a:rPr lang="en-US" sz="1600" b="1" dirty="0" smtClean="0"/>
-              <a:t>AST</a:t>
-            </a:r>
-            <a:endParaRPr lang="en-US" sz="1600" b="1" dirty="0"/>
-          </a:p>
-        </p:txBody>
-      </p:sp>
-      <p:sp>
-        <p:nvSpPr>
-          <p:cNvPr id="24" name="Oval 23"/>
-          <p:cNvSpPr/>
-          <p:nvPr/>
-        </p:nvSpPr>
-        <p:spPr>
-          <a:xfrm>
-            <a:off x="3438843" y="3861048"/>
-            <a:ext cx="1224136" cy="504056"/>
-          </a:xfrm>
-          <a:prstGeom prst="ellipse">
-            <a:avLst/>
-          </a:prstGeom>
-          <a:solidFill>
-            <a:schemeClr val="bg1">
-              <a:lumMod val="95000"/>
-            </a:schemeClr>
-          </a:solidFill>
-          <a:ln w="25400">
-            <a:solidFill>
-              <a:schemeClr val="tx1"/>
-            </a:solidFill>
-          </a:ln>
-        </p:spPr>
-        <p:style>
-          <a:lnRef idx="1">
-            <a:schemeClr val="accent1"/>
-          </a:lnRef>
-          <a:fillRef idx="3">
-            <a:schemeClr val="accent1"/>
-          </a:fillRef>
-          <a:effectRef idx="2">
-            <a:schemeClr val="accent1"/>
-          </a:effectRef>
-          <a:fontRef idx="minor">
-            <a:schemeClr val="lt1"/>
-          </a:fontRef>
-        </p:style>
-        <p:txBody>
-          <a:bodyPr rtlCol="0" anchor="ctr"/>
-          <a:lstStyle/>
-          <a:p>
-            <a:pPr algn="ctr"/>
-            <a:endParaRPr lang="en-US"/>
-          </a:p>
-        </p:txBody>
-      </p:sp>
-      <p:sp>
-        <p:nvSpPr>
-          <p:cNvPr id="25" name="TextBox 24"/>
-          <p:cNvSpPr txBox="1"/>
-          <p:nvPr/>
-        </p:nvSpPr>
-        <p:spPr>
-          <a:xfrm>
-            <a:off x="3510851" y="3882534"/>
-            <a:ext cx="1005904" cy="338554"/>
-          </a:xfrm>
-          <a:prstGeom prst="rect">
-            <a:avLst/>
-          </a:prstGeom>
-          <a:noFill/>
-        </p:spPr>
-        <p:txBody>
-          <a:bodyPr wrap="none" rtlCol="0">
-            <a:spAutoFit/>
-          </a:bodyPr>
-          <a:lstStyle/>
-          <a:p>
-            <a:r>
-              <a:rPr lang="en-US" sz="1600" b="1" dirty="0"/>
-              <a:t>a</a:t>
-            </a:r>
-            <a:r>
-              <a:rPr lang="en-US" sz="1600" b="1" dirty="0" smtClean="0"/>
-              <a:t>nalyzer</a:t>
-            </a:r>
-            <a:endParaRPr lang="en-US" sz="1600" b="1" dirty="0"/>
-          </a:p>
-        </p:txBody>
-      </p:sp>
-      <p:sp>
-        <p:nvSpPr>
-          <p:cNvPr id="27" name="TextBox 26"/>
-          <p:cNvSpPr txBox="1"/>
-          <p:nvPr/>
-        </p:nvSpPr>
-        <p:spPr>
-          <a:xfrm>
-            <a:off x="4014907" y="4437112"/>
-            <a:ext cx="736099" cy="338554"/>
-          </a:xfrm>
-          <a:prstGeom prst="rect">
-            <a:avLst/>
-          </a:prstGeom>
-          <a:noFill/>
-        </p:spPr>
-        <p:txBody>
-          <a:bodyPr wrap="none" rtlCol="0">
-            <a:spAutoFit/>
-          </a:bodyPr>
-          <a:lstStyle/>
-          <a:p>
-            <a:r>
-              <a:rPr lang="en-US" sz="1600" b="1" dirty="0" smtClean="0"/>
-              <a:t>SAST</a:t>
-            </a:r>
-            <a:endParaRPr lang="en-US" sz="1600" b="1" dirty="0"/>
-          </a:p>
-        </p:txBody>
-      </p:sp>
-      <p:sp>
-        <p:nvSpPr>
-          <p:cNvPr id="28" name="TextBox 27"/>
-          <p:cNvSpPr txBox="1"/>
-          <p:nvPr/>
-        </p:nvSpPr>
-        <p:spPr>
-          <a:xfrm>
-            <a:off x="3993208" y="2370366"/>
-            <a:ext cx="1461859" cy="338554"/>
-          </a:xfrm>
-          <a:prstGeom prst="rect">
-            <a:avLst/>
-          </a:prstGeom>
-          <a:noFill/>
-        </p:spPr>
-        <p:txBody>
-          <a:bodyPr wrap="none" rtlCol="0">
-            <a:spAutoFit/>
-          </a:bodyPr>
-          <a:lstStyle/>
-          <a:p>
-            <a:r>
-              <a:rPr lang="en-US" sz="1600" b="1" dirty="0" smtClean="0"/>
-              <a:t>token stream</a:t>
-            </a:r>
-            <a:endParaRPr lang="en-US" sz="1600" b="1" dirty="0"/>
-          </a:p>
-        </p:txBody>
-      </p:sp>
-      <p:sp>
-        <p:nvSpPr>
-          <p:cNvPr id="30" name="Oval 29"/>
-          <p:cNvSpPr/>
-          <p:nvPr/>
-        </p:nvSpPr>
-        <p:spPr>
-          <a:xfrm>
-            <a:off x="3438843" y="4869160"/>
-            <a:ext cx="1224136" cy="504056"/>
-          </a:xfrm>
-          <a:prstGeom prst="ellipse">
-            <a:avLst/>
-          </a:prstGeom>
-          <a:solidFill>
-            <a:schemeClr val="bg1">
-              <a:lumMod val="95000"/>
-            </a:schemeClr>
-          </a:solidFill>
-          <a:ln w="25400">
-            <a:solidFill>
-              <a:schemeClr val="tx1"/>
-            </a:solidFill>
-          </a:ln>
-        </p:spPr>
-        <p:style>
-          <a:lnRef idx="1">
-            <a:schemeClr val="accent1"/>
-          </a:lnRef>
-          <a:fillRef idx="3">
-            <a:schemeClr val="accent1"/>
-          </a:fillRef>
-          <a:effectRef idx="2">
-            <a:schemeClr val="accent1"/>
-          </a:effectRef>
-          <a:fontRef idx="minor">
-            <a:schemeClr val="lt1"/>
-          </a:fontRef>
-        </p:style>
-        <p:txBody>
-          <a:bodyPr rtlCol="0" anchor="ctr"/>
-          <a:lstStyle/>
-          <a:p>
-            <a:pPr algn="ctr"/>
-            <a:endParaRPr lang="en-US"/>
-          </a:p>
-        </p:txBody>
-      </p:sp>
-      <p:sp>
-        <p:nvSpPr>
-          <p:cNvPr id="31" name="TextBox 30"/>
-          <p:cNvSpPr txBox="1"/>
-          <p:nvPr/>
-        </p:nvSpPr>
-        <p:spPr>
-          <a:xfrm>
-            <a:off x="3510851" y="4890646"/>
-            <a:ext cx="1133644" cy="338554"/>
-          </a:xfrm>
-          <a:prstGeom prst="rect">
-            <a:avLst/>
-          </a:prstGeom>
-          <a:noFill/>
-        </p:spPr>
-        <p:txBody>
-          <a:bodyPr wrap="none" rtlCol="0">
-            <a:spAutoFit/>
-          </a:bodyPr>
-          <a:lstStyle/>
-          <a:p>
-            <a:r>
-              <a:rPr lang="en-US" sz="1600" b="1" dirty="0" smtClean="0"/>
-              <a:t>generator</a:t>
-            </a:r>
-            <a:endParaRPr lang="en-US" sz="1600" b="1" dirty="0"/>
-          </a:p>
-        </p:txBody>
-      </p:sp>
-      <p:cxnSp>
-        <p:nvCxnSpPr>
-          <p:cNvPr id="32" name="Straight Connector 31"/>
-          <p:cNvCxnSpPr/>
-          <p:nvPr/>
-        </p:nvCxnSpPr>
-        <p:spPr>
-          <a:xfrm>
-            <a:off x="4014907" y="4365104"/>
-            <a:ext cx="0" cy="504056"/>
-          </a:xfrm>
-          <a:prstGeom prst="line">
-            <a:avLst/>
-          </a:prstGeom>
-          <a:ln>
-            <a:solidFill>
-              <a:schemeClr val="tx1"/>
-            </a:solidFill>
-            <a:tailEnd type="triangle" w="lg" len="med"/>
-          </a:ln>
-        </p:spPr>
-        <p:style>
-          <a:lnRef idx="2">
-            <a:schemeClr val="accent1"/>
-          </a:lnRef>
-          <a:fillRef idx="0">
-            <a:schemeClr val="accent1"/>
-          </a:fillRef>
-          <a:effectRef idx="1">
-            <a:schemeClr val="accent1"/>
-          </a:effectRef>
-          <a:fontRef idx="minor">
-            <a:schemeClr val="tx1"/>
-          </a:fontRef>
-        </p:style>
-      </p:cxnSp>
-      <p:cxnSp>
-        <p:nvCxnSpPr>
-          <p:cNvPr id="35" name="Straight Connector 34"/>
-          <p:cNvCxnSpPr/>
-          <p:nvPr/>
-        </p:nvCxnSpPr>
-        <p:spPr>
-          <a:xfrm>
-            <a:off x="4014907" y="2348880"/>
-            <a:ext cx="0" cy="504056"/>
-          </a:xfrm>
-          <a:prstGeom prst="line">
-            <a:avLst/>
-          </a:prstGeom>
-          <a:ln>
-            <a:solidFill>
-              <a:schemeClr val="tx1"/>
-            </a:solidFill>
-            <a:tailEnd type="triangle" w="lg" len="med"/>
-          </a:ln>
-        </p:spPr>
-        <p:style>
-          <a:lnRef idx="2">
-            <a:schemeClr val="accent1"/>
-          </a:lnRef>
-          <a:fillRef idx="0">
-            <a:schemeClr val="accent1"/>
-          </a:fillRef>
-          <a:effectRef idx="1">
-            <a:schemeClr val="accent1"/>
-          </a:effectRef>
-          <a:fontRef idx="minor">
-            <a:schemeClr val="tx1"/>
-          </a:fontRef>
-        </p:style>
-      </p:cxnSp>
-      <p:cxnSp>
-        <p:nvCxnSpPr>
-          <p:cNvPr id="36" name="Straight Connector 35"/>
-          <p:cNvCxnSpPr/>
-          <p:nvPr/>
-        </p:nvCxnSpPr>
-        <p:spPr>
-          <a:xfrm>
-            <a:off x="4014907" y="3356992"/>
-            <a:ext cx="0" cy="504056"/>
-          </a:xfrm>
-          <a:prstGeom prst="line">
-            <a:avLst/>
-          </a:prstGeom>
-          <a:ln>
-            <a:solidFill>
-              <a:schemeClr val="tx1"/>
-            </a:solidFill>
-            <a:tailEnd type="triangle" w="lg" len="med"/>
-          </a:ln>
-        </p:spPr>
-        <p:style>
-          <a:lnRef idx="2">
-            <a:schemeClr val="accent1"/>
-          </a:lnRef>
-          <a:fillRef idx="0">
-            <a:schemeClr val="accent1"/>
-          </a:fillRef>
-          <a:effectRef idx="1">
-            <a:schemeClr val="accent1"/>
-          </a:effectRef>
-          <a:fontRef idx="minor">
-            <a:schemeClr val="tx1"/>
-          </a:fontRef>
-        </p:style>
-      </p:cxnSp>
-      <p:cxnSp>
-        <p:nvCxnSpPr>
-          <p:cNvPr id="39" name="Straight Connector 38"/>
-          <p:cNvCxnSpPr/>
-          <p:nvPr/>
-        </p:nvCxnSpPr>
-        <p:spPr>
-          <a:xfrm>
-            <a:off x="4662979" y="5085184"/>
-            <a:ext cx="917133" cy="0"/>
-          </a:xfrm>
-          <a:prstGeom prst="line">
-            <a:avLst/>
-          </a:prstGeom>
-          <a:ln>
-            <a:solidFill>
-              <a:schemeClr val="tx1"/>
-            </a:solidFill>
-            <a:tailEnd type="triangle" w="lg" len="med"/>
-          </a:ln>
-        </p:spPr>
-        <p:style>
-          <a:lnRef idx="2">
-            <a:schemeClr val="accent1"/>
-          </a:lnRef>
-          <a:fillRef idx="0">
-            <a:schemeClr val="accent1"/>
-          </a:fillRef>
-          <a:effectRef idx="1">
-            <a:schemeClr val="accent1"/>
-          </a:effectRef>
-          <a:fontRef idx="minor">
-            <a:schemeClr val="tx1"/>
-          </a:fontRef>
-        </p:style>
-      </p:cxnSp>
-      <p:sp>
-        <p:nvSpPr>
-          <p:cNvPr id="41" name="TextBox 40"/>
-          <p:cNvSpPr txBox="1"/>
-          <p:nvPr/>
-        </p:nvSpPr>
-        <p:spPr>
-          <a:xfrm>
-            <a:off x="4644008" y="4725144"/>
-            <a:ext cx="903513" cy="338554"/>
-          </a:xfrm>
-          <a:prstGeom prst="rect">
-            <a:avLst/>
-          </a:prstGeom>
-          <a:noFill/>
-        </p:spPr>
-        <p:txBody>
-          <a:bodyPr wrap="none" rtlCol="0">
-            <a:spAutoFit/>
-          </a:bodyPr>
-          <a:lstStyle/>
-          <a:p>
-            <a:r>
-              <a:rPr lang="en-US" sz="1600" b="1" dirty="0" err="1" smtClean="0"/>
-              <a:t>c++</a:t>
-            </a:r>
-            <a:r>
-              <a:rPr lang="en-US" sz="1600" b="1" dirty="0" smtClean="0"/>
-              <a:t> </a:t>
-            </a:r>
-            <a:r>
-              <a:rPr lang="en-US" sz="1600" b="1" dirty="0" err="1" smtClean="0"/>
-              <a:t>src</a:t>
-            </a:r>
-            <a:endParaRPr lang="en-US" sz="1600" b="1" dirty="0"/>
-          </a:p>
-        </p:txBody>
-      </p:sp>
-      <p:sp>
-        <p:nvSpPr>
-          <p:cNvPr id="44" name="Oval 43"/>
-          <p:cNvSpPr/>
-          <p:nvPr/>
-        </p:nvSpPr>
-        <p:spPr>
-          <a:xfrm>
-            <a:off x="5671091" y="4797152"/>
-            <a:ext cx="1224136" cy="504056"/>
-          </a:xfrm>
-          <a:prstGeom prst="ellipse">
-            <a:avLst/>
-          </a:prstGeom>
-          <a:solidFill>
-            <a:schemeClr val="bg1">
-              <a:lumMod val="95000"/>
-            </a:schemeClr>
-          </a:solidFill>
-          <a:ln w="25400">
-            <a:solidFill>
-              <a:schemeClr val="tx1"/>
-            </a:solidFill>
-          </a:ln>
-        </p:spPr>
-        <p:style>
-          <a:lnRef idx="1">
-            <a:schemeClr val="accent1"/>
-          </a:lnRef>
-          <a:fillRef idx="3">
-            <a:schemeClr val="accent1"/>
-          </a:fillRef>
-          <a:effectRef idx="2">
-            <a:schemeClr val="accent1"/>
-          </a:effectRef>
-          <a:fontRef idx="minor">
-            <a:schemeClr val="lt1"/>
-          </a:fontRef>
-        </p:style>
-        <p:txBody>
-          <a:bodyPr rtlCol="0" anchor="ctr"/>
-          <a:lstStyle/>
-          <a:p>
-            <a:pPr algn="ctr"/>
-            <a:endParaRPr lang="en-US"/>
-          </a:p>
-        </p:txBody>
-      </p:sp>
-      <p:sp>
-        <p:nvSpPr>
-          <p:cNvPr id="45" name="TextBox 44"/>
-          <p:cNvSpPr txBox="1"/>
-          <p:nvPr/>
-        </p:nvSpPr>
-        <p:spPr>
-          <a:xfrm>
-            <a:off x="5959123" y="4869160"/>
-            <a:ext cx="549650" cy="338554"/>
-          </a:xfrm>
-          <a:prstGeom prst="rect">
-            <a:avLst/>
-          </a:prstGeom>
-          <a:noFill/>
-        </p:spPr>
-        <p:txBody>
-          <a:bodyPr wrap="none" rtlCol="0">
-            <a:spAutoFit/>
-          </a:bodyPr>
-          <a:lstStyle/>
-          <a:p>
-            <a:r>
-              <a:rPr lang="en-US" sz="1600" b="1" dirty="0" smtClean="0"/>
-              <a:t>g++</a:t>
-            </a:r>
-            <a:endParaRPr lang="en-US" sz="1600" b="1" dirty="0"/>
-          </a:p>
-        </p:txBody>
-      </p:sp>
-      <p:cxnSp>
-        <p:nvCxnSpPr>
-          <p:cNvPr id="48" name="Straight Connector 47"/>
-          <p:cNvCxnSpPr/>
-          <p:nvPr/>
-        </p:nvCxnSpPr>
-        <p:spPr>
-          <a:xfrm>
-            <a:off x="6247155" y="4293096"/>
-            <a:ext cx="0" cy="504056"/>
-          </a:xfrm>
-          <a:prstGeom prst="line">
-            <a:avLst/>
-          </a:prstGeom>
-          <a:ln>
-            <a:solidFill>
-              <a:schemeClr val="tx1"/>
-            </a:solidFill>
-            <a:tailEnd type="triangle" w="lg" len="med"/>
-          </a:ln>
-        </p:spPr>
-        <p:style>
-          <a:lnRef idx="2">
-            <a:schemeClr val="accent1"/>
-          </a:lnRef>
-          <a:fillRef idx="0">
-            <a:schemeClr val="accent1"/>
-          </a:fillRef>
-          <a:effectRef idx="1">
-            <a:schemeClr val="accent1"/>
-          </a:effectRef>
-          <a:fontRef idx="minor">
-            <a:schemeClr val="tx1"/>
-          </a:fontRef>
-        </p:style>
-      </p:cxnSp>
-      <p:sp>
-        <p:nvSpPr>
-          <p:cNvPr id="49" name="TextBox 48"/>
-          <p:cNvSpPr txBox="1"/>
-          <p:nvPr/>
-        </p:nvSpPr>
-        <p:spPr>
-          <a:xfrm>
-            <a:off x="5743099" y="3462099"/>
-            <a:ext cx="1039668" cy="830997"/>
-          </a:xfrm>
-          <a:prstGeom prst="rect">
-            <a:avLst/>
-          </a:prstGeom>
-          <a:noFill/>
-        </p:spPr>
-        <p:txBody>
-          <a:bodyPr wrap="none" rtlCol="0">
-            <a:spAutoFit/>
-          </a:bodyPr>
-          <a:lstStyle/>
-          <a:p>
-            <a:pPr algn="ctr"/>
-            <a:r>
-              <a:rPr lang="en-US" sz="1600" b="1" dirty="0" smtClean="0"/>
-              <a:t>qlang lib</a:t>
-            </a:r>
-          </a:p>
-          <a:p>
-            <a:pPr algn="ctr"/>
-            <a:r>
-              <a:rPr lang="en-US" sz="1600" b="1" dirty="0" smtClean="0"/>
-              <a:t>Eigen lib</a:t>
-            </a:r>
-          </a:p>
-          <a:p>
-            <a:pPr algn="ctr"/>
-            <a:r>
-              <a:rPr lang="en-US" sz="1600" b="1" dirty="0" smtClean="0"/>
-              <a:t>libc++</a:t>
-            </a:r>
-            <a:endParaRPr lang="en-US" sz="1600" b="1" dirty="0"/>
-          </a:p>
-        </p:txBody>
-      </p:sp>
-      <p:sp>
-        <p:nvSpPr>
-          <p:cNvPr id="51" name="TextBox 50"/>
-          <p:cNvSpPr txBox="1"/>
-          <p:nvPr/>
-        </p:nvSpPr>
-        <p:spPr>
-          <a:xfrm>
-            <a:off x="7740352" y="4797152"/>
-            <a:ext cx="1245353" cy="338554"/>
-          </a:xfrm>
-          <a:prstGeom prst="rect">
-            <a:avLst/>
-          </a:prstGeom>
-          <a:noFill/>
-        </p:spPr>
-        <p:txBody>
-          <a:bodyPr wrap="none" rtlCol="0">
-            <a:spAutoFit/>
-          </a:bodyPr>
-          <a:lstStyle/>
-          <a:p>
-            <a:r>
-              <a:rPr lang="en-US" sz="1600" b="1" dirty="0" smtClean="0"/>
-              <a:t>executable</a:t>
-            </a:r>
-            <a:endParaRPr lang="en-US" sz="1600" b="1" dirty="0"/>
-          </a:p>
-        </p:txBody>
-      </p:sp>
-      <p:cxnSp>
-        <p:nvCxnSpPr>
-          <p:cNvPr id="53" name="Straight Connector 52"/>
-          <p:cNvCxnSpPr/>
-          <p:nvPr/>
-        </p:nvCxnSpPr>
-        <p:spPr>
-          <a:xfrm>
-            <a:off x="6876256" y="5013176"/>
-            <a:ext cx="917133" cy="0"/>
-          </a:xfrm>
-          <a:prstGeom prst="line">
-            <a:avLst/>
-          </a:prstGeom>
-          <a:ln>
-            <a:solidFill>
-              <a:schemeClr val="tx1"/>
-            </a:solidFill>
-            <a:tailEnd type="triangle" w="lg" len="med"/>
-          </a:ln>
-        </p:spPr>
-        <p:style>
-          <a:lnRef idx="2">
-            <a:schemeClr val="accent1"/>
-          </a:lnRef>
-          <a:fillRef idx="0">
-            <a:schemeClr val="accent1"/>
-          </a:fillRef>
-          <a:effectRef idx="1">
-            <a:schemeClr val="accent1"/>
-          </a:effectRef>
-          <a:fontRef idx="minor">
-            <a:schemeClr val="tx1"/>
-          </a:fontRef>
-        </p:style>
-      </p:cxnSp>
-      <p:sp>
-        <p:nvSpPr>
-          <p:cNvPr id="54" name="Content Placeholder 4"/>
+          <p:cNvPr id="5" name="Content Placeholder 4"/>
           <p:cNvSpPr>
             <a:spLocks noGrp="1"/>
           </p:cNvSpPr>
@@ -5105,8 +7525,8 @@
         </p:nvSpPr>
         <p:spPr>
           <a:xfrm>
-            <a:off x="1526976" y="1052736"/>
-            <a:ext cx="8229600" cy="4525963"/>
+            <a:off x="1526976" y="1556792"/>
+            <a:ext cx="7617024" cy="4525963"/>
           </a:xfrm>
         </p:spPr>
         <p:txBody>
@@ -5117,17 +7537,81 @@
               <a:buNone/>
             </a:pPr>
             <a:r>
-              <a:rPr lang="en-US" sz="2400" b="1" dirty="0" smtClean="0"/>
-              <a:t>Compilation</a:t>
-            </a:r>
-            <a:endParaRPr lang="en-US" sz="2400" b="1" dirty="0"/>
+              <a:rPr lang="en-US" sz="2400" dirty="0" smtClean="0"/>
+              <a:t>Benefits</a:t>
+            </a:r>
+          </a:p>
+          <a:p>
+            <a:r>
+              <a:rPr lang="en-US" sz="2000" dirty="0" smtClean="0"/>
+              <a:t>Enforces simple and intuitive syntax</a:t>
+            </a:r>
+          </a:p>
+          <a:p>
+            <a:r>
+              <a:rPr lang="en-US" sz="2000" dirty="0" smtClean="0"/>
+              <a:t>Leverages well-known and elegant Dirac notation</a:t>
+            </a:r>
+          </a:p>
+          <a:p>
+            <a:pPr marL="0" indent="0">
+              <a:buNone/>
+            </a:pPr>
+            <a:r>
+              <a:rPr lang="en-US" sz="1600" dirty="0" smtClean="0"/>
+              <a:t>	&lt;01101|</a:t>
+            </a:r>
+          </a:p>
+          <a:p>
+            <a:r>
+              <a:rPr lang="en-US" sz="2000" dirty="0" smtClean="0"/>
+              <a:t>Significantly reduces the complexity of dealing with </a:t>
+            </a:r>
+            <a:r>
+              <a:rPr lang="en-US" sz="2000" dirty="0" err="1" smtClean="0"/>
+              <a:t>matricies</a:t>
+            </a:r>
+            <a:r>
+              <a:rPr lang="en-US" sz="2000" dirty="0" smtClean="0"/>
+              <a:t> and their associated operations</a:t>
+            </a:r>
+          </a:p>
+          <a:p>
+            <a:pPr marL="0" indent="0">
+              <a:buNone/>
+            </a:pPr>
+            <a:r>
+              <a:rPr lang="en-US" sz="1600" dirty="0" smtClean="0"/>
+              <a:t>	|</a:t>
+            </a:r>
+            <a:r>
+              <a:rPr lang="en-US" sz="1600" dirty="0"/>
+              <a:t>0&gt; @ |1</a:t>
+            </a:r>
+            <a:r>
+              <a:rPr lang="en-US" sz="1600" dirty="0" smtClean="0"/>
+              <a:t>&gt;</a:t>
+            </a:r>
+          </a:p>
+          <a:p>
+            <a:r>
+              <a:rPr lang="en-US" sz="2000" dirty="0" smtClean="0"/>
+              <a:t>Designed for carrying out computations</a:t>
+            </a:r>
+          </a:p>
+          <a:p>
+            <a:r>
+              <a:rPr lang="en-US" sz="2000" dirty="0" smtClean="0"/>
+              <a:t>Excellent for implementing quantum algorithms</a:t>
+            </a:r>
+            <a:endParaRPr lang="en-US" sz="2000" dirty="0"/>
           </a:p>
         </p:txBody>
       </p:sp>
     </p:spTree>
     <p:extLst>
       <p:ext uri="{BB962C8B-B14F-4D97-AF65-F5344CB8AC3E}">
-        <p14:creationId xmlns:p14="http://schemas.microsoft.com/office/powerpoint/2010/main" val="2721382723"/>
+        <p14:creationId xmlns:p14="http://schemas.microsoft.com/office/powerpoint/2010/main" val="768119166"/>
       </p:ext>
     </p:extLst>
   </p:cSld>
@@ -5156,150 +7640,9 @@
       </p:grpSpPr>
       <p:sp>
         <p:nvSpPr>
-          <p:cNvPr id="113" name="Rounded Rectangle 112"/>
-          <p:cNvSpPr/>
-          <p:nvPr/>
-        </p:nvSpPr>
-        <p:spPr>
-          <a:xfrm>
-            <a:off x="1547664" y="1772816"/>
-            <a:ext cx="7200800" cy="3384376"/>
-          </a:xfrm>
-          <a:prstGeom prst="roundRect">
-            <a:avLst/>
-          </a:prstGeom>
-          <a:solidFill>
-            <a:schemeClr val="bg1">
-              <a:lumMod val="85000"/>
-            </a:schemeClr>
-          </a:solidFill>
-          <a:ln>
-            <a:noFill/>
-          </a:ln>
-          <a:effectLst/>
-        </p:spPr>
-        <p:style>
-          <a:lnRef idx="1">
-            <a:schemeClr val="accent1"/>
-          </a:lnRef>
-          <a:fillRef idx="3">
-            <a:schemeClr val="accent1"/>
-          </a:fillRef>
-          <a:effectRef idx="2">
-            <a:schemeClr val="accent1"/>
-          </a:effectRef>
-          <a:fontRef idx="minor">
-            <a:schemeClr val="lt1"/>
-          </a:fontRef>
-        </p:style>
-        <p:txBody>
-          <a:bodyPr rtlCol="0" anchor="ctr"/>
-          <a:lstStyle/>
-          <a:p>
-            <a:pPr algn="ctr"/>
-            <a:endParaRPr lang="en-US"/>
-          </a:p>
-        </p:txBody>
-      </p:sp>
-      <p:sp>
-        <p:nvSpPr>
-          <p:cNvPr id="110" name="Rounded Rectangle 109"/>
-          <p:cNvSpPr/>
-          <p:nvPr/>
-        </p:nvSpPr>
-        <p:spPr>
-          <a:xfrm>
-            <a:off x="1619672" y="3501008"/>
-            <a:ext cx="3600400" cy="1296144"/>
-          </a:xfrm>
-          <a:prstGeom prst="roundRect">
-            <a:avLst/>
-          </a:prstGeom>
-          <a:solidFill>
-            <a:srgbClr val="EF978F">
-              <a:alpha val="80000"/>
-            </a:srgbClr>
-          </a:solidFill>
-          <a:ln>
-            <a:noFill/>
-          </a:ln>
-          <a:effectLst/>
-        </p:spPr>
-        <p:style>
-          <a:lnRef idx="1">
-            <a:schemeClr val="accent1"/>
-          </a:lnRef>
-          <a:fillRef idx="3">
-            <a:schemeClr val="accent1"/>
-          </a:fillRef>
-          <a:effectRef idx="2">
-            <a:schemeClr val="accent1"/>
-          </a:effectRef>
-          <a:fontRef idx="minor">
-            <a:schemeClr val="lt1"/>
-          </a:fontRef>
-        </p:style>
-        <p:txBody>
-          <a:bodyPr rtlCol="0" anchor="ctr"/>
-          <a:lstStyle/>
-          <a:p>
-            <a:pPr algn="ctr"/>
-            <a:endParaRPr lang="en-US"/>
-          </a:p>
-        </p:txBody>
-      </p:sp>
-      <p:sp>
-        <p:nvSpPr>
-          <p:cNvPr id="95" name="Rounded Rectangle 94"/>
-          <p:cNvSpPr/>
-          <p:nvPr/>
-        </p:nvSpPr>
-        <p:spPr>
-          <a:xfrm>
-            <a:off x="2843808" y="2276872"/>
-            <a:ext cx="5760640" cy="1152128"/>
-          </a:xfrm>
-          <a:prstGeom prst="roundRect">
-            <a:avLst/>
-          </a:prstGeom>
-          <a:solidFill>
-            <a:schemeClr val="accent5">
-              <a:lumMod val="90000"/>
-            </a:schemeClr>
-          </a:solidFill>
-          <a:ln>
-            <a:noFill/>
-          </a:ln>
-          <a:effectLst/>
-        </p:spPr>
-        <p:style>
-          <a:lnRef idx="1">
-            <a:schemeClr val="accent1"/>
-          </a:lnRef>
-          <a:fillRef idx="3">
-            <a:schemeClr val="accent1"/>
-          </a:fillRef>
-          <a:effectRef idx="2">
-            <a:schemeClr val="accent1"/>
-          </a:effectRef>
-          <a:fontRef idx="minor">
-            <a:schemeClr val="lt1"/>
-          </a:fontRef>
-        </p:style>
-        <p:txBody>
-          <a:bodyPr rtlCol="0" anchor="ctr"/>
-          <a:lstStyle/>
-          <a:p>
-            <a:pPr algn="ctr"/>
-            <a:endParaRPr lang="en-US"/>
-          </a:p>
-        </p:txBody>
-      </p:sp>
-      <p:sp>
-        <p:nvSpPr>
-          <p:cNvPr id="2" name="Title 1"/>
-          <p:cNvSpPr>
-            <a:spLocks noGrp="1"/>
+          <p:cNvPr id="153602" name="Rectangle 2"/>
+          <p:cNvSpPr>
+            <a:spLocks noGrp="1" noChangeArrowheads="1"/>
           </p:cNvSpPr>
           <p:nvPr>
             <p:ph type="title"/>
@@ -5307,8 +7650,8 @@
         </p:nvSpPr>
         <p:spPr>
           <a:xfrm>
-            <a:off x="1547664" y="116632"/>
-            <a:ext cx="5915000" cy="1143000"/>
+            <a:off x="1547664" y="188913"/>
+            <a:ext cx="7077224" cy="981075"/>
           </a:xfrm>
         </p:spPr>
         <p:txBody>
@@ -5317,18 +7660,26 @@
           <a:p>
             <a:pPr algn="l"/>
             <a:r>
-              <a:rPr lang="en-US" sz="4000" dirty="0" smtClean="0"/>
-              <a:t>Implementation</a:t>
-            </a:r>
-            <a:endParaRPr lang="en-US" sz="4000" dirty="0"/>
-          </a:p>
-        </p:txBody>
-      </p:sp>
-      <p:sp>
-        <p:nvSpPr>
-          <p:cNvPr id="54" name="Content Placeholder 4"/>
-          <p:cNvSpPr>
-            <a:spLocks noGrp="1"/>
+              <a:rPr lang="en-US" sz="4000" dirty="0" smtClean="0">
+                <a:solidFill>
+                  <a:schemeClr val="tx1"/>
+                </a:solidFill>
+              </a:rPr>
+              <a:t>Tutorial Introduction</a:t>
+            </a:r>
+            <a:endParaRPr lang="en-US" sz="4000" dirty="0">
+              <a:solidFill>
+                <a:schemeClr val="tx1"/>
+              </a:solidFill>
+            </a:endParaRPr>
+          </a:p>
+        </p:txBody>
+      </p:sp>
+      <p:sp>
+        <p:nvSpPr>
+          <p:cNvPr id="153603" name="Rectangle 3"/>
+          <p:cNvSpPr>
+            <a:spLocks noGrp="1" noChangeArrowheads="1"/>
           </p:cNvSpPr>
           <p:nvPr>
             <p:ph idx="1"/>
@@ -5336,879 +7687,30 @@
         </p:nvSpPr>
         <p:spPr>
           <a:xfrm>
-            <a:off x="1526976" y="1052736"/>
-            <a:ext cx="8229600" cy="4525963"/>
+            <a:off x="1526976" y="1855788"/>
+            <a:ext cx="8229600" cy="4525962"/>
           </a:xfrm>
         </p:spPr>
         <p:txBody>
           <a:bodyPr/>
           <a:lstStyle/>
           <a:p>
-            <a:pPr marL="0" indent="0">
-              <a:buNone/>
-            </a:pPr>
-            <a:r>
-              <a:rPr lang="en-US" sz="2200" b="1" dirty="0" smtClean="0"/>
-              <a:t>Structure</a:t>
-            </a:r>
-          </a:p>
-        </p:txBody>
-      </p:sp>
-      <p:sp>
-        <p:nvSpPr>
-          <p:cNvPr id="4" name="TextBox 3"/>
-          <p:cNvSpPr txBox="1"/>
-          <p:nvPr/>
-        </p:nvSpPr>
-        <p:spPr>
-          <a:xfrm>
-            <a:off x="5126593" y="2276872"/>
-            <a:ext cx="1016925" cy="338554"/>
-          </a:xfrm>
-          <a:prstGeom prst="rect">
-            <a:avLst/>
-          </a:prstGeom>
-          <a:noFill/>
-        </p:spPr>
-        <p:txBody>
-          <a:bodyPr wrap="none" rtlCol="0">
-            <a:spAutoFit/>
-          </a:bodyPr>
-          <a:lstStyle/>
-          <a:p>
-            <a:pPr algn="ctr"/>
-            <a:r>
-              <a:rPr lang="en-US" sz="1600" b="1" dirty="0" smtClean="0"/>
-              <a:t>program</a:t>
-            </a:r>
-          </a:p>
-        </p:txBody>
-      </p:sp>
-      <p:cxnSp>
-        <p:nvCxnSpPr>
-          <p:cNvPr id="5" name="Straight Connector 4"/>
-          <p:cNvCxnSpPr>
-            <a:stCxn id="4" idx="2"/>
-            <a:endCxn id="24" idx="0"/>
-          </p:cNvCxnSpPr>
-          <p:nvPr/>
-        </p:nvCxnSpPr>
-        <p:spPr>
-          <a:xfrm flipH="1">
-            <a:off x="3664155" y="2615426"/>
-            <a:ext cx="1970901" cy="453534"/>
-          </a:xfrm>
-          <a:prstGeom prst="line">
-            <a:avLst/>
-          </a:prstGeom>
-          <a:ln>
-            <a:solidFill>
-              <a:schemeClr val="tx1"/>
-            </a:solidFill>
-            <a:tailEnd type="triangle" w="lg" len="med"/>
-          </a:ln>
-        </p:spPr>
-        <p:style>
-          <a:lnRef idx="2">
-            <a:schemeClr val="accent1"/>
-          </a:lnRef>
-          <a:fillRef idx="0">
-            <a:schemeClr val="accent1"/>
-          </a:fillRef>
-          <a:effectRef idx="1">
-            <a:schemeClr val="accent1"/>
-          </a:effectRef>
-          <a:fontRef idx="minor">
-            <a:schemeClr val="tx1"/>
-          </a:fontRef>
-        </p:style>
-      </p:cxnSp>
-      <p:sp>
-        <p:nvSpPr>
-          <p:cNvPr id="24" name="TextBox 23"/>
-          <p:cNvSpPr txBox="1"/>
-          <p:nvPr/>
-        </p:nvSpPr>
-        <p:spPr>
-          <a:xfrm>
-            <a:off x="3332373" y="3068960"/>
-            <a:ext cx="663563" cy="338554"/>
-          </a:xfrm>
-          <a:prstGeom prst="rect">
-            <a:avLst/>
-          </a:prstGeom>
-          <a:noFill/>
-        </p:spPr>
-        <p:txBody>
-          <a:bodyPr wrap="none" rtlCol="0">
-            <a:spAutoFit/>
-          </a:bodyPr>
-          <a:lstStyle/>
-          <a:p>
-            <a:pPr algn="ctr"/>
-            <a:r>
-              <a:rPr lang="en-US" sz="1600" b="1" dirty="0" err="1" smtClean="0"/>
-              <a:t>fdecl</a:t>
-            </a:r>
-            <a:endParaRPr lang="en-US" sz="1600" b="1" dirty="0" smtClean="0"/>
-          </a:p>
-        </p:txBody>
-      </p:sp>
-      <p:sp>
-        <p:nvSpPr>
-          <p:cNvPr id="40" name="TextBox 39"/>
-          <p:cNvSpPr txBox="1"/>
-          <p:nvPr/>
-        </p:nvSpPr>
-        <p:spPr>
-          <a:xfrm>
-            <a:off x="4211960" y="3738518"/>
-            <a:ext cx="914633" cy="338554"/>
-          </a:xfrm>
-          <a:prstGeom prst="rect">
-            <a:avLst/>
-          </a:prstGeom>
-          <a:noFill/>
-        </p:spPr>
-        <p:txBody>
-          <a:bodyPr wrap="none" rtlCol="0">
-            <a:spAutoFit/>
-          </a:bodyPr>
-          <a:lstStyle/>
-          <a:p>
-            <a:pPr algn="ctr"/>
-            <a:r>
-              <a:rPr lang="en-US" sz="1600" b="1" dirty="0" err="1" smtClean="0"/>
-              <a:t>params</a:t>
-            </a:r>
-            <a:r>
-              <a:rPr lang="en-US" sz="1600" b="1" dirty="0" smtClean="0"/>
-              <a:t> </a:t>
-            </a:r>
-          </a:p>
-        </p:txBody>
-      </p:sp>
-      <p:cxnSp>
-        <p:nvCxnSpPr>
-          <p:cNvPr id="41" name="Straight Connector 40"/>
-          <p:cNvCxnSpPr/>
-          <p:nvPr/>
-        </p:nvCxnSpPr>
-        <p:spPr>
-          <a:xfrm flipH="1">
-            <a:off x="2843808" y="3530044"/>
-            <a:ext cx="763830" cy="93494"/>
-          </a:xfrm>
-          <a:prstGeom prst="line">
-            <a:avLst/>
-          </a:prstGeom>
-          <a:ln>
-            <a:solidFill>
-              <a:schemeClr val="tx1"/>
-            </a:solidFill>
-            <a:tailEnd type="triangle" w="lg" len="med"/>
-          </a:ln>
-        </p:spPr>
-        <p:style>
-          <a:lnRef idx="2">
-            <a:schemeClr val="accent1"/>
-          </a:lnRef>
-          <a:fillRef idx="0">
-            <a:schemeClr val="accent1"/>
-          </a:fillRef>
-          <a:effectRef idx="1">
-            <a:schemeClr val="accent1"/>
-          </a:effectRef>
-          <a:fontRef idx="minor">
-            <a:schemeClr val="tx1"/>
-          </a:fontRef>
-        </p:style>
-      </p:cxnSp>
-      <p:sp>
-        <p:nvSpPr>
-          <p:cNvPr id="42" name="TextBox 41"/>
-          <p:cNvSpPr txBox="1"/>
-          <p:nvPr/>
-        </p:nvSpPr>
-        <p:spPr>
-          <a:xfrm>
-            <a:off x="2123138" y="3429000"/>
-            <a:ext cx="720670" cy="338554"/>
-          </a:xfrm>
-          <a:prstGeom prst="rect">
-            <a:avLst/>
-          </a:prstGeom>
-          <a:noFill/>
-        </p:spPr>
-        <p:txBody>
-          <a:bodyPr wrap="none" rtlCol="0">
-            <a:spAutoFit/>
-          </a:bodyPr>
-          <a:lstStyle/>
-          <a:p>
-            <a:pPr algn="ctr"/>
-            <a:r>
-              <a:rPr lang="en-US" sz="1600" b="1" dirty="0" smtClean="0"/>
-              <a:t>name</a:t>
-            </a:r>
-          </a:p>
-        </p:txBody>
-      </p:sp>
-      <p:cxnSp>
-        <p:nvCxnSpPr>
-          <p:cNvPr id="43" name="Straight Connector 42"/>
-          <p:cNvCxnSpPr/>
-          <p:nvPr/>
-        </p:nvCxnSpPr>
-        <p:spPr>
-          <a:xfrm flipH="1">
-            <a:off x="2987824" y="3530044"/>
-            <a:ext cx="619814" cy="381526"/>
-          </a:xfrm>
-          <a:prstGeom prst="line">
-            <a:avLst/>
-          </a:prstGeom>
-          <a:ln>
-            <a:solidFill>
-              <a:schemeClr val="tx1"/>
-            </a:solidFill>
-            <a:tailEnd type="triangle" w="lg" len="med"/>
-          </a:ln>
-        </p:spPr>
-        <p:style>
-          <a:lnRef idx="2">
-            <a:schemeClr val="accent1"/>
-          </a:lnRef>
-          <a:fillRef idx="0">
-            <a:schemeClr val="accent1"/>
-          </a:fillRef>
-          <a:effectRef idx="1">
-            <a:schemeClr val="accent1"/>
-          </a:effectRef>
-          <a:fontRef idx="minor">
-            <a:schemeClr val="tx1"/>
-          </a:fontRef>
-        </p:style>
-      </p:cxnSp>
-      <p:sp>
-        <p:nvSpPr>
-          <p:cNvPr id="44" name="TextBox 43"/>
-          <p:cNvSpPr txBox="1"/>
-          <p:nvPr/>
-        </p:nvSpPr>
-        <p:spPr>
-          <a:xfrm>
-            <a:off x="1619672" y="3717032"/>
-            <a:ext cx="1370487" cy="338554"/>
-          </a:xfrm>
-          <a:prstGeom prst="rect">
-            <a:avLst/>
-          </a:prstGeom>
-          <a:noFill/>
-        </p:spPr>
-        <p:txBody>
-          <a:bodyPr wrap="none" rtlCol="0">
-            <a:spAutoFit/>
-          </a:bodyPr>
-          <a:lstStyle/>
-          <a:p>
-            <a:pPr algn="ctr"/>
-            <a:r>
-              <a:rPr lang="en-US" sz="1600" b="1" dirty="0" smtClean="0"/>
-              <a:t>return name</a:t>
-            </a:r>
-          </a:p>
-        </p:txBody>
-      </p:sp>
-      <p:cxnSp>
-        <p:nvCxnSpPr>
-          <p:cNvPr id="45" name="Straight Connector 44"/>
-          <p:cNvCxnSpPr/>
-          <p:nvPr/>
-        </p:nvCxnSpPr>
-        <p:spPr>
-          <a:xfrm flipH="1">
-            <a:off x="3275856" y="3530044"/>
-            <a:ext cx="331782" cy="525542"/>
-          </a:xfrm>
-          <a:prstGeom prst="line">
-            <a:avLst/>
-          </a:prstGeom>
-          <a:ln>
-            <a:solidFill>
-              <a:schemeClr val="tx1"/>
-            </a:solidFill>
-            <a:tailEnd type="triangle" w="lg" len="med"/>
-          </a:ln>
-        </p:spPr>
-        <p:style>
-          <a:lnRef idx="2">
-            <a:schemeClr val="accent1"/>
-          </a:lnRef>
-          <a:fillRef idx="0">
-            <a:schemeClr val="accent1"/>
-          </a:fillRef>
-          <a:effectRef idx="1">
-            <a:schemeClr val="accent1"/>
-          </a:effectRef>
-          <a:fontRef idx="minor">
-            <a:schemeClr val="tx1"/>
-          </a:fontRef>
-        </p:style>
-      </p:cxnSp>
-      <p:sp>
-        <p:nvSpPr>
-          <p:cNvPr id="46" name="TextBox 45"/>
-          <p:cNvSpPr txBox="1"/>
-          <p:nvPr/>
-        </p:nvSpPr>
-        <p:spPr>
-          <a:xfrm>
-            <a:off x="2091490" y="4005064"/>
-            <a:ext cx="1256374" cy="338554"/>
-          </a:xfrm>
-          <a:prstGeom prst="rect">
-            <a:avLst/>
-          </a:prstGeom>
-          <a:noFill/>
-        </p:spPr>
-        <p:txBody>
-          <a:bodyPr wrap="none" rtlCol="0">
-            <a:spAutoFit/>
-          </a:bodyPr>
-          <a:lstStyle/>
-          <a:p>
-            <a:pPr algn="ctr"/>
-            <a:r>
-              <a:rPr lang="en-US" sz="1600" b="1" dirty="0" smtClean="0"/>
-              <a:t>return type</a:t>
-            </a:r>
-          </a:p>
-        </p:txBody>
-      </p:sp>
-      <p:sp>
-        <p:nvSpPr>
-          <p:cNvPr id="47" name="TextBox 46"/>
-          <p:cNvSpPr txBox="1"/>
-          <p:nvPr/>
-        </p:nvSpPr>
-        <p:spPr>
-          <a:xfrm>
-            <a:off x="3779912" y="4034100"/>
-            <a:ext cx="766356" cy="338554"/>
-          </a:xfrm>
-          <a:prstGeom prst="rect">
-            <a:avLst/>
-          </a:prstGeom>
-          <a:noFill/>
-        </p:spPr>
-        <p:txBody>
-          <a:bodyPr wrap="none" rtlCol="0">
-            <a:spAutoFit/>
-          </a:bodyPr>
-          <a:lstStyle/>
-          <a:p>
-            <a:pPr algn="ctr"/>
-            <a:r>
-              <a:rPr lang="en-US" sz="1600" b="1" dirty="0" smtClean="0"/>
-              <a:t>locals</a:t>
-            </a:r>
-          </a:p>
-        </p:txBody>
-      </p:sp>
-      <p:cxnSp>
-        <p:nvCxnSpPr>
-          <p:cNvPr id="48" name="Straight Connector 47"/>
-          <p:cNvCxnSpPr>
-            <a:endCxn id="40" idx="1"/>
-          </p:cNvCxnSpPr>
-          <p:nvPr/>
-        </p:nvCxnSpPr>
-        <p:spPr>
-          <a:xfrm>
-            <a:off x="3635896" y="3530044"/>
-            <a:ext cx="576064" cy="377751"/>
-          </a:xfrm>
-          <a:prstGeom prst="line">
-            <a:avLst/>
-          </a:prstGeom>
-          <a:ln>
-            <a:solidFill>
-              <a:schemeClr val="tx1"/>
-            </a:solidFill>
-            <a:tailEnd type="triangle" w="lg" len="med"/>
-          </a:ln>
-        </p:spPr>
-        <p:style>
-          <a:lnRef idx="2">
-            <a:schemeClr val="accent1"/>
-          </a:lnRef>
-          <a:fillRef idx="0">
-            <a:schemeClr val="accent1"/>
-          </a:fillRef>
-          <a:effectRef idx="1">
-            <a:schemeClr val="accent1"/>
-          </a:effectRef>
-          <a:fontRef idx="minor">
-            <a:schemeClr val="tx1"/>
-          </a:fontRef>
-        </p:style>
-      </p:cxnSp>
-      <p:sp>
-        <p:nvSpPr>
-          <p:cNvPr id="52" name="TextBox 51"/>
-          <p:cNvSpPr txBox="1"/>
-          <p:nvPr/>
-        </p:nvSpPr>
-        <p:spPr>
-          <a:xfrm>
-            <a:off x="3311133" y="4394140"/>
-            <a:ext cx="684803" cy="338554"/>
-          </a:xfrm>
-          <a:prstGeom prst="rect">
-            <a:avLst/>
-          </a:prstGeom>
-          <a:noFill/>
-        </p:spPr>
-        <p:txBody>
-          <a:bodyPr wrap="none" rtlCol="0">
-            <a:spAutoFit/>
-          </a:bodyPr>
-          <a:lstStyle/>
-          <a:p>
-            <a:pPr algn="ctr"/>
-            <a:r>
-              <a:rPr lang="en-US" sz="1600" b="1" dirty="0" smtClean="0"/>
-              <a:t>body</a:t>
-            </a:r>
-          </a:p>
-        </p:txBody>
-      </p:sp>
-      <p:cxnSp>
-        <p:nvCxnSpPr>
-          <p:cNvPr id="53" name="Straight Connector 52"/>
-          <p:cNvCxnSpPr/>
-          <p:nvPr/>
-        </p:nvCxnSpPr>
-        <p:spPr>
-          <a:xfrm>
-            <a:off x="3635896" y="3530044"/>
-            <a:ext cx="288032" cy="432048"/>
-          </a:xfrm>
-          <a:prstGeom prst="line">
-            <a:avLst/>
-          </a:prstGeom>
-          <a:ln>
-            <a:solidFill>
-              <a:schemeClr val="tx1"/>
-            </a:solidFill>
-            <a:tailEnd type="triangle" w="lg" len="med"/>
-          </a:ln>
-        </p:spPr>
-        <p:style>
-          <a:lnRef idx="2">
-            <a:schemeClr val="accent1"/>
-          </a:lnRef>
-          <a:fillRef idx="0">
-            <a:schemeClr val="accent1"/>
-          </a:fillRef>
-          <a:effectRef idx="1">
-            <a:schemeClr val="accent1"/>
-          </a:effectRef>
-          <a:fontRef idx="minor">
-            <a:schemeClr val="tx1"/>
-          </a:fontRef>
-        </p:style>
-      </p:cxnSp>
-      <p:cxnSp>
-        <p:nvCxnSpPr>
-          <p:cNvPr id="58" name="Straight Connector 57"/>
-          <p:cNvCxnSpPr/>
-          <p:nvPr/>
-        </p:nvCxnSpPr>
-        <p:spPr>
-          <a:xfrm flipH="1">
-            <a:off x="3635896" y="3530044"/>
-            <a:ext cx="1" cy="792088"/>
-          </a:xfrm>
-          <a:prstGeom prst="line">
-            <a:avLst/>
-          </a:prstGeom>
-          <a:ln>
-            <a:solidFill>
-              <a:schemeClr val="tx1"/>
-            </a:solidFill>
-            <a:tailEnd type="triangle" w="lg" len="med"/>
-          </a:ln>
-        </p:spPr>
-        <p:style>
-          <a:lnRef idx="2">
-            <a:schemeClr val="accent1"/>
-          </a:lnRef>
-          <a:fillRef idx="0">
-            <a:schemeClr val="accent1"/>
-          </a:fillRef>
-          <a:effectRef idx="1">
-            <a:schemeClr val="accent1"/>
-          </a:effectRef>
-          <a:fontRef idx="minor">
-            <a:schemeClr val="tx1"/>
-          </a:fontRef>
-        </p:style>
-      </p:cxnSp>
-      <p:cxnSp>
-        <p:nvCxnSpPr>
-          <p:cNvPr id="63" name="Straight Connector 62"/>
-          <p:cNvCxnSpPr>
-            <a:endCxn id="67" idx="1"/>
-          </p:cNvCxnSpPr>
-          <p:nvPr/>
-        </p:nvCxnSpPr>
-        <p:spPr>
-          <a:xfrm>
-            <a:off x="3635896" y="3530044"/>
-            <a:ext cx="648072" cy="68233"/>
-          </a:xfrm>
-          <a:prstGeom prst="line">
-            <a:avLst/>
-          </a:prstGeom>
-          <a:ln>
-            <a:solidFill>
-              <a:schemeClr val="tx1"/>
-            </a:solidFill>
-            <a:tailEnd type="triangle" w="lg" len="med"/>
-          </a:ln>
-        </p:spPr>
-        <p:style>
-          <a:lnRef idx="2">
-            <a:schemeClr val="accent1"/>
-          </a:lnRef>
-          <a:fillRef idx="0">
-            <a:schemeClr val="accent1"/>
-          </a:fillRef>
-          <a:effectRef idx="1">
-            <a:schemeClr val="accent1"/>
-          </a:effectRef>
-          <a:fontRef idx="minor">
-            <a:schemeClr val="tx1"/>
-          </a:fontRef>
-        </p:style>
-      </p:cxnSp>
-      <p:sp>
-        <p:nvSpPr>
-          <p:cNvPr id="67" name="TextBox 66"/>
-          <p:cNvSpPr txBox="1"/>
-          <p:nvPr/>
-        </p:nvSpPr>
-        <p:spPr>
-          <a:xfrm>
-            <a:off x="4283968" y="3429000"/>
-            <a:ext cx="800019" cy="338554"/>
-          </a:xfrm>
-          <a:prstGeom prst="rect">
-            <a:avLst/>
-          </a:prstGeom>
-          <a:noFill/>
-        </p:spPr>
-        <p:txBody>
-          <a:bodyPr wrap="none" rtlCol="0">
-            <a:spAutoFit/>
-          </a:bodyPr>
-          <a:lstStyle/>
-          <a:p>
-            <a:pPr algn="ctr"/>
-            <a:r>
-              <a:rPr lang="en-US" sz="1600" b="1" dirty="0" err="1" smtClean="0"/>
-              <a:t>builtin</a:t>
-            </a:r>
-            <a:endParaRPr lang="en-US" sz="1600" b="1" dirty="0" smtClean="0"/>
-          </a:p>
-        </p:txBody>
-      </p:sp>
-      <p:cxnSp>
-        <p:nvCxnSpPr>
-          <p:cNvPr id="79" name="Straight Connector 78"/>
-          <p:cNvCxnSpPr>
-            <a:stCxn id="4" idx="2"/>
-            <a:endCxn id="80" idx="0"/>
-          </p:cNvCxnSpPr>
-          <p:nvPr/>
-        </p:nvCxnSpPr>
-        <p:spPr>
-          <a:xfrm>
-            <a:off x="5635056" y="2615426"/>
-            <a:ext cx="2256100" cy="453534"/>
-          </a:xfrm>
-          <a:prstGeom prst="line">
-            <a:avLst/>
-          </a:prstGeom>
-          <a:ln>
-            <a:solidFill>
-              <a:schemeClr val="tx1"/>
-            </a:solidFill>
-            <a:tailEnd type="triangle" w="lg" len="med"/>
-          </a:ln>
-        </p:spPr>
-        <p:style>
-          <a:lnRef idx="2">
-            <a:schemeClr val="accent1"/>
-          </a:lnRef>
-          <a:fillRef idx="0">
-            <a:schemeClr val="accent1"/>
-          </a:fillRef>
-          <a:effectRef idx="1">
-            <a:schemeClr val="accent1"/>
-          </a:effectRef>
-          <a:fontRef idx="minor">
-            <a:schemeClr val="tx1"/>
-          </a:fontRef>
-        </p:style>
-      </p:cxnSp>
-      <p:sp>
-        <p:nvSpPr>
-          <p:cNvPr id="80" name="TextBox 79"/>
-          <p:cNvSpPr txBox="1"/>
-          <p:nvPr/>
-        </p:nvSpPr>
-        <p:spPr>
-          <a:xfrm>
-            <a:off x="7559374" y="3068960"/>
-            <a:ext cx="663563" cy="338554"/>
-          </a:xfrm>
-          <a:prstGeom prst="rect">
-            <a:avLst/>
-          </a:prstGeom>
-          <a:noFill/>
-        </p:spPr>
-        <p:txBody>
-          <a:bodyPr wrap="none" rtlCol="0">
-            <a:spAutoFit/>
-          </a:bodyPr>
-          <a:lstStyle/>
-          <a:p>
-            <a:pPr algn="ctr"/>
-            <a:r>
-              <a:rPr lang="en-US" sz="1600" b="1" dirty="0" err="1" smtClean="0"/>
-              <a:t>fdecl</a:t>
-            </a:r>
-            <a:endParaRPr lang="en-US" sz="1600" b="1" dirty="0" smtClean="0"/>
-          </a:p>
-        </p:txBody>
-      </p:sp>
-      <p:sp>
-        <p:nvSpPr>
-          <p:cNvPr id="86" name="TextBox 85"/>
-          <p:cNvSpPr txBox="1"/>
-          <p:nvPr/>
-        </p:nvSpPr>
-        <p:spPr>
-          <a:xfrm>
-            <a:off x="5270609" y="3068960"/>
-            <a:ext cx="663563" cy="338554"/>
-          </a:xfrm>
-          <a:prstGeom prst="rect">
-            <a:avLst/>
-          </a:prstGeom>
-          <a:noFill/>
-        </p:spPr>
-        <p:txBody>
-          <a:bodyPr wrap="none" rtlCol="0">
-            <a:spAutoFit/>
-          </a:bodyPr>
-          <a:lstStyle/>
-          <a:p>
-            <a:pPr algn="ctr"/>
-            <a:r>
-              <a:rPr lang="en-US" sz="1600" b="1" dirty="0" err="1" smtClean="0"/>
-              <a:t>fdecl</a:t>
-            </a:r>
-            <a:endParaRPr lang="en-US" sz="1600" b="1" dirty="0" smtClean="0"/>
-          </a:p>
-        </p:txBody>
-      </p:sp>
-      <p:cxnSp>
-        <p:nvCxnSpPr>
-          <p:cNvPr id="87" name="Straight Connector 86"/>
-          <p:cNvCxnSpPr>
-            <a:stCxn id="4" idx="2"/>
-          </p:cNvCxnSpPr>
-          <p:nvPr/>
-        </p:nvCxnSpPr>
-        <p:spPr>
-          <a:xfrm flipH="1">
-            <a:off x="5630649" y="2615426"/>
-            <a:ext cx="4407" cy="502920"/>
-          </a:xfrm>
-          <a:prstGeom prst="line">
-            <a:avLst/>
-          </a:prstGeom>
-          <a:ln>
-            <a:solidFill>
-              <a:schemeClr val="tx1"/>
-            </a:solidFill>
-            <a:tailEnd type="triangle" w="lg" len="med"/>
-          </a:ln>
-        </p:spPr>
-        <p:style>
-          <a:lnRef idx="2">
-            <a:schemeClr val="accent1"/>
-          </a:lnRef>
-          <a:fillRef idx="0">
-            <a:schemeClr val="accent1"/>
-          </a:fillRef>
-          <a:effectRef idx="1">
-            <a:schemeClr val="accent1"/>
-          </a:effectRef>
-          <a:fontRef idx="minor">
-            <a:schemeClr val="tx1"/>
-          </a:fontRef>
-        </p:style>
-      </p:cxnSp>
-      <p:sp>
-        <p:nvSpPr>
-          <p:cNvPr id="111" name="TextBox 110"/>
-          <p:cNvSpPr txBox="1"/>
-          <p:nvPr/>
-        </p:nvSpPr>
-        <p:spPr>
-          <a:xfrm>
-            <a:off x="3086258" y="1969095"/>
-            <a:ext cx="1107895" cy="338554"/>
-          </a:xfrm>
-          <a:prstGeom prst="rect">
-            <a:avLst/>
-          </a:prstGeom>
-          <a:noFill/>
-        </p:spPr>
-        <p:txBody>
-          <a:bodyPr wrap="none" rtlCol="0">
-            <a:spAutoFit/>
-          </a:bodyPr>
-          <a:lstStyle/>
-          <a:p>
-            <a:pPr algn="ctr"/>
-            <a:r>
-              <a:rPr lang="en-US" sz="1600" b="1" dirty="0" smtClean="0"/>
-              <a:t>functions</a:t>
-            </a:r>
-          </a:p>
-        </p:txBody>
-      </p:sp>
-      <p:sp>
-        <p:nvSpPr>
-          <p:cNvPr id="112" name="TextBox 111"/>
-          <p:cNvSpPr txBox="1"/>
-          <p:nvPr/>
-        </p:nvSpPr>
-        <p:spPr>
-          <a:xfrm>
-            <a:off x="1775062" y="3193231"/>
-            <a:ext cx="777677" cy="338554"/>
-          </a:xfrm>
-          <a:prstGeom prst="rect">
-            <a:avLst/>
-          </a:prstGeom>
-          <a:noFill/>
-        </p:spPr>
-        <p:txBody>
-          <a:bodyPr wrap="none" rtlCol="0">
-            <a:spAutoFit/>
-          </a:bodyPr>
-          <a:lstStyle/>
-          <a:p>
-            <a:pPr algn="ctr"/>
-            <a:r>
-              <a:rPr lang="en-US" sz="1600" b="1" dirty="0" smtClean="0"/>
-              <a:t>scope</a:t>
-            </a:r>
-          </a:p>
-        </p:txBody>
-      </p:sp>
-      <p:sp>
-        <p:nvSpPr>
-          <p:cNvPr id="114" name="Rounded Rectangle 113"/>
-          <p:cNvSpPr/>
-          <p:nvPr/>
-        </p:nvSpPr>
-        <p:spPr>
-          <a:xfrm>
-            <a:off x="5292080" y="3501008"/>
-            <a:ext cx="3528392" cy="1728192"/>
-          </a:xfrm>
-          <a:prstGeom prst="roundRect">
-            <a:avLst/>
-          </a:prstGeom>
-          <a:solidFill>
-            <a:schemeClr val="bg1"/>
-          </a:solidFill>
-          <a:ln>
-            <a:noFill/>
-          </a:ln>
-          <a:effectLst/>
-        </p:spPr>
-        <p:style>
-          <a:lnRef idx="1">
-            <a:schemeClr val="accent1"/>
-          </a:lnRef>
-          <a:fillRef idx="3">
-            <a:schemeClr val="accent1"/>
-          </a:fillRef>
-          <a:effectRef idx="2">
-            <a:schemeClr val="accent1"/>
-          </a:effectRef>
-          <a:fontRef idx="minor">
-            <a:schemeClr val="lt1"/>
-          </a:fontRef>
-        </p:style>
-        <p:txBody>
-          <a:bodyPr rtlCol="0" anchor="ctr"/>
-          <a:lstStyle/>
-          <a:p>
-            <a:pPr algn="ctr"/>
-            <a:endParaRPr lang="en-US"/>
-          </a:p>
-        </p:txBody>
-      </p:sp>
-      <p:sp>
-        <p:nvSpPr>
-          <p:cNvPr id="115" name="TextBox 114"/>
-          <p:cNvSpPr txBox="1"/>
-          <p:nvPr/>
-        </p:nvSpPr>
-        <p:spPr>
-          <a:xfrm>
-            <a:off x="1979712" y="1484784"/>
-            <a:ext cx="1438715" cy="338554"/>
-          </a:xfrm>
-          <a:prstGeom prst="rect">
-            <a:avLst/>
-          </a:prstGeom>
-          <a:noFill/>
-        </p:spPr>
-        <p:txBody>
-          <a:bodyPr wrap="none" rtlCol="0">
-            <a:spAutoFit/>
-          </a:bodyPr>
-          <a:lstStyle/>
-          <a:p>
-            <a:pPr algn="ctr"/>
-            <a:r>
-              <a:rPr lang="en-US" sz="1600" b="1" dirty="0" smtClean="0"/>
-              <a:t>Environment</a:t>
-            </a:r>
+            <a:endParaRPr lang="en-US" sz="2400" dirty="0"/>
           </a:p>
         </p:txBody>
       </p:sp>
     </p:spTree>
-    <p:extLst>
-      <p:ext uri="{BB962C8B-B14F-4D97-AF65-F5344CB8AC3E}">
-        <p14:creationId xmlns:p14="http://schemas.microsoft.com/office/powerpoint/2010/main" val="2617038298"/>
-      </p:ext>
-    </p:extLst>
   </p:cSld>
   <p:clrMapOvr>
     <a:masterClrMapping/>
   </p:clrMapOvr>
+  <p:timing>
+    <p:tnLst>
+      <p:par>
+        <p:cTn xmlns:p14="http://schemas.microsoft.com/office/powerpoint/2010/main" id="1" dur="indefinite" restart="never" nodeType="tmRoot"/>
+      </p:par>
+    </p:tnLst>
+  </p:timing>
 </p:sld>
 </file>
 
@@ -6231,9 +7733,9 @@
       </p:grpSpPr>
       <p:sp>
         <p:nvSpPr>
-          <p:cNvPr id="2" name="Title 1"/>
-          <p:cNvSpPr>
-            <a:spLocks noGrp="1"/>
+          <p:cNvPr id="153602" name="Rectangle 2"/>
+          <p:cNvSpPr>
+            <a:spLocks noGrp="1" noChangeArrowheads="1"/>
           </p:cNvSpPr>
           <p:nvPr>
             <p:ph type="title"/>
@@ -6241,8 +7743,8 @@
         </p:nvSpPr>
         <p:spPr>
           <a:xfrm>
-            <a:off x="1547664" y="116632"/>
-            <a:ext cx="5915000" cy="1143000"/>
+            <a:off x="1547664" y="188913"/>
+            <a:ext cx="7077224" cy="981075"/>
           </a:xfrm>
         </p:spPr>
         <p:txBody>
@@ -6251,18 +7753,26 @@
           <a:p>
             <a:pPr algn="l"/>
             <a:r>
-              <a:rPr lang="en-US" sz="4000" dirty="0" smtClean="0"/>
-              <a:t>Implementation</a:t>
-            </a:r>
-            <a:endParaRPr lang="en-US" sz="4000" dirty="0"/>
-          </a:p>
-        </p:txBody>
-      </p:sp>
-      <p:sp>
-        <p:nvSpPr>
-          <p:cNvPr id="54" name="Content Placeholder 4"/>
-          <p:cNvSpPr>
-            <a:spLocks noGrp="1"/>
+              <a:rPr lang="en-US" sz="4000" dirty="0" smtClean="0">
+                <a:solidFill>
+                  <a:schemeClr val="tx1"/>
+                </a:solidFill>
+              </a:rPr>
+              <a:t>Tutorial Introduction</a:t>
+            </a:r>
+            <a:endParaRPr lang="en-US" sz="4000" dirty="0">
+              <a:solidFill>
+                <a:schemeClr val="tx1"/>
+              </a:solidFill>
+            </a:endParaRPr>
+          </a:p>
+        </p:txBody>
+      </p:sp>
+      <p:sp>
+        <p:nvSpPr>
+          <p:cNvPr id="153603" name="Rectangle 3"/>
+          <p:cNvSpPr>
+            <a:spLocks noGrp="1" noChangeArrowheads="1"/>
           </p:cNvSpPr>
           <p:nvPr>
             <p:ph idx="1"/>
@@ -6270,142 +7780,35 @@
         </p:nvSpPr>
         <p:spPr>
           <a:xfrm>
-            <a:off x="1526976" y="1052736"/>
-            <a:ext cx="8229600" cy="4525963"/>
+            <a:off x="1526976" y="1855788"/>
+            <a:ext cx="8229600" cy="4525962"/>
           </a:xfrm>
         </p:spPr>
         <p:txBody>
           <a:bodyPr/>
           <a:lstStyle/>
           <a:p>
-            <a:pPr marL="0" indent="0">
-              <a:buNone/>
-            </a:pPr>
-            <a:r>
-              <a:rPr lang="en-US" sz="2200" b="1" dirty="0" smtClean="0"/>
-              <a:t>Types</a:t>
-            </a:r>
-          </a:p>
-          <a:p>
-            <a:pPr marL="0" indent="0">
-              <a:buNone/>
-            </a:pPr>
-            <a:endParaRPr lang="en-US" sz="2000" b="1" dirty="0"/>
-          </a:p>
-          <a:p>
-            <a:r>
-              <a:rPr lang="en-US" sz="1800" b="1" dirty="0" err="1" smtClean="0"/>
-              <a:t>int</a:t>
-            </a:r>
-            <a:r>
-              <a:rPr lang="en-US" sz="1800" b="1" dirty="0" smtClean="0"/>
-              <a:t> (integer)</a:t>
-            </a:r>
-          </a:p>
-          <a:p>
-            <a:pPr lvl="1"/>
-            <a:r>
-              <a:rPr lang="en-US" sz="1600" b="1" dirty="0" smtClean="0">
-                <a:latin typeface="Courier"/>
-                <a:cs typeface="Courier"/>
-              </a:rPr>
-              <a:t>17, 0, -3489</a:t>
-            </a:r>
-          </a:p>
-          <a:p>
-            <a:r>
-              <a:rPr lang="en-US" sz="1800" b="1" dirty="0" smtClean="0"/>
-              <a:t>float (floating point)</a:t>
-            </a:r>
-          </a:p>
-          <a:p>
-            <a:pPr lvl="1"/>
-            <a:r>
-              <a:rPr lang="en-US" sz="1600" b="1" dirty="0" smtClean="0">
-                <a:latin typeface="Courier"/>
-                <a:cs typeface="Courier"/>
-              </a:rPr>
-              <a:t>24.2, -3., 17.006 </a:t>
-            </a:r>
-          </a:p>
-          <a:p>
-            <a:r>
-              <a:rPr lang="en-US" sz="1800" b="1" dirty="0" smtClean="0"/>
-              <a:t>comp (complex)</a:t>
-            </a:r>
-          </a:p>
-          <a:p>
-            <a:pPr lvl="1"/>
-            <a:r>
-              <a:rPr lang="en-US" sz="1600" b="1" dirty="0" smtClean="0">
-                <a:latin typeface="Courier"/>
-                <a:cs typeface="Courier"/>
-              </a:rPr>
-              <a:t>C(7.4 + 8.1I), C(2.48769), C(0.114I)</a:t>
-            </a:r>
-          </a:p>
-          <a:p>
-            <a:r>
-              <a:rPr lang="en-US" sz="1800" b="1" dirty="0" smtClean="0"/>
-              <a:t>mat (matrix)</a:t>
-            </a:r>
-          </a:p>
-          <a:p>
-            <a:pPr lvl="1"/>
-            <a:r>
-              <a:rPr lang="en-US" sz="1600" b="1" dirty="0" smtClean="0">
-                <a:latin typeface="Courier"/>
-                <a:cs typeface="Courier"/>
-              </a:rPr>
-              <a:t>[(1,2,3)(4,5,6)]</a:t>
-            </a:r>
-          </a:p>
-          <a:p>
-            <a:pPr lvl="1"/>
-            <a:r>
-              <a:rPr lang="en-US" sz="1600" b="1" dirty="0" smtClean="0">
-                <a:latin typeface="Courier"/>
-                <a:cs typeface="Courier"/>
-              </a:rPr>
-              <a:t>[(43.7, 3, C(2.1 + 3.I))(6, C(4. + 0.089I), 43.1)]</a:t>
-            </a:r>
-          </a:p>
-          <a:p>
-            <a:pPr lvl="1"/>
-            <a:r>
-              <a:rPr lang="en-US" sz="1600" b="1" dirty="0" smtClean="0">
-                <a:latin typeface="Courier"/>
-                <a:cs typeface="Courier"/>
-              </a:rPr>
-              <a:t>&lt;001011|</a:t>
-            </a:r>
-          </a:p>
-          <a:p>
-            <a:pPr lvl="1"/>
-            <a:r>
-              <a:rPr lang="en-US" sz="1600" b="1" dirty="0" smtClean="0">
-                <a:latin typeface="Courier"/>
-                <a:cs typeface="Courier"/>
-              </a:rPr>
-              <a:t>|1101&gt;</a:t>
-            </a:r>
-            <a:endParaRPr lang="en-US" sz="1600" b="1" dirty="0">
-              <a:latin typeface="Courier"/>
-              <a:cs typeface="Courier"/>
-            </a:endParaRPr>
+            <a:endParaRPr lang="en-US" sz="2400" dirty="0"/>
           </a:p>
         </p:txBody>
       </p:sp>
     </p:spTree>
     <p:extLst>
       <p:ext uri="{BB962C8B-B14F-4D97-AF65-F5344CB8AC3E}">
-        <p14:creationId xmlns:p14="http://schemas.microsoft.com/office/powerpoint/2010/main" val="647352319"/>
+        <p14:creationId xmlns:p14="http://schemas.microsoft.com/office/powerpoint/2010/main" val="2390145313"/>
       </p:ext>
     </p:extLst>
   </p:cSld>
   <p:clrMapOvr>
     <a:masterClrMapping/>
   </p:clrMapOvr>
+  <p:timing>
+    <p:tnLst>
+      <p:par>
+        <p:cTn xmlns:p14="http://schemas.microsoft.com/office/powerpoint/2010/main" id="1" dur="indefinite" restart="never" nodeType="tmRoot"/>
+      </p:par>
+    </p:tnLst>
+  </p:timing>
 </p:sld>
 </file>
 
@@ -6428,9 +7831,9 @@
       </p:grpSpPr>
       <p:sp>
         <p:nvSpPr>
-          <p:cNvPr id="2" name="Title 1"/>
-          <p:cNvSpPr>
-            <a:spLocks noGrp="1"/>
+          <p:cNvPr id="153602" name="Rectangle 2"/>
+          <p:cNvSpPr>
+            <a:spLocks noGrp="1" noChangeArrowheads="1"/>
           </p:cNvSpPr>
           <p:nvPr>
             <p:ph type="title"/>
@@ -6438,8 +7841,8 @@
         </p:nvSpPr>
         <p:spPr>
           <a:xfrm>
-            <a:off x="1547664" y="116632"/>
-            <a:ext cx="5915000" cy="1143000"/>
+            <a:off x="1547664" y="188913"/>
+            <a:ext cx="7077224" cy="981075"/>
           </a:xfrm>
         </p:spPr>
         <p:txBody>
@@ -6448,18 +7851,26 @@
           <a:p>
             <a:pPr algn="l"/>
             <a:r>
-              <a:rPr lang="en-US" sz="4000" dirty="0" smtClean="0"/>
-              <a:t>Implementation</a:t>
-            </a:r>
-            <a:endParaRPr lang="en-US" sz="4000" dirty="0"/>
-          </a:p>
-        </p:txBody>
-      </p:sp>
-      <p:sp>
-        <p:nvSpPr>
-          <p:cNvPr id="54" name="Content Placeholder 4"/>
-          <p:cNvSpPr>
-            <a:spLocks noGrp="1"/>
+              <a:rPr lang="en-US" sz="4000" dirty="0" smtClean="0">
+                <a:solidFill>
+                  <a:schemeClr val="tx1"/>
+                </a:solidFill>
+              </a:rPr>
+              <a:t>Tutorial Introduction</a:t>
+            </a:r>
+            <a:endParaRPr lang="en-US" sz="4000" dirty="0">
+              <a:solidFill>
+                <a:schemeClr val="tx1"/>
+              </a:solidFill>
+            </a:endParaRPr>
+          </a:p>
+        </p:txBody>
+      </p:sp>
+      <p:sp>
+        <p:nvSpPr>
+          <p:cNvPr id="153603" name="Rectangle 3"/>
+          <p:cNvSpPr>
+            <a:spLocks noGrp="1" noChangeArrowheads="1"/>
           </p:cNvSpPr>
           <p:nvPr>
             <p:ph idx="1"/>
@@ -6467,34 +7878,35 @@
         </p:nvSpPr>
         <p:spPr>
           <a:xfrm>
-            <a:off x="1526976" y="1052736"/>
-            <a:ext cx="8229600" cy="4525963"/>
+            <a:off x="1526976" y="1855788"/>
+            <a:ext cx="8229600" cy="4525962"/>
           </a:xfrm>
         </p:spPr>
         <p:txBody>
           <a:bodyPr/>
           <a:lstStyle/>
           <a:p>
-            <a:pPr marL="0" indent="0">
-              <a:buNone/>
-            </a:pPr>
-            <a:r>
-              <a:rPr lang="en-US" sz="2200" b="1" dirty="0" smtClean="0"/>
-              <a:t>Operators</a:t>
-            </a:r>
+            <a:endParaRPr lang="en-US" sz="2400" dirty="0"/>
           </a:p>
         </p:txBody>
       </p:sp>
     </p:spTree>
     <p:extLst>
       <p:ext uri="{BB962C8B-B14F-4D97-AF65-F5344CB8AC3E}">
-        <p14:creationId xmlns:p14="http://schemas.microsoft.com/office/powerpoint/2010/main" val="3463991577"/>
+        <p14:creationId xmlns:p14="http://schemas.microsoft.com/office/powerpoint/2010/main" val="882417591"/>
       </p:ext>
     </p:extLst>
   </p:cSld>
   <p:clrMapOvr>
     <a:masterClrMapping/>
   </p:clrMapOvr>
+  <p:timing>
+    <p:tnLst>
+      <p:par>
+        <p:cTn xmlns:p14="http://schemas.microsoft.com/office/powerpoint/2010/main" id="1" dur="indefinite" restart="never" nodeType="tmRoot"/>
+      </p:par>
+    </p:tnLst>
+  </p:timing>
 </p:sld>
 </file>
 

--- a/Demo/Qlang.pptx
+++ b/Demo/Qlang.pptx
@@ -8,16 +8,20 @@
     <p:sldId id="256" r:id="rId2"/>
     <p:sldId id="257" r:id="rId3"/>
     <p:sldId id="261" r:id="rId4"/>
-    <p:sldId id="268" r:id="rId5"/>
-    <p:sldId id="264" r:id="rId6"/>
-    <p:sldId id="267" r:id="rId7"/>
-    <p:sldId id="258" r:id="rId8"/>
-    <p:sldId id="270" r:id="rId9"/>
-    <p:sldId id="269" r:id="rId10"/>
-    <p:sldId id="259" r:id="rId11"/>
-    <p:sldId id="265" r:id="rId12"/>
-    <p:sldId id="263" r:id="rId13"/>
-    <p:sldId id="260" r:id="rId14"/>
+    <p:sldId id="264" r:id="rId5"/>
+    <p:sldId id="267" r:id="rId6"/>
+    <p:sldId id="258" r:id="rId7"/>
+    <p:sldId id="270" r:id="rId8"/>
+    <p:sldId id="269" r:id="rId9"/>
+    <p:sldId id="259" r:id="rId10"/>
+    <p:sldId id="265" r:id="rId11"/>
+    <p:sldId id="271" r:id="rId12"/>
+    <p:sldId id="272" r:id="rId13"/>
+    <p:sldId id="268" r:id="rId14"/>
+    <p:sldId id="263" r:id="rId15"/>
+    <p:sldId id="260" r:id="rId16"/>
+    <p:sldId id="273" r:id="rId17"/>
+    <p:sldId id="274" r:id="rId18"/>
   </p:sldIdLst>
   <p:sldSz cx="9144000" cy="6858000" type="screen4x3"/>
   <p:notesSz cx="6858000" cy="9144000"/>
@@ -3514,7 +3518,7 @@
         </p:nvSpPr>
         <p:spPr>
           <a:xfrm>
-            <a:off x="539750" y="3573463"/>
+            <a:off x="179512" y="3573463"/>
             <a:ext cx="4283075" cy="544512"/>
           </a:xfrm>
           <a:noFill/>
@@ -3551,7 +3555,7 @@
         </p:nvSpPr>
         <p:spPr bwMode="auto">
           <a:xfrm>
-            <a:off x="539750" y="4149725"/>
+            <a:off x="179512" y="4149725"/>
             <a:ext cx="5040313" cy="544513"/>
           </a:xfrm>
           <a:prstGeom prst="rect">
@@ -3647,6 +3651,147 @@
       </p:grpSpPr>
       <p:sp>
         <p:nvSpPr>
+          <p:cNvPr id="113" name="Rounded Rectangle 112"/>
+          <p:cNvSpPr/>
+          <p:nvPr/>
+        </p:nvSpPr>
+        <p:spPr>
+          <a:xfrm>
+            <a:off x="1475656" y="1916832"/>
+            <a:ext cx="7344816" cy="3024336"/>
+          </a:xfrm>
+          <a:prstGeom prst="roundRect">
+            <a:avLst/>
+          </a:prstGeom>
+          <a:solidFill>
+            <a:schemeClr val="bg1">
+              <a:lumMod val="85000"/>
+            </a:schemeClr>
+          </a:solidFill>
+          <a:ln>
+            <a:noFill/>
+          </a:ln>
+          <a:effectLst/>
+        </p:spPr>
+        <p:style>
+          <a:lnRef idx="1">
+            <a:schemeClr val="accent1"/>
+          </a:lnRef>
+          <a:fillRef idx="3">
+            <a:schemeClr val="accent1"/>
+          </a:fillRef>
+          <a:effectRef idx="2">
+            <a:schemeClr val="accent1"/>
+          </a:effectRef>
+          <a:fontRef idx="minor">
+            <a:schemeClr val="lt1"/>
+          </a:fontRef>
+        </p:style>
+        <p:txBody>
+          <a:bodyPr rtlCol="0" anchor="ctr"/>
+          <a:lstStyle/>
+          <a:p>
+            <a:pPr algn="ctr"/>
+            <a:endParaRPr lang="en-US"/>
+          </a:p>
+        </p:txBody>
+      </p:sp>
+      <p:sp>
+        <p:nvSpPr>
+          <p:cNvPr id="110" name="Rounded Rectangle 109"/>
+          <p:cNvSpPr/>
+          <p:nvPr/>
+        </p:nvSpPr>
+        <p:spPr>
+          <a:xfrm>
+            <a:off x="1691680" y="3501008"/>
+            <a:ext cx="3600400" cy="1296144"/>
+          </a:xfrm>
+          <a:prstGeom prst="roundRect">
+            <a:avLst/>
+          </a:prstGeom>
+          <a:solidFill>
+            <a:srgbClr val="EF978F">
+              <a:alpha val="80000"/>
+            </a:srgbClr>
+          </a:solidFill>
+          <a:ln>
+            <a:noFill/>
+          </a:ln>
+          <a:effectLst/>
+        </p:spPr>
+        <p:style>
+          <a:lnRef idx="1">
+            <a:schemeClr val="accent1"/>
+          </a:lnRef>
+          <a:fillRef idx="3">
+            <a:schemeClr val="accent1"/>
+          </a:fillRef>
+          <a:effectRef idx="2">
+            <a:schemeClr val="accent1"/>
+          </a:effectRef>
+          <a:fontRef idx="minor">
+            <a:schemeClr val="lt1"/>
+          </a:fontRef>
+        </p:style>
+        <p:txBody>
+          <a:bodyPr rtlCol="0" anchor="ctr"/>
+          <a:lstStyle/>
+          <a:p>
+            <a:pPr algn="ctr"/>
+            <a:endParaRPr lang="en-US"/>
+          </a:p>
+        </p:txBody>
+      </p:sp>
+      <p:sp>
+        <p:nvSpPr>
+          <p:cNvPr id="95" name="Rounded Rectangle 94"/>
+          <p:cNvSpPr/>
+          <p:nvPr/>
+        </p:nvSpPr>
+        <p:spPr>
+          <a:xfrm>
+            <a:off x="2915816" y="2276872"/>
+            <a:ext cx="5760640" cy="1152128"/>
+          </a:xfrm>
+          <a:prstGeom prst="roundRect">
+            <a:avLst/>
+          </a:prstGeom>
+          <a:solidFill>
+            <a:schemeClr val="accent5">
+              <a:lumMod val="90000"/>
+            </a:schemeClr>
+          </a:solidFill>
+          <a:ln>
+            <a:noFill/>
+          </a:ln>
+          <a:effectLst/>
+        </p:spPr>
+        <p:style>
+          <a:lnRef idx="1">
+            <a:schemeClr val="accent1"/>
+          </a:lnRef>
+          <a:fillRef idx="3">
+            <a:schemeClr val="accent1"/>
+          </a:fillRef>
+          <a:effectRef idx="2">
+            <a:schemeClr val="accent1"/>
+          </a:effectRef>
+          <a:fontRef idx="minor">
+            <a:schemeClr val="lt1"/>
+          </a:fontRef>
+        </p:style>
+        <p:txBody>
+          <a:bodyPr rtlCol="0" anchor="ctr"/>
+          <a:lstStyle/>
+          <a:p>
+            <a:pPr algn="ctr"/>
+            <a:endParaRPr lang="en-US"/>
+          </a:p>
+        </p:txBody>
+      </p:sp>
+      <p:sp>
+        <p:nvSpPr>
           <p:cNvPr id="2" name="Title 1"/>
           <p:cNvSpPr>
             <a:spLocks noGrp="1"/>
@@ -3676,62 +3821,44 @@
       </p:sp>
       <p:sp>
         <p:nvSpPr>
-          <p:cNvPr id="4" name="Oval 3"/>
-          <p:cNvSpPr/>
-          <p:nvPr/>
-        </p:nvSpPr>
-        <p:spPr>
-          <a:xfrm>
-            <a:off x="3438843" y="1844824"/>
-            <a:ext cx="1224136" cy="504056"/>
-          </a:xfrm>
-          <a:prstGeom prst="ellipse">
-            <a:avLst/>
-          </a:prstGeom>
-          <a:solidFill>
-            <a:schemeClr val="bg1">
-              <a:lumMod val="95000"/>
-            </a:schemeClr>
-          </a:solidFill>
-          <a:ln w="25400">
-            <a:solidFill>
-              <a:schemeClr val="tx1"/>
-            </a:solidFill>
-          </a:ln>
-        </p:spPr>
-        <p:style>
-          <a:lnRef idx="1">
-            <a:schemeClr val="accent1"/>
-          </a:lnRef>
-          <a:fillRef idx="3">
-            <a:schemeClr val="accent1"/>
-          </a:fillRef>
-          <a:effectRef idx="2">
-            <a:schemeClr val="accent1"/>
-          </a:effectRef>
-          <a:fontRef idx="minor">
-            <a:schemeClr val="lt1"/>
-          </a:fontRef>
-        </p:style>
-        <p:txBody>
-          <a:bodyPr rtlCol="0" anchor="ctr"/>
-          <a:lstStyle/>
-          <a:p>
-            <a:pPr algn="ctr"/>
-            <a:endParaRPr lang="en-US"/>
-          </a:p>
-        </p:txBody>
-      </p:sp>
-      <p:sp>
-        <p:nvSpPr>
-          <p:cNvPr id="5" name="TextBox 4"/>
+          <p:cNvPr id="54" name="Content Placeholder 4"/>
+          <p:cNvSpPr>
+            <a:spLocks noGrp="1"/>
+          </p:cNvSpPr>
+          <p:nvPr>
+            <p:ph idx="1"/>
+          </p:nvPr>
+        </p:nvSpPr>
+        <p:spPr>
+          <a:xfrm>
+            <a:off x="1526976" y="1052736"/>
+            <a:ext cx="8229600" cy="4525963"/>
+          </a:xfrm>
+        </p:spPr>
+        <p:txBody>
+          <a:bodyPr/>
+          <a:lstStyle/>
+          <a:p>
+            <a:pPr marL="0" indent="0">
+              <a:buNone/>
+            </a:pPr>
+            <a:r>
+              <a:rPr lang="en-US" sz="2200" b="1" dirty="0" smtClean="0"/>
+              <a:t>Structure</a:t>
+            </a:r>
+          </a:p>
+        </p:txBody>
+      </p:sp>
+      <p:sp>
+        <p:nvSpPr>
+          <p:cNvPr id="4" name="TextBox 3"/>
           <p:cNvSpPr txBox="1"/>
           <p:nvPr/>
         </p:nvSpPr>
         <p:spPr>
           <a:xfrm>
-            <a:off x="3582859" y="1916832"/>
-            <a:ext cx="971640" cy="338554"/>
+            <a:off x="5198601" y="2276872"/>
+            <a:ext cx="1016925" cy="338554"/>
           </a:xfrm>
           <a:prstGeom prst="rect">
             <a:avLst/>
@@ -3744,102 +3871,27 @@
           </a:bodyPr>
           <a:lstStyle/>
           <a:p>
+            <a:pPr algn="ctr"/>
             <a:r>
               <a:rPr lang="en-US" sz="1600" b="1" dirty="0" smtClean="0"/>
-              <a:t>scanner</a:t>
-            </a:r>
-            <a:endParaRPr lang="en-US" sz="1600" b="1" dirty="0"/>
-          </a:p>
-        </p:txBody>
-      </p:sp>
-      <p:sp>
-        <p:nvSpPr>
-          <p:cNvPr id="7" name="Oval 6"/>
-          <p:cNvSpPr/>
-          <p:nvPr/>
-        </p:nvSpPr>
-        <p:spPr>
-          <a:xfrm>
-            <a:off x="3438843" y="2852936"/>
-            <a:ext cx="1224136" cy="504056"/>
-          </a:xfrm>
-          <a:prstGeom prst="ellipse">
-            <a:avLst/>
-          </a:prstGeom>
-          <a:solidFill>
-            <a:schemeClr val="bg1">
-              <a:lumMod val="95000"/>
-            </a:schemeClr>
-          </a:solidFill>
-          <a:ln w="25400">
-            <a:solidFill>
-              <a:schemeClr val="tx1"/>
-            </a:solidFill>
-          </a:ln>
-        </p:spPr>
-        <p:style>
-          <a:lnRef idx="1">
-            <a:schemeClr val="accent1"/>
-          </a:lnRef>
-          <a:fillRef idx="3">
-            <a:schemeClr val="accent1"/>
-          </a:fillRef>
-          <a:effectRef idx="2">
-            <a:schemeClr val="accent1"/>
-          </a:effectRef>
-          <a:fontRef idx="minor">
-            <a:schemeClr val="lt1"/>
-          </a:fontRef>
-        </p:style>
-        <p:txBody>
-          <a:bodyPr rtlCol="0" anchor="ctr"/>
-          <a:lstStyle/>
-          <a:p>
-            <a:pPr algn="ctr"/>
-            <a:endParaRPr lang="en-US"/>
-          </a:p>
-        </p:txBody>
-      </p:sp>
-      <p:sp>
-        <p:nvSpPr>
-          <p:cNvPr id="8" name="TextBox 7"/>
-          <p:cNvSpPr txBox="1"/>
-          <p:nvPr/>
-        </p:nvSpPr>
-        <p:spPr>
-          <a:xfrm>
-            <a:off x="3654867" y="2874422"/>
-            <a:ext cx="813043" cy="338554"/>
-          </a:xfrm>
-          <a:prstGeom prst="rect">
-            <a:avLst/>
-          </a:prstGeom>
-          <a:noFill/>
-        </p:spPr>
-        <p:txBody>
-          <a:bodyPr wrap="none" rtlCol="0">
-            <a:spAutoFit/>
-          </a:bodyPr>
-          <a:lstStyle/>
-          <a:p>
-            <a:r>
-              <a:rPr lang="en-US" sz="1600" b="1" dirty="0" smtClean="0"/>
-              <a:t>parser</a:t>
-            </a:r>
-            <a:endParaRPr lang="en-US" sz="1600" b="1" dirty="0"/>
+              <a:t>program</a:t>
+            </a:r>
           </a:p>
         </p:txBody>
       </p:sp>
       <p:cxnSp>
         <p:nvCxnSpPr>
-          <p:cNvPr id="19" name="Straight Connector 18"/>
-          <p:cNvCxnSpPr/>
+          <p:cNvPr id="5" name="Straight Connector 4"/>
+          <p:cNvCxnSpPr>
+            <a:stCxn id="4" idx="2"/>
+            <a:endCxn id="24" idx="0"/>
+          </p:cNvCxnSpPr>
           <p:nvPr/>
         </p:nvCxnSpPr>
         <p:spPr>
-          <a:xfrm>
-            <a:off x="2915816" y="2060849"/>
-            <a:ext cx="523027" cy="0"/>
+          <a:xfrm flipH="1">
+            <a:off x="3736163" y="2615426"/>
+            <a:ext cx="1970901" cy="453534"/>
           </a:xfrm>
           <a:prstGeom prst="line">
             <a:avLst/>
@@ -3868,14 +3920,14 @@
       </p:cxnSp>
       <p:sp>
         <p:nvSpPr>
-          <p:cNvPr id="22" name="TextBox 21"/>
+          <p:cNvPr id="24" name="TextBox 23"/>
           <p:cNvSpPr txBox="1"/>
           <p:nvPr/>
         </p:nvSpPr>
         <p:spPr>
           <a:xfrm>
-            <a:off x="1403648" y="1844824"/>
-            <a:ext cx="1769635" cy="584776"/>
+            <a:off x="3404381" y="3068960"/>
+            <a:ext cx="663563" cy="338554"/>
           </a:xfrm>
           <a:prstGeom prst="rect">
             <a:avLst/>
@@ -3890,30 +3942,23 @@
           <a:p>
             <a:pPr algn="ctr"/>
             <a:r>
-              <a:rPr lang="en-US" sz="1600" b="1" dirty="0" smtClean="0"/>
-              <a:t>program</a:t>
-            </a:r>
-          </a:p>
-          <a:p>
-            <a:pPr algn="ctr"/>
-            <a:r>
-              <a:rPr lang="en-US" sz="1600" b="1" dirty="0" smtClean="0"/>
-              <a:t>(symbol stream)</a:t>
-            </a:r>
-            <a:endParaRPr lang="en-US" sz="1600" b="1" dirty="0"/>
-          </a:p>
-        </p:txBody>
-      </p:sp>
-      <p:sp>
-        <p:nvSpPr>
-          <p:cNvPr id="23" name="TextBox 22"/>
+              <a:rPr lang="en-US" sz="1600" b="1" dirty="0" err="1" smtClean="0"/>
+              <a:t>fdecl</a:t>
+            </a:r>
+            <a:endParaRPr lang="en-US" sz="1600" b="1" dirty="0" smtClean="0"/>
+          </a:p>
+        </p:txBody>
+      </p:sp>
+      <p:sp>
+        <p:nvSpPr>
+          <p:cNvPr id="40" name="TextBox 39"/>
           <p:cNvSpPr txBox="1"/>
           <p:nvPr/>
         </p:nvSpPr>
         <p:spPr>
           <a:xfrm>
-            <a:off x="4014907" y="3429000"/>
-            <a:ext cx="595035" cy="338554"/>
+            <a:off x="4283968" y="3738518"/>
+            <a:ext cx="914633" cy="338554"/>
           </a:xfrm>
           <a:prstGeom prst="rect">
             <a:avLst/>
@@ -3926,244 +3971,28 @@
           </a:bodyPr>
           <a:lstStyle/>
           <a:p>
+            <a:pPr algn="ctr"/>
+            <a:r>
+              <a:rPr lang="en-US" sz="1600" b="1" dirty="0" err="1" smtClean="0"/>
+              <a:t>params</a:t>
+            </a:r>
             <a:r>
               <a:rPr lang="en-US" sz="1600" b="1" dirty="0" smtClean="0"/>
-              <a:t>AST</a:t>
-            </a:r>
-            <a:endParaRPr lang="en-US" sz="1600" b="1" dirty="0"/>
-          </a:p>
-        </p:txBody>
-      </p:sp>
-      <p:sp>
-        <p:nvSpPr>
-          <p:cNvPr id="24" name="Oval 23"/>
-          <p:cNvSpPr/>
-          <p:nvPr/>
-        </p:nvSpPr>
-        <p:spPr>
-          <a:xfrm>
-            <a:off x="3438843" y="3861048"/>
-            <a:ext cx="1224136" cy="504056"/>
-          </a:xfrm>
-          <a:prstGeom prst="ellipse">
-            <a:avLst/>
-          </a:prstGeom>
-          <a:solidFill>
-            <a:schemeClr val="bg1">
-              <a:lumMod val="95000"/>
-            </a:schemeClr>
-          </a:solidFill>
-          <a:ln w="25400">
-            <a:solidFill>
-              <a:schemeClr val="tx1"/>
-            </a:solidFill>
-          </a:ln>
-        </p:spPr>
-        <p:style>
-          <a:lnRef idx="1">
-            <a:schemeClr val="accent1"/>
-          </a:lnRef>
-          <a:fillRef idx="3">
-            <a:schemeClr val="accent1"/>
-          </a:fillRef>
-          <a:effectRef idx="2">
-            <a:schemeClr val="accent1"/>
-          </a:effectRef>
-          <a:fontRef idx="minor">
-            <a:schemeClr val="lt1"/>
-          </a:fontRef>
-        </p:style>
-        <p:txBody>
-          <a:bodyPr rtlCol="0" anchor="ctr"/>
-          <a:lstStyle/>
-          <a:p>
-            <a:pPr algn="ctr"/>
-            <a:endParaRPr lang="en-US"/>
-          </a:p>
-        </p:txBody>
-      </p:sp>
-      <p:sp>
-        <p:nvSpPr>
-          <p:cNvPr id="25" name="TextBox 24"/>
-          <p:cNvSpPr txBox="1"/>
-          <p:nvPr/>
-        </p:nvSpPr>
-        <p:spPr>
-          <a:xfrm>
-            <a:off x="3510851" y="3882534"/>
-            <a:ext cx="1005904" cy="338554"/>
-          </a:xfrm>
-          <a:prstGeom prst="rect">
-            <a:avLst/>
-          </a:prstGeom>
-          <a:noFill/>
-        </p:spPr>
-        <p:txBody>
-          <a:bodyPr wrap="none" rtlCol="0">
-            <a:spAutoFit/>
-          </a:bodyPr>
-          <a:lstStyle/>
-          <a:p>
-            <a:r>
-              <a:rPr lang="en-US" sz="1600" b="1" dirty="0"/>
-              <a:t>a</a:t>
-            </a:r>
-            <a:r>
-              <a:rPr lang="en-US" sz="1600" b="1" dirty="0" smtClean="0"/>
-              <a:t>nalyzer</a:t>
-            </a:r>
-            <a:endParaRPr lang="en-US" sz="1600" b="1" dirty="0"/>
-          </a:p>
-        </p:txBody>
-      </p:sp>
-      <p:sp>
-        <p:nvSpPr>
-          <p:cNvPr id="27" name="TextBox 26"/>
-          <p:cNvSpPr txBox="1"/>
-          <p:nvPr/>
-        </p:nvSpPr>
-        <p:spPr>
-          <a:xfrm>
-            <a:off x="4014907" y="4437112"/>
-            <a:ext cx="736099" cy="338554"/>
-          </a:xfrm>
-          <a:prstGeom prst="rect">
-            <a:avLst/>
-          </a:prstGeom>
-          <a:noFill/>
-        </p:spPr>
-        <p:txBody>
-          <a:bodyPr wrap="none" rtlCol="0">
-            <a:spAutoFit/>
-          </a:bodyPr>
-          <a:lstStyle/>
-          <a:p>
-            <a:r>
-              <a:rPr lang="en-US" sz="1600" b="1" dirty="0" smtClean="0"/>
-              <a:t>SAST</a:t>
-            </a:r>
-            <a:endParaRPr lang="en-US" sz="1600" b="1" dirty="0"/>
-          </a:p>
-        </p:txBody>
-      </p:sp>
-      <p:sp>
-        <p:nvSpPr>
-          <p:cNvPr id="28" name="TextBox 27"/>
-          <p:cNvSpPr txBox="1"/>
-          <p:nvPr/>
-        </p:nvSpPr>
-        <p:spPr>
-          <a:xfrm>
-            <a:off x="3993208" y="2370366"/>
-            <a:ext cx="1461859" cy="338554"/>
-          </a:xfrm>
-          <a:prstGeom prst="rect">
-            <a:avLst/>
-          </a:prstGeom>
-          <a:noFill/>
-        </p:spPr>
-        <p:txBody>
-          <a:bodyPr wrap="none" rtlCol="0">
-            <a:spAutoFit/>
-          </a:bodyPr>
-          <a:lstStyle/>
-          <a:p>
-            <a:r>
-              <a:rPr lang="en-US" sz="1600" b="1" dirty="0" smtClean="0"/>
-              <a:t>token stream</a:t>
-            </a:r>
-            <a:endParaRPr lang="en-US" sz="1600" b="1" dirty="0"/>
-          </a:p>
-        </p:txBody>
-      </p:sp>
-      <p:sp>
-        <p:nvSpPr>
-          <p:cNvPr id="30" name="Oval 29"/>
-          <p:cNvSpPr/>
-          <p:nvPr/>
-        </p:nvSpPr>
-        <p:spPr>
-          <a:xfrm>
-            <a:off x="3438843" y="4869160"/>
-            <a:ext cx="1224136" cy="504056"/>
-          </a:xfrm>
-          <a:prstGeom prst="ellipse">
-            <a:avLst/>
-          </a:prstGeom>
-          <a:solidFill>
-            <a:schemeClr val="bg1">
-              <a:lumMod val="95000"/>
-            </a:schemeClr>
-          </a:solidFill>
-          <a:ln w="25400">
-            <a:solidFill>
-              <a:schemeClr val="tx1"/>
-            </a:solidFill>
-          </a:ln>
-        </p:spPr>
-        <p:style>
-          <a:lnRef idx="1">
-            <a:schemeClr val="accent1"/>
-          </a:lnRef>
-          <a:fillRef idx="3">
-            <a:schemeClr val="accent1"/>
-          </a:fillRef>
-          <a:effectRef idx="2">
-            <a:schemeClr val="accent1"/>
-          </a:effectRef>
-          <a:fontRef idx="minor">
-            <a:schemeClr val="lt1"/>
-          </a:fontRef>
-        </p:style>
-        <p:txBody>
-          <a:bodyPr rtlCol="0" anchor="ctr"/>
-          <a:lstStyle/>
-          <a:p>
-            <a:pPr algn="ctr"/>
-            <a:endParaRPr lang="en-US"/>
-          </a:p>
-        </p:txBody>
-      </p:sp>
-      <p:sp>
-        <p:nvSpPr>
-          <p:cNvPr id="31" name="TextBox 30"/>
-          <p:cNvSpPr txBox="1"/>
-          <p:nvPr/>
-        </p:nvSpPr>
-        <p:spPr>
-          <a:xfrm>
-            <a:off x="3510851" y="4890646"/>
-            <a:ext cx="1133644" cy="338554"/>
-          </a:xfrm>
-          <a:prstGeom prst="rect">
-            <a:avLst/>
-          </a:prstGeom>
-          <a:noFill/>
-        </p:spPr>
-        <p:txBody>
-          <a:bodyPr wrap="none" rtlCol="0">
-            <a:spAutoFit/>
-          </a:bodyPr>
-          <a:lstStyle/>
-          <a:p>
-            <a:r>
-              <a:rPr lang="en-US" sz="1600" b="1" dirty="0" smtClean="0"/>
-              <a:t>generator</a:t>
-            </a:r>
-            <a:endParaRPr lang="en-US" sz="1600" b="1" dirty="0"/>
+              <a:t> </a:t>
+            </a:r>
           </a:p>
         </p:txBody>
       </p:sp>
       <p:cxnSp>
         <p:nvCxnSpPr>
-          <p:cNvPr id="32" name="Straight Connector 31"/>
+          <p:cNvPr id="41" name="Straight Connector 40"/>
           <p:cNvCxnSpPr/>
           <p:nvPr/>
         </p:nvCxnSpPr>
         <p:spPr>
-          <a:xfrm>
-            <a:off x="4014907" y="4365104"/>
-            <a:ext cx="0" cy="504056"/>
+          <a:xfrm flipH="1">
+            <a:off x="2915816" y="3530044"/>
+            <a:ext cx="763830" cy="93494"/>
           </a:xfrm>
           <a:prstGeom prst="line">
             <a:avLst/>
@@ -4190,16 +4019,46 @@
           </a:fontRef>
         </p:style>
       </p:cxnSp>
+      <p:sp>
+        <p:nvSpPr>
+          <p:cNvPr id="42" name="TextBox 41"/>
+          <p:cNvSpPr txBox="1"/>
+          <p:nvPr/>
+        </p:nvSpPr>
+        <p:spPr>
+          <a:xfrm>
+            <a:off x="2195146" y="3429000"/>
+            <a:ext cx="720670" cy="338554"/>
+          </a:xfrm>
+          <a:prstGeom prst="rect">
+            <a:avLst/>
+          </a:prstGeom>
+          <a:noFill/>
+        </p:spPr>
+        <p:txBody>
+          <a:bodyPr wrap="none" rtlCol="0">
+            <a:spAutoFit/>
+          </a:bodyPr>
+          <a:lstStyle/>
+          <a:p>
+            <a:pPr algn="ctr"/>
+            <a:r>
+              <a:rPr lang="en-US" sz="1600" b="1" dirty="0" smtClean="0"/>
+              <a:t>name</a:t>
+            </a:r>
+          </a:p>
+        </p:txBody>
+      </p:sp>
       <p:cxnSp>
         <p:nvCxnSpPr>
-          <p:cNvPr id="35" name="Straight Connector 34"/>
+          <p:cNvPr id="43" name="Straight Connector 42"/>
           <p:cNvCxnSpPr/>
           <p:nvPr/>
         </p:nvCxnSpPr>
         <p:spPr>
-          <a:xfrm>
-            <a:off x="4014907" y="2348880"/>
-            <a:ext cx="0" cy="504056"/>
+          <a:xfrm flipH="1">
+            <a:off x="3059832" y="3530044"/>
+            <a:ext cx="619814" cy="381526"/>
           </a:xfrm>
           <a:prstGeom prst="line">
             <a:avLst/>
@@ -4226,16 +4085,46 @@
           </a:fontRef>
         </p:style>
       </p:cxnSp>
+      <p:sp>
+        <p:nvSpPr>
+          <p:cNvPr id="44" name="TextBox 43"/>
+          <p:cNvSpPr txBox="1"/>
+          <p:nvPr/>
+        </p:nvSpPr>
+        <p:spPr>
+          <a:xfrm>
+            <a:off x="1691680" y="3717032"/>
+            <a:ext cx="1370487" cy="338554"/>
+          </a:xfrm>
+          <a:prstGeom prst="rect">
+            <a:avLst/>
+          </a:prstGeom>
+          <a:noFill/>
+        </p:spPr>
+        <p:txBody>
+          <a:bodyPr wrap="none" rtlCol="0">
+            <a:spAutoFit/>
+          </a:bodyPr>
+          <a:lstStyle/>
+          <a:p>
+            <a:pPr algn="ctr"/>
+            <a:r>
+              <a:rPr lang="en-US" sz="1600" b="1" dirty="0" smtClean="0"/>
+              <a:t>return name</a:t>
+            </a:r>
+          </a:p>
+        </p:txBody>
+      </p:sp>
       <p:cxnSp>
         <p:nvCxnSpPr>
-          <p:cNvPr id="36" name="Straight Connector 35"/>
+          <p:cNvPr id="45" name="Straight Connector 44"/>
           <p:cNvCxnSpPr/>
           <p:nvPr/>
         </p:nvCxnSpPr>
         <p:spPr>
-          <a:xfrm>
-            <a:off x="4014907" y="3356992"/>
-            <a:ext cx="0" cy="504056"/>
+          <a:xfrm flipH="1">
+            <a:off x="3347864" y="3530044"/>
+            <a:ext cx="331782" cy="525542"/>
           </a:xfrm>
           <a:prstGeom prst="line">
             <a:avLst/>
@@ -4262,16 +4151,78 @@
           </a:fontRef>
         </p:style>
       </p:cxnSp>
+      <p:sp>
+        <p:nvSpPr>
+          <p:cNvPr id="46" name="TextBox 45"/>
+          <p:cNvSpPr txBox="1"/>
+          <p:nvPr/>
+        </p:nvSpPr>
+        <p:spPr>
+          <a:xfrm>
+            <a:off x="2163498" y="4005064"/>
+            <a:ext cx="1256374" cy="338554"/>
+          </a:xfrm>
+          <a:prstGeom prst="rect">
+            <a:avLst/>
+          </a:prstGeom>
+          <a:noFill/>
+        </p:spPr>
+        <p:txBody>
+          <a:bodyPr wrap="none" rtlCol="0">
+            <a:spAutoFit/>
+          </a:bodyPr>
+          <a:lstStyle/>
+          <a:p>
+            <a:pPr algn="ctr"/>
+            <a:r>
+              <a:rPr lang="en-US" sz="1600" b="1" dirty="0" smtClean="0"/>
+              <a:t>return type</a:t>
+            </a:r>
+          </a:p>
+        </p:txBody>
+      </p:sp>
+      <p:sp>
+        <p:nvSpPr>
+          <p:cNvPr id="47" name="TextBox 46"/>
+          <p:cNvSpPr txBox="1"/>
+          <p:nvPr/>
+        </p:nvSpPr>
+        <p:spPr>
+          <a:xfrm>
+            <a:off x="3851920" y="4034100"/>
+            <a:ext cx="766356" cy="338554"/>
+          </a:xfrm>
+          <a:prstGeom prst="rect">
+            <a:avLst/>
+          </a:prstGeom>
+          <a:noFill/>
+        </p:spPr>
+        <p:txBody>
+          <a:bodyPr wrap="none" rtlCol="0">
+            <a:spAutoFit/>
+          </a:bodyPr>
+          <a:lstStyle/>
+          <a:p>
+            <a:pPr algn="ctr"/>
+            <a:r>
+              <a:rPr lang="en-US" sz="1600" b="1" dirty="0" smtClean="0"/>
+              <a:t>locals</a:t>
+            </a:r>
+          </a:p>
+        </p:txBody>
+      </p:sp>
       <p:cxnSp>
         <p:nvCxnSpPr>
-          <p:cNvPr id="39" name="Straight Connector 38"/>
-          <p:cNvCxnSpPr/>
+          <p:cNvPr id="48" name="Straight Connector 47"/>
+          <p:cNvCxnSpPr>
+            <a:endCxn id="40" idx="1"/>
+          </p:cNvCxnSpPr>
           <p:nvPr/>
         </p:nvCxnSpPr>
         <p:spPr>
           <a:xfrm>
-            <a:off x="4662979" y="5085184"/>
-            <a:ext cx="917133" cy="0"/>
+            <a:off x="3707904" y="3530044"/>
+            <a:ext cx="576064" cy="377751"/>
           </a:xfrm>
           <a:prstGeom prst="line">
             <a:avLst/>
@@ -4300,14 +4251,14 @@
       </p:cxnSp>
       <p:sp>
         <p:nvSpPr>
-          <p:cNvPr id="41" name="TextBox 40"/>
+          <p:cNvPr id="52" name="TextBox 51"/>
           <p:cNvSpPr txBox="1"/>
           <p:nvPr/>
         </p:nvSpPr>
         <p:spPr>
           <a:xfrm>
-            <a:off x="4644008" y="4725144"/>
-            <a:ext cx="903513" cy="338554"/>
+            <a:off x="3383141" y="4314582"/>
+            <a:ext cx="684803" cy="338554"/>
           </a:xfrm>
           <a:prstGeom prst="rect">
             <a:avLst/>
@@ -4320,110 +4271,24 @@
           </a:bodyPr>
           <a:lstStyle/>
           <a:p>
-            <a:r>
-              <a:rPr lang="en-US" sz="1600" b="1" dirty="0" err="1" smtClean="0"/>
-              <a:t>c++</a:t>
-            </a:r>
+            <a:pPr algn="ctr"/>
             <a:r>
               <a:rPr lang="en-US" sz="1600" b="1" dirty="0" smtClean="0"/>
-              <a:t> </a:t>
-            </a:r>
-            <a:r>
-              <a:rPr lang="en-US" sz="1600" b="1" dirty="0" err="1" smtClean="0"/>
-              <a:t>src</a:t>
-            </a:r>
-            <a:endParaRPr lang="en-US" sz="1600" b="1" dirty="0"/>
-          </a:p>
-        </p:txBody>
-      </p:sp>
-      <p:sp>
-        <p:nvSpPr>
-          <p:cNvPr id="44" name="Oval 43"/>
-          <p:cNvSpPr/>
-          <p:nvPr/>
-        </p:nvSpPr>
-        <p:spPr>
-          <a:xfrm>
-            <a:off x="5671091" y="4797152"/>
-            <a:ext cx="1224136" cy="504056"/>
-          </a:xfrm>
-          <a:prstGeom prst="ellipse">
-            <a:avLst/>
-          </a:prstGeom>
-          <a:solidFill>
-            <a:schemeClr val="bg1">
-              <a:lumMod val="95000"/>
-            </a:schemeClr>
-          </a:solidFill>
-          <a:ln w="25400">
-            <a:solidFill>
-              <a:schemeClr val="tx1"/>
-            </a:solidFill>
-          </a:ln>
-        </p:spPr>
-        <p:style>
-          <a:lnRef idx="1">
-            <a:schemeClr val="accent1"/>
-          </a:lnRef>
-          <a:fillRef idx="3">
-            <a:schemeClr val="accent1"/>
-          </a:fillRef>
-          <a:effectRef idx="2">
-            <a:schemeClr val="accent1"/>
-          </a:effectRef>
-          <a:fontRef idx="minor">
-            <a:schemeClr val="lt1"/>
-          </a:fontRef>
-        </p:style>
-        <p:txBody>
-          <a:bodyPr rtlCol="0" anchor="ctr"/>
-          <a:lstStyle/>
-          <a:p>
-            <a:pPr algn="ctr"/>
-            <a:endParaRPr lang="en-US"/>
-          </a:p>
-        </p:txBody>
-      </p:sp>
-      <p:sp>
-        <p:nvSpPr>
-          <p:cNvPr id="45" name="TextBox 44"/>
-          <p:cNvSpPr txBox="1"/>
-          <p:nvPr/>
-        </p:nvSpPr>
-        <p:spPr>
-          <a:xfrm>
-            <a:off x="5959123" y="4869160"/>
-            <a:ext cx="549650" cy="338554"/>
-          </a:xfrm>
-          <a:prstGeom prst="rect">
-            <a:avLst/>
-          </a:prstGeom>
-          <a:noFill/>
-        </p:spPr>
-        <p:txBody>
-          <a:bodyPr wrap="none" rtlCol="0">
-            <a:spAutoFit/>
-          </a:bodyPr>
-          <a:lstStyle/>
-          <a:p>
-            <a:r>
-              <a:rPr lang="en-US" sz="1600" b="1" dirty="0" smtClean="0"/>
-              <a:t>g++</a:t>
-            </a:r>
-            <a:endParaRPr lang="en-US" sz="1600" b="1" dirty="0"/>
+              <a:t>body</a:t>
+            </a:r>
           </a:p>
         </p:txBody>
       </p:sp>
       <p:cxnSp>
         <p:nvCxnSpPr>
-          <p:cNvPr id="48" name="Straight Connector 47"/>
+          <p:cNvPr id="53" name="Straight Connector 52"/>
           <p:cNvCxnSpPr/>
           <p:nvPr/>
         </p:nvCxnSpPr>
         <p:spPr>
           <a:xfrm>
-            <a:off x="6247155" y="4293096"/>
-            <a:ext cx="0" cy="504056"/>
+            <a:off x="3707904" y="3530044"/>
+            <a:ext cx="288032" cy="432048"/>
           </a:xfrm>
           <a:prstGeom prst="line">
             <a:avLst/>
@@ -4450,91 +4315,16 @@
           </a:fontRef>
         </p:style>
       </p:cxnSp>
-      <p:sp>
-        <p:nvSpPr>
-          <p:cNvPr id="49" name="TextBox 48"/>
-          <p:cNvSpPr txBox="1"/>
-          <p:nvPr/>
-        </p:nvSpPr>
-        <p:spPr>
-          <a:xfrm>
-            <a:off x="5743099" y="3462099"/>
-            <a:ext cx="1039668" cy="830997"/>
-          </a:xfrm>
-          <a:prstGeom prst="rect">
-            <a:avLst/>
-          </a:prstGeom>
-          <a:noFill/>
-        </p:spPr>
-        <p:txBody>
-          <a:bodyPr wrap="none" rtlCol="0">
-            <a:spAutoFit/>
-          </a:bodyPr>
-          <a:lstStyle/>
-          <a:p>
-            <a:pPr algn="ctr"/>
-            <a:r>
-              <a:rPr lang="en-US" sz="1600" b="1" dirty="0" smtClean="0"/>
-              <a:t>qlang lib</a:t>
-            </a:r>
-          </a:p>
-          <a:p>
-            <a:pPr algn="ctr"/>
-            <a:r>
-              <a:rPr lang="en-US" sz="1600" b="1" dirty="0" smtClean="0"/>
-              <a:t>Eigen lib</a:t>
-            </a:r>
-          </a:p>
-          <a:p>
-            <a:pPr algn="ctr"/>
-            <a:r>
-              <a:rPr lang="en-US" sz="1600" b="1" dirty="0" smtClean="0"/>
-              <a:t>libc++</a:t>
-            </a:r>
-            <a:endParaRPr lang="en-US" sz="1600" b="1" dirty="0"/>
-          </a:p>
-        </p:txBody>
-      </p:sp>
-      <p:sp>
-        <p:nvSpPr>
-          <p:cNvPr id="51" name="TextBox 50"/>
-          <p:cNvSpPr txBox="1"/>
-          <p:nvPr/>
-        </p:nvSpPr>
-        <p:spPr>
-          <a:xfrm>
-            <a:off x="7740352" y="4797152"/>
-            <a:ext cx="1245353" cy="338554"/>
-          </a:xfrm>
-          <a:prstGeom prst="rect">
-            <a:avLst/>
-          </a:prstGeom>
-          <a:noFill/>
-        </p:spPr>
-        <p:txBody>
-          <a:bodyPr wrap="none" rtlCol="0">
-            <a:spAutoFit/>
-          </a:bodyPr>
-          <a:lstStyle/>
-          <a:p>
-            <a:r>
-              <a:rPr lang="en-US" sz="1600" b="1" dirty="0" smtClean="0"/>
-              <a:t>executable</a:t>
-            </a:r>
-            <a:endParaRPr lang="en-US" sz="1600" b="1" dirty="0"/>
-          </a:p>
-        </p:txBody>
-      </p:sp>
       <p:cxnSp>
         <p:nvCxnSpPr>
-          <p:cNvPr id="53" name="Straight Connector 52"/>
+          <p:cNvPr id="58" name="Straight Connector 57"/>
           <p:cNvCxnSpPr/>
           <p:nvPr/>
         </p:nvCxnSpPr>
         <p:spPr>
-          <a:xfrm>
-            <a:off x="6876256" y="5013176"/>
-            <a:ext cx="917133" cy="0"/>
+          <a:xfrm flipH="1">
+            <a:off x="3707904" y="3530044"/>
+            <a:ext cx="1" cy="792088"/>
           </a:xfrm>
           <a:prstGeom prst="line">
             <a:avLst/>
@@ -4561,41 +4351,353 @@
           </a:fontRef>
         </p:style>
       </p:cxnSp>
-      <p:sp>
-        <p:nvSpPr>
-          <p:cNvPr id="54" name="Content Placeholder 4"/>
-          <p:cNvSpPr>
-            <a:spLocks noGrp="1"/>
-          </p:cNvSpPr>
-          <p:nvPr>
-            <p:ph idx="1"/>
-          </p:nvPr>
-        </p:nvSpPr>
-        <p:spPr>
-          <a:xfrm>
-            <a:off x="1526976" y="1052736"/>
-            <a:ext cx="8229600" cy="4525963"/>
-          </a:xfrm>
-        </p:spPr>
-        <p:txBody>
-          <a:bodyPr/>
-          <a:lstStyle/>
-          <a:p>
-            <a:pPr marL="0" indent="0">
-              <a:buNone/>
-            </a:pPr>
-            <a:r>
-              <a:rPr lang="en-US" sz="2400" b="1" dirty="0" smtClean="0"/>
-              <a:t>Compilation</a:t>
-            </a:r>
-            <a:endParaRPr lang="en-US" sz="2400" b="1" dirty="0"/>
+      <p:cxnSp>
+        <p:nvCxnSpPr>
+          <p:cNvPr id="63" name="Straight Connector 62"/>
+          <p:cNvCxnSpPr>
+            <a:endCxn id="67" idx="1"/>
+          </p:cNvCxnSpPr>
+          <p:nvPr/>
+        </p:nvCxnSpPr>
+        <p:spPr>
+          <a:xfrm>
+            <a:off x="3707904" y="3530044"/>
+            <a:ext cx="648072" cy="68233"/>
+          </a:xfrm>
+          <a:prstGeom prst="line">
+            <a:avLst/>
+          </a:prstGeom>
+          <a:ln>
+            <a:solidFill>
+              <a:schemeClr val="tx1"/>
+            </a:solidFill>
+            <a:tailEnd type="triangle" w="lg" len="med"/>
+          </a:ln>
+        </p:spPr>
+        <p:style>
+          <a:lnRef idx="2">
+            <a:schemeClr val="accent1"/>
+          </a:lnRef>
+          <a:fillRef idx="0">
+            <a:schemeClr val="accent1"/>
+          </a:fillRef>
+          <a:effectRef idx="1">
+            <a:schemeClr val="accent1"/>
+          </a:effectRef>
+          <a:fontRef idx="minor">
+            <a:schemeClr val="tx1"/>
+          </a:fontRef>
+        </p:style>
+      </p:cxnSp>
+      <p:sp>
+        <p:nvSpPr>
+          <p:cNvPr id="67" name="TextBox 66"/>
+          <p:cNvSpPr txBox="1"/>
+          <p:nvPr/>
+        </p:nvSpPr>
+        <p:spPr>
+          <a:xfrm>
+            <a:off x="4355976" y="3429000"/>
+            <a:ext cx="800019" cy="338554"/>
+          </a:xfrm>
+          <a:prstGeom prst="rect">
+            <a:avLst/>
+          </a:prstGeom>
+          <a:noFill/>
+        </p:spPr>
+        <p:txBody>
+          <a:bodyPr wrap="none" rtlCol="0">
+            <a:spAutoFit/>
+          </a:bodyPr>
+          <a:lstStyle/>
+          <a:p>
+            <a:pPr algn="ctr"/>
+            <a:r>
+              <a:rPr lang="en-US" sz="1600" b="1" dirty="0" err="1" smtClean="0"/>
+              <a:t>builtin</a:t>
+            </a:r>
+            <a:endParaRPr lang="en-US" sz="1600" b="1" dirty="0" smtClean="0"/>
+          </a:p>
+        </p:txBody>
+      </p:sp>
+      <p:cxnSp>
+        <p:nvCxnSpPr>
+          <p:cNvPr id="79" name="Straight Connector 78"/>
+          <p:cNvCxnSpPr>
+            <a:stCxn id="4" idx="2"/>
+            <a:endCxn id="80" idx="0"/>
+          </p:cNvCxnSpPr>
+          <p:nvPr/>
+        </p:nvCxnSpPr>
+        <p:spPr>
+          <a:xfrm>
+            <a:off x="5707064" y="2615426"/>
+            <a:ext cx="2256100" cy="453534"/>
+          </a:xfrm>
+          <a:prstGeom prst="line">
+            <a:avLst/>
+          </a:prstGeom>
+          <a:ln>
+            <a:solidFill>
+              <a:schemeClr val="tx1"/>
+            </a:solidFill>
+            <a:tailEnd type="triangle" w="lg" len="med"/>
+          </a:ln>
+        </p:spPr>
+        <p:style>
+          <a:lnRef idx="2">
+            <a:schemeClr val="accent1"/>
+          </a:lnRef>
+          <a:fillRef idx="0">
+            <a:schemeClr val="accent1"/>
+          </a:fillRef>
+          <a:effectRef idx="1">
+            <a:schemeClr val="accent1"/>
+          </a:effectRef>
+          <a:fontRef idx="minor">
+            <a:schemeClr val="tx1"/>
+          </a:fontRef>
+        </p:style>
+      </p:cxnSp>
+      <p:sp>
+        <p:nvSpPr>
+          <p:cNvPr id="80" name="TextBox 79"/>
+          <p:cNvSpPr txBox="1"/>
+          <p:nvPr/>
+        </p:nvSpPr>
+        <p:spPr>
+          <a:xfrm>
+            <a:off x="7631382" y="3068960"/>
+            <a:ext cx="663563" cy="338554"/>
+          </a:xfrm>
+          <a:prstGeom prst="rect">
+            <a:avLst/>
+          </a:prstGeom>
+          <a:noFill/>
+        </p:spPr>
+        <p:txBody>
+          <a:bodyPr wrap="none" rtlCol="0">
+            <a:spAutoFit/>
+          </a:bodyPr>
+          <a:lstStyle/>
+          <a:p>
+            <a:pPr algn="ctr"/>
+            <a:r>
+              <a:rPr lang="en-US" sz="1600" b="1" dirty="0" err="1" smtClean="0"/>
+              <a:t>fdecl</a:t>
+            </a:r>
+            <a:endParaRPr lang="en-US" sz="1600" b="1" dirty="0" smtClean="0"/>
+          </a:p>
+        </p:txBody>
+      </p:sp>
+      <p:sp>
+        <p:nvSpPr>
+          <p:cNvPr id="86" name="TextBox 85"/>
+          <p:cNvSpPr txBox="1"/>
+          <p:nvPr/>
+        </p:nvSpPr>
+        <p:spPr>
+          <a:xfrm>
+            <a:off x="5342617" y="3068960"/>
+            <a:ext cx="663563" cy="338554"/>
+          </a:xfrm>
+          <a:prstGeom prst="rect">
+            <a:avLst/>
+          </a:prstGeom>
+          <a:noFill/>
+        </p:spPr>
+        <p:txBody>
+          <a:bodyPr wrap="none" rtlCol="0">
+            <a:spAutoFit/>
+          </a:bodyPr>
+          <a:lstStyle/>
+          <a:p>
+            <a:pPr algn="ctr"/>
+            <a:r>
+              <a:rPr lang="en-US" sz="1600" b="1" dirty="0" err="1" smtClean="0"/>
+              <a:t>fdecl</a:t>
+            </a:r>
+            <a:endParaRPr lang="en-US" sz="1600" b="1" dirty="0" smtClean="0"/>
+          </a:p>
+        </p:txBody>
+      </p:sp>
+      <p:cxnSp>
+        <p:nvCxnSpPr>
+          <p:cNvPr id="87" name="Straight Connector 86"/>
+          <p:cNvCxnSpPr>
+            <a:stCxn id="4" idx="2"/>
+          </p:cNvCxnSpPr>
+          <p:nvPr/>
+        </p:nvCxnSpPr>
+        <p:spPr>
+          <a:xfrm flipH="1">
+            <a:off x="5702657" y="2615426"/>
+            <a:ext cx="4407" cy="502920"/>
+          </a:xfrm>
+          <a:prstGeom prst="line">
+            <a:avLst/>
+          </a:prstGeom>
+          <a:ln>
+            <a:solidFill>
+              <a:schemeClr val="tx1"/>
+            </a:solidFill>
+            <a:tailEnd type="triangle" w="lg" len="med"/>
+          </a:ln>
+        </p:spPr>
+        <p:style>
+          <a:lnRef idx="2">
+            <a:schemeClr val="accent1"/>
+          </a:lnRef>
+          <a:fillRef idx="0">
+            <a:schemeClr val="accent1"/>
+          </a:fillRef>
+          <a:effectRef idx="1">
+            <a:schemeClr val="accent1"/>
+          </a:effectRef>
+          <a:fontRef idx="minor">
+            <a:schemeClr val="tx1"/>
+          </a:fontRef>
+        </p:style>
+      </p:cxnSp>
+      <p:sp>
+        <p:nvSpPr>
+          <p:cNvPr id="111" name="TextBox 110"/>
+          <p:cNvSpPr txBox="1"/>
+          <p:nvPr/>
+        </p:nvSpPr>
+        <p:spPr>
+          <a:xfrm>
+            <a:off x="3158266" y="1969095"/>
+            <a:ext cx="1107895" cy="338554"/>
+          </a:xfrm>
+          <a:prstGeom prst="rect">
+            <a:avLst/>
+          </a:prstGeom>
+          <a:noFill/>
+        </p:spPr>
+        <p:txBody>
+          <a:bodyPr wrap="none" rtlCol="0">
+            <a:spAutoFit/>
+          </a:bodyPr>
+          <a:lstStyle/>
+          <a:p>
+            <a:pPr algn="ctr"/>
+            <a:r>
+              <a:rPr lang="en-US" sz="1600" b="1" dirty="0" smtClean="0"/>
+              <a:t>functions</a:t>
+            </a:r>
+          </a:p>
+        </p:txBody>
+      </p:sp>
+      <p:sp>
+        <p:nvSpPr>
+          <p:cNvPr id="112" name="TextBox 111"/>
+          <p:cNvSpPr txBox="1"/>
+          <p:nvPr/>
+        </p:nvSpPr>
+        <p:spPr>
+          <a:xfrm>
+            <a:off x="1847070" y="3193231"/>
+            <a:ext cx="777677" cy="338554"/>
+          </a:xfrm>
+          <a:prstGeom prst="rect">
+            <a:avLst/>
+          </a:prstGeom>
+          <a:noFill/>
+        </p:spPr>
+        <p:txBody>
+          <a:bodyPr wrap="none" rtlCol="0">
+            <a:spAutoFit/>
+          </a:bodyPr>
+          <a:lstStyle/>
+          <a:p>
+            <a:pPr algn="ctr"/>
+            <a:r>
+              <a:rPr lang="en-US" sz="1600" b="1" dirty="0" smtClean="0"/>
+              <a:t>scope</a:t>
+            </a:r>
+          </a:p>
+        </p:txBody>
+      </p:sp>
+      <p:sp>
+        <p:nvSpPr>
+          <p:cNvPr id="115" name="TextBox 114"/>
+          <p:cNvSpPr txBox="1"/>
+          <p:nvPr/>
+        </p:nvSpPr>
+        <p:spPr>
+          <a:xfrm>
+            <a:off x="2051720" y="1628800"/>
+            <a:ext cx="1438715" cy="338554"/>
+          </a:xfrm>
+          <a:prstGeom prst="rect">
+            <a:avLst/>
+          </a:prstGeom>
+          <a:noFill/>
+        </p:spPr>
+        <p:txBody>
+          <a:bodyPr wrap="none" rtlCol="0">
+            <a:spAutoFit/>
+          </a:bodyPr>
+          <a:lstStyle/>
+          <a:p>
+            <a:pPr algn="ctr"/>
+            <a:r>
+              <a:rPr lang="en-US" sz="1600" b="1" dirty="0" smtClean="0"/>
+              <a:t>Environment</a:t>
+            </a:r>
+          </a:p>
+        </p:txBody>
+      </p:sp>
+      <p:sp>
+        <p:nvSpPr>
+          <p:cNvPr id="116" name="Rectangle 115"/>
+          <p:cNvSpPr/>
+          <p:nvPr/>
+        </p:nvSpPr>
+        <p:spPr>
+          <a:xfrm>
+            <a:off x="5364088" y="3501008"/>
+            <a:ext cx="3528392" cy="1512168"/>
+          </a:xfrm>
+          <a:prstGeom prst="rect">
+            <a:avLst/>
+          </a:prstGeom>
+          <a:solidFill>
+            <a:schemeClr val="bg1"/>
+          </a:solidFill>
+          <a:ln>
+            <a:noFill/>
+          </a:ln>
+          <a:effectLst/>
+        </p:spPr>
+        <p:style>
+          <a:lnRef idx="1">
+            <a:schemeClr val="accent1"/>
+          </a:lnRef>
+          <a:fillRef idx="3">
+            <a:schemeClr val="accent1"/>
+          </a:fillRef>
+          <a:effectRef idx="2">
+            <a:schemeClr val="accent1"/>
+          </a:effectRef>
+          <a:fontRef idx="minor">
+            <a:schemeClr val="lt1"/>
+          </a:fontRef>
+        </p:style>
+        <p:txBody>
+          <a:bodyPr rtlCol="0" anchor="ctr"/>
+          <a:lstStyle/>
+          <a:p>
+            <a:pPr algn="ctr"/>
+            <a:endParaRPr lang="en-US"/>
           </a:p>
         </p:txBody>
       </p:sp>
     </p:spTree>
     <p:extLst>
       <p:ext uri="{BB962C8B-B14F-4D97-AF65-F5344CB8AC3E}">
-        <p14:creationId xmlns:p14="http://schemas.microsoft.com/office/powerpoint/2010/main" val="2721382723"/>
+        <p14:creationId xmlns:p14="http://schemas.microsoft.com/office/powerpoint/2010/main" val="2617038298"/>
       </p:ext>
     </p:extLst>
   </p:cSld>
@@ -4624,61 +4726,14 @@
       </p:grpSpPr>
       <p:sp>
         <p:nvSpPr>
-          <p:cNvPr id="113" name="Rounded Rectangle 112"/>
+          <p:cNvPr id="95" name="Rounded Rectangle 94"/>
           <p:cNvSpPr/>
           <p:nvPr/>
         </p:nvSpPr>
         <p:spPr>
           <a:xfrm>
-            <a:off x="1547664" y="1916832"/>
-            <a:ext cx="7200800" cy="3024336"/>
-          </a:xfrm>
-          <a:prstGeom prst="roundRect">
-            <a:avLst/>
-          </a:prstGeom>
-          <a:solidFill>
-            <a:schemeClr val="bg1">
-              <a:lumMod val="85000"/>
-            </a:schemeClr>
-          </a:solidFill>
-          <a:ln>
-            <a:noFill/>
-          </a:ln>
-          <a:effectLst/>
-        </p:spPr>
-        <p:style>
-          <a:lnRef idx="1">
-            <a:schemeClr val="accent1"/>
-          </a:lnRef>
-          <a:fillRef idx="3">
-            <a:schemeClr val="accent1"/>
-          </a:fillRef>
-          <a:effectRef idx="2">
-            <a:schemeClr val="accent1"/>
-          </a:effectRef>
-          <a:fontRef idx="minor">
-            <a:schemeClr val="lt1"/>
-          </a:fontRef>
-        </p:style>
-        <p:txBody>
-          <a:bodyPr rtlCol="0" anchor="ctr"/>
-          <a:lstStyle/>
-          <a:p>
-            <a:pPr algn="ctr"/>
-            <a:endParaRPr lang="en-US"/>
-          </a:p>
-        </p:txBody>
-      </p:sp>
-      <p:sp>
-        <p:nvSpPr>
-          <p:cNvPr id="110" name="Rounded Rectangle 109"/>
-          <p:cNvSpPr/>
-          <p:nvPr/>
-        </p:nvSpPr>
-        <p:spPr>
-          <a:xfrm>
-            <a:off x="1619672" y="3501008"/>
-            <a:ext cx="3600400" cy="1296144"/>
+            <a:off x="3275856" y="2008585"/>
+            <a:ext cx="3672408" cy="1924472"/>
           </a:xfrm>
           <a:prstGeom prst="roundRect">
             <a:avLst/>
@@ -4718,53 +4773,6 @@
       </p:sp>
       <p:sp>
         <p:nvSpPr>
-          <p:cNvPr id="95" name="Rounded Rectangle 94"/>
-          <p:cNvSpPr/>
-          <p:nvPr/>
-        </p:nvSpPr>
-        <p:spPr>
-          <a:xfrm>
-            <a:off x="2843808" y="2276872"/>
-            <a:ext cx="5760640" cy="1152128"/>
-          </a:xfrm>
-          <a:prstGeom prst="roundRect">
-            <a:avLst/>
-          </a:prstGeom>
-          <a:solidFill>
-            <a:schemeClr val="accent5">
-              <a:lumMod val="90000"/>
-            </a:schemeClr>
-          </a:solidFill>
-          <a:ln>
-            <a:noFill/>
-          </a:ln>
-          <a:effectLst/>
-        </p:spPr>
-        <p:style>
-          <a:lnRef idx="1">
-            <a:schemeClr val="accent1"/>
-          </a:lnRef>
-          <a:fillRef idx="3">
-            <a:schemeClr val="accent1"/>
-          </a:fillRef>
-          <a:effectRef idx="2">
-            <a:schemeClr val="accent1"/>
-          </a:effectRef>
-          <a:fontRef idx="minor">
-            <a:schemeClr val="lt1"/>
-          </a:fontRef>
-        </p:style>
-        <p:txBody>
-          <a:bodyPr rtlCol="0" anchor="ctr"/>
-          <a:lstStyle/>
-          <a:p>
-            <a:pPr algn="ctr"/>
-            <a:endParaRPr lang="en-US"/>
-          </a:p>
-        </p:txBody>
-      </p:sp>
-      <p:sp>
-        <p:nvSpPr>
           <p:cNvPr id="2" name="Title 1"/>
           <p:cNvSpPr>
             <a:spLocks noGrp="1"/>
@@ -4794,44 +4802,14 @@
       </p:sp>
       <p:sp>
         <p:nvSpPr>
-          <p:cNvPr id="54" name="Content Placeholder 4"/>
-          <p:cNvSpPr>
-            <a:spLocks noGrp="1"/>
-          </p:cNvSpPr>
-          <p:nvPr>
-            <p:ph idx="1"/>
-          </p:nvPr>
-        </p:nvSpPr>
-        <p:spPr>
-          <a:xfrm>
-            <a:off x="1526976" y="1052736"/>
-            <a:ext cx="8229600" cy="4525963"/>
-          </a:xfrm>
-        </p:spPr>
-        <p:txBody>
-          <a:bodyPr/>
-          <a:lstStyle/>
-          <a:p>
-            <a:pPr marL="0" indent="0">
-              <a:buNone/>
-            </a:pPr>
-            <a:r>
-              <a:rPr lang="en-US" sz="2200" b="1" dirty="0" smtClean="0"/>
-              <a:t>Structure</a:t>
-            </a:r>
-          </a:p>
-        </p:txBody>
-      </p:sp>
-      <p:sp>
-        <p:nvSpPr>
           <p:cNvPr id="4" name="TextBox 3"/>
           <p:cNvSpPr txBox="1"/>
           <p:nvPr/>
         </p:nvSpPr>
         <p:spPr>
           <a:xfrm>
-            <a:off x="5126593" y="2276872"/>
-            <a:ext cx="1016925" cy="338554"/>
+            <a:off x="4572000" y="2008585"/>
+            <a:ext cx="1553330" cy="338554"/>
           </a:xfrm>
           <a:prstGeom prst="rect">
             <a:avLst/>
@@ -4846,8 +4824,12 @@
           <a:p>
             <a:pPr algn="ctr"/>
             <a:r>
+              <a:rPr lang="en-US" sz="1600" b="1" dirty="0" err="1" smtClean="0"/>
+              <a:t>params</a:t>
+            </a:r>
+            <a:r>
               <a:rPr lang="en-US" sz="1600" b="1" dirty="0" smtClean="0"/>
-              <a:t>program</a:t>
+              <a:t>/locals</a:t>
             </a:r>
           </a:p>
         </p:txBody>
@@ -4863,8 +4845,8 @@
         </p:nvCxnSpPr>
         <p:spPr>
           <a:xfrm flipH="1">
-            <a:off x="3664155" y="2615426"/>
-            <a:ext cx="1970901" cy="453534"/>
+            <a:off x="4145318" y="2347139"/>
+            <a:ext cx="1203347" cy="453534"/>
           </a:xfrm>
           <a:prstGeom prst="line">
             <a:avLst/>
@@ -4899,8 +4881,8 @@
         </p:nvSpPr>
         <p:spPr>
           <a:xfrm>
-            <a:off x="3332373" y="3068960"/>
-            <a:ext cx="663563" cy="338554"/>
+            <a:off x="3790643" y="2800673"/>
+            <a:ext cx="709349" cy="338554"/>
           </a:xfrm>
           <a:prstGeom prst="rect">
             <a:avLst/>
@@ -4916,7 +4898,7 @@
             <a:pPr algn="ctr"/>
             <a:r>
               <a:rPr lang="en-US" sz="1600" b="1" dirty="0" err="1" smtClean="0"/>
-              <a:t>fdecl</a:t>
+              <a:t>vdecl</a:t>
             </a:r>
             <a:endParaRPr lang="en-US" sz="1600" b="1" dirty="0" smtClean="0"/>
           </a:p>
@@ -4924,14 +4906,14 @@
       </p:sp>
       <p:sp>
         <p:nvSpPr>
-          <p:cNvPr id="40" name="TextBox 39"/>
+          <p:cNvPr id="86" name="TextBox 85"/>
           <p:cNvSpPr txBox="1"/>
           <p:nvPr/>
         </p:nvSpPr>
         <p:spPr>
           <a:xfrm>
-            <a:off x="4211960" y="3738518"/>
-            <a:ext cx="914633" cy="338554"/>
+            <a:off x="6126706" y="2800673"/>
+            <a:ext cx="709349" cy="338554"/>
           </a:xfrm>
           <a:prstGeom prst="rect">
             <a:avLst/>
@@ -4947,25 +4929,25 @@
             <a:pPr algn="ctr"/>
             <a:r>
               <a:rPr lang="en-US" sz="1600" b="1" dirty="0" err="1" smtClean="0"/>
-              <a:t>params</a:t>
-            </a:r>
-            <a:r>
-              <a:rPr lang="en-US" sz="1600" b="1" dirty="0" smtClean="0"/>
-              <a:t> </a:t>
-            </a:r>
+              <a:t>vdecl</a:t>
+            </a:r>
+            <a:endParaRPr lang="en-US" sz="1600" b="1" dirty="0" smtClean="0"/>
           </a:p>
         </p:txBody>
       </p:sp>
       <p:cxnSp>
         <p:nvCxnSpPr>
-          <p:cNvPr id="41" name="Straight Connector 40"/>
-          <p:cNvCxnSpPr/>
+          <p:cNvPr id="87" name="Straight Connector 86"/>
+          <p:cNvCxnSpPr>
+            <a:stCxn id="4" idx="2"/>
+            <a:endCxn id="86" idx="0"/>
+          </p:cNvCxnSpPr>
           <p:nvPr/>
         </p:nvCxnSpPr>
         <p:spPr>
-          <a:xfrm flipH="1">
-            <a:off x="2843808" y="3530044"/>
-            <a:ext cx="763830" cy="93494"/>
+          <a:xfrm>
+            <a:off x="5348665" y="2347139"/>
+            <a:ext cx="1132716" cy="453534"/>
           </a:xfrm>
           <a:prstGeom prst="line">
             <a:avLst/>
@@ -4994,14 +4976,14 @@
       </p:cxnSp>
       <p:sp>
         <p:nvSpPr>
-          <p:cNvPr id="42" name="TextBox 41"/>
+          <p:cNvPr id="111" name="TextBox 110"/>
           <p:cNvSpPr txBox="1"/>
           <p:nvPr/>
         </p:nvSpPr>
         <p:spPr>
           <a:xfrm>
-            <a:off x="2123138" y="3429000"/>
-            <a:ext cx="720670" cy="338554"/>
+            <a:off x="3434283" y="1700808"/>
+            <a:ext cx="777677" cy="338554"/>
           </a:xfrm>
           <a:prstGeom prst="rect">
             <a:avLst/>
@@ -5017,21 +4999,24 @@
             <a:pPr algn="ctr"/>
             <a:r>
               <a:rPr lang="en-US" sz="1600" b="1" dirty="0" smtClean="0"/>
-              <a:t>name</a:t>
+              <a:t>scope</a:t>
             </a:r>
           </a:p>
         </p:txBody>
       </p:sp>
       <p:cxnSp>
         <p:nvCxnSpPr>
-          <p:cNvPr id="43" name="Straight Connector 42"/>
-          <p:cNvCxnSpPr/>
+          <p:cNvPr id="51" name="Straight Connector 50"/>
+          <p:cNvCxnSpPr>
+            <a:stCxn id="24" idx="2"/>
+            <a:endCxn id="55" idx="0"/>
+          </p:cNvCxnSpPr>
           <p:nvPr/>
         </p:nvCxnSpPr>
         <p:spPr>
           <a:xfrm flipH="1">
-            <a:off x="2987824" y="3530044"/>
-            <a:ext cx="619814" cy="381526"/>
+            <a:off x="3651142" y="3139227"/>
+            <a:ext cx="494176" cy="217765"/>
           </a:xfrm>
           <a:prstGeom prst="line">
             <a:avLst/>
@@ -5060,14 +5045,14 @@
       </p:cxnSp>
       <p:sp>
         <p:nvSpPr>
-          <p:cNvPr id="44" name="TextBox 43"/>
+          <p:cNvPr id="55" name="TextBox 54"/>
           <p:cNvSpPr txBox="1"/>
           <p:nvPr/>
         </p:nvSpPr>
         <p:spPr>
           <a:xfrm>
-            <a:off x="1619672" y="3717032"/>
-            <a:ext cx="1370487" cy="338554"/>
+            <a:off x="3290807" y="3356992"/>
+            <a:ext cx="720670" cy="338554"/>
           </a:xfrm>
           <a:prstGeom prst="rect">
             <a:avLst/>
@@ -5083,21 +5068,85 @@
             <a:pPr algn="ctr"/>
             <a:r>
               <a:rPr lang="en-US" sz="1600" b="1" dirty="0" smtClean="0"/>
-              <a:t>return name</a:t>
-            </a:r>
+              <a:t>name</a:t>
+            </a:r>
+          </a:p>
+        </p:txBody>
+      </p:sp>
+      <p:sp>
+        <p:nvSpPr>
+          <p:cNvPr id="56" name="TextBox 55"/>
+          <p:cNvSpPr txBox="1"/>
+          <p:nvPr/>
+        </p:nvSpPr>
+        <p:spPr>
+          <a:xfrm>
+            <a:off x="3923928" y="3356992"/>
+            <a:ext cx="606556" cy="338554"/>
+          </a:xfrm>
+          <a:prstGeom prst="rect">
+            <a:avLst/>
+          </a:prstGeom>
+          <a:noFill/>
+        </p:spPr>
+        <p:txBody>
+          <a:bodyPr wrap="none" rtlCol="0">
+            <a:spAutoFit/>
+          </a:bodyPr>
+          <a:lstStyle/>
+          <a:p>
+            <a:pPr algn="ctr"/>
+            <a:r>
+              <a:rPr lang="en-US" sz="1600" b="1" dirty="0" smtClean="0"/>
+              <a:t>type</a:t>
+            </a:r>
+          </a:p>
+        </p:txBody>
+      </p:sp>
+      <p:sp>
+        <p:nvSpPr>
+          <p:cNvPr id="57" name="TextBox 56"/>
+          <p:cNvSpPr txBox="1"/>
+          <p:nvPr/>
+        </p:nvSpPr>
+        <p:spPr>
+          <a:xfrm>
+            <a:off x="4514942" y="3356992"/>
+            <a:ext cx="800019" cy="338554"/>
+          </a:xfrm>
+          <a:prstGeom prst="rect">
+            <a:avLst/>
+          </a:prstGeom>
+          <a:noFill/>
+        </p:spPr>
+        <p:txBody>
+          <a:bodyPr wrap="none" rtlCol="0">
+            <a:spAutoFit/>
+          </a:bodyPr>
+          <a:lstStyle/>
+          <a:p>
+            <a:pPr algn="ctr"/>
+            <a:r>
+              <a:rPr lang="en-US" sz="1600" b="1" dirty="0" err="1" smtClean="0"/>
+              <a:t>builtin</a:t>
+            </a:r>
+            <a:endParaRPr lang="en-US" sz="1600" b="1" dirty="0" smtClean="0"/>
           </a:p>
         </p:txBody>
       </p:sp>
       <p:cxnSp>
         <p:nvCxnSpPr>
-          <p:cNvPr id="45" name="Straight Connector 44"/>
-          <p:cNvCxnSpPr/>
+          <p:cNvPr id="59" name="Straight Connector 58"/>
+          <p:cNvCxnSpPr>
+            <a:stCxn id="24" idx="2"/>
+            <a:endCxn id="57" idx="0"/>
+          </p:cNvCxnSpPr>
           <p:nvPr/>
         </p:nvCxnSpPr>
         <p:spPr>
-          <a:xfrm flipH="1">
-            <a:off x="3275856" y="3530044"/>
-            <a:ext cx="331782" cy="525542"/>
+          <a:xfrm>
+            <a:off x="4145318" y="3139227"/>
+            <a:ext cx="769634" cy="217765"/>
           </a:xfrm>
           <a:prstGeom prst="line">
             <a:avLst/>
@@ -5124,78 +5173,18 @@
           </a:fontRef>
         </p:style>
       </p:cxnSp>
-      <p:sp>
-        <p:nvSpPr>
-          <p:cNvPr id="46" name="TextBox 45"/>
-          <p:cNvSpPr txBox="1"/>
-          <p:nvPr/>
-        </p:nvSpPr>
-        <p:spPr>
-          <a:xfrm>
-            <a:off x="2091490" y="4005064"/>
-            <a:ext cx="1256374" cy="338554"/>
-          </a:xfrm>
-          <a:prstGeom prst="rect">
-            <a:avLst/>
-          </a:prstGeom>
-          <a:noFill/>
-        </p:spPr>
-        <p:txBody>
-          <a:bodyPr wrap="none" rtlCol="0">
-            <a:spAutoFit/>
-          </a:bodyPr>
-          <a:lstStyle/>
-          <a:p>
-            <a:pPr algn="ctr"/>
-            <a:r>
-              <a:rPr lang="en-US" sz="1600" b="1" dirty="0" smtClean="0"/>
-              <a:t>return type</a:t>
-            </a:r>
-          </a:p>
-        </p:txBody>
-      </p:sp>
-      <p:sp>
-        <p:nvSpPr>
-          <p:cNvPr id="47" name="TextBox 46"/>
-          <p:cNvSpPr txBox="1"/>
-          <p:nvPr/>
-        </p:nvSpPr>
-        <p:spPr>
-          <a:xfrm>
-            <a:off x="3779912" y="4034100"/>
-            <a:ext cx="766356" cy="338554"/>
-          </a:xfrm>
-          <a:prstGeom prst="rect">
-            <a:avLst/>
-          </a:prstGeom>
-          <a:noFill/>
-        </p:spPr>
-        <p:txBody>
-          <a:bodyPr wrap="none" rtlCol="0">
-            <a:spAutoFit/>
-          </a:bodyPr>
-          <a:lstStyle/>
-          <a:p>
-            <a:pPr algn="ctr"/>
-            <a:r>
-              <a:rPr lang="en-US" sz="1600" b="1" dirty="0" smtClean="0"/>
-              <a:t>locals</a:t>
-            </a:r>
-          </a:p>
-        </p:txBody>
-      </p:sp>
       <p:cxnSp>
         <p:nvCxnSpPr>
-          <p:cNvPr id="48" name="Straight Connector 47"/>
+          <p:cNvPr id="60" name="Straight Connector 59"/>
           <p:cNvCxnSpPr>
-            <a:endCxn id="40" idx="1"/>
+            <a:endCxn id="56" idx="0"/>
           </p:cNvCxnSpPr>
           <p:nvPr/>
         </p:nvCxnSpPr>
         <p:spPr>
           <a:xfrm>
-            <a:off x="3635896" y="3530044"/>
-            <a:ext cx="576064" cy="377751"/>
+            <a:off x="4139952" y="3140968"/>
+            <a:ext cx="87254" cy="216024"/>
           </a:xfrm>
           <a:prstGeom prst="line">
             <a:avLst/>
@@ -5222,525 +5211,10 @@
           </a:fontRef>
         </p:style>
       </p:cxnSp>
-      <p:sp>
-        <p:nvSpPr>
-          <p:cNvPr id="52" name="TextBox 51"/>
-          <p:cNvSpPr txBox="1"/>
-          <p:nvPr/>
-        </p:nvSpPr>
-        <p:spPr>
-          <a:xfrm>
-            <a:off x="3311133" y="4394140"/>
-            <a:ext cx="684803" cy="338554"/>
-          </a:xfrm>
-          <a:prstGeom prst="rect">
-            <a:avLst/>
-          </a:prstGeom>
-          <a:noFill/>
-        </p:spPr>
-        <p:txBody>
-          <a:bodyPr wrap="none" rtlCol="0">
-            <a:spAutoFit/>
-          </a:bodyPr>
-          <a:lstStyle/>
-          <a:p>
-            <a:pPr algn="ctr"/>
-            <a:r>
-              <a:rPr lang="en-US" sz="1600" b="1" dirty="0" smtClean="0"/>
-              <a:t>body</a:t>
-            </a:r>
-          </a:p>
-        </p:txBody>
-      </p:sp>
-      <p:cxnSp>
-        <p:nvCxnSpPr>
-          <p:cNvPr id="53" name="Straight Connector 52"/>
-          <p:cNvCxnSpPr/>
-          <p:nvPr/>
-        </p:nvCxnSpPr>
-        <p:spPr>
-          <a:xfrm>
-            <a:off x="3635896" y="3530044"/>
-            <a:ext cx="288032" cy="432048"/>
-          </a:xfrm>
-          <a:prstGeom prst="line">
-            <a:avLst/>
-          </a:prstGeom>
-          <a:ln>
-            <a:solidFill>
-              <a:schemeClr val="tx1"/>
-            </a:solidFill>
-            <a:tailEnd type="triangle" w="lg" len="med"/>
-          </a:ln>
-        </p:spPr>
-        <p:style>
-          <a:lnRef idx="2">
-            <a:schemeClr val="accent1"/>
-          </a:lnRef>
-          <a:fillRef idx="0">
-            <a:schemeClr val="accent1"/>
-          </a:fillRef>
-          <a:effectRef idx="1">
-            <a:schemeClr val="accent1"/>
-          </a:effectRef>
-          <a:fontRef idx="minor">
-            <a:schemeClr val="tx1"/>
-          </a:fontRef>
-        </p:style>
-      </p:cxnSp>
-      <p:cxnSp>
-        <p:nvCxnSpPr>
-          <p:cNvPr id="58" name="Straight Connector 57"/>
-          <p:cNvCxnSpPr/>
-          <p:nvPr/>
-        </p:nvCxnSpPr>
-        <p:spPr>
-          <a:xfrm flipH="1">
-            <a:off x="3635896" y="3530044"/>
-            <a:ext cx="1" cy="792088"/>
-          </a:xfrm>
-          <a:prstGeom prst="line">
-            <a:avLst/>
-          </a:prstGeom>
-          <a:ln>
-            <a:solidFill>
-              <a:schemeClr val="tx1"/>
-            </a:solidFill>
-            <a:tailEnd type="triangle" w="lg" len="med"/>
-          </a:ln>
-        </p:spPr>
-        <p:style>
-          <a:lnRef idx="2">
-            <a:schemeClr val="accent1"/>
-          </a:lnRef>
-          <a:fillRef idx="0">
-            <a:schemeClr val="accent1"/>
-          </a:fillRef>
-          <a:effectRef idx="1">
-            <a:schemeClr val="accent1"/>
-          </a:effectRef>
-          <a:fontRef idx="minor">
-            <a:schemeClr val="tx1"/>
-          </a:fontRef>
-        </p:style>
-      </p:cxnSp>
-      <p:cxnSp>
-        <p:nvCxnSpPr>
-          <p:cNvPr id="63" name="Straight Connector 62"/>
-          <p:cNvCxnSpPr>
-            <a:endCxn id="67" idx="1"/>
-          </p:cNvCxnSpPr>
-          <p:nvPr/>
-        </p:nvCxnSpPr>
-        <p:spPr>
-          <a:xfrm>
-            <a:off x="3635896" y="3530044"/>
-            <a:ext cx="648072" cy="68233"/>
-          </a:xfrm>
-          <a:prstGeom prst="line">
-            <a:avLst/>
-          </a:prstGeom>
-          <a:ln>
-            <a:solidFill>
-              <a:schemeClr val="tx1"/>
-            </a:solidFill>
-            <a:tailEnd type="triangle" w="lg" len="med"/>
-          </a:ln>
-        </p:spPr>
-        <p:style>
-          <a:lnRef idx="2">
-            <a:schemeClr val="accent1"/>
-          </a:lnRef>
-          <a:fillRef idx="0">
-            <a:schemeClr val="accent1"/>
-          </a:fillRef>
-          <a:effectRef idx="1">
-            <a:schemeClr val="accent1"/>
-          </a:effectRef>
-          <a:fontRef idx="minor">
-            <a:schemeClr val="tx1"/>
-          </a:fontRef>
-        </p:style>
-      </p:cxnSp>
-      <p:sp>
-        <p:nvSpPr>
-          <p:cNvPr id="67" name="TextBox 66"/>
-          <p:cNvSpPr txBox="1"/>
-          <p:nvPr/>
-        </p:nvSpPr>
-        <p:spPr>
-          <a:xfrm>
-            <a:off x="4283968" y="3429000"/>
-            <a:ext cx="800019" cy="338554"/>
-          </a:xfrm>
-          <a:prstGeom prst="rect">
-            <a:avLst/>
-          </a:prstGeom>
-          <a:noFill/>
-        </p:spPr>
-        <p:txBody>
-          <a:bodyPr wrap="none" rtlCol="0">
-            <a:spAutoFit/>
-          </a:bodyPr>
-          <a:lstStyle/>
-          <a:p>
-            <a:pPr algn="ctr"/>
-            <a:r>
-              <a:rPr lang="en-US" sz="1600" b="1" dirty="0" err="1" smtClean="0"/>
-              <a:t>builtin</a:t>
-            </a:r>
-            <a:endParaRPr lang="en-US" sz="1600" b="1" dirty="0" smtClean="0"/>
-          </a:p>
-        </p:txBody>
-      </p:sp>
-      <p:cxnSp>
-        <p:nvCxnSpPr>
-          <p:cNvPr id="79" name="Straight Connector 78"/>
-          <p:cNvCxnSpPr>
-            <a:stCxn id="4" idx="2"/>
-            <a:endCxn id="80" idx="0"/>
-          </p:cNvCxnSpPr>
-          <p:nvPr/>
-        </p:nvCxnSpPr>
-        <p:spPr>
-          <a:xfrm>
-            <a:off x="5635056" y="2615426"/>
-            <a:ext cx="2256100" cy="453534"/>
-          </a:xfrm>
-          <a:prstGeom prst="line">
-            <a:avLst/>
-          </a:prstGeom>
-          <a:ln>
-            <a:solidFill>
-              <a:schemeClr val="tx1"/>
-            </a:solidFill>
-            <a:tailEnd type="triangle" w="lg" len="med"/>
-          </a:ln>
-        </p:spPr>
-        <p:style>
-          <a:lnRef idx="2">
-            <a:schemeClr val="accent1"/>
-          </a:lnRef>
-          <a:fillRef idx="0">
-            <a:schemeClr val="accent1"/>
-          </a:fillRef>
-          <a:effectRef idx="1">
-            <a:schemeClr val="accent1"/>
-          </a:effectRef>
-          <a:fontRef idx="minor">
-            <a:schemeClr val="tx1"/>
-          </a:fontRef>
-        </p:style>
-      </p:cxnSp>
-      <p:sp>
-        <p:nvSpPr>
-          <p:cNvPr id="80" name="TextBox 79"/>
-          <p:cNvSpPr txBox="1"/>
-          <p:nvPr/>
-        </p:nvSpPr>
-        <p:spPr>
-          <a:xfrm>
-            <a:off x="7559374" y="3068960"/>
-            <a:ext cx="663563" cy="338554"/>
-          </a:xfrm>
-          <a:prstGeom prst="rect">
-            <a:avLst/>
-          </a:prstGeom>
-          <a:noFill/>
-        </p:spPr>
-        <p:txBody>
-          <a:bodyPr wrap="none" rtlCol="0">
-            <a:spAutoFit/>
-          </a:bodyPr>
-          <a:lstStyle/>
-          <a:p>
-            <a:pPr algn="ctr"/>
-            <a:r>
-              <a:rPr lang="en-US" sz="1600" b="1" dirty="0" err="1" smtClean="0"/>
-              <a:t>fdecl</a:t>
-            </a:r>
-            <a:endParaRPr lang="en-US" sz="1600" b="1" dirty="0" smtClean="0"/>
-          </a:p>
-        </p:txBody>
-      </p:sp>
-      <p:sp>
-        <p:nvSpPr>
-          <p:cNvPr id="86" name="TextBox 85"/>
-          <p:cNvSpPr txBox="1"/>
-          <p:nvPr/>
-        </p:nvSpPr>
-        <p:spPr>
-          <a:xfrm>
-            <a:off x="5270609" y="3068960"/>
-            <a:ext cx="663563" cy="338554"/>
-          </a:xfrm>
-          <a:prstGeom prst="rect">
-            <a:avLst/>
-          </a:prstGeom>
-          <a:noFill/>
-        </p:spPr>
-        <p:txBody>
-          <a:bodyPr wrap="none" rtlCol="0">
-            <a:spAutoFit/>
-          </a:bodyPr>
-          <a:lstStyle/>
-          <a:p>
-            <a:pPr algn="ctr"/>
-            <a:r>
-              <a:rPr lang="en-US" sz="1600" b="1" dirty="0" err="1" smtClean="0"/>
-              <a:t>fdecl</a:t>
-            </a:r>
-            <a:endParaRPr lang="en-US" sz="1600" b="1" dirty="0" smtClean="0"/>
-          </a:p>
-        </p:txBody>
-      </p:sp>
-      <p:cxnSp>
-        <p:nvCxnSpPr>
-          <p:cNvPr id="87" name="Straight Connector 86"/>
-          <p:cNvCxnSpPr>
-            <a:stCxn id="4" idx="2"/>
-          </p:cNvCxnSpPr>
-          <p:nvPr/>
-        </p:nvCxnSpPr>
-        <p:spPr>
-          <a:xfrm flipH="1">
-            <a:off x="5630649" y="2615426"/>
-            <a:ext cx="4407" cy="502920"/>
-          </a:xfrm>
-          <a:prstGeom prst="line">
-            <a:avLst/>
-          </a:prstGeom>
-          <a:ln>
-            <a:solidFill>
-              <a:schemeClr val="tx1"/>
-            </a:solidFill>
-            <a:tailEnd type="triangle" w="lg" len="med"/>
-          </a:ln>
-        </p:spPr>
-        <p:style>
-          <a:lnRef idx="2">
-            <a:schemeClr val="accent1"/>
-          </a:lnRef>
-          <a:fillRef idx="0">
-            <a:schemeClr val="accent1"/>
-          </a:fillRef>
-          <a:effectRef idx="1">
-            <a:schemeClr val="accent1"/>
-          </a:effectRef>
-          <a:fontRef idx="minor">
-            <a:schemeClr val="tx1"/>
-          </a:fontRef>
-        </p:style>
-      </p:cxnSp>
-      <p:sp>
-        <p:nvSpPr>
-          <p:cNvPr id="111" name="TextBox 110"/>
-          <p:cNvSpPr txBox="1"/>
-          <p:nvPr/>
-        </p:nvSpPr>
-        <p:spPr>
-          <a:xfrm>
-            <a:off x="3086258" y="1969095"/>
-            <a:ext cx="1107895" cy="338554"/>
-          </a:xfrm>
-          <a:prstGeom prst="rect">
-            <a:avLst/>
-          </a:prstGeom>
-          <a:noFill/>
-        </p:spPr>
-        <p:txBody>
-          <a:bodyPr wrap="none" rtlCol="0">
-            <a:spAutoFit/>
-          </a:bodyPr>
-          <a:lstStyle/>
-          <a:p>
-            <a:pPr algn="ctr"/>
-            <a:r>
-              <a:rPr lang="en-US" sz="1600" b="1" dirty="0" smtClean="0"/>
-              <a:t>functions</a:t>
-            </a:r>
-          </a:p>
-        </p:txBody>
-      </p:sp>
-      <p:sp>
-        <p:nvSpPr>
-          <p:cNvPr id="112" name="TextBox 111"/>
-          <p:cNvSpPr txBox="1"/>
-          <p:nvPr/>
-        </p:nvSpPr>
-        <p:spPr>
-          <a:xfrm>
-            <a:off x="1775062" y="3193231"/>
-            <a:ext cx="777677" cy="338554"/>
-          </a:xfrm>
-          <a:prstGeom prst="rect">
-            <a:avLst/>
-          </a:prstGeom>
-          <a:noFill/>
-        </p:spPr>
-        <p:txBody>
-          <a:bodyPr wrap="none" rtlCol="0">
-            <a:spAutoFit/>
-          </a:bodyPr>
-          <a:lstStyle/>
-          <a:p>
-            <a:pPr algn="ctr"/>
-            <a:r>
-              <a:rPr lang="en-US" sz="1600" b="1" dirty="0" smtClean="0"/>
-              <a:t>scope</a:t>
-            </a:r>
-          </a:p>
-        </p:txBody>
-      </p:sp>
-      <p:sp>
-        <p:nvSpPr>
-          <p:cNvPr id="115" name="TextBox 114"/>
-          <p:cNvSpPr txBox="1"/>
-          <p:nvPr/>
-        </p:nvSpPr>
-        <p:spPr>
-          <a:xfrm>
-            <a:off x="1979712" y="1628800"/>
-            <a:ext cx="1438715" cy="338554"/>
-          </a:xfrm>
-          <a:prstGeom prst="rect">
-            <a:avLst/>
-          </a:prstGeom>
-          <a:noFill/>
-        </p:spPr>
-        <p:txBody>
-          <a:bodyPr wrap="none" rtlCol="0">
-            <a:spAutoFit/>
-          </a:bodyPr>
-          <a:lstStyle/>
-          <a:p>
-            <a:pPr algn="ctr"/>
-            <a:r>
-              <a:rPr lang="en-US" sz="1600" b="1" dirty="0" smtClean="0"/>
-              <a:t>Environment</a:t>
-            </a:r>
-          </a:p>
-        </p:txBody>
-      </p:sp>
-      <p:sp>
-        <p:nvSpPr>
-          <p:cNvPr id="116" name="Rectangle 115"/>
-          <p:cNvSpPr/>
-          <p:nvPr/>
-        </p:nvSpPr>
-        <p:spPr>
-          <a:xfrm>
-            <a:off x="5292080" y="3501008"/>
-            <a:ext cx="3528392" cy="1512168"/>
-          </a:xfrm>
-          <a:prstGeom prst="rect">
-            <a:avLst/>
-          </a:prstGeom>
-          <a:solidFill>
-            <a:schemeClr val="bg1"/>
-          </a:solidFill>
-          <a:ln>
-            <a:noFill/>
-          </a:ln>
-          <a:effectLst/>
-        </p:spPr>
-        <p:style>
-          <a:lnRef idx="1">
-            <a:schemeClr val="accent1"/>
-          </a:lnRef>
-          <a:fillRef idx="3">
-            <a:schemeClr val="accent1"/>
-          </a:fillRef>
-          <a:effectRef idx="2">
-            <a:schemeClr val="accent1"/>
-          </a:effectRef>
-          <a:fontRef idx="minor">
-            <a:schemeClr val="lt1"/>
-          </a:fontRef>
-        </p:style>
-        <p:txBody>
-          <a:bodyPr rtlCol="0" anchor="ctr"/>
-          <a:lstStyle/>
-          <a:p>
-            <a:pPr algn="ctr"/>
-            <a:endParaRPr lang="en-US"/>
-          </a:p>
-        </p:txBody>
-      </p:sp>
-      <p:sp>
-        <p:nvSpPr>
-          <p:cNvPr id="117" name="TextBox 116"/>
-          <p:cNvSpPr txBox="1"/>
-          <p:nvPr/>
-        </p:nvSpPr>
-        <p:spPr>
-          <a:xfrm>
-            <a:off x="6516216" y="3789040"/>
-            <a:ext cx="914633" cy="338554"/>
-          </a:xfrm>
-          <a:prstGeom prst="rect">
-            <a:avLst/>
-          </a:prstGeom>
-          <a:noFill/>
-        </p:spPr>
-        <p:txBody>
-          <a:bodyPr wrap="none" rtlCol="0">
-            <a:spAutoFit/>
-          </a:bodyPr>
-          <a:lstStyle/>
-          <a:p>
-            <a:pPr algn="ctr"/>
-            <a:r>
-              <a:rPr lang="en-US" sz="1600" b="1" dirty="0" err="1" smtClean="0"/>
-              <a:t>params</a:t>
-            </a:r>
-            <a:r>
-              <a:rPr lang="en-US" sz="1600" b="1" dirty="0" smtClean="0"/>
-              <a:t> </a:t>
-            </a:r>
-          </a:p>
-        </p:txBody>
-      </p:sp>
-      <p:cxnSp>
-        <p:nvCxnSpPr>
-          <p:cNvPr id="118" name="Straight Connector 117"/>
-          <p:cNvCxnSpPr/>
-          <p:nvPr/>
-        </p:nvCxnSpPr>
-        <p:spPr>
-          <a:xfrm flipH="1">
-            <a:off x="7020272" y="4149080"/>
-            <a:ext cx="2" cy="432048"/>
-          </a:xfrm>
-          <a:prstGeom prst="line">
-            <a:avLst/>
-          </a:prstGeom>
-          <a:ln>
-            <a:solidFill>
-              <a:schemeClr val="tx1"/>
-            </a:solidFill>
-            <a:tailEnd type="triangle" w="lg" len="med"/>
-          </a:ln>
-        </p:spPr>
-        <p:style>
-          <a:lnRef idx="2">
-            <a:schemeClr val="accent1"/>
-          </a:lnRef>
-          <a:fillRef idx="0">
-            <a:schemeClr val="accent1"/>
-          </a:fillRef>
-          <a:effectRef idx="1">
-            <a:schemeClr val="accent1"/>
-          </a:effectRef>
-          <a:fontRef idx="minor">
-            <a:schemeClr val="tx1"/>
-          </a:fontRef>
-        </p:style>
-      </p:cxnSp>
     </p:spTree>
     <p:extLst>
       <p:ext uri="{BB962C8B-B14F-4D97-AF65-F5344CB8AC3E}">
-        <p14:creationId xmlns:p14="http://schemas.microsoft.com/office/powerpoint/2010/main" val="2617038298"/>
+        <p14:creationId xmlns:p14="http://schemas.microsoft.com/office/powerpoint/2010/main" val="2761406224"/>
       </p:ext>
     </p:extLst>
   </p:cSld>
@@ -5769,6 +5243,53 @@
       </p:grpSpPr>
       <p:sp>
         <p:nvSpPr>
+          <p:cNvPr id="29" name="Rounded Rectangle 28"/>
+          <p:cNvSpPr/>
+          <p:nvPr/>
+        </p:nvSpPr>
+        <p:spPr>
+          <a:xfrm>
+            <a:off x="3275856" y="2008584"/>
+            <a:ext cx="3672408" cy="1924472"/>
+          </a:xfrm>
+          <a:prstGeom prst="roundRect">
+            <a:avLst/>
+          </a:prstGeom>
+          <a:solidFill>
+            <a:srgbClr val="EF978F">
+              <a:alpha val="80000"/>
+            </a:srgbClr>
+          </a:solidFill>
+          <a:ln>
+            <a:noFill/>
+          </a:ln>
+          <a:effectLst/>
+        </p:spPr>
+        <p:style>
+          <a:lnRef idx="1">
+            <a:schemeClr val="accent1"/>
+          </a:lnRef>
+          <a:fillRef idx="3">
+            <a:schemeClr val="accent1"/>
+          </a:fillRef>
+          <a:effectRef idx="2">
+            <a:schemeClr val="accent1"/>
+          </a:effectRef>
+          <a:fontRef idx="minor">
+            <a:schemeClr val="lt1"/>
+          </a:fontRef>
+        </p:style>
+        <p:txBody>
+          <a:bodyPr rtlCol="0" anchor="ctr"/>
+          <a:lstStyle/>
+          <a:p>
+            <a:pPr algn="ctr"/>
+            <a:endParaRPr lang="en-US"/>
+          </a:p>
+        </p:txBody>
+      </p:sp>
+      <p:sp>
+        <p:nvSpPr>
           <p:cNvPr id="2" name="Title 1"/>
           <p:cNvSpPr>
             <a:spLocks noGrp="1"/>
@@ -5798,220 +5319,183 @@
       </p:sp>
       <p:sp>
         <p:nvSpPr>
-          <p:cNvPr id="54" name="Content Placeholder 4"/>
-          <p:cNvSpPr>
-            <a:spLocks noGrp="1"/>
-          </p:cNvSpPr>
-          <p:nvPr>
-            <p:ph idx="1"/>
-          </p:nvPr>
-        </p:nvSpPr>
-        <p:spPr>
-          <a:xfrm>
-            <a:off x="1526976" y="1124744"/>
-            <a:ext cx="8229600" cy="4525963"/>
-          </a:xfrm>
-        </p:spPr>
-        <p:txBody>
-          <a:bodyPr/>
-          <a:lstStyle/>
-          <a:p>
-            <a:pPr marL="0" indent="0">
-              <a:buNone/>
-            </a:pPr>
-            <a:r>
-              <a:rPr lang="en-US" sz="2200" b="1" dirty="0" smtClean="0"/>
-              <a:t>Details</a:t>
-            </a:r>
-          </a:p>
-          <a:p>
-            <a:pPr marL="0" indent="0">
-              <a:spcBef>
-                <a:spcPts val="0"/>
-              </a:spcBef>
-              <a:buNone/>
-            </a:pPr>
-            <a:endParaRPr lang="en-US" sz="2200" b="1" dirty="0" smtClean="0"/>
-          </a:p>
-          <a:p>
-            <a:pPr marL="0" indent="0">
-              <a:spcBef>
-                <a:spcPts val="0"/>
-              </a:spcBef>
-              <a:buNone/>
-            </a:pPr>
-            <a:endParaRPr lang="en-US" sz="2200" b="1" dirty="0" smtClean="0"/>
-          </a:p>
-          <a:p>
-            <a:pPr marL="0" indent="0">
-              <a:spcBef>
-                <a:spcPts val="0"/>
-              </a:spcBef>
-              <a:buNone/>
-            </a:pPr>
-            <a:endParaRPr lang="en-US" sz="2200" b="1" dirty="0"/>
-          </a:p>
-          <a:p>
-            <a:pPr marL="0" indent="0">
-              <a:buNone/>
-            </a:pPr>
-            <a:r>
-              <a:rPr lang="en-US" sz="1600" b="1" dirty="0" err="1" smtClean="0"/>
-              <a:t>def</a:t>
-            </a:r>
+          <p:cNvPr id="65" name="TextBox 64"/>
+          <p:cNvSpPr txBox="1"/>
+          <p:nvPr/>
+        </p:nvSpPr>
+        <p:spPr>
+          <a:xfrm>
+            <a:off x="3419872" y="1700808"/>
+            <a:ext cx="777677" cy="338554"/>
+          </a:xfrm>
+          <a:prstGeom prst="rect">
+            <a:avLst/>
+          </a:prstGeom>
+          <a:noFill/>
+        </p:spPr>
+        <p:txBody>
+          <a:bodyPr wrap="none" rtlCol="0">
+            <a:spAutoFit/>
+          </a:bodyPr>
+          <a:lstStyle/>
+          <a:p>
+            <a:pPr algn="ctr"/>
             <a:r>
               <a:rPr lang="en-US" sz="1600" b="1" dirty="0" smtClean="0"/>
-              <a:t> x2(</a:t>
-            </a:r>
-            <a:r>
-              <a:rPr lang="en-US" sz="1600" b="1" dirty="0" err="1" smtClean="0"/>
-              <a:t>int</a:t>
-            </a:r>
+              <a:t>scope</a:t>
+            </a:r>
+          </a:p>
+        </p:txBody>
+      </p:sp>
+      <p:sp>
+        <p:nvSpPr>
+          <p:cNvPr id="68" name="TextBox 67"/>
+          <p:cNvSpPr txBox="1"/>
+          <p:nvPr/>
+        </p:nvSpPr>
+        <p:spPr>
+          <a:xfrm>
+            <a:off x="4934255" y="2060848"/>
+            <a:ext cx="684803" cy="338554"/>
+          </a:xfrm>
+          <a:prstGeom prst="rect">
+            <a:avLst/>
+          </a:prstGeom>
+          <a:noFill/>
+        </p:spPr>
+        <p:txBody>
+          <a:bodyPr wrap="none" rtlCol="0">
+            <a:spAutoFit/>
+          </a:bodyPr>
+          <a:lstStyle/>
+          <a:p>
+            <a:pPr algn="ctr"/>
             <a:r>
               <a:rPr lang="en-US" sz="1600" b="1" dirty="0" smtClean="0"/>
-              <a:t> a) </a:t>
-            </a:r>
-            <a:r>
-              <a:rPr lang="en-US" sz="1600" b="1" dirty="0"/>
-              <a:t>: comp  </a:t>
-            </a:r>
-            <a:r>
-              <a:rPr lang="en-US" sz="1600" b="1" dirty="0" smtClean="0"/>
-              <a:t>result {</a:t>
-            </a:r>
-            <a:endParaRPr lang="en-US" sz="1600" b="1" dirty="0"/>
-          </a:p>
-          <a:p>
-            <a:pPr marL="0" indent="0">
-              <a:buNone/>
-            </a:pPr>
-            <a:r>
-              <a:rPr lang="en-US" sz="1600" b="1" dirty="0" smtClean="0"/>
-              <a:t>    result = a * 2;</a:t>
-            </a:r>
-            <a:endParaRPr lang="en-US" sz="1600" b="1" dirty="0"/>
-          </a:p>
-          <a:p>
-            <a:pPr marL="0" indent="0">
-              <a:buNone/>
-            </a:pPr>
-            <a:r>
-              <a:rPr lang="en-US" sz="1600" b="1" dirty="0"/>
-              <a:t>}</a:t>
-            </a:r>
-          </a:p>
-          <a:p>
-            <a:pPr marL="0" indent="0">
-              <a:buNone/>
-            </a:pPr>
-            <a:endParaRPr lang="en-US" sz="2200" b="1" dirty="0" smtClean="0"/>
-          </a:p>
-          <a:p>
-            <a:pPr marL="0" indent="0">
-              <a:buNone/>
-            </a:pPr>
-            <a:r>
-              <a:rPr lang="en-US" sz="1600" b="1" dirty="0" err="1" smtClean="0"/>
-              <a:t>def</a:t>
-            </a:r>
-            <a:r>
-              <a:rPr lang="en-US" sz="1600" b="1" dirty="0" smtClean="0"/>
-              <a:t> </a:t>
-            </a:r>
-            <a:r>
-              <a:rPr lang="en-US" sz="1600" b="1" dirty="0"/>
-              <a:t>compute() : comp  </a:t>
-            </a:r>
-            <a:r>
-              <a:rPr lang="en-US" sz="1600" b="1" dirty="0" err="1" smtClean="0"/>
-              <a:t>final_result</a:t>
-            </a:r>
-            <a:r>
-              <a:rPr lang="en-US" sz="1600" b="1" dirty="0" smtClean="0"/>
-              <a:t> {</a:t>
-            </a:r>
-          </a:p>
-          <a:p>
-            <a:pPr marL="0" indent="0">
-              <a:buNone/>
-            </a:pPr>
-            <a:r>
-              <a:rPr lang="en-US" sz="1600" b="1" dirty="0" smtClean="0"/>
-              <a:t>    </a:t>
-            </a:r>
-            <a:r>
-              <a:rPr lang="en-US" sz="1600" b="1" dirty="0" err="1" smtClean="0"/>
-              <a:t>int</a:t>
-            </a:r>
-            <a:r>
-              <a:rPr lang="en-US" sz="1600" b="1" dirty="0" smtClean="0"/>
-              <a:t> a;</a:t>
-            </a:r>
-          </a:p>
-          <a:p>
-            <a:pPr marL="0" indent="0">
-              <a:buNone/>
-            </a:pPr>
-            <a:r>
-              <a:rPr lang="en-US" sz="1600" b="1" dirty="0"/>
-              <a:t> </a:t>
-            </a:r>
-            <a:r>
-              <a:rPr lang="en-US" sz="1600" b="1" dirty="0" smtClean="0"/>
-              <a:t>   a = 3;	</a:t>
-            </a:r>
-          </a:p>
-          <a:p>
-            <a:pPr marL="0" indent="0">
-              <a:buNone/>
-            </a:pPr>
-            <a:r>
-              <a:rPr lang="en-US" sz="1600" b="1" dirty="0" smtClean="0"/>
-              <a:t>    </a:t>
-            </a:r>
-            <a:r>
-              <a:rPr lang="en-US" sz="1600" b="1" dirty="0" err="1" smtClean="0"/>
-              <a:t>final_result</a:t>
-            </a:r>
-            <a:r>
-              <a:rPr lang="en-US" sz="1600" b="1" dirty="0" smtClean="0"/>
-              <a:t> = x2(a);</a:t>
-            </a:r>
-            <a:endParaRPr lang="en-US" sz="1600" b="1" dirty="0"/>
-          </a:p>
-          <a:p>
-            <a:pPr marL="0" indent="0">
-              <a:buNone/>
-            </a:pPr>
-            <a:r>
-              <a:rPr lang="en-US" sz="1600" b="1" dirty="0" smtClean="0"/>
-              <a:t>}</a:t>
-            </a:r>
-          </a:p>
-          <a:p>
-            <a:endParaRPr lang="en-US" sz="2200" b="1" dirty="0" smtClean="0"/>
+              <a:t>body</a:t>
+            </a:r>
           </a:p>
         </p:txBody>
       </p:sp>
       <p:cxnSp>
         <p:nvCxnSpPr>
-          <p:cNvPr id="4" name="Straight Connector 3"/>
+          <p:cNvPr id="69" name="Straight Connector 68"/>
           <p:cNvCxnSpPr>
-            <a:stCxn id="11" idx="2"/>
+            <a:stCxn id="68" idx="2"/>
+            <a:endCxn id="70" idx="0"/>
           </p:cNvCxnSpPr>
           <p:nvPr/>
         </p:nvCxnSpPr>
         <p:spPr>
-          <a:xfrm>
-            <a:off x="1871700" y="2213576"/>
-            <a:ext cx="180020" cy="279320"/>
+          <a:xfrm flipH="1">
+            <a:off x="4410469" y="2399402"/>
+            <a:ext cx="866188" cy="453534"/>
           </a:xfrm>
           <a:prstGeom prst="line">
             <a:avLst/>
           </a:prstGeom>
           <a:ln>
             <a:solidFill>
-              <a:srgbClr val="FF0000"/>
+              <a:schemeClr val="tx1"/>
+            </a:solidFill>
+            <a:tailEnd type="triangle" w="lg" len="med"/>
+          </a:ln>
+        </p:spPr>
+        <p:style>
+          <a:lnRef idx="2">
+            <a:schemeClr val="accent1"/>
+          </a:lnRef>
+          <a:fillRef idx="0">
+            <a:schemeClr val="accent1"/>
+          </a:fillRef>
+          <a:effectRef idx="1">
+            <a:schemeClr val="accent1"/>
+          </a:effectRef>
+          <a:fontRef idx="minor">
+            <a:schemeClr val="tx1"/>
+          </a:fontRef>
+        </p:style>
+      </p:cxnSp>
+      <p:sp>
+        <p:nvSpPr>
+          <p:cNvPr id="70" name="TextBox 69"/>
+          <p:cNvSpPr txBox="1"/>
+          <p:nvPr/>
+        </p:nvSpPr>
+        <p:spPr>
+          <a:xfrm>
+            <a:off x="3833528" y="2852936"/>
+            <a:ext cx="1153882" cy="338554"/>
+          </a:xfrm>
+          <a:prstGeom prst="rect">
+            <a:avLst/>
+          </a:prstGeom>
+          <a:noFill/>
+        </p:spPr>
+        <p:txBody>
+          <a:bodyPr wrap="none" rtlCol="0">
+            <a:spAutoFit/>
+          </a:bodyPr>
+          <a:lstStyle/>
+          <a:p>
+            <a:pPr algn="ctr"/>
+            <a:r>
+              <a:rPr lang="en-US" sz="1600" b="1" dirty="0" smtClean="0"/>
+              <a:t>statement</a:t>
+            </a:r>
+          </a:p>
+        </p:txBody>
+      </p:sp>
+      <p:sp>
+        <p:nvSpPr>
+          <p:cNvPr id="71" name="TextBox 70"/>
+          <p:cNvSpPr txBox="1"/>
+          <p:nvPr/>
+        </p:nvSpPr>
+        <p:spPr>
+          <a:xfrm>
+            <a:off x="5580112" y="2852936"/>
+            <a:ext cx="1153882" cy="338554"/>
+          </a:xfrm>
+          <a:prstGeom prst="rect">
+            <a:avLst/>
+          </a:prstGeom>
+          <a:noFill/>
+        </p:spPr>
+        <p:txBody>
+          <a:bodyPr wrap="none" rtlCol="0">
+            <a:spAutoFit/>
+          </a:bodyPr>
+          <a:lstStyle/>
+          <a:p>
+            <a:pPr algn="ctr"/>
+            <a:r>
+              <a:rPr lang="en-US" sz="1600" b="1" dirty="0" smtClean="0"/>
+              <a:t>statement</a:t>
+            </a:r>
+          </a:p>
+        </p:txBody>
+      </p:sp>
+      <p:cxnSp>
+        <p:nvCxnSpPr>
+          <p:cNvPr id="72" name="Straight Connector 71"/>
+          <p:cNvCxnSpPr>
+            <a:stCxn id="68" idx="2"/>
+            <a:endCxn id="71" idx="0"/>
+          </p:cNvCxnSpPr>
+          <p:nvPr/>
+        </p:nvCxnSpPr>
+        <p:spPr>
+          <a:xfrm>
+            <a:off x="5276657" y="2399402"/>
+            <a:ext cx="880396" cy="453534"/>
+          </a:xfrm>
+          <a:prstGeom prst="line">
+            <a:avLst/>
+          </a:prstGeom>
+          <a:ln>
+            <a:solidFill>
+              <a:schemeClr val="tx1"/>
             </a:solidFill>
             <a:tailEnd type="triangle" w="lg" len="med"/>
           </a:ln>
@@ -6033,21 +5517,24 @@
       </p:cxnSp>
       <p:cxnSp>
         <p:nvCxnSpPr>
-          <p:cNvPr id="10" name="Straight Connector 9"/>
-          <p:cNvCxnSpPr/>
+          <p:cNvPr id="73" name="Straight Connector 72"/>
+          <p:cNvCxnSpPr>
+            <a:stCxn id="70" idx="2"/>
+            <a:endCxn id="74" idx="0"/>
+          </p:cNvCxnSpPr>
           <p:nvPr/>
         </p:nvCxnSpPr>
         <p:spPr>
           <a:xfrm flipH="1">
-            <a:off x="2555776" y="2204864"/>
-            <a:ext cx="216023" cy="288032"/>
+            <a:off x="3916294" y="3191490"/>
+            <a:ext cx="494175" cy="217765"/>
           </a:xfrm>
           <a:prstGeom prst="line">
             <a:avLst/>
           </a:prstGeom>
           <a:ln>
             <a:solidFill>
-              <a:srgbClr val="FF0000"/>
+              <a:schemeClr val="tx1"/>
             </a:solidFill>
             <a:tailEnd type="triangle" w="lg" len="med"/>
           </a:ln>
@@ -6069,14 +5556,14 @@
       </p:cxnSp>
       <p:sp>
         <p:nvSpPr>
-          <p:cNvPr id="11" name="TextBox 10"/>
+          <p:cNvPr id="74" name="TextBox 73"/>
           <p:cNvSpPr txBox="1"/>
           <p:nvPr/>
         </p:nvSpPr>
         <p:spPr>
           <a:xfrm>
-            <a:off x="1331640" y="1628800"/>
-            <a:ext cx="1080120" cy="584776"/>
+            <a:off x="3584412" y="3409255"/>
+            <a:ext cx="663763" cy="338554"/>
           </a:xfrm>
           <a:prstGeom prst="rect">
             <a:avLst/>
@@ -6084,38 +5571,33 @@
           <a:noFill/>
         </p:spPr>
         <p:txBody>
-          <a:bodyPr wrap="square" rtlCol="0">
+          <a:bodyPr wrap="none" rtlCol="0">
             <a:spAutoFit/>
           </a:bodyPr>
           <a:lstStyle/>
           <a:p>
             <a:pPr algn="ctr"/>
             <a:r>
-              <a:rPr lang="en-US" sz="1600" b="1" dirty="0" smtClean="0">
-                <a:solidFill>
-                  <a:srgbClr val="FF0000"/>
-                </a:solidFill>
-              </a:rPr>
-              <a:t>function name</a:t>
-            </a:r>
-            <a:endParaRPr lang="en-US" sz="1600" b="1" dirty="0">
-              <a:solidFill>
-                <a:srgbClr val="FF0000"/>
-              </a:solidFill>
-            </a:endParaRPr>
-          </a:p>
-        </p:txBody>
-      </p:sp>
-      <p:sp>
-        <p:nvSpPr>
-          <p:cNvPr id="15" name="TextBox 14"/>
+              <a:rPr lang="en-US" sz="1600" b="1" dirty="0" err="1" smtClean="0"/>
+              <a:t>expr</a:t>
+            </a:r>
+            <a:r>
+              <a:rPr lang="en-US" sz="1600" b="1" dirty="0" smtClean="0"/>
+              <a:t>.</a:t>
+            </a:r>
+          </a:p>
+        </p:txBody>
+      </p:sp>
+      <p:sp>
+        <p:nvSpPr>
+          <p:cNvPr id="75" name="TextBox 74"/>
           <p:cNvSpPr txBox="1"/>
           <p:nvPr/>
         </p:nvSpPr>
         <p:spPr>
           <a:xfrm>
-            <a:off x="2267744" y="1620088"/>
-            <a:ext cx="1080120" cy="584776"/>
+            <a:off x="4160476" y="3409255"/>
+            <a:ext cx="663763" cy="338554"/>
           </a:xfrm>
           <a:prstGeom prst="rect">
             <a:avLst/>
@@ -6123,53 +5605,77 @@
           <a:noFill/>
         </p:spPr>
         <p:txBody>
-          <a:bodyPr wrap="square" rtlCol="0">
+          <a:bodyPr wrap="none" rtlCol="0">
             <a:spAutoFit/>
           </a:bodyPr>
           <a:lstStyle/>
           <a:p>
             <a:pPr algn="ctr"/>
             <a:r>
-              <a:rPr lang="en-US" sz="1600" b="1" dirty="0" smtClean="0">
-                <a:solidFill>
-                  <a:srgbClr val="FF0000"/>
-                </a:solidFill>
-              </a:rPr>
-              <a:t>formal </a:t>
-            </a:r>
-            <a:r>
-              <a:rPr lang="en-US" sz="1600" b="1" dirty="0" err="1" smtClean="0">
-                <a:solidFill>
-                  <a:srgbClr val="FF0000"/>
-                </a:solidFill>
-              </a:rPr>
-              <a:t>params</a:t>
-            </a:r>
-            <a:endParaRPr lang="en-US" sz="1600" b="1" dirty="0">
-              <a:solidFill>
-                <a:srgbClr val="FF0000"/>
-              </a:solidFill>
-            </a:endParaRPr>
+              <a:rPr lang="en-US" sz="1600" b="1" dirty="0" err="1" smtClean="0"/>
+              <a:t>expr</a:t>
+            </a:r>
+            <a:r>
+              <a:rPr lang="en-US" sz="1600" b="1" dirty="0" smtClean="0"/>
+              <a:t>.</a:t>
+            </a:r>
+          </a:p>
+        </p:txBody>
+      </p:sp>
+      <p:sp>
+        <p:nvSpPr>
+          <p:cNvPr id="76" name="TextBox 75"/>
+          <p:cNvSpPr txBox="1"/>
+          <p:nvPr/>
+        </p:nvSpPr>
+        <p:spPr>
+          <a:xfrm>
+            <a:off x="4848221" y="3409255"/>
+            <a:ext cx="663763" cy="338554"/>
+          </a:xfrm>
+          <a:prstGeom prst="rect">
+            <a:avLst/>
+          </a:prstGeom>
+          <a:noFill/>
+        </p:spPr>
+        <p:txBody>
+          <a:bodyPr wrap="none" rtlCol="0">
+            <a:spAutoFit/>
+          </a:bodyPr>
+          <a:lstStyle/>
+          <a:p>
+            <a:pPr algn="ctr"/>
+            <a:r>
+              <a:rPr lang="en-US" sz="1600" b="1" dirty="0" err="1" smtClean="0"/>
+              <a:t>expr</a:t>
+            </a:r>
+            <a:r>
+              <a:rPr lang="en-US" sz="1600" b="1" dirty="0" smtClean="0"/>
+              <a:t>.</a:t>
+            </a:r>
           </a:p>
         </p:txBody>
       </p:sp>
       <p:cxnSp>
         <p:nvCxnSpPr>
-          <p:cNvPr id="16" name="Straight Connector 15"/>
-          <p:cNvCxnSpPr/>
+          <p:cNvPr id="77" name="Straight Connector 76"/>
+          <p:cNvCxnSpPr>
+            <a:stCxn id="70" idx="2"/>
+            <a:endCxn id="76" idx="0"/>
+          </p:cNvCxnSpPr>
           <p:nvPr/>
         </p:nvCxnSpPr>
         <p:spPr>
-          <a:xfrm flipH="1">
-            <a:off x="3275856" y="2276872"/>
-            <a:ext cx="216023" cy="288032"/>
+          <a:xfrm>
+            <a:off x="4410469" y="3191490"/>
+            <a:ext cx="769634" cy="217765"/>
           </a:xfrm>
           <a:prstGeom prst="line">
             <a:avLst/>
           </a:prstGeom>
           <a:ln>
             <a:solidFill>
-              <a:srgbClr val="FF0000"/>
+              <a:schemeClr val="tx1"/>
             </a:solidFill>
             <a:tailEnd type="triangle" w="lg" len="med"/>
           </a:ln>
@@ -6189,62 +5695,25 @@
           </a:fontRef>
         </p:style>
       </p:cxnSp>
-      <p:sp>
-        <p:nvSpPr>
-          <p:cNvPr id="17" name="TextBox 16"/>
-          <p:cNvSpPr txBox="1"/>
-          <p:nvPr/>
-        </p:nvSpPr>
-        <p:spPr>
-          <a:xfrm>
-            <a:off x="3131840" y="1700808"/>
-            <a:ext cx="1080120" cy="584776"/>
-          </a:xfrm>
-          <a:prstGeom prst="rect">
-            <a:avLst/>
-          </a:prstGeom>
-          <a:noFill/>
-        </p:spPr>
-        <p:txBody>
-          <a:bodyPr wrap="square" rtlCol="0">
-            <a:spAutoFit/>
-          </a:bodyPr>
-          <a:lstStyle/>
-          <a:p>
-            <a:pPr algn="ctr"/>
-            <a:r>
-              <a:rPr lang="en-US" sz="1600" b="1" dirty="0" smtClean="0">
-                <a:solidFill>
-                  <a:srgbClr val="FF0000"/>
-                </a:solidFill>
-              </a:rPr>
-              <a:t>return type</a:t>
-            </a:r>
-            <a:endParaRPr lang="en-US" sz="1600" b="1" dirty="0">
-              <a:solidFill>
-                <a:srgbClr val="FF0000"/>
-              </a:solidFill>
-            </a:endParaRPr>
-          </a:p>
-        </p:txBody>
-      </p:sp>
       <p:cxnSp>
         <p:nvCxnSpPr>
-          <p:cNvPr id="18" name="Straight Connector 17"/>
-          <p:cNvCxnSpPr/>
+          <p:cNvPr id="78" name="Straight Connector 77"/>
+          <p:cNvCxnSpPr>
+            <a:endCxn id="75" idx="0"/>
+          </p:cNvCxnSpPr>
           <p:nvPr/>
         </p:nvCxnSpPr>
         <p:spPr>
-          <a:xfrm flipH="1">
-            <a:off x="3995936" y="2276872"/>
-            <a:ext cx="216023" cy="288032"/>
+          <a:xfrm>
+            <a:off x="4405103" y="3212976"/>
+            <a:ext cx="87255" cy="196279"/>
           </a:xfrm>
           <a:prstGeom prst="line">
             <a:avLst/>
           </a:prstGeom>
           <a:ln>
             <a:solidFill>
-              <a:srgbClr val="FF0000"/>
+              <a:schemeClr val="tx1"/>
             </a:solidFill>
             <a:tailEnd type="triangle" w="lg" len="med"/>
           </a:ln>
@@ -6264,199 +5733,10 @@
           </a:fontRef>
         </p:style>
       </p:cxnSp>
-      <p:sp>
-        <p:nvSpPr>
-          <p:cNvPr id="19" name="TextBox 18"/>
-          <p:cNvSpPr txBox="1"/>
-          <p:nvPr/>
-        </p:nvSpPr>
-        <p:spPr>
-          <a:xfrm>
-            <a:off x="3851920" y="1700808"/>
-            <a:ext cx="1080120" cy="584776"/>
-          </a:xfrm>
-          <a:prstGeom prst="rect">
-            <a:avLst/>
-          </a:prstGeom>
-          <a:noFill/>
-        </p:spPr>
-        <p:txBody>
-          <a:bodyPr wrap="square" rtlCol="0">
-            <a:spAutoFit/>
-          </a:bodyPr>
-          <a:lstStyle/>
-          <a:p>
-            <a:pPr algn="ctr"/>
-            <a:r>
-              <a:rPr lang="en-US" sz="1600" b="1" dirty="0" smtClean="0">
-                <a:solidFill>
-                  <a:srgbClr val="FF0000"/>
-                </a:solidFill>
-              </a:rPr>
-              <a:t>return name</a:t>
-            </a:r>
-            <a:endParaRPr lang="en-US" sz="1600" b="1" dirty="0">
-              <a:solidFill>
-                <a:srgbClr val="FF0000"/>
-              </a:solidFill>
-            </a:endParaRPr>
-          </a:p>
-        </p:txBody>
-      </p:sp>
-      <p:cxnSp>
-        <p:nvCxnSpPr>
-          <p:cNvPr id="20" name="Straight Connector 19"/>
-          <p:cNvCxnSpPr/>
-          <p:nvPr/>
-        </p:nvCxnSpPr>
-        <p:spPr>
-          <a:xfrm flipH="1" flipV="1">
-            <a:off x="2267744" y="3212976"/>
-            <a:ext cx="576064" cy="216024"/>
-          </a:xfrm>
-          <a:prstGeom prst="line">
-            <a:avLst/>
-          </a:prstGeom>
-          <a:ln>
-            <a:solidFill>
-              <a:srgbClr val="FF0000"/>
-            </a:solidFill>
-            <a:tailEnd type="triangle" w="lg" len="med"/>
-          </a:ln>
-        </p:spPr>
-        <p:style>
-          <a:lnRef idx="2">
-            <a:schemeClr val="accent1"/>
-          </a:lnRef>
-          <a:fillRef idx="0">
-            <a:schemeClr val="accent1"/>
-          </a:fillRef>
-          <a:effectRef idx="1">
-            <a:schemeClr val="accent1"/>
-          </a:effectRef>
-          <a:fontRef idx="minor">
-            <a:schemeClr val="tx1"/>
-          </a:fontRef>
-        </p:style>
-      </p:cxnSp>
-      <p:sp>
-        <p:nvSpPr>
-          <p:cNvPr id="25" name="TextBox 24"/>
-          <p:cNvSpPr txBox="1"/>
-          <p:nvPr/>
-        </p:nvSpPr>
-        <p:spPr>
-          <a:xfrm>
-            <a:off x="2627784" y="3212976"/>
-            <a:ext cx="1944216" cy="584776"/>
-          </a:xfrm>
-          <a:prstGeom prst="rect">
-            <a:avLst/>
-          </a:prstGeom>
-          <a:noFill/>
-        </p:spPr>
-        <p:txBody>
-          <a:bodyPr wrap="square" rtlCol="0">
-            <a:spAutoFit/>
-          </a:bodyPr>
-          <a:lstStyle/>
-          <a:p>
-            <a:pPr algn="ctr"/>
-            <a:r>
-              <a:rPr lang="en-US" sz="1600" b="1" dirty="0" smtClean="0">
-                <a:solidFill>
-                  <a:srgbClr val="FF0000"/>
-                </a:solidFill>
-              </a:rPr>
-              <a:t>automatically returned</a:t>
-            </a:r>
-            <a:endParaRPr lang="en-US" sz="1600" b="1" dirty="0">
-              <a:solidFill>
-                <a:srgbClr val="FF0000"/>
-              </a:solidFill>
-            </a:endParaRPr>
-          </a:p>
-        </p:txBody>
-      </p:sp>
-      <p:cxnSp>
-        <p:nvCxnSpPr>
-          <p:cNvPr id="26" name="Straight Connector 25"/>
-          <p:cNvCxnSpPr/>
-          <p:nvPr/>
-        </p:nvCxnSpPr>
-        <p:spPr>
-          <a:xfrm flipH="1">
-            <a:off x="2627784" y="4437112"/>
-            <a:ext cx="648072" cy="216024"/>
-          </a:xfrm>
-          <a:prstGeom prst="line">
-            <a:avLst/>
-          </a:prstGeom>
-          <a:ln>
-            <a:solidFill>
-              <a:srgbClr val="FF0000"/>
-            </a:solidFill>
-            <a:tailEnd type="triangle" w="lg" len="med"/>
-          </a:ln>
-        </p:spPr>
-        <p:style>
-          <a:lnRef idx="2">
-            <a:schemeClr val="accent1"/>
-          </a:lnRef>
-          <a:fillRef idx="0">
-            <a:schemeClr val="accent1"/>
-          </a:fillRef>
-          <a:effectRef idx="1">
-            <a:schemeClr val="accent1"/>
-          </a:effectRef>
-          <a:fontRef idx="minor">
-            <a:schemeClr val="tx1"/>
-          </a:fontRef>
-        </p:style>
-      </p:cxnSp>
-      <p:sp>
-        <p:nvSpPr>
-          <p:cNvPr id="31" name="TextBox 30"/>
-          <p:cNvSpPr txBox="1"/>
-          <p:nvPr/>
-        </p:nvSpPr>
-        <p:spPr>
-          <a:xfrm>
-            <a:off x="2987824" y="4140368"/>
-            <a:ext cx="1944216" cy="584776"/>
-          </a:xfrm>
-          <a:prstGeom prst="rect">
-            <a:avLst/>
-          </a:prstGeom>
-          <a:noFill/>
-        </p:spPr>
-        <p:txBody>
-          <a:bodyPr wrap="square" rtlCol="0">
-            <a:spAutoFit/>
-          </a:bodyPr>
-          <a:lstStyle/>
-          <a:p>
-            <a:pPr algn="ctr"/>
-            <a:r>
-              <a:rPr lang="en-US" sz="1600" b="1" dirty="0" smtClean="0">
-                <a:solidFill>
-                  <a:srgbClr val="FF0000"/>
-                </a:solidFill>
-              </a:rPr>
-              <a:t>automatically printed</a:t>
-            </a:r>
-            <a:endParaRPr lang="en-US" sz="1600" b="1" dirty="0">
-              <a:solidFill>
-                <a:srgbClr val="FF0000"/>
-              </a:solidFill>
-            </a:endParaRPr>
-          </a:p>
-        </p:txBody>
-      </p:sp>
     </p:spTree>
     <p:extLst>
       <p:ext uri="{BB962C8B-B14F-4D97-AF65-F5344CB8AC3E}">
-        <p14:creationId xmlns:p14="http://schemas.microsoft.com/office/powerpoint/2010/main" val="3463991577"/>
+        <p14:creationId xmlns:p14="http://schemas.microsoft.com/office/powerpoint/2010/main" val="2864211720"/>
       </p:ext>
     </p:extLst>
   </p:cSld>
@@ -6495,6 +5775,988 @@
         </p:nvSpPr>
         <p:spPr>
           <a:xfrm>
+            <a:off x="1609328" y="188640"/>
+            <a:ext cx="6347048" cy="1143000"/>
+          </a:xfrm>
+        </p:spPr>
+        <p:txBody>
+          <a:bodyPr/>
+          <a:lstStyle/>
+          <a:p>
+            <a:pPr algn="l"/>
+            <a:r>
+              <a:rPr lang="en-US" sz="4000" dirty="0" smtClean="0"/>
+              <a:t>Implementation</a:t>
+            </a:r>
+            <a:endParaRPr lang="en-US" sz="4000" dirty="0"/>
+          </a:p>
+        </p:txBody>
+      </p:sp>
+      <p:sp>
+        <p:nvSpPr>
+          <p:cNvPr id="5" name="Content Placeholder 4"/>
+          <p:cNvSpPr>
+            <a:spLocks noGrp="1"/>
+          </p:cNvSpPr>
+          <p:nvPr>
+            <p:ph idx="1"/>
+          </p:nvPr>
+        </p:nvSpPr>
+        <p:spPr>
+          <a:xfrm>
+            <a:off x="1526976" y="1268760"/>
+            <a:ext cx="8229600" cy="4525963"/>
+          </a:xfrm>
+        </p:spPr>
+        <p:txBody>
+          <a:bodyPr/>
+          <a:lstStyle/>
+          <a:p>
+            <a:pPr marL="0" indent="0">
+              <a:buNone/>
+            </a:pPr>
+            <a:r>
+              <a:rPr lang="en-US" sz="1600" b="1" dirty="0">
+                <a:latin typeface="Arial"/>
+                <a:cs typeface="Arial"/>
+              </a:rPr>
+              <a:t>Types and Operators</a:t>
+            </a:r>
+          </a:p>
+          <a:p>
+            <a:pPr marL="0" indent="0">
+              <a:spcBef>
+                <a:spcPts val="0"/>
+              </a:spcBef>
+              <a:buNone/>
+            </a:pPr>
+            <a:endParaRPr lang="en-US" sz="1600" b="1" dirty="0">
+              <a:latin typeface="Arial"/>
+              <a:cs typeface="Arial"/>
+            </a:endParaRPr>
+          </a:p>
+          <a:p>
+            <a:pPr marL="0" indent="0">
+              <a:buNone/>
+            </a:pPr>
+            <a:r>
+              <a:rPr lang="en-US" sz="1600" b="1" dirty="0">
+                <a:latin typeface="Arial"/>
+                <a:cs typeface="Arial"/>
+              </a:rPr>
+              <a:t>Types</a:t>
+            </a:r>
+          </a:p>
+          <a:p>
+            <a:r>
+              <a:rPr lang="en-US" sz="1600" b="1" dirty="0" err="1">
+                <a:latin typeface="Arial"/>
+                <a:cs typeface="Arial"/>
+              </a:rPr>
+              <a:t>int</a:t>
+            </a:r>
+            <a:r>
+              <a:rPr lang="en-US" sz="1600" b="1" dirty="0">
+                <a:latin typeface="Arial"/>
+                <a:cs typeface="Arial"/>
+              </a:rPr>
+              <a:t> (integers): 17, 0, -3489</a:t>
+            </a:r>
+          </a:p>
+          <a:p>
+            <a:r>
+              <a:rPr lang="en-US" sz="1600" b="1" dirty="0">
+                <a:latin typeface="Arial"/>
+                <a:cs typeface="Arial"/>
+              </a:rPr>
+              <a:t>float (floating point): 24.2, -3., 17.006 </a:t>
+            </a:r>
+          </a:p>
+          <a:p>
+            <a:r>
+              <a:rPr lang="en-US" sz="1600" b="1" dirty="0">
+                <a:latin typeface="Arial"/>
+                <a:cs typeface="Arial"/>
+              </a:rPr>
+              <a:t>comp (complex): C(7.4 + 8.1I)</a:t>
+            </a:r>
+          </a:p>
+          <a:p>
+            <a:r>
+              <a:rPr lang="en-US" sz="1600" b="1" dirty="0">
+                <a:latin typeface="Arial"/>
+                <a:cs typeface="Arial"/>
+              </a:rPr>
+              <a:t>mat (matrix): [(1,2,3)(4,5,6)], |1101&gt;</a:t>
+            </a:r>
+          </a:p>
+          <a:p>
+            <a:endParaRPr lang="en-US" sz="1600" b="1" dirty="0">
+              <a:latin typeface="Arial"/>
+              <a:cs typeface="Arial"/>
+            </a:endParaRPr>
+          </a:p>
+          <a:p>
+            <a:pPr marL="0" indent="0">
+              <a:buNone/>
+            </a:pPr>
+            <a:r>
+              <a:rPr lang="en-US" sz="1600" b="1" dirty="0" smtClean="0">
+                <a:latin typeface="Arial"/>
+                <a:cs typeface="Arial"/>
+              </a:rPr>
+              <a:t>Operators (the interesting ones)</a:t>
+            </a:r>
+          </a:p>
+          <a:p>
+            <a:r>
+              <a:rPr lang="en-US" sz="1600" b="1" dirty="0" smtClean="0"/>
+              <a:t>Matrix: norm, trans, </a:t>
+            </a:r>
+            <a:r>
+              <a:rPr lang="en-US" sz="1600" b="1" dirty="0" err="1" smtClean="0"/>
+              <a:t>det</a:t>
+            </a:r>
+            <a:r>
+              <a:rPr lang="en-US" sz="1600" b="1" dirty="0" smtClean="0"/>
+              <a:t>, </a:t>
+            </a:r>
+            <a:r>
+              <a:rPr lang="en-US" sz="1600" b="1" dirty="0" err="1" smtClean="0"/>
+              <a:t>adj</a:t>
+            </a:r>
+            <a:r>
+              <a:rPr lang="en-US" sz="1600" b="1" dirty="0" smtClean="0"/>
+              <a:t>, </a:t>
+            </a:r>
+            <a:r>
+              <a:rPr lang="en-US" sz="1600" b="1" dirty="0" err="1" smtClean="0"/>
+              <a:t>conj</a:t>
+            </a:r>
+            <a:r>
+              <a:rPr lang="en-US" sz="1600" b="1" dirty="0" smtClean="0"/>
+              <a:t>, unit, @ (tensor product)</a:t>
+            </a:r>
+          </a:p>
+          <a:p>
+            <a:r>
+              <a:rPr lang="en-US" sz="1600" b="1" dirty="0" smtClean="0"/>
+              <a:t>Complex: </a:t>
+            </a:r>
+            <a:r>
+              <a:rPr lang="en-US" sz="1600" b="1" dirty="0" err="1" smtClean="0"/>
+              <a:t>im</a:t>
+            </a:r>
+            <a:r>
+              <a:rPr lang="en-US" sz="1600" b="1" dirty="0" smtClean="0"/>
+              <a:t>, re</a:t>
+            </a:r>
+          </a:p>
+          <a:p>
+            <a:pPr marL="0" indent="0">
+              <a:buNone/>
+            </a:pPr>
+            <a:endParaRPr lang="en-US" sz="1600" b="1" dirty="0"/>
+          </a:p>
+          <a:p>
+            <a:pPr marL="0" indent="0">
+              <a:buNone/>
+            </a:pPr>
+            <a:r>
+              <a:rPr lang="en-US" sz="1600" b="1" dirty="0" smtClean="0"/>
+              <a:t>Built-in Constants</a:t>
+            </a:r>
+          </a:p>
+          <a:p>
+            <a:r>
+              <a:rPr lang="en-US" sz="1600" b="1" dirty="0" smtClean="0"/>
+              <a:t>H, X, Y, IDT</a:t>
+            </a:r>
+          </a:p>
+          <a:p>
+            <a:pPr marL="0" indent="0">
+              <a:buNone/>
+            </a:pPr>
+            <a:endParaRPr lang="en-US" sz="1600" b="1" dirty="0"/>
+          </a:p>
+          <a:p>
+            <a:pPr marL="0" indent="0">
+              <a:buNone/>
+            </a:pPr>
+            <a:endParaRPr lang="en-US" sz="1600" b="1" dirty="0">
+              <a:latin typeface="Arial"/>
+              <a:cs typeface="Arial"/>
+            </a:endParaRPr>
+          </a:p>
+          <a:p>
+            <a:pPr marL="0" indent="0">
+              <a:buNone/>
+            </a:pPr>
+            <a:endParaRPr lang="en-US" sz="1600" b="1" dirty="0">
+              <a:latin typeface="Arial"/>
+              <a:cs typeface="Arial"/>
+            </a:endParaRPr>
+          </a:p>
+        </p:txBody>
+      </p:sp>
+    </p:spTree>
+    <p:extLst>
+      <p:ext uri="{BB962C8B-B14F-4D97-AF65-F5344CB8AC3E}">
+        <p14:creationId xmlns:p14="http://schemas.microsoft.com/office/powerpoint/2010/main" val="1043839614"/>
+      </p:ext>
+    </p:extLst>
+  </p:cSld>
+  <p:clrMapOvr>
+    <a:masterClrMapping/>
+  </p:clrMapOvr>
+</p:sld>
+</file>
+
+<file path=ppt/slides/slide14.xml><?xml version="1.0" encoding="utf-8"?>
+<p:sld xmlns:a="http://schemas.openxmlformats.org/drawingml/2006/main" xmlns:r="http://schemas.openxmlformats.org/officeDocument/2006/relationships" xmlns:p="http://schemas.openxmlformats.org/presentationml/2006/main">
+  <p:cSld>
+    <p:spTree>
+      <p:nvGrpSpPr>
+        <p:cNvPr id="1" name=""/>
+        <p:cNvGrpSpPr/>
+        <p:nvPr/>
+      </p:nvGrpSpPr>
+      <p:grpSpPr>
+        <a:xfrm>
+          <a:off x="0" y="0"/>
+          <a:ext cx="0" cy="0"/>
+          <a:chOff x="0" y="0"/>
+          <a:chExt cx="0" cy="0"/>
+        </a:xfrm>
+      </p:grpSpPr>
+      <p:sp>
+        <p:nvSpPr>
+          <p:cNvPr id="2" name="Title 1"/>
+          <p:cNvSpPr>
+            <a:spLocks noGrp="1"/>
+          </p:cNvSpPr>
+          <p:nvPr>
+            <p:ph type="title"/>
+          </p:nvPr>
+        </p:nvSpPr>
+        <p:spPr>
+          <a:xfrm>
+            <a:off x="1547664" y="116632"/>
+            <a:ext cx="5915000" cy="1143000"/>
+          </a:xfrm>
+        </p:spPr>
+        <p:txBody>
+          <a:bodyPr/>
+          <a:lstStyle/>
+          <a:p>
+            <a:pPr algn="l"/>
+            <a:r>
+              <a:rPr lang="en-US" sz="4000" dirty="0" smtClean="0"/>
+              <a:t>Implementation</a:t>
+            </a:r>
+            <a:endParaRPr lang="en-US" sz="4000" dirty="0"/>
+          </a:p>
+        </p:txBody>
+      </p:sp>
+      <p:sp>
+        <p:nvSpPr>
+          <p:cNvPr id="54" name="Content Placeholder 4"/>
+          <p:cNvSpPr>
+            <a:spLocks noGrp="1"/>
+          </p:cNvSpPr>
+          <p:nvPr>
+            <p:ph idx="1"/>
+          </p:nvPr>
+        </p:nvSpPr>
+        <p:spPr>
+          <a:xfrm>
+            <a:off x="1526976" y="1124744"/>
+            <a:ext cx="8229600" cy="4525963"/>
+          </a:xfrm>
+        </p:spPr>
+        <p:txBody>
+          <a:bodyPr/>
+          <a:lstStyle/>
+          <a:p>
+            <a:pPr marL="0" indent="0">
+              <a:buNone/>
+            </a:pPr>
+            <a:r>
+              <a:rPr lang="en-US" sz="2200" b="1" dirty="0" smtClean="0"/>
+              <a:t>Details</a:t>
+            </a:r>
+          </a:p>
+          <a:p>
+            <a:pPr marL="0" indent="0">
+              <a:spcBef>
+                <a:spcPts val="0"/>
+              </a:spcBef>
+              <a:buNone/>
+            </a:pPr>
+            <a:endParaRPr lang="en-US" sz="2200" b="1" dirty="0" smtClean="0"/>
+          </a:p>
+          <a:p>
+            <a:pPr marL="0" indent="0">
+              <a:spcBef>
+                <a:spcPts val="0"/>
+              </a:spcBef>
+              <a:buNone/>
+            </a:pPr>
+            <a:endParaRPr lang="en-US" sz="2200" b="1" dirty="0" smtClean="0"/>
+          </a:p>
+          <a:p>
+            <a:pPr marL="0" indent="0">
+              <a:spcBef>
+                <a:spcPts val="0"/>
+              </a:spcBef>
+              <a:buNone/>
+            </a:pPr>
+            <a:endParaRPr lang="en-US" sz="2200" b="1" dirty="0"/>
+          </a:p>
+          <a:p>
+            <a:pPr marL="0" indent="0">
+              <a:buNone/>
+            </a:pPr>
+            <a:r>
+              <a:rPr lang="en-US" sz="1600" b="1" dirty="0" err="1" smtClean="0"/>
+              <a:t>def</a:t>
+            </a:r>
+            <a:r>
+              <a:rPr lang="en-US" sz="1600" b="1" dirty="0" smtClean="0"/>
+              <a:t> x2(</a:t>
+            </a:r>
+            <a:r>
+              <a:rPr lang="en-US" sz="1600" b="1" dirty="0" err="1" smtClean="0"/>
+              <a:t>int</a:t>
+            </a:r>
+            <a:r>
+              <a:rPr lang="en-US" sz="1600" b="1" dirty="0" smtClean="0"/>
+              <a:t> a) </a:t>
+            </a:r>
+            <a:r>
+              <a:rPr lang="en-US" sz="1600" b="1" dirty="0"/>
+              <a:t>: comp  </a:t>
+            </a:r>
+            <a:r>
+              <a:rPr lang="en-US" sz="1600" b="1" dirty="0" smtClean="0"/>
+              <a:t>result {</a:t>
+            </a:r>
+            <a:endParaRPr lang="en-US" sz="1600" b="1" dirty="0"/>
+          </a:p>
+          <a:p>
+            <a:pPr marL="0" indent="0">
+              <a:buNone/>
+            </a:pPr>
+            <a:r>
+              <a:rPr lang="en-US" sz="1600" b="1" dirty="0" smtClean="0"/>
+              <a:t>    result = a * 2;</a:t>
+            </a:r>
+            <a:endParaRPr lang="en-US" sz="1600" b="1" dirty="0"/>
+          </a:p>
+          <a:p>
+            <a:pPr marL="0" indent="0">
+              <a:buNone/>
+            </a:pPr>
+            <a:r>
+              <a:rPr lang="en-US" sz="1600" b="1" dirty="0"/>
+              <a:t>}</a:t>
+            </a:r>
+          </a:p>
+          <a:p>
+            <a:pPr marL="0" indent="0">
+              <a:buNone/>
+            </a:pPr>
+            <a:endParaRPr lang="en-US" sz="2200" b="1" dirty="0" smtClean="0"/>
+          </a:p>
+          <a:p>
+            <a:pPr marL="0" indent="0">
+              <a:buNone/>
+            </a:pPr>
+            <a:r>
+              <a:rPr lang="en-US" sz="1600" b="1" dirty="0" err="1" smtClean="0"/>
+              <a:t>def</a:t>
+            </a:r>
+            <a:r>
+              <a:rPr lang="en-US" sz="1600" b="1" dirty="0" smtClean="0"/>
+              <a:t> </a:t>
+            </a:r>
+            <a:r>
+              <a:rPr lang="en-US" sz="1600" b="1" dirty="0"/>
+              <a:t>compute() : comp  </a:t>
+            </a:r>
+            <a:r>
+              <a:rPr lang="en-US" sz="1600" b="1" dirty="0" err="1" smtClean="0"/>
+              <a:t>final_result</a:t>
+            </a:r>
+            <a:r>
+              <a:rPr lang="en-US" sz="1600" b="1" dirty="0" smtClean="0"/>
+              <a:t> {</a:t>
+            </a:r>
+          </a:p>
+          <a:p>
+            <a:pPr marL="0" indent="0">
+              <a:buNone/>
+            </a:pPr>
+            <a:r>
+              <a:rPr lang="en-US" sz="1600" b="1" dirty="0" smtClean="0"/>
+              <a:t>    </a:t>
+            </a:r>
+            <a:r>
+              <a:rPr lang="en-US" sz="1600" b="1" dirty="0" err="1" smtClean="0"/>
+              <a:t>int</a:t>
+            </a:r>
+            <a:r>
+              <a:rPr lang="en-US" sz="1600" b="1" dirty="0" smtClean="0"/>
+              <a:t> a;</a:t>
+            </a:r>
+          </a:p>
+          <a:p>
+            <a:pPr marL="0" indent="0">
+              <a:buNone/>
+            </a:pPr>
+            <a:r>
+              <a:rPr lang="en-US" sz="1600" b="1" dirty="0"/>
+              <a:t> </a:t>
+            </a:r>
+            <a:r>
+              <a:rPr lang="en-US" sz="1600" b="1" dirty="0" smtClean="0"/>
+              <a:t>   a = 3;	</a:t>
+            </a:r>
+          </a:p>
+          <a:p>
+            <a:pPr marL="0" indent="0">
+              <a:buNone/>
+            </a:pPr>
+            <a:r>
+              <a:rPr lang="en-US" sz="1600" b="1" dirty="0" smtClean="0"/>
+              <a:t>    </a:t>
+            </a:r>
+            <a:r>
+              <a:rPr lang="en-US" sz="1600" b="1" dirty="0" err="1" smtClean="0"/>
+              <a:t>final_result</a:t>
+            </a:r>
+            <a:r>
+              <a:rPr lang="en-US" sz="1600" b="1" dirty="0" smtClean="0"/>
+              <a:t> = x2(a);</a:t>
+            </a:r>
+            <a:endParaRPr lang="en-US" sz="1600" b="1" dirty="0"/>
+          </a:p>
+          <a:p>
+            <a:pPr marL="0" indent="0">
+              <a:buNone/>
+            </a:pPr>
+            <a:r>
+              <a:rPr lang="en-US" sz="1600" b="1" dirty="0" smtClean="0"/>
+              <a:t>}</a:t>
+            </a:r>
+          </a:p>
+          <a:p>
+            <a:endParaRPr lang="en-US" sz="2200" b="1" dirty="0" smtClean="0"/>
+          </a:p>
+        </p:txBody>
+      </p:sp>
+      <p:cxnSp>
+        <p:nvCxnSpPr>
+          <p:cNvPr id="4" name="Straight Connector 3"/>
+          <p:cNvCxnSpPr>
+            <a:stCxn id="11" idx="2"/>
+          </p:cNvCxnSpPr>
+          <p:nvPr/>
+        </p:nvCxnSpPr>
+        <p:spPr>
+          <a:xfrm>
+            <a:off x="1871700" y="2213576"/>
+            <a:ext cx="180020" cy="279320"/>
+          </a:xfrm>
+          <a:prstGeom prst="line">
+            <a:avLst/>
+          </a:prstGeom>
+          <a:ln>
+            <a:solidFill>
+              <a:srgbClr val="FF0000"/>
+            </a:solidFill>
+            <a:tailEnd type="triangle" w="lg" len="med"/>
+          </a:ln>
+        </p:spPr>
+        <p:style>
+          <a:lnRef idx="2">
+            <a:schemeClr val="accent1"/>
+          </a:lnRef>
+          <a:fillRef idx="0">
+            <a:schemeClr val="accent1"/>
+          </a:fillRef>
+          <a:effectRef idx="1">
+            <a:schemeClr val="accent1"/>
+          </a:effectRef>
+          <a:fontRef idx="minor">
+            <a:schemeClr val="tx1"/>
+          </a:fontRef>
+        </p:style>
+      </p:cxnSp>
+      <p:cxnSp>
+        <p:nvCxnSpPr>
+          <p:cNvPr id="10" name="Straight Connector 9"/>
+          <p:cNvCxnSpPr/>
+          <p:nvPr/>
+        </p:nvCxnSpPr>
+        <p:spPr>
+          <a:xfrm flipH="1">
+            <a:off x="2555776" y="2204864"/>
+            <a:ext cx="216023" cy="288032"/>
+          </a:xfrm>
+          <a:prstGeom prst="line">
+            <a:avLst/>
+          </a:prstGeom>
+          <a:ln>
+            <a:solidFill>
+              <a:srgbClr val="FF0000"/>
+            </a:solidFill>
+            <a:tailEnd type="triangle" w="lg" len="med"/>
+          </a:ln>
+        </p:spPr>
+        <p:style>
+          <a:lnRef idx="2">
+            <a:schemeClr val="accent1"/>
+          </a:lnRef>
+          <a:fillRef idx="0">
+            <a:schemeClr val="accent1"/>
+          </a:fillRef>
+          <a:effectRef idx="1">
+            <a:schemeClr val="accent1"/>
+          </a:effectRef>
+          <a:fontRef idx="minor">
+            <a:schemeClr val="tx1"/>
+          </a:fontRef>
+        </p:style>
+      </p:cxnSp>
+      <p:sp>
+        <p:nvSpPr>
+          <p:cNvPr id="11" name="TextBox 10"/>
+          <p:cNvSpPr txBox="1"/>
+          <p:nvPr/>
+        </p:nvSpPr>
+        <p:spPr>
+          <a:xfrm>
+            <a:off x="1331640" y="1628800"/>
+            <a:ext cx="1080120" cy="584776"/>
+          </a:xfrm>
+          <a:prstGeom prst="rect">
+            <a:avLst/>
+          </a:prstGeom>
+          <a:noFill/>
+        </p:spPr>
+        <p:txBody>
+          <a:bodyPr wrap="square" rtlCol="0">
+            <a:spAutoFit/>
+          </a:bodyPr>
+          <a:lstStyle/>
+          <a:p>
+            <a:pPr algn="ctr"/>
+            <a:r>
+              <a:rPr lang="en-US" sz="1600" b="1" dirty="0" smtClean="0">
+                <a:solidFill>
+                  <a:srgbClr val="FF0000"/>
+                </a:solidFill>
+              </a:rPr>
+              <a:t>function name</a:t>
+            </a:r>
+            <a:endParaRPr lang="en-US" sz="1600" b="1" dirty="0">
+              <a:solidFill>
+                <a:srgbClr val="FF0000"/>
+              </a:solidFill>
+            </a:endParaRPr>
+          </a:p>
+        </p:txBody>
+      </p:sp>
+      <p:sp>
+        <p:nvSpPr>
+          <p:cNvPr id="15" name="TextBox 14"/>
+          <p:cNvSpPr txBox="1"/>
+          <p:nvPr/>
+        </p:nvSpPr>
+        <p:spPr>
+          <a:xfrm>
+            <a:off x="2267744" y="1620088"/>
+            <a:ext cx="1080120" cy="584776"/>
+          </a:xfrm>
+          <a:prstGeom prst="rect">
+            <a:avLst/>
+          </a:prstGeom>
+          <a:noFill/>
+        </p:spPr>
+        <p:txBody>
+          <a:bodyPr wrap="square" rtlCol="0">
+            <a:spAutoFit/>
+          </a:bodyPr>
+          <a:lstStyle/>
+          <a:p>
+            <a:pPr algn="ctr"/>
+            <a:r>
+              <a:rPr lang="en-US" sz="1600" b="1" dirty="0" smtClean="0">
+                <a:solidFill>
+                  <a:srgbClr val="FF0000"/>
+                </a:solidFill>
+              </a:rPr>
+              <a:t>formal </a:t>
+            </a:r>
+            <a:r>
+              <a:rPr lang="en-US" sz="1600" b="1" dirty="0" err="1" smtClean="0">
+                <a:solidFill>
+                  <a:srgbClr val="FF0000"/>
+                </a:solidFill>
+              </a:rPr>
+              <a:t>params</a:t>
+            </a:r>
+            <a:endParaRPr lang="en-US" sz="1600" b="1" dirty="0">
+              <a:solidFill>
+                <a:srgbClr val="FF0000"/>
+              </a:solidFill>
+            </a:endParaRPr>
+          </a:p>
+        </p:txBody>
+      </p:sp>
+      <p:cxnSp>
+        <p:nvCxnSpPr>
+          <p:cNvPr id="16" name="Straight Connector 15"/>
+          <p:cNvCxnSpPr/>
+          <p:nvPr/>
+        </p:nvCxnSpPr>
+        <p:spPr>
+          <a:xfrm flipH="1">
+            <a:off x="3275856" y="2276872"/>
+            <a:ext cx="216023" cy="288032"/>
+          </a:xfrm>
+          <a:prstGeom prst="line">
+            <a:avLst/>
+          </a:prstGeom>
+          <a:ln>
+            <a:solidFill>
+              <a:srgbClr val="FF0000"/>
+            </a:solidFill>
+            <a:tailEnd type="triangle" w="lg" len="med"/>
+          </a:ln>
+        </p:spPr>
+        <p:style>
+          <a:lnRef idx="2">
+            <a:schemeClr val="accent1"/>
+          </a:lnRef>
+          <a:fillRef idx="0">
+            <a:schemeClr val="accent1"/>
+          </a:fillRef>
+          <a:effectRef idx="1">
+            <a:schemeClr val="accent1"/>
+          </a:effectRef>
+          <a:fontRef idx="minor">
+            <a:schemeClr val="tx1"/>
+          </a:fontRef>
+        </p:style>
+      </p:cxnSp>
+      <p:sp>
+        <p:nvSpPr>
+          <p:cNvPr id="17" name="TextBox 16"/>
+          <p:cNvSpPr txBox="1"/>
+          <p:nvPr/>
+        </p:nvSpPr>
+        <p:spPr>
+          <a:xfrm>
+            <a:off x="3131840" y="1700808"/>
+            <a:ext cx="1080120" cy="584776"/>
+          </a:xfrm>
+          <a:prstGeom prst="rect">
+            <a:avLst/>
+          </a:prstGeom>
+          <a:noFill/>
+        </p:spPr>
+        <p:txBody>
+          <a:bodyPr wrap="square" rtlCol="0">
+            <a:spAutoFit/>
+          </a:bodyPr>
+          <a:lstStyle/>
+          <a:p>
+            <a:pPr algn="ctr"/>
+            <a:r>
+              <a:rPr lang="en-US" sz="1600" b="1" dirty="0" smtClean="0">
+                <a:solidFill>
+                  <a:srgbClr val="FF0000"/>
+                </a:solidFill>
+              </a:rPr>
+              <a:t>return type</a:t>
+            </a:r>
+            <a:endParaRPr lang="en-US" sz="1600" b="1" dirty="0">
+              <a:solidFill>
+                <a:srgbClr val="FF0000"/>
+              </a:solidFill>
+            </a:endParaRPr>
+          </a:p>
+        </p:txBody>
+      </p:sp>
+      <p:cxnSp>
+        <p:nvCxnSpPr>
+          <p:cNvPr id="18" name="Straight Connector 17"/>
+          <p:cNvCxnSpPr/>
+          <p:nvPr/>
+        </p:nvCxnSpPr>
+        <p:spPr>
+          <a:xfrm flipH="1">
+            <a:off x="3995936" y="2276872"/>
+            <a:ext cx="216023" cy="288032"/>
+          </a:xfrm>
+          <a:prstGeom prst="line">
+            <a:avLst/>
+          </a:prstGeom>
+          <a:ln>
+            <a:solidFill>
+              <a:srgbClr val="FF0000"/>
+            </a:solidFill>
+            <a:tailEnd type="triangle" w="lg" len="med"/>
+          </a:ln>
+        </p:spPr>
+        <p:style>
+          <a:lnRef idx="2">
+            <a:schemeClr val="accent1"/>
+          </a:lnRef>
+          <a:fillRef idx="0">
+            <a:schemeClr val="accent1"/>
+          </a:fillRef>
+          <a:effectRef idx="1">
+            <a:schemeClr val="accent1"/>
+          </a:effectRef>
+          <a:fontRef idx="minor">
+            <a:schemeClr val="tx1"/>
+          </a:fontRef>
+        </p:style>
+      </p:cxnSp>
+      <p:sp>
+        <p:nvSpPr>
+          <p:cNvPr id="19" name="TextBox 18"/>
+          <p:cNvSpPr txBox="1"/>
+          <p:nvPr/>
+        </p:nvSpPr>
+        <p:spPr>
+          <a:xfrm>
+            <a:off x="3851920" y="1700808"/>
+            <a:ext cx="1080120" cy="584776"/>
+          </a:xfrm>
+          <a:prstGeom prst="rect">
+            <a:avLst/>
+          </a:prstGeom>
+          <a:noFill/>
+        </p:spPr>
+        <p:txBody>
+          <a:bodyPr wrap="square" rtlCol="0">
+            <a:spAutoFit/>
+          </a:bodyPr>
+          <a:lstStyle/>
+          <a:p>
+            <a:pPr algn="ctr"/>
+            <a:r>
+              <a:rPr lang="en-US" sz="1600" b="1" dirty="0" smtClean="0">
+                <a:solidFill>
+                  <a:srgbClr val="FF0000"/>
+                </a:solidFill>
+              </a:rPr>
+              <a:t>return name</a:t>
+            </a:r>
+            <a:endParaRPr lang="en-US" sz="1600" b="1" dirty="0">
+              <a:solidFill>
+                <a:srgbClr val="FF0000"/>
+              </a:solidFill>
+            </a:endParaRPr>
+          </a:p>
+        </p:txBody>
+      </p:sp>
+      <p:cxnSp>
+        <p:nvCxnSpPr>
+          <p:cNvPr id="20" name="Straight Connector 19"/>
+          <p:cNvCxnSpPr/>
+          <p:nvPr/>
+        </p:nvCxnSpPr>
+        <p:spPr>
+          <a:xfrm flipH="1" flipV="1">
+            <a:off x="2267744" y="3212976"/>
+            <a:ext cx="576064" cy="216024"/>
+          </a:xfrm>
+          <a:prstGeom prst="line">
+            <a:avLst/>
+          </a:prstGeom>
+          <a:ln>
+            <a:solidFill>
+              <a:srgbClr val="FF0000"/>
+            </a:solidFill>
+            <a:tailEnd type="triangle" w="lg" len="med"/>
+          </a:ln>
+        </p:spPr>
+        <p:style>
+          <a:lnRef idx="2">
+            <a:schemeClr val="accent1"/>
+          </a:lnRef>
+          <a:fillRef idx="0">
+            <a:schemeClr val="accent1"/>
+          </a:fillRef>
+          <a:effectRef idx="1">
+            <a:schemeClr val="accent1"/>
+          </a:effectRef>
+          <a:fontRef idx="minor">
+            <a:schemeClr val="tx1"/>
+          </a:fontRef>
+        </p:style>
+      </p:cxnSp>
+      <p:sp>
+        <p:nvSpPr>
+          <p:cNvPr id="25" name="TextBox 24"/>
+          <p:cNvSpPr txBox="1"/>
+          <p:nvPr/>
+        </p:nvSpPr>
+        <p:spPr>
+          <a:xfrm>
+            <a:off x="2627784" y="3212976"/>
+            <a:ext cx="1944216" cy="584776"/>
+          </a:xfrm>
+          <a:prstGeom prst="rect">
+            <a:avLst/>
+          </a:prstGeom>
+          <a:noFill/>
+        </p:spPr>
+        <p:txBody>
+          <a:bodyPr wrap="square" rtlCol="0">
+            <a:spAutoFit/>
+          </a:bodyPr>
+          <a:lstStyle/>
+          <a:p>
+            <a:pPr algn="ctr"/>
+            <a:r>
+              <a:rPr lang="en-US" sz="1600" b="1" dirty="0" smtClean="0">
+                <a:solidFill>
+                  <a:srgbClr val="FF0000"/>
+                </a:solidFill>
+              </a:rPr>
+              <a:t>automatically returned</a:t>
+            </a:r>
+            <a:endParaRPr lang="en-US" sz="1600" b="1" dirty="0">
+              <a:solidFill>
+                <a:srgbClr val="FF0000"/>
+              </a:solidFill>
+            </a:endParaRPr>
+          </a:p>
+        </p:txBody>
+      </p:sp>
+      <p:cxnSp>
+        <p:nvCxnSpPr>
+          <p:cNvPr id="26" name="Straight Connector 25"/>
+          <p:cNvCxnSpPr/>
+          <p:nvPr/>
+        </p:nvCxnSpPr>
+        <p:spPr>
+          <a:xfrm flipH="1">
+            <a:off x="2627784" y="4437112"/>
+            <a:ext cx="648072" cy="216024"/>
+          </a:xfrm>
+          <a:prstGeom prst="line">
+            <a:avLst/>
+          </a:prstGeom>
+          <a:ln>
+            <a:solidFill>
+              <a:srgbClr val="FF0000"/>
+            </a:solidFill>
+            <a:tailEnd type="triangle" w="lg" len="med"/>
+          </a:ln>
+        </p:spPr>
+        <p:style>
+          <a:lnRef idx="2">
+            <a:schemeClr val="accent1"/>
+          </a:lnRef>
+          <a:fillRef idx="0">
+            <a:schemeClr val="accent1"/>
+          </a:fillRef>
+          <a:effectRef idx="1">
+            <a:schemeClr val="accent1"/>
+          </a:effectRef>
+          <a:fontRef idx="minor">
+            <a:schemeClr val="tx1"/>
+          </a:fontRef>
+        </p:style>
+      </p:cxnSp>
+      <p:sp>
+        <p:nvSpPr>
+          <p:cNvPr id="31" name="TextBox 30"/>
+          <p:cNvSpPr txBox="1"/>
+          <p:nvPr/>
+        </p:nvSpPr>
+        <p:spPr>
+          <a:xfrm>
+            <a:off x="2987824" y="4140368"/>
+            <a:ext cx="1944216" cy="584776"/>
+          </a:xfrm>
+          <a:prstGeom prst="rect">
+            <a:avLst/>
+          </a:prstGeom>
+          <a:noFill/>
+        </p:spPr>
+        <p:txBody>
+          <a:bodyPr wrap="square" rtlCol="0">
+            <a:spAutoFit/>
+          </a:bodyPr>
+          <a:lstStyle/>
+          <a:p>
+            <a:pPr algn="ctr"/>
+            <a:r>
+              <a:rPr lang="en-US" sz="1600" b="1" dirty="0" smtClean="0">
+                <a:solidFill>
+                  <a:srgbClr val="FF0000"/>
+                </a:solidFill>
+              </a:rPr>
+              <a:t>automatically printed</a:t>
+            </a:r>
+            <a:endParaRPr lang="en-US" sz="1600" b="1" dirty="0">
+              <a:solidFill>
+                <a:srgbClr val="FF0000"/>
+              </a:solidFill>
+            </a:endParaRPr>
+          </a:p>
+        </p:txBody>
+      </p:sp>
+    </p:spTree>
+    <p:extLst>
+      <p:ext uri="{BB962C8B-B14F-4D97-AF65-F5344CB8AC3E}">
+        <p14:creationId xmlns:p14="http://schemas.microsoft.com/office/powerpoint/2010/main" val="3463991577"/>
+      </p:ext>
+    </p:extLst>
+  </p:cSld>
+  <p:clrMapOvr>
+    <a:masterClrMapping/>
+  </p:clrMapOvr>
+</p:sld>
+</file>
+
+<file path=ppt/slides/slide15.xml><?xml version="1.0" encoding="utf-8"?>
+<p:sld xmlns:a="http://schemas.openxmlformats.org/drawingml/2006/main" xmlns:r="http://schemas.openxmlformats.org/officeDocument/2006/relationships" xmlns:p="http://schemas.openxmlformats.org/presentationml/2006/main">
+  <p:cSld>
+    <p:spTree>
+      <p:nvGrpSpPr>
+        <p:cNvPr id="1" name=""/>
+        <p:cNvGrpSpPr/>
+        <p:nvPr/>
+      </p:nvGrpSpPr>
+      <p:grpSpPr>
+        <a:xfrm>
+          <a:off x="0" y="0"/>
+          <a:ext cx="0" cy="0"/>
+          <a:chOff x="0" y="0"/>
+          <a:chExt cx="0" cy="0"/>
+        </a:xfrm>
+      </p:grpSpPr>
+      <p:sp>
+        <p:nvSpPr>
+          <p:cNvPr id="2" name="Title 1"/>
+          <p:cNvSpPr>
+            <a:spLocks noGrp="1"/>
+          </p:cNvSpPr>
+          <p:nvPr>
+            <p:ph type="title"/>
+          </p:nvPr>
+        </p:nvSpPr>
+        <p:spPr>
+          <a:xfrm>
             <a:off x="1547664" y="116632"/>
             <a:ext cx="6429400" cy="1143000"/>
           </a:xfrm>
@@ -6540,6 +6802,172 @@
     <p:extLst>
       <p:ext uri="{BB962C8B-B14F-4D97-AF65-F5344CB8AC3E}">
         <p14:creationId xmlns:p14="http://schemas.microsoft.com/office/powerpoint/2010/main" val="4283947283"/>
+      </p:ext>
+    </p:extLst>
+  </p:cSld>
+  <p:clrMapOvr>
+    <a:masterClrMapping/>
+  </p:clrMapOvr>
+</p:sld>
+</file>
+
+<file path=ppt/slides/slide16.xml><?xml version="1.0" encoding="utf-8"?>
+<p:sld xmlns:a="http://schemas.openxmlformats.org/drawingml/2006/main" xmlns:r="http://schemas.openxmlformats.org/officeDocument/2006/relationships" xmlns:p="http://schemas.openxmlformats.org/presentationml/2006/main">
+  <p:cSld>
+    <p:spTree>
+      <p:nvGrpSpPr>
+        <p:cNvPr id="1" name=""/>
+        <p:cNvGrpSpPr/>
+        <p:nvPr/>
+      </p:nvGrpSpPr>
+      <p:grpSpPr>
+        <a:xfrm>
+          <a:off x="0" y="0"/>
+          <a:ext cx="0" cy="0"/>
+          <a:chOff x="0" y="0"/>
+          <a:chExt cx="0" cy="0"/>
+        </a:xfrm>
+      </p:grpSpPr>
+      <p:sp>
+        <p:nvSpPr>
+          <p:cNvPr id="2" name="Title 1"/>
+          <p:cNvSpPr>
+            <a:spLocks noGrp="1"/>
+          </p:cNvSpPr>
+          <p:nvPr>
+            <p:ph type="title"/>
+          </p:nvPr>
+        </p:nvSpPr>
+        <p:spPr>
+          <a:xfrm>
+            <a:off x="1547664" y="116632"/>
+            <a:ext cx="6429400" cy="1143000"/>
+          </a:xfrm>
+        </p:spPr>
+        <p:txBody>
+          <a:bodyPr/>
+          <a:lstStyle/>
+          <a:p>
+            <a:pPr algn="l"/>
+            <a:r>
+              <a:rPr lang="en-US" sz="4000" dirty="0" smtClean="0"/>
+              <a:t>Testing and Verification</a:t>
+            </a:r>
+            <a:endParaRPr lang="en-US" sz="4000" dirty="0"/>
+          </a:p>
+        </p:txBody>
+      </p:sp>
+      <p:sp>
+        <p:nvSpPr>
+          <p:cNvPr id="3" name="Content Placeholder 2"/>
+          <p:cNvSpPr>
+            <a:spLocks noGrp="1"/>
+          </p:cNvSpPr>
+          <p:nvPr>
+            <p:ph idx="1"/>
+          </p:nvPr>
+        </p:nvSpPr>
+        <p:spPr>
+          <a:xfrm>
+            <a:off x="1526976" y="1600200"/>
+            <a:ext cx="8229600" cy="4525963"/>
+          </a:xfrm>
+        </p:spPr>
+        <p:txBody>
+          <a:bodyPr/>
+          <a:lstStyle/>
+          <a:p>
+            <a:endParaRPr lang="en-US" sz="2400" dirty="0"/>
+          </a:p>
+        </p:txBody>
+      </p:sp>
+    </p:spTree>
+    <p:extLst>
+      <p:ext uri="{BB962C8B-B14F-4D97-AF65-F5344CB8AC3E}">
+        <p14:creationId xmlns:p14="http://schemas.microsoft.com/office/powerpoint/2010/main" val="2467666969"/>
+      </p:ext>
+    </p:extLst>
+  </p:cSld>
+  <p:clrMapOvr>
+    <a:masterClrMapping/>
+  </p:clrMapOvr>
+</p:sld>
+</file>
+
+<file path=ppt/slides/slide17.xml><?xml version="1.0" encoding="utf-8"?>
+<p:sld xmlns:a="http://schemas.openxmlformats.org/drawingml/2006/main" xmlns:r="http://schemas.openxmlformats.org/officeDocument/2006/relationships" xmlns:p="http://schemas.openxmlformats.org/presentationml/2006/main">
+  <p:cSld>
+    <p:spTree>
+      <p:nvGrpSpPr>
+        <p:cNvPr id="1" name=""/>
+        <p:cNvGrpSpPr/>
+        <p:nvPr/>
+      </p:nvGrpSpPr>
+      <p:grpSpPr>
+        <a:xfrm>
+          <a:off x="0" y="0"/>
+          <a:ext cx="0" cy="0"/>
+          <a:chOff x="0" y="0"/>
+          <a:chExt cx="0" cy="0"/>
+        </a:xfrm>
+      </p:grpSpPr>
+      <p:sp>
+        <p:nvSpPr>
+          <p:cNvPr id="2" name="Title 1"/>
+          <p:cNvSpPr>
+            <a:spLocks noGrp="1"/>
+          </p:cNvSpPr>
+          <p:nvPr>
+            <p:ph type="title"/>
+          </p:nvPr>
+        </p:nvSpPr>
+        <p:spPr>
+          <a:xfrm>
+            <a:off x="1547664" y="116632"/>
+            <a:ext cx="6429400" cy="1143000"/>
+          </a:xfrm>
+        </p:spPr>
+        <p:txBody>
+          <a:bodyPr/>
+          <a:lstStyle/>
+          <a:p>
+            <a:pPr algn="l"/>
+            <a:r>
+              <a:rPr lang="en-US" sz="4000" dirty="0" smtClean="0"/>
+              <a:t>Testing and Verification</a:t>
+            </a:r>
+            <a:endParaRPr lang="en-US" sz="4000" dirty="0"/>
+          </a:p>
+        </p:txBody>
+      </p:sp>
+      <p:sp>
+        <p:nvSpPr>
+          <p:cNvPr id="3" name="Content Placeholder 2"/>
+          <p:cNvSpPr>
+            <a:spLocks noGrp="1"/>
+          </p:cNvSpPr>
+          <p:nvPr>
+            <p:ph idx="1"/>
+          </p:nvPr>
+        </p:nvSpPr>
+        <p:spPr>
+          <a:xfrm>
+            <a:off x="1526976" y="1600200"/>
+            <a:ext cx="8229600" cy="4525963"/>
+          </a:xfrm>
+        </p:spPr>
+        <p:txBody>
+          <a:bodyPr/>
+          <a:lstStyle/>
+          <a:p>
+            <a:endParaRPr lang="en-US" sz="2400" dirty="0"/>
+          </a:p>
+        </p:txBody>
+      </p:sp>
+    </p:spTree>
+    <p:extLst>
+      <p:ext uri="{BB962C8B-B14F-4D97-AF65-F5344CB8AC3E}">
+        <p14:creationId xmlns:p14="http://schemas.microsoft.com/office/powerpoint/2010/main" val="3430005127"/>
       </p:ext>
     </p:extLst>
   </p:cSld>
@@ -6901,8 +7329,8 @@
         </p:nvSpPr>
         <p:spPr>
           <a:xfrm>
-            <a:off x="1526976" y="1268760"/>
-            <a:ext cx="8229600" cy="4525963"/>
+            <a:off x="1526976" y="1556793"/>
+            <a:ext cx="4125144" cy="3528392"/>
           </a:xfrm>
         </p:spPr>
         <p:txBody>
@@ -6913,23 +7341,96 @@
               <a:buNone/>
             </a:pPr>
             <a:r>
-              <a:rPr lang="en-US" sz="1800" b="1" dirty="0">
-                <a:latin typeface="Arial"/>
-                <a:cs typeface="Arial"/>
+              <a:rPr lang="en-US" sz="1800" b="1" dirty="0" smtClean="0"/>
+              <a:t>Example Code</a:t>
+            </a:r>
+            <a:endParaRPr lang="en-US" sz="1800" dirty="0" smtClean="0">
+              <a:latin typeface="Courier"/>
+              <a:cs typeface="Courier"/>
+            </a:endParaRPr>
+          </a:p>
+          <a:p>
+            <a:pPr marL="0" indent="0">
+              <a:buNone/>
+            </a:pPr>
+            <a:r>
+              <a:rPr lang="en-US" sz="1400" b="1" dirty="0" err="1">
+                <a:latin typeface="Courier"/>
+                <a:cs typeface="Courier"/>
               </a:rPr>
-              <a:t>Types and Operators</a:t>
+              <a:t>def</a:t>
+            </a:r>
+            <a:r>
+              <a:rPr lang="en-US" sz="1400" b="1" dirty="0">
+                <a:latin typeface="Courier"/>
+                <a:cs typeface="Courier"/>
+              </a:rPr>
+              <a:t> </a:t>
+            </a:r>
+            <a:r>
+              <a:rPr lang="en-US" sz="1400" b="1" dirty="0" smtClean="0">
+                <a:latin typeface="Courier"/>
+                <a:cs typeface="Courier"/>
+              </a:rPr>
+              <a:t>add01(mat x) </a:t>
+            </a:r>
+            <a:r>
+              <a:rPr lang="en-US" sz="1400" b="1" dirty="0">
+                <a:latin typeface="Courier"/>
+                <a:cs typeface="Courier"/>
+              </a:rPr>
+              <a:t>: mat </a:t>
+            </a:r>
+            <a:r>
+              <a:rPr lang="en-US" sz="1400" b="1" dirty="0" smtClean="0">
+                <a:latin typeface="Courier"/>
+                <a:cs typeface="Courier"/>
+              </a:rPr>
+              <a:t>result </a:t>
+            </a:r>
+            <a:r>
+              <a:rPr lang="en-US" sz="1400" b="1" dirty="0">
+                <a:latin typeface="Courier"/>
+                <a:cs typeface="Courier"/>
+              </a:rPr>
+              <a:t>{</a:t>
             </a:r>
           </a:p>
           <a:p>
             <a:pPr marL="0" indent="0">
-              <a:spcBef>
-                <a:spcPts val="0"/>
-              </a:spcBef>
               <a:buNone/>
             </a:pPr>
-            <a:endParaRPr lang="en-US" sz="1800" b="1" dirty="0">
-              <a:latin typeface="Arial"/>
-              <a:cs typeface="Arial"/>
+            <a:r>
+              <a:rPr lang="en-US" sz="1400" b="1" dirty="0">
+                <a:latin typeface="Courier"/>
+                <a:cs typeface="Courier"/>
+              </a:rPr>
+              <a:t> </a:t>
+            </a:r>
+            <a:r>
+              <a:rPr lang="en-US" sz="1400" b="1" dirty="0" smtClean="0">
+                <a:latin typeface="Courier"/>
+                <a:cs typeface="Courier"/>
+              </a:rPr>
+              <a:t>   mat </a:t>
+            </a:r>
+            <a:r>
+              <a:rPr lang="en-US" sz="1400" b="1" dirty="0">
+                <a:latin typeface="Courier"/>
+                <a:cs typeface="Courier"/>
+              </a:rPr>
+              <a:t>y</a:t>
+            </a:r>
+            <a:r>
+              <a:rPr lang="en-US" sz="1400" b="1" dirty="0" smtClean="0">
+                <a:latin typeface="Courier"/>
+                <a:cs typeface="Courier"/>
+              </a:rPr>
+              <a:t>;</a:t>
+            </a:r>
+            <a:endParaRPr lang="fi-FI" sz="1400" b="1" dirty="0">
+              <a:latin typeface="Courier"/>
+              <a:cs typeface="Courier"/>
             </a:endParaRPr>
           </a:p>
           <a:p>
@@ -6937,81 +7438,260 @@
               <a:buNone/>
             </a:pPr>
             <a:r>
-              <a:rPr lang="en-US" sz="1800" b="1" dirty="0">
-                <a:latin typeface="Arial"/>
-                <a:cs typeface="Arial"/>
+              <a:rPr lang="fr-FR" sz="1400" b="1" dirty="0" smtClean="0">
+                <a:latin typeface="Courier"/>
+                <a:cs typeface="Courier"/>
               </a:rPr>
-              <a:t>Types</a:t>
-            </a:r>
-          </a:p>
-          <a:p>
-            <a:r>
-              <a:rPr lang="en-US" sz="1800" b="1" dirty="0" err="1">
-                <a:latin typeface="Arial"/>
-                <a:cs typeface="Arial"/>
+              <a:t>    y </a:t>
+            </a:r>
+            <a:r>
+              <a:rPr lang="fr-FR" sz="1400" b="1" dirty="0">
+                <a:latin typeface="Courier"/>
+                <a:cs typeface="Courier"/>
               </a:rPr>
-              <a:t>int</a:t>
-            </a:r>
-            <a:r>
-              <a:rPr lang="en-US" sz="1800" b="1" dirty="0">
-                <a:latin typeface="Arial"/>
-                <a:cs typeface="Arial"/>
+              <a:t>= &lt;01|</a:t>
+            </a:r>
+            <a:r>
+              <a:rPr lang="fr-FR" sz="1400" b="1" dirty="0" smtClean="0">
+                <a:latin typeface="Courier"/>
+                <a:cs typeface="Courier"/>
               </a:rPr>
-              <a:t> (integers): 17, 0, -3489</a:t>
-            </a:r>
-          </a:p>
-          <a:p>
-            <a:r>
-              <a:rPr lang="en-US" sz="1800" b="1" dirty="0">
-                <a:latin typeface="Arial"/>
-                <a:cs typeface="Arial"/>
+              <a:t>;</a:t>
+            </a:r>
+            <a:endParaRPr lang="es-ES_tradnl" sz="1400" b="1" dirty="0">
+              <a:latin typeface="Courier"/>
+              <a:cs typeface="Courier"/>
+            </a:endParaRPr>
+          </a:p>
+          <a:p>
+            <a:pPr marL="0" indent="0">
+              <a:buNone/>
+            </a:pPr>
+            <a:r>
+              <a:rPr lang="es-ES_tradnl" sz="1400" b="1" dirty="0" smtClean="0">
+                <a:latin typeface="Courier"/>
+                <a:cs typeface="Courier"/>
               </a:rPr>
-              <a:t>float (floating point): 24.2, -3., 17.006 </a:t>
-            </a:r>
-          </a:p>
-          <a:p>
-            <a:r>
-              <a:rPr lang="en-US" sz="1800" b="1" dirty="0">
-                <a:latin typeface="Arial"/>
-                <a:cs typeface="Arial"/>
+              <a:t>    </a:t>
+            </a:r>
+            <a:r>
+              <a:rPr lang="en-US" sz="1400" b="1" dirty="0">
+                <a:latin typeface="Courier"/>
+                <a:cs typeface="Courier"/>
               </a:rPr>
-              <a:t>comp (complex): C(7.4 + 8.1I)</a:t>
-            </a:r>
-          </a:p>
-          <a:p>
-            <a:r>
-              <a:rPr lang="en-US" sz="1800" b="1" dirty="0">
-                <a:latin typeface="Arial"/>
-                <a:cs typeface="Arial"/>
+              <a:t>result </a:t>
+            </a:r>
+            <a:r>
+              <a:rPr lang="es-ES_tradnl" sz="1400" b="1" dirty="0" smtClean="0">
+                <a:latin typeface="Courier"/>
+                <a:cs typeface="Courier"/>
               </a:rPr>
-              <a:t>mat (matrix): [(1,2,3)(4,5,6)], |1101&gt;</a:t>
-            </a:r>
-          </a:p>
-          <a:p>
-            <a:endParaRPr lang="en-US" sz="1800" b="1" dirty="0">
-              <a:latin typeface="Arial"/>
-              <a:cs typeface="Arial"/>
+              <a:t>= </a:t>
+            </a:r>
+            <a:r>
+              <a:rPr lang="es-ES_tradnl" sz="1400" b="1" dirty="0">
+                <a:latin typeface="Courier"/>
+                <a:cs typeface="Courier"/>
+              </a:rPr>
+              <a:t>x + y</a:t>
+            </a:r>
+            <a:r>
+              <a:rPr lang="es-ES_tradnl" sz="1400" b="1" dirty="0" smtClean="0">
+                <a:latin typeface="Courier"/>
+                <a:cs typeface="Courier"/>
+              </a:rPr>
+              <a:t>;</a:t>
+            </a:r>
+          </a:p>
+          <a:p>
+            <a:pPr marL="0" indent="0">
+              <a:buNone/>
+            </a:pPr>
+            <a:r>
+              <a:rPr lang="es-ES_tradnl" sz="1400" b="1" dirty="0" smtClean="0">
+                <a:latin typeface="Courier"/>
+                <a:cs typeface="Courier"/>
+              </a:rPr>
+              <a:t>}</a:t>
+            </a:r>
+            <a:endParaRPr lang="es-ES_tradnl" sz="1400" b="1" dirty="0">
+              <a:latin typeface="Courier"/>
+              <a:cs typeface="Courier"/>
             </a:endParaRPr>
           </a:p>
           <a:p>
             <a:pPr marL="0" indent="0">
               <a:buNone/>
             </a:pPr>
-            <a:r>
-              <a:rPr lang="en-US" sz="1800" b="1" dirty="0">
-                <a:latin typeface="Arial"/>
-                <a:cs typeface="Arial"/>
+            <a:endParaRPr lang="es-ES_tradnl" sz="1400" b="1" dirty="0">
+              <a:latin typeface="Courier"/>
+              <a:cs typeface="Courier"/>
+            </a:endParaRPr>
+          </a:p>
+          <a:p>
+            <a:pPr marL="0" indent="0">
+              <a:buNone/>
+            </a:pPr>
+            <a:r>
+              <a:rPr lang="es-ES_tradnl" sz="1400" b="1" dirty="0" err="1" smtClean="0">
+                <a:latin typeface="Courier"/>
+                <a:cs typeface="Courier"/>
               </a:rPr>
-              <a:t>Operators</a:t>
+              <a:t>def</a:t>
+            </a:r>
+            <a:r>
+              <a:rPr lang="es-ES_tradnl" sz="1400" b="1" dirty="0" smtClean="0">
+                <a:latin typeface="Courier"/>
+                <a:cs typeface="Courier"/>
+              </a:rPr>
+              <a:t> </a:t>
+            </a:r>
+            <a:r>
+              <a:rPr lang="es-ES_tradnl" sz="1400" b="1" dirty="0">
+                <a:latin typeface="Courier"/>
+                <a:cs typeface="Courier"/>
+              </a:rPr>
+              <a:t>compute(</a:t>
+            </a:r>
+            <a:r>
+              <a:rPr lang="es-ES_tradnl" sz="1400" b="1" dirty="0" smtClean="0">
+                <a:latin typeface="Courier"/>
+                <a:cs typeface="Courier"/>
+              </a:rPr>
+              <a:t>) : </a:t>
+            </a:r>
+            <a:r>
+              <a:rPr lang="es-ES_tradnl" sz="1400" b="1" dirty="0" err="1" smtClean="0">
+                <a:latin typeface="Courier"/>
+                <a:cs typeface="Courier"/>
+              </a:rPr>
+              <a:t>mat</a:t>
+            </a:r>
+            <a:r>
+              <a:rPr lang="es-ES_tradnl" sz="1400" b="1" dirty="0" smtClean="0">
+                <a:latin typeface="Courier"/>
+                <a:cs typeface="Courier"/>
+              </a:rPr>
+              <a:t> </a:t>
+            </a:r>
+            <a:r>
+              <a:rPr lang="es-ES_tradnl" sz="1400" b="1" dirty="0" err="1" smtClean="0">
+                <a:latin typeface="Courier"/>
+                <a:cs typeface="Courier"/>
+              </a:rPr>
+              <a:t>final_result</a:t>
+            </a:r>
+            <a:r>
+              <a:rPr lang="es-ES_tradnl" sz="1400" b="1" dirty="0" smtClean="0">
+                <a:latin typeface="Courier"/>
+                <a:cs typeface="Courier"/>
+              </a:rPr>
+              <a:t> {</a:t>
             </a:r>
           </a:p>
           <a:p>
             <a:pPr marL="0" indent="0">
               <a:buNone/>
             </a:pPr>
-            <a:endParaRPr lang="en-US" sz="1800" b="1" dirty="0">
-              <a:latin typeface="Arial"/>
-              <a:cs typeface="Arial"/>
+            <a:r>
+              <a:rPr lang="es-ES_tradnl" sz="1400" b="1" dirty="0" smtClean="0">
+                <a:latin typeface="Courier"/>
+                <a:cs typeface="Courier"/>
+              </a:rPr>
+              <a:t>    </a:t>
+            </a:r>
+            <a:r>
+              <a:rPr lang="nl-NL" sz="1400" b="1" dirty="0" smtClean="0">
+                <a:latin typeface="Courier"/>
+                <a:cs typeface="Courier"/>
+              </a:rPr>
+              <a:t>mat x;</a:t>
+            </a:r>
+          </a:p>
+          <a:p>
+            <a:pPr marL="0" indent="0">
+              <a:buNone/>
+            </a:pPr>
+            <a:r>
+              <a:rPr lang="nl-NL" sz="1400" b="1" dirty="0" smtClean="0">
+                <a:latin typeface="Courier"/>
+                <a:cs typeface="Courier"/>
+              </a:rPr>
+              <a:t>    x = &lt;10;</a:t>
+            </a:r>
+          </a:p>
+          <a:p>
+            <a:pPr marL="0" indent="0">
+              <a:buNone/>
+            </a:pPr>
+            <a:r>
+              <a:rPr lang="nl-NL" sz="1400" b="1" dirty="0">
+                <a:latin typeface="Courier"/>
+                <a:cs typeface="Courier"/>
+              </a:rPr>
+              <a:t> </a:t>
+            </a:r>
+            <a:r>
+              <a:rPr lang="nl-NL" sz="1400" b="1" dirty="0" smtClean="0">
+                <a:latin typeface="Courier"/>
+                <a:cs typeface="Courier"/>
+              </a:rPr>
+              <a:t>   </a:t>
+            </a:r>
+            <a:r>
+              <a:rPr lang="es-ES_tradnl" sz="1400" b="1" dirty="0" err="1">
+                <a:latin typeface="Courier"/>
+                <a:cs typeface="Courier"/>
+              </a:rPr>
+              <a:t>final_result</a:t>
+            </a:r>
+            <a:r>
+              <a:rPr lang="es-ES_tradnl" sz="1400" b="1" dirty="0">
+                <a:latin typeface="Courier"/>
+                <a:cs typeface="Courier"/>
+              </a:rPr>
+              <a:t> </a:t>
+            </a:r>
+            <a:r>
+              <a:rPr lang="nl-NL" sz="1400" b="1" dirty="0" smtClean="0">
+                <a:latin typeface="Courier"/>
+                <a:cs typeface="Courier"/>
+              </a:rPr>
+              <a:t>= </a:t>
+            </a:r>
+            <a:r>
+              <a:rPr lang="en-US" sz="1400" b="1" dirty="0" smtClean="0">
+                <a:latin typeface="Courier"/>
+                <a:cs typeface="Courier"/>
+              </a:rPr>
+              <a:t>add01</a:t>
+            </a:r>
+            <a:r>
+              <a:rPr lang="nl-NL" sz="1400" b="1" dirty="0" smtClean="0">
+                <a:latin typeface="Courier"/>
+                <a:cs typeface="Courier"/>
+              </a:rPr>
+              <a:t>(x);</a:t>
+            </a:r>
+            <a:endParaRPr lang="nl-NL" sz="1400" b="1" dirty="0">
+              <a:latin typeface="Courier"/>
+              <a:cs typeface="Courier"/>
+            </a:endParaRPr>
+          </a:p>
+          <a:p>
+            <a:pPr marL="0" indent="0">
+              <a:buNone/>
+            </a:pPr>
+            <a:r>
+              <a:rPr lang="nl-NL" sz="1400" b="1" dirty="0" smtClean="0">
+                <a:latin typeface="Courier"/>
+                <a:cs typeface="Courier"/>
+              </a:rPr>
+              <a:t>}</a:t>
+            </a:r>
+            <a:endParaRPr lang="en-US" sz="1400" dirty="0">
+              <a:latin typeface="Courier"/>
+              <a:cs typeface="Courier"/>
             </a:endParaRPr>
           </a:p>
         </p:txBody>
@@ -7019,7 +7699,7 @@
     </p:spTree>
     <p:extLst>
       <p:ext uri="{BB962C8B-B14F-4D97-AF65-F5344CB8AC3E}">
-        <p14:creationId xmlns:p14="http://schemas.microsoft.com/office/powerpoint/2010/main" val="1043839614"/>
+        <p14:creationId xmlns:p14="http://schemas.microsoft.com/office/powerpoint/2010/main" val="2852806127"/>
       </p:ext>
     </p:extLst>
   </p:cSld>
@@ -7087,8 +7767,8 @@
         </p:nvSpPr>
         <p:spPr>
           <a:xfrm>
-            <a:off x="1526976" y="1556793"/>
-            <a:ext cx="4125144" cy="3528392"/>
+            <a:off x="1526976" y="1556792"/>
+            <a:ext cx="7617024" cy="4525963"/>
           </a:xfrm>
         </p:spPr>
         <p:txBody>
@@ -7099,59 +7779,43 @@
               <a:buNone/>
             </a:pPr>
             <a:r>
-              <a:rPr lang="en-US" sz="1800" b="1" dirty="0" smtClean="0"/>
-              <a:t>Example Code</a:t>
-            </a:r>
-            <a:endParaRPr lang="en-US" sz="1800" dirty="0" smtClean="0">
-              <a:latin typeface="Courier"/>
-              <a:cs typeface="Courier"/>
-            </a:endParaRPr>
+              <a:rPr lang="en-US" sz="2400" dirty="0" smtClean="0"/>
+              <a:t>Benefits</a:t>
+            </a:r>
+          </a:p>
+          <a:p>
+            <a:r>
+              <a:rPr lang="en-US" sz="2000" dirty="0" smtClean="0"/>
+              <a:t>Enforces simple and intuitive syntax</a:t>
+            </a:r>
+          </a:p>
+          <a:p>
+            <a:r>
+              <a:rPr lang="en-US" sz="2000" dirty="0" smtClean="0"/>
+              <a:t>Leverages well-known and elegant Dirac notation</a:t>
+            </a:r>
           </a:p>
           <a:p>
             <a:pPr marL="0" indent="0">
               <a:buNone/>
             </a:pPr>
             <a:r>
-              <a:rPr lang="en-US" sz="1400" b="1" dirty="0" err="1">
-                <a:latin typeface="Courier"/>
-                <a:cs typeface="Courier"/>
-              </a:rPr>
-              <a:t>def</a:t>
-            </a:r>
-            <a:r>
-              <a:rPr lang="en-US" sz="1400" b="1" dirty="0">
-                <a:latin typeface="Courier"/>
-                <a:cs typeface="Courier"/>
-              </a:rPr>
-              <a:t> </a:t>
-            </a:r>
-            <a:r>
-              <a:rPr lang="en-US" sz="1400" b="1" dirty="0" smtClean="0">
-                <a:latin typeface="Courier"/>
-                <a:cs typeface="Courier"/>
-              </a:rPr>
-              <a:t>add01(mat x) </a:t>
-            </a:r>
-            <a:r>
-              <a:rPr lang="en-US" sz="1400" b="1" dirty="0">
-                <a:latin typeface="Courier"/>
-                <a:cs typeface="Courier"/>
-              </a:rPr>
-              <a:t>: mat </a:t>
-            </a:r>
-            <a:r>
-              <a:rPr lang="en-US" sz="1400" b="1" dirty="0" smtClean="0">
-                <a:latin typeface="Courier"/>
-                <a:cs typeface="Courier"/>
-              </a:rPr>
-              <a:t>result </a:t>
-            </a:r>
-            <a:r>
-              <a:rPr lang="en-US" sz="1400" b="1" dirty="0">
-                <a:latin typeface="Courier"/>
-                <a:cs typeface="Courier"/>
-              </a:rPr>
-              <a:t>{</a:t>
+              <a:rPr lang="en-US" sz="1600" dirty="0" smtClean="0"/>
+              <a:t>	&lt;01101|</a:t>
+            </a:r>
+          </a:p>
+          <a:p>
+            <a:r>
+              <a:rPr lang="en-US" sz="2000" dirty="0" smtClean="0"/>
+              <a:t>Significantly reduces the complexity of dealing with </a:t>
+            </a:r>
+            <a:r>
+              <a:rPr lang="en-US" sz="2000" dirty="0" err="1" smtClean="0"/>
+              <a:t>matricies</a:t>
+            </a:r>
+            <a:r>
+              <a:rPr lang="en-US" sz="2000" dirty="0" smtClean="0"/>
+              <a:t> and their associated operations</a:t>
             </a:r>
           </a:p>
           <a:p>
@@ -7159,305 +7823,37 @@
               <a:buNone/>
             </a:pPr>
             <a:r>
-              <a:rPr lang="en-US" sz="1400" b="1" dirty="0">
-                <a:latin typeface="Courier"/>
-                <a:cs typeface="Courier"/>
-              </a:rPr>
-              <a:t> </a:t>
-            </a:r>
-            <a:r>
-              <a:rPr lang="en-US" sz="1400" b="1" dirty="0" smtClean="0">
-                <a:latin typeface="Courier"/>
-                <a:cs typeface="Courier"/>
-              </a:rPr>
-              <a:t>   mat </a:t>
-            </a:r>
-            <a:r>
-              <a:rPr lang="en-US" sz="1400" b="1" dirty="0">
-                <a:latin typeface="Courier"/>
-                <a:cs typeface="Courier"/>
-              </a:rPr>
-              <a:t>y</a:t>
-            </a:r>
-            <a:r>
-              <a:rPr lang="en-US" sz="1400" b="1" dirty="0" smtClean="0">
-                <a:latin typeface="Courier"/>
-                <a:cs typeface="Courier"/>
-              </a:rPr>
-              <a:t>;</a:t>
-            </a:r>
-            <a:endParaRPr lang="fi-FI" sz="1400" b="1" dirty="0">
-              <a:latin typeface="Courier"/>
-              <a:cs typeface="Courier"/>
-            </a:endParaRPr>
-          </a:p>
-          <a:p>
-            <a:pPr marL="0" indent="0">
-              <a:buNone/>
-            </a:pPr>
-            <a:r>
-              <a:rPr lang="fr-FR" sz="1400" b="1" dirty="0" smtClean="0">
-                <a:latin typeface="Courier"/>
-                <a:cs typeface="Courier"/>
-              </a:rPr>
-              <a:t>    y </a:t>
-            </a:r>
-            <a:r>
-              <a:rPr lang="fr-FR" sz="1400" b="1" dirty="0">
-                <a:latin typeface="Courier"/>
-                <a:cs typeface="Courier"/>
-              </a:rPr>
-              <a:t>= &lt;01|</a:t>
-            </a:r>
-            <a:r>
-              <a:rPr lang="fr-FR" sz="1400" b="1" dirty="0" smtClean="0">
-                <a:latin typeface="Courier"/>
-                <a:cs typeface="Courier"/>
-              </a:rPr>
-              <a:t>;</a:t>
-            </a:r>
-            <a:endParaRPr lang="es-ES_tradnl" sz="1400" b="1" dirty="0">
-              <a:latin typeface="Courier"/>
-              <a:cs typeface="Courier"/>
-            </a:endParaRPr>
-          </a:p>
-          <a:p>
-            <a:pPr marL="0" indent="0">
-              <a:buNone/>
-            </a:pPr>
-            <a:r>
-              <a:rPr lang="es-ES_tradnl" sz="1400" b="1" dirty="0" smtClean="0">
-                <a:latin typeface="Courier"/>
-                <a:cs typeface="Courier"/>
-              </a:rPr>
-              <a:t>    </a:t>
-            </a:r>
-            <a:r>
-              <a:rPr lang="en-US" sz="1400" b="1" dirty="0">
-                <a:latin typeface="Courier"/>
-                <a:cs typeface="Courier"/>
-              </a:rPr>
-              <a:t>result </a:t>
-            </a:r>
-            <a:r>
-              <a:rPr lang="es-ES_tradnl" sz="1400" b="1" dirty="0" smtClean="0">
-                <a:latin typeface="Courier"/>
-                <a:cs typeface="Courier"/>
-              </a:rPr>
-              <a:t>= </a:t>
-            </a:r>
-            <a:r>
-              <a:rPr lang="es-ES_tradnl" sz="1400" b="1" dirty="0">
-                <a:latin typeface="Courier"/>
-                <a:cs typeface="Courier"/>
-              </a:rPr>
-              <a:t>x + y</a:t>
-            </a:r>
-            <a:r>
-              <a:rPr lang="es-ES_tradnl" sz="1400" b="1" dirty="0" smtClean="0">
-                <a:latin typeface="Courier"/>
-                <a:cs typeface="Courier"/>
-              </a:rPr>
-              <a:t>;</a:t>
-            </a:r>
-          </a:p>
-          <a:p>
-            <a:pPr marL="0" indent="0">
-              <a:buNone/>
-            </a:pPr>
-            <a:r>
-              <a:rPr lang="es-ES_tradnl" sz="1400" b="1" dirty="0" smtClean="0">
-                <a:latin typeface="Courier"/>
-                <a:cs typeface="Courier"/>
-              </a:rPr>
-              <a:t>}</a:t>
-            </a:r>
-            <a:endParaRPr lang="es-ES_tradnl" sz="1400" b="1" dirty="0">
-              <a:latin typeface="Courier"/>
-              <a:cs typeface="Courier"/>
-            </a:endParaRPr>
-          </a:p>
-          <a:p>
-            <a:pPr marL="0" indent="0">
-              <a:buNone/>
-            </a:pPr>
-            <a:endParaRPr lang="es-ES_tradnl" sz="1400" b="1" dirty="0">
-              <a:latin typeface="Courier"/>
-              <a:cs typeface="Courier"/>
-            </a:endParaRPr>
-          </a:p>
-          <a:p>
-            <a:pPr marL="0" indent="0">
-              <a:buNone/>
-            </a:pPr>
-            <a:r>
-              <a:rPr lang="es-ES_tradnl" sz="1400" b="1" dirty="0" err="1" smtClean="0">
-                <a:latin typeface="Courier"/>
-                <a:cs typeface="Courier"/>
-              </a:rPr>
-              <a:t>def</a:t>
-            </a:r>
-            <a:r>
-              <a:rPr lang="es-ES_tradnl" sz="1400" b="1" dirty="0" smtClean="0">
-                <a:latin typeface="Courier"/>
-                <a:cs typeface="Courier"/>
-              </a:rPr>
-              <a:t> </a:t>
-            </a:r>
-            <a:r>
-              <a:rPr lang="es-ES_tradnl" sz="1400" b="1" dirty="0">
-                <a:latin typeface="Courier"/>
-                <a:cs typeface="Courier"/>
-              </a:rPr>
-              <a:t>compute(</a:t>
-            </a:r>
-            <a:r>
-              <a:rPr lang="es-ES_tradnl" sz="1400" b="1" dirty="0" smtClean="0">
-                <a:latin typeface="Courier"/>
-                <a:cs typeface="Courier"/>
-              </a:rPr>
-              <a:t>) : </a:t>
-            </a:r>
-            <a:r>
-              <a:rPr lang="es-ES_tradnl" sz="1400" b="1" dirty="0" err="1" smtClean="0">
-                <a:latin typeface="Courier"/>
-                <a:cs typeface="Courier"/>
-              </a:rPr>
-              <a:t>mat</a:t>
-            </a:r>
-            <a:r>
-              <a:rPr lang="es-ES_tradnl" sz="1400" b="1" dirty="0" smtClean="0">
-                <a:latin typeface="Courier"/>
-                <a:cs typeface="Courier"/>
-              </a:rPr>
-              <a:t> </a:t>
-            </a:r>
-            <a:r>
-              <a:rPr lang="es-ES_tradnl" sz="1400" b="1" dirty="0" err="1" smtClean="0">
-                <a:latin typeface="Courier"/>
-                <a:cs typeface="Courier"/>
-              </a:rPr>
-              <a:t>final_result</a:t>
-            </a:r>
-            <a:r>
-              <a:rPr lang="es-ES_tradnl" sz="1400" b="1" dirty="0" smtClean="0">
-                <a:latin typeface="Courier"/>
-                <a:cs typeface="Courier"/>
-              </a:rPr>
-              <a:t> {</a:t>
-            </a:r>
-          </a:p>
-          <a:p>
-            <a:pPr marL="0" indent="0">
-              <a:buNone/>
-            </a:pPr>
-            <a:r>
-              <a:rPr lang="es-ES_tradnl" sz="1400" b="1" dirty="0" smtClean="0">
-                <a:latin typeface="Courier"/>
-                <a:cs typeface="Courier"/>
-              </a:rPr>
-              <a:t>    </a:t>
-            </a:r>
-            <a:r>
-              <a:rPr lang="nl-NL" sz="1400" b="1" dirty="0" smtClean="0">
-                <a:latin typeface="Courier"/>
-                <a:cs typeface="Courier"/>
-              </a:rPr>
-              <a:t>mat x;</a:t>
-            </a:r>
-          </a:p>
-          <a:p>
-            <a:pPr marL="0" indent="0">
-              <a:buNone/>
-            </a:pPr>
-            <a:r>
-              <a:rPr lang="nl-NL" sz="1400" b="1" dirty="0" smtClean="0">
-                <a:latin typeface="Courier"/>
-                <a:cs typeface="Courier"/>
-              </a:rPr>
-              <a:t>    x = &lt;10;</a:t>
-            </a:r>
-          </a:p>
-          <a:p>
-            <a:pPr marL="0" indent="0">
-              <a:buNone/>
-            </a:pPr>
-            <a:r>
-              <a:rPr lang="nl-NL" sz="1400" b="1" dirty="0">
-                <a:latin typeface="Courier"/>
-                <a:cs typeface="Courier"/>
-              </a:rPr>
-              <a:t> </a:t>
-            </a:r>
-            <a:r>
-              <a:rPr lang="nl-NL" sz="1400" b="1" dirty="0" smtClean="0">
-                <a:latin typeface="Courier"/>
-                <a:cs typeface="Courier"/>
-              </a:rPr>
-              <a:t>   </a:t>
-            </a:r>
-            <a:r>
-              <a:rPr lang="es-ES_tradnl" sz="1400" b="1" dirty="0" err="1">
-                <a:latin typeface="Courier"/>
-                <a:cs typeface="Courier"/>
-              </a:rPr>
-              <a:t>final_result</a:t>
-            </a:r>
-            <a:r>
-              <a:rPr lang="es-ES_tradnl" sz="1400" b="1" dirty="0">
-                <a:latin typeface="Courier"/>
-                <a:cs typeface="Courier"/>
-              </a:rPr>
-              <a:t> </a:t>
-            </a:r>
-            <a:r>
-              <a:rPr lang="nl-NL" sz="1400" b="1" dirty="0" smtClean="0">
-                <a:latin typeface="Courier"/>
-                <a:cs typeface="Courier"/>
-              </a:rPr>
-              <a:t>= </a:t>
-            </a:r>
-            <a:r>
-              <a:rPr lang="en-US" sz="1400" b="1" dirty="0" smtClean="0">
-                <a:latin typeface="Courier"/>
-                <a:cs typeface="Courier"/>
-              </a:rPr>
-              <a:t>add01</a:t>
-            </a:r>
-            <a:r>
-              <a:rPr lang="nl-NL" sz="1400" b="1" dirty="0" smtClean="0">
-                <a:latin typeface="Courier"/>
-                <a:cs typeface="Courier"/>
-              </a:rPr>
-              <a:t>(x);</a:t>
-            </a:r>
-            <a:endParaRPr lang="nl-NL" sz="1400" b="1" dirty="0">
-              <a:latin typeface="Courier"/>
-              <a:cs typeface="Courier"/>
-            </a:endParaRPr>
-          </a:p>
-          <a:p>
-            <a:pPr marL="0" indent="0">
-              <a:buNone/>
-            </a:pPr>
-            <a:r>
-              <a:rPr lang="nl-NL" sz="1400" b="1" dirty="0" smtClean="0">
-                <a:latin typeface="Courier"/>
-                <a:cs typeface="Courier"/>
-              </a:rPr>
-              <a:t>}</a:t>
-            </a:r>
-            <a:endParaRPr lang="en-US" sz="1400" dirty="0">
-              <a:latin typeface="Courier"/>
-              <a:cs typeface="Courier"/>
-            </a:endParaRPr>
+              <a:rPr lang="en-US" sz="1600" dirty="0" smtClean="0"/>
+              <a:t>	|</a:t>
+            </a:r>
+            <a:r>
+              <a:rPr lang="en-US" sz="1600" dirty="0"/>
+              <a:t>0&gt; @ |1</a:t>
+            </a:r>
+            <a:r>
+              <a:rPr lang="en-US" sz="1600" dirty="0" smtClean="0"/>
+              <a:t>&gt;</a:t>
+            </a:r>
+          </a:p>
+          <a:p>
+            <a:r>
+              <a:rPr lang="en-US" sz="2000" dirty="0" smtClean="0"/>
+              <a:t>Designed for carrying out computations</a:t>
+            </a:r>
+          </a:p>
+          <a:p>
+            <a:r>
+              <a:rPr lang="en-US" sz="2000" dirty="0" smtClean="0"/>
+              <a:t>Excellent for implementing quantum algorithms</a:t>
+            </a:r>
+            <a:endParaRPr lang="en-US" sz="2000" dirty="0"/>
           </a:p>
         </p:txBody>
       </p:sp>
     </p:spTree>
     <p:extLst>
       <p:ext uri="{BB962C8B-B14F-4D97-AF65-F5344CB8AC3E}">
-        <p14:creationId xmlns:p14="http://schemas.microsoft.com/office/powerpoint/2010/main" val="2852806127"/>
+        <p14:creationId xmlns:p14="http://schemas.microsoft.com/office/powerpoint/2010/main" val="768119166"/>
       </p:ext>
     </p:extLst>
   </p:cSld>
@@ -7486,9 +7882,9 @@
       </p:grpSpPr>
       <p:sp>
         <p:nvSpPr>
-          <p:cNvPr id="2" name="Title 1"/>
+          <p:cNvPr id="153602" name="Rectangle 2"/>
           <p:cNvSpPr>
-            <a:spLocks noGrp="1"/>
+            <a:spLocks noGrp="1" noChangeArrowheads="1"/>
           </p:cNvSpPr>
           <p:nvPr>
             <p:ph type="title"/>
@@ -7496,8 +7892,8 @@
         </p:nvSpPr>
         <p:spPr>
           <a:xfrm>
-            <a:off x="1609328" y="188640"/>
-            <a:ext cx="6347048" cy="1143000"/>
+            <a:off x="1547664" y="188913"/>
+            <a:ext cx="7077224" cy="981075"/>
           </a:xfrm>
         </p:spPr>
         <p:txBody>
@@ -7506,18 +7902,26 @@
           <a:p>
             <a:pPr algn="l"/>
             <a:r>
-              <a:rPr lang="en-US" sz="4000" dirty="0" smtClean="0"/>
-              <a:t>Overview &amp; Motivation</a:t>
-            </a:r>
-            <a:endParaRPr lang="en-US" sz="4000" dirty="0"/>
-          </a:p>
-        </p:txBody>
-      </p:sp>
-      <p:sp>
-        <p:nvSpPr>
-          <p:cNvPr id="5" name="Content Placeholder 4"/>
+              <a:rPr lang="en-US" sz="4000" dirty="0" smtClean="0">
+                <a:solidFill>
+                  <a:schemeClr val="tx1"/>
+                </a:solidFill>
+              </a:rPr>
+              <a:t>Tutorial Introduction</a:t>
+            </a:r>
+            <a:endParaRPr lang="en-US" sz="4000" dirty="0">
+              <a:solidFill>
+                <a:schemeClr val="tx1"/>
+              </a:solidFill>
+            </a:endParaRPr>
+          </a:p>
+        </p:txBody>
+      </p:sp>
+      <p:sp>
+        <p:nvSpPr>
+          <p:cNvPr id="153603" name="Rectangle 3"/>
           <p:cNvSpPr>
-            <a:spLocks noGrp="1"/>
+            <a:spLocks noGrp="1" noChangeArrowheads="1"/>
           </p:cNvSpPr>
           <p:nvPr>
             <p:ph idx="1"/>
@@ -7525,99 +7929,30 @@
         </p:nvSpPr>
         <p:spPr>
           <a:xfrm>
-            <a:off x="1526976" y="1556792"/>
-            <a:ext cx="7617024" cy="4525963"/>
+            <a:off x="1526976" y="1855788"/>
+            <a:ext cx="8229600" cy="4525962"/>
           </a:xfrm>
         </p:spPr>
         <p:txBody>
           <a:bodyPr/>
           <a:lstStyle/>
           <a:p>
-            <a:pPr marL="0" indent="0">
-              <a:buNone/>
-            </a:pPr>
-            <a:r>
-              <a:rPr lang="en-US" sz="2400" dirty="0" smtClean="0"/>
-              <a:t>Benefits</a:t>
-            </a:r>
-          </a:p>
-          <a:p>
-            <a:r>
-              <a:rPr lang="en-US" sz="2000" dirty="0" smtClean="0"/>
-              <a:t>Enforces simple and intuitive syntax</a:t>
-            </a:r>
-          </a:p>
-          <a:p>
-            <a:r>
-              <a:rPr lang="en-US" sz="2000" dirty="0" smtClean="0"/>
-              <a:t>Leverages well-known and elegant Dirac notation</a:t>
-            </a:r>
-          </a:p>
-          <a:p>
-            <a:pPr marL="0" indent="0">
-              <a:buNone/>
-            </a:pPr>
-            <a:r>
-              <a:rPr lang="en-US" sz="1600" dirty="0" smtClean="0"/>
-              <a:t>	&lt;01101|</a:t>
-            </a:r>
-          </a:p>
-          <a:p>
-            <a:r>
-              <a:rPr lang="en-US" sz="2000" dirty="0" smtClean="0"/>
-              <a:t>Significantly reduces the complexity of dealing with </a:t>
-            </a:r>
-            <a:r>
-              <a:rPr lang="en-US" sz="2000" dirty="0" err="1" smtClean="0"/>
-              <a:t>matricies</a:t>
-            </a:r>
-            <a:r>
-              <a:rPr lang="en-US" sz="2000" dirty="0" smtClean="0"/>
-              <a:t> and their associated operations</a:t>
-            </a:r>
-          </a:p>
-          <a:p>
-            <a:pPr marL="0" indent="0">
-              <a:buNone/>
-            </a:pPr>
-            <a:r>
-              <a:rPr lang="en-US" sz="1600" dirty="0" smtClean="0"/>
-              <a:t>	|</a:t>
-            </a:r>
-            <a:r>
-              <a:rPr lang="en-US" sz="1600" dirty="0"/>
-              <a:t>0&gt; @ |1</a:t>
-            </a:r>
-            <a:r>
-              <a:rPr lang="en-US" sz="1600" dirty="0" smtClean="0"/>
-              <a:t>&gt;</a:t>
-            </a:r>
-          </a:p>
-          <a:p>
-            <a:r>
-              <a:rPr lang="en-US" sz="2000" dirty="0" smtClean="0"/>
-              <a:t>Designed for carrying out computations</a:t>
-            </a:r>
-          </a:p>
-          <a:p>
-            <a:r>
-              <a:rPr lang="en-US" sz="2000" dirty="0" smtClean="0"/>
-              <a:t>Excellent for implementing quantum algorithms</a:t>
-            </a:r>
-            <a:endParaRPr lang="en-US" sz="2000" dirty="0"/>
+            <a:endParaRPr lang="en-US" sz="2400" dirty="0"/>
           </a:p>
         </p:txBody>
       </p:sp>
     </p:spTree>
-    <p:extLst>
-      <p:ext uri="{BB962C8B-B14F-4D97-AF65-F5344CB8AC3E}">
-        <p14:creationId xmlns:p14="http://schemas.microsoft.com/office/powerpoint/2010/main" val="768119166"/>
-      </p:ext>
-    </p:extLst>
   </p:cSld>
   <p:clrMapOvr>
     <a:masterClrMapping/>
   </p:clrMapOvr>
+  <p:timing>
+    <p:tnLst>
+      <p:par>
+        <p:cTn xmlns:p14="http://schemas.microsoft.com/office/powerpoint/2010/main" id="1" dur="indefinite" restart="never" nodeType="tmRoot"/>
+      </p:par>
+    </p:tnLst>
+  </p:timing>
 </p:sld>
 </file>
 
@@ -7700,6 +8035,11 @@
         </p:txBody>
       </p:sp>
     </p:spTree>
+    <p:extLst>
+      <p:ext uri="{BB962C8B-B14F-4D97-AF65-F5344CB8AC3E}">
+        <p14:creationId xmlns:p14="http://schemas.microsoft.com/office/powerpoint/2010/main" val="2390145313"/>
+      </p:ext>
+    </p:extLst>
   </p:cSld>
   <p:clrMapOvr>
     <a:masterClrMapping/>
@@ -7795,7 +8135,7 @@
     </p:spTree>
     <p:extLst>
       <p:ext uri="{BB962C8B-B14F-4D97-AF65-F5344CB8AC3E}">
-        <p14:creationId xmlns:p14="http://schemas.microsoft.com/office/powerpoint/2010/main" val="2390145313"/>
+        <p14:creationId xmlns:p14="http://schemas.microsoft.com/office/powerpoint/2010/main" val="882417591"/>
       </p:ext>
     </p:extLst>
   </p:cSld>
@@ -7831,9 +8171,9 @@
       </p:grpSpPr>
       <p:sp>
         <p:nvSpPr>
-          <p:cNvPr id="153602" name="Rectangle 2"/>
+          <p:cNvPr id="2" name="Title 1"/>
           <p:cNvSpPr>
-            <a:spLocks noGrp="1" noChangeArrowheads="1"/>
+            <a:spLocks noGrp="1"/>
           </p:cNvSpPr>
           <p:nvPr>
             <p:ph type="title"/>
@@ -7841,8 +8181,8 @@
         </p:nvSpPr>
         <p:spPr>
           <a:xfrm>
-            <a:off x="1547664" y="188913"/>
-            <a:ext cx="7077224" cy="981075"/>
+            <a:off x="1547664" y="116632"/>
+            <a:ext cx="5915000" cy="1143000"/>
           </a:xfrm>
         </p:spPr>
         <p:txBody>
@@ -7851,26 +8191,905 @@
           <a:p>
             <a:pPr algn="l"/>
             <a:r>
-              <a:rPr lang="en-US" sz="4000" dirty="0" smtClean="0">
-                <a:solidFill>
-                  <a:schemeClr val="tx1"/>
-                </a:solidFill>
-              </a:rPr>
-              <a:t>Tutorial Introduction</a:t>
-            </a:r>
-            <a:endParaRPr lang="en-US" sz="4000" dirty="0">
-              <a:solidFill>
-                <a:schemeClr val="tx1"/>
-              </a:solidFill>
-            </a:endParaRPr>
-          </a:p>
-        </p:txBody>
-      </p:sp>
-      <p:sp>
-        <p:nvSpPr>
-          <p:cNvPr id="153603" name="Rectangle 3"/>
+              <a:rPr lang="en-US" sz="4000" dirty="0" smtClean="0"/>
+              <a:t>Implementation</a:t>
+            </a:r>
+            <a:endParaRPr lang="en-US" sz="4000" dirty="0"/>
+          </a:p>
+        </p:txBody>
+      </p:sp>
+      <p:sp>
+        <p:nvSpPr>
+          <p:cNvPr id="4" name="Oval 3"/>
+          <p:cNvSpPr/>
+          <p:nvPr/>
+        </p:nvSpPr>
+        <p:spPr>
+          <a:xfrm>
+            <a:off x="3438843" y="1844824"/>
+            <a:ext cx="1224136" cy="504056"/>
+          </a:xfrm>
+          <a:prstGeom prst="ellipse">
+            <a:avLst/>
+          </a:prstGeom>
+          <a:solidFill>
+            <a:schemeClr val="bg1">
+              <a:lumMod val="95000"/>
+            </a:schemeClr>
+          </a:solidFill>
+          <a:ln w="25400">
+            <a:solidFill>
+              <a:schemeClr val="tx1"/>
+            </a:solidFill>
+          </a:ln>
+        </p:spPr>
+        <p:style>
+          <a:lnRef idx="1">
+            <a:schemeClr val="accent1"/>
+          </a:lnRef>
+          <a:fillRef idx="3">
+            <a:schemeClr val="accent1"/>
+          </a:fillRef>
+          <a:effectRef idx="2">
+            <a:schemeClr val="accent1"/>
+          </a:effectRef>
+          <a:fontRef idx="minor">
+            <a:schemeClr val="lt1"/>
+          </a:fontRef>
+        </p:style>
+        <p:txBody>
+          <a:bodyPr rtlCol="0" anchor="ctr"/>
+          <a:lstStyle/>
+          <a:p>
+            <a:pPr algn="ctr"/>
+            <a:endParaRPr lang="en-US"/>
+          </a:p>
+        </p:txBody>
+      </p:sp>
+      <p:sp>
+        <p:nvSpPr>
+          <p:cNvPr id="5" name="TextBox 4"/>
+          <p:cNvSpPr txBox="1"/>
+          <p:nvPr/>
+        </p:nvSpPr>
+        <p:spPr>
+          <a:xfrm>
+            <a:off x="3582859" y="1916832"/>
+            <a:ext cx="971640" cy="338554"/>
+          </a:xfrm>
+          <a:prstGeom prst="rect">
+            <a:avLst/>
+          </a:prstGeom>
+          <a:noFill/>
+        </p:spPr>
+        <p:txBody>
+          <a:bodyPr wrap="none" rtlCol="0">
+            <a:spAutoFit/>
+          </a:bodyPr>
+          <a:lstStyle/>
+          <a:p>
+            <a:r>
+              <a:rPr lang="en-US" sz="1600" b="1" dirty="0" smtClean="0"/>
+              <a:t>scanner</a:t>
+            </a:r>
+            <a:endParaRPr lang="en-US" sz="1600" b="1" dirty="0"/>
+          </a:p>
+        </p:txBody>
+      </p:sp>
+      <p:sp>
+        <p:nvSpPr>
+          <p:cNvPr id="7" name="Oval 6"/>
+          <p:cNvSpPr/>
+          <p:nvPr/>
+        </p:nvSpPr>
+        <p:spPr>
+          <a:xfrm>
+            <a:off x="3438843" y="2852936"/>
+            <a:ext cx="1224136" cy="504056"/>
+          </a:xfrm>
+          <a:prstGeom prst="ellipse">
+            <a:avLst/>
+          </a:prstGeom>
+          <a:solidFill>
+            <a:schemeClr val="bg1">
+              <a:lumMod val="95000"/>
+            </a:schemeClr>
+          </a:solidFill>
+          <a:ln w="25400">
+            <a:solidFill>
+              <a:schemeClr val="tx1"/>
+            </a:solidFill>
+          </a:ln>
+        </p:spPr>
+        <p:style>
+          <a:lnRef idx="1">
+            <a:schemeClr val="accent1"/>
+          </a:lnRef>
+          <a:fillRef idx="3">
+            <a:schemeClr val="accent1"/>
+          </a:fillRef>
+          <a:effectRef idx="2">
+            <a:schemeClr val="accent1"/>
+          </a:effectRef>
+          <a:fontRef idx="minor">
+            <a:schemeClr val="lt1"/>
+          </a:fontRef>
+        </p:style>
+        <p:txBody>
+          <a:bodyPr rtlCol="0" anchor="ctr"/>
+          <a:lstStyle/>
+          <a:p>
+            <a:pPr algn="ctr"/>
+            <a:endParaRPr lang="en-US"/>
+          </a:p>
+        </p:txBody>
+      </p:sp>
+      <p:sp>
+        <p:nvSpPr>
+          <p:cNvPr id="8" name="TextBox 7"/>
+          <p:cNvSpPr txBox="1"/>
+          <p:nvPr/>
+        </p:nvSpPr>
+        <p:spPr>
+          <a:xfrm>
+            <a:off x="3654867" y="2874422"/>
+            <a:ext cx="813043" cy="338554"/>
+          </a:xfrm>
+          <a:prstGeom prst="rect">
+            <a:avLst/>
+          </a:prstGeom>
+          <a:noFill/>
+        </p:spPr>
+        <p:txBody>
+          <a:bodyPr wrap="none" rtlCol="0">
+            <a:spAutoFit/>
+          </a:bodyPr>
+          <a:lstStyle/>
+          <a:p>
+            <a:r>
+              <a:rPr lang="en-US" sz="1600" b="1" dirty="0" smtClean="0"/>
+              <a:t>parser</a:t>
+            </a:r>
+            <a:endParaRPr lang="en-US" sz="1600" b="1" dirty="0"/>
+          </a:p>
+        </p:txBody>
+      </p:sp>
+      <p:cxnSp>
+        <p:nvCxnSpPr>
+          <p:cNvPr id="19" name="Straight Connector 18"/>
+          <p:cNvCxnSpPr/>
+          <p:nvPr/>
+        </p:nvCxnSpPr>
+        <p:spPr>
+          <a:xfrm>
+            <a:off x="2915816" y="2060849"/>
+            <a:ext cx="523027" cy="0"/>
+          </a:xfrm>
+          <a:prstGeom prst="line">
+            <a:avLst/>
+          </a:prstGeom>
+          <a:ln>
+            <a:solidFill>
+              <a:schemeClr val="tx1"/>
+            </a:solidFill>
+            <a:tailEnd type="triangle" w="lg" len="med"/>
+          </a:ln>
+        </p:spPr>
+        <p:style>
+          <a:lnRef idx="2">
+            <a:schemeClr val="accent1"/>
+          </a:lnRef>
+          <a:fillRef idx="0">
+            <a:schemeClr val="accent1"/>
+          </a:fillRef>
+          <a:effectRef idx="1">
+            <a:schemeClr val="accent1"/>
+          </a:effectRef>
+          <a:fontRef idx="minor">
+            <a:schemeClr val="tx1"/>
+          </a:fontRef>
+        </p:style>
+      </p:cxnSp>
+      <p:sp>
+        <p:nvSpPr>
+          <p:cNvPr id="22" name="TextBox 21"/>
+          <p:cNvSpPr txBox="1"/>
+          <p:nvPr/>
+        </p:nvSpPr>
+        <p:spPr>
+          <a:xfrm>
+            <a:off x="1403648" y="1844824"/>
+            <a:ext cx="1769635" cy="584776"/>
+          </a:xfrm>
+          <a:prstGeom prst="rect">
+            <a:avLst/>
+          </a:prstGeom>
+          <a:noFill/>
+        </p:spPr>
+        <p:txBody>
+          <a:bodyPr wrap="none" rtlCol="0">
+            <a:spAutoFit/>
+          </a:bodyPr>
+          <a:lstStyle/>
+          <a:p>
+            <a:pPr algn="ctr"/>
+            <a:r>
+              <a:rPr lang="en-US" sz="1600" b="1" dirty="0" smtClean="0"/>
+              <a:t>program</a:t>
+            </a:r>
+          </a:p>
+          <a:p>
+            <a:pPr algn="ctr"/>
+            <a:r>
+              <a:rPr lang="en-US" sz="1600" b="1" dirty="0" smtClean="0"/>
+              <a:t>(symbol stream)</a:t>
+            </a:r>
+            <a:endParaRPr lang="en-US" sz="1600" b="1" dirty="0"/>
+          </a:p>
+        </p:txBody>
+      </p:sp>
+      <p:sp>
+        <p:nvSpPr>
+          <p:cNvPr id="23" name="TextBox 22"/>
+          <p:cNvSpPr txBox="1"/>
+          <p:nvPr/>
+        </p:nvSpPr>
+        <p:spPr>
+          <a:xfrm>
+            <a:off x="4014907" y="3429000"/>
+            <a:ext cx="595035" cy="338554"/>
+          </a:xfrm>
+          <a:prstGeom prst="rect">
+            <a:avLst/>
+          </a:prstGeom>
+          <a:noFill/>
+        </p:spPr>
+        <p:txBody>
+          <a:bodyPr wrap="none" rtlCol="0">
+            <a:spAutoFit/>
+          </a:bodyPr>
+          <a:lstStyle/>
+          <a:p>
+            <a:r>
+              <a:rPr lang="en-US" sz="1600" b="1" dirty="0" smtClean="0"/>
+              <a:t>AST</a:t>
+            </a:r>
+            <a:endParaRPr lang="en-US" sz="1600" b="1" dirty="0"/>
+          </a:p>
+        </p:txBody>
+      </p:sp>
+      <p:sp>
+        <p:nvSpPr>
+          <p:cNvPr id="24" name="Oval 23"/>
+          <p:cNvSpPr/>
+          <p:nvPr/>
+        </p:nvSpPr>
+        <p:spPr>
+          <a:xfrm>
+            <a:off x="3438843" y="3861048"/>
+            <a:ext cx="1224136" cy="504056"/>
+          </a:xfrm>
+          <a:prstGeom prst="ellipse">
+            <a:avLst/>
+          </a:prstGeom>
+          <a:solidFill>
+            <a:schemeClr val="bg1">
+              <a:lumMod val="95000"/>
+            </a:schemeClr>
+          </a:solidFill>
+          <a:ln w="25400">
+            <a:solidFill>
+              <a:schemeClr val="tx1"/>
+            </a:solidFill>
+          </a:ln>
+        </p:spPr>
+        <p:style>
+          <a:lnRef idx="1">
+            <a:schemeClr val="accent1"/>
+          </a:lnRef>
+          <a:fillRef idx="3">
+            <a:schemeClr val="accent1"/>
+          </a:fillRef>
+          <a:effectRef idx="2">
+            <a:schemeClr val="accent1"/>
+          </a:effectRef>
+          <a:fontRef idx="minor">
+            <a:schemeClr val="lt1"/>
+          </a:fontRef>
+        </p:style>
+        <p:txBody>
+          <a:bodyPr rtlCol="0" anchor="ctr"/>
+          <a:lstStyle/>
+          <a:p>
+            <a:pPr algn="ctr"/>
+            <a:endParaRPr lang="en-US"/>
+          </a:p>
+        </p:txBody>
+      </p:sp>
+      <p:sp>
+        <p:nvSpPr>
+          <p:cNvPr id="25" name="TextBox 24"/>
+          <p:cNvSpPr txBox="1"/>
+          <p:nvPr/>
+        </p:nvSpPr>
+        <p:spPr>
+          <a:xfrm>
+            <a:off x="3510851" y="3882534"/>
+            <a:ext cx="1005904" cy="338554"/>
+          </a:xfrm>
+          <a:prstGeom prst="rect">
+            <a:avLst/>
+          </a:prstGeom>
+          <a:noFill/>
+        </p:spPr>
+        <p:txBody>
+          <a:bodyPr wrap="none" rtlCol="0">
+            <a:spAutoFit/>
+          </a:bodyPr>
+          <a:lstStyle/>
+          <a:p>
+            <a:r>
+              <a:rPr lang="en-US" sz="1600" b="1" dirty="0"/>
+              <a:t>a</a:t>
+            </a:r>
+            <a:r>
+              <a:rPr lang="en-US" sz="1600" b="1" dirty="0" smtClean="0"/>
+              <a:t>nalyzer</a:t>
+            </a:r>
+            <a:endParaRPr lang="en-US" sz="1600" b="1" dirty="0"/>
+          </a:p>
+        </p:txBody>
+      </p:sp>
+      <p:sp>
+        <p:nvSpPr>
+          <p:cNvPr id="27" name="TextBox 26"/>
+          <p:cNvSpPr txBox="1"/>
+          <p:nvPr/>
+        </p:nvSpPr>
+        <p:spPr>
+          <a:xfrm>
+            <a:off x="4014907" y="4437112"/>
+            <a:ext cx="736099" cy="338554"/>
+          </a:xfrm>
+          <a:prstGeom prst="rect">
+            <a:avLst/>
+          </a:prstGeom>
+          <a:noFill/>
+        </p:spPr>
+        <p:txBody>
+          <a:bodyPr wrap="none" rtlCol="0">
+            <a:spAutoFit/>
+          </a:bodyPr>
+          <a:lstStyle/>
+          <a:p>
+            <a:r>
+              <a:rPr lang="en-US" sz="1600" b="1" dirty="0" smtClean="0"/>
+              <a:t>SAST</a:t>
+            </a:r>
+            <a:endParaRPr lang="en-US" sz="1600" b="1" dirty="0"/>
+          </a:p>
+        </p:txBody>
+      </p:sp>
+      <p:sp>
+        <p:nvSpPr>
+          <p:cNvPr id="28" name="TextBox 27"/>
+          <p:cNvSpPr txBox="1"/>
+          <p:nvPr/>
+        </p:nvSpPr>
+        <p:spPr>
+          <a:xfrm>
+            <a:off x="3993208" y="2370366"/>
+            <a:ext cx="1461859" cy="338554"/>
+          </a:xfrm>
+          <a:prstGeom prst="rect">
+            <a:avLst/>
+          </a:prstGeom>
+          <a:noFill/>
+        </p:spPr>
+        <p:txBody>
+          <a:bodyPr wrap="none" rtlCol="0">
+            <a:spAutoFit/>
+          </a:bodyPr>
+          <a:lstStyle/>
+          <a:p>
+            <a:r>
+              <a:rPr lang="en-US" sz="1600" b="1" dirty="0" smtClean="0"/>
+              <a:t>token stream</a:t>
+            </a:r>
+            <a:endParaRPr lang="en-US" sz="1600" b="1" dirty="0"/>
+          </a:p>
+        </p:txBody>
+      </p:sp>
+      <p:sp>
+        <p:nvSpPr>
+          <p:cNvPr id="30" name="Oval 29"/>
+          <p:cNvSpPr/>
+          <p:nvPr/>
+        </p:nvSpPr>
+        <p:spPr>
+          <a:xfrm>
+            <a:off x="3438843" y="4869160"/>
+            <a:ext cx="1224136" cy="504056"/>
+          </a:xfrm>
+          <a:prstGeom prst="ellipse">
+            <a:avLst/>
+          </a:prstGeom>
+          <a:solidFill>
+            <a:schemeClr val="bg1">
+              <a:lumMod val="95000"/>
+            </a:schemeClr>
+          </a:solidFill>
+          <a:ln w="25400">
+            <a:solidFill>
+              <a:schemeClr val="tx1"/>
+            </a:solidFill>
+          </a:ln>
+        </p:spPr>
+        <p:style>
+          <a:lnRef idx="1">
+            <a:schemeClr val="accent1"/>
+          </a:lnRef>
+          <a:fillRef idx="3">
+            <a:schemeClr val="accent1"/>
+          </a:fillRef>
+          <a:effectRef idx="2">
+            <a:schemeClr val="accent1"/>
+          </a:effectRef>
+          <a:fontRef idx="minor">
+            <a:schemeClr val="lt1"/>
+          </a:fontRef>
+        </p:style>
+        <p:txBody>
+          <a:bodyPr rtlCol="0" anchor="ctr"/>
+          <a:lstStyle/>
+          <a:p>
+            <a:pPr algn="ctr"/>
+            <a:endParaRPr lang="en-US"/>
+          </a:p>
+        </p:txBody>
+      </p:sp>
+      <p:sp>
+        <p:nvSpPr>
+          <p:cNvPr id="31" name="TextBox 30"/>
+          <p:cNvSpPr txBox="1"/>
+          <p:nvPr/>
+        </p:nvSpPr>
+        <p:spPr>
+          <a:xfrm>
+            <a:off x="3510851" y="4890646"/>
+            <a:ext cx="1133644" cy="338554"/>
+          </a:xfrm>
+          <a:prstGeom prst="rect">
+            <a:avLst/>
+          </a:prstGeom>
+          <a:noFill/>
+        </p:spPr>
+        <p:txBody>
+          <a:bodyPr wrap="none" rtlCol="0">
+            <a:spAutoFit/>
+          </a:bodyPr>
+          <a:lstStyle/>
+          <a:p>
+            <a:r>
+              <a:rPr lang="en-US" sz="1600" b="1" dirty="0" smtClean="0"/>
+              <a:t>generator</a:t>
+            </a:r>
+            <a:endParaRPr lang="en-US" sz="1600" b="1" dirty="0"/>
+          </a:p>
+        </p:txBody>
+      </p:sp>
+      <p:cxnSp>
+        <p:nvCxnSpPr>
+          <p:cNvPr id="32" name="Straight Connector 31"/>
+          <p:cNvCxnSpPr/>
+          <p:nvPr/>
+        </p:nvCxnSpPr>
+        <p:spPr>
+          <a:xfrm>
+            <a:off x="4014907" y="4365104"/>
+            <a:ext cx="0" cy="504056"/>
+          </a:xfrm>
+          <a:prstGeom prst="line">
+            <a:avLst/>
+          </a:prstGeom>
+          <a:ln>
+            <a:solidFill>
+              <a:schemeClr val="tx1"/>
+            </a:solidFill>
+            <a:tailEnd type="triangle" w="lg" len="med"/>
+          </a:ln>
+        </p:spPr>
+        <p:style>
+          <a:lnRef idx="2">
+            <a:schemeClr val="accent1"/>
+          </a:lnRef>
+          <a:fillRef idx="0">
+            <a:schemeClr val="accent1"/>
+          </a:fillRef>
+          <a:effectRef idx="1">
+            <a:schemeClr val="accent1"/>
+          </a:effectRef>
+          <a:fontRef idx="minor">
+            <a:schemeClr val="tx1"/>
+          </a:fontRef>
+        </p:style>
+      </p:cxnSp>
+      <p:cxnSp>
+        <p:nvCxnSpPr>
+          <p:cNvPr id="35" name="Straight Connector 34"/>
+          <p:cNvCxnSpPr/>
+          <p:nvPr/>
+        </p:nvCxnSpPr>
+        <p:spPr>
+          <a:xfrm>
+            <a:off x="4014907" y="2348880"/>
+            <a:ext cx="0" cy="504056"/>
+          </a:xfrm>
+          <a:prstGeom prst="line">
+            <a:avLst/>
+          </a:prstGeom>
+          <a:ln>
+            <a:solidFill>
+              <a:schemeClr val="tx1"/>
+            </a:solidFill>
+            <a:tailEnd type="triangle" w="lg" len="med"/>
+          </a:ln>
+        </p:spPr>
+        <p:style>
+          <a:lnRef idx="2">
+            <a:schemeClr val="accent1"/>
+          </a:lnRef>
+          <a:fillRef idx="0">
+            <a:schemeClr val="accent1"/>
+          </a:fillRef>
+          <a:effectRef idx="1">
+            <a:schemeClr val="accent1"/>
+          </a:effectRef>
+          <a:fontRef idx="minor">
+            <a:schemeClr val="tx1"/>
+          </a:fontRef>
+        </p:style>
+      </p:cxnSp>
+      <p:cxnSp>
+        <p:nvCxnSpPr>
+          <p:cNvPr id="36" name="Straight Connector 35"/>
+          <p:cNvCxnSpPr/>
+          <p:nvPr/>
+        </p:nvCxnSpPr>
+        <p:spPr>
+          <a:xfrm>
+            <a:off x="4014907" y="3356992"/>
+            <a:ext cx="0" cy="504056"/>
+          </a:xfrm>
+          <a:prstGeom prst="line">
+            <a:avLst/>
+          </a:prstGeom>
+          <a:ln>
+            <a:solidFill>
+              <a:schemeClr val="tx1"/>
+            </a:solidFill>
+            <a:tailEnd type="triangle" w="lg" len="med"/>
+          </a:ln>
+        </p:spPr>
+        <p:style>
+          <a:lnRef idx="2">
+            <a:schemeClr val="accent1"/>
+          </a:lnRef>
+          <a:fillRef idx="0">
+            <a:schemeClr val="accent1"/>
+          </a:fillRef>
+          <a:effectRef idx="1">
+            <a:schemeClr val="accent1"/>
+          </a:effectRef>
+          <a:fontRef idx="minor">
+            <a:schemeClr val="tx1"/>
+          </a:fontRef>
+        </p:style>
+      </p:cxnSp>
+      <p:cxnSp>
+        <p:nvCxnSpPr>
+          <p:cNvPr id="39" name="Straight Connector 38"/>
+          <p:cNvCxnSpPr/>
+          <p:nvPr/>
+        </p:nvCxnSpPr>
+        <p:spPr>
+          <a:xfrm>
+            <a:off x="4662979" y="5085184"/>
+            <a:ext cx="917133" cy="0"/>
+          </a:xfrm>
+          <a:prstGeom prst="line">
+            <a:avLst/>
+          </a:prstGeom>
+          <a:ln>
+            <a:solidFill>
+              <a:schemeClr val="tx1"/>
+            </a:solidFill>
+            <a:tailEnd type="triangle" w="lg" len="med"/>
+          </a:ln>
+        </p:spPr>
+        <p:style>
+          <a:lnRef idx="2">
+            <a:schemeClr val="accent1"/>
+          </a:lnRef>
+          <a:fillRef idx="0">
+            <a:schemeClr val="accent1"/>
+          </a:fillRef>
+          <a:effectRef idx="1">
+            <a:schemeClr val="accent1"/>
+          </a:effectRef>
+          <a:fontRef idx="minor">
+            <a:schemeClr val="tx1"/>
+          </a:fontRef>
+        </p:style>
+      </p:cxnSp>
+      <p:sp>
+        <p:nvSpPr>
+          <p:cNvPr id="41" name="TextBox 40"/>
+          <p:cNvSpPr txBox="1"/>
+          <p:nvPr/>
+        </p:nvSpPr>
+        <p:spPr>
+          <a:xfrm>
+            <a:off x="4644008" y="4725144"/>
+            <a:ext cx="903513" cy="338554"/>
+          </a:xfrm>
+          <a:prstGeom prst="rect">
+            <a:avLst/>
+          </a:prstGeom>
+          <a:noFill/>
+        </p:spPr>
+        <p:txBody>
+          <a:bodyPr wrap="none" rtlCol="0">
+            <a:spAutoFit/>
+          </a:bodyPr>
+          <a:lstStyle/>
+          <a:p>
+            <a:r>
+              <a:rPr lang="en-US" sz="1600" b="1" dirty="0" err="1" smtClean="0"/>
+              <a:t>c++</a:t>
+            </a:r>
+            <a:r>
+              <a:rPr lang="en-US" sz="1600" b="1" dirty="0" smtClean="0"/>
+              <a:t> </a:t>
+            </a:r>
+            <a:r>
+              <a:rPr lang="en-US" sz="1600" b="1" dirty="0" err="1" smtClean="0"/>
+              <a:t>src</a:t>
+            </a:r>
+            <a:endParaRPr lang="en-US" sz="1600" b="1" dirty="0"/>
+          </a:p>
+        </p:txBody>
+      </p:sp>
+      <p:sp>
+        <p:nvSpPr>
+          <p:cNvPr id="44" name="Oval 43"/>
+          <p:cNvSpPr/>
+          <p:nvPr/>
+        </p:nvSpPr>
+        <p:spPr>
+          <a:xfrm>
+            <a:off x="5671091" y="4797152"/>
+            <a:ext cx="1224136" cy="504056"/>
+          </a:xfrm>
+          <a:prstGeom prst="ellipse">
+            <a:avLst/>
+          </a:prstGeom>
+          <a:solidFill>
+            <a:schemeClr val="bg1">
+              <a:lumMod val="95000"/>
+            </a:schemeClr>
+          </a:solidFill>
+          <a:ln w="25400">
+            <a:solidFill>
+              <a:schemeClr val="tx1"/>
+            </a:solidFill>
+          </a:ln>
+        </p:spPr>
+        <p:style>
+          <a:lnRef idx="1">
+            <a:schemeClr val="accent1"/>
+          </a:lnRef>
+          <a:fillRef idx="3">
+            <a:schemeClr val="accent1"/>
+          </a:fillRef>
+          <a:effectRef idx="2">
+            <a:schemeClr val="accent1"/>
+          </a:effectRef>
+          <a:fontRef idx="minor">
+            <a:schemeClr val="lt1"/>
+          </a:fontRef>
+        </p:style>
+        <p:txBody>
+          <a:bodyPr rtlCol="0" anchor="ctr"/>
+          <a:lstStyle/>
+          <a:p>
+            <a:pPr algn="ctr"/>
+            <a:endParaRPr lang="en-US"/>
+          </a:p>
+        </p:txBody>
+      </p:sp>
+      <p:sp>
+        <p:nvSpPr>
+          <p:cNvPr id="45" name="TextBox 44"/>
+          <p:cNvSpPr txBox="1"/>
+          <p:nvPr/>
+        </p:nvSpPr>
+        <p:spPr>
+          <a:xfrm>
+            <a:off x="5959123" y="4869160"/>
+            <a:ext cx="549650" cy="338554"/>
+          </a:xfrm>
+          <a:prstGeom prst="rect">
+            <a:avLst/>
+          </a:prstGeom>
+          <a:noFill/>
+        </p:spPr>
+        <p:txBody>
+          <a:bodyPr wrap="none" rtlCol="0">
+            <a:spAutoFit/>
+          </a:bodyPr>
+          <a:lstStyle/>
+          <a:p>
+            <a:r>
+              <a:rPr lang="en-US" sz="1600" b="1" dirty="0" smtClean="0"/>
+              <a:t>g++</a:t>
+            </a:r>
+            <a:endParaRPr lang="en-US" sz="1600" b="1" dirty="0"/>
+          </a:p>
+        </p:txBody>
+      </p:sp>
+      <p:cxnSp>
+        <p:nvCxnSpPr>
+          <p:cNvPr id="48" name="Straight Connector 47"/>
+          <p:cNvCxnSpPr/>
+          <p:nvPr/>
+        </p:nvCxnSpPr>
+        <p:spPr>
+          <a:xfrm>
+            <a:off x="6247155" y="4293096"/>
+            <a:ext cx="0" cy="504056"/>
+          </a:xfrm>
+          <a:prstGeom prst="line">
+            <a:avLst/>
+          </a:prstGeom>
+          <a:ln>
+            <a:solidFill>
+              <a:schemeClr val="tx1"/>
+            </a:solidFill>
+            <a:tailEnd type="triangle" w="lg" len="med"/>
+          </a:ln>
+        </p:spPr>
+        <p:style>
+          <a:lnRef idx="2">
+            <a:schemeClr val="accent1"/>
+          </a:lnRef>
+          <a:fillRef idx="0">
+            <a:schemeClr val="accent1"/>
+          </a:fillRef>
+          <a:effectRef idx="1">
+            <a:schemeClr val="accent1"/>
+          </a:effectRef>
+          <a:fontRef idx="minor">
+            <a:schemeClr val="tx1"/>
+          </a:fontRef>
+        </p:style>
+      </p:cxnSp>
+      <p:sp>
+        <p:nvSpPr>
+          <p:cNvPr id="49" name="TextBox 48"/>
+          <p:cNvSpPr txBox="1"/>
+          <p:nvPr/>
+        </p:nvSpPr>
+        <p:spPr>
+          <a:xfrm>
+            <a:off x="5743099" y="3462099"/>
+            <a:ext cx="1039668" cy="830997"/>
+          </a:xfrm>
+          <a:prstGeom prst="rect">
+            <a:avLst/>
+          </a:prstGeom>
+          <a:noFill/>
+        </p:spPr>
+        <p:txBody>
+          <a:bodyPr wrap="none" rtlCol="0">
+            <a:spAutoFit/>
+          </a:bodyPr>
+          <a:lstStyle/>
+          <a:p>
+            <a:pPr algn="ctr"/>
+            <a:r>
+              <a:rPr lang="en-US" sz="1600" b="1" dirty="0" smtClean="0"/>
+              <a:t>qlang lib</a:t>
+            </a:r>
+          </a:p>
+          <a:p>
+            <a:pPr algn="ctr"/>
+            <a:r>
+              <a:rPr lang="en-US" sz="1600" b="1" dirty="0" smtClean="0"/>
+              <a:t>Eigen lib</a:t>
+            </a:r>
+          </a:p>
+          <a:p>
+            <a:pPr algn="ctr"/>
+            <a:r>
+              <a:rPr lang="en-US" sz="1600" b="1" dirty="0" smtClean="0"/>
+              <a:t>libc++</a:t>
+            </a:r>
+            <a:endParaRPr lang="en-US" sz="1600" b="1" dirty="0"/>
+          </a:p>
+        </p:txBody>
+      </p:sp>
+      <p:sp>
+        <p:nvSpPr>
+          <p:cNvPr id="51" name="TextBox 50"/>
+          <p:cNvSpPr txBox="1"/>
+          <p:nvPr/>
+        </p:nvSpPr>
+        <p:spPr>
+          <a:xfrm>
+            <a:off x="7740352" y="4797152"/>
+            <a:ext cx="1245353" cy="338554"/>
+          </a:xfrm>
+          <a:prstGeom prst="rect">
+            <a:avLst/>
+          </a:prstGeom>
+          <a:noFill/>
+        </p:spPr>
+        <p:txBody>
+          <a:bodyPr wrap="none" rtlCol="0">
+            <a:spAutoFit/>
+          </a:bodyPr>
+          <a:lstStyle/>
+          <a:p>
+            <a:r>
+              <a:rPr lang="en-US" sz="1600" b="1" dirty="0" smtClean="0"/>
+              <a:t>executable</a:t>
+            </a:r>
+            <a:endParaRPr lang="en-US" sz="1600" b="1" dirty="0"/>
+          </a:p>
+        </p:txBody>
+      </p:sp>
+      <p:cxnSp>
+        <p:nvCxnSpPr>
+          <p:cNvPr id="53" name="Straight Connector 52"/>
+          <p:cNvCxnSpPr/>
+          <p:nvPr/>
+        </p:nvCxnSpPr>
+        <p:spPr>
+          <a:xfrm>
+            <a:off x="6876256" y="5013176"/>
+            <a:ext cx="917133" cy="0"/>
+          </a:xfrm>
+          <a:prstGeom prst="line">
+            <a:avLst/>
+          </a:prstGeom>
+          <a:ln>
+            <a:solidFill>
+              <a:schemeClr val="tx1"/>
+            </a:solidFill>
+            <a:tailEnd type="triangle" w="lg" len="med"/>
+          </a:ln>
+        </p:spPr>
+        <p:style>
+          <a:lnRef idx="2">
+            <a:schemeClr val="accent1"/>
+          </a:lnRef>
+          <a:fillRef idx="0">
+            <a:schemeClr val="accent1"/>
+          </a:fillRef>
+          <a:effectRef idx="1">
+            <a:schemeClr val="accent1"/>
+          </a:effectRef>
+          <a:fontRef idx="minor">
+            <a:schemeClr val="tx1"/>
+          </a:fontRef>
+        </p:style>
+      </p:cxnSp>
+      <p:sp>
+        <p:nvSpPr>
+          <p:cNvPr id="54" name="Content Placeholder 4"/>
           <p:cNvSpPr>
-            <a:spLocks noGrp="1" noChangeArrowheads="1"/>
+            <a:spLocks noGrp="1"/>
           </p:cNvSpPr>
           <p:nvPr>
             <p:ph idx="1"/>
@@ -7878,35 +9097,35 @@
         </p:nvSpPr>
         <p:spPr>
           <a:xfrm>
-            <a:off x="1526976" y="1855788"/>
-            <a:ext cx="8229600" cy="4525962"/>
+            <a:off x="1526976" y="1052736"/>
+            <a:ext cx="8229600" cy="4525963"/>
           </a:xfrm>
         </p:spPr>
         <p:txBody>
           <a:bodyPr/>
           <a:lstStyle/>
           <a:p>
-            <a:endParaRPr lang="en-US" sz="2400" dirty="0"/>
+            <a:pPr marL="0" indent="0">
+              <a:buNone/>
+            </a:pPr>
+            <a:r>
+              <a:rPr lang="en-US" sz="2400" b="1" dirty="0" smtClean="0"/>
+              <a:t>Compilation</a:t>
+            </a:r>
+            <a:endParaRPr lang="en-US" sz="2400" b="1" dirty="0"/>
           </a:p>
         </p:txBody>
       </p:sp>
     </p:spTree>
     <p:extLst>
       <p:ext uri="{BB962C8B-B14F-4D97-AF65-F5344CB8AC3E}">
-        <p14:creationId xmlns:p14="http://schemas.microsoft.com/office/powerpoint/2010/main" val="882417591"/>
+        <p14:creationId xmlns:p14="http://schemas.microsoft.com/office/powerpoint/2010/main" val="2721382723"/>
       </p:ext>
     </p:extLst>
   </p:cSld>
   <p:clrMapOvr>
     <a:masterClrMapping/>
   </p:clrMapOvr>
-  <p:timing>
-    <p:tnLst>
-      <p:par>
-        <p:cTn xmlns:p14="http://schemas.microsoft.com/office/powerpoint/2010/main" id="1" dur="indefinite" restart="never" nodeType="tmRoot"/>
-      </p:par>
-    </p:tnLst>
-  </p:timing>
 </p:sld>
 </file>
 

--- a/Demo/Qlang.pptx
+++ b/Demo/Qlang.pptx
@@ -17,11 +17,12 @@
     <p:sldId id="265" r:id="rId11"/>
     <p:sldId id="271" r:id="rId12"/>
     <p:sldId id="272" r:id="rId13"/>
-    <p:sldId id="268" r:id="rId14"/>
-    <p:sldId id="263" r:id="rId15"/>
-    <p:sldId id="260" r:id="rId16"/>
-    <p:sldId id="273" r:id="rId17"/>
-    <p:sldId id="274" r:id="rId18"/>
+    <p:sldId id="263" r:id="rId14"/>
+    <p:sldId id="268" r:id="rId15"/>
+    <p:sldId id="275" r:id="rId16"/>
+    <p:sldId id="260" r:id="rId17"/>
+    <p:sldId id="273" r:id="rId18"/>
+    <p:sldId id="274" r:id="rId19"/>
   </p:sldIdLst>
   <p:sldSz cx="9144000" cy="6858000" type="screen4x3"/>
   <p:notesSz cx="6858000" cy="9144000"/>
@@ -3843,7 +3844,7 @@
               <a:buNone/>
             </a:pPr>
             <a:r>
-              <a:rPr lang="en-US" sz="2200" b="1" dirty="0" smtClean="0"/>
+              <a:rPr lang="en-US" sz="2400" b="1" dirty="0" smtClean="0"/>
               <a:t>Structure</a:t>
             </a:r>
           </a:p>
@@ -5211,6 +5212,36 @@
           </a:fontRef>
         </p:style>
       </p:cxnSp>
+      <p:sp>
+        <p:nvSpPr>
+          <p:cNvPr id="81" name="Content Placeholder 4"/>
+          <p:cNvSpPr>
+            <a:spLocks noGrp="1"/>
+          </p:cNvSpPr>
+          <p:nvPr>
+            <p:ph idx="1"/>
+          </p:nvPr>
+        </p:nvSpPr>
+        <p:spPr>
+          <a:xfrm>
+            <a:off x="1526976" y="1052736"/>
+            <a:ext cx="8229600" cy="4525963"/>
+          </a:xfrm>
+        </p:spPr>
+        <p:txBody>
+          <a:bodyPr/>
+          <a:lstStyle/>
+          <a:p>
+            <a:pPr marL="0" indent="0">
+              <a:buNone/>
+            </a:pPr>
+            <a:r>
+              <a:rPr lang="en-US" sz="2400" b="1" dirty="0" smtClean="0"/>
+              <a:t>Structure</a:t>
+            </a:r>
+          </a:p>
+        </p:txBody>
+      </p:sp>
     </p:spTree>
     <p:extLst>
       <p:ext uri="{BB962C8B-B14F-4D97-AF65-F5344CB8AC3E}">
@@ -5733,6 +5764,36 @@
           </a:fontRef>
         </p:style>
       </p:cxnSp>
+      <p:sp>
+        <p:nvSpPr>
+          <p:cNvPr id="30" name="Content Placeholder 4"/>
+          <p:cNvSpPr>
+            <a:spLocks noGrp="1"/>
+          </p:cNvSpPr>
+          <p:nvPr>
+            <p:ph idx="1"/>
+          </p:nvPr>
+        </p:nvSpPr>
+        <p:spPr>
+          <a:xfrm>
+            <a:off x="1526976" y="1052736"/>
+            <a:ext cx="8229600" cy="4525963"/>
+          </a:xfrm>
+        </p:spPr>
+        <p:txBody>
+          <a:bodyPr/>
+          <a:lstStyle/>
+          <a:p>
+            <a:pPr marL="0" indent="0">
+              <a:buNone/>
+            </a:pPr>
+            <a:r>
+              <a:rPr lang="en-US" sz="2400" b="1" dirty="0" smtClean="0"/>
+              <a:t>Structure</a:t>
+            </a:r>
+          </a:p>
+        </p:txBody>
+      </p:sp>
     </p:spTree>
     <p:extLst>
       <p:ext uri="{BB962C8B-B14F-4D97-AF65-F5344CB8AC3E}">
@@ -5775,8 +5836,8 @@
         </p:nvSpPr>
         <p:spPr>
           <a:xfrm>
-            <a:off x="1609328" y="188640"/>
-            <a:ext cx="6347048" cy="1143000"/>
+            <a:off x="1547664" y="116632"/>
+            <a:ext cx="5915000" cy="1143000"/>
           </a:xfrm>
         </p:spPr>
         <p:txBody>
@@ -5794,7 +5855,7 @@
       </p:sp>
       <p:sp>
         <p:nvSpPr>
-          <p:cNvPr id="5" name="Content Placeholder 4"/>
+          <p:cNvPr id="54" name="Content Placeholder 4"/>
           <p:cNvSpPr>
             <a:spLocks noGrp="1"/>
           </p:cNvSpPr>
@@ -5804,8 +5865,8 @@
         </p:nvSpPr>
         <p:spPr>
           <a:xfrm>
-            <a:off x="1526976" y="1268760"/>
-            <a:ext cx="8229600" cy="4525963"/>
+            <a:off x="1526976" y="1124744"/>
+            <a:ext cx="3765104" cy="4525963"/>
           </a:xfrm>
         </p:spPr>
         <p:txBody>
@@ -5816,11 +5877,8 @@
               <a:buNone/>
             </a:pPr>
             <a:r>
-              <a:rPr lang="en-US" sz="1600" b="1" dirty="0">
-                <a:latin typeface="Arial"/>
-                <a:cs typeface="Arial"/>
-              </a:rPr>
-              <a:t>Types and Operators</a:t>
+              <a:rPr lang="en-US" sz="2200" b="1" dirty="0" smtClean="0"/>
+              <a:t>Details</a:t>
             </a:r>
           </a:p>
           <a:p>
@@ -5830,179 +5888,1373 @@
               </a:spcBef>
               <a:buNone/>
             </a:pPr>
+            <a:endParaRPr lang="en-US" sz="2200" b="1" dirty="0" smtClean="0"/>
+          </a:p>
+          <a:p>
+            <a:pPr marL="0" indent="0">
+              <a:spcBef>
+                <a:spcPts val="0"/>
+              </a:spcBef>
+              <a:buNone/>
+            </a:pPr>
+            <a:endParaRPr lang="en-US" sz="2200" b="1" dirty="0" smtClean="0"/>
+          </a:p>
+          <a:p>
+            <a:pPr marL="0" indent="0">
+              <a:spcBef>
+                <a:spcPts val="0"/>
+              </a:spcBef>
+              <a:buNone/>
+            </a:pPr>
+            <a:endParaRPr lang="en-US" sz="2200" b="1" dirty="0"/>
+          </a:p>
+          <a:p>
+            <a:pPr marL="0" indent="0">
+              <a:buNone/>
+            </a:pPr>
+            <a:r>
+              <a:rPr lang="en-US" sz="1600" b="1" dirty="0" err="1" smtClean="0"/>
+              <a:t>def</a:t>
+            </a:r>
+            <a:r>
+              <a:rPr lang="en-US" sz="1600" b="1" dirty="0" smtClean="0"/>
+              <a:t> x2(</a:t>
+            </a:r>
+            <a:r>
+              <a:rPr lang="en-US" sz="1600" b="1" dirty="0" err="1" smtClean="0"/>
+              <a:t>int</a:t>
+            </a:r>
+            <a:r>
+              <a:rPr lang="en-US" sz="1600" b="1" dirty="0" smtClean="0"/>
+              <a:t> a) </a:t>
+            </a:r>
+            <a:r>
+              <a:rPr lang="en-US" sz="1600" b="1" dirty="0"/>
+              <a:t>: comp  </a:t>
+            </a:r>
+            <a:r>
+              <a:rPr lang="en-US" sz="1600" b="1" dirty="0" smtClean="0"/>
+              <a:t>result {</a:t>
+            </a:r>
+            <a:endParaRPr lang="en-US" sz="1600" b="1" dirty="0"/>
+          </a:p>
+          <a:p>
+            <a:pPr marL="0" indent="0">
+              <a:buNone/>
+            </a:pPr>
+            <a:r>
+              <a:rPr lang="en-US" sz="1600" b="1" dirty="0" smtClean="0"/>
+              <a:t>    result = a * 2;</a:t>
+            </a:r>
+            <a:endParaRPr lang="en-US" sz="1600" b="1" dirty="0"/>
+          </a:p>
+          <a:p>
+            <a:pPr marL="0" indent="0">
+              <a:buNone/>
+            </a:pPr>
+            <a:r>
+              <a:rPr lang="en-US" sz="1600" b="1" dirty="0"/>
+              <a:t>}</a:t>
+            </a:r>
+          </a:p>
+          <a:p>
+            <a:pPr marL="0" indent="0">
+              <a:buNone/>
+            </a:pPr>
+            <a:endParaRPr lang="en-US" sz="2200" b="1" dirty="0" smtClean="0"/>
+          </a:p>
+          <a:p>
+            <a:pPr marL="0" indent="0">
+              <a:buNone/>
+            </a:pPr>
+            <a:r>
+              <a:rPr lang="en-US" sz="1600" b="1" dirty="0" err="1" smtClean="0"/>
+              <a:t>def</a:t>
+            </a:r>
+            <a:r>
+              <a:rPr lang="en-US" sz="1600" b="1" dirty="0" smtClean="0"/>
+              <a:t> </a:t>
+            </a:r>
+            <a:r>
+              <a:rPr lang="en-US" sz="1600" b="1" dirty="0"/>
+              <a:t>compute() : comp  </a:t>
+            </a:r>
+            <a:r>
+              <a:rPr lang="en-US" sz="1600" b="1" dirty="0" err="1" smtClean="0"/>
+              <a:t>final_result</a:t>
+            </a:r>
+            <a:r>
+              <a:rPr lang="en-US" sz="1600" b="1" dirty="0" smtClean="0"/>
+              <a:t> {</a:t>
+            </a:r>
+          </a:p>
+          <a:p>
+            <a:pPr marL="0" indent="0">
+              <a:buNone/>
+            </a:pPr>
+            <a:r>
+              <a:rPr lang="en-US" sz="1600" b="1" dirty="0" smtClean="0"/>
+              <a:t>    </a:t>
+            </a:r>
+            <a:r>
+              <a:rPr lang="en-US" sz="1600" b="1" dirty="0" err="1" smtClean="0"/>
+              <a:t>int</a:t>
+            </a:r>
+            <a:r>
+              <a:rPr lang="en-US" sz="1600" b="1" dirty="0" smtClean="0"/>
+              <a:t> a;</a:t>
+            </a:r>
+          </a:p>
+          <a:p>
+            <a:pPr marL="0" indent="0">
+              <a:buNone/>
+            </a:pPr>
+            <a:r>
+              <a:rPr lang="en-US" sz="1600" b="1" dirty="0"/>
+              <a:t> </a:t>
+            </a:r>
+            <a:r>
+              <a:rPr lang="en-US" sz="1600" b="1" dirty="0" smtClean="0"/>
+              <a:t>   a = 3;	</a:t>
+            </a:r>
+          </a:p>
+          <a:p>
+            <a:pPr marL="0" indent="0">
+              <a:buNone/>
+            </a:pPr>
+            <a:r>
+              <a:rPr lang="en-US" sz="1600" b="1" dirty="0" smtClean="0"/>
+              <a:t>    </a:t>
+            </a:r>
+            <a:r>
+              <a:rPr lang="en-US" sz="1600" b="1" dirty="0" err="1" smtClean="0"/>
+              <a:t>final_result</a:t>
+            </a:r>
+            <a:r>
+              <a:rPr lang="en-US" sz="1600" b="1" dirty="0" smtClean="0"/>
+              <a:t> = x2(a);</a:t>
+            </a:r>
+            <a:endParaRPr lang="en-US" sz="1600" b="1" dirty="0"/>
+          </a:p>
+          <a:p>
+            <a:pPr marL="0" indent="0">
+              <a:buNone/>
+            </a:pPr>
+            <a:r>
+              <a:rPr lang="en-US" sz="1600" b="1" dirty="0" smtClean="0"/>
+              <a:t>}</a:t>
+            </a:r>
+          </a:p>
+          <a:p>
+            <a:endParaRPr lang="en-US" sz="2200" b="1" dirty="0" smtClean="0"/>
+          </a:p>
+        </p:txBody>
+      </p:sp>
+      <p:cxnSp>
+        <p:nvCxnSpPr>
+          <p:cNvPr id="4" name="Straight Connector 3"/>
+          <p:cNvCxnSpPr>
+            <a:stCxn id="11" idx="2"/>
+          </p:cNvCxnSpPr>
+          <p:nvPr/>
+        </p:nvCxnSpPr>
+        <p:spPr>
+          <a:xfrm>
+            <a:off x="1871700" y="2213576"/>
+            <a:ext cx="180020" cy="279320"/>
+          </a:xfrm>
+          <a:prstGeom prst="line">
+            <a:avLst/>
+          </a:prstGeom>
+          <a:ln>
+            <a:solidFill>
+              <a:srgbClr val="FF0000"/>
+            </a:solidFill>
+            <a:tailEnd type="triangle" w="lg" len="med"/>
+          </a:ln>
+        </p:spPr>
+        <p:style>
+          <a:lnRef idx="2">
+            <a:schemeClr val="accent1"/>
+          </a:lnRef>
+          <a:fillRef idx="0">
+            <a:schemeClr val="accent1"/>
+          </a:fillRef>
+          <a:effectRef idx="1">
+            <a:schemeClr val="accent1"/>
+          </a:effectRef>
+          <a:fontRef idx="minor">
+            <a:schemeClr val="tx1"/>
+          </a:fontRef>
+        </p:style>
+      </p:cxnSp>
+      <p:cxnSp>
+        <p:nvCxnSpPr>
+          <p:cNvPr id="10" name="Straight Connector 9"/>
+          <p:cNvCxnSpPr/>
+          <p:nvPr/>
+        </p:nvCxnSpPr>
+        <p:spPr>
+          <a:xfrm flipH="1">
+            <a:off x="2555776" y="2204864"/>
+            <a:ext cx="216023" cy="288032"/>
+          </a:xfrm>
+          <a:prstGeom prst="line">
+            <a:avLst/>
+          </a:prstGeom>
+          <a:ln>
+            <a:solidFill>
+              <a:srgbClr val="FF0000"/>
+            </a:solidFill>
+            <a:tailEnd type="triangle" w="lg" len="med"/>
+          </a:ln>
+        </p:spPr>
+        <p:style>
+          <a:lnRef idx="2">
+            <a:schemeClr val="accent1"/>
+          </a:lnRef>
+          <a:fillRef idx="0">
+            <a:schemeClr val="accent1"/>
+          </a:fillRef>
+          <a:effectRef idx="1">
+            <a:schemeClr val="accent1"/>
+          </a:effectRef>
+          <a:fontRef idx="minor">
+            <a:schemeClr val="tx1"/>
+          </a:fontRef>
+        </p:style>
+      </p:cxnSp>
+      <p:sp>
+        <p:nvSpPr>
+          <p:cNvPr id="11" name="TextBox 10"/>
+          <p:cNvSpPr txBox="1"/>
+          <p:nvPr/>
+        </p:nvSpPr>
+        <p:spPr>
+          <a:xfrm>
+            <a:off x="1331640" y="1628800"/>
+            <a:ext cx="1080120" cy="584776"/>
+          </a:xfrm>
+          <a:prstGeom prst="rect">
+            <a:avLst/>
+          </a:prstGeom>
+          <a:noFill/>
+        </p:spPr>
+        <p:txBody>
+          <a:bodyPr wrap="square" rtlCol="0">
+            <a:spAutoFit/>
+          </a:bodyPr>
+          <a:lstStyle/>
+          <a:p>
+            <a:pPr algn="ctr"/>
+            <a:r>
+              <a:rPr lang="en-US" sz="1600" b="1" dirty="0" smtClean="0">
+                <a:solidFill>
+                  <a:srgbClr val="FF0000"/>
+                </a:solidFill>
+              </a:rPr>
+              <a:t>function name</a:t>
+            </a:r>
             <a:endParaRPr lang="en-US" sz="1600" b="1" dirty="0">
-              <a:latin typeface="Arial"/>
-              <a:cs typeface="Arial"/>
+              <a:solidFill>
+                <a:srgbClr val="FF0000"/>
+              </a:solidFill>
             </a:endParaRPr>
           </a:p>
+        </p:txBody>
+      </p:sp>
+      <p:sp>
+        <p:nvSpPr>
+          <p:cNvPr id="15" name="TextBox 14"/>
+          <p:cNvSpPr txBox="1"/>
+          <p:nvPr/>
+        </p:nvSpPr>
+        <p:spPr>
+          <a:xfrm>
+            <a:off x="2267744" y="1620088"/>
+            <a:ext cx="1080120" cy="584776"/>
+          </a:xfrm>
+          <a:prstGeom prst="rect">
+            <a:avLst/>
+          </a:prstGeom>
+          <a:noFill/>
+        </p:spPr>
+        <p:txBody>
+          <a:bodyPr wrap="square" rtlCol="0">
+            <a:spAutoFit/>
+          </a:bodyPr>
+          <a:lstStyle/>
+          <a:p>
+            <a:pPr algn="ctr"/>
+            <a:r>
+              <a:rPr lang="en-US" sz="1600" b="1" dirty="0" smtClean="0">
+                <a:solidFill>
+                  <a:srgbClr val="FF0000"/>
+                </a:solidFill>
+              </a:rPr>
+              <a:t>formal </a:t>
+            </a:r>
+            <a:r>
+              <a:rPr lang="en-US" sz="1600" b="1" dirty="0" err="1" smtClean="0">
+                <a:solidFill>
+                  <a:srgbClr val="FF0000"/>
+                </a:solidFill>
+              </a:rPr>
+              <a:t>params</a:t>
+            </a:r>
+            <a:endParaRPr lang="en-US" sz="1600" b="1" dirty="0">
+              <a:solidFill>
+                <a:srgbClr val="FF0000"/>
+              </a:solidFill>
+            </a:endParaRPr>
+          </a:p>
+        </p:txBody>
+      </p:sp>
+      <p:cxnSp>
+        <p:nvCxnSpPr>
+          <p:cNvPr id="16" name="Straight Connector 15"/>
+          <p:cNvCxnSpPr/>
+          <p:nvPr/>
+        </p:nvCxnSpPr>
+        <p:spPr>
+          <a:xfrm flipH="1">
+            <a:off x="3275856" y="2276872"/>
+            <a:ext cx="216023" cy="288032"/>
+          </a:xfrm>
+          <a:prstGeom prst="line">
+            <a:avLst/>
+          </a:prstGeom>
+          <a:ln>
+            <a:solidFill>
+              <a:srgbClr val="FF0000"/>
+            </a:solidFill>
+            <a:tailEnd type="triangle" w="lg" len="med"/>
+          </a:ln>
+        </p:spPr>
+        <p:style>
+          <a:lnRef idx="2">
+            <a:schemeClr val="accent1"/>
+          </a:lnRef>
+          <a:fillRef idx="0">
+            <a:schemeClr val="accent1"/>
+          </a:fillRef>
+          <a:effectRef idx="1">
+            <a:schemeClr val="accent1"/>
+          </a:effectRef>
+          <a:fontRef idx="minor">
+            <a:schemeClr val="tx1"/>
+          </a:fontRef>
+        </p:style>
+      </p:cxnSp>
+      <p:sp>
+        <p:nvSpPr>
+          <p:cNvPr id="17" name="TextBox 16"/>
+          <p:cNvSpPr txBox="1"/>
+          <p:nvPr/>
+        </p:nvSpPr>
+        <p:spPr>
+          <a:xfrm>
+            <a:off x="3131840" y="1700808"/>
+            <a:ext cx="1080120" cy="584776"/>
+          </a:xfrm>
+          <a:prstGeom prst="rect">
+            <a:avLst/>
+          </a:prstGeom>
+          <a:noFill/>
+        </p:spPr>
+        <p:txBody>
+          <a:bodyPr wrap="square" rtlCol="0">
+            <a:spAutoFit/>
+          </a:bodyPr>
+          <a:lstStyle/>
+          <a:p>
+            <a:pPr algn="ctr"/>
+            <a:r>
+              <a:rPr lang="en-US" sz="1600" b="1" dirty="0" smtClean="0">
+                <a:solidFill>
+                  <a:srgbClr val="FF0000"/>
+                </a:solidFill>
+              </a:rPr>
+              <a:t>return type</a:t>
+            </a:r>
+            <a:endParaRPr lang="en-US" sz="1600" b="1" dirty="0">
+              <a:solidFill>
+                <a:srgbClr val="FF0000"/>
+              </a:solidFill>
+            </a:endParaRPr>
+          </a:p>
+        </p:txBody>
+      </p:sp>
+      <p:cxnSp>
+        <p:nvCxnSpPr>
+          <p:cNvPr id="18" name="Straight Connector 17"/>
+          <p:cNvCxnSpPr/>
+          <p:nvPr/>
+        </p:nvCxnSpPr>
+        <p:spPr>
+          <a:xfrm flipH="1">
+            <a:off x="3995936" y="2276872"/>
+            <a:ext cx="216023" cy="288032"/>
+          </a:xfrm>
+          <a:prstGeom prst="line">
+            <a:avLst/>
+          </a:prstGeom>
+          <a:ln>
+            <a:solidFill>
+              <a:srgbClr val="FF0000"/>
+            </a:solidFill>
+            <a:tailEnd type="triangle" w="lg" len="med"/>
+          </a:ln>
+        </p:spPr>
+        <p:style>
+          <a:lnRef idx="2">
+            <a:schemeClr val="accent1"/>
+          </a:lnRef>
+          <a:fillRef idx="0">
+            <a:schemeClr val="accent1"/>
+          </a:fillRef>
+          <a:effectRef idx="1">
+            <a:schemeClr val="accent1"/>
+          </a:effectRef>
+          <a:fontRef idx="minor">
+            <a:schemeClr val="tx1"/>
+          </a:fontRef>
+        </p:style>
+      </p:cxnSp>
+      <p:sp>
+        <p:nvSpPr>
+          <p:cNvPr id="19" name="TextBox 18"/>
+          <p:cNvSpPr txBox="1"/>
+          <p:nvPr/>
+        </p:nvSpPr>
+        <p:spPr>
+          <a:xfrm>
+            <a:off x="3851920" y="1700808"/>
+            <a:ext cx="1080120" cy="584776"/>
+          </a:xfrm>
+          <a:prstGeom prst="rect">
+            <a:avLst/>
+          </a:prstGeom>
+          <a:noFill/>
+        </p:spPr>
+        <p:txBody>
+          <a:bodyPr wrap="square" rtlCol="0">
+            <a:spAutoFit/>
+          </a:bodyPr>
+          <a:lstStyle/>
+          <a:p>
+            <a:pPr algn="ctr"/>
+            <a:r>
+              <a:rPr lang="en-US" sz="1600" b="1" dirty="0" smtClean="0">
+                <a:solidFill>
+                  <a:srgbClr val="FF0000"/>
+                </a:solidFill>
+              </a:rPr>
+              <a:t>return name</a:t>
+            </a:r>
+            <a:endParaRPr lang="en-US" sz="1600" b="1" dirty="0">
+              <a:solidFill>
+                <a:srgbClr val="FF0000"/>
+              </a:solidFill>
+            </a:endParaRPr>
+          </a:p>
+        </p:txBody>
+      </p:sp>
+      <p:cxnSp>
+        <p:nvCxnSpPr>
+          <p:cNvPr id="20" name="Straight Connector 19"/>
+          <p:cNvCxnSpPr/>
+          <p:nvPr/>
+        </p:nvCxnSpPr>
+        <p:spPr>
+          <a:xfrm flipH="1" flipV="1">
+            <a:off x="2267744" y="3212976"/>
+            <a:ext cx="576064" cy="216024"/>
+          </a:xfrm>
+          <a:prstGeom prst="line">
+            <a:avLst/>
+          </a:prstGeom>
+          <a:ln>
+            <a:solidFill>
+              <a:srgbClr val="FF0000"/>
+            </a:solidFill>
+            <a:tailEnd type="triangle" w="lg" len="med"/>
+          </a:ln>
+        </p:spPr>
+        <p:style>
+          <a:lnRef idx="2">
+            <a:schemeClr val="accent1"/>
+          </a:lnRef>
+          <a:fillRef idx="0">
+            <a:schemeClr val="accent1"/>
+          </a:fillRef>
+          <a:effectRef idx="1">
+            <a:schemeClr val="accent1"/>
+          </a:effectRef>
+          <a:fontRef idx="minor">
+            <a:schemeClr val="tx1"/>
+          </a:fontRef>
+        </p:style>
+      </p:cxnSp>
+      <p:sp>
+        <p:nvSpPr>
+          <p:cNvPr id="25" name="TextBox 24"/>
+          <p:cNvSpPr txBox="1"/>
+          <p:nvPr/>
+        </p:nvSpPr>
+        <p:spPr>
+          <a:xfrm>
+            <a:off x="2627784" y="3212976"/>
+            <a:ext cx="1944216" cy="584776"/>
+          </a:xfrm>
+          <a:prstGeom prst="rect">
+            <a:avLst/>
+          </a:prstGeom>
+          <a:noFill/>
+        </p:spPr>
+        <p:txBody>
+          <a:bodyPr wrap="square" rtlCol="0">
+            <a:spAutoFit/>
+          </a:bodyPr>
+          <a:lstStyle/>
+          <a:p>
+            <a:pPr algn="ctr"/>
+            <a:r>
+              <a:rPr lang="en-US" sz="1600" b="1" dirty="0" smtClean="0">
+                <a:solidFill>
+                  <a:srgbClr val="FF0000"/>
+                </a:solidFill>
+              </a:rPr>
+              <a:t>automatically returned</a:t>
+            </a:r>
+            <a:endParaRPr lang="en-US" sz="1600" b="1" dirty="0">
+              <a:solidFill>
+                <a:srgbClr val="FF0000"/>
+              </a:solidFill>
+            </a:endParaRPr>
+          </a:p>
+        </p:txBody>
+      </p:sp>
+      <p:cxnSp>
+        <p:nvCxnSpPr>
+          <p:cNvPr id="26" name="Straight Connector 25"/>
+          <p:cNvCxnSpPr/>
+          <p:nvPr/>
+        </p:nvCxnSpPr>
+        <p:spPr>
+          <a:xfrm flipH="1">
+            <a:off x="2627784" y="4437112"/>
+            <a:ext cx="648072" cy="216024"/>
+          </a:xfrm>
+          <a:prstGeom prst="line">
+            <a:avLst/>
+          </a:prstGeom>
+          <a:ln>
+            <a:solidFill>
+              <a:srgbClr val="FF0000"/>
+            </a:solidFill>
+            <a:tailEnd type="triangle" w="lg" len="med"/>
+          </a:ln>
+        </p:spPr>
+        <p:style>
+          <a:lnRef idx="2">
+            <a:schemeClr val="accent1"/>
+          </a:lnRef>
+          <a:fillRef idx="0">
+            <a:schemeClr val="accent1"/>
+          </a:fillRef>
+          <a:effectRef idx="1">
+            <a:schemeClr val="accent1"/>
+          </a:effectRef>
+          <a:fontRef idx="minor">
+            <a:schemeClr val="tx1"/>
+          </a:fontRef>
+        </p:style>
+      </p:cxnSp>
+      <p:sp>
+        <p:nvSpPr>
+          <p:cNvPr id="31" name="TextBox 30"/>
+          <p:cNvSpPr txBox="1"/>
+          <p:nvPr/>
+        </p:nvSpPr>
+        <p:spPr>
+          <a:xfrm>
+            <a:off x="2987824" y="4140368"/>
+            <a:ext cx="1944216" cy="584776"/>
+          </a:xfrm>
+          <a:prstGeom prst="rect">
+            <a:avLst/>
+          </a:prstGeom>
+          <a:noFill/>
+        </p:spPr>
+        <p:txBody>
+          <a:bodyPr wrap="square" rtlCol="0">
+            <a:spAutoFit/>
+          </a:bodyPr>
+          <a:lstStyle/>
+          <a:p>
+            <a:pPr algn="ctr"/>
+            <a:r>
+              <a:rPr lang="en-US" sz="1600" b="1" dirty="0" smtClean="0">
+                <a:solidFill>
+                  <a:srgbClr val="FF0000"/>
+                </a:solidFill>
+              </a:rPr>
+              <a:t>automatically printed</a:t>
+            </a:r>
+            <a:endParaRPr lang="en-US" sz="1600" b="1" dirty="0">
+              <a:solidFill>
+                <a:srgbClr val="FF0000"/>
+              </a:solidFill>
+            </a:endParaRPr>
+          </a:p>
+        </p:txBody>
+      </p:sp>
+      <p:sp>
+        <p:nvSpPr>
+          <p:cNvPr id="32" name="Content Placeholder 4"/>
+          <p:cNvSpPr txBox="1">
+            <a:spLocks/>
+          </p:cNvSpPr>
+          <p:nvPr/>
+        </p:nvSpPr>
+        <p:spPr bwMode="auto">
+          <a:xfrm>
+            <a:off x="6336704" y="260648"/>
+            <a:ext cx="3635896" cy="6048672"/>
+          </a:xfrm>
+          <a:prstGeom prst="rect">
+            <a:avLst/>
+          </a:prstGeom>
+          <a:noFill/>
+          <a:ln>
+            <a:noFill/>
+          </a:ln>
+          <a:effectLst/>
+          <a:extLst>
+            <a:ext uri="{909E8E84-426E-40dd-AFC4-6F175D3DCCD1}">
+              <a14:hiddenFill xmlns:a14="http://schemas.microsoft.com/office/drawing/2010/main">
+                <a:solidFill>
+                  <a:schemeClr val="accent1"/>
+                </a:solidFill>
+              </a14:hiddenFill>
+            </a:ext>
+            <a:ext uri="{91240B29-F687-4f45-9708-019B960494DF}">
+              <a14:hiddenLine xmlns:a14="http://schemas.microsoft.com/office/drawing/2010/main" w="9525">
+                <a:solidFill>
+                  <a:schemeClr val="tx1"/>
+                </a:solidFill>
+                <a:miter lim="800000"/>
+                <a:headEnd/>
+                <a:tailEnd/>
+              </a14:hiddenLine>
+            </a:ext>
+            <a:ext uri="{AF507438-7753-43e0-B8FC-AC1667EBCBE1}">
+              <a14:hiddenEffects xmlns:a14="http://schemas.microsoft.com/office/drawing/2010/main">
+                <a:effectLst>
+                  <a:outerShdw blurRad="63500" dist="38099" dir="2700000" algn="ctr" rotWithShape="0">
+                    <a:schemeClr val="bg2">
+                      <a:alpha val="74998"/>
+                    </a:schemeClr>
+                  </a:outerShdw>
+                </a:effectLst>
+              </a14:hiddenEffects>
+            </a:ext>
+            <a:ext uri="{FAA26D3D-D897-4be2-8F04-BA451C77F1D7}">
+              <ma14:placeholderFlag xmlns:ma14="http://schemas.microsoft.com/office/mac/drawingml/2011/main" val="1"/>
+            </a:ext>
+          </a:extLst>
+        </p:spPr>
+        <p:txBody>
+          <a:bodyPr vert="horz" wrap="square" lIns="91440" tIns="45720" rIns="91440" bIns="45720" numCol="1" anchor="t" anchorCtr="0" compatLnSpc="1">
+            <a:prstTxWarp prst="textNoShape">
+              <a:avLst/>
+            </a:prstTxWarp>
+          </a:bodyPr>
+          <a:lstStyle>
+            <a:lvl1pPr marL="342900" indent="-342900" algn="l" rtl="0" fontAlgn="base">
+              <a:spcBef>
+                <a:spcPct val="20000"/>
+              </a:spcBef>
+              <a:spcAft>
+                <a:spcPct val="0"/>
+              </a:spcAft>
+              <a:buChar char="•"/>
+              <a:defRPr sz="3200">
+                <a:solidFill>
+                  <a:schemeClr val="tx1"/>
+                </a:solidFill>
+                <a:latin typeface="+mn-lt"/>
+                <a:ea typeface="+mn-ea"/>
+                <a:cs typeface="+mn-cs"/>
+              </a:defRPr>
+            </a:lvl1pPr>
+            <a:lvl2pPr marL="742950" indent="-285750" algn="l" rtl="0" fontAlgn="base">
+              <a:spcBef>
+                <a:spcPct val="20000"/>
+              </a:spcBef>
+              <a:spcAft>
+                <a:spcPct val="0"/>
+              </a:spcAft>
+              <a:buChar char="–"/>
+              <a:defRPr sz="2800">
+                <a:solidFill>
+                  <a:schemeClr val="tx1"/>
+                </a:solidFill>
+                <a:latin typeface="+mn-lt"/>
+                <a:ea typeface="Arial" charset="0"/>
+                <a:cs typeface="+mn-cs"/>
+              </a:defRPr>
+            </a:lvl2pPr>
+            <a:lvl3pPr marL="1143000" indent="-228600" algn="l" rtl="0" fontAlgn="base">
+              <a:spcBef>
+                <a:spcPct val="20000"/>
+              </a:spcBef>
+              <a:spcAft>
+                <a:spcPct val="0"/>
+              </a:spcAft>
+              <a:buChar char="•"/>
+              <a:defRPr sz="2400">
+                <a:solidFill>
+                  <a:schemeClr val="tx1"/>
+                </a:solidFill>
+                <a:latin typeface="+mn-lt"/>
+                <a:ea typeface="Arial" charset="0"/>
+                <a:cs typeface="+mn-cs"/>
+              </a:defRPr>
+            </a:lvl3pPr>
+            <a:lvl4pPr marL="1600200" indent="-228600" algn="l" rtl="0" fontAlgn="base">
+              <a:spcBef>
+                <a:spcPct val="20000"/>
+              </a:spcBef>
+              <a:spcAft>
+                <a:spcPct val="0"/>
+              </a:spcAft>
+              <a:buChar char="–"/>
+              <a:defRPr sz="2000">
+                <a:solidFill>
+                  <a:schemeClr val="tx1"/>
+                </a:solidFill>
+                <a:latin typeface="+mn-lt"/>
+                <a:ea typeface="Arial" charset="0"/>
+                <a:cs typeface="+mn-cs"/>
+              </a:defRPr>
+            </a:lvl4pPr>
+            <a:lvl5pPr marL="2057400" indent="-228600" algn="l" rtl="0" fontAlgn="base">
+              <a:spcBef>
+                <a:spcPct val="20000"/>
+              </a:spcBef>
+              <a:spcAft>
+                <a:spcPct val="0"/>
+              </a:spcAft>
+              <a:buChar char="»"/>
+              <a:defRPr sz="2000">
+                <a:solidFill>
+                  <a:schemeClr val="tx1"/>
+                </a:solidFill>
+                <a:latin typeface="+mn-lt"/>
+                <a:ea typeface="Arial" charset="0"/>
+                <a:cs typeface="+mn-cs"/>
+              </a:defRPr>
+            </a:lvl5pPr>
+            <a:lvl6pPr marL="2514600" indent="-228600" algn="l" rtl="0" fontAlgn="base">
+              <a:spcBef>
+                <a:spcPct val="20000"/>
+              </a:spcBef>
+              <a:spcAft>
+                <a:spcPct val="0"/>
+              </a:spcAft>
+              <a:buChar char="»"/>
+              <a:defRPr sz="2000">
+                <a:solidFill>
+                  <a:schemeClr val="tx1"/>
+                </a:solidFill>
+                <a:latin typeface="+mn-lt"/>
+                <a:ea typeface="Arial" charset="0"/>
+                <a:cs typeface="+mn-cs"/>
+              </a:defRPr>
+            </a:lvl6pPr>
+            <a:lvl7pPr marL="2971800" indent="-228600" algn="l" rtl="0" fontAlgn="base">
+              <a:spcBef>
+                <a:spcPct val="20000"/>
+              </a:spcBef>
+              <a:spcAft>
+                <a:spcPct val="0"/>
+              </a:spcAft>
+              <a:buChar char="»"/>
+              <a:defRPr sz="2000">
+                <a:solidFill>
+                  <a:schemeClr val="tx1"/>
+                </a:solidFill>
+                <a:latin typeface="+mn-lt"/>
+                <a:ea typeface="Arial" charset="0"/>
+                <a:cs typeface="+mn-cs"/>
+              </a:defRPr>
+            </a:lvl7pPr>
+            <a:lvl8pPr marL="3429000" indent="-228600" algn="l" rtl="0" fontAlgn="base">
+              <a:spcBef>
+                <a:spcPct val="20000"/>
+              </a:spcBef>
+              <a:spcAft>
+                <a:spcPct val="0"/>
+              </a:spcAft>
+              <a:buChar char="»"/>
+              <a:defRPr sz="2000">
+                <a:solidFill>
+                  <a:schemeClr val="tx1"/>
+                </a:solidFill>
+                <a:latin typeface="+mn-lt"/>
+                <a:ea typeface="Arial" charset="0"/>
+                <a:cs typeface="+mn-cs"/>
+              </a:defRPr>
+            </a:lvl8pPr>
+            <a:lvl9pPr marL="3886200" indent="-228600" algn="l" rtl="0" fontAlgn="base">
+              <a:spcBef>
+                <a:spcPct val="20000"/>
+              </a:spcBef>
+              <a:spcAft>
+                <a:spcPct val="0"/>
+              </a:spcAft>
+              <a:buChar char="»"/>
+              <a:defRPr sz="2000">
+                <a:solidFill>
+                  <a:schemeClr val="tx1"/>
+                </a:solidFill>
+                <a:latin typeface="+mn-lt"/>
+                <a:ea typeface="Arial" charset="0"/>
+                <a:cs typeface="+mn-cs"/>
+              </a:defRPr>
+            </a:lvl9pPr>
+          </a:lstStyle>
           <a:p>
             <a:pPr marL="0" indent="0">
               <a:buNone/>
             </a:pPr>
             <a:r>
-              <a:rPr lang="en-US" sz="1600" b="1" dirty="0">
-                <a:latin typeface="Arial"/>
-                <a:cs typeface="Arial"/>
-              </a:rPr>
-              <a:t>Types</a:t>
-            </a:r>
-          </a:p>
-          <a:p>
-            <a:r>
-              <a:rPr lang="en-US" sz="1600" b="1" dirty="0" err="1">
-                <a:latin typeface="Arial"/>
-                <a:cs typeface="Arial"/>
-              </a:rPr>
+              <a:rPr lang="en-US" sz="1200" b="1" dirty="0" smtClean="0"/>
+              <a:t>#</a:t>
+            </a:r>
+            <a:r>
+              <a:rPr lang="en-US" sz="1200" b="1" dirty="0"/>
+              <a:t>include &lt;</a:t>
+            </a:r>
+            <a:r>
+              <a:rPr lang="en-US" sz="1200" b="1" dirty="0" err="1"/>
+              <a:t>iostream</a:t>
+            </a:r>
+            <a:r>
+              <a:rPr lang="en-US" sz="1200" b="1" dirty="0" smtClean="0"/>
+              <a:t>&gt;</a:t>
+            </a:r>
+          </a:p>
+          <a:p>
+            <a:pPr marL="0" indent="0">
+              <a:buNone/>
+            </a:pPr>
+            <a:r>
+              <a:rPr lang="en-US" sz="1200" b="1" dirty="0" smtClean="0"/>
+              <a:t>#</a:t>
+            </a:r>
+            <a:r>
+              <a:rPr lang="en-US" sz="1200" b="1" dirty="0"/>
+              <a:t>include &lt;complex</a:t>
+            </a:r>
+            <a:r>
+              <a:rPr lang="en-US" sz="1200" b="1" dirty="0" smtClean="0"/>
+              <a:t>&gt;</a:t>
+            </a:r>
+          </a:p>
+          <a:p>
+            <a:pPr marL="0" indent="0">
+              <a:buNone/>
+            </a:pPr>
+            <a:r>
+              <a:rPr lang="en-US" sz="1200" b="1" dirty="0" smtClean="0"/>
+              <a:t>#</a:t>
+            </a:r>
+            <a:r>
+              <a:rPr lang="en-US" sz="1200" b="1" dirty="0"/>
+              <a:t>include &lt;</a:t>
+            </a:r>
+            <a:r>
+              <a:rPr lang="en-US" sz="1200" b="1" dirty="0" err="1"/>
+              <a:t>cmath</a:t>
+            </a:r>
+            <a:r>
+              <a:rPr lang="en-US" sz="1200" b="1" dirty="0" smtClean="0"/>
+              <a:t>&gt;</a:t>
+            </a:r>
+          </a:p>
+          <a:p>
+            <a:pPr marL="0" indent="0">
+              <a:buNone/>
+            </a:pPr>
+            <a:r>
+              <a:rPr lang="en-US" sz="1200" b="1" dirty="0" smtClean="0"/>
+              <a:t>#</a:t>
+            </a:r>
+            <a:r>
+              <a:rPr lang="en-US" sz="1200" b="1" dirty="0"/>
+              <a:t>include &lt;Eigen/Dense&gt;</a:t>
+            </a:r>
+          </a:p>
+          <a:p>
+            <a:pPr marL="0" indent="0">
+              <a:buNone/>
+            </a:pPr>
+            <a:r>
+              <a:rPr lang="en-US" sz="1200" b="1" dirty="0" smtClean="0"/>
+              <a:t>#</a:t>
+            </a:r>
+            <a:r>
+              <a:rPr lang="en-US" sz="1200" b="1" dirty="0"/>
+              <a:t>include &lt;qlang</a:t>
+            </a:r>
+            <a:r>
+              <a:rPr lang="en-US" sz="1200" b="1" dirty="0" smtClean="0"/>
+              <a:t>&gt;</a:t>
+            </a:r>
+          </a:p>
+          <a:p>
+            <a:pPr marL="0" indent="0">
+              <a:buNone/>
+            </a:pPr>
+            <a:r>
+              <a:rPr lang="en-US" sz="1200" b="1" dirty="0" smtClean="0"/>
+              <a:t>using </a:t>
+            </a:r>
+            <a:r>
+              <a:rPr lang="en-US" sz="1200" b="1" dirty="0"/>
+              <a:t>namespace Eigen;</a:t>
+            </a:r>
+          </a:p>
+          <a:p>
+            <a:pPr marL="0" indent="0">
+              <a:buNone/>
+            </a:pPr>
+            <a:r>
+              <a:rPr lang="en-US" sz="1200" b="1" dirty="0" smtClean="0"/>
+              <a:t>using </a:t>
+            </a:r>
+            <a:r>
+              <a:rPr lang="en-US" sz="1200" b="1" dirty="0"/>
+              <a:t>namespace </a:t>
+            </a:r>
+            <a:r>
+              <a:rPr lang="en-US" sz="1200" b="1" dirty="0" err="1"/>
+              <a:t>std</a:t>
+            </a:r>
+            <a:r>
+              <a:rPr lang="en-US" sz="1200" b="1" dirty="0"/>
+              <a:t>;</a:t>
+            </a:r>
+          </a:p>
+          <a:p>
+            <a:pPr marL="0" indent="0">
+              <a:buNone/>
+            </a:pPr>
+            <a:endParaRPr lang="en-US" sz="1200" b="1" dirty="0"/>
+          </a:p>
+          <a:p>
+            <a:pPr marL="0" indent="0">
+              <a:buNone/>
+            </a:pPr>
+            <a:r>
+              <a:rPr lang="en-US" sz="1200" b="1" dirty="0" err="1" smtClean="0"/>
+              <a:t>MatrixXcf</a:t>
+            </a:r>
+            <a:r>
+              <a:rPr lang="en-US" sz="1200" b="1" dirty="0" smtClean="0"/>
+              <a:t> </a:t>
+            </a:r>
+            <a:r>
+              <a:rPr lang="en-US" sz="1200" b="1" dirty="0" err="1"/>
+              <a:t>test_add</a:t>
+            </a:r>
+            <a:r>
+              <a:rPr lang="en-US" sz="1200" b="1" dirty="0"/>
+              <a:t> (</a:t>
+            </a:r>
+            <a:r>
+              <a:rPr lang="en-US" sz="1200" b="1" dirty="0" err="1"/>
+              <a:t>MatrixXcf</a:t>
+            </a:r>
+            <a:r>
+              <a:rPr lang="en-US" sz="1200" b="1" dirty="0"/>
+              <a:t> x )</a:t>
+            </a:r>
+          </a:p>
+          <a:p>
+            <a:pPr marL="0" indent="0">
+              <a:buNone/>
+            </a:pPr>
+            <a:r>
+              <a:rPr lang="en-US" sz="1200" b="1" dirty="0" smtClean="0"/>
+              <a:t>{</a:t>
+            </a:r>
+          </a:p>
+          <a:p>
+            <a:pPr marL="0" indent="0">
+              <a:buNone/>
+            </a:pPr>
+            <a:r>
+              <a:rPr lang="es-ES_tradnl" sz="1200" b="1" dirty="0" smtClean="0"/>
+              <a:t>     </a:t>
+            </a:r>
+            <a:r>
+              <a:rPr lang="es-ES_tradnl" sz="1200" b="1" dirty="0" err="1" smtClean="0"/>
+              <a:t>MatrixXcf</a:t>
+            </a:r>
+            <a:r>
+              <a:rPr lang="es-ES_tradnl" sz="1200" b="1" dirty="0" smtClean="0"/>
+              <a:t> y;</a:t>
+            </a:r>
+          </a:p>
+          <a:p>
+            <a:pPr marL="0" indent="0">
+              <a:buNone/>
+            </a:pPr>
+            <a:r>
+              <a:rPr lang="es-ES_tradnl" sz="1200" b="1" dirty="0" smtClean="0"/>
+              <a:t>     </a:t>
+            </a:r>
+            <a:r>
+              <a:rPr lang="es-ES_tradnl" sz="1200" b="1" dirty="0" err="1"/>
+              <a:t>MatrixXcf</a:t>
+            </a:r>
+            <a:r>
+              <a:rPr lang="es-ES_tradnl" sz="1200" b="1" dirty="0"/>
+              <a:t> </a:t>
+            </a:r>
+            <a:r>
+              <a:rPr lang="es-ES_tradnl" sz="1200" b="1" dirty="0" err="1"/>
+              <a:t>result</a:t>
+            </a:r>
+            <a:r>
+              <a:rPr lang="es-ES_tradnl" sz="1200" b="1" dirty="0" smtClean="0"/>
+              <a:t>;</a:t>
+            </a:r>
+          </a:p>
+          <a:p>
+            <a:pPr marL="0" indent="0">
+              <a:buNone/>
+            </a:pPr>
+            <a:endParaRPr lang="es-ES_tradnl" sz="1200" b="1" dirty="0"/>
+          </a:p>
+          <a:p>
+            <a:pPr marL="0" indent="0">
+              <a:buNone/>
+            </a:pPr>
+            <a:r>
+              <a:rPr lang="es-ES_tradnl" sz="1200" b="1" dirty="0" smtClean="0"/>
+              <a:t>     y </a:t>
+            </a:r>
+            <a:r>
+              <a:rPr lang="es-ES_tradnl" sz="1200" b="1" dirty="0"/>
+              <a:t>= </a:t>
+            </a:r>
+            <a:r>
+              <a:rPr lang="es-ES_tradnl" sz="1200" b="1" dirty="0" err="1"/>
+              <a:t>genQubit</a:t>
+            </a:r>
+            <a:r>
+              <a:rPr lang="es-ES_tradnl" sz="1200" b="1" dirty="0"/>
+              <a:t>("01",1);</a:t>
+            </a:r>
+          </a:p>
+          <a:p>
+            <a:pPr marL="0" indent="0">
+              <a:buNone/>
+            </a:pPr>
+            <a:r>
+              <a:rPr lang="es-ES_tradnl" sz="1200" b="1" dirty="0" smtClean="0"/>
+              <a:t>     </a:t>
+            </a:r>
+            <a:r>
+              <a:rPr lang="es-ES_tradnl" sz="1200" b="1" dirty="0" err="1"/>
+              <a:t>result</a:t>
+            </a:r>
+            <a:r>
+              <a:rPr lang="es-ES_tradnl" sz="1200" b="1" dirty="0"/>
+              <a:t> = x + y;</a:t>
+            </a:r>
+          </a:p>
+          <a:p>
+            <a:pPr marL="0" indent="0">
+              <a:buNone/>
+            </a:pPr>
+            <a:r>
+              <a:rPr lang="es-ES_tradnl" sz="1200" b="1" dirty="0" smtClean="0"/>
+              <a:t>    </a:t>
+            </a:r>
+            <a:r>
+              <a:rPr lang="es-ES_tradnl" sz="1200" b="1" dirty="0" err="1" smtClean="0"/>
+              <a:t>return</a:t>
+            </a:r>
+            <a:r>
+              <a:rPr lang="es-ES_tradnl" sz="1200" b="1" dirty="0" smtClean="0"/>
+              <a:t> </a:t>
+            </a:r>
+            <a:r>
+              <a:rPr lang="es-ES_tradnl" sz="1200" b="1" dirty="0" err="1"/>
+              <a:t>result</a:t>
+            </a:r>
+            <a:r>
+              <a:rPr lang="es-ES_tradnl" sz="1200" b="1" dirty="0" smtClean="0"/>
+              <a:t>;</a:t>
+            </a:r>
+          </a:p>
+          <a:p>
+            <a:pPr marL="0" indent="0">
+              <a:buNone/>
+            </a:pPr>
+            <a:r>
+              <a:rPr lang="es-ES_tradnl" sz="1200" b="1" dirty="0" smtClean="0"/>
+              <a:t>}</a:t>
+            </a:r>
+          </a:p>
+          <a:p>
+            <a:pPr marL="0" indent="0">
+              <a:buNone/>
+            </a:pPr>
+            <a:endParaRPr lang="es-ES_tradnl" sz="1200" b="1" dirty="0"/>
+          </a:p>
+          <a:p>
+            <a:pPr marL="0" indent="0">
+              <a:buNone/>
+            </a:pPr>
+            <a:r>
+              <a:rPr lang="es-ES_tradnl" sz="1200" b="1" dirty="0" err="1"/>
               <a:t>int</a:t>
             </a:r>
             <a:r>
-              <a:rPr lang="en-US" sz="1600" b="1" dirty="0">
-                <a:latin typeface="Arial"/>
-                <a:cs typeface="Arial"/>
-              </a:rPr>
-              <a:t> (integers): 17, 0, -3489</a:t>
-            </a:r>
-          </a:p>
-          <a:p>
-            <a:r>
-              <a:rPr lang="en-US" sz="1600" b="1" dirty="0">
-                <a:latin typeface="Arial"/>
-                <a:cs typeface="Arial"/>
-              </a:rPr>
-              <a:t>float (floating point): 24.2, -3., 17.006 </a:t>
-            </a:r>
-          </a:p>
-          <a:p>
-            <a:r>
-              <a:rPr lang="en-US" sz="1600" b="1" dirty="0">
-                <a:latin typeface="Arial"/>
-                <a:cs typeface="Arial"/>
-              </a:rPr>
-              <a:t>comp (complex): C(7.4 + 8.1I)</a:t>
-            </a:r>
-          </a:p>
-          <a:p>
-            <a:r>
-              <a:rPr lang="en-US" sz="1600" b="1" dirty="0">
-                <a:latin typeface="Arial"/>
-                <a:cs typeface="Arial"/>
-              </a:rPr>
-              <a:t>mat (matrix): [(1,2,3)(4,5,6)], |1101&gt;</a:t>
-            </a:r>
-          </a:p>
-          <a:p>
-            <a:endParaRPr lang="en-US" sz="1600" b="1" dirty="0">
-              <a:latin typeface="Arial"/>
-              <a:cs typeface="Arial"/>
-            </a:endParaRPr>
+              <a:rPr lang="es-ES_tradnl" sz="1200" b="1" dirty="0"/>
+              <a:t> </a:t>
+            </a:r>
+            <a:r>
+              <a:rPr lang="es-ES_tradnl" sz="1200" b="1" dirty="0" err="1"/>
+              <a:t>main</a:t>
+            </a:r>
+            <a:r>
+              <a:rPr lang="es-ES_tradnl" sz="1200" b="1" dirty="0"/>
+              <a:t> ()</a:t>
+            </a:r>
           </a:p>
           <a:p>
             <a:pPr marL="0" indent="0">
               <a:buNone/>
             </a:pPr>
             <a:r>
-              <a:rPr lang="en-US" sz="1600" b="1" dirty="0" smtClean="0">
-                <a:latin typeface="Arial"/>
-                <a:cs typeface="Arial"/>
-              </a:rPr>
-              <a:t>Operators (the interesting ones)</a:t>
-            </a:r>
-          </a:p>
-          <a:p>
-            <a:r>
-              <a:rPr lang="en-US" sz="1600" b="1" dirty="0" smtClean="0"/>
-              <a:t>Matrix: norm, trans, </a:t>
-            </a:r>
-            <a:r>
-              <a:rPr lang="en-US" sz="1600" b="1" dirty="0" err="1" smtClean="0"/>
-              <a:t>det</a:t>
-            </a:r>
-            <a:r>
-              <a:rPr lang="en-US" sz="1600" b="1" dirty="0" smtClean="0"/>
-              <a:t>, </a:t>
-            </a:r>
-            <a:r>
-              <a:rPr lang="en-US" sz="1600" b="1" dirty="0" err="1" smtClean="0"/>
-              <a:t>adj</a:t>
-            </a:r>
-            <a:r>
-              <a:rPr lang="en-US" sz="1600" b="1" dirty="0" smtClean="0"/>
-              <a:t>, </a:t>
-            </a:r>
-            <a:r>
-              <a:rPr lang="en-US" sz="1600" b="1" dirty="0" err="1" smtClean="0"/>
-              <a:t>conj</a:t>
-            </a:r>
-            <a:r>
-              <a:rPr lang="en-US" sz="1600" b="1" dirty="0" smtClean="0"/>
-              <a:t>, unit, @ (tensor product)</a:t>
-            </a:r>
-          </a:p>
-          <a:p>
-            <a:r>
-              <a:rPr lang="en-US" sz="1600" b="1" dirty="0" smtClean="0"/>
-              <a:t>Complex: </a:t>
-            </a:r>
-            <a:r>
-              <a:rPr lang="en-US" sz="1600" b="1" dirty="0" err="1" smtClean="0"/>
-              <a:t>im</a:t>
-            </a:r>
-            <a:r>
-              <a:rPr lang="en-US" sz="1600" b="1" dirty="0" smtClean="0"/>
-              <a:t>, re</a:t>
+              <a:rPr lang="es-ES_tradnl" sz="1200" b="1" dirty="0"/>
+              <a:t>{</a:t>
             </a:r>
           </a:p>
           <a:p>
             <a:pPr marL="0" indent="0">
               <a:buNone/>
             </a:pPr>
-            <a:endParaRPr lang="en-US" sz="1600" b="1" dirty="0"/>
+            <a:r>
+              <a:rPr lang="es-ES_tradnl" sz="1200" b="1" dirty="0" smtClean="0"/>
+              <a:t>    </a:t>
+            </a:r>
+            <a:r>
+              <a:rPr lang="es-ES_tradnl" sz="1200" b="1" dirty="0" err="1" smtClean="0"/>
+              <a:t>MatrixXcf</a:t>
+            </a:r>
+            <a:r>
+              <a:rPr lang="es-ES_tradnl" sz="1200" b="1" dirty="0" smtClean="0"/>
+              <a:t> </a:t>
+            </a:r>
+            <a:r>
+              <a:rPr lang="es-ES_tradnl" sz="1200" b="1" dirty="0"/>
+              <a:t>x</a:t>
+            </a:r>
+            <a:r>
+              <a:rPr lang="es-ES_tradnl" sz="1200" b="1" dirty="0" smtClean="0"/>
+              <a:t>;</a:t>
+            </a:r>
           </a:p>
           <a:p>
             <a:pPr marL="0" indent="0">
               <a:buNone/>
             </a:pPr>
             <a:r>
-              <a:rPr lang="en-US" sz="1600" b="1" dirty="0" smtClean="0"/>
-              <a:t>Built-in Constants</a:t>
-            </a:r>
-          </a:p>
-          <a:p>
-            <a:r>
-              <a:rPr lang="en-US" sz="1600" b="1" dirty="0" smtClean="0"/>
-              <a:t>H, X, Y, IDT</a:t>
+              <a:rPr lang="es-ES_tradnl" sz="1200" b="1" dirty="0" smtClean="0"/>
+              <a:t>    </a:t>
+            </a:r>
+            <a:r>
+              <a:rPr lang="es-ES_tradnl" sz="1200" b="1" dirty="0" err="1" smtClean="0"/>
+              <a:t>MatrixXcf</a:t>
+            </a:r>
+            <a:r>
+              <a:rPr lang="es-ES_tradnl" sz="1200" b="1" dirty="0" smtClean="0"/>
+              <a:t> </a:t>
+            </a:r>
+            <a:r>
+              <a:rPr lang="es-ES_tradnl" sz="1200" b="1" dirty="0" err="1"/>
+              <a:t>final_result</a:t>
+            </a:r>
+            <a:r>
+              <a:rPr lang="es-ES_tradnl" sz="1200" b="1" dirty="0"/>
+              <a:t>;</a:t>
             </a:r>
           </a:p>
           <a:p>
             <a:pPr marL="0" indent="0">
               <a:buNone/>
             </a:pPr>
-            <a:endParaRPr lang="en-US" sz="1600" b="1" dirty="0"/>
+            <a:r>
+              <a:rPr lang="fr-FR" sz="1200" b="1" dirty="0" smtClean="0"/>
+              <a:t>    x </a:t>
+            </a:r>
+            <a:r>
+              <a:rPr lang="fr-FR" sz="1200" b="1" dirty="0"/>
+              <a:t>= </a:t>
+            </a:r>
+            <a:r>
+              <a:rPr lang="fr-FR" sz="1200" b="1" dirty="0" err="1"/>
+              <a:t>genQubit</a:t>
+            </a:r>
+            <a:r>
+              <a:rPr lang="fr-FR" sz="1200" b="1" dirty="0"/>
+              <a:t>("10",1);</a:t>
+            </a:r>
           </a:p>
           <a:p>
             <a:pPr marL="0" indent="0">
               <a:buNone/>
             </a:pPr>
-            <a:endParaRPr lang="en-US" sz="1600" b="1" dirty="0">
-              <a:latin typeface="Arial"/>
-              <a:cs typeface="Arial"/>
-            </a:endParaRPr>
+            <a:r>
+              <a:rPr lang="fr-FR" sz="1200" b="1" dirty="0" smtClean="0"/>
+              <a:t>    </a:t>
+            </a:r>
+            <a:r>
+              <a:rPr lang="fr-FR" sz="1200" b="1" dirty="0" err="1" smtClean="0"/>
+              <a:t>final_result</a:t>
+            </a:r>
+            <a:r>
+              <a:rPr lang="fr-FR" sz="1200" b="1" dirty="0" smtClean="0"/>
+              <a:t> </a:t>
+            </a:r>
+            <a:r>
+              <a:rPr lang="fr-FR" sz="1200" b="1" dirty="0"/>
+              <a:t>= </a:t>
+            </a:r>
+            <a:r>
+              <a:rPr lang="fr-FR" sz="1200" b="1" dirty="0" err="1"/>
+              <a:t>test_add</a:t>
+            </a:r>
+            <a:r>
+              <a:rPr lang="fr-FR" sz="1200" b="1" dirty="0"/>
+              <a:t>(x)</a:t>
+            </a:r>
+            <a:r>
+              <a:rPr lang="fr-FR" sz="1200" b="1" dirty="0" smtClean="0"/>
+              <a:t>;</a:t>
+            </a:r>
           </a:p>
           <a:p>
             <a:pPr marL="0" indent="0">
               <a:buNone/>
             </a:pPr>
-            <a:endParaRPr lang="en-US" sz="1600" b="1" dirty="0">
-              <a:latin typeface="Arial"/>
-              <a:cs typeface="Arial"/>
-            </a:endParaRPr>
-          </a:p>
-        </p:txBody>
-      </p:sp>
+            <a:r>
+              <a:rPr lang="fr-FR" sz="1200" b="1" dirty="0" smtClean="0"/>
+              <a:t>    </a:t>
+            </a:r>
+            <a:r>
+              <a:rPr lang="fr-FR" sz="1200" b="1" dirty="0" err="1" smtClean="0"/>
+              <a:t>std</a:t>
+            </a:r>
+            <a:r>
+              <a:rPr lang="fr-FR" sz="1200" b="1" dirty="0"/>
+              <a:t>::cout &lt;&lt; </a:t>
+            </a:r>
+            <a:r>
+              <a:rPr lang="fr-FR" sz="1200" b="1" dirty="0" err="1"/>
+              <a:t>final_result</a:t>
+            </a:r>
+            <a:r>
+              <a:rPr lang="fr-FR" sz="1200" b="1" dirty="0"/>
+              <a:t> &lt;&lt; </a:t>
+            </a:r>
+            <a:r>
+              <a:rPr lang="fr-FR" sz="1200" b="1" dirty="0" err="1"/>
+              <a:t>endl</a:t>
+            </a:r>
+            <a:r>
+              <a:rPr lang="fr-FR" sz="1200" b="1" dirty="0" smtClean="0"/>
+              <a:t>;</a:t>
+            </a:r>
+          </a:p>
+          <a:p>
+            <a:pPr marL="0" indent="0">
+              <a:buNone/>
+            </a:pPr>
+            <a:r>
+              <a:rPr lang="is-IS" sz="1200" b="1" dirty="0" smtClean="0"/>
+              <a:t>    return </a:t>
+            </a:r>
+            <a:r>
+              <a:rPr lang="is-IS" sz="1200" b="1" dirty="0"/>
+              <a:t>0</a:t>
+            </a:r>
+            <a:r>
+              <a:rPr lang="is-IS" sz="1200" b="1" dirty="0" smtClean="0"/>
+              <a:t>;</a:t>
+            </a:r>
+          </a:p>
+          <a:p>
+            <a:pPr marL="0" indent="0">
+              <a:buNone/>
+            </a:pPr>
+            <a:r>
+              <a:rPr lang="is-IS" sz="1200" b="1" dirty="0" smtClean="0"/>
+              <a:t>} </a:t>
+            </a:r>
+            <a:endParaRPr lang="en-US" sz="1200" b="1" dirty="0" smtClean="0"/>
+          </a:p>
+        </p:txBody>
+      </p:sp>
+      <p:cxnSp>
+        <p:nvCxnSpPr>
+          <p:cNvPr id="33" name="Straight Connector 32"/>
+          <p:cNvCxnSpPr/>
+          <p:nvPr/>
+        </p:nvCxnSpPr>
+        <p:spPr>
+          <a:xfrm>
+            <a:off x="5076056" y="3429000"/>
+            <a:ext cx="1008112" cy="0"/>
+          </a:xfrm>
+          <a:prstGeom prst="line">
+            <a:avLst/>
+          </a:prstGeom>
+          <a:ln w="50800">
+            <a:solidFill>
+              <a:schemeClr val="tx1"/>
+            </a:solidFill>
+            <a:tailEnd type="triangle" w="lg" len="med"/>
+          </a:ln>
+        </p:spPr>
+        <p:style>
+          <a:lnRef idx="2">
+            <a:schemeClr val="accent1"/>
+          </a:lnRef>
+          <a:fillRef idx="0">
+            <a:schemeClr val="accent1"/>
+          </a:fillRef>
+          <a:effectRef idx="1">
+            <a:schemeClr val="accent1"/>
+          </a:effectRef>
+          <a:fontRef idx="minor">
+            <a:schemeClr val="tx1"/>
+          </a:fontRef>
+        </p:style>
+      </p:cxnSp>
     </p:spTree>
     <p:extLst>
       <p:ext uri="{BB962C8B-B14F-4D97-AF65-F5344CB8AC3E}">
-        <p14:creationId xmlns:p14="http://schemas.microsoft.com/office/powerpoint/2010/main" val="1043839614"/>
+        <p14:creationId xmlns:p14="http://schemas.microsoft.com/office/powerpoint/2010/main" val="3463991577"/>
       </p:ext>
     </p:extLst>
   </p:cSld>
@@ -6041,8 +7293,8 @@
         </p:nvSpPr>
         <p:spPr>
           <a:xfrm>
-            <a:off x="1547664" y="116632"/>
-            <a:ext cx="5915000" cy="1143000"/>
+            <a:off x="1609328" y="188640"/>
+            <a:ext cx="6347048" cy="1143000"/>
           </a:xfrm>
         </p:spPr>
         <p:txBody>
@@ -6060,7 +7312,7 @@
       </p:sp>
       <p:sp>
         <p:nvSpPr>
-          <p:cNvPr id="54" name="Content Placeholder 4"/>
+          <p:cNvPr id="5" name="Content Placeholder 4"/>
           <p:cNvSpPr>
             <a:spLocks noGrp="1"/>
           </p:cNvSpPr>
@@ -6070,8 +7322,8 @@
         </p:nvSpPr>
         <p:spPr>
           <a:xfrm>
-            <a:off x="1526976" y="1124744"/>
-            <a:ext cx="8229600" cy="4525963"/>
+            <a:off x="1526976" y="1268761"/>
+            <a:ext cx="8229600" cy="3600400"/>
           </a:xfrm>
         </p:spPr>
         <p:txBody>
@@ -6082,8 +7334,11 @@
               <a:buNone/>
             </a:pPr>
             <a:r>
-              <a:rPr lang="en-US" sz="2200" b="1" dirty="0" smtClean="0"/>
-              <a:t>Details</a:t>
+              <a:rPr lang="en-US" sz="2400" b="1" dirty="0">
+                <a:latin typeface="Arial"/>
+                <a:cs typeface="Arial"/>
+              </a:rPr>
+              <a:t>Types and Operators</a:t>
             </a:r>
           </a:p>
           <a:p>
@@ -6093,53 +7348,140 @@
               </a:spcBef>
               <a:buNone/>
             </a:pPr>
-            <a:endParaRPr lang="en-US" sz="2200" b="1" dirty="0" smtClean="0"/>
+            <a:endParaRPr lang="en-US" sz="1600" b="1" dirty="0">
+              <a:latin typeface="Arial"/>
+              <a:cs typeface="Arial"/>
+            </a:endParaRPr>
           </a:p>
           <a:p>
             <a:pPr marL="0" indent="0">
-              <a:spcBef>
-                <a:spcPts val="0"/>
-              </a:spcBef>
               <a:buNone/>
             </a:pPr>
-            <a:endParaRPr lang="en-US" sz="2200" b="1" dirty="0" smtClean="0"/>
+            <a:r>
+              <a:rPr lang="en-US" sz="1600" b="1" dirty="0">
+                <a:latin typeface="Arial"/>
+                <a:cs typeface="Arial"/>
+              </a:rPr>
+              <a:t>Types</a:t>
+            </a:r>
+          </a:p>
+          <a:p>
+            <a:r>
+              <a:rPr lang="en-US" sz="1600" b="1" dirty="0" err="1">
+                <a:latin typeface="Arial"/>
+                <a:cs typeface="Arial"/>
+              </a:rPr>
+              <a:t>int</a:t>
+            </a:r>
+            <a:r>
+              <a:rPr lang="en-US" sz="1600" b="1" dirty="0">
+                <a:latin typeface="Arial"/>
+                <a:cs typeface="Arial"/>
+              </a:rPr>
+              <a:t> (integers): 17, 0, -3489</a:t>
+            </a:r>
+          </a:p>
+          <a:p>
+            <a:r>
+              <a:rPr lang="en-US" sz="1600" b="1" dirty="0">
+                <a:latin typeface="Arial"/>
+                <a:cs typeface="Arial"/>
+              </a:rPr>
+              <a:t>float (floating point): 24.2, -3., 17.006 </a:t>
+            </a:r>
+          </a:p>
+          <a:p>
+            <a:r>
+              <a:rPr lang="en-US" sz="1600" b="1" dirty="0">
+                <a:latin typeface="Arial"/>
+                <a:cs typeface="Arial"/>
+              </a:rPr>
+              <a:t>comp (complex): C(7.4 + 8.1I)</a:t>
+            </a:r>
+          </a:p>
+          <a:p>
+            <a:r>
+              <a:rPr lang="en-US" sz="1600" b="1" dirty="0">
+                <a:latin typeface="Arial"/>
+                <a:cs typeface="Arial"/>
+              </a:rPr>
+              <a:t>mat (matrix): [(1,2,3)(4,5,6)], |1101&gt;</a:t>
+            </a:r>
+          </a:p>
+          <a:p>
+            <a:endParaRPr lang="en-US" sz="1600" b="1" dirty="0">
+              <a:latin typeface="Arial"/>
+              <a:cs typeface="Arial"/>
+            </a:endParaRPr>
           </a:p>
           <a:p>
             <a:pPr marL="0" indent="0">
-              <a:spcBef>
-                <a:spcPts val="0"/>
-              </a:spcBef>
               <a:buNone/>
             </a:pPr>
-            <a:endParaRPr lang="en-US" sz="2200" b="1" dirty="0"/>
+            <a:r>
+              <a:rPr lang="en-US" sz="1600" b="1" dirty="0" smtClean="0">
+                <a:latin typeface="Arial"/>
+                <a:cs typeface="Arial"/>
+              </a:rPr>
+              <a:t>Operators (the interesting ones)</a:t>
+            </a:r>
+          </a:p>
+          <a:p>
+            <a:r>
+              <a:rPr lang="en-US" sz="1600" b="1" dirty="0" smtClean="0"/>
+              <a:t>Matrix: standard operations (e.g. matrix multiplication), norm, trans, </a:t>
+            </a:r>
+            <a:r>
+              <a:rPr lang="en-US" sz="1600" b="1" dirty="0" err="1" smtClean="0"/>
+              <a:t>det</a:t>
+            </a:r>
+            <a:r>
+              <a:rPr lang="en-US" sz="1600" b="1" dirty="0" smtClean="0"/>
+              <a:t>,</a:t>
+            </a:r>
+            <a:endParaRPr lang="en-US" sz="1600" b="1" dirty="0"/>
           </a:p>
           <a:p>
             <a:pPr marL="0" indent="0">
               <a:buNone/>
             </a:pPr>
             <a:r>
+              <a:rPr lang="en-US" sz="1600" b="1" dirty="0" smtClean="0"/>
+              <a:t>      </a:t>
+            </a:r>
+            <a:r>
               <a:rPr lang="en-US" sz="1600" b="1" dirty="0" err="1" smtClean="0"/>
-              <a:t>def</a:t>
+              <a:t>adj</a:t>
             </a:r>
             <a:r>
               <a:rPr lang="en-US" sz="1600" b="1" dirty="0" smtClean="0"/>
-              <a:t> x2(</a:t>
+              <a:t>, </a:t>
             </a:r>
             <a:r>
               <a:rPr lang="en-US" sz="1600" b="1" dirty="0" err="1" smtClean="0"/>
-              <a:t>int</a:t>
+              <a:t>conj</a:t>
             </a:r>
             <a:r>
               <a:rPr lang="en-US" sz="1600" b="1" dirty="0" smtClean="0"/>
-              <a:t> a) </a:t>
-            </a:r>
-            <a:r>
-              <a:rPr lang="en-US" sz="1600" b="1" dirty="0"/>
-              <a:t>: comp  </a:t>
+              <a:t>, unit, @ (tensor product)</a:t>
+            </a:r>
+          </a:p>
+          <a:p>
+            <a:r>
+              <a:rPr lang="en-US" sz="1600" b="1" dirty="0" err="1" smtClean="0"/>
+              <a:t>Complex:all</a:t>
             </a:r>
             <a:r>
               <a:rPr lang="en-US" sz="1600" b="1" dirty="0" smtClean="0"/>
-              <a:t>result {</a:t>
+              <a:t> standard operations, </a:t>
+            </a:r>
+            <a:r>
+              <a:rPr lang="en-US" sz="1600" b="1" dirty="0" err="1" smtClean="0"/>
+              <a:t>im</a:t>
+            </a:r>
+            <a:r>
+              <a:rPr lang="en-US" sz="1600" b="1" dirty="0" smtClean="0"/>
+              <a:t>, re</a:t>
             </a:r>
             <a:endParaRPr lang="en-US" sz="1600" b="1" dirty="0"/>
           </a:p>
@@ -6147,570 +7489,18 @@
             <a:pPr marL="0" indent="0">
               <a:buNone/>
             </a:pPr>
-            <a:r>
-              <a:rPr lang="en-US" sz="1600" b="1" dirty="0" smtClean="0"/>
-              <a:t>    result = a * 2;</a:t>
-            </a:r>
-            <a:endParaRPr lang="en-US" sz="1600" b="1" dirty="0"/>
+            <a:endParaRPr lang="en-US" sz="1600" b="1" dirty="0">
+              <a:latin typeface="Arial"/>
+              <a:cs typeface="Arial"/>
+            </a:endParaRPr>
           </a:p>
           <a:p>
             <a:pPr marL="0" indent="0">
               <a:buNone/>
             </a:pPr>
-            <a:r>
-              <a:rPr lang="en-US" sz="1600" b="1" dirty="0"/>
-              <a:t>}</a:t>
-            </a:r>
-          </a:p>
-          <a:p>
-            <a:pPr marL="0" indent="0">
-              <a:buNone/>
-            </a:pPr>
-            <a:endParaRPr lang="en-US" sz="2200" b="1" dirty="0" smtClean="0"/>
-          </a:p>
-          <a:p>
-            <a:pPr marL="0" indent="0">
-              <a:buNone/>
-            </a:pPr>
-            <a:r>
-              <a:rPr lang="en-US" sz="1600" b="1" dirty="0" err="1" smtClean="0"/>
-              <a:t>def</a:t>
-            </a:r>
-            <a:r>
-              <a:rPr lang="en-US" sz="1600" b="1" dirty="0" smtClean="0"/>
-              <a:t> </a:t>
-            </a:r>
-            <a:r>
-              <a:rPr lang="en-US" sz="1600" b="1" dirty="0"/>
-              <a:t>compute() : comp  </a:t>
-            </a:r>
-            <a:r>
-              <a:rPr lang="en-US" sz="1600" b="1" dirty="0" err="1" smtClean="0"/>
-              <a:t>final_result</a:t>
-            </a:r>
-            <a:r>
-              <a:rPr lang="en-US" sz="1600" b="1" dirty="0" smtClean="0"/>
-              <a:t> {</a:t>
-            </a:r>
-          </a:p>
-          <a:p>
-            <a:pPr marL="0" indent="0">
-              <a:buNone/>
-            </a:pPr>
-            <a:r>
-              <a:rPr lang="en-US" sz="1600" b="1" dirty="0" smtClean="0"/>
-              <a:t>    </a:t>
-            </a:r>
-            <a:r>
-              <a:rPr lang="en-US" sz="1600" b="1" dirty="0" err="1" smtClean="0"/>
-              <a:t>int</a:t>
-            </a:r>
-            <a:r>
-              <a:rPr lang="en-US" sz="1600" b="1" dirty="0" smtClean="0"/>
-              <a:t> a;</a:t>
-            </a:r>
-          </a:p>
-          <a:p>
-            <a:pPr marL="0" indent="0">
-              <a:buNone/>
-            </a:pPr>
-            <a:r>
-              <a:rPr lang="en-US" sz="1600" b="1" dirty="0"/>
-              <a:t> </a:t>
-            </a:r>
-            <a:r>
-              <a:rPr lang="en-US" sz="1600" b="1" dirty="0" smtClean="0"/>
-              <a:t>   a = 3;	</a:t>
-            </a:r>
-          </a:p>
-          <a:p>
-            <a:pPr marL="0" indent="0">
-              <a:buNone/>
-            </a:pPr>
-            <a:r>
-              <a:rPr lang="en-US" sz="1600" b="1" dirty="0" smtClean="0"/>
-              <a:t>    </a:t>
-            </a:r>
-            <a:r>
-              <a:rPr lang="en-US" sz="1600" b="1" dirty="0" err="1" smtClean="0"/>
-              <a:t>final_result</a:t>
-            </a:r>
-            <a:r>
-              <a:rPr lang="en-US" sz="1600" b="1" dirty="0" smtClean="0"/>
-              <a:t> = x2(a);</a:t>
-            </a:r>
-            <a:endParaRPr lang="en-US" sz="1600" b="1" dirty="0"/>
-          </a:p>
-          <a:p>
-            <a:pPr marL="0" indent="0">
-              <a:buNone/>
-            </a:pPr>
-            <a:r>
-              <a:rPr lang="en-US" sz="1600" b="1" dirty="0" smtClean="0"/>
-              <a:t>}</a:t>
-            </a:r>
-          </a:p>
-          <a:p>
-            <a:endParaRPr lang="en-US" sz="2200" b="1" dirty="0" smtClean="0"/>
-          </a:p>
-        </p:txBody>
-      </p:sp>
-      <p:cxnSp>
-        <p:nvCxnSpPr>
-          <p:cNvPr id="4" name="Straight Connector 3"/>
-          <p:cNvCxnSpPr>
-            <a:stCxn id="11" idx="2"/>
-          </p:cNvCxnSpPr>
-          <p:nvPr/>
-        </p:nvCxnSpPr>
-        <p:spPr>
-          <a:xfrm>
-            <a:off x="1871700" y="2213576"/>
-            <a:ext cx="180020" cy="279320"/>
-          </a:xfrm>
-          <a:prstGeom prst="line">
-            <a:avLst/>
-          </a:prstGeom>
-          <a:ln>
-            <a:solidFill>
-              <a:srgbClr val="FF0000"/>
-            </a:solidFill>
-            <a:tailEnd type="triangle" w="lg" len="med"/>
-          </a:ln>
-        </p:spPr>
-        <p:style>
-          <a:lnRef idx="2">
-            <a:schemeClr val="accent1"/>
-          </a:lnRef>
-          <a:fillRef idx="0">
-            <a:schemeClr val="accent1"/>
-          </a:fillRef>
-          <a:effectRef idx="1">
-            <a:schemeClr val="accent1"/>
-          </a:effectRef>
-          <a:fontRef idx="minor">
-            <a:schemeClr val="tx1"/>
-          </a:fontRef>
-        </p:style>
-      </p:cxnSp>
-      <p:cxnSp>
-        <p:nvCxnSpPr>
-          <p:cNvPr id="10" name="Straight Connector 9"/>
-          <p:cNvCxnSpPr/>
-          <p:nvPr/>
-        </p:nvCxnSpPr>
-        <p:spPr>
-          <a:xfrm flipH="1">
-            <a:off x="2555776" y="2204864"/>
-            <a:ext cx="216023" cy="288032"/>
-          </a:xfrm>
-          <a:prstGeom prst="line">
-            <a:avLst/>
-          </a:prstGeom>
-          <a:ln>
-            <a:solidFill>
-              <a:srgbClr val="FF0000"/>
-            </a:solidFill>
-            <a:tailEnd type="triangle" w="lg" len="med"/>
-          </a:ln>
-        </p:spPr>
-        <p:style>
-          <a:lnRef idx="2">
-            <a:schemeClr val="accent1"/>
-          </a:lnRef>
-          <a:fillRef idx="0">
-            <a:schemeClr val="accent1"/>
-          </a:fillRef>
-          <a:effectRef idx="1">
-            <a:schemeClr val="accent1"/>
-          </a:effectRef>
-          <a:fontRef idx="minor">
-            <a:schemeClr val="tx1"/>
-          </a:fontRef>
-        </p:style>
-      </p:cxnSp>
-      <p:sp>
-        <p:nvSpPr>
-          <p:cNvPr id="11" name="TextBox 10"/>
-          <p:cNvSpPr txBox="1"/>
-          <p:nvPr/>
-        </p:nvSpPr>
-        <p:spPr>
-          <a:xfrm>
-            <a:off x="1331640" y="1628800"/>
-            <a:ext cx="1080120" cy="584776"/>
-          </a:xfrm>
-          <a:prstGeom prst="rect">
-            <a:avLst/>
-          </a:prstGeom>
-          <a:noFill/>
-        </p:spPr>
-        <p:txBody>
-          <a:bodyPr wrap="square" rtlCol="0">
-            <a:spAutoFit/>
-          </a:bodyPr>
-          <a:lstStyle/>
-          <a:p>
-            <a:pPr algn="ctr"/>
-            <a:r>
-              <a:rPr lang="en-US" sz="1600" b="1" dirty="0" smtClean="0">
-                <a:solidFill>
-                  <a:srgbClr val="FF0000"/>
-                </a:solidFill>
-              </a:rPr>
-              <a:t>function name</a:t>
-            </a:r>
             <a:endParaRPr lang="en-US" sz="1600" b="1" dirty="0">
-              <a:solidFill>
-                <a:srgbClr val="FF0000"/>
-              </a:solidFill>
-            </a:endParaRPr>
-          </a:p>
-        </p:txBody>
-      </p:sp>
-      <p:sp>
-        <p:nvSpPr>
-          <p:cNvPr id="15" name="TextBox 14"/>
-          <p:cNvSpPr txBox="1"/>
-          <p:nvPr/>
-        </p:nvSpPr>
-        <p:spPr>
-          <a:xfrm>
-            <a:off x="2267744" y="1620088"/>
-            <a:ext cx="1080120" cy="584776"/>
-          </a:xfrm>
-          <a:prstGeom prst="rect">
-            <a:avLst/>
-          </a:prstGeom>
-          <a:noFill/>
-        </p:spPr>
-        <p:txBody>
-          <a:bodyPr wrap="square" rtlCol="0">
-            <a:spAutoFit/>
-          </a:bodyPr>
-          <a:lstStyle/>
-          <a:p>
-            <a:pPr algn="ctr"/>
-            <a:r>
-              <a:rPr lang="en-US" sz="1600" b="1" dirty="0" smtClean="0">
-                <a:solidFill>
-                  <a:srgbClr val="FF0000"/>
-                </a:solidFill>
-              </a:rPr>
-              <a:t>formal </a:t>
-            </a:r>
-            <a:r>
-              <a:rPr lang="en-US" sz="1600" b="1" dirty="0" err="1" smtClean="0">
-                <a:solidFill>
-                  <a:srgbClr val="FF0000"/>
-                </a:solidFill>
-              </a:rPr>
-              <a:t>params</a:t>
-            </a:r>
-            <a:endParaRPr lang="en-US" sz="1600" b="1" dirty="0">
-              <a:solidFill>
-                <a:srgbClr val="FF0000"/>
-              </a:solidFill>
-            </a:endParaRPr>
-          </a:p>
-        </p:txBody>
-      </p:sp>
-      <p:cxnSp>
-        <p:nvCxnSpPr>
-          <p:cNvPr id="16" name="Straight Connector 15"/>
-          <p:cNvCxnSpPr/>
-          <p:nvPr/>
-        </p:nvCxnSpPr>
-        <p:spPr>
-          <a:xfrm flipH="1">
-            <a:off x="3275856" y="2276872"/>
-            <a:ext cx="216023" cy="288032"/>
-          </a:xfrm>
-          <a:prstGeom prst="line">
-            <a:avLst/>
-          </a:prstGeom>
-          <a:ln>
-            <a:solidFill>
-              <a:srgbClr val="FF0000"/>
-            </a:solidFill>
-            <a:tailEnd type="triangle" w="lg" len="med"/>
-          </a:ln>
-        </p:spPr>
-        <p:style>
-          <a:lnRef idx="2">
-            <a:schemeClr val="accent1"/>
-          </a:lnRef>
-          <a:fillRef idx="0">
-            <a:schemeClr val="accent1"/>
-          </a:fillRef>
-          <a:effectRef idx="1">
-            <a:schemeClr val="accent1"/>
-          </a:effectRef>
-          <a:fontRef idx="minor">
-            <a:schemeClr val="tx1"/>
-          </a:fontRef>
-        </p:style>
-      </p:cxnSp>
-      <p:sp>
-        <p:nvSpPr>
-          <p:cNvPr id="17" name="TextBox 16"/>
-          <p:cNvSpPr txBox="1"/>
-          <p:nvPr/>
-        </p:nvSpPr>
-        <p:spPr>
-          <a:xfrm>
-            <a:off x="3131840" y="1700808"/>
-            <a:ext cx="1080120" cy="584776"/>
-          </a:xfrm>
-          <a:prstGeom prst="rect">
-            <a:avLst/>
-          </a:prstGeom>
-          <a:noFill/>
-        </p:spPr>
-        <p:txBody>
-          <a:bodyPr wrap="square" rtlCol="0">
-            <a:spAutoFit/>
-          </a:bodyPr>
-          <a:lstStyle/>
-          <a:p>
-            <a:pPr algn="ctr"/>
-            <a:r>
-              <a:rPr lang="en-US" sz="1600" b="1" dirty="0" smtClean="0">
-                <a:solidFill>
-                  <a:srgbClr val="FF0000"/>
-                </a:solidFill>
-              </a:rPr>
-              <a:t>return type</a:t>
-            </a:r>
-            <a:endParaRPr lang="en-US" sz="1600" b="1" dirty="0">
-              <a:solidFill>
-                <a:srgbClr val="FF0000"/>
-              </a:solidFill>
-            </a:endParaRPr>
-          </a:p>
-        </p:txBody>
-      </p:sp>
-      <p:cxnSp>
-        <p:nvCxnSpPr>
-          <p:cNvPr id="18" name="Straight Connector 17"/>
-          <p:cNvCxnSpPr/>
-          <p:nvPr/>
-        </p:nvCxnSpPr>
-        <p:spPr>
-          <a:xfrm flipH="1">
-            <a:off x="3995936" y="2276872"/>
-            <a:ext cx="216023" cy="288032"/>
-          </a:xfrm>
-          <a:prstGeom prst="line">
-            <a:avLst/>
-          </a:prstGeom>
-          <a:ln>
-            <a:solidFill>
-              <a:srgbClr val="FF0000"/>
-            </a:solidFill>
-            <a:tailEnd type="triangle" w="lg" len="med"/>
-          </a:ln>
-        </p:spPr>
-        <p:style>
-          <a:lnRef idx="2">
-            <a:schemeClr val="accent1"/>
-          </a:lnRef>
-          <a:fillRef idx="0">
-            <a:schemeClr val="accent1"/>
-          </a:fillRef>
-          <a:effectRef idx="1">
-            <a:schemeClr val="accent1"/>
-          </a:effectRef>
-          <a:fontRef idx="minor">
-            <a:schemeClr val="tx1"/>
-          </a:fontRef>
-        </p:style>
-      </p:cxnSp>
-      <p:sp>
-        <p:nvSpPr>
-          <p:cNvPr id="19" name="TextBox 18"/>
-          <p:cNvSpPr txBox="1"/>
-          <p:nvPr/>
-        </p:nvSpPr>
-        <p:spPr>
-          <a:xfrm>
-            <a:off x="3851920" y="1700808"/>
-            <a:ext cx="1080120" cy="584776"/>
-          </a:xfrm>
-          <a:prstGeom prst="rect">
-            <a:avLst/>
-          </a:prstGeom>
-          <a:noFill/>
-        </p:spPr>
-        <p:txBody>
-          <a:bodyPr wrap="square" rtlCol="0">
-            <a:spAutoFit/>
-          </a:bodyPr>
-          <a:lstStyle/>
-          <a:p>
-            <a:pPr algn="ctr"/>
-            <a:r>
-              <a:rPr lang="en-US" sz="1600" b="1" dirty="0" smtClean="0">
-                <a:solidFill>
-                  <a:srgbClr val="FF0000"/>
-                </a:solidFill>
-              </a:rPr>
-              <a:t>return name</a:t>
-            </a:r>
-            <a:endParaRPr lang="en-US" sz="1600" b="1" dirty="0">
-              <a:solidFill>
-                <a:srgbClr val="FF0000"/>
-              </a:solidFill>
-            </a:endParaRPr>
-          </a:p>
-        </p:txBody>
-      </p:sp>
-      <p:cxnSp>
-        <p:nvCxnSpPr>
-          <p:cNvPr id="20" name="Straight Connector 19"/>
-          <p:cNvCxnSpPr/>
-          <p:nvPr/>
-        </p:nvCxnSpPr>
-        <p:spPr>
-          <a:xfrm flipH="1" flipV="1">
-            <a:off x="2267744" y="3212976"/>
-            <a:ext cx="576064" cy="216024"/>
-          </a:xfrm>
-          <a:prstGeom prst="line">
-            <a:avLst/>
-          </a:prstGeom>
-          <a:ln>
-            <a:solidFill>
-              <a:srgbClr val="FF0000"/>
-            </a:solidFill>
-            <a:tailEnd type="triangle" w="lg" len="med"/>
-          </a:ln>
-        </p:spPr>
-        <p:style>
-          <a:lnRef idx="2">
-            <a:schemeClr val="accent1"/>
-          </a:lnRef>
-          <a:fillRef idx="0">
-            <a:schemeClr val="accent1"/>
-          </a:fillRef>
-          <a:effectRef idx="1">
-            <a:schemeClr val="accent1"/>
-          </a:effectRef>
-          <a:fontRef idx="minor">
-            <a:schemeClr val="tx1"/>
-          </a:fontRef>
-        </p:style>
-      </p:cxnSp>
-      <p:sp>
-        <p:nvSpPr>
-          <p:cNvPr id="25" name="TextBox 24"/>
-          <p:cNvSpPr txBox="1"/>
-          <p:nvPr/>
-        </p:nvSpPr>
-        <p:spPr>
-          <a:xfrm>
-            <a:off x="2627784" y="3212976"/>
-            <a:ext cx="1944216" cy="584776"/>
-          </a:xfrm>
-          <a:prstGeom prst="rect">
-            <a:avLst/>
-          </a:prstGeom>
-          <a:noFill/>
-        </p:spPr>
-        <p:txBody>
-          <a:bodyPr wrap="square" rtlCol="0">
-            <a:spAutoFit/>
-          </a:bodyPr>
-          <a:lstStyle/>
-          <a:p>
-            <a:pPr algn="ctr"/>
-            <a:r>
-              <a:rPr lang="en-US" sz="1600" b="1" dirty="0" smtClean="0">
-                <a:solidFill>
-                  <a:srgbClr val="FF0000"/>
-                </a:solidFill>
-              </a:rPr>
-              <a:t>automatically returned</a:t>
-            </a:r>
-            <a:endParaRPr lang="en-US" sz="1600" b="1" dirty="0">
-              <a:solidFill>
-                <a:srgbClr val="FF0000"/>
-              </a:solidFill>
-            </a:endParaRPr>
-          </a:p>
-        </p:txBody>
-      </p:sp>
-      <p:cxnSp>
-        <p:nvCxnSpPr>
-          <p:cNvPr id="26" name="Straight Connector 25"/>
-          <p:cNvCxnSpPr/>
-          <p:nvPr/>
-        </p:nvCxnSpPr>
-        <p:spPr>
-          <a:xfrm flipH="1">
-            <a:off x="2627784" y="4437112"/>
-            <a:ext cx="648072" cy="216024"/>
-          </a:xfrm>
-          <a:prstGeom prst="line">
-            <a:avLst/>
-          </a:prstGeom>
-          <a:ln>
-            <a:solidFill>
-              <a:srgbClr val="FF0000"/>
-            </a:solidFill>
-            <a:tailEnd type="triangle" w="lg" len="med"/>
-          </a:ln>
-        </p:spPr>
-        <p:style>
-          <a:lnRef idx="2">
-            <a:schemeClr val="accent1"/>
-          </a:lnRef>
-          <a:fillRef idx="0">
-            <a:schemeClr val="accent1"/>
-          </a:fillRef>
-          <a:effectRef idx="1">
-            <a:schemeClr val="accent1"/>
-          </a:effectRef>
-          <a:fontRef idx="minor">
-            <a:schemeClr val="tx1"/>
-          </a:fontRef>
-        </p:style>
-      </p:cxnSp>
-      <p:sp>
-        <p:nvSpPr>
-          <p:cNvPr id="31" name="TextBox 30"/>
-          <p:cNvSpPr txBox="1"/>
-          <p:nvPr/>
-        </p:nvSpPr>
-        <p:spPr>
-          <a:xfrm>
-            <a:off x="2987824" y="4140368"/>
-            <a:ext cx="1944216" cy="584776"/>
-          </a:xfrm>
-          <a:prstGeom prst="rect">
-            <a:avLst/>
-          </a:prstGeom>
-          <a:noFill/>
-        </p:spPr>
-        <p:txBody>
-          <a:bodyPr wrap="square" rtlCol="0">
-            <a:spAutoFit/>
-          </a:bodyPr>
-          <a:lstStyle/>
-          <a:p>
-            <a:pPr algn="ctr"/>
-            <a:r>
-              <a:rPr lang="en-US" sz="1600" b="1" dirty="0" smtClean="0">
-                <a:solidFill>
-                  <a:srgbClr val="FF0000"/>
-                </a:solidFill>
-              </a:rPr>
-              <a:t>automatically printed</a:t>
-            </a:r>
-            <a:endParaRPr lang="en-US" sz="1600" b="1" dirty="0">
-              <a:solidFill>
-                <a:srgbClr val="FF0000"/>
-              </a:solidFill>
+              <a:latin typeface="Arial"/>
+              <a:cs typeface="Arial"/>
             </a:endParaRPr>
           </a:p>
         </p:txBody>
@@ -6718,7 +7508,7 @@
     </p:spTree>
     <p:extLst>
       <p:ext uri="{BB962C8B-B14F-4D97-AF65-F5344CB8AC3E}">
-        <p14:creationId xmlns:p14="http://schemas.microsoft.com/office/powerpoint/2010/main" val="3463991577"/>
+        <p14:creationId xmlns:p14="http://schemas.microsoft.com/office/powerpoint/2010/main" val="1043839614"/>
       </p:ext>
     </p:extLst>
   </p:cSld>
@@ -6757,8 +7547,8 @@
         </p:nvSpPr>
         <p:spPr>
           <a:xfrm>
-            <a:off x="1547664" y="116632"/>
-            <a:ext cx="6429400" cy="1143000"/>
+            <a:off x="1609328" y="188640"/>
+            <a:ext cx="6347048" cy="1143000"/>
           </a:xfrm>
         </p:spPr>
         <p:txBody>
@@ -6768,7 +7558,7 @@
             <a:pPr algn="l"/>
             <a:r>
               <a:rPr lang="en-US" sz="4000" dirty="0" smtClean="0"/>
-              <a:t>Testing and Verification</a:t>
+              <a:t>Implementation</a:t>
             </a:r>
             <a:endParaRPr lang="en-US" sz="4000" dirty="0"/>
           </a:p>
@@ -6776,7 +7566,7 @@
       </p:sp>
       <p:sp>
         <p:nvSpPr>
-          <p:cNvPr id="3" name="Content Placeholder 2"/>
+          <p:cNvPr id="5" name="Content Placeholder 4"/>
           <p:cNvSpPr>
             <a:spLocks noGrp="1"/>
           </p:cNvSpPr>
@@ -6786,7 +7576,7 @@
         </p:nvSpPr>
         <p:spPr>
           <a:xfrm>
-            <a:off x="1526976" y="1600200"/>
+            <a:off x="1526976" y="1268760"/>
             <a:ext cx="8229600" cy="4525963"/>
           </a:xfrm>
         </p:spPr>
@@ -6794,14 +7584,286 @@
           <a:bodyPr/>
           <a:lstStyle/>
           <a:p>
-            <a:endParaRPr lang="en-US" sz="2400" dirty="0"/>
+            <a:pPr marL="0" indent="0">
+              <a:buNone/>
+            </a:pPr>
+            <a:r>
+              <a:rPr lang="en-US" sz="2400" b="1" dirty="0" smtClean="0">
+                <a:latin typeface="Arial"/>
+                <a:cs typeface="Arial"/>
+              </a:rPr>
+              <a:t>Built-In Variables and Functions</a:t>
+            </a:r>
+            <a:endParaRPr lang="en-US" sz="2400" b="1" dirty="0">
+              <a:latin typeface="Arial"/>
+              <a:cs typeface="Arial"/>
+            </a:endParaRPr>
+          </a:p>
+          <a:p>
+            <a:pPr marL="0" indent="0">
+              <a:spcBef>
+                <a:spcPts val="0"/>
+              </a:spcBef>
+              <a:buNone/>
+            </a:pPr>
+            <a:endParaRPr lang="en-US" sz="1600" b="1" dirty="0">
+              <a:latin typeface="Arial"/>
+              <a:cs typeface="Arial"/>
+            </a:endParaRPr>
+          </a:p>
+          <a:p>
+            <a:pPr marL="0" indent="0">
+              <a:buNone/>
+            </a:pPr>
+            <a:r>
+              <a:rPr lang="en-US" sz="1600" b="1" dirty="0"/>
+              <a:t>Variables</a:t>
+            </a:r>
+          </a:p>
+          <a:p>
+            <a:r>
+              <a:rPr lang="en-US" sz="1600" b="1" dirty="0" smtClean="0"/>
+              <a:t>H -</a:t>
+            </a:r>
+          </a:p>
+          <a:p>
+            <a:r>
+              <a:rPr lang="en-US" sz="1600" b="1" dirty="0" smtClean="0"/>
+              <a:t>X -</a:t>
+            </a:r>
+          </a:p>
+          <a:p>
+            <a:r>
+              <a:rPr lang="en-US" sz="1600" b="1" dirty="0" smtClean="0"/>
+              <a:t>Y -</a:t>
+            </a:r>
+          </a:p>
+          <a:p>
+            <a:r>
+              <a:rPr lang="en-US" sz="1600" b="1" dirty="0" smtClean="0"/>
+              <a:t>IDT -</a:t>
+            </a:r>
+          </a:p>
+          <a:p>
+            <a:r>
+              <a:rPr lang="en-US" sz="1600" b="1" dirty="0" smtClean="0"/>
+              <a:t>e, pi – the numbers e and pi</a:t>
+            </a:r>
+            <a:endParaRPr lang="en-US" sz="1600" b="1" dirty="0"/>
+          </a:p>
+          <a:p>
+            <a:pPr marL="0" indent="0">
+              <a:buNone/>
+            </a:pPr>
+            <a:endParaRPr lang="en-US" sz="1600" b="1" dirty="0">
+              <a:latin typeface="Arial"/>
+              <a:cs typeface="Arial"/>
+            </a:endParaRPr>
+          </a:p>
+          <a:p>
+            <a:pPr marL="0" indent="0">
+              <a:buNone/>
+            </a:pPr>
+            <a:r>
+              <a:rPr lang="en-US" sz="1600" b="1" dirty="0" smtClean="0">
+                <a:latin typeface="Arial"/>
+                <a:cs typeface="Arial"/>
+              </a:rPr>
+              <a:t>Functions</a:t>
+            </a:r>
+            <a:endParaRPr lang="en-US" sz="1600" b="1" dirty="0">
+              <a:latin typeface="Arial"/>
+              <a:cs typeface="Arial"/>
+            </a:endParaRPr>
+          </a:p>
+          <a:p>
+            <a:r>
+              <a:rPr lang="en-US" sz="1600" b="1" dirty="0" smtClean="0">
+                <a:latin typeface="Arial"/>
+                <a:cs typeface="Arial"/>
+              </a:rPr>
+              <a:t>print(</a:t>
+            </a:r>
+            <a:r>
+              <a:rPr lang="en-US" sz="1600" b="1" dirty="0" err="1" smtClean="0">
+                <a:latin typeface="Arial"/>
+                <a:cs typeface="Arial"/>
+              </a:rPr>
+              <a:t>val</a:t>
+            </a:r>
+            <a:r>
+              <a:rPr lang="en-US" sz="1600" b="1" dirty="0" smtClean="0">
+                <a:latin typeface="Arial"/>
+                <a:cs typeface="Arial"/>
+              </a:rPr>
+              <a:t>) – prints </a:t>
+            </a:r>
+            <a:r>
+              <a:rPr lang="en-US" sz="1600" b="1" dirty="0" err="1" smtClean="0">
+                <a:latin typeface="Arial"/>
+                <a:cs typeface="Arial"/>
+              </a:rPr>
+              <a:t>val</a:t>
+            </a:r>
+            <a:r>
+              <a:rPr lang="en-US" sz="1600" b="1" dirty="0" smtClean="0">
+                <a:latin typeface="Arial"/>
+                <a:cs typeface="Arial"/>
+              </a:rPr>
+              <a:t> (takes any type)</a:t>
+            </a:r>
+          </a:p>
+          <a:p>
+            <a:r>
+              <a:rPr lang="en-US" sz="1600" b="1" dirty="0" err="1" smtClean="0">
+                <a:latin typeface="Arial"/>
+                <a:cs typeface="Arial"/>
+              </a:rPr>
+              <a:t>printq</a:t>
+            </a:r>
+            <a:r>
+              <a:rPr lang="en-US" sz="1600" b="1" dirty="0" smtClean="0">
+                <a:latin typeface="Arial"/>
+                <a:cs typeface="Arial"/>
+              </a:rPr>
+              <a:t>(</a:t>
+            </a:r>
+            <a:r>
+              <a:rPr lang="en-US" sz="1600" b="1" dirty="0" err="1" smtClean="0">
+                <a:latin typeface="Arial"/>
+                <a:cs typeface="Arial"/>
+              </a:rPr>
+              <a:t>qubit</a:t>
+            </a:r>
+            <a:r>
+              <a:rPr lang="en-US" sz="1600" b="1" dirty="0" smtClean="0">
+                <a:latin typeface="Arial"/>
+                <a:cs typeface="Arial"/>
+              </a:rPr>
+              <a:t>) – prints a matrix in </a:t>
+            </a:r>
+            <a:r>
+              <a:rPr lang="en-US" sz="1600" b="1" dirty="0" err="1" smtClean="0">
+                <a:latin typeface="Arial"/>
+                <a:cs typeface="Arial"/>
+              </a:rPr>
+              <a:t>Diract</a:t>
+            </a:r>
+            <a:r>
+              <a:rPr lang="en-US" sz="1600" b="1" dirty="0" smtClean="0">
+                <a:latin typeface="Arial"/>
+                <a:cs typeface="Arial"/>
+              </a:rPr>
+              <a:t> notation if possible</a:t>
+            </a:r>
+          </a:p>
+          <a:p>
+            <a:r>
+              <a:rPr lang="en-US" sz="1600" b="1" dirty="0" smtClean="0">
+                <a:latin typeface="Arial"/>
+                <a:cs typeface="Arial"/>
+              </a:rPr>
+              <a:t>rows(matrix) – returns number of rows in a matrix</a:t>
+            </a:r>
+          </a:p>
+          <a:p>
+            <a:r>
+              <a:rPr lang="en-US" sz="1600" b="1" dirty="0" smtClean="0">
+                <a:latin typeface="Arial"/>
+                <a:cs typeface="Arial"/>
+              </a:rPr>
+              <a:t>cols(</a:t>
+            </a:r>
+            <a:r>
+              <a:rPr lang="en-US" sz="1600" b="1" dirty="0"/>
+              <a:t>matrix</a:t>
+            </a:r>
+            <a:r>
+              <a:rPr lang="en-US" sz="1600" b="1" dirty="0" smtClean="0">
+                <a:latin typeface="Arial"/>
+                <a:cs typeface="Arial"/>
+              </a:rPr>
+              <a:t>) – </a:t>
+            </a:r>
+            <a:r>
+              <a:rPr lang="en-US" sz="1600" b="1" dirty="0"/>
+              <a:t>returns number of </a:t>
+            </a:r>
+            <a:r>
+              <a:rPr lang="en-US" sz="1600" b="1" dirty="0" smtClean="0"/>
+              <a:t>columns in </a:t>
+            </a:r>
+            <a:r>
+              <a:rPr lang="en-US" sz="1600" b="1" dirty="0"/>
+              <a:t>a matrix</a:t>
+            </a:r>
+          </a:p>
+          <a:p>
+            <a:r>
+              <a:rPr lang="en-US" sz="1600" b="1" dirty="0" err="1" smtClean="0">
+                <a:latin typeface="Arial"/>
+                <a:cs typeface="Arial"/>
+              </a:rPr>
+              <a:t>elem</a:t>
+            </a:r>
+            <a:r>
+              <a:rPr lang="en-US" sz="1600" b="1" dirty="0" smtClean="0">
+                <a:latin typeface="Arial"/>
+                <a:cs typeface="Arial"/>
+              </a:rPr>
+              <a:t>(</a:t>
+            </a:r>
+            <a:r>
+              <a:rPr lang="en-US" sz="1600" b="1" dirty="0" smtClean="0"/>
+              <a:t>matrix, row, col</a:t>
+            </a:r>
+            <a:r>
+              <a:rPr lang="en-US" sz="1600" b="1" dirty="0" smtClean="0">
+                <a:latin typeface="Arial"/>
+                <a:cs typeface="Arial"/>
+              </a:rPr>
+              <a:t>) – returns the element given by [</a:t>
+            </a:r>
+            <a:r>
+              <a:rPr lang="en-US" sz="1600" b="1" dirty="0" err="1" smtClean="0">
+                <a:latin typeface="Arial"/>
+                <a:cs typeface="Arial"/>
+              </a:rPr>
+              <a:t>row,col</a:t>
+            </a:r>
+            <a:r>
+              <a:rPr lang="en-US" sz="1600" b="1" dirty="0" smtClean="0">
+                <a:latin typeface="Arial"/>
+                <a:cs typeface="Arial"/>
+              </a:rPr>
+              <a:t>]</a:t>
+            </a:r>
+            <a:endParaRPr lang="en-US" sz="1600" b="1" dirty="0"/>
+          </a:p>
+          <a:p>
+            <a:pPr marL="0" indent="0">
+              <a:buNone/>
+            </a:pPr>
+            <a:endParaRPr lang="en-US" sz="1600" b="1" dirty="0">
+              <a:latin typeface="Arial"/>
+              <a:cs typeface="Arial"/>
+            </a:endParaRPr>
+          </a:p>
+          <a:p>
+            <a:pPr marL="0" indent="0">
+              <a:buNone/>
+            </a:pPr>
+            <a:endParaRPr lang="en-US" sz="1600" b="1" dirty="0">
+              <a:latin typeface="Arial"/>
+              <a:cs typeface="Arial"/>
+            </a:endParaRPr>
           </a:p>
         </p:txBody>
       </p:sp>
     </p:spTree>
     <p:extLst>
       <p:ext uri="{BB962C8B-B14F-4D97-AF65-F5344CB8AC3E}">
-        <p14:creationId xmlns:p14="http://schemas.microsoft.com/office/powerpoint/2010/main" val="4283947283"/>
+        <p14:creationId xmlns:p14="http://schemas.microsoft.com/office/powerpoint/2010/main" val="2291917137"/>
       </p:ext>
     </p:extLst>
   </p:cSld>
@@ -6884,6 +7946,89 @@
     </p:spTree>
     <p:extLst>
       <p:ext uri="{BB962C8B-B14F-4D97-AF65-F5344CB8AC3E}">
+        <p14:creationId xmlns:p14="http://schemas.microsoft.com/office/powerpoint/2010/main" val="4283947283"/>
+      </p:ext>
+    </p:extLst>
+  </p:cSld>
+  <p:clrMapOvr>
+    <a:masterClrMapping/>
+  </p:clrMapOvr>
+</p:sld>
+</file>
+
+<file path=ppt/slides/slide17.xml><?xml version="1.0" encoding="utf-8"?>
+<p:sld xmlns:a="http://schemas.openxmlformats.org/drawingml/2006/main" xmlns:r="http://schemas.openxmlformats.org/officeDocument/2006/relationships" xmlns:p="http://schemas.openxmlformats.org/presentationml/2006/main">
+  <p:cSld>
+    <p:spTree>
+      <p:nvGrpSpPr>
+        <p:cNvPr id="1" name=""/>
+        <p:cNvGrpSpPr/>
+        <p:nvPr/>
+      </p:nvGrpSpPr>
+      <p:grpSpPr>
+        <a:xfrm>
+          <a:off x="0" y="0"/>
+          <a:ext cx="0" cy="0"/>
+          <a:chOff x="0" y="0"/>
+          <a:chExt cx="0" cy="0"/>
+        </a:xfrm>
+      </p:grpSpPr>
+      <p:sp>
+        <p:nvSpPr>
+          <p:cNvPr id="2" name="Title 1"/>
+          <p:cNvSpPr>
+            <a:spLocks noGrp="1"/>
+          </p:cNvSpPr>
+          <p:nvPr>
+            <p:ph type="title"/>
+          </p:nvPr>
+        </p:nvSpPr>
+        <p:spPr>
+          <a:xfrm>
+            <a:off x="1547664" y="116632"/>
+            <a:ext cx="6429400" cy="1143000"/>
+          </a:xfrm>
+        </p:spPr>
+        <p:txBody>
+          <a:bodyPr/>
+          <a:lstStyle/>
+          <a:p>
+            <a:pPr algn="l"/>
+            <a:r>
+              <a:rPr lang="en-US" sz="4000" dirty="0" smtClean="0"/>
+              <a:t>Testing and Verification</a:t>
+            </a:r>
+            <a:endParaRPr lang="en-US" sz="4000" dirty="0"/>
+          </a:p>
+        </p:txBody>
+      </p:sp>
+      <p:sp>
+        <p:nvSpPr>
+          <p:cNvPr id="3" name="Content Placeholder 2"/>
+          <p:cNvSpPr>
+            <a:spLocks noGrp="1"/>
+          </p:cNvSpPr>
+          <p:nvPr>
+            <p:ph idx="1"/>
+          </p:nvPr>
+        </p:nvSpPr>
+        <p:spPr>
+          <a:xfrm>
+            <a:off x="1526976" y="1600200"/>
+            <a:ext cx="8229600" cy="4525963"/>
+          </a:xfrm>
+        </p:spPr>
+        <p:txBody>
+          <a:bodyPr/>
+          <a:lstStyle/>
+          <a:p>
+            <a:endParaRPr lang="en-US" sz="2400" dirty="0"/>
+          </a:p>
+        </p:txBody>
+      </p:sp>
+    </p:spTree>
+    <p:extLst>
+      <p:ext uri="{BB962C8B-B14F-4D97-AF65-F5344CB8AC3E}">
         <p14:creationId xmlns:p14="http://schemas.microsoft.com/office/powerpoint/2010/main" val="2467666969"/>
       </p:ext>
     </p:extLst>
@@ -6894,7 +8039,7 @@
 </p:sld>
 </file>
 
-<file path=ppt/slides/slide17.xml><?xml version="1.0" encoding="utf-8"?>
+<file path=ppt/slides/slide18.xml><?xml version="1.0" encoding="utf-8"?>
 <p:sld xmlns:a="http://schemas.openxmlformats.org/drawingml/2006/main" xmlns:r="http://schemas.openxmlformats.org/officeDocument/2006/relationships" xmlns:p="http://schemas.openxmlformats.org/presentationml/2006/main">
   <p:cSld>
     <p:spTree>
@@ -7251,10 +8396,10 @@
               <a:buNone/>
             </a:pPr>
             <a:r>
-              <a:rPr lang="en-US" sz="2400" dirty="0" smtClean="0"/>
+              <a:rPr lang="en-US" sz="2400" b="1" dirty="0" smtClean="0"/>
               <a:t>Quantum Computing</a:t>
             </a:r>
-            <a:endParaRPr lang="en-US" sz="2400" dirty="0"/>
+            <a:endParaRPr lang="en-US" sz="2400" b="1" dirty="0"/>
           </a:p>
         </p:txBody>
       </p:sp>
@@ -7268,6 +8413,13 @@
   <p:clrMapOvr>
     <a:masterClrMapping/>
   </p:clrMapOvr>
+  <p:timing>
+    <p:tnLst>
+      <p:par>
+        <p:cTn xmlns:p14="http://schemas.microsoft.com/office/powerpoint/2010/main" id="1" dur="indefinite" restart="never" nodeType="tmRoot"/>
+      </p:par>
+    </p:tnLst>
+  </p:timing>
 </p:sld>
 </file>
 
@@ -7341,10 +8493,10 @@
               <a:buNone/>
             </a:pPr>
             <a:r>
-              <a:rPr lang="en-US" sz="1800" b="1" dirty="0" smtClean="0"/>
+              <a:rPr lang="en-US" sz="2400" b="1" dirty="0" smtClean="0"/>
               <a:t>Example Code</a:t>
             </a:r>
-            <a:endParaRPr lang="en-US" sz="1800" dirty="0" smtClean="0">
+            <a:endParaRPr lang="en-US" sz="2400" dirty="0" smtClean="0">
               <a:latin typeface="Courier"/>
               <a:cs typeface="Courier"/>
             </a:endParaRPr>
@@ -7706,6 +8858,13 @@
   <p:clrMapOvr>
     <a:masterClrMapping/>
   </p:clrMapOvr>
+  <p:timing>
+    <p:tnLst>
+      <p:par>
+        <p:cTn xmlns:p14="http://schemas.microsoft.com/office/powerpoint/2010/main" id="1" dur="indefinite" restart="never" nodeType="tmRoot"/>
+      </p:par>
+    </p:tnLst>
+  </p:timing>
 </p:sld>
 </file>
 
@@ -7779,7 +8938,7 @@
               <a:buNone/>
             </a:pPr>
             <a:r>
-              <a:rPr lang="en-US" sz="2400" dirty="0" smtClean="0"/>
+              <a:rPr lang="en-US" sz="2400" b="1" dirty="0" smtClean="0"/>
               <a:t>Benefits</a:t>
             </a:r>
           </a:p>
@@ -7860,6 +9019,13 @@
   <p:clrMapOvr>
     <a:masterClrMapping/>
   </p:clrMapOvr>
+  <p:timing>
+    <p:tnLst>
+      <p:par>
+        <p:cTn xmlns:p14="http://schemas.microsoft.com/office/powerpoint/2010/main" id="1" dur="indefinite" restart="never" nodeType="tmRoot"/>
+      </p:par>
+    </p:tnLst>
+  </p:timing>
 </p:sld>
 </file>
 

--- a/Demo/Qlang.pptx
+++ b/Demo/Qlang.pptx
@@ -8,21 +8,21 @@
     <p:sldId id="256" r:id="rId2"/>
     <p:sldId id="257" r:id="rId3"/>
     <p:sldId id="261" r:id="rId4"/>
-    <p:sldId id="264" r:id="rId5"/>
-    <p:sldId id="267" r:id="rId6"/>
-    <p:sldId id="258" r:id="rId7"/>
-    <p:sldId id="270" r:id="rId8"/>
-    <p:sldId id="269" r:id="rId9"/>
-    <p:sldId id="259" r:id="rId10"/>
-    <p:sldId id="265" r:id="rId11"/>
-    <p:sldId id="271" r:id="rId12"/>
-    <p:sldId id="272" r:id="rId13"/>
-    <p:sldId id="263" r:id="rId14"/>
-    <p:sldId id="268" r:id="rId15"/>
-    <p:sldId id="275" r:id="rId16"/>
-    <p:sldId id="260" r:id="rId17"/>
-    <p:sldId id="273" r:id="rId18"/>
-    <p:sldId id="274" r:id="rId19"/>
+    <p:sldId id="267" r:id="rId5"/>
+    <p:sldId id="264" r:id="rId6"/>
+    <p:sldId id="268" r:id="rId7"/>
+    <p:sldId id="276" r:id="rId8"/>
+    <p:sldId id="275" r:id="rId9"/>
+    <p:sldId id="258" r:id="rId10"/>
+    <p:sldId id="259" r:id="rId11"/>
+    <p:sldId id="265" r:id="rId12"/>
+    <p:sldId id="271" r:id="rId13"/>
+    <p:sldId id="272" r:id="rId14"/>
+    <p:sldId id="263" r:id="rId15"/>
+    <p:sldId id="260" r:id="rId16"/>
+    <p:sldId id="273" r:id="rId17"/>
+    <p:sldId id="274" r:id="rId18"/>
+    <p:sldId id="277" r:id="rId19"/>
   </p:sldIdLst>
   <p:sldSz cx="9144000" cy="6858000" type="screen4x3"/>
   <p:notesSz cx="6858000" cy="9144000"/>
@@ -3652,147 +3652,6 @@
       </p:grpSpPr>
       <p:sp>
         <p:nvSpPr>
-          <p:cNvPr id="113" name="Rounded Rectangle 112"/>
-          <p:cNvSpPr/>
-          <p:nvPr/>
-        </p:nvSpPr>
-        <p:spPr>
-          <a:xfrm>
-            <a:off x="1475656" y="1916832"/>
-            <a:ext cx="7344816" cy="3024336"/>
-          </a:xfrm>
-          <a:prstGeom prst="roundRect">
-            <a:avLst/>
-          </a:prstGeom>
-          <a:solidFill>
-            <a:schemeClr val="bg1">
-              <a:lumMod val="85000"/>
-            </a:schemeClr>
-          </a:solidFill>
-          <a:ln>
-            <a:noFill/>
-          </a:ln>
-          <a:effectLst/>
-        </p:spPr>
-        <p:style>
-          <a:lnRef idx="1">
-            <a:schemeClr val="accent1"/>
-          </a:lnRef>
-          <a:fillRef idx="3">
-            <a:schemeClr val="accent1"/>
-          </a:fillRef>
-          <a:effectRef idx="2">
-            <a:schemeClr val="accent1"/>
-          </a:effectRef>
-          <a:fontRef idx="minor">
-            <a:schemeClr val="lt1"/>
-          </a:fontRef>
-        </p:style>
-        <p:txBody>
-          <a:bodyPr rtlCol="0" anchor="ctr"/>
-          <a:lstStyle/>
-          <a:p>
-            <a:pPr algn="ctr"/>
-            <a:endParaRPr lang="en-US"/>
-          </a:p>
-        </p:txBody>
-      </p:sp>
-      <p:sp>
-        <p:nvSpPr>
-          <p:cNvPr id="110" name="Rounded Rectangle 109"/>
-          <p:cNvSpPr/>
-          <p:nvPr/>
-        </p:nvSpPr>
-        <p:spPr>
-          <a:xfrm>
-            <a:off x="1691680" y="3501008"/>
-            <a:ext cx="3600400" cy="1296144"/>
-          </a:xfrm>
-          <a:prstGeom prst="roundRect">
-            <a:avLst/>
-          </a:prstGeom>
-          <a:solidFill>
-            <a:srgbClr val="EF978F">
-              <a:alpha val="80000"/>
-            </a:srgbClr>
-          </a:solidFill>
-          <a:ln>
-            <a:noFill/>
-          </a:ln>
-          <a:effectLst/>
-        </p:spPr>
-        <p:style>
-          <a:lnRef idx="1">
-            <a:schemeClr val="accent1"/>
-          </a:lnRef>
-          <a:fillRef idx="3">
-            <a:schemeClr val="accent1"/>
-          </a:fillRef>
-          <a:effectRef idx="2">
-            <a:schemeClr val="accent1"/>
-          </a:effectRef>
-          <a:fontRef idx="minor">
-            <a:schemeClr val="lt1"/>
-          </a:fontRef>
-        </p:style>
-        <p:txBody>
-          <a:bodyPr rtlCol="0" anchor="ctr"/>
-          <a:lstStyle/>
-          <a:p>
-            <a:pPr algn="ctr"/>
-            <a:endParaRPr lang="en-US"/>
-          </a:p>
-        </p:txBody>
-      </p:sp>
-      <p:sp>
-        <p:nvSpPr>
-          <p:cNvPr id="95" name="Rounded Rectangle 94"/>
-          <p:cNvSpPr/>
-          <p:nvPr/>
-        </p:nvSpPr>
-        <p:spPr>
-          <a:xfrm>
-            <a:off x="2915816" y="2276872"/>
-            <a:ext cx="5760640" cy="1152128"/>
-          </a:xfrm>
-          <a:prstGeom prst="roundRect">
-            <a:avLst/>
-          </a:prstGeom>
-          <a:solidFill>
-            <a:schemeClr val="accent5">
-              <a:lumMod val="90000"/>
-            </a:schemeClr>
-          </a:solidFill>
-          <a:ln>
-            <a:noFill/>
-          </a:ln>
-          <a:effectLst/>
-        </p:spPr>
-        <p:style>
-          <a:lnRef idx="1">
-            <a:schemeClr val="accent1"/>
-          </a:lnRef>
-          <a:fillRef idx="3">
-            <a:schemeClr val="accent1"/>
-          </a:fillRef>
-          <a:effectRef idx="2">
-            <a:schemeClr val="accent1"/>
-          </a:effectRef>
-          <a:fontRef idx="minor">
-            <a:schemeClr val="lt1"/>
-          </a:fontRef>
-        </p:style>
-        <p:txBody>
-          <a:bodyPr rtlCol="0" anchor="ctr"/>
-          <a:lstStyle/>
-          <a:p>
-            <a:pPr algn="ctr"/>
-            <a:endParaRPr lang="en-US"/>
-          </a:p>
-        </p:txBody>
-      </p:sp>
-      <p:sp>
-        <p:nvSpPr>
           <p:cNvPr id="2" name="Title 1"/>
           <p:cNvSpPr>
             <a:spLocks noGrp="1"/>
@@ -3822,44 +3681,62 @@
       </p:sp>
       <p:sp>
         <p:nvSpPr>
-          <p:cNvPr id="54" name="Content Placeholder 4"/>
-          <p:cNvSpPr>
-            <a:spLocks noGrp="1"/>
-          </p:cNvSpPr>
-          <p:nvPr>
-            <p:ph idx="1"/>
-          </p:nvPr>
-        </p:nvSpPr>
-        <p:spPr>
-          <a:xfrm>
-            <a:off x="1526976" y="1052736"/>
-            <a:ext cx="8229600" cy="4525963"/>
-          </a:xfrm>
-        </p:spPr>
-        <p:txBody>
-          <a:bodyPr/>
+          <p:cNvPr id="4" name="Oval 3"/>
+          <p:cNvSpPr/>
+          <p:nvPr/>
+        </p:nvSpPr>
+        <p:spPr>
+          <a:xfrm>
+            <a:off x="3438843" y="1844824"/>
+            <a:ext cx="1224136" cy="504056"/>
+          </a:xfrm>
+          <a:prstGeom prst="ellipse">
+            <a:avLst/>
+          </a:prstGeom>
+          <a:solidFill>
+            <a:schemeClr val="bg1">
+              <a:lumMod val="95000"/>
+            </a:schemeClr>
+          </a:solidFill>
+          <a:ln w="25400">
+            <a:solidFill>
+              <a:schemeClr val="tx1"/>
+            </a:solidFill>
+          </a:ln>
+        </p:spPr>
+        <p:style>
+          <a:lnRef idx="1">
+            <a:schemeClr val="accent1"/>
+          </a:lnRef>
+          <a:fillRef idx="3">
+            <a:schemeClr val="accent1"/>
+          </a:fillRef>
+          <a:effectRef idx="2">
+            <a:schemeClr val="accent1"/>
+          </a:effectRef>
+          <a:fontRef idx="minor">
+            <a:schemeClr val="lt1"/>
+          </a:fontRef>
+        </p:style>
+        <p:txBody>
+          <a:bodyPr rtlCol="0" anchor="ctr"/>
           <a:lstStyle/>
           <a:p>
-            <a:pPr marL="0" indent="0">
-              <a:buNone/>
-            </a:pPr>
-            <a:r>
-              <a:rPr lang="en-US" sz="2400" b="1" dirty="0" smtClean="0"/>
-              <a:t>Structure</a:t>
-            </a:r>
-          </a:p>
-        </p:txBody>
-      </p:sp>
-      <p:sp>
-        <p:nvSpPr>
-          <p:cNvPr id="4" name="TextBox 3"/>
+            <a:pPr algn="ctr"/>
+            <a:endParaRPr lang="en-US"/>
+          </a:p>
+        </p:txBody>
+      </p:sp>
+      <p:sp>
+        <p:nvSpPr>
+          <p:cNvPr id="5" name="TextBox 4"/>
           <p:cNvSpPr txBox="1"/>
           <p:nvPr/>
         </p:nvSpPr>
         <p:spPr>
           <a:xfrm>
-            <a:off x="5198601" y="2276872"/>
-            <a:ext cx="1016925" cy="338554"/>
+            <a:off x="3582859" y="1916832"/>
+            <a:ext cx="971640" cy="338554"/>
           </a:xfrm>
           <a:prstGeom prst="rect">
             <a:avLst/>
@@ -3872,27 +3749,102 @@
           </a:bodyPr>
           <a:lstStyle/>
           <a:p>
+            <a:r>
+              <a:rPr lang="en-US" sz="1600" b="1" dirty="0" smtClean="0"/>
+              <a:t>scanner</a:t>
+            </a:r>
+            <a:endParaRPr lang="en-US" sz="1600" b="1" dirty="0"/>
+          </a:p>
+        </p:txBody>
+      </p:sp>
+      <p:sp>
+        <p:nvSpPr>
+          <p:cNvPr id="7" name="Oval 6"/>
+          <p:cNvSpPr/>
+          <p:nvPr/>
+        </p:nvSpPr>
+        <p:spPr>
+          <a:xfrm>
+            <a:off x="3438843" y="2852936"/>
+            <a:ext cx="1224136" cy="504056"/>
+          </a:xfrm>
+          <a:prstGeom prst="ellipse">
+            <a:avLst/>
+          </a:prstGeom>
+          <a:solidFill>
+            <a:schemeClr val="bg1">
+              <a:lumMod val="95000"/>
+            </a:schemeClr>
+          </a:solidFill>
+          <a:ln w="25400">
+            <a:solidFill>
+              <a:schemeClr val="tx1"/>
+            </a:solidFill>
+          </a:ln>
+        </p:spPr>
+        <p:style>
+          <a:lnRef idx="1">
+            <a:schemeClr val="accent1"/>
+          </a:lnRef>
+          <a:fillRef idx="3">
+            <a:schemeClr val="accent1"/>
+          </a:fillRef>
+          <a:effectRef idx="2">
+            <a:schemeClr val="accent1"/>
+          </a:effectRef>
+          <a:fontRef idx="minor">
+            <a:schemeClr val="lt1"/>
+          </a:fontRef>
+        </p:style>
+        <p:txBody>
+          <a:bodyPr rtlCol="0" anchor="ctr"/>
+          <a:lstStyle/>
+          <a:p>
             <a:pPr algn="ctr"/>
+            <a:endParaRPr lang="en-US"/>
+          </a:p>
+        </p:txBody>
+      </p:sp>
+      <p:sp>
+        <p:nvSpPr>
+          <p:cNvPr id="8" name="TextBox 7"/>
+          <p:cNvSpPr txBox="1"/>
+          <p:nvPr/>
+        </p:nvSpPr>
+        <p:spPr>
+          <a:xfrm>
+            <a:off x="3654867" y="2874422"/>
+            <a:ext cx="813043" cy="338554"/>
+          </a:xfrm>
+          <a:prstGeom prst="rect">
+            <a:avLst/>
+          </a:prstGeom>
+          <a:noFill/>
+        </p:spPr>
+        <p:txBody>
+          <a:bodyPr wrap="none" rtlCol="0">
+            <a:spAutoFit/>
+          </a:bodyPr>
+          <a:lstStyle/>
+          <a:p>
             <a:r>
               <a:rPr lang="en-US" sz="1600" b="1" dirty="0" smtClean="0"/>
-              <a:t>program</a:t>
-            </a:r>
+              <a:t>parser</a:t>
+            </a:r>
+            <a:endParaRPr lang="en-US" sz="1600" b="1" dirty="0"/>
           </a:p>
         </p:txBody>
       </p:sp>
       <p:cxnSp>
         <p:nvCxnSpPr>
-          <p:cNvPr id="5" name="Straight Connector 4"/>
-          <p:cNvCxnSpPr>
-            <a:stCxn id="4" idx="2"/>
-            <a:endCxn id="24" idx="0"/>
-          </p:cNvCxnSpPr>
+          <p:cNvPr id="19" name="Straight Connector 18"/>
+          <p:cNvCxnSpPr/>
           <p:nvPr/>
         </p:nvCxnSpPr>
         <p:spPr>
-          <a:xfrm flipH="1">
-            <a:off x="3736163" y="2615426"/>
-            <a:ext cx="1970901" cy="453534"/>
+          <a:xfrm>
+            <a:off x="2915816" y="2060849"/>
+            <a:ext cx="523027" cy="0"/>
           </a:xfrm>
           <a:prstGeom prst="line">
             <a:avLst/>
@@ -3921,14 +3873,14 @@
       </p:cxnSp>
       <p:sp>
         <p:nvSpPr>
-          <p:cNvPr id="24" name="TextBox 23"/>
+          <p:cNvPr id="22" name="TextBox 21"/>
           <p:cNvSpPr txBox="1"/>
           <p:nvPr/>
         </p:nvSpPr>
         <p:spPr>
           <a:xfrm>
-            <a:off x="3404381" y="3068960"/>
-            <a:ext cx="663563" cy="338554"/>
+            <a:off x="1403648" y="1844824"/>
+            <a:ext cx="1769635" cy="584776"/>
           </a:xfrm>
           <a:prstGeom prst="rect">
             <a:avLst/>
@@ -3943,23 +3895,30 @@
           <a:p>
             <a:pPr algn="ctr"/>
             <a:r>
-              <a:rPr lang="en-US" sz="1600" b="1" dirty="0" err="1" smtClean="0"/>
-              <a:t>fdecl</a:t>
-            </a:r>
-            <a:endParaRPr lang="en-US" sz="1600" b="1" dirty="0" smtClean="0"/>
-          </a:p>
-        </p:txBody>
-      </p:sp>
-      <p:sp>
-        <p:nvSpPr>
-          <p:cNvPr id="40" name="TextBox 39"/>
+              <a:rPr lang="en-US" sz="1600" b="1" dirty="0" smtClean="0"/>
+              <a:t>program</a:t>
+            </a:r>
+          </a:p>
+          <a:p>
+            <a:pPr algn="ctr"/>
+            <a:r>
+              <a:rPr lang="en-US" sz="1600" b="1" dirty="0" smtClean="0"/>
+              <a:t>(symbol stream)</a:t>
+            </a:r>
+            <a:endParaRPr lang="en-US" sz="1600" b="1" dirty="0"/>
+          </a:p>
+        </p:txBody>
+      </p:sp>
+      <p:sp>
+        <p:nvSpPr>
+          <p:cNvPr id="23" name="TextBox 22"/>
           <p:cNvSpPr txBox="1"/>
           <p:nvPr/>
         </p:nvSpPr>
         <p:spPr>
           <a:xfrm>
-            <a:off x="4283968" y="3738518"/>
-            <a:ext cx="914633" cy="338554"/>
+            <a:off x="4014907" y="3429000"/>
+            <a:ext cx="595035" cy="338554"/>
           </a:xfrm>
           <a:prstGeom prst="rect">
             <a:avLst/>
@@ -3972,28 +3931,244 @@
           </a:bodyPr>
           <a:lstStyle/>
           <a:p>
+            <a:r>
+              <a:rPr lang="en-US" sz="1600" b="1" dirty="0" smtClean="0"/>
+              <a:t>AST</a:t>
+            </a:r>
+            <a:endParaRPr lang="en-US" sz="1600" b="1" dirty="0"/>
+          </a:p>
+        </p:txBody>
+      </p:sp>
+      <p:sp>
+        <p:nvSpPr>
+          <p:cNvPr id="24" name="Oval 23"/>
+          <p:cNvSpPr/>
+          <p:nvPr/>
+        </p:nvSpPr>
+        <p:spPr>
+          <a:xfrm>
+            <a:off x="3438843" y="3861048"/>
+            <a:ext cx="1224136" cy="504056"/>
+          </a:xfrm>
+          <a:prstGeom prst="ellipse">
+            <a:avLst/>
+          </a:prstGeom>
+          <a:solidFill>
+            <a:schemeClr val="bg1">
+              <a:lumMod val="95000"/>
+            </a:schemeClr>
+          </a:solidFill>
+          <a:ln w="25400">
+            <a:solidFill>
+              <a:schemeClr val="tx1"/>
+            </a:solidFill>
+          </a:ln>
+        </p:spPr>
+        <p:style>
+          <a:lnRef idx="1">
+            <a:schemeClr val="accent1"/>
+          </a:lnRef>
+          <a:fillRef idx="3">
+            <a:schemeClr val="accent1"/>
+          </a:fillRef>
+          <a:effectRef idx="2">
+            <a:schemeClr val="accent1"/>
+          </a:effectRef>
+          <a:fontRef idx="minor">
+            <a:schemeClr val="lt1"/>
+          </a:fontRef>
+        </p:style>
+        <p:txBody>
+          <a:bodyPr rtlCol="0" anchor="ctr"/>
+          <a:lstStyle/>
+          <a:p>
             <a:pPr algn="ctr"/>
-            <a:r>
-              <a:rPr lang="en-US" sz="1600" b="1" dirty="0" err="1" smtClean="0"/>
-              <a:t>params</a:t>
+            <a:endParaRPr lang="en-US"/>
+          </a:p>
+        </p:txBody>
+      </p:sp>
+      <p:sp>
+        <p:nvSpPr>
+          <p:cNvPr id="25" name="TextBox 24"/>
+          <p:cNvSpPr txBox="1"/>
+          <p:nvPr/>
+        </p:nvSpPr>
+        <p:spPr>
+          <a:xfrm>
+            <a:off x="3510851" y="3882534"/>
+            <a:ext cx="1005904" cy="338554"/>
+          </a:xfrm>
+          <a:prstGeom prst="rect">
+            <a:avLst/>
+          </a:prstGeom>
+          <a:noFill/>
+        </p:spPr>
+        <p:txBody>
+          <a:bodyPr wrap="none" rtlCol="0">
+            <a:spAutoFit/>
+          </a:bodyPr>
+          <a:lstStyle/>
+          <a:p>
+            <a:r>
+              <a:rPr lang="en-US" sz="1600" b="1" dirty="0"/>
+              <a:t>a</a:t>
             </a:r>
             <a:r>
               <a:rPr lang="en-US" sz="1600" b="1" dirty="0" smtClean="0"/>
-              <a:t> </a:t>
-            </a:r>
+              <a:t>nalyzer</a:t>
+            </a:r>
+            <a:endParaRPr lang="en-US" sz="1600" b="1" dirty="0"/>
+          </a:p>
+        </p:txBody>
+      </p:sp>
+      <p:sp>
+        <p:nvSpPr>
+          <p:cNvPr id="27" name="TextBox 26"/>
+          <p:cNvSpPr txBox="1"/>
+          <p:nvPr/>
+        </p:nvSpPr>
+        <p:spPr>
+          <a:xfrm>
+            <a:off x="4014907" y="4437112"/>
+            <a:ext cx="736099" cy="338554"/>
+          </a:xfrm>
+          <a:prstGeom prst="rect">
+            <a:avLst/>
+          </a:prstGeom>
+          <a:noFill/>
+        </p:spPr>
+        <p:txBody>
+          <a:bodyPr wrap="none" rtlCol="0">
+            <a:spAutoFit/>
+          </a:bodyPr>
+          <a:lstStyle/>
+          <a:p>
+            <a:r>
+              <a:rPr lang="en-US" sz="1600" b="1" dirty="0" smtClean="0"/>
+              <a:t>SAST</a:t>
+            </a:r>
+            <a:endParaRPr lang="en-US" sz="1600" b="1" dirty="0"/>
+          </a:p>
+        </p:txBody>
+      </p:sp>
+      <p:sp>
+        <p:nvSpPr>
+          <p:cNvPr id="28" name="TextBox 27"/>
+          <p:cNvSpPr txBox="1"/>
+          <p:nvPr/>
+        </p:nvSpPr>
+        <p:spPr>
+          <a:xfrm>
+            <a:off x="3993208" y="2370366"/>
+            <a:ext cx="1461859" cy="338554"/>
+          </a:xfrm>
+          <a:prstGeom prst="rect">
+            <a:avLst/>
+          </a:prstGeom>
+          <a:noFill/>
+        </p:spPr>
+        <p:txBody>
+          <a:bodyPr wrap="none" rtlCol="0">
+            <a:spAutoFit/>
+          </a:bodyPr>
+          <a:lstStyle/>
+          <a:p>
+            <a:r>
+              <a:rPr lang="en-US" sz="1600" b="1" dirty="0" smtClean="0"/>
+              <a:t>token stream</a:t>
+            </a:r>
+            <a:endParaRPr lang="en-US" sz="1600" b="1" dirty="0"/>
+          </a:p>
+        </p:txBody>
+      </p:sp>
+      <p:sp>
+        <p:nvSpPr>
+          <p:cNvPr id="30" name="Oval 29"/>
+          <p:cNvSpPr/>
+          <p:nvPr/>
+        </p:nvSpPr>
+        <p:spPr>
+          <a:xfrm>
+            <a:off x="3438843" y="4869160"/>
+            <a:ext cx="1224136" cy="504056"/>
+          </a:xfrm>
+          <a:prstGeom prst="ellipse">
+            <a:avLst/>
+          </a:prstGeom>
+          <a:solidFill>
+            <a:schemeClr val="bg1">
+              <a:lumMod val="95000"/>
+            </a:schemeClr>
+          </a:solidFill>
+          <a:ln w="25400">
+            <a:solidFill>
+              <a:schemeClr val="tx1"/>
+            </a:solidFill>
+          </a:ln>
+        </p:spPr>
+        <p:style>
+          <a:lnRef idx="1">
+            <a:schemeClr val="accent1"/>
+          </a:lnRef>
+          <a:fillRef idx="3">
+            <a:schemeClr val="accent1"/>
+          </a:fillRef>
+          <a:effectRef idx="2">
+            <a:schemeClr val="accent1"/>
+          </a:effectRef>
+          <a:fontRef idx="minor">
+            <a:schemeClr val="lt1"/>
+          </a:fontRef>
+        </p:style>
+        <p:txBody>
+          <a:bodyPr rtlCol="0" anchor="ctr"/>
+          <a:lstStyle/>
+          <a:p>
+            <a:pPr algn="ctr"/>
+            <a:endParaRPr lang="en-US"/>
+          </a:p>
+        </p:txBody>
+      </p:sp>
+      <p:sp>
+        <p:nvSpPr>
+          <p:cNvPr id="31" name="TextBox 30"/>
+          <p:cNvSpPr txBox="1"/>
+          <p:nvPr/>
+        </p:nvSpPr>
+        <p:spPr>
+          <a:xfrm>
+            <a:off x="3510851" y="4890646"/>
+            <a:ext cx="1133644" cy="338554"/>
+          </a:xfrm>
+          <a:prstGeom prst="rect">
+            <a:avLst/>
+          </a:prstGeom>
+          <a:noFill/>
+        </p:spPr>
+        <p:txBody>
+          <a:bodyPr wrap="none" rtlCol="0">
+            <a:spAutoFit/>
+          </a:bodyPr>
+          <a:lstStyle/>
+          <a:p>
+            <a:r>
+              <a:rPr lang="en-US" sz="1600" b="1" dirty="0" smtClean="0"/>
+              <a:t>generator</a:t>
+            </a:r>
+            <a:endParaRPr lang="en-US" sz="1600" b="1" dirty="0"/>
           </a:p>
         </p:txBody>
       </p:sp>
       <p:cxnSp>
         <p:nvCxnSpPr>
-          <p:cNvPr id="41" name="Straight Connector 40"/>
+          <p:cNvPr id="32" name="Straight Connector 31"/>
           <p:cNvCxnSpPr/>
           <p:nvPr/>
         </p:nvCxnSpPr>
         <p:spPr>
-          <a:xfrm flipH="1">
-            <a:off x="2915816" y="3530044"/>
-            <a:ext cx="763830" cy="93494"/>
+          <a:xfrm>
+            <a:off x="4014907" y="4365104"/>
+            <a:ext cx="0" cy="504056"/>
           </a:xfrm>
           <a:prstGeom prst="line">
             <a:avLst/>
@@ -4020,46 +4195,16 @@
           </a:fontRef>
         </p:style>
       </p:cxnSp>
-      <p:sp>
-        <p:nvSpPr>
-          <p:cNvPr id="42" name="TextBox 41"/>
-          <p:cNvSpPr txBox="1"/>
-          <p:nvPr/>
-        </p:nvSpPr>
-        <p:spPr>
-          <a:xfrm>
-            <a:off x="2195146" y="3429000"/>
-            <a:ext cx="720670" cy="338554"/>
-          </a:xfrm>
-          <a:prstGeom prst="rect">
-            <a:avLst/>
-          </a:prstGeom>
-          <a:noFill/>
-        </p:spPr>
-        <p:txBody>
-          <a:bodyPr wrap="none" rtlCol="0">
-            <a:spAutoFit/>
-          </a:bodyPr>
-          <a:lstStyle/>
-          <a:p>
-            <a:pPr algn="ctr"/>
-            <a:r>
-              <a:rPr lang="en-US" sz="1600" b="1" dirty="0" smtClean="0"/>
-              <a:t>name</a:t>
-            </a:r>
-          </a:p>
-        </p:txBody>
-      </p:sp>
       <p:cxnSp>
         <p:nvCxnSpPr>
-          <p:cNvPr id="43" name="Straight Connector 42"/>
+          <p:cNvPr id="35" name="Straight Connector 34"/>
           <p:cNvCxnSpPr/>
           <p:nvPr/>
         </p:nvCxnSpPr>
         <p:spPr>
-          <a:xfrm flipH="1">
-            <a:off x="3059832" y="3530044"/>
-            <a:ext cx="619814" cy="381526"/>
+          <a:xfrm>
+            <a:off x="4014907" y="2348880"/>
+            <a:ext cx="0" cy="504056"/>
           </a:xfrm>
           <a:prstGeom prst="line">
             <a:avLst/>
@@ -4086,46 +4231,16 @@
           </a:fontRef>
         </p:style>
       </p:cxnSp>
-      <p:sp>
-        <p:nvSpPr>
-          <p:cNvPr id="44" name="TextBox 43"/>
-          <p:cNvSpPr txBox="1"/>
-          <p:nvPr/>
-        </p:nvSpPr>
-        <p:spPr>
-          <a:xfrm>
-            <a:off x="1691680" y="3717032"/>
-            <a:ext cx="1370487" cy="338554"/>
-          </a:xfrm>
-          <a:prstGeom prst="rect">
-            <a:avLst/>
-          </a:prstGeom>
-          <a:noFill/>
-        </p:spPr>
-        <p:txBody>
-          <a:bodyPr wrap="none" rtlCol="0">
-            <a:spAutoFit/>
-          </a:bodyPr>
-          <a:lstStyle/>
-          <a:p>
-            <a:pPr algn="ctr"/>
-            <a:r>
-              <a:rPr lang="en-US" sz="1600" b="1" dirty="0" smtClean="0"/>
-              <a:t>return name</a:t>
-            </a:r>
-          </a:p>
-        </p:txBody>
-      </p:sp>
       <p:cxnSp>
         <p:nvCxnSpPr>
-          <p:cNvPr id="45" name="Straight Connector 44"/>
+          <p:cNvPr id="36" name="Straight Connector 35"/>
           <p:cNvCxnSpPr/>
           <p:nvPr/>
         </p:nvCxnSpPr>
         <p:spPr>
-          <a:xfrm flipH="1">
-            <a:off x="3347864" y="3530044"/>
-            <a:ext cx="331782" cy="525542"/>
+          <a:xfrm>
+            <a:off x="4014907" y="3356992"/>
+            <a:ext cx="0" cy="504056"/>
           </a:xfrm>
           <a:prstGeom prst="line">
             <a:avLst/>
@@ -4152,78 +4267,16 @@
           </a:fontRef>
         </p:style>
       </p:cxnSp>
-      <p:sp>
-        <p:nvSpPr>
-          <p:cNvPr id="46" name="TextBox 45"/>
-          <p:cNvSpPr txBox="1"/>
-          <p:nvPr/>
-        </p:nvSpPr>
-        <p:spPr>
-          <a:xfrm>
-            <a:off x="2163498" y="4005064"/>
-            <a:ext cx="1256374" cy="338554"/>
-          </a:xfrm>
-          <a:prstGeom prst="rect">
-            <a:avLst/>
-          </a:prstGeom>
-          <a:noFill/>
-        </p:spPr>
-        <p:txBody>
-          <a:bodyPr wrap="none" rtlCol="0">
-            <a:spAutoFit/>
-          </a:bodyPr>
-          <a:lstStyle/>
-          <a:p>
-            <a:pPr algn="ctr"/>
-            <a:r>
-              <a:rPr lang="en-US" sz="1600" b="1" dirty="0" smtClean="0"/>
-              <a:t>return type</a:t>
-            </a:r>
-          </a:p>
-        </p:txBody>
-      </p:sp>
-      <p:sp>
-        <p:nvSpPr>
-          <p:cNvPr id="47" name="TextBox 46"/>
-          <p:cNvSpPr txBox="1"/>
-          <p:nvPr/>
-        </p:nvSpPr>
-        <p:spPr>
-          <a:xfrm>
-            <a:off x="3851920" y="4034100"/>
-            <a:ext cx="766356" cy="338554"/>
-          </a:xfrm>
-          <a:prstGeom prst="rect">
-            <a:avLst/>
-          </a:prstGeom>
-          <a:noFill/>
-        </p:spPr>
-        <p:txBody>
-          <a:bodyPr wrap="none" rtlCol="0">
-            <a:spAutoFit/>
-          </a:bodyPr>
-          <a:lstStyle/>
-          <a:p>
-            <a:pPr algn="ctr"/>
-            <a:r>
-              <a:rPr lang="en-US" sz="1600" b="1" dirty="0" smtClean="0"/>
-              <a:t>locals</a:t>
-            </a:r>
-          </a:p>
-        </p:txBody>
-      </p:sp>
       <p:cxnSp>
         <p:nvCxnSpPr>
-          <p:cNvPr id="48" name="Straight Connector 47"/>
-          <p:cNvCxnSpPr>
-            <a:endCxn id="40" idx="1"/>
-          </p:cNvCxnSpPr>
+          <p:cNvPr id="39" name="Straight Connector 38"/>
+          <p:cNvCxnSpPr/>
           <p:nvPr/>
         </p:nvCxnSpPr>
         <p:spPr>
           <a:xfrm>
-            <a:off x="3707904" y="3530044"/>
-            <a:ext cx="576064" cy="377751"/>
+            <a:off x="4662979" y="5085184"/>
+            <a:ext cx="917133" cy="0"/>
           </a:xfrm>
           <a:prstGeom prst="line">
             <a:avLst/>
@@ -4252,14 +4305,14 @@
       </p:cxnSp>
       <p:sp>
         <p:nvSpPr>
-          <p:cNvPr id="52" name="TextBox 51"/>
+          <p:cNvPr id="41" name="TextBox 40"/>
           <p:cNvSpPr txBox="1"/>
           <p:nvPr/>
         </p:nvSpPr>
         <p:spPr>
           <a:xfrm>
-            <a:off x="3383141" y="4314582"/>
-            <a:ext cx="684803" cy="338554"/>
+            <a:off x="4644008" y="4725144"/>
+            <a:ext cx="903513" cy="338554"/>
           </a:xfrm>
           <a:prstGeom prst="rect">
             <a:avLst/>
@@ -4272,24 +4325,110 @@
           </a:bodyPr>
           <a:lstStyle/>
           <a:p>
+            <a:r>
+              <a:rPr lang="en-US" sz="1600" b="1" dirty="0" err="1" smtClean="0"/>
+              <a:t>c++</a:t>
+            </a:r>
+            <a:r>
+              <a:rPr lang="en-US" sz="1600" b="1" dirty="0" smtClean="0"/>
+              <a:t> </a:t>
+            </a:r>
+            <a:r>
+              <a:rPr lang="en-US" sz="1600" b="1" dirty="0" err="1" smtClean="0"/>
+              <a:t>src</a:t>
+            </a:r>
+            <a:endParaRPr lang="en-US" sz="1600" b="1" dirty="0"/>
+          </a:p>
+        </p:txBody>
+      </p:sp>
+      <p:sp>
+        <p:nvSpPr>
+          <p:cNvPr id="44" name="Oval 43"/>
+          <p:cNvSpPr/>
+          <p:nvPr/>
+        </p:nvSpPr>
+        <p:spPr>
+          <a:xfrm>
+            <a:off x="5671091" y="4797152"/>
+            <a:ext cx="1224136" cy="504056"/>
+          </a:xfrm>
+          <a:prstGeom prst="ellipse">
+            <a:avLst/>
+          </a:prstGeom>
+          <a:solidFill>
+            <a:schemeClr val="bg1">
+              <a:lumMod val="95000"/>
+            </a:schemeClr>
+          </a:solidFill>
+          <a:ln w="25400">
+            <a:solidFill>
+              <a:schemeClr val="tx1"/>
+            </a:solidFill>
+          </a:ln>
+        </p:spPr>
+        <p:style>
+          <a:lnRef idx="1">
+            <a:schemeClr val="accent1"/>
+          </a:lnRef>
+          <a:fillRef idx="3">
+            <a:schemeClr val="accent1"/>
+          </a:fillRef>
+          <a:effectRef idx="2">
+            <a:schemeClr val="accent1"/>
+          </a:effectRef>
+          <a:fontRef idx="minor">
+            <a:schemeClr val="lt1"/>
+          </a:fontRef>
+        </p:style>
+        <p:txBody>
+          <a:bodyPr rtlCol="0" anchor="ctr"/>
+          <a:lstStyle/>
+          <a:p>
             <a:pPr algn="ctr"/>
+            <a:endParaRPr lang="en-US"/>
+          </a:p>
+        </p:txBody>
+      </p:sp>
+      <p:sp>
+        <p:nvSpPr>
+          <p:cNvPr id="45" name="TextBox 44"/>
+          <p:cNvSpPr txBox="1"/>
+          <p:nvPr/>
+        </p:nvSpPr>
+        <p:spPr>
+          <a:xfrm>
+            <a:off x="5959123" y="4869160"/>
+            <a:ext cx="549650" cy="338554"/>
+          </a:xfrm>
+          <a:prstGeom prst="rect">
+            <a:avLst/>
+          </a:prstGeom>
+          <a:noFill/>
+        </p:spPr>
+        <p:txBody>
+          <a:bodyPr wrap="none" rtlCol="0">
+            <a:spAutoFit/>
+          </a:bodyPr>
+          <a:lstStyle/>
+          <a:p>
             <a:r>
               <a:rPr lang="en-US" sz="1600" b="1" dirty="0" smtClean="0"/>
-              <a:t>body</a:t>
-            </a:r>
+              <a:t>g++</a:t>
+            </a:r>
+            <a:endParaRPr lang="en-US" sz="1600" b="1" dirty="0"/>
           </a:p>
         </p:txBody>
       </p:sp>
       <p:cxnSp>
         <p:nvCxnSpPr>
-          <p:cNvPr id="53" name="Straight Connector 52"/>
+          <p:cNvPr id="48" name="Straight Connector 47"/>
           <p:cNvCxnSpPr/>
           <p:nvPr/>
         </p:nvCxnSpPr>
         <p:spPr>
           <a:xfrm>
-            <a:off x="3707904" y="3530044"/>
-            <a:ext cx="288032" cy="432048"/>
+            <a:off x="6247155" y="4293096"/>
+            <a:ext cx="0" cy="504056"/>
           </a:xfrm>
           <a:prstGeom prst="line">
             <a:avLst/>
@@ -4316,16 +4455,91 @@
           </a:fontRef>
         </p:style>
       </p:cxnSp>
+      <p:sp>
+        <p:nvSpPr>
+          <p:cNvPr id="49" name="TextBox 48"/>
+          <p:cNvSpPr txBox="1"/>
+          <p:nvPr/>
+        </p:nvSpPr>
+        <p:spPr>
+          <a:xfrm>
+            <a:off x="5743099" y="3462099"/>
+            <a:ext cx="1039668" cy="830997"/>
+          </a:xfrm>
+          <a:prstGeom prst="rect">
+            <a:avLst/>
+          </a:prstGeom>
+          <a:noFill/>
+        </p:spPr>
+        <p:txBody>
+          <a:bodyPr wrap="none" rtlCol="0">
+            <a:spAutoFit/>
+          </a:bodyPr>
+          <a:lstStyle/>
+          <a:p>
+            <a:pPr algn="ctr"/>
+            <a:r>
+              <a:rPr lang="en-US" sz="1600" b="1" dirty="0" smtClean="0"/>
+              <a:t>qlang lib</a:t>
+            </a:r>
+          </a:p>
+          <a:p>
+            <a:pPr algn="ctr"/>
+            <a:r>
+              <a:rPr lang="en-US" sz="1600" b="1" dirty="0" smtClean="0"/>
+              <a:t>Eigen lib</a:t>
+            </a:r>
+          </a:p>
+          <a:p>
+            <a:pPr algn="ctr"/>
+            <a:r>
+              <a:rPr lang="en-US" sz="1600" b="1" dirty="0" smtClean="0"/>
+              <a:t>libc++</a:t>
+            </a:r>
+            <a:endParaRPr lang="en-US" sz="1600" b="1" dirty="0"/>
+          </a:p>
+        </p:txBody>
+      </p:sp>
+      <p:sp>
+        <p:nvSpPr>
+          <p:cNvPr id="51" name="TextBox 50"/>
+          <p:cNvSpPr txBox="1"/>
+          <p:nvPr/>
+        </p:nvSpPr>
+        <p:spPr>
+          <a:xfrm>
+            <a:off x="7740352" y="4797152"/>
+            <a:ext cx="1245353" cy="338554"/>
+          </a:xfrm>
+          <a:prstGeom prst="rect">
+            <a:avLst/>
+          </a:prstGeom>
+          <a:noFill/>
+        </p:spPr>
+        <p:txBody>
+          <a:bodyPr wrap="none" rtlCol="0">
+            <a:spAutoFit/>
+          </a:bodyPr>
+          <a:lstStyle/>
+          <a:p>
+            <a:r>
+              <a:rPr lang="en-US" sz="1600" b="1" dirty="0" smtClean="0"/>
+              <a:t>executable</a:t>
+            </a:r>
+            <a:endParaRPr lang="en-US" sz="1600" b="1" dirty="0"/>
+          </a:p>
+        </p:txBody>
+      </p:sp>
       <p:cxnSp>
         <p:nvCxnSpPr>
-          <p:cNvPr id="58" name="Straight Connector 57"/>
+          <p:cNvPr id="53" name="Straight Connector 52"/>
           <p:cNvCxnSpPr/>
           <p:nvPr/>
         </p:nvCxnSpPr>
         <p:spPr>
-          <a:xfrm flipH="1">
-            <a:off x="3707904" y="3530044"/>
-            <a:ext cx="1" cy="792088"/>
+          <a:xfrm>
+            <a:off x="6876256" y="5013176"/>
+            <a:ext cx="917133" cy="0"/>
           </a:xfrm>
           <a:prstGeom prst="line">
             <a:avLst/>
@@ -4352,353 +4566,41 @@
           </a:fontRef>
         </p:style>
       </p:cxnSp>
-      <p:cxnSp>
-        <p:nvCxnSpPr>
-          <p:cNvPr id="63" name="Straight Connector 62"/>
-          <p:cNvCxnSpPr>
-            <a:endCxn id="67" idx="1"/>
-          </p:cNvCxnSpPr>
-          <p:nvPr/>
-        </p:nvCxnSpPr>
-        <p:spPr>
-          <a:xfrm>
-            <a:off x="3707904" y="3530044"/>
-            <a:ext cx="648072" cy="68233"/>
-          </a:xfrm>
-          <a:prstGeom prst="line">
-            <a:avLst/>
-          </a:prstGeom>
-          <a:ln>
-            <a:solidFill>
-              <a:schemeClr val="tx1"/>
-            </a:solidFill>
-            <a:tailEnd type="triangle" w="lg" len="med"/>
-          </a:ln>
-        </p:spPr>
-        <p:style>
-          <a:lnRef idx="2">
-            <a:schemeClr val="accent1"/>
-          </a:lnRef>
-          <a:fillRef idx="0">
-            <a:schemeClr val="accent1"/>
-          </a:fillRef>
-          <a:effectRef idx="1">
-            <a:schemeClr val="accent1"/>
-          </a:effectRef>
-          <a:fontRef idx="minor">
-            <a:schemeClr val="tx1"/>
-          </a:fontRef>
-        </p:style>
-      </p:cxnSp>
-      <p:sp>
-        <p:nvSpPr>
-          <p:cNvPr id="67" name="TextBox 66"/>
-          <p:cNvSpPr txBox="1"/>
-          <p:nvPr/>
-        </p:nvSpPr>
-        <p:spPr>
-          <a:xfrm>
-            <a:off x="4355976" y="3429000"/>
-            <a:ext cx="800019" cy="338554"/>
-          </a:xfrm>
-          <a:prstGeom prst="rect">
-            <a:avLst/>
-          </a:prstGeom>
-          <a:noFill/>
-        </p:spPr>
-        <p:txBody>
-          <a:bodyPr wrap="none" rtlCol="0">
-            <a:spAutoFit/>
-          </a:bodyPr>
+      <p:sp>
+        <p:nvSpPr>
+          <p:cNvPr id="54" name="Content Placeholder 4"/>
+          <p:cNvSpPr>
+            <a:spLocks noGrp="1"/>
+          </p:cNvSpPr>
+          <p:nvPr>
+            <p:ph idx="1"/>
+          </p:nvPr>
+        </p:nvSpPr>
+        <p:spPr>
+          <a:xfrm>
+            <a:off x="1526976" y="1052736"/>
+            <a:ext cx="8229600" cy="4525963"/>
+          </a:xfrm>
+        </p:spPr>
+        <p:txBody>
+          <a:bodyPr/>
           <a:lstStyle/>
           <a:p>
-            <a:pPr algn="ctr"/>
-            <a:r>
-              <a:rPr lang="en-US" sz="1600" b="1" dirty="0" err="1" smtClean="0"/>
-              <a:t>builtin</a:t>
-            </a:r>
-            <a:endParaRPr lang="en-US" sz="1600" b="1" dirty="0" smtClean="0"/>
-          </a:p>
-        </p:txBody>
-      </p:sp>
-      <p:cxnSp>
-        <p:nvCxnSpPr>
-          <p:cNvPr id="79" name="Straight Connector 78"/>
-          <p:cNvCxnSpPr>
-            <a:stCxn id="4" idx="2"/>
-            <a:endCxn id="80" idx="0"/>
-          </p:cNvCxnSpPr>
-          <p:nvPr/>
-        </p:nvCxnSpPr>
-        <p:spPr>
-          <a:xfrm>
-            <a:off x="5707064" y="2615426"/>
-            <a:ext cx="2256100" cy="453534"/>
-          </a:xfrm>
-          <a:prstGeom prst="line">
-            <a:avLst/>
-          </a:prstGeom>
-          <a:ln>
-            <a:solidFill>
-              <a:schemeClr val="tx1"/>
-            </a:solidFill>
-            <a:tailEnd type="triangle" w="lg" len="med"/>
-          </a:ln>
-        </p:spPr>
-        <p:style>
-          <a:lnRef idx="2">
-            <a:schemeClr val="accent1"/>
-          </a:lnRef>
-          <a:fillRef idx="0">
-            <a:schemeClr val="accent1"/>
-          </a:fillRef>
-          <a:effectRef idx="1">
-            <a:schemeClr val="accent1"/>
-          </a:effectRef>
-          <a:fontRef idx="minor">
-            <a:schemeClr val="tx1"/>
-          </a:fontRef>
-        </p:style>
-      </p:cxnSp>
-      <p:sp>
-        <p:nvSpPr>
-          <p:cNvPr id="80" name="TextBox 79"/>
-          <p:cNvSpPr txBox="1"/>
-          <p:nvPr/>
-        </p:nvSpPr>
-        <p:spPr>
-          <a:xfrm>
-            <a:off x="7631382" y="3068960"/>
-            <a:ext cx="663563" cy="338554"/>
-          </a:xfrm>
-          <a:prstGeom prst="rect">
-            <a:avLst/>
-          </a:prstGeom>
-          <a:noFill/>
-        </p:spPr>
-        <p:txBody>
-          <a:bodyPr wrap="none" rtlCol="0">
-            <a:spAutoFit/>
-          </a:bodyPr>
-          <a:lstStyle/>
-          <a:p>
-            <a:pPr algn="ctr"/>
-            <a:r>
-              <a:rPr lang="en-US" sz="1600" b="1" dirty="0" err="1" smtClean="0"/>
-              <a:t>fdecl</a:t>
-            </a:r>
-            <a:endParaRPr lang="en-US" sz="1600" b="1" dirty="0" smtClean="0"/>
-          </a:p>
-        </p:txBody>
-      </p:sp>
-      <p:sp>
-        <p:nvSpPr>
-          <p:cNvPr id="86" name="TextBox 85"/>
-          <p:cNvSpPr txBox="1"/>
-          <p:nvPr/>
-        </p:nvSpPr>
-        <p:spPr>
-          <a:xfrm>
-            <a:off x="5342617" y="3068960"/>
-            <a:ext cx="663563" cy="338554"/>
-          </a:xfrm>
-          <a:prstGeom prst="rect">
-            <a:avLst/>
-          </a:prstGeom>
-          <a:noFill/>
-        </p:spPr>
-        <p:txBody>
-          <a:bodyPr wrap="none" rtlCol="0">
-            <a:spAutoFit/>
-          </a:bodyPr>
-          <a:lstStyle/>
-          <a:p>
-            <a:pPr algn="ctr"/>
-            <a:r>
-              <a:rPr lang="en-US" sz="1600" b="1" dirty="0" err="1" smtClean="0"/>
-              <a:t>fdecl</a:t>
-            </a:r>
-            <a:endParaRPr lang="en-US" sz="1600" b="1" dirty="0" smtClean="0"/>
-          </a:p>
-        </p:txBody>
-      </p:sp>
-      <p:cxnSp>
-        <p:nvCxnSpPr>
-          <p:cNvPr id="87" name="Straight Connector 86"/>
-          <p:cNvCxnSpPr>
-            <a:stCxn id="4" idx="2"/>
-          </p:cNvCxnSpPr>
-          <p:nvPr/>
-        </p:nvCxnSpPr>
-        <p:spPr>
-          <a:xfrm flipH="1">
-            <a:off x="5702657" y="2615426"/>
-            <a:ext cx="4407" cy="502920"/>
-          </a:xfrm>
-          <a:prstGeom prst="line">
-            <a:avLst/>
-          </a:prstGeom>
-          <a:ln>
-            <a:solidFill>
-              <a:schemeClr val="tx1"/>
-            </a:solidFill>
-            <a:tailEnd type="triangle" w="lg" len="med"/>
-          </a:ln>
-        </p:spPr>
-        <p:style>
-          <a:lnRef idx="2">
-            <a:schemeClr val="accent1"/>
-          </a:lnRef>
-          <a:fillRef idx="0">
-            <a:schemeClr val="accent1"/>
-          </a:fillRef>
-          <a:effectRef idx="1">
-            <a:schemeClr val="accent1"/>
-          </a:effectRef>
-          <a:fontRef idx="minor">
-            <a:schemeClr val="tx1"/>
-          </a:fontRef>
-        </p:style>
-      </p:cxnSp>
-      <p:sp>
-        <p:nvSpPr>
-          <p:cNvPr id="111" name="TextBox 110"/>
-          <p:cNvSpPr txBox="1"/>
-          <p:nvPr/>
-        </p:nvSpPr>
-        <p:spPr>
-          <a:xfrm>
-            <a:off x="3158266" y="1969095"/>
-            <a:ext cx="1107895" cy="338554"/>
-          </a:xfrm>
-          <a:prstGeom prst="rect">
-            <a:avLst/>
-          </a:prstGeom>
-          <a:noFill/>
-        </p:spPr>
-        <p:txBody>
-          <a:bodyPr wrap="none" rtlCol="0">
-            <a:spAutoFit/>
-          </a:bodyPr>
-          <a:lstStyle/>
-          <a:p>
-            <a:pPr algn="ctr"/>
-            <a:r>
-              <a:rPr lang="en-US" sz="1600" b="1" dirty="0" smtClean="0"/>
-              <a:t>functions</a:t>
-            </a:r>
-          </a:p>
-        </p:txBody>
-      </p:sp>
-      <p:sp>
-        <p:nvSpPr>
-          <p:cNvPr id="112" name="TextBox 111"/>
-          <p:cNvSpPr txBox="1"/>
-          <p:nvPr/>
-        </p:nvSpPr>
-        <p:spPr>
-          <a:xfrm>
-            <a:off x="1847070" y="3193231"/>
-            <a:ext cx="777677" cy="338554"/>
-          </a:xfrm>
-          <a:prstGeom prst="rect">
-            <a:avLst/>
-          </a:prstGeom>
-          <a:noFill/>
-        </p:spPr>
-        <p:txBody>
-          <a:bodyPr wrap="none" rtlCol="0">
-            <a:spAutoFit/>
-          </a:bodyPr>
-          <a:lstStyle/>
-          <a:p>
-            <a:pPr algn="ctr"/>
-            <a:r>
-              <a:rPr lang="en-US" sz="1600" b="1" dirty="0" smtClean="0"/>
-              <a:t>scope</a:t>
-            </a:r>
-          </a:p>
-        </p:txBody>
-      </p:sp>
-      <p:sp>
-        <p:nvSpPr>
-          <p:cNvPr id="115" name="TextBox 114"/>
-          <p:cNvSpPr txBox="1"/>
-          <p:nvPr/>
-        </p:nvSpPr>
-        <p:spPr>
-          <a:xfrm>
-            <a:off x="2051720" y="1628800"/>
-            <a:ext cx="1438715" cy="338554"/>
-          </a:xfrm>
-          <a:prstGeom prst="rect">
-            <a:avLst/>
-          </a:prstGeom>
-          <a:noFill/>
-        </p:spPr>
-        <p:txBody>
-          <a:bodyPr wrap="none" rtlCol="0">
-            <a:spAutoFit/>
-          </a:bodyPr>
-          <a:lstStyle/>
-          <a:p>
-            <a:pPr algn="ctr"/>
-            <a:r>
-              <a:rPr lang="en-US" sz="1600" b="1" dirty="0" smtClean="0"/>
-              <a:t>Environment</a:t>
-            </a:r>
-          </a:p>
-        </p:txBody>
-      </p:sp>
-      <p:sp>
-        <p:nvSpPr>
-          <p:cNvPr id="116" name="Rectangle 115"/>
-          <p:cNvSpPr/>
-          <p:nvPr/>
-        </p:nvSpPr>
-        <p:spPr>
-          <a:xfrm>
-            <a:off x="5364088" y="3501008"/>
-            <a:ext cx="3528392" cy="1512168"/>
-          </a:xfrm>
-          <a:prstGeom prst="rect">
-            <a:avLst/>
-          </a:prstGeom>
-          <a:solidFill>
-            <a:schemeClr val="bg1"/>
-          </a:solidFill>
-          <a:ln>
-            <a:noFill/>
-          </a:ln>
-          <a:effectLst/>
-        </p:spPr>
-        <p:style>
-          <a:lnRef idx="1">
-            <a:schemeClr val="accent1"/>
-          </a:lnRef>
-          <a:fillRef idx="3">
-            <a:schemeClr val="accent1"/>
-          </a:fillRef>
-          <a:effectRef idx="2">
-            <a:schemeClr val="accent1"/>
-          </a:effectRef>
-          <a:fontRef idx="minor">
-            <a:schemeClr val="lt1"/>
-          </a:fontRef>
-        </p:style>
-        <p:txBody>
-          <a:bodyPr rtlCol="0" anchor="ctr"/>
-          <a:lstStyle/>
-          <a:p>
-            <a:pPr algn="ctr"/>
-            <a:endParaRPr lang="en-US"/>
+            <a:pPr marL="0" indent="0">
+              <a:buNone/>
+            </a:pPr>
+            <a:r>
+              <a:rPr lang="en-US" sz="2400" b="1" dirty="0" smtClean="0"/>
+              <a:t>Compilation</a:t>
+            </a:r>
+            <a:endParaRPr lang="en-US" sz="2400" b="1" dirty="0"/>
           </a:p>
         </p:txBody>
       </p:sp>
     </p:spTree>
     <p:extLst>
       <p:ext uri="{BB962C8B-B14F-4D97-AF65-F5344CB8AC3E}">
-        <p14:creationId xmlns:p14="http://schemas.microsoft.com/office/powerpoint/2010/main" val="2617038298"/>
+        <p14:creationId xmlns:p14="http://schemas.microsoft.com/office/powerpoint/2010/main" val="2721382723"/>
       </p:ext>
     </p:extLst>
   </p:cSld>
@@ -4727,14 +4629,61 @@
       </p:grpSpPr>
       <p:sp>
         <p:nvSpPr>
-          <p:cNvPr id="95" name="Rounded Rectangle 94"/>
+          <p:cNvPr id="113" name="Rounded Rectangle 112"/>
           <p:cNvSpPr/>
           <p:nvPr/>
         </p:nvSpPr>
         <p:spPr>
           <a:xfrm>
-            <a:off x="3275856" y="2008585"/>
-            <a:ext cx="3672408" cy="1924472"/>
+            <a:off x="1475656" y="1916832"/>
+            <a:ext cx="7344816" cy="3024336"/>
+          </a:xfrm>
+          <a:prstGeom prst="roundRect">
+            <a:avLst/>
+          </a:prstGeom>
+          <a:solidFill>
+            <a:schemeClr val="bg1">
+              <a:lumMod val="85000"/>
+            </a:schemeClr>
+          </a:solidFill>
+          <a:ln>
+            <a:noFill/>
+          </a:ln>
+          <a:effectLst/>
+        </p:spPr>
+        <p:style>
+          <a:lnRef idx="1">
+            <a:schemeClr val="accent1"/>
+          </a:lnRef>
+          <a:fillRef idx="3">
+            <a:schemeClr val="accent1"/>
+          </a:fillRef>
+          <a:effectRef idx="2">
+            <a:schemeClr val="accent1"/>
+          </a:effectRef>
+          <a:fontRef idx="minor">
+            <a:schemeClr val="lt1"/>
+          </a:fontRef>
+        </p:style>
+        <p:txBody>
+          <a:bodyPr rtlCol="0" anchor="ctr"/>
+          <a:lstStyle/>
+          <a:p>
+            <a:pPr algn="ctr"/>
+            <a:endParaRPr lang="en-US"/>
+          </a:p>
+        </p:txBody>
+      </p:sp>
+      <p:sp>
+        <p:nvSpPr>
+          <p:cNvPr id="110" name="Rounded Rectangle 109"/>
+          <p:cNvSpPr/>
+          <p:nvPr/>
+        </p:nvSpPr>
+        <p:spPr>
+          <a:xfrm>
+            <a:off x="1691680" y="3501008"/>
+            <a:ext cx="3600400" cy="1296144"/>
           </a:xfrm>
           <a:prstGeom prst="roundRect">
             <a:avLst/>
@@ -4774,6 +4723,53 @@
       </p:sp>
       <p:sp>
         <p:nvSpPr>
+          <p:cNvPr id="95" name="Rounded Rectangle 94"/>
+          <p:cNvSpPr/>
+          <p:nvPr/>
+        </p:nvSpPr>
+        <p:spPr>
+          <a:xfrm>
+            <a:off x="2915816" y="2276872"/>
+            <a:ext cx="5760640" cy="1152128"/>
+          </a:xfrm>
+          <a:prstGeom prst="roundRect">
+            <a:avLst/>
+          </a:prstGeom>
+          <a:solidFill>
+            <a:schemeClr val="accent5">
+              <a:lumMod val="90000"/>
+            </a:schemeClr>
+          </a:solidFill>
+          <a:ln>
+            <a:noFill/>
+          </a:ln>
+          <a:effectLst/>
+        </p:spPr>
+        <p:style>
+          <a:lnRef idx="1">
+            <a:schemeClr val="accent1"/>
+          </a:lnRef>
+          <a:fillRef idx="3">
+            <a:schemeClr val="accent1"/>
+          </a:fillRef>
+          <a:effectRef idx="2">
+            <a:schemeClr val="accent1"/>
+          </a:effectRef>
+          <a:fontRef idx="minor">
+            <a:schemeClr val="lt1"/>
+          </a:fontRef>
+        </p:style>
+        <p:txBody>
+          <a:bodyPr rtlCol="0" anchor="ctr"/>
+          <a:lstStyle/>
+          <a:p>
+            <a:pPr algn="ctr"/>
+            <a:endParaRPr lang="en-US"/>
+          </a:p>
+        </p:txBody>
+      </p:sp>
+      <p:sp>
+        <p:nvSpPr>
           <p:cNvPr id="2" name="Title 1"/>
           <p:cNvSpPr>
             <a:spLocks noGrp="1"/>
@@ -4803,14 +4799,44 @@
       </p:sp>
       <p:sp>
         <p:nvSpPr>
+          <p:cNvPr id="54" name="Content Placeholder 4"/>
+          <p:cNvSpPr>
+            <a:spLocks noGrp="1"/>
+          </p:cNvSpPr>
+          <p:nvPr>
+            <p:ph idx="1"/>
+          </p:nvPr>
+        </p:nvSpPr>
+        <p:spPr>
+          <a:xfrm>
+            <a:off x="1526976" y="1052736"/>
+            <a:ext cx="8229600" cy="4525963"/>
+          </a:xfrm>
+        </p:spPr>
+        <p:txBody>
+          <a:bodyPr/>
+          <a:lstStyle/>
+          <a:p>
+            <a:pPr marL="0" indent="0">
+              <a:buNone/>
+            </a:pPr>
+            <a:r>
+              <a:rPr lang="en-US" sz="2400" b="1" dirty="0" smtClean="0"/>
+              <a:t>Structure</a:t>
+            </a:r>
+          </a:p>
+        </p:txBody>
+      </p:sp>
+      <p:sp>
+        <p:nvSpPr>
           <p:cNvPr id="4" name="TextBox 3"/>
           <p:cNvSpPr txBox="1"/>
           <p:nvPr/>
         </p:nvSpPr>
         <p:spPr>
           <a:xfrm>
-            <a:off x="4572000" y="2008585"/>
-            <a:ext cx="1553330" cy="338554"/>
+            <a:off x="5198601" y="2276872"/>
+            <a:ext cx="1016925" cy="338554"/>
           </a:xfrm>
           <a:prstGeom prst="rect">
             <a:avLst/>
@@ -4825,12 +4851,8 @@
           <a:p>
             <a:pPr algn="ctr"/>
             <a:r>
-              <a:rPr lang="en-US" sz="1600" b="1" dirty="0" err="1" smtClean="0"/>
-              <a:t>params</a:t>
-            </a:r>
-            <a:r>
               <a:rPr lang="en-US" sz="1600" b="1" dirty="0" smtClean="0"/>
-              <a:t>/locals</a:t>
+              <a:t>program</a:t>
             </a:r>
           </a:p>
         </p:txBody>
@@ -4846,8 +4868,8 @@
         </p:nvCxnSpPr>
         <p:spPr>
           <a:xfrm flipH="1">
-            <a:off x="4145318" y="2347139"/>
-            <a:ext cx="1203347" cy="453534"/>
+            <a:off x="3736163" y="2615426"/>
+            <a:ext cx="1970901" cy="453534"/>
           </a:xfrm>
           <a:prstGeom prst="line">
             <a:avLst/>
@@ -4882,8 +4904,8 @@
         </p:nvSpPr>
         <p:spPr>
           <a:xfrm>
-            <a:off x="3790643" y="2800673"/>
-            <a:ext cx="709349" cy="338554"/>
+            <a:off x="3404381" y="3068960"/>
+            <a:ext cx="663563" cy="338554"/>
           </a:xfrm>
           <a:prstGeom prst="rect">
             <a:avLst/>
@@ -4899,7 +4921,7 @@
             <a:pPr algn="ctr"/>
             <a:r>
               <a:rPr lang="en-US" sz="1600" b="1" dirty="0" err="1" smtClean="0"/>
-              <a:t>vdecl</a:t>
+              <a:t>fdecl</a:t>
             </a:r>
             <a:endParaRPr lang="en-US" sz="1600" b="1" dirty="0" smtClean="0"/>
           </a:p>
@@ -4907,14 +4929,14 @@
       </p:sp>
       <p:sp>
         <p:nvSpPr>
-          <p:cNvPr id="86" name="TextBox 85"/>
+          <p:cNvPr id="40" name="TextBox 39"/>
           <p:cNvSpPr txBox="1"/>
           <p:nvPr/>
         </p:nvSpPr>
         <p:spPr>
           <a:xfrm>
-            <a:off x="6126706" y="2800673"/>
-            <a:ext cx="709349" cy="338554"/>
+            <a:off x="4283968" y="3738518"/>
+            <a:ext cx="914633" cy="338554"/>
           </a:xfrm>
           <a:prstGeom prst="rect">
             <a:avLst/>
@@ -4930,25 +4952,25 @@
             <a:pPr algn="ctr"/>
             <a:r>
               <a:rPr lang="en-US" sz="1600" b="1" dirty="0" err="1" smtClean="0"/>
-              <a:t>vdecl</a:t>
-            </a:r>
-            <a:endParaRPr lang="en-US" sz="1600" b="1" dirty="0" smtClean="0"/>
+              <a:t>params</a:t>
+            </a:r>
+            <a:r>
+              <a:rPr lang="en-US" sz="1600" b="1" dirty="0" smtClean="0"/>
+              <a:t> </a:t>
+            </a:r>
           </a:p>
         </p:txBody>
       </p:sp>
       <p:cxnSp>
         <p:nvCxnSpPr>
-          <p:cNvPr id="87" name="Straight Connector 86"/>
-          <p:cNvCxnSpPr>
-            <a:stCxn id="4" idx="2"/>
-            <a:endCxn id="86" idx="0"/>
-          </p:cNvCxnSpPr>
+          <p:cNvPr id="41" name="Straight Connector 40"/>
+          <p:cNvCxnSpPr/>
           <p:nvPr/>
         </p:nvCxnSpPr>
         <p:spPr>
-          <a:xfrm>
-            <a:off x="5348665" y="2347139"/>
-            <a:ext cx="1132716" cy="453534"/>
+          <a:xfrm flipH="1">
+            <a:off x="2915816" y="3530044"/>
+            <a:ext cx="763830" cy="93494"/>
           </a:xfrm>
           <a:prstGeom prst="line">
             <a:avLst/>
@@ -4977,14 +4999,14 @@
       </p:cxnSp>
       <p:sp>
         <p:nvSpPr>
-          <p:cNvPr id="111" name="TextBox 110"/>
+          <p:cNvPr id="42" name="TextBox 41"/>
           <p:cNvSpPr txBox="1"/>
           <p:nvPr/>
         </p:nvSpPr>
         <p:spPr>
           <a:xfrm>
-            <a:off x="3434283" y="1700808"/>
-            <a:ext cx="777677" cy="338554"/>
+            <a:off x="2195146" y="3429000"/>
+            <a:ext cx="720670" cy="338554"/>
           </a:xfrm>
           <a:prstGeom prst="rect">
             <a:avLst/>
@@ -5000,24 +5022,21 @@
             <a:pPr algn="ctr"/>
             <a:r>
               <a:rPr lang="en-US" sz="1600" b="1" dirty="0" smtClean="0"/>
-              <a:t>scope</a:t>
+              <a:t>name</a:t>
             </a:r>
           </a:p>
         </p:txBody>
       </p:sp>
       <p:cxnSp>
         <p:nvCxnSpPr>
-          <p:cNvPr id="51" name="Straight Connector 50"/>
-          <p:cNvCxnSpPr>
-            <a:stCxn id="24" idx="2"/>
-            <a:endCxn id="55" idx="0"/>
-          </p:cNvCxnSpPr>
+          <p:cNvPr id="43" name="Straight Connector 42"/>
+          <p:cNvCxnSpPr/>
           <p:nvPr/>
         </p:nvCxnSpPr>
         <p:spPr>
           <a:xfrm flipH="1">
-            <a:off x="3651142" y="3139227"/>
-            <a:ext cx="494176" cy="217765"/>
+            <a:off x="3059832" y="3530044"/>
+            <a:ext cx="619814" cy="381526"/>
           </a:xfrm>
           <a:prstGeom prst="line">
             <a:avLst/>
@@ -5046,14 +5065,14 @@
       </p:cxnSp>
       <p:sp>
         <p:nvSpPr>
-          <p:cNvPr id="55" name="TextBox 54"/>
+          <p:cNvPr id="44" name="TextBox 43"/>
           <p:cNvSpPr txBox="1"/>
           <p:nvPr/>
         </p:nvSpPr>
         <p:spPr>
           <a:xfrm>
-            <a:off x="3290807" y="3356992"/>
-            <a:ext cx="720670" cy="338554"/>
+            <a:off x="1691680" y="3717032"/>
+            <a:ext cx="1370487" cy="338554"/>
           </a:xfrm>
           <a:prstGeom prst="rect">
             <a:avLst/>
@@ -5069,85 +5088,21 @@
             <a:pPr algn="ctr"/>
             <a:r>
               <a:rPr lang="en-US" sz="1600" b="1" dirty="0" smtClean="0"/>
-              <a:t>name</a:t>
-            </a:r>
-          </a:p>
-        </p:txBody>
-      </p:sp>
-      <p:sp>
-        <p:nvSpPr>
-          <p:cNvPr id="56" name="TextBox 55"/>
-          <p:cNvSpPr txBox="1"/>
-          <p:nvPr/>
-        </p:nvSpPr>
-        <p:spPr>
-          <a:xfrm>
-            <a:off x="3923928" y="3356992"/>
-            <a:ext cx="606556" cy="338554"/>
-          </a:xfrm>
-          <a:prstGeom prst="rect">
-            <a:avLst/>
-          </a:prstGeom>
-          <a:noFill/>
-        </p:spPr>
-        <p:txBody>
-          <a:bodyPr wrap="none" rtlCol="0">
-            <a:spAutoFit/>
-          </a:bodyPr>
-          <a:lstStyle/>
-          <a:p>
-            <a:pPr algn="ctr"/>
-            <a:r>
-              <a:rPr lang="en-US" sz="1600" b="1" dirty="0" smtClean="0"/>
-              <a:t>type</a:t>
-            </a:r>
-          </a:p>
-        </p:txBody>
-      </p:sp>
-      <p:sp>
-        <p:nvSpPr>
-          <p:cNvPr id="57" name="TextBox 56"/>
-          <p:cNvSpPr txBox="1"/>
-          <p:nvPr/>
-        </p:nvSpPr>
-        <p:spPr>
-          <a:xfrm>
-            <a:off x="4514942" y="3356992"/>
-            <a:ext cx="800019" cy="338554"/>
-          </a:xfrm>
-          <a:prstGeom prst="rect">
-            <a:avLst/>
-          </a:prstGeom>
-          <a:noFill/>
-        </p:spPr>
-        <p:txBody>
-          <a:bodyPr wrap="none" rtlCol="0">
-            <a:spAutoFit/>
-          </a:bodyPr>
-          <a:lstStyle/>
-          <a:p>
-            <a:pPr algn="ctr"/>
-            <a:r>
-              <a:rPr lang="en-US" sz="1600" b="1" dirty="0" err="1" smtClean="0"/>
-              <a:t>builtin</a:t>
-            </a:r>
-            <a:endParaRPr lang="en-US" sz="1600" b="1" dirty="0" smtClean="0"/>
+              <a:t>return name</a:t>
+            </a:r>
           </a:p>
         </p:txBody>
       </p:sp>
       <p:cxnSp>
         <p:nvCxnSpPr>
-          <p:cNvPr id="59" name="Straight Connector 58"/>
-          <p:cNvCxnSpPr>
-            <a:stCxn id="24" idx="2"/>
-            <a:endCxn id="57" idx="0"/>
-          </p:cNvCxnSpPr>
+          <p:cNvPr id="45" name="Straight Connector 44"/>
+          <p:cNvCxnSpPr/>
           <p:nvPr/>
         </p:nvCxnSpPr>
         <p:spPr>
-          <a:xfrm>
-            <a:off x="4145318" y="3139227"/>
-            <a:ext cx="769634" cy="217765"/>
+          <a:xfrm flipH="1">
+            <a:off x="3347864" y="3530044"/>
+            <a:ext cx="331782" cy="525542"/>
           </a:xfrm>
           <a:prstGeom prst="line">
             <a:avLst/>
@@ -5174,18 +5129,78 @@
           </a:fontRef>
         </p:style>
       </p:cxnSp>
+      <p:sp>
+        <p:nvSpPr>
+          <p:cNvPr id="46" name="TextBox 45"/>
+          <p:cNvSpPr txBox="1"/>
+          <p:nvPr/>
+        </p:nvSpPr>
+        <p:spPr>
+          <a:xfrm>
+            <a:off x="2163498" y="4005064"/>
+            <a:ext cx="1256374" cy="338554"/>
+          </a:xfrm>
+          <a:prstGeom prst="rect">
+            <a:avLst/>
+          </a:prstGeom>
+          <a:noFill/>
+        </p:spPr>
+        <p:txBody>
+          <a:bodyPr wrap="none" rtlCol="0">
+            <a:spAutoFit/>
+          </a:bodyPr>
+          <a:lstStyle/>
+          <a:p>
+            <a:pPr algn="ctr"/>
+            <a:r>
+              <a:rPr lang="en-US" sz="1600" b="1" dirty="0" smtClean="0"/>
+              <a:t>return type</a:t>
+            </a:r>
+          </a:p>
+        </p:txBody>
+      </p:sp>
+      <p:sp>
+        <p:nvSpPr>
+          <p:cNvPr id="47" name="TextBox 46"/>
+          <p:cNvSpPr txBox="1"/>
+          <p:nvPr/>
+        </p:nvSpPr>
+        <p:spPr>
+          <a:xfrm>
+            <a:off x="3851920" y="4034100"/>
+            <a:ext cx="766356" cy="338554"/>
+          </a:xfrm>
+          <a:prstGeom prst="rect">
+            <a:avLst/>
+          </a:prstGeom>
+          <a:noFill/>
+        </p:spPr>
+        <p:txBody>
+          <a:bodyPr wrap="none" rtlCol="0">
+            <a:spAutoFit/>
+          </a:bodyPr>
+          <a:lstStyle/>
+          <a:p>
+            <a:pPr algn="ctr"/>
+            <a:r>
+              <a:rPr lang="en-US" sz="1600" b="1" dirty="0" smtClean="0"/>
+              <a:t>locals</a:t>
+            </a:r>
+          </a:p>
+        </p:txBody>
+      </p:sp>
       <p:cxnSp>
         <p:nvCxnSpPr>
-          <p:cNvPr id="60" name="Straight Connector 59"/>
+          <p:cNvPr id="48" name="Straight Connector 47"/>
           <p:cNvCxnSpPr>
-            <a:endCxn id="56" idx="0"/>
+            <a:endCxn id="40" idx="1"/>
           </p:cNvCxnSpPr>
           <p:nvPr/>
         </p:nvCxnSpPr>
         <p:spPr>
           <a:xfrm>
-            <a:off x="4139952" y="3140968"/>
-            <a:ext cx="87254" cy="216024"/>
+            <a:off x="3707904" y="3530044"/>
+            <a:ext cx="576064" cy="377751"/>
           </a:xfrm>
           <a:prstGeom prst="line">
             <a:avLst/>
@@ -5214,38 +5229,453 @@
       </p:cxnSp>
       <p:sp>
         <p:nvSpPr>
-          <p:cNvPr id="81" name="Content Placeholder 4"/>
-          <p:cNvSpPr>
-            <a:spLocks noGrp="1"/>
-          </p:cNvSpPr>
-          <p:nvPr>
-            <p:ph idx="1"/>
-          </p:nvPr>
-        </p:nvSpPr>
-        <p:spPr>
-          <a:xfrm>
-            <a:off x="1526976" y="1052736"/>
-            <a:ext cx="8229600" cy="4525963"/>
-          </a:xfrm>
-        </p:spPr>
-        <p:txBody>
-          <a:bodyPr/>
+          <p:cNvPr id="52" name="TextBox 51"/>
+          <p:cNvSpPr txBox="1"/>
+          <p:nvPr/>
+        </p:nvSpPr>
+        <p:spPr>
+          <a:xfrm>
+            <a:off x="3383141" y="4314582"/>
+            <a:ext cx="684803" cy="338554"/>
+          </a:xfrm>
+          <a:prstGeom prst="rect">
+            <a:avLst/>
+          </a:prstGeom>
+          <a:noFill/>
+        </p:spPr>
+        <p:txBody>
+          <a:bodyPr wrap="none" rtlCol="0">
+            <a:spAutoFit/>
+          </a:bodyPr>
           <a:lstStyle/>
           <a:p>
-            <a:pPr marL="0" indent="0">
-              <a:buNone/>
-            </a:pPr>
-            <a:r>
-              <a:rPr lang="en-US" sz="2400" b="1" dirty="0" smtClean="0"/>
-              <a:t>Structure</a:t>
-            </a:r>
+            <a:pPr algn="ctr"/>
+            <a:r>
+              <a:rPr lang="en-US" sz="1600" b="1" dirty="0" smtClean="0"/>
+              <a:t>body</a:t>
+            </a:r>
+          </a:p>
+        </p:txBody>
+      </p:sp>
+      <p:cxnSp>
+        <p:nvCxnSpPr>
+          <p:cNvPr id="53" name="Straight Connector 52"/>
+          <p:cNvCxnSpPr/>
+          <p:nvPr/>
+        </p:nvCxnSpPr>
+        <p:spPr>
+          <a:xfrm>
+            <a:off x="3707904" y="3530044"/>
+            <a:ext cx="288032" cy="432048"/>
+          </a:xfrm>
+          <a:prstGeom prst="line">
+            <a:avLst/>
+          </a:prstGeom>
+          <a:ln>
+            <a:solidFill>
+              <a:schemeClr val="tx1"/>
+            </a:solidFill>
+            <a:tailEnd type="triangle" w="lg" len="med"/>
+          </a:ln>
+        </p:spPr>
+        <p:style>
+          <a:lnRef idx="2">
+            <a:schemeClr val="accent1"/>
+          </a:lnRef>
+          <a:fillRef idx="0">
+            <a:schemeClr val="accent1"/>
+          </a:fillRef>
+          <a:effectRef idx="1">
+            <a:schemeClr val="accent1"/>
+          </a:effectRef>
+          <a:fontRef idx="minor">
+            <a:schemeClr val="tx1"/>
+          </a:fontRef>
+        </p:style>
+      </p:cxnSp>
+      <p:cxnSp>
+        <p:nvCxnSpPr>
+          <p:cNvPr id="58" name="Straight Connector 57"/>
+          <p:cNvCxnSpPr/>
+          <p:nvPr/>
+        </p:nvCxnSpPr>
+        <p:spPr>
+          <a:xfrm flipH="1">
+            <a:off x="3707904" y="3530044"/>
+            <a:ext cx="1" cy="792088"/>
+          </a:xfrm>
+          <a:prstGeom prst="line">
+            <a:avLst/>
+          </a:prstGeom>
+          <a:ln>
+            <a:solidFill>
+              <a:schemeClr val="tx1"/>
+            </a:solidFill>
+            <a:tailEnd type="triangle" w="lg" len="med"/>
+          </a:ln>
+        </p:spPr>
+        <p:style>
+          <a:lnRef idx="2">
+            <a:schemeClr val="accent1"/>
+          </a:lnRef>
+          <a:fillRef idx="0">
+            <a:schemeClr val="accent1"/>
+          </a:fillRef>
+          <a:effectRef idx="1">
+            <a:schemeClr val="accent1"/>
+          </a:effectRef>
+          <a:fontRef idx="minor">
+            <a:schemeClr val="tx1"/>
+          </a:fontRef>
+        </p:style>
+      </p:cxnSp>
+      <p:cxnSp>
+        <p:nvCxnSpPr>
+          <p:cNvPr id="63" name="Straight Connector 62"/>
+          <p:cNvCxnSpPr>
+            <a:endCxn id="67" idx="1"/>
+          </p:cNvCxnSpPr>
+          <p:nvPr/>
+        </p:nvCxnSpPr>
+        <p:spPr>
+          <a:xfrm>
+            <a:off x="3707904" y="3530044"/>
+            <a:ext cx="648072" cy="68233"/>
+          </a:xfrm>
+          <a:prstGeom prst="line">
+            <a:avLst/>
+          </a:prstGeom>
+          <a:ln>
+            <a:solidFill>
+              <a:schemeClr val="tx1"/>
+            </a:solidFill>
+            <a:tailEnd type="triangle" w="lg" len="med"/>
+          </a:ln>
+        </p:spPr>
+        <p:style>
+          <a:lnRef idx="2">
+            <a:schemeClr val="accent1"/>
+          </a:lnRef>
+          <a:fillRef idx="0">
+            <a:schemeClr val="accent1"/>
+          </a:fillRef>
+          <a:effectRef idx="1">
+            <a:schemeClr val="accent1"/>
+          </a:effectRef>
+          <a:fontRef idx="minor">
+            <a:schemeClr val="tx1"/>
+          </a:fontRef>
+        </p:style>
+      </p:cxnSp>
+      <p:sp>
+        <p:nvSpPr>
+          <p:cNvPr id="67" name="TextBox 66"/>
+          <p:cNvSpPr txBox="1"/>
+          <p:nvPr/>
+        </p:nvSpPr>
+        <p:spPr>
+          <a:xfrm>
+            <a:off x="4355976" y="3429000"/>
+            <a:ext cx="800019" cy="338554"/>
+          </a:xfrm>
+          <a:prstGeom prst="rect">
+            <a:avLst/>
+          </a:prstGeom>
+          <a:noFill/>
+        </p:spPr>
+        <p:txBody>
+          <a:bodyPr wrap="none" rtlCol="0">
+            <a:spAutoFit/>
+          </a:bodyPr>
+          <a:lstStyle/>
+          <a:p>
+            <a:pPr algn="ctr"/>
+            <a:r>
+              <a:rPr lang="en-US" sz="1600" b="1" dirty="0" err="1" smtClean="0"/>
+              <a:t>builtin</a:t>
+            </a:r>
+            <a:endParaRPr lang="en-US" sz="1600" b="1" dirty="0" smtClean="0"/>
+          </a:p>
+        </p:txBody>
+      </p:sp>
+      <p:cxnSp>
+        <p:nvCxnSpPr>
+          <p:cNvPr id="79" name="Straight Connector 78"/>
+          <p:cNvCxnSpPr>
+            <a:stCxn id="4" idx="2"/>
+            <a:endCxn id="80" idx="0"/>
+          </p:cNvCxnSpPr>
+          <p:nvPr/>
+        </p:nvCxnSpPr>
+        <p:spPr>
+          <a:xfrm>
+            <a:off x="5707064" y="2615426"/>
+            <a:ext cx="2256100" cy="453534"/>
+          </a:xfrm>
+          <a:prstGeom prst="line">
+            <a:avLst/>
+          </a:prstGeom>
+          <a:ln>
+            <a:solidFill>
+              <a:schemeClr val="tx1"/>
+            </a:solidFill>
+            <a:tailEnd type="triangle" w="lg" len="med"/>
+          </a:ln>
+        </p:spPr>
+        <p:style>
+          <a:lnRef idx="2">
+            <a:schemeClr val="accent1"/>
+          </a:lnRef>
+          <a:fillRef idx="0">
+            <a:schemeClr val="accent1"/>
+          </a:fillRef>
+          <a:effectRef idx="1">
+            <a:schemeClr val="accent1"/>
+          </a:effectRef>
+          <a:fontRef idx="minor">
+            <a:schemeClr val="tx1"/>
+          </a:fontRef>
+        </p:style>
+      </p:cxnSp>
+      <p:sp>
+        <p:nvSpPr>
+          <p:cNvPr id="80" name="TextBox 79"/>
+          <p:cNvSpPr txBox="1"/>
+          <p:nvPr/>
+        </p:nvSpPr>
+        <p:spPr>
+          <a:xfrm>
+            <a:off x="7631382" y="3068960"/>
+            <a:ext cx="663563" cy="338554"/>
+          </a:xfrm>
+          <a:prstGeom prst="rect">
+            <a:avLst/>
+          </a:prstGeom>
+          <a:noFill/>
+        </p:spPr>
+        <p:txBody>
+          <a:bodyPr wrap="none" rtlCol="0">
+            <a:spAutoFit/>
+          </a:bodyPr>
+          <a:lstStyle/>
+          <a:p>
+            <a:pPr algn="ctr"/>
+            <a:r>
+              <a:rPr lang="en-US" sz="1600" b="1" dirty="0" err="1" smtClean="0"/>
+              <a:t>fdecl</a:t>
+            </a:r>
+            <a:endParaRPr lang="en-US" sz="1600" b="1" dirty="0" smtClean="0"/>
+          </a:p>
+        </p:txBody>
+      </p:sp>
+      <p:sp>
+        <p:nvSpPr>
+          <p:cNvPr id="86" name="TextBox 85"/>
+          <p:cNvSpPr txBox="1"/>
+          <p:nvPr/>
+        </p:nvSpPr>
+        <p:spPr>
+          <a:xfrm>
+            <a:off x="5342617" y="3068960"/>
+            <a:ext cx="663563" cy="338554"/>
+          </a:xfrm>
+          <a:prstGeom prst="rect">
+            <a:avLst/>
+          </a:prstGeom>
+          <a:noFill/>
+        </p:spPr>
+        <p:txBody>
+          <a:bodyPr wrap="none" rtlCol="0">
+            <a:spAutoFit/>
+          </a:bodyPr>
+          <a:lstStyle/>
+          <a:p>
+            <a:pPr algn="ctr"/>
+            <a:r>
+              <a:rPr lang="en-US" sz="1600" b="1" dirty="0" err="1" smtClean="0"/>
+              <a:t>fdecl</a:t>
+            </a:r>
+            <a:endParaRPr lang="en-US" sz="1600" b="1" dirty="0" smtClean="0"/>
+          </a:p>
+        </p:txBody>
+      </p:sp>
+      <p:cxnSp>
+        <p:nvCxnSpPr>
+          <p:cNvPr id="87" name="Straight Connector 86"/>
+          <p:cNvCxnSpPr>
+            <a:stCxn id="4" idx="2"/>
+          </p:cNvCxnSpPr>
+          <p:nvPr/>
+        </p:nvCxnSpPr>
+        <p:spPr>
+          <a:xfrm flipH="1">
+            <a:off x="5702657" y="2615426"/>
+            <a:ext cx="4407" cy="502920"/>
+          </a:xfrm>
+          <a:prstGeom prst="line">
+            <a:avLst/>
+          </a:prstGeom>
+          <a:ln>
+            <a:solidFill>
+              <a:schemeClr val="tx1"/>
+            </a:solidFill>
+            <a:tailEnd type="triangle" w="lg" len="med"/>
+          </a:ln>
+        </p:spPr>
+        <p:style>
+          <a:lnRef idx="2">
+            <a:schemeClr val="accent1"/>
+          </a:lnRef>
+          <a:fillRef idx="0">
+            <a:schemeClr val="accent1"/>
+          </a:fillRef>
+          <a:effectRef idx="1">
+            <a:schemeClr val="accent1"/>
+          </a:effectRef>
+          <a:fontRef idx="minor">
+            <a:schemeClr val="tx1"/>
+          </a:fontRef>
+        </p:style>
+      </p:cxnSp>
+      <p:sp>
+        <p:nvSpPr>
+          <p:cNvPr id="111" name="TextBox 110"/>
+          <p:cNvSpPr txBox="1"/>
+          <p:nvPr/>
+        </p:nvSpPr>
+        <p:spPr>
+          <a:xfrm>
+            <a:off x="3158266" y="1969095"/>
+            <a:ext cx="1107895" cy="338554"/>
+          </a:xfrm>
+          <a:prstGeom prst="rect">
+            <a:avLst/>
+          </a:prstGeom>
+          <a:noFill/>
+        </p:spPr>
+        <p:txBody>
+          <a:bodyPr wrap="none" rtlCol="0">
+            <a:spAutoFit/>
+          </a:bodyPr>
+          <a:lstStyle/>
+          <a:p>
+            <a:pPr algn="ctr"/>
+            <a:r>
+              <a:rPr lang="en-US" sz="1600" b="1" dirty="0" smtClean="0"/>
+              <a:t>functions</a:t>
+            </a:r>
+          </a:p>
+        </p:txBody>
+      </p:sp>
+      <p:sp>
+        <p:nvSpPr>
+          <p:cNvPr id="112" name="TextBox 111"/>
+          <p:cNvSpPr txBox="1"/>
+          <p:nvPr/>
+        </p:nvSpPr>
+        <p:spPr>
+          <a:xfrm>
+            <a:off x="1847070" y="3193231"/>
+            <a:ext cx="777677" cy="338554"/>
+          </a:xfrm>
+          <a:prstGeom prst="rect">
+            <a:avLst/>
+          </a:prstGeom>
+          <a:noFill/>
+        </p:spPr>
+        <p:txBody>
+          <a:bodyPr wrap="none" rtlCol="0">
+            <a:spAutoFit/>
+          </a:bodyPr>
+          <a:lstStyle/>
+          <a:p>
+            <a:pPr algn="ctr"/>
+            <a:r>
+              <a:rPr lang="en-US" sz="1600" b="1" dirty="0" smtClean="0"/>
+              <a:t>scope</a:t>
+            </a:r>
+          </a:p>
+        </p:txBody>
+      </p:sp>
+      <p:sp>
+        <p:nvSpPr>
+          <p:cNvPr id="115" name="TextBox 114"/>
+          <p:cNvSpPr txBox="1"/>
+          <p:nvPr/>
+        </p:nvSpPr>
+        <p:spPr>
+          <a:xfrm>
+            <a:off x="2051720" y="1628800"/>
+            <a:ext cx="1438715" cy="338554"/>
+          </a:xfrm>
+          <a:prstGeom prst="rect">
+            <a:avLst/>
+          </a:prstGeom>
+          <a:noFill/>
+        </p:spPr>
+        <p:txBody>
+          <a:bodyPr wrap="none" rtlCol="0">
+            <a:spAutoFit/>
+          </a:bodyPr>
+          <a:lstStyle/>
+          <a:p>
+            <a:pPr algn="ctr"/>
+            <a:r>
+              <a:rPr lang="en-US" sz="1600" b="1" dirty="0" smtClean="0"/>
+              <a:t>Environment</a:t>
+            </a:r>
+          </a:p>
+        </p:txBody>
+      </p:sp>
+      <p:sp>
+        <p:nvSpPr>
+          <p:cNvPr id="116" name="Rectangle 115"/>
+          <p:cNvSpPr/>
+          <p:nvPr/>
+        </p:nvSpPr>
+        <p:spPr>
+          <a:xfrm>
+            <a:off x="5364088" y="3501008"/>
+            <a:ext cx="3528392" cy="1512168"/>
+          </a:xfrm>
+          <a:prstGeom prst="rect">
+            <a:avLst/>
+          </a:prstGeom>
+          <a:solidFill>
+            <a:schemeClr val="bg1"/>
+          </a:solidFill>
+          <a:ln>
+            <a:noFill/>
+          </a:ln>
+          <a:effectLst/>
+        </p:spPr>
+        <p:style>
+          <a:lnRef idx="1">
+            <a:schemeClr val="accent1"/>
+          </a:lnRef>
+          <a:fillRef idx="3">
+            <a:schemeClr val="accent1"/>
+          </a:fillRef>
+          <a:effectRef idx="2">
+            <a:schemeClr val="accent1"/>
+          </a:effectRef>
+          <a:fontRef idx="minor">
+            <a:schemeClr val="lt1"/>
+          </a:fontRef>
+        </p:style>
+        <p:txBody>
+          <a:bodyPr rtlCol="0" anchor="ctr"/>
+          <a:lstStyle/>
+          <a:p>
+            <a:pPr algn="ctr"/>
+            <a:endParaRPr lang="en-US"/>
           </a:p>
         </p:txBody>
       </p:sp>
     </p:spTree>
     <p:extLst>
       <p:ext uri="{BB962C8B-B14F-4D97-AF65-F5344CB8AC3E}">
-        <p14:creationId xmlns:p14="http://schemas.microsoft.com/office/powerpoint/2010/main" val="2761406224"/>
+        <p14:creationId xmlns:p14="http://schemas.microsoft.com/office/powerpoint/2010/main" val="2617038298"/>
       </p:ext>
     </p:extLst>
   </p:cSld>
@@ -5274,13 +5704,13 @@
       </p:grpSpPr>
       <p:sp>
         <p:nvSpPr>
-          <p:cNvPr id="29" name="Rounded Rectangle 28"/>
+          <p:cNvPr id="95" name="Rounded Rectangle 94"/>
           <p:cNvSpPr/>
           <p:nvPr/>
         </p:nvSpPr>
         <p:spPr>
           <a:xfrm>
-            <a:off x="3275856" y="2008584"/>
+            <a:off x="3275856" y="2008585"/>
             <a:ext cx="3672408" cy="1924472"/>
           </a:xfrm>
           <a:prstGeom prst="roundRect">
@@ -5350,14 +5780,14 @@
       </p:sp>
       <p:sp>
         <p:nvSpPr>
-          <p:cNvPr id="65" name="TextBox 64"/>
+          <p:cNvPr id="4" name="TextBox 3"/>
           <p:cNvSpPr txBox="1"/>
           <p:nvPr/>
         </p:nvSpPr>
         <p:spPr>
           <a:xfrm>
-            <a:off x="3419872" y="1700808"/>
-            <a:ext cx="777677" cy="338554"/>
+            <a:off x="4572000" y="2008585"/>
+            <a:ext cx="1553330" cy="338554"/>
           </a:xfrm>
           <a:prstGeom prst="rect">
             <a:avLst/>
@@ -5372,55 +5802,29 @@
           <a:p>
             <a:pPr algn="ctr"/>
             <a:r>
+              <a:rPr lang="en-US" sz="1600" b="1" dirty="0" err="1" smtClean="0"/>
+              <a:t>params</a:t>
+            </a:r>
+            <a:r>
               <a:rPr lang="en-US" sz="1600" b="1" dirty="0" smtClean="0"/>
-              <a:t>scope</a:t>
-            </a:r>
-          </a:p>
-        </p:txBody>
-      </p:sp>
-      <p:sp>
-        <p:nvSpPr>
-          <p:cNvPr id="68" name="TextBox 67"/>
-          <p:cNvSpPr txBox="1"/>
-          <p:nvPr/>
-        </p:nvSpPr>
-        <p:spPr>
-          <a:xfrm>
-            <a:off x="4934255" y="2060848"/>
-            <a:ext cx="684803" cy="338554"/>
-          </a:xfrm>
-          <a:prstGeom prst="rect">
-            <a:avLst/>
-          </a:prstGeom>
-          <a:noFill/>
-        </p:spPr>
-        <p:txBody>
-          <a:bodyPr wrap="none" rtlCol="0">
-            <a:spAutoFit/>
-          </a:bodyPr>
-          <a:lstStyle/>
-          <a:p>
-            <a:pPr algn="ctr"/>
-            <a:r>
-              <a:rPr lang="en-US" sz="1600" b="1" dirty="0" smtClean="0"/>
-              <a:t>body</a:t>
+              <a:t>/locals</a:t>
             </a:r>
           </a:p>
         </p:txBody>
       </p:sp>
       <p:cxnSp>
         <p:nvCxnSpPr>
-          <p:cNvPr id="69" name="Straight Connector 68"/>
+          <p:cNvPr id="5" name="Straight Connector 4"/>
           <p:cNvCxnSpPr>
-            <a:stCxn id="68" idx="2"/>
-            <a:endCxn id="70" idx="0"/>
+            <a:stCxn id="4" idx="2"/>
+            <a:endCxn id="24" idx="0"/>
           </p:cNvCxnSpPr>
           <p:nvPr/>
         </p:nvCxnSpPr>
         <p:spPr>
           <a:xfrm flipH="1">
-            <a:off x="4410469" y="2399402"/>
-            <a:ext cx="866188" cy="453534"/>
+            <a:off x="4145318" y="2347139"/>
+            <a:ext cx="1203347" cy="453534"/>
           </a:xfrm>
           <a:prstGeom prst="line">
             <a:avLst/>
@@ -5449,14 +5853,14 @@
       </p:cxnSp>
       <p:sp>
         <p:nvSpPr>
-          <p:cNvPr id="70" name="TextBox 69"/>
+          <p:cNvPr id="24" name="TextBox 23"/>
           <p:cNvSpPr txBox="1"/>
           <p:nvPr/>
         </p:nvSpPr>
         <p:spPr>
           <a:xfrm>
-            <a:off x="3833528" y="2852936"/>
-            <a:ext cx="1153882" cy="338554"/>
+            <a:off x="3790643" y="2800673"/>
+            <a:ext cx="709349" cy="338554"/>
           </a:xfrm>
           <a:prstGeom prst="rect">
             <a:avLst/>
@@ -5471,22 +5875,23 @@
           <a:p>
             <a:pPr algn="ctr"/>
             <a:r>
-              <a:rPr lang="en-US" sz="1600" b="1" dirty="0" smtClean="0"/>
-              <a:t>statement</a:t>
-            </a:r>
-          </a:p>
-        </p:txBody>
-      </p:sp>
-      <p:sp>
-        <p:nvSpPr>
-          <p:cNvPr id="71" name="TextBox 70"/>
+              <a:rPr lang="en-US" sz="1600" b="1" dirty="0" err="1" smtClean="0"/>
+              <a:t>vdecl</a:t>
+            </a:r>
+            <a:endParaRPr lang="en-US" sz="1600" b="1" dirty="0" smtClean="0"/>
+          </a:p>
+        </p:txBody>
+      </p:sp>
+      <p:sp>
+        <p:nvSpPr>
+          <p:cNvPr id="86" name="TextBox 85"/>
           <p:cNvSpPr txBox="1"/>
           <p:nvPr/>
         </p:nvSpPr>
         <p:spPr>
           <a:xfrm>
-            <a:off x="5580112" y="2852936"/>
-            <a:ext cx="1153882" cy="338554"/>
+            <a:off x="6126706" y="2800673"/>
+            <a:ext cx="709349" cy="338554"/>
           </a:xfrm>
           <a:prstGeom prst="rect">
             <a:avLst/>
@@ -5501,25 +5906,26 @@
           <a:p>
             <a:pPr algn="ctr"/>
             <a:r>
-              <a:rPr lang="en-US" sz="1600" b="1" dirty="0" smtClean="0"/>
-              <a:t>statement</a:t>
-            </a:r>
+              <a:rPr lang="en-US" sz="1600" b="1" dirty="0" err="1" smtClean="0"/>
+              <a:t>vdecl</a:t>
+            </a:r>
+            <a:endParaRPr lang="en-US" sz="1600" b="1" dirty="0" smtClean="0"/>
           </a:p>
         </p:txBody>
       </p:sp>
       <p:cxnSp>
         <p:nvCxnSpPr>
-          <p:cNvPr id="72" name="Straight Connector 71"/>
+          <p:cNvPr id="87" name="Straight Connector 86"/>
           <p:cNvCxnSpPr>
-            <a:stCxn id="68" idx="2"/>
-            <a:endCxn id="71" idx="0"/>
+            <a:stCxn id="4" idx="2"/>
+            <a:endCxn id="86" idx="0"/>
           </p:cNvCxnSpPr>
           <p:nvPr/>
         </p:nvCxnSpPr>
         <p:spPr>
           <a:xfrm>
-            <a:off x="5276657" y="2399402"/>
-            <a:ext cx="880396" cy="453534"/>
+            <a:off x="5348665" y="2347139"/>
+            <a:ext cx="1132716" cy="453534"/>
           </a:xfrm>
           <a:prstGeom prst="line">
             <a:avLst/>
@@ -5546,19 +5952,49 @@
           </a:fontRef>
         </p:style>
       </p:cxnSp>
+      <p:sp>
+        <p:nvSpPr>
+          <p:cNvPr id="111" name="TextBox 110"/>
+          <p:cNvSpPr txBox="1"/>
+          <p:nvPr/>
+        </p:nvSpPr>
+        <p:spPr>
+          <a:xfrm>
+            <a:off x="3434283" y="1700808"/>
+            <a:ext cx="777677" cy="338554"/>
+          </a:xfrm>
+          <a:prstGeom prst="rect">
+            <a:avLst/>
+          </a:prstGeom>
+          <a:noFill/>
+        </p:spPr>
+        <p:txBody>
+          <a:bodyPr wrap="none" rtlCol="0">
+            <a:spAutoFit/>
+          </a:bodyPr>
+          <a:lstStyle/>
+          <a:p>
+            <a:pPr algn="ctr"/>
+            <a:r>
+              <a:rPr lang="en-US" sz="1600" b="1" dirty="0" smtClean="0"/>
+              <a:t>scope</a:t>
+            </a:r>
+          </a:p>
+        </p:txBody>
+      </p:sp>
       <p:cxnSp>
         <p:nvCxnSpPr>
-          <p:cNvPr id="73" name="Straight Connector 72"/>
+          <p:cNvPr id="51" name="Straight Connector 50"/>
           <p:cNvCxnSpPr>
-            <a:stCxn id="70" idx="2"/>
-            <a:endCxn id="74" idx="0"/>
+            <a:stCxn id="24" idx="2"/>
+            <a:endCxn id="55" idx="0"/>
           </p:cNvCxnSpPr>
           <p:nvPr/>
         </p:nvCxnSpPr>
         <p:spPr>
           <a:xfrm flipH="1">
-            <a:off x="3916294" y="3191490"/>
-            <a:ext cx="494175" cy="217765"/>
+            <a:off x="3651142" y="3139227"/>
+            <a:ext cx="494176" cy="217765"/>
           </a:xfrm>
           <a:prstGeom prst="line">
             <a:avLst/>
@@ -5587,14 +6023,14 @@
       </p:cxnSp>
       <p:sp>
         <p:nvSpPr>
-          <p:cNvPr id="74" name="TextBox 73"/>
+          <p:cNvPr id="55" name="TextBox 54"/>
           <p:cNvSpPr txBox="1"/>
           <p:nvPr/>
         </p:nvSpPr>
         <p:spPr>
           <a:xfrm>
-            <a:off x="3584412" y="3409255"/>
-            <a:ext cx="663763" cy="338554"/>
+            <a:off x="3290807" y="3356992"/>
+            <a:ext cx="720670" cy="338554"/>
           </a:xfrm>
           <a:prstGeom prst="rect">
             <a:avLst/>
@@ -5609,26 +6045,22 @@
           <a:p>
             <a:pPr algn="ctr"/>
             <a:r>
-              <a:rPr lang="en-US" sz="1600" b="1" dirty="0" err="1" smtClean="0"/>
-              <a:t>expr</a:t>
-            </a:r>
-            <a:r>
               <a:rPr lang="en-US" sz="1600" b="1" dirty="0" smtClean="0"/>
-              <a:t>.</a:t>
-            </a:r>
-          </a:p>
-        </p:txBody>
-      </p:sp>
-      <p:sp>
-        <p:nvSpPr>
-          <p:cNvPr id="75" name="TextBox 74"/>
+              <a:t>name</a:t>
+            </a:r>
+          </a:p>
+        </p:txBody>
+      </p:sp>
+      <p:sp>
+        <p:nvSpPr>
+          <p:cNvPr id="56" name="TextBox 55"/>
           <p:cNvSpPr txBox="1"/>
           <p:nvPr/>
         </p:nvSpPr>
         <p:spPr>
           <a:xfrm>
-            <a:off x="4160476" y="3409255"/>
-            <a:ext cx="663763" cy="338554"/>
+            <a:off x="3923928" y="3356992"/>
+            <a:ext cx="606556" cy="338554"/>
           </a:xfrm>
           <a:prstGeom prst="rect">
             <a:avLst/>
@@ -5643,26 +6075,22 @@
           <a:p>
             <a:pPr algn="ctr"/>
             <a:r>
-              <a:rPr lang="en-US" sz="1600" b="1" dirty="0" err="1" smtClean="0"/>
-              <a:t>expr</a:t>
-            </a:r>
-            <a:r>
               <a:rPr lang="en-US" sz="1600" b="1" dirty="0" smtClean="0"/>
-              <a:t>.</a:t>
-            </a:r>
-          </a:p>
-        </p:txBody>
-      </p:sp>
-      <p:sp>
-        <p:nvSpPr>
-          <p:cNvPr id="76" name="TextBox 75"/>
+              <a:t>type</a:t>
+            </a:r>
+          </a:p>
+        </p:txBody>
+      </p:sp>
+      <p:sp>
+        <p:nvSpPr>
+          <p:cNvPr id="57" name="TextBox 56"/>
           <p:cNvSpPr txBox="1"/>
           <p:nvPr/>
         </p:nvSpPr>
         <p:spPr>
           <a:xfrm>
-            <a:off x="4848221" y="3409255"/>
-            <a:ext cx="663763" cy="338554"/>
+            <a:off x="4514942" y="3356992"/>
+            <a:ext cx="800019" cy="338554"/>
           </a:xfrm>
           <a:prstGeom prst="rect">
             <a:avLst/>
@@ -5678,27 +6106,24 @@
             <a:pPr algn="ctr"/>
             <a:r>
               <a:rPr lang="en-US" sz="1600" b="1" dirty="0" err="1" smtClean="0"/>
-              <a:t>expr</a:t>
-            </a:r>
-            <a:r>
-              <a:rPr lang="en-US" sz="1600" b="1" dirty="0" smtClean="0"/>
-              <a:t>.</a:t>
-            </a:r>
+              <a:t>builtin</a:t>
+            </a:r>
+            <a:endParaRPr lang="en-US" sz="1600" b="1" dirty="0" smtClean="0"/>
           </a:p>
         </p:txBody>
       </p:sp>
       <p:cxnSp>
         <p:nvCxnSpPr>
-          <p:cNvPr id="77" name="Straight Connector 76"/>
+          <p:cNvPr id="59" name="Straight Connector 58"/>
           <p:cNvCxnSpPr>
-            <a:stCxn id="70" idx="2"/>
-            <a:endCxn id="76" idx="0"/>
+            <a:stCxn id="24" idx="2"/>
+            <a:endCxn id="57" idx="0"/>
           </p:cNvCxnSpPr>
           <p:nvPr/>
         </p:nvCxnSpPr>
         <p:spPr>
           <a:xfrm>
-            <a:off x="4410469" y="3191490"/>
+            <a:off x="4145318" y="3139227"/>
             <a:ext cx="769634" cy="217765"/>
           </a:xfrm>
           <a:prstGeom prst="line">
@@ -5728,16 +6153,16 @@
       </p:cxnSp>
       <p:cxnSp>
         <p:nvCxnSpPr>
-          <p:cNvPr id="78" name="Straight Connector 77"/>
+          <p:cNvPr id="60" name="Straight Connector 59"/>
           <p:cNvCxnSpPr>
-            <a:endCxn id="75" idx="0"/>
+            <a:endCxn id="56" idx="0"/>
           </p:cNvCxnSpPr>
           <p:nvPr/>
         </p:nvCxnSpPr>
         <p:spPr>
           <a:xfrm>
-            <a:off x="4405103" y="3212976"/>
-            <a:ext cx="87255" cy="196279"/>
+            <a:off x="4139952" y="3140968"/>
+            <a:ext cx="87254" cy="216024"/>
           </a:xfrm>
           <a:prstGeom prst="line">
             <a:avLst/>
@@ -5766,7 +6191,7 @@
       </p:cxnSp>
       <p:sp>
         <p:nvSpPr>
-          <p:cNvPr id="30" name="Content Placeholder 4"/>
+          <p:cNvPr id="81" name="Content Placeholder 4"/>
           <p:cNvSpPr>
             <a:spLocks noGrp="1"/>
           </p:cNvSpPr>
@@ -5797,7 +6222,7 @@
     </p:spTree>
     <p:extLst>
       <p:ext uri="{BB962C8B-B14F-4D97-AF65-F5344CB8AC3E}">
-        <p14:creationId xmlns:p14="http://schemas.microsoft.com/office/powerpoint/2010/main" val="2864211720"/>
+        <p14:creationId xmlns:p14="http://schemas.microsoft.com/office/powerpoint/2010/main" val="2761406224"/>
       </p:ext>
     </p:extLst>
   </p:cSld>
@@ -5826,6 +6251,53 @@
       </p:grpSpPr>
       <p:sp>
         <p:nvSpPr>
+          <p:cNvPr id="29" name="Rounded Rectangle 28"/>
+          <p:cNvSpPr/>
+          <p:nvPr/>
+        </p:nvSpPr>
+        <p:spPr>
+          <a:xfrm>
+            <a:off x="3275856" y="2008584"/>
+            <a:ext cx="3672408" cy="1924472"/>
+          </a:xfrm>
+          <a:prstGeom prst="roundRect">
+            <a:avLst/>
+          </a:prstGeom>
+          <a:solidFill>
+            <a:srgbClr val="EF978F">
+              <a:alpha val="80000"/>
+            </a:srgbClr>
+          </a:solidFill>
+          <a:ln>
+            <a:noFill/>
+          </a:ln>
+          <a:effectLst/>
+        </p:spPr>
+        <p:style>
+          <a:lnRef idx="1">
+            <a:schemeClr val="accent1"/>
+          </a:lnRef>
+          <a:fillRef idx="3">
+            <a:schemeClr val="accent1"/>
+          </a:fillRef>
+          <a:effectRef idx="2">
+            <a:schemeClr val="accent1"/>
+          </a:effectRef>
+          <a:fontRef idx="minor">
+            <a:schemeClr val="lt1"/>
+          </a:fontRef>
+        </p:style>
+        <p:txBody>
+          <a:bodyPr rtlCol="0" anchor="ctr"/>
+          <a:lstStyle/>
+          <a:p>
+            <a:pPr algn="ctr"/>
+            <a:endParaRPr lang="en-US"/>
+          </a:p>
+        </p:txBody>
+      </p:sp>
+      <p:sp>
+        <p:nvSpPr>
           <p:cNvPr id="2" name="Title 1"/>
           <p:cNvSpPr>
             <a:spLocks noGrp="1"/>
@@ -5855,220 +6327,183 @@
       </p:sp>
       <p:sp>
         <p:nvSpPr>
-          <p:cNvPr id="54" name="Content Placeholder 4"/>
-          <p:cNvSpPr>
-            <a:spLocks noGrp="1"/>
-          </p:cNvSpPr>
-          <p:nvPr>
-            <p:ph idx="1"/>
-          </p:nvPr>
-        </p:nvSpPr>
-        <p:spPr>
-          <a:xfrm>
-            <a:off x="1526976" y="1124744"/>
-            <a:ext cx="3765104" cy="4525963"/>
-          </a:xfrm>
-        </p:spPr>
-        <p:txBody>
-          <a:bodyPr/>
+          <p:cNvPr id="65" name="TextBox 64"/>
+          <p:cNvSpPr txBox="1"/>
+          <p:nvPr/>
+        </p:nvSpPr>
+        <p:spPr>
+          <a:xfrm>
+            <a:off x="3419872" y="1700808"/>
+            <a:ext cx="777677" cy="338554"/>
+          </a:xfrm>
+          <a:prstGeom prst="rect">
+            <a:avLst/>
+          </a:prstGeom>
+          <a:noFill/>
+        </p:spPr>
+        <p:txBody>
+          <a:bodyPr wrap="none" rtlCol="0">
+            <a:spAutoFit/>
+          </a:bodyPr>
           <a:lstStyle/>
           <a:p>
-            <a:pPr marL="0" indent="0">
-              <a:buNone/>
-            </a:pPr>
-            <a:r>
-              <a:rPr lang="en-US" sz="2200" b="1" dirty="0" smtClean="0"/>
-              <a:t>Details</a:t>
-            </a:r>
-          </a:p>
-          <a:p>
-            <a:pPr marL="0" indent="0">
-              <a:spcBef>
-                <a:spcPts val="0"/>
-              </a:spcBef>
-              <a:buNone/>
-            </a:pPr>
-            <a:endParaRPr lang="en-US" sz="2200" b="1" dirty="0" smtClean="0"/>
-          </a:p>
-          <a:p>
-            <a:pPr marL="0" indent="0">
-              <a:spcBef>
-                <a:spcPts val="0"/>
-              </a:spcBef>
-              <a:buNone/>
-            </a:pPr>
-            <a:endParaRPr lang="en-US" sz="2200" b="1" dirty="0" smtClean="0"/>
-          </a:p>
-          <a:p>
-            <a:pPr marL="0" indent="0">
-              <a:spcBef>
-                <a:spcPts val="0"/>
-              </a:spcBef>
-              <a:buNone/>
-            </a:pPr>
-            <a:endParaRPr lang="en-US" sz="2200" b="1" dirty="0"/>
-          </a:p>
-          <a:p>
-            <a:pPr marL="0" indent="0">
-              <a:buNone/>
-            </a:pPr>
-            <a:r>
-              <a:rPr lang="en-US" sz="1600" b="1" dirty="0" err="1" smtClean="0"/>
-              <a:t>def</a:t>
-            </a:r>
+            <a:pPr algn="ctr"/>
             <a:r>
               <a:rPr lang="en-US" sz="1600" b="1" dirty="0" smtClean="0"/>
-              <a:t> x2(</a:t>
-            </a:r>
-            <a:r>
-              <a:rPr lang="en-US" sz="1600" b="1" dirty="0" err="1" smtClean="0"/>
-              <a:t>int</a:t>
-            </a:r>
+              <a:t>scope</a:t>
+            </a:r>
+          </a:p>
+        </p:txBody>
+      </p:sp>
+      <p:sp>
+        <p:nvSpPr>
+          <p:cNvPr id="68" name="TextBox 67"/>
+          <p:cNvSpPr txBox="1"/>
+          <p:nvPr/>
+        </p:nvSpPr>
+        <p:spPr>
+          <a:xfrm>
+            <a:off x="4934255" y="2060848"/>
+            <a:ext cx="684803" cy="338554"/>
+          </a:xfrm>
+          <a:prstGeom prst="rect">
+            <a:avLst/>
+          </a:prstGeom>
+          <a:noFill/>
+        </p:spPr>
+        <p:txBody>
+          <a:bodyPr wrap="none" rtlCol="0">
+            <a:spAutoFit/>
+          </a:bodyPr>
+          <a:lstStyle/>
+          <a:p>
+            <a:pPr algn="ctr"/>
             <a:r>
               <a:rPr lang="en-US" sz="1600" b="1" dirty="0" smtClean="0"/>
-              <a:t> a) </a:t>
-            </a:r>
-            <a:r>
-              <a:rPr lang="en-US" sz="1600" b="1" dirty="0"/>
-              <a:t>: comp  </a:t>
-            </a:r>
-            <a:r>
-              <a:rPr lang="en-US" sz="1600" b="1" dirty="0" smtClean="0"/>
-              <a:t>result {</a:t>
-            </a:r>
-            <a:endParaRPr lang="en-US" sz="1600" b="1" dirty="0"/>
-          </a:p>
-          <a:p>
-            <a:pPr marL="0" indent="0">
-              <a:buNone/>
-            </a:pPr>
-            <a:r>
-              <a:rPr lang="en-US" sz="1600" b="1" dirty="0" smtClean="0"/>
-              <a:t>    result = a * 2;</a:t>
-            </a:r>
-            <a:endParaRPr lang="en-US" sz="1600" b="1" dirty="0"/>
-          </a:p>
-          <a:p>
-            <a:pPr marL="0" indent="0">
-              <a:buNone/>
-            </a:pPr>
-            <a:r>
-              <a:rPr lang="en-US" sz="1600" b="1" dirty="0"/>
-              <a:t>}</a:t>
-            </a:r>
-          </a:p>
-          <a:p>
-            <a:pPr marL="0" indent="0">
-              <a:buNone/>
-            </a:pPr>
-            <a:endParaRPr lang="en-US" sz="2200" b="1" dirty="0" smtClean="0"/>
-          </a:p>
-          <a:p>
-            <a:pPr marL="0" indent="0">
-              <a:buNone/>
-            </a:pPr>
-            <a:r>
-              <a:rPr lang="en-US" sz="1600" b="1" dirty="0" err="1" smtClean="0"/>
-              <a:t>def</a:t>
-            </a:r>
-            <a:r>
-              <a:rPr lang="en-US" sz="1600" b="1" dirty="0" smtClean="0"/>
-              <a:t> </a:t>
-            </a:r>
-            <a:r>
-              <a:rPr lang="en-US" sz="1600" b="1" dirty="0"/>
-              <a:t>compute() : comp  </a:t>
-            </a:r>
-            <a:r>
-              <a:rPr lang="en-US" sz="1600" b="1" dirty="0" err="1" smtClean="0"/>
-              <a:t>final_result</a:t>
-            </a:r>
-            <a:r>
-              <a:rPr lang="en-US" sz="1600" b="1" dirty="0" smtClean="0"/>
-              <a:t> {</a:t>
-            </a:r>
-          </a:p>
-          <a:p>
-            <a:pPr marL="0" indent="0">
-              <a:buNone/>
-            </a:pPr>
-            <a:r>
-              <a:rPr lang="en-US" sz="1600" b="1" dirty="0" smtClean="0"/>
-              <a:t>    </a:t>
-            </a:r>
-            <a:r>
-              <a:rPr lang="en-US" sz="1600" b="1" dirty="0" err="1" smtClean="0"/>
-              <a:t>int</a:t>
-            </a:r>
-            <a:r>
-              <a:rPr lang="en-US" sz="1600" b="1" dirty="0" smtClean="0"/>
-              <a:t> a;</a:t>
-            </a:r>
-          </a:p>
-          <a:p>
-            <a:pPr marL="0" indent="0">
-              <a:buNone/>
-            </a:pPr>
-            <a:r>
-              <a:rPr lang="en-US" sz="1600" b="1" dirty="0"/>
-              <a:t> </a:t>
-            </a:r>
-            <a:r>
-              <a:rPr lang="en-US" sz="1600" b="1" dirty="0" smtClean="0"/>
-              <a:t>   a = 3;	</a:t>
-            </a:r>
-          </a:p>
-          <a:p>
-            <a:pPr marL="0" indent="0">
-              <a:buNone/>
-            </a:pPr>
-            <a:r>
-              <a:rPr lang="en-US" sz="1600" b="1" dirty="0" smtClean="0"/>
-              <a:t>    </a:t>
-            </a:r>
-            <a:r>
-              <a:rPr lang="en-US" sz="1600" b="1" dirty="0" err="1" smtClean="0"/>
-              <a:t>final_result</a:t>
-            </a:r>
-            <a:r>
-              <a:rPr lang="en-US" sz="1600" b="1" dirty="0" smtClean="0"/>
-              <a:t> = x2(a);</a:t>
-            </a:r>
-            <a:endParaRPr lang="en-US" sz="1600" b="1" dirty="0"/>
-          </a:p>
-          <a:p>
-            <a:pPr marL="0" indent="0">
-              <a:buNone/>
-            </a:pPr>
-            <a:r>
-              <a:rPr lang="en-US" sz="1600" b="1" dirty="0" smtClean="0"/>
-              <a:t>}</a:t>
-            </a:r>
-          </a:p>
-          <a:p>
-            <a:endParaRPr lang="en-US" sz="2200" b="1" dirty="0" smtClean="0"/>
+              <a:t>body</a:t>
+            </a:r>
           </a:p>
         </p:txBody>
       </p:sp>
       <p:cxnSp>
         <p:nvCxnSpPr>
-          <p:cNvPr id="4" name="Straight Connector 3"/>
+          <p:cNvPr id="69" name="Straight Connector 68"/>
           <p:cNvCxnSpPr>
-            <a:stCxn id="11" idx="2"/>
+            <a:stCxn id="68" idx="2"/>
+            <a:endCxn id="70" idx="0"/>
           </p:cNvCxnSpPr>
           <p:nvPr/>
         </p:nvCxnSpPr>
         <p:spPr>
-          <a:xfrm>
-            <a:off x="1871700" y="2213576"/>
-            <a:ext cx="180020" cy="279320"/>
+          <a:xfrm flipH="1">
+            <a:off x="4410469" y="2399402"/>
+            <a:ext cx="866188" cy="453534"/>
           </a:xfrm>
           <a:prstGeom prst="line">
             <a:avLst/>
           </a:prstGeom>
           <a:ln>
             <a:solidFill>
-              <a:srgbClr val="FF0000"/>
+              <a:schemeClr val="tx1"/>
+            </a:solidFill>
+            <a:tailEnd type="triangle" w="lg" len="med"/>
+          </a:ln>
+        </p:spPr>
+        <p:style>
+          <a:lnRef idx="2">
+            <a:schemeClr val="accent1"/>
+          </a:lnRef>
+          <a:fillRef idx="0">
+            <a:schemeClr val="accent1"/>
+          </a:fillRef>
+          <a:effectRef idx="1">
+            <a:schemeClr val="accent1"/>
+          </a:effectRef>
+          <a:fontRef idx="minor">
+            <a:schemeClr val="tx1"/>
+          </a:fontRef>
+        </p:style>
+      </p:cxnSp>
+      <p:sp>
+        <p:nvSpPr>
+          <p:cNvPr id="70" name="TextBox 69"/>
+          <p:cNvSpPr txBox="1"/>
+          <p:nvPr/>
+        </p:nvSpPr>
+        <p:spPr>
+          <a:xfrm>
+            <a:off x="3833528" y="2852936"/>
+            <a:ext cx="1153882" cy="338554"/>
+          </a:xfrm>
+          <a:prstGeom prst="rect">
+            <a:avLst/>
+          </a:prstGeom>
+          <a:noFill/>
+        </p:spPr>
+        <p:txBody>
+          <a:bodyPr wrap="none" rtlCol="0">
+            <a:spAutoFit/>
+          </a:bodyPr>
+          <a:lstStyle/>
+          <a:p>
+            <a:pPr algn="ctr"/>
+            <a:r>
+              <a:rPr lang="en-US" sz="1600" b="1" dirty="0" smtClean="0"/>
+              <a:t>statement</a:t>
+            </a:r>
+          </a:p>
+        </p:txBody>
+      </p:sp>
+      <p:sp>
+        <p:nvSpPr>
+          <p:cNvPr id="71" name="TextBox 70"/>
+          <p:cNvSpPr txBox="1"/>
+          <p:nvPr/>
+        </p:nvSpPr>
+        <p:spPr>
+          <a:xfrm>
+            <a:off x="5580112" y="2852936"/>
+            <a:ext cx="1153882" cy="338554"/>
+          </a:xfrm>
+          <a:prstGeom prst="rect">
+            <a:avLst/>
+          </a:prstGeom>
+          <a:noFill/>
+        </p:spPr>
+        <p:txBody>
+          <a:bodyPr wrap="none" rtlCol="0">
+            <a:spAutoFit/>
+          </a:bodyPr>
+          <a:lstStyle/>
+          <a:p>
+            <a:pPr algn="ctr"/>
+            <a:r>
+              <a:rPr lang="en-US" sz="1600" b="1" dirty="0" smtClean="0"/>
+              <a:t>statement</a:t>
+            </a:r>
+          </a:p>
+        </p:txBody>
+      </p:sp>
+      <p:cxnSp>
+        <p:nvCxnSpPr>
+          <p:cNvPr id="72" name="Straight Connector 71"/>
+          <p:cNvCxnSpPr>
+            <a:stCxn id="68" idx="2"/>
+            <a:endCxn id="71" idx="0"/>
+          </p:cNvCxnSpPr>
+          <p:nvPr/>
+        </p:nvCxnSpPr>
+        <p:spPr>
+          <a:xfrm>
+            <a:off x="5276657" y="2399402"/>
+            <a:ext cx="880396" cy="453534"/>
+          </a:xfrm>
+          <a:prstGeom prst="line">
+            <a:avLst/>
+          </a:prstGeom>
+          <a:ln>
+            <a:solidFill>
+              <a:schemeClr val="tx1"/>
             </a:solidFill>
             <a:tailEnd type="triangle" w="lg" len="med"/>
           </a:ln>
@@ -6090,21 +6525,24 @@
       </p:cxnSp>
       <p:cxnSp>
         <p:nvCxnSpPr>
-          <p:cNvPr id="10" name="Straight Connector 9"/>
-          <p:cNvCxnSpPr/>
+          <p:cNvPr id="73" name="Straight Connector 72"/>
+          <p:cNvCxnSpPr>
+            <a:stCxn id="70" idx="2"/>
+            <a:endCxn id="74" idx="0"/>
+          </p:cNvCxnSpPr>
           <p:nvPr/>
         </p:nvCxnSpPr>
         <p:spPr>
           <a:xfrm flipH="1">
-            <a:off x="2555776" y="2204864"/>
-            <a:ext cx="216023" cy="288032"/>
+            <a:off x="3916294" y="3191490"/>
+            <a:ext cx="494175" cy="217765"/>
           </a:xfrm>
           <a:prstGeom prst="line">
             <a:avLst/>
           </a:prstGeom>
           <a:ln>
             <a:solidFill>
-              <a:srgbClr val="FF0000"/>
+              <a:schemeClr val="tx1"/>
             </a:solidFill>
             <a:tailEnd type="triangle" w="lg" len="med"/>
           </a:ln>
@@ -6126,14 +6564,14 @@
       </p:cxnSp>
       <p:sp>
         <p:nvSpPr>
-          <p:cNvPr id="11" name="TextBox 10"/>
+          <p:cNvPr id="74" name="TextBox 73"/>
           <p:cNvSpPr txBox="1"/>
           <p:nvPr/>
         </p:nvSpPr>
         <p:spPr>
           <a:xfrm>
-            <a:off x="1331640" y="1628800"/>
-            <a:ext cx="1080120" cy="584776"/>
+            <a:off x="3584412" y="3409255"/>
+            <a:ext cx="663763" cy="338554"/>
           </a:xfrm>
           <a:prstGeom prst="rect">
             <a:avLst/>
@@ -6141,38 +6579,33 @@
           <a:noFill/>
         </p:spPr>
         <p:txBody>
-          <a:bodyPr wrap="square" rtlCol="0">
+          <a:bodyPr wrap="none" rtlCol="0">
             <a:spAutoFit/>
           </a:bodyPr>
           <a:lstStyle/>
           <a:p>
             <a:pPr algn="ctr"/>
             <a:r>
-              <a:rPr lang="en-US" sz="1600" b="1" dirty="0" smtClean="0">
-                <a:solidFill>
-                  <a:srgbClr val="FF0000"/>
-                </a:solidFill>
-              </a:rPr>
-              <a:t>function name</a:t>
-            </a:r>
-            <a:endParaRPr lang="en-US" sz="1600" b="1" dirty="0">
-              <a:solidFill>
-                <a:srgbClr val="FF0000"/>
-              </a:solidFill>
-            </a:endParaRPr>
-          </a:p>
-        </p:txBody>
-      </p:sp>
-      <p:sp>
-        <p:nvSpPr>
-          <p:cNvPr id="15" name="TextBox 14"/>
+              <a:rPr lang="en-US" sz="1600" b="1" dirty="0" err="1" smtClean="0"/>
+              <a:t>expr</a:t>
+            </a:r>
+            <a:r>
+              <a:rPr lang="en-US" sz="1600" b="1" dirty="0" smtClean="0"/>
+              <a:t>.</a:t>
+            </a:r>
+          </a:p>
+        </p:txBody>
+      </p:sp>
+      <p:sp>
+        <p:nvSpPr>
+          <p:cNvPr id="75" name="TextBox 74"/>
           <p:cNvSpPr txBox="1"/>
           <p:nvPr/>
         </p:nvSpPr>
         <p:spPr>
           <a:xfrm>
-            <a:off x="2267744" y="1620088"/>
-            <a:ext cx="1080120" cy="584776"/>
+            <a:off x="4160476" y="3409255"/>
+            <a:ext cx="663763" cy="338554"/>
           </a:xfrm>
           <a:prstGeom prst="rect">
             <a:avLst/>
@@ -6180,53 +6613,77 @@
           <a:noFill/>
         </p:spPr>
         <p:txBody>
-          <a:bodyPr wrap="square" rtlCol="0">
+          <a:bodyPr wrap="none" rtlCol="0">
             <a:spAutoFit/>
           </a:bodyPr>
           <a:lstStyle/>
           <a:p>
             <a:pPr algn="ctr"/>
             <a:r>
-              <a:rPr lang="en-US" sz="1600" b="1" dirty="0" smtClean="0">
-                <a:solidFill>
-                  <a:srgbClr val="FF0000"/>
-                </a:solidFill>
-              </a:rPr>
-              <a:t>formal </a:t>
-            </a:r>
-            <a:r>
-              <a:rPr lang="en-US" sz="1600" b="1" dirty="0" err="1" smtClean="0">
-                <a:solidFill>
-                  <a:srgbClr val="FF0000"/>
-                </a:solidFill>
-              </a:rPr>
-              <a:t>params</a:t>
-            </a:r>
-            <a:endParaRPr lang="en-US" sz="1600" b="1" dirty="0">
-              <a:solidFill>
-                <a:srgbClr val="FF0000"/>
-              </a:solidFill>
-            </a:endParaRPr>
+              <a:rPr lang="en-US" sz="1600" b="1" dirty="0" err="1" smtClean="0"/>
+              <a:t>expr</a:t>
+            </a:r>
+            <a:r>
+              <a:rPr lang="en-US" sz="1600" b="1" dirty="0" smtClean="0"/>
+              <a:t>.</a:t>
+            </a:r>
+          </a:p>
+        </p:txBody>
+      </p:sp>
+      <p:sp>
+        <p:nvSpPr>
+          <p:cNvPr id="76" name="TextBox 75"/>
+          <p:cNvSpPr txBox="1"/>
+          <p:nvPr/>
+        </p:nvSpPr>
+        <p:spPr>
+          <a:xfrm>
+            <a:off x="4848221" y="3409255"/>
+            <a:ext cx="663763" cy="338554"/>
+          </a:xfrm>
+          <a:prstGeom prst="rect">
+            <a:avLst/>
+          </a:prstGeom>
+          <a:noFill/>
+        </p:spPr>
+        <p:txBody>
+          <a:bodyPr wrap="none" rtlCol="0">
+            <a:spAutoFit/>
+          </a:bodyPr>
+          <a:lstStyle/>
+          <a:p>
+            <a:pPr algn="ctr"/>
+            <a:r>
+              <a:rPr lang="en-US" sz="1600" b="1" dirty="0" err="1" smtClean="0"/>
+              <a:t>expr</a:t>
+            </a:r>
+            <a:r>
+              <a:rPr lang="en-US" sz="1600" b="1" dirty="0" smtClean="0"/>
+              <a:t>.</a:t>
+            </a:r>
           </a:p>
         </p:txBody>
       </p:sp>
       <p:cxnSp>
         <p:nvCxnSpPr>
-          <p:cNvPr id="16" name="Straight Connector 15"/>
-          <p:cNvCxnSpPr/>
+          <p:cNvPr id="77" name="Straight Connector 76"/>
+          <p:cNvCxnSpPr>
+            <a:stCxn id="70" idx="2"/>
+            <a:endCxn id="76" idx="0"/>
+          </p:cNvCxnSpPr>
           <p:nvPr/>
         </p:nvCxnSpPr>
         <p:spPr>
-          <a:xfrm flipH="1">
-            <a:off x="3275856" y="2276872"/>
-            <a:ext cx="216023" cy="288032"/>
+          <a:xfrm>
+            <a:off x="4410469" y="3191490"/>
+            <a:ext cx="769634" cy="217765"/>
           </a:xfrm>
           <a:prstGeom prst="line">
             <a:avLst/>
           </a:prstGeom>
           <a:ln>
             <a:solidFill>
-              <a:srgbClr val="FF0000"/>
+              <a:schemeClr val="tx1"/>
             </a:solidFill>
             <a:tailEnd type="triangle" w="lg" len="med"/>
           </a:ln>
@@ -6246,62 +6703,25 @@
           </a:fontRef>
         </p:style>
       </p:cxnSp>
-      <p:sp>
-        <p:nvSpPr>
-          <p:cNvPr id="17" name="TextBox 16"/>
-          <p:cNvSpPr txBox="1"/>
-          <p:nvPr/>
-        </p:nvSpPr>
-        <p:spPr>
-          <a:xfrm>
-            <a:off x="3131840" y="1700808"/>
-            <a:ext cx="1080120" cy="584776"/>
-          </a:xfrm>
-          <a:prstGeom prst="rect">
-            <a:avLst/>
-          </a:prstGeom>
-          <a:noFill/>
-        </p:spPr>
-        <p:txBody>
-          <a:bodyPr wrap="square" rtlCol="0">
-            <a:spAutoFit/>
-          </a:bodyPr>
-          <a:lstStyle/>
-          <a:p>
-            <a:pPr algn="ctr"/>
-            <a:r>
-              <a:rPr lang="en-US" sz="1600" b="1" dirty="0" smtClean="0">
-                <a:solidFill>
-                  <a:srgbClr val="FF0000"/>
-                </a:solidFill>
-              </a:rPr>
-              <a:t>return type</a:t>
-            </a:r>
-            <a:endParaRPr lang="en-US" sz="1600" b="1" dirty="0">
-              <a:solidFill>
-                <a:srgbClr val="FF0000"/>
-              </a:solidFill>
-            </a:endParaRPr>
-          </a:p>
-        </p:txBody>
-      </p:sp>
       <p:cxnSp>
         <p:nvCxnSpPr>
-          <p:cNvPr id="18" name="Straight Connector 17"/>
-          <p:cNvCxnSpPr/>
+          <p:cNvPr id="78" name="Straight Connector 77"/>
+          <p:cNvCxnSpPr>
+            <a:endCxn id="75" idx="0"/>
+          </p:cNvCxnSpPr>
           <p:nvPr/>
         </p:nvCxnSpPr>
         <p:spPr>
-          <a:xfrm flipH="1">
-            <a:off x="3995936" y="2276872"/>
-            <a:ext cx="216023" cy="288032"/>
+          <a:xfrm>
+            <a:off x="4405103" y="3212976"/>
+            <a:ext cx="87255" cy="196279"/>
           </a:xfrm>
           <a:prstGeom prst="line">
             <a:avLst/>
           </a:prstGeom>
           <a:ln>
             <a:solidFill>
-              <a:srgbClr val="FF0000"/>
+              <a:schemeClr val="tx1"/>
             </a:solidFill>
             <a:tailEnd type="triangle" w="lg" len="med"/>
           </a:ln>
@@ -6323,193 +6743,762 @@
       </p:cxnSp>
       <p:sp>
         <p:nvSpPr>
-          <p:cNvPr id="19" name="TextBox 18"/>
-          <p:cNvSpPr txBox="1"/>
+          <p:cNvPr id="30" name="Content Placeholder 4"/>
+          <p:cNvSpPr>
+            <a:spLocks noGrp="1"/>
+          </p:cNvSpPr>
+          <p:nvPr>
+            <p:ph idx="1"/>
+          </p:nvPr>
+        </p:nvSpPr>
+        <p:spPr>
+          <a:xfrm>
+            <a:off x="1526976" y="1052736"/>
+            <a:ext cx="8229600" cy="4525963"/>
+          </a:xfrm>
+        </p:spPr>
+        <p:txBody>
+          <a:bodyPr/>
+          <a:lstStyle/>
+          <a:p>
+            <a:pPr marL="0" indent="0">
+              <a:buNone/>
+            </a:pPr>
+            <a:r>
+              <a:rPr lang="en-US" sz="2400" b="1" dirty="0" smtClean="0"/>
+              <a:t>Structure</a:t>
+            </a:r>
+          </a:p>
+        </p:txBody>
+      </p:sp>
+    </p:spTree>
+    <p:extLst>
+      <p:ext uri="{BB962C8B-B14F-4D97-AF65-F5344CB8AC3E}">
+        <p14:creationId xmlns:p14="http://schemas.microsoft.com/office/powerpoint/2010/main" val="2864211720"/>
+      </p:ext>
+    </p:extLst>
+  </p:cSld>
+  <p:clrMapOvr>
+    <a:masterClrMapping/>
+  </p:clrMapOvr>
+</p:sld>
+</file>
+
+<file path=ppt/slides/slide14.xml><?xml version="1.0" encoding="utf-8"?>
+<p:sld xmlns:a="http://schemas.openxmlformats.org/drawingml/2006/main" xmlns:r="http://schemas.openxmlformats.org/officeDocument/2006/relationships" xmlns:p="http://schemas.openxmlformats.org/presentationml/2006/main">
+  <p:cSld>
+    <p:spTree>
+      <p:nvGrpSpPr>
+        <p:cNvPr id="1" name=""/>
+        <p:cNvGrpSpPr/>
+        <p:nvPr/>
+      </p:nvGrpSpPr>
+      <p:grpSpPr>
+        <a:xfrm>
+          <a:off x="0" y="0"/>
+          <a:ext cx="0" cy="0"/>
+          <a:chOff x="0" y="0"/>
+          <a:chExt cx="0" cy="0"/>
+        </a:xfrm>
+      </p:grpSpPr>
+      <p:sp>
+        <p:nvSpPr>
+          <p:cNvPr id="2" name="Title 1"/>
+          <p:cNvSpPr>
+            <a:spLocks noGrp="1"/>
+          </p:cNvSpPr>
+          <p:nvPr>
+            <p:ph type="title"/>
+          </p:nvPr>
+        </p:nvSpPr>
+        <p:spPr>
+          <a:xfrm>
+            <a:off x="1547664" y="116632"/>
+            <a:ext cx="5915000" cy="1143000"/>
+          </a:xfrm>
+        </p:spPr>
+        <p:txBody>
+          <a:bodyPr/>
+          <a:lstStyle/>
+          <a:p>
+            <a:pPr algn="l"/>
+            <a:r>
+              <a:rPr lang="en-US" sz="4000" dirty="0" smtClean="0"/>
+              <a:t>Implementation</a:t>
+            </a:r>
+            <a:endParaRPr lang="en-US" sz="4000" dirty="0"/>
+          </a:p>
+        </p:txBody>
+      </p:sp>
+      <p:sp>
+        <p:nvSpPr>
+          <p:cNvPr id="54" name="Content Placeholder 4"/>
+          <p:cNvSpPr>
+            <a:spLocks noGrp="1"/>
+          </p:cNvSpPr>
+          <p:nvPr>
+            <p:ph idx="1"/>
+          </p:nvPr>
+        </p:nvSpPr>
+        <p:spPr>
+          <a:xfrm>
+            <a:off x="1547664" y="1124744"/>
+            <a:ext cx="3765104" cy="4525963"/>
+          </a:xfrm>
+        </p:spPr>
+        <p:txBody>
+          <a:bodyPr/>
+          <a:lstStyle/>
+          <a:p>
+            <a:pPr marL="0" indent="0">
+              <a:buNone/>
+            </a:pPr>
+            <a:endParaRPr lang="en-US" sz="2200" b="1" dirty="0" smtClean="0"/>
+          </a:p>
+          <a:p>
+            <a:pPr marL="0" indent="0">
+              <a:spcBef>
+                <a:spcPts val="0"/>
+              </a:spcBef>
+              <a:buNone/>
+            </a:pPr>
+            <a:endParaRPr lang="en-US" sz="2200" b="1" dirty="0" smtClean="0"/>
+          </a:p>
+          <a:p>
+            <a:pPr marL="0" indent="0">
+              <a:spcBef>
+                <a:spcPts val="0"/>
+              </a:spcBef>
+              <a:buNone/>
+            </a:pPr>
+            <a:endParaRPr lang="en-US" sz="2200" b="1" dirty="0" smtClean="0"/>
+          </a:p>
+          <a:p>
+            <a:pPr marL="0" indent="0">
+              <a:spcBef>
+                <a:spcPts val="0"/>
+              </a:spcBef>
+              <a:buNone/>
+            </a:pPr>
+            <a:endParaRPr lang="en-US" sz="2200" b="1" dirty="0"/>
+          </a:p>
+          <a:p>
+            <a:pPr marL="0" indent="0">
+              <a:buNone/>
+            </a:pPr>
+            <a:r>
+              <a:rPr lang="en-US" sz="1600" b="1" dirty="0" err="1" smtClean="0"/>
+              <a:t>def</a:t>
+            </a:r>
+            <a:r>
+              <a:rPr lang="en-US" sz="1600" b="1" dirty="0" smtClean="0"/>
+              <a:t> x2(</a:t>
+            </a:r>
+            <a:r>
+              <a:rPr lang="en-US" sz="1600" b="1" dirty="0" err="1" smtClean="0"/>
+              <a:t>int</a:t>
+            </a:r>
+            <a:r>
+              <a:rPr lang="en-US" sz="1600" b="1" dirty="0" smtClean="0"/>
+              <a:t> a) </a:t>
+            </a:r>
+            <a:r>
+              <a:rPr lang="en-US" sz="1600" b="1" dirty="0"/>
+              <a:t>: comp  </a:t>
+            </a:r>
+            <a:r>
+              <a:rPr lang="en-US" sz="1600" b="1" dirty="0" smtClean="0"/>
+              <a:t>result {</a:t>
+            </a:r>
+            <a:endParaRPr lang="en-US" sz="1600" b="1" dirty="0"/>
+          </a:p>
+          <a:p>
+            <a:pPr marL="0" indent="0">
+              <a:buNone/>
+            </a:pPr>
+            <a:r>
+              <a:rPr lang="en-US" sz="1600" b="1" dirty="0" smtClean="0"/>
+              <a:t>    result = a * 2;</a:t>
+            </a:r>
+            <a:endParaRPr lang="en-US" sz="1600" b="1" dirty="0"/>
+          </a:p>
+          <a:p>
+            <a:pPr marL="0" indent="0">
+              <a:buNone/>
+            </a:pPr>
+            <a:r>
+              <a:rPr lang="en-US" sz="1600" b="1" dirty="0"/>
+              <a:t>}</a:t>
+            </a:r>
+          </a:p>
+          <a:p>
+            <a:pPr marL="0" indent="0">
+              <a:buNone/>
+            </a:pPr>
+            <a:endParaRPr lang="en-US" sz="2200" b="1" dirty="0" smtClean="0"/>
+          </a:p>
+          <a:p>
+            <a:pPr marL="0" indent="0">
+              <a:buNone/>
+            </a:pPr>
+            <a:r>
+              <a:rPr lang="en-US" sz="1600" b="1" dirty="0" err="1" smtClean="0"/>
+              <a:t>def</a:t>
+            </a:r>
+            <a:r>
+              <a:rPr lang="en-US" sz="1600" b="1" dirty="0" smtClean="0"/>
+              <a:t> </a:t>
+            </a:r>
+            <a:r>
+              <a:rPr lang="en-US" sz="1600" b="1" dirty="0"/>
+              <a:t>compute() : comp  </a:t>
+            </a:r>
+            <a:r>
+              <a:rPr lang="en-US" sz="1600" b="1" dirty="0" err="1" smtClean="0"/>
+              <a:t>final_result</a:t>
+            </a:r>
+            <a:r>
+              <a:rPr lang="en-US" sz="1600" b="1" dirty="0" smtClean="0"/>
+              <a:t> {</a:t>
+            </a:r>
+          </a:p>
+          <a:p>
+            <a:pPr marL="0" indent="0">
+              <a:buNone/>
+            </a:pPr>
+            <a:r>
+              <a:rPr lang="en-US" sz="1600" b="1" dirty="0" smtClean="0"/>
+              <a:t>    </a:t>
+            </a:r>
+            <a:r>
+              <a:rPr lang="en-US" sz="1600" b="1" dirty="0" err="1" smtClean="0"/>
+              <a:t>int</a:t>
+            </a:r>
+            <a:r>
+              <a:rPr lang="en-US" sz="1600" b="1" dirty="0" smtClean="0"/>
+              <a:t> a;</a:t>
+            </a:r>
+          </a:p>
+          <a:p>
+            <a:pPr marL="0" indent="0">
+              <a:buNone/>
+            </a:pPr>
+            <a:r>
+              <a:rPr lang="en-US" sz="1600" b="1" dirty="0"/>
+              <a:t> </a:t>
+            </a:r>
+            <a:r>
+              <a:rPr lang="en-US" sz="1600" b="1" dirty="0" smtClean="0"/>
+              <a:t>   a = 3;	</a:t>
+            </a:r>
+          </a:p>
+          <a:p>
+            <a:pPr marL="0" indent="0">
+              <a:buNone/>
+            </a:pPr>
+            <a:r>
+              <a:rPr lang="en-US" sz="1600" b="1" dirty="0" smtClean="0"/>
+              <a:t>    </a:t>
+            </a:r>
+            <a:r>
+              <a:rPr lang="en-US" sz="1600" b="1" dirty="0" err="1" smtClean="0"/>
+              <a:t>final_result</a:t>
+            </a:r>
+            <a:r>
+              <a:rPr lang="en-US" sz="1600" b="1" dirty="0" smtClean="0"/>
+              <a:t> = x2(a);</a:t>
+            </a:r>
+            <a:endParaRPr lang="en-US" sz="1600" b="1" dirty="0"/>
+          </a:p>
+          <a:p>
+            <a:pPr marL="0" indent="0">
+              <a:buNone/>
+            </a:pPr>
+            <a:r>
+              <a:rPr lang="en-US" sz="1600" b="1" dirty="0" smtClean="0"/>
+              <a:t>}</a:t>
+            </a:r>
+          </a:p>
+          <a:p>
+            <a:endParaRPr lang="en-US" sz="2200" b="1" dirty="0" smtClean="0"/>
+          </a:p>
+        </p:txBody>
+      </p:sp>
+      <p:grpSp>
+        <p:nvGrpSpPr>
+          <p:cNvPr id="3" name="Group 2"/>
+          <p:cNvGrpSpPr/>
           <p:nvPr/>
-        </p:nvSpPr>
-        <p:spPr>
-          <a:xfrm>
-            <a:off x="3851920" y="1700808"/>
-            <a:ext cx="1080120" cy="584776"/>
-          </a:xfrm>
-          <a:prstGeom prst="rect">
-            <a:avLst/>
-          </a:prstGeom>
-          <a:noFill/>
-        </p:spPr>
-        <p:txBody>
-          <a:bodyPr wrap="square" rtlCol="0">
-            <a:spAutoFit/>
-          </a:bodyPr>
-          <a:lstStyle/>
-          <a:p>
-            <a:pPr algn="ctr"/>
-            <a:r>
-              <a:rPr lang="en-US" sz="1600" b="1" dirty="0" smtClean="0">
+        </p:nvGrpSpPr>
+        <p:grpSpPr>
+          <a:xfrm>
+            <a:off x="1331640" y="1620088"/>
+            <a:ext cx="3600400" cy="3105056"/>
+            <a:chOff x="1331640" y="1620088"/>
+            <a:chExt cx="3600400" cy="3105056"/>
+          </a:xfrm>
+        </p:grpSpPr>
+        <p:cxnSp>
+          <p:nvCxnSpPr>
+            <p:cNvPr id="4" name="Straight Connector 3"/>
+            <p:cNvCxnSpPr>
+              <a:stCxn id="11" idx="2"/>
+            </p:cNvCxnSpPr>
+            <p:nvPr/>
+          </p:nvCxnSpPr>
+          <p:spPr>
+            <a:xfrm>
+              <a:off x="1871700" y="2213576"/>
+              <a:ext cx="180020" cy="279320"/>
+            </a:xfrm>
+            <a:prstGeom prst="line">
+              <a:avLst/>
+            </a:prstGeom>
+            <a:ln>
+              <a:solidFill>
+                <a:srgbClr val="FF0000"/>
+              </a:solidFill>
+              <a:tailEnd type="triangle" w="lg" len="med"/>
+            </a:ln>
+          </p:spPr>
+          <p:style>
+            <a:lnRef idx="2">
+              <a:schemeClr val="accent1"/>
+            </a:lnRef>
+            <a:fillRef idx="0">
+              <a:schemeClr val="accent1"/>
+            </a:fillRef>
+            <a:effectRef idx="1">
+              <a:schemeClr val="accent1"/>
+            </a:effectRef>
+            <a:fontRef idx="minor">
+              <a:schemeClr val="tx1"/>
+            </a:fontRef>
+          </p:style>
+        </p:cxnSp>
+        <p:cxnSp>
+          <p:nvCxnSpPr>
+            <p:cNvPr id="10" name="Straight Connector 9"/>
+            <p:cNvCxnSpPr/>
+            <p:nvPr/>
+          </p:nvCxnSpPr>
+          <p:spPr>
+            <a:xfrm flipH="1">
+              <a:off x="2555776" y="2204864"/>
+              <a:ext cx="216023" cy="288032"/>
+            </a:xfrm>
+            <a:prstGeom prst="line">
+              <a:avLst/>
+            </a:prstGeom>
+            <a:ln>
+              <a:solidFill>
+                <a:srgbClr val="FF0000"/>
+              </a:solidFill>
+              <a:tailEnd type="triangle" w="lg" len="med"/>
+            </a:ln>
+          </p:spPr>
+          <p:style>
+            <a:lnRef idx="2">
+              <a:schemeClr val="accent1"/>
+            </a:lnRef>
+            <a:fillRef idx="0">
+              <a:schemeClr val="accent1"/>
+            </a:fillRef>
+            <a:effectRef idx="1">
+              <a:schemeClr val="accent1"/>
+            </a:effectRef>
+            <a:fontRef idx="minor">
+              <a:schemeClr val="tx1"/>
+            </a:fontRef>
+          </p:style>
+        </p:cxnSp>
+        <p:sp>
+          <p:nvSpPr>
+            <p:cNvPr id="11" name="TextBox 10"/>
+            <p:cNvSpPr txBox="1"/>
+            <p:nvPr/>
+          </p:nvSpPr>
+          <p:spPr>
+            <a:xfrm>
+              <a:off x="1331640" y="1628800"/>
+              <a:ext cx="1080120" cy="584776"/>
+            </a:xfrm>
+            <a:prstGeom prst="rect">
+              <a:avLst/>
+            </a:prstGeom>
+            <a:noFill/>
+          </p:spPr>
+          <p:txBody>
+            <a:bodyPr wrap="square" rtlCol="0">
+              <a:spAutoFit/>
+            </a:bodyPr>
+            <a:lstStyle/>
+            <a:p>
+              <a:pPr algn="ctr"/>
+              <a:r>
+                <a:rPr lang="en-US" sz="1600" b="1" dirty="0" smtClean="0">
+                  <a:solidFill>
+                    <a:srgbClr val="FF0000"/>
+                  </a:solidFill>
+                </a:rPr>
+                <a:t>function name</a:t>
+              </a:r>
+              <a:endParaRPr lang="en-US" sz="1600" b="1" dirty="0">
                 <a:solidFill>
                   <a:srgbClr val="FF0000"/>
                 </a:solidFill>
-              </a:rPr>
-              <a:t>return name</a:t>
-            </a:r>
-            <a:endParaRPr lang="en-US" sz="1600" b="1" dirty="0">
+              </a:endParaRPr>
+            </a:p>
+          </p:txBody>
+        </p:sp>
+        <p:sp>
+          <p:nvSpPr>
+            <p:cNvPr id="15" name="TextBox 14"/>
+            <p:cNvSpPr txBox="1"/>
+            <p:nvPr/>
+          </p:nvSpPr>
+          <p:spPr>
+            <a:xfrm>
+              <a:off x="2267744" y="1620088"/>
+              <a:ext cx="1080120" cy="584776"/>
+            </a:xfrm>
+            <a:prstGeom prst="rect">
+              <a:avLst/>
+            </a:prstGeom>
+            <a:noFill/>
+          </p:spPr>
+          <p:txBody>
+            <a:bodyPr wrap="square" rtlCol="0">
+              <a:spAutoFit/>
+            </a:bodyPr>
+            <a:lstStyle/>
+            <a:p>
+              <a:pPr algn="ctr"/>
+              <a:r>
+                <a:rPr lang="en-US" sz="1600" b="1" dirty="0" smtClean="0">
+                  <a:solidFill>
+                    <a:srgbClr val="FF0000"/>
+                  </a:solidFill>
+                </a:rPr>
+                <a:t>formal </a:t>
+              </a:r>
+              <a:r>
+                <a:rPr lang="en-US" sz="1600" b="1" dirty="0" err="1" smtClean="0">
+                  <a:solidFill>
+                    <a:srgbClr val="FF0000"/>
+                  </a:solidFill>
+                </a:rPr>
+                <a:t>params</a:t>
+              </a:r>
+              <a:endParaRPr lang="en-US" sz="1600" b="1" dirty="0">
+                <a:solidFill>
+                  <a:srgbClr val="FF0000"/>
+                </a:solidFill>
+              </a:endParaRPr>
+            </a:p>
+          </p:txBody>
+        </p:sp>
+        <p:cxnSp>
+          <p:nvCxnSpPr>
+            <p:cNvPr id="16" name="Straight Connector 15"/>
+            <p:cNvCxnSpPr/>
+            <p:nvPr/>
+          </p:nvCxnSpPr>
+          <p:spPr>
+            <a:xfrm flipH="1">
+              <a:off x="3275856" y="2276872"/>
+              <a:ext cx="216023" cy="288032"/>
+            </a:xfrm>
+            <a:prstGeom prst="line">
+              <a:avLst/>
+            </a:prstGeom>
+            <a:ln>
               <a:solidFill>
                 <a:srgbClr val="FF0000"/>
               </a:solidFill>
-            </a:endParaRPr>
-          </a:p>
-        </p:txBody>
-      </p:sp>
-      <p:cxnSp>
-        <p:nvCxnSpPr>
-          <p:cNvPr id="20" name="Straight Connector 19"/>
-          <p:cNvCxnSpPr/>
-          <p:nvPr/>
-        </p:nvCxnSpPr>
-        <p:spPr>
-          <a:xfrm flipH="1" flipV="1">
-            <a:off x="2267744" y="3212976"/>
-            <a:ext cx="576064" cy="216024"/>
-          </a:xfrm>
-          <a:prstGeom prst="line">
-            <a:avLst/>
-          </a:prstGeom>
-          <a:ln>
-            <a:solidFill>
-              <a:srgbClr val="FF0000"/>
-            </a:solidFill>
-            <a:tailEnd type="triangle" w="lg" len="med"/>
-          </a:ln>
-        </p:spPr>
-        <p:style>
-          <a:lnRef idx="2">
-            <a:schemeClr val="accent1"/>
-          </a:lnRef>
-          <a:fillRef idx="0">
-            <a:schemeClr val="accent1"/>
-          </a:fillRef>
-          <a:effectRef idx="1">
-            <a:schemeClr val="accent1"/>
-          </a:effectRef>
-          <a:fontRef idx="minor">
-            <a:schemeClr val="tx1"/>
-          </a:fontRef>
-        </p:style>
-      </p:cxnSp>
-      <p:sp>
-        <p:nvSpPr>
-          <p:cNvPr id="25" name="TextBox 24"/>
-          <p:cNvSpPr txBox="1"/>
-          <p:nvPr/>
-        </p:nvSpPr>
-        <p:spPr>
-          <a:xfrm>
-            <a:off x="2627784" y="3212976"/>
-            <a:ext cx="1944216" cy="584776"/>
-          </a:xfrm>
-          <a:prstGeom prst="rect">
-            <a:avLst/>
-          </a:prstGeom>
-          <a:noFill/>
-        </p:spPr>
-        <p:txBody>
-          <a:bodyPr wrap="square" rtlCol="0">
-            <a:spAutoFit/>
-          </a:bodyPr>
-          <a:lstStyle/>
-          <a:p>
-            <a:pPr algn="ctr"/>
-            <a:r>
-              <a:rPr lang="en-US" sz="1600" b="1" dirty="0" smtClean="0">
+              <a:tailEnd type="triangle" w="lg" len="med"/>
+            </a:ln>
+          </p:spPr>
+          <p:style>
+            <a:lnRef idx="2">
+              <a:schemeClr val="accent1"/>
+            </a:lnRef>
+            <a:fillRef idx="0">
+              <a:schemeClr val="accent1"/>
+            </a:fillRef>
+            <a:effectRef idx="1">
+              <a:schemeClr val="accent1"/>
+            </a:effectRef>
+            <a:fontRef idx="minor">
+              <a:schemeClr val="tx1"/>
+            </a:fontRef>
+          </p:style>
+        </p:cxnSp>
+        <p:sp>
+          <p:nvSpPr>
+            <p:cNvPr id="17" name="TextBox 16"/>
+            <p:cNvSpPr txBox="1"/>
+            <p:nvPr/>
+          </p:nvSpPr>
+          <p:spPr>
+            <a:xfrm>
+              <a:off x="3131840" y="1700808"/>
+              <a:ext cx="1080120" cy="584776"/>
+            </a:xfrm>
+            <a:prstGeom prst="rect">
+              <a:avLst/>
+            </a:prstGeom>
+            <a:noFill/>
+          </p:spPr>
+          <p:txBody>
+            <a:bodyPr wrap="square" rtlCol="0">
+              <a:spAutoFit/>
+            </a:bodyPr>
+            <a:lstStyle/>
+            <a:p>
+              <a:pPr algn="ctr"/>
+              <a:r>
+                <a:rPr lang="en-US" sz="1600" b="1" dirty="0" smtClean="0">
+                  <a:solidFill>
+                    <a:srgbClr val="FF0000"/>
+                  </a:solidFill>
+                </a:rPr>
+                <a:t>return type</a:t>
+              </a:r>
+              <a:endParaRPr lang="en-US" sz="1600" b="1" dirty="0">
                 <a:solidFill>
                   <a:srgbClr val="FF0000"/>
                 </a:solidFill>
-              </a:rPr>
-              <a:t>automatically returned</a:t>
-            </a:r>
-            <a:endParaRPr lang="en-US" sz="1600" b="1" dirty="0">
+              </a:endParaRPr>
+            </a:p>
+          </p:txBody>
+        </p:sp>
+        <p:cxnSp>
+          <p:nvCxnSpPr>
+            <p:cNvPr id="18" name="Straight Connector 17"/>
+            <p:cNvCxnSpPr/>
+            <p:nvPr/>
+          </p:nvCxnSpPr>
+          <p:spPr>
+            <a:xfrm flipH="1">
+              <a:off x="3995936" y="2276872"/>
+              <a:ext cx="216023" cy="288032"/>
+            </a:xfrm>
+            <a:prstGeom prst="line">
+              <a:avLst/>
+            </a:prstGeom>
+            <a:ln>
               <a:solidFill>
                 <a:srgbClr val="FF0000"/>
               </a:solidFill>
-            </a:endParaRPr>
-          </a:p>
-        </p:txBody>
-      </p:sp>
-      <p:cxnSp>
-        <p:nvCxnSpPr>
-          <p:cNvPr id="26" name="Straight Connector 25"/>
-          <p:cNvCxnSpPr/>
-          <p:nvPr/>
-        </p:nvCxnSpPr>
-        <p:spPr>
-          <a:xfrm flipH="1">
-            <a:off x="2627784" y="4437112"/>
-            <a:ext cx="648072" cy="216024"/>
-          </a:xfrm>
-          <a:prstGeom prst="line">
-            <a:avLst/>
-          </a:prstGeom>
-          <a:ln>
-            <a:solidFill>
-              <a:srgbClr val="FF0000"/>
-            </a:solidFill>
-            <a:tailEnd type="triangle" w="lg" len="med"/>
-          </a:ln>
-        </p:spPr>
-        <p:style>
-          <a:lnRef idx="2">
-            <a:schemeClr val="accent1"/>
-          </a:lnRef>
-          <a:fillRef idx="0">
-            <a:schemeClr val="accent1"/>
-          </a:fillRef>
-          <a:effectRef idx="1">
-            <a:schemeClr val="accent1"/>
-          </a:effectRef>
-          <a:fontRef idx="minor">
-            <a:schemeClr val="tx1"/>
-          </a:fontRef>
-        </p:style>
-      </p:cxnSp>
-      <p:sp>
-        <p:nvSpPr>
-          <p:cNvPr id="31" name="TextBox 30"/>
-          <p:cNvSpPr txBox="1"/>
-          <p:nvPr/>
-        </p:nvSpPr>
-        <p:spPr>
-          <a:xfrm>
-            <a:off x="2987824" y="4140368"/>
-            <a:ext cx="1944216" cy="584776"/>
-          </a:xfrm>
-          <a:prstGeom prst="rect">
-            <a:avLst/>
-          </a:prstGeom>
-          <a:noFill/>
-        </p:spPr>
-        <p:txBody>
-          <a:bodyPr wrap="square" rtlCol="0">
-            <a:spAutoFit/>
-          </a:bodyPr>
-          <a:lstStyle/>
-          <a:p>
-            <a:pPr algn="ctr"/>
-            <a:r>
-              <a:rPr lang="en-US" sz="1600" b="1" dirty="0" smtClean="0">
+              <a:tailEnd type="triangle" w="lg" len="med"/>
+            </a:ln>
+          </p:spPr>
+          <p:style>
+            <a:lnRef idx="2">
+              <a:schemeClr val="accent1"/>
+            </a:lnRef>
+            <a:fillRef idx="0">
+              <a:schemeClr val="accent1"/>
+            </a:fillRef>
+            <a:effectRef idx="1">
+              <a:schemeClr val="accent1"/>
+            </a:effectRef>
+            <a:fontRef idx="minor">
+              <a:schemeClr val="tx1"/>
+            </a:fontRef>
+          </p:style>
+        </p:cxnSp>
+        <p:sp>
+          <p:nvSpPr>
+            <p:cNvPr id="19" name="TextBox 18"/>
+            <p:cNvSpPr txBox="1"/>
+            <p:nvPr/>
+          </p:nvSpPr>
+          <p:spPr>
+            <a:xfrm>
+              <a:off x="3851920" y="1700808"/>
+              <a:ext cx="1080120" cy="584776"/>
+            </a:xfrm>
+            <a:prstGeom prst="rect">
+              <a:avLst/>
+            </a:prstGeom>
+            <a:noFill/>
+          </p:spPr>
+          <p:txBody>
+            <a:bodyPr wrap="square" rtlCol="0">
+              <a:spAutoFit/>
+            </a:bodyPr>
+            <a:lstStyle/>
+            <a:p>
+              <a:pPr algn="ctr"/>
+              <a:r>
+                <a:rPr lang="en-US" sz="1600" b="1" dirty="0" smtClean="0">
+                  <a:solidFill>
+                    <a:srgbClr val="FF0000"/>
+                  </a:solidFill>
+                </a:rPr>
+                <a:t>return name</a:t>
+              </a:r>
+              <a:endParaRPr lang="en-US" sz="1600" b="1" dirty="0">
                 <a:solidFill>
                   <a:srgbClr val="FF0000"/>
                 </a:solidFill>
-              </a:rPr>
-              <a:t>automatically printed</a:t>
-            </a:r>
-            <a:endParaRPr lang="en-US" sz="1600" b="1" dirty="0">
+              </a:endParaRPr>
+            </a:p>
+          </p:txBody>
+        </p:sp>
+        <p:cxnSp>
+          <p:nvCxnSpPr>
+            <p:cNvPr id="20" name="Straight Connector 19"/>
+            <p:cNvCxnSpPr/>
+            <p:nvPr/>
+          </p:nvCxnSpPr>
+          <p:spPr>
+            <a:xfrm flipH="1" flipV="1">
+              <a:off x="2267744" y="3212976"/>
+              <a:ext cx="576064" cy="216024"/>
+            </a:xfrm>
+            <a:prstGeom prst="line">
+              <a:avLst/>
+            </a:prstGeom>
+            <a:ln>
               <a:solidFill>
                 <a:srgbClr val="FF0000"/>
               </a:solidFill>
-            </a:endParaRPr>
-          </a:p>
-        </p:txBody>
-      </p:sp>
+              <a:tailEnd type="triangle" w="lg" len="med"/>
+            </a:ln>
+          </p:spPr>
+          <p:style>
+            <a:lnRef idx="2">
+              <a:schemeClr val="accent1"/>
+            </a:lnRef>
+            <a:fillRef idx="0">
+              <a:schemeClr val="accent1"/>
+            </a:fillRef>
+            <a:effectRef idx="1">
+              <a:schemeClr val="accent1"/>
+            </a:effectRef>
+            <a:fontRef idx="minor">
+              <a:schemeClr val="tx1"/>
+            </a:fontRef>
+          </p:style>
+        </p:cxnSp>
+        <p:sp>
+          <p:nvSpPr>
+            <p:cNvPr id="25" name="TextBox 24"/>
+            <p:cNvSpPr txBox="1"/>
+            <p:nvPr/>
+          </p:nvSpPr>
+          <p:spPr>
+            <a:xfrm>
+              <a:off x="2627784" y="3212976"/>
+              <a:ext cx="1944216" cy="584776"/>
+            </a:xfrm>
+            <a:prstGeom prst="rect">
+              <a:avLst/>
+            </a:prstGeom>
+            <a:noFill/>
+          </p:spPr>
+          <p:txBody>
+            <a:bodyPr wrap="square" rtlCol="0">
+              <a:spAutoFit/>
+            </a:bodyPr>
+            <a:lstStyle/>
+            <a:p>
+              <a:pPr algn="ctr"/>
+              <a:r>
+                <a:rPr lang="en-US" sz="1600" b="1" dirty="0" smtClean="0">
+                  <a:solidFill>
+                    <a:srgbClr val="FF0000"/>
+                  </a:solidFill>
+                </a:rPr>
+                <a:t>automatically returned</a:t>
+              </a:r>
+              <a:endParaRPr lang="en-US" sz="1600" b="1" dirty="0">
+                <a:solidFill>
+                  <a:srgbClr val="FF0000"/>
+                </a:solidFill>
+              </a:endParaRPr>
+            </a:p>
+          </p:txBody>
+        </p:sp>
+        <p:cxnSp>
+          <p:nvCxnSpPr>
+            <p:cNvPr id="26" name="Straight Connector 25"/>
+            <p:cNvCxnSpPr/>
+            <p:nvPr/>
+          </p:nvCxnSpPr>
+          <p:spPr>
+            <a:xfrm flipH="1">
+              <a:off x="2627784" y="4437112"/>
+              <a:ext cx="648072" cy="216024"/>
+            </a:xfrm>
+            <a:prstGeom prst="line">
+              <a:avLst/>
+            </a:prstGeom>
+            <a:ln>
+              <a:solidFill>
+                <a:srgbClr val="FF0000"/>
+              </a:solidFill>
+              <a:tailEnd type="triangle" w="lg" len="med"/>
+            </a:ln>
+          </p:spPr>
+          <p:style>
+            <a:lnRef idx="2">
+              <a:schemeClr val="accent1"/>
+            </a:lnRef>
+            <a:fillRef idx="0">
+              <a:schemeClr val="accent1"/>
+            </a:fillRef>
+            <a:effectRef idx="1">
+              <a:schemeClr val="accent1"/>
+            </a:effectRef>
+            <a:fontRef idx="minor">
+              <a:schemeClr val="tx1"/>
+            </a:fontRef>
+          </p:style>
+        </p:cxnSp>
+        <p:sp>
+          <p:nvSpPr>
+            <p:cNvPr id="31" name="TextBox 30"/>
+            <p:cNvSpPr txBox="1"/>
+            <p:nvPr/>
+          </p:nvSpPr>
+          <p:spPr>
+            <a:xfrm>
+              <a:off x="2987824" y="4140368"/>
+              <a:ext cx="1944216" cy="584776"/>
+            </a:xfrm>
+            <a:prstGeom prst="rect">
+              <a:avLst/>
+            </a:prstGeom>
+            <a:noFill/>
+          </p:spPr>
+          <p:txBody>
+            <a:bodyPr wrap="square" rtlCol="0">
+              <a:spAutoFit/>
+            </a:bodyPr>
+            <a:lstStyle/>
+            <a:p>
+              <a:pPr algn="ctr"/>
+              <a:r>
+                <a:rPr lang="en-US" sz="1600" b="1" dirty="0" smtClean="0">
+                  <a:solidFill>
+                    <a:srgbClr val="FF0000"/>
+                  </a:solidFill>
+                </a:rPr>
+                <a:t>automatically printed</a:t>
+              </a:r>
+              <a:endParaRPr lang="en-US" sz="1600" b="1" dirty="0">
+                <a:solidFill>
+                  <a:srgbClr val="FF0000"/>
+                </a:solidFill>
+              </a:endParaRPr>
+            </a:p>
+          </p:txBody>
+        </p:sp>
+      </p:grpSp>
       <p:sp>
         <p:nvSpPr>
           <p:cNvPr id="32" name="Content Placeholder 4"/>
@@ -7251,264 +8240,40 @@
           </a:fontRef>
         </p:style>
       </p:cxnSp>
+      <p:sp>
+        <p:nvSpPr>
+          <p:cNvPr id="5" name="TextBox 4"/>
+          <p:cNvSpPr txBox="1"/>
+          <p:nvPr/>
+        </p:nvSpPr>
+        <p:spPr>
+          <a:xfrm>
+            <a:off x="4860032" y="2708920"/>
+            <a:ext cx="1512168" cy="646331"/>
+          </a:xfrm>
+          <a:prstGeom prst="rect">
+            <a:avLst/>
+          </a:prstGeom>
+          <a:noFill/>
+        </p:spPr>
+        <p:txBody>
+          <a:bodyPr wrap="square" rtlCol="0">
+            <a:spAutoFit/>
+          </a:bodyPr>
+          <a:lstStyle/>
+          <a:p>
+            <a:r>
+              <a:rPr lang="en-US" b="1" dirty="0" smtClean="0"/>
+              <a:t>Code Generation</a:t>
+            </a:r>
+            <a:endParaRPr lang="en-US" b="1" dirty="0"/>
+          </a:p>
+        </p:txBody>
+      </p:sp>
     </p:spTree>
     <p:extLst>
       <p:ext uri="{BB962C8B-B14F-4D97-AF65-F5344CB8AC3E}">
         <p14:creationId xmlns:p14="http://schemas.microsoft.com/office/powerpoint/2010/main" val="3463991577"/>
-      </p:ext>
-    </p:extLst>
-  </p:cSld>
-  <p:clrMapOvr>
-    <a:masterClrMapping/>
-  </p:clrMapOvr>
-</p:sld>
-</file>
-
-<file path=ppt/slides/slide14.xml><?xml version="1.0" encoding="utf-8"?>
-<p:sld xmlns:a="http://schemas.openxmlformats.org/drawingml/2006/main" xmlns:r="http://schemas.openxmlformats.org/officeDocument/2006/relationships" xmlns:p="http://schemas.openxmlformats.org/presentationml/2006/main">
-  <p:cSld>
-    <p:spTree>
-      <p:nvGrpSpPr>
-        <p:cNvPr id="1" name=""/>
-        <p:cNvGrpSpPr/>
-        <p:nvPr/>
-      </p:nvGrpSpPr>
-      <p:grpSpPr>
-        <a:xfrm>
-          <a:off x="0" y="0"/>
-          <a:ext cx="0" cy="0"/>
-          <a:chOff x="0" y="0"/>
-          <a:chExt cx="0" cy="0"/>
-        </a:xfrm>
-      </p:grpSpPr>
-      <p:sp>
-        <p:nvSpPr>
-          <p:cNvPr id="2" name="Title 1"/>
-          <p:cNvSpPr>
-            <a:spLocks noGrp="1"/>
-          </p:cNvSpPr>
-          <p:nvPr>
-            <p:ph type="title"/>
-          </p:nvPr>
-        </p:nvSpPr>
-        <p:spPr>
-          <a:xfrm>
-            <a:off x="1609328" y="188640"/>
-            <a:ext cx="6347048" cy="1143000"/>
-          </a:xfrm>
-        </p:spPr>
-        <p:txBody>
-          <a:bodyPr/>
-          <a:lstStyle/>
-          <a:p>
-            <a:pPr algn="l"/>
-            <a:r>
-              <a:rPr lang="en-US" sz="4000" dirty="0" smtClean="0"/>
-              <a:t>Implementation</a:t>
-            </a:r>
-            <a:endParaRPr lang="en-US" sz="4000" dirty="0"/>
-          </a:p>
-        </p:txBody>
-      </p:sp>
-      <p:sp>
-        <p:nvSpPr>
-          <p:cNvPr id="5" name="Content Placeholder 4"/>
-          <p:cNvSpPr>
-            <a:spLocks noGrp="1"/>
-          </p:cNvSpPr>
-          <p:nvPr>
-            <p:ph idx="1"/>
-          </p:nvPr>
-        </p:nvSpPr>
-        <p:spPr>
-          <a:xfrm>
-            <a:off x="1526976" y="1268761"/>
-            <a:ext cx="8229600" cy="3600400"/>
-          </a:xfrm>
-        </p:spPr>
-        <p:txBody>
-          <a:bodyPr/>
-          <a:lstStyle/>
-          <a:p>
-            <a:pPr marL="0" indent="0">
-              <a:buNone/>
-            </a:pPr>
-            <a:r>
-              <a:rPr lang="en-US" sz="2400" b="1" dirty="0">
-                <a:latin typeface="Arial"/>
-                <a:cs typeface="Arial"/>
-              </a:rPr>
-              <a:t>Types and Operators</a:t>
-            </a:r>
-          </a:p>
-          <a:p>
-            <a:pPr marL="0" indent="0">
-              <a:spcBef>
-                <a:spcPts val="0"/>
-              </a:spcBef>
-              <a:buNone/>
-            </a:pPr>
-            <a:endParaRPr lang="en-US" sz="1600" b="1" dirty="0">
-              <a:latin typeface="Arial"/>
-              <a:cs typeface="Arial"/>
-            </a:endParaRPr>
-          </a:p>
-          <a:p>
-            <a:pPr marL="0" indent="0">
-              <a:buNone/>
-            </a:pPr>
-            <a:r>
-              <a:rPr lang="en-US" sz="1600" b="1" dirty="0">
-                <a:latin typeface="Arial"/>
-                <a:cs typeface="Arial"/>
-              </a:rPr>
-              <a:t>Types</a:t>
-            </a:r>
-          </a:p>
-          <a:p>
-            <a:r>
-              <a:rPr lang="en-US" sz="1600" b="1" dirty="0" err="1">
-                <a:latin typeface="Arial"/>
-                <a:cs typeface="Arial"/>
-              </a:rPr>
-              <a:t>int</a:t>
-            </a:r>
-            <a:r>
-              <a:rPr lang="en-US" sz="1600" b="1" dirty="0">
-                <a:latin typeface="Arial"/>
-                <a:cs typeface="Arial"/>
-              </a:rPr>
-              <a:t> (integers): 17, 0, -3489</a:t>
-            </a:r>
-          </a:p>
-          <a:p>
-            <a:r>
-              <a:rPr lang="en-US" sz="1600" b="1" dirty="0">
-                <a:latin typeface="Arial"/>
-                <a:cs typeface="Arial"/>
-              </a:rPr>
-              <a:t>float (floating point): 24.2, -3., 17.006 </a:t>
-            </a:r>
-          </a:p>
-          <a:p>
-            <a:r>
-              <a:rPr lang="en-US" sz="1600" b="1" dirty="0">
-                <a:latin typeface="Arial"/>
-                <a:cs typeface="Arial"/>
-              </a:rPr>
-              <a:t>comp (complex): C(7.4 + 8.1I)</a:t>
-            </a:r>
-          </a:p>
-          <a:p>
-            <a:r>
-              <a:rPr lang="en-US" sz="1600" b="1" dirty="0">
-                <a:latin typeface="Arial"/>
-                <a:cs typeface="Arial"/>
-              </a:rPr>
-              <a:t>mat (matrix): [(1,2,3)(4,5,6)], |1101&gt;</a:t>
-            </a:r>
-          </a:p>
-          <a:p>
-            <a:endParaRPr lang="en-US" sz="1600" b="1" dirty="0">
-              <a:latin typeface="Arial"/>
-              <a:cs typeface="Arial"/>
-            </a:endParaRPr>
-          </a:p>
-          <a:p>
-            <a:pPr marL="0" indent="0">
-              <a:buNone/>
-            </a:pPr>
-            <a:r>
-              <a:rPr lang="en-US" sz="1600" b="1" dirty="0" smtClean="0">
-                <a:latin typeface="Arial"/>
-                <a:cs typeface="Arial"/>
-              </a:rPr>
-              <a:t>Operators (the interesting ones)</a:t>
-            </a:r>
-          </a:p>
-          <a:p>
-            <a:r>
-              <a:rPr lang="en-US" sz="1600" b="1" dirty="0" smtClean="0"/>
-              <a:t>Matrix: standard operations (e.g. matrix multiplication), norm, trans, </a:t>
-            </a:r>
-            <a:r>
-              <a:rPr lang="en-US" sz="1600" b="1" dirty="0" err="1" smtClean="0"/>
-              <a:t>det</a:t>
-            </a:r>
-            <a:r>
-              <a:rPr lang="en-US" sz="1600" b="1" dirty="0" smtClean="0"/>
-              <a:t>,</a:t>
-            </a:r>
-            <a:endParaRPr lang="en-US" sz="1600" b="1" dirty="0"/>
-          </a:p>
-          <a:p>
-            <a:pPr marL="0" indent="0">
-              <a:buNone/>
-            </a:pPr>
-            <a:r>
-              <a:rPr lang="en-US" sz="1600" b="1" dirty="0" smtClean="0"/>
-              <a:t>      </a:t>
-            </a:r>
-            <a:r>
-              <a:rPr lang="en-US" sz="1600" b="1" dirty="0" err="1" smtClean="0"/>
-              <a:t>adj</a:t>
-            </a:r>
-            <a:r>
-              <a:rPr lang="en-US" sz="1600" b="1" dirty="0" smtClean="0"/>
-              <a:t>, </a:t>
-            </a:r>
-            <a:r>
-              <a:rPr lang="en-US" sz="1600" b="1" dirty="0" err="1" smtClean="0"/>
-              <a:t>conj</a:t>
-            </a:r>
-            <a:r>
-              <a:rPr lang="en-US" sz="1600" b="1" dirty="0" smtClean="0"/>
-              <a:t>, unit, @ (tensor product)</a:t>
-            </a:r>
-          </a:p>
-          <a:p>
-            <a:r>
-              <a:rPr lang="en-US" sz="1600" b="1" dirty="0" err="1" smtClean="0"/>
-              <a:t>Complex:all</a:t>
-            </a:r>
-            <a:r>
-              <a:rPr lang="en-US" sz="1600" b="1" dirty="0" smtClean="0"/>
-              <a:t> standard operations, </a:t>
-            </a:r>
-            <a:r>
-              <a:rPr lang="en-US" sz="1600" b="1" dirty="0" err="1" smtClean="0"/>
-              <a:t>im</a:t>
-            </a:r>
-            <a:r>
-              <a:rPr lang="en-US" sz="1600" b="1" dirty="0" smtClean="0"/>
-              <a:t>, re</a:t>
-            </a:r>
-            <a:endParaRPr lang="en-US" sz="1600" b="1" dirty="0"/>
-          </a:p>
-          <a:p>
-            <a:pPr marL="0" indent="0">
-              <a:buNone/>
-            </a:pPr>
-            <a:endParaRPr lang="en-US" sz="1600" b="1" dirty="0">
-              <a:latin typeface="Arial"/>
-              <a:cs typeface="Arial"/>
-            </a:endParaRPr>
-          </a:p>
-          <a:p>
-            <a:pPr marL="0" indent="0">
-              <a:buNone/>
-            </a:pPr>
-            <a:endParaRPr lang="en-US" sz="1600" b="1" dirty="0">
-              <a:latin typeface="Arial"/>
-              <a:cs typeface="Arial"/>
-            </a:endParaRPr>
-          </a:p>
-        </p:txBody>
-      </p:sp>
-    </p:spTree>
-    <p:extLst>
-      <p:ext uri="{BB962C8B-B14F-4D97-AF65-F5344CB8AC3E}">
-        <p14:creationId xmlns:p14="http://schemas.microsoft.com/office/powerpoint/2010/main" val="1043839614"/>
       </p:ext>
     </p:extLst>
   </p:cSld>
@@ -7547,8 +8312,8 @@
         </p:nvSpPr>
         <p:spPr>
           <a:xfrm>
-            <a:off x="1609328" y="188640"/>
-            <a:ext cx="6347048" cy="1143000"/>
+            <a:off x="1547664" y="116632"/>
+            <a:ext cx="6429400" cy="1143000"/>
           </a:xfrm>
         </p:spPr>
         <p:txBody>
@@ -7558,7 +8323,7 @@
             <a:pPr algn="l"/>
             <a:r>
               <a:rPr lang="en-US" sz="4000" dirty="0" smtClean="0"/>
-              <a:t>Implementation</a:t>
+              <a:t>Testing and Verification</a:t>
             </a:r>
             <a:endParaRPr lang="en-US" sz="4000" dirty="0"/>
           </a:p>
@@ -7566,7 +8331,7 @@
       </p:sp>
       <p:sp>
         <p:nvSpPr>
-          <p:cNvPr id="5" name="Content Placeholder 4"/>
+          <p:cNvPr id="3" name="Content Placeholder 2"/>
           <p:cNvSpPr>
             <a:spLocks noGrp="1"/>
           </p:cNvSpPr>
@@ -7576,7 +8341,7 @@
         </p:nvSpPr>
         <p:spPr>
           <a:xfrm>
-            <a:off x="1526976" y="1268760"/>
+            <a:off x="1526976" y="1600200"/>
             <a:ext cx="8229600" cy="4525963"/>
           </a:xfrm>
         </p:spPr>
@@ -7584,286 +8349,14 @@
           <a:bodyPr/>
           <a:lstStyle/>
           <a:p>
-            <a:pPr marL="0" indent="0">
-              <a:buNone/>
-            </a:pPr>
-            <a:r>
-              <a:rPr lang="en-US" sz="2400" b="1" dirty="0" smtClean="0">
-                <a:latin typeface="Arial"/>
-                <a:cs typeface="Arial"/>
-              </a:rPr>
-              <a:t>Built-In Variables and Functions</a:t>
-            </a:r>
-            <a:endParaRPr lang="en-US" sz="2400" b="1" dirty="0">
-              <a:latin typeface="Arial"/>
-              <a:cs typeface="Arial"/>
-            </a:endParaRPr>
-          </a:p>
-          <a:p>
-            <a:pPr marL="0" indent="0">
-              <a:spcBef>
-                <a:spcPts val="0"/>
-              </a:spcBef>
-              <a:buNone/>
-            </a:pPr>
-            <a:endParaRPr lang="en-US" sz="1600" b="1" dirty="0">
-              <a:latin typeface="Arial"/>
-              <a:cs typeface="Arial"/>
-            </a:endParaRPr>
-          </a:p>
-          <a:p>
-            <a:pPr marL="0" indent="0">
-              <a:buNone/>
-            </a:pPr>
-            <a:r>
-              <a:rPr lang="en-US" sz="1600" b="1" dirty="0"/>
-              <a:t>Variables</a:t>
-            </a:r>
-          </a:p>
-          <a:p>
-            <a:r>
-              <a:rPr lang="en-US" sz="1600" b="1" dirty="0" smtClean="0"/>
-              <a:t>H -</a:t>
-            </a:r>
-          </a:p>
-          <a:p>
-            <a:r>
-              <a:rPr lang="en-US" sz="1600" b="1" dirty="0" smtClean="0"/>
-              <a:t>X -</a:t>
-            </a:r>
-          </a:p>
-          <a:p>
-            <a:r>
-              <a:rPr lang="en-US" sz="1600" b="1" dirty="0" smtClean="0"/>
-              <a:t>Y -</a:t>
-            </a:r>
-          </a:p>
-          <a:p>
-            <a:r>
-              <a:rPr lang="en-US" sz="1600" b="1" dirty="0" smtClean="0"/>
-              <a:t>IDT -</a:t>
-            </a:r>
-          </a:p>
-          <a:p>
-            <a:r>
-              <a:rPr lang="en-US" sz="1600" b="1" dirty="0" smtClean="0"/>
-              <a:t>e, pi – the numbers e and pi</a:t>
-            </a:r>
-            <a:endParaRPr lang="en-US" sz="1600" b="1" dirty="0"/>
-          </a:p>
-          <a:p>
-            <a:pPr marL="0" indent="0">
-              <a:buNone/>
-            </a:pPr>
-            <a:endParaRPr lang="en-US" sz="1600" b="1" dirty="0">
-              <a:latin typeface="Arial"/>
-              <a:cs typeface="Arial"/>
-            </a:endParaRPr>
-          </a:p>
-          <a:p>
-            <a:pPr marL="0" indent="0">
-              <a:buNone/>
-            </a:pPr>
-            <a:r>
-              <a:rPr lang="en-US" sz="1600" b="1" dirty="0" smtClean="0">
-                <a:latin typeface="Arial"/>
-                <a:cs typeface="Arial"/>
-              </a:rPr>
-              <a:t>Functions</a:t>
-            </a:r>
-            <a:endParaRPr lang="en-US" sz="1600" b="1" dirty="0">
-              <a:latin typeface="Arial"/>
-              <a:cs typeface="Arial"/>
-            </a:endParaRPr>
-          </a:p>
-          <a:p>
-            <a:r>
-              <a:rPr lang="en-US" sz="1600" b="1" dirty="0" smtClean="0">
-                <a:latin typeface="Arial"/>
-                <a:cs typeface="Arial"/>
-              </a:rPr>
-              <a:t>print(</a:t>
-            </a:r>
-            <a:r>
-              <a:rPr lang="en-US" sz="1600" b="1" dirty="0" err="1" smtClean="0">
-                <a:latin typeface="Arial"/>
-                <a:cs typeface="Arial"/>
-              </a:rPr>
-              <a:t>val</a:t>
-            </a:r>
-            <a:r>
-              <a:rPr lang="en-US" sz="1600" b="1" dirty="0" smtClean="0">
-                <a:latin typeface="Arial"/>
-                <a:cs typeface="Arial"/>
-              </a:rPr>
-              <a:t>) – prints </a:t>
-            </a:r>
-            <a:r>
-              <a:rPr lang="en-US" sz="1600" b="1" dirty="0" err="1" smtClean="0">
-                <a:latin typeface="Arial"/>
-                <a:cs typeface="Arial"/>
-              </a:rPr>
-              <a:t>val</a:t>
-            </a:r>
-            <a:r>
-              <a:rPr lang="en-US" sz="1600" b="1" dirty="0" smtClean="0">
-                <a:latin typeface="Arial"/>
-                <a:cs typeface="Arial"/>
-              </a:rPr>
-              <a:t> (takes any type)</a:t>
-            </a:r>
-          </a:p>
-          <a:p>
-            <a:r>
-              <a:rPr lang="en-US" sz="1600" b="1" dirty="0" err="1" smtClean="0">
-                <a:latin typeface="Arial"/>
-                <a:cs typeface="Arial"/>
-              </a:rPr>
-              <a:t>printq</a:t>
-            </a:r>
-            <a:r>
-              <a:rPr lang="en-US" sz="1600" b="1" dirty="0" smtClean="0">
-                <a:latin typeface="Arial"/>
-                <a:cs typeface="Arial"/>
-              </a:rPr>
-              <a:t>(</a:t>
-            </a:r>
-            <a:r>
-              <a:rPr lang="en-US" sz="1600" b="1" dirty="0" err="1" smtClean="0">
-                <a:latin typeface="Arial"/>
-                <a:cs typeface="Arial"/>
-              </a:rPr>
-              <a:t>qubit</a:t>
-            </a:r>
-            <a:r>
-              <a:rPr lang="en-US" sz="1600" b="1" dirty="0" smtClean="0">
-                <a:latin typeface="Arial"/>
-                <a:cs typeface="Arial"/>
-              </a:rPr>
-              <a:t>) – prints a matrix in </a:t>
-            </a:r>
-            <a:r>
-              <a:rPr lang="en-US" sz="1600" b="1" dirty="0" err="1" smtClean="0">
-                <a:latin typeface="Arial"/>
-                <a:cs typeface="Arial"/>
-              </a:rPr>
-              <a:t>Diract</a:t>
-            </a:r>
-            <a:r>
-              <a:rPr lang="en-US" sz="1600" b="1" dirty="0" smtClean="0">
-                <a:latin typeface="Arial"/>
-                <a:cs typeface="Arial"/>
-              </a:rPr>
-              <a:t> notation if possible</a:t>
-            </a:r>
-          </a:p>
-          <a:p>
-            <a:r>
-              <a:rPr lang="en-US" sz="1600" b="1" dirty="0" smtClean="0">
-                <a:latin typeface="Arial"/>
-                <a:cs typeface="Arial"/>
-              </a:rPr>
-              <a:t>rows(matrix) – returns number of rows in a matrix</a:t>
-            </a:r>
-          </a:p>
-          <a:p>
-            <a:r>
-              <a:rPr lang="en-US" sz="1600" b="1" dirty="0" smtClean="0">
-                <a:latin typeface="Arial"/>
-                <a:cs typeface="Arial"/>
-              </a:rPr>
-              <a:t>cols(</a:t>
-            </a:r>
-            <a:r>
-              <a:rPr lang="en-US" sz="1600" b="1" dirty="0"/>
-              <a:t>matrix</a:t>
-            </a:r>
-            <a:r>
-              <a:rPr lang="en-US" sz="1600" b="1" dirty="0" smtClean="0">
-                <a:latin typeface="Arial"/>
-                <a:cs typeface="Arial"/>
-              </a:rPr>
-              <a:t>) – </a:t>
-            </a:r>
-            <a:r>
-              <a:rPr lang="en-US" sz="1600" b="1" dirty="0"/>
-              <a:t>returns number of </a:t>
-            </a:r>
-            <a:r>
-              <a:rPr lang="en-US" sz="1600" b="1" dirty="0" smtClean="0"/>
-              <a:t>columns in </a:t>
-            </a:r>
-            <a:r>
-              <a:rPr lang="en-US" sz="1600" b="1" dirty="0"/>
-              <a:t>a matrix</a:t>
-            </a:r>
-          </a:p>
-          <a:p>
-            <a:r>
-              <a:rPr lang="en-US" sz="1600" b="1" dirty="0" err="1" smtClean="0">
-                <a:latin typeface="Arial"/>
-                <a:cs typeface="Arial"/>
-              </a:rPr>
-              <a:t>elem</a:t>
-            </a:r>
-            <a:r>
-              <a:rPr lang="en-US" sz="1600" b="1" dirty="0" smtClean="0">
-                <a:latin typeface="Arial"/>
-                <a:cs typeface="Arial"/>
-              </a:rPr>
-              <a:t>(</a:t>
-            </a:r>
-            <a:r>
-              <a:rPr lang="en-US" sz="1600" b="1" dirty="0" smtClean="0"/>
-              <a:t>matrix, row, col</a:t>
-            </a:r>
-            <a:r>
-              <a:rPr lang="en-US" sz="1600" b="1" dirty="0" smtClean="0">
-                <a:latin typeface="Arial"/>
-                <a:cs typeface="Arial"/>
-              </a:rPr>
-              <a:t>) – returns the element given by [</a:t>
-            </a:r>
-            <a:r>
-              <a:rPr lang="en-US" sz="1600" b="1" dirty="0" err="1" smtClean="0">
-                <a:latin typeface="Arial"/>
-                <a:cs typeface="Arial"/>
-              </a:rPr>
-              <a:t>row,col</a:t>
-            </a:r>
-            <a:r>
-              <a:rPr lang="en-US" sz="1600" b="1" dirty="0" smtClean="0">
-                <a:latin typeface="Arial"/>
-                <a:cs typeface="Arial"/>
-              </a:rPr>
-              <a:t>]</a:t>
-            </a:r>
-            <a:endParaRPr lang="en-US" sz="1600" b="1" dirty="0"/>
-          </a:p>
-          <a:p>
-            <a:pPr marL="0" indent="0">
-              <a:buNone/>
-            </a:pPr>
-            <a:endParaRPr lang="en-US" sz="1600" b="1" dirty="0">
-              <a:latin typeface="Arial"/>
-              <a:cs typeface="Arial"/>
-            </a:endParaRPr>
-          </a:p>
-          <a:p>
-            <a:pPr marL="0" indent="0">
-              <a:buNone/>
-            </a:pPr>
-            <a:endParaRPr lang="en-US" sz="1600" b="1" dirty="0">
-              <a:latin typeface="Arial"/>
-              <a:cs typeface="Arial"/>
-            </a:endParaRPr>
+            <a:endParaRPr lang="en-US" sz="2400" dirty="0"/>
           </a:p>
         </p:txBody>
       </p:sp>
     </p:spTree>
     <p:extLst>
       <p:ext uri="{BB962C8B-B14F-4D97-AF65-F5344CB8AC3E}">
-        <p14:creationId xmlns:p14="http://schemas.microsoft.com/office/powerpoint/2010/main" val="2291917137"/>
+        <p14:creationId xmlns:p14="http://schemas.microsoft.com/office/powerpoint/2010/main" val="4283947283"/>
       </p:ext>
     </p:extLst>
   </p:cSld>
@@ -7946,7 +8439,7 @@
     </p:spTree>
     <p:extLst>
       <p:ext uri="{BB962C8B-B14F-4D97-AF65-F5344CB8AC3E}">
-        <p14:creationId xmlns:p14="http://schemas.microsoft.com/office/powerpoint/2010/main" val="4283947283"/>
+        <p14:creationId xmlns:p14="http://schemas.microsoft.com/office/powerpoint/2010/main" val="2467666969"/>
       </p:ext>
     </p:extLst>
   </p:cSld>
@@ -8029,7 +8522,7 @@
     </p:spTree>
     <p:extLst>
       <p:ext uri="{BB962C8B-B14F-4D97-AF65-F5344CB8AC3E}">
-        <p14:creationId xmlns:p14="http://schemas.microsoft.com/office/powerpoint/2010/main" val="2467666969"/>
+        <p14:creationId xmlns:p14="http://schemas.microsoft.com/office/powerpoint/2010/main" val="3430005127"/>
       </p:ext>
     </p:extLst>
   </p:cSld>
@@ -8066,22 +8559,16 @@
             <p:ph type="title"/>
           </p:nvPr>
         </p:nvSpPr>
-        <p:spPr>
-          <a:xfrm>
-            <a:off x="1547664" y="116632"/>
-            <a:ext cx="6429400" cy="1143000"/>
-          </a:xfrm>
-        </p:spPr>
+        <p:spPr/>
         <p:txBody>
           <a:bodyPr/>
           <a:lstStyle/>
           <a:p>
-            <a:pPr algn="l"/>
-            <a:r>
-              <a:rPr lang="en-US" sz="4000" dirty="0" smtClean="0"/>
-              <a:t>Testing and Verification</a:t>
-            </a:r>
-            <a:endParaRPr lang="en-US" sz="4000" dirty="0"/>
+            <a:r>
+              <a:rPr lang="en-US" dirty="0" smtClean="0"/>
+              <a:t>Demo</a:t>
+            </a:r>
+            <a:endParaRPr lang="en-US" dirty="0"/>
           </a:p>
         </p:txBody>
       </p:sp>
@@ -8097,7 +8584,7 @@
         </p:nvSpPr>
         <p:spPr>
           <a:xfrm>
-            <a:off x="1526976" y="1600200"/>
+            <a:off x="7042" y="1628800"/>
             <a:ext cx="8229600" cy="4525963"/>
           </a:xfrm>
         </p:spPr>
@@ -8105,14 +8592,21 @@
           <a:bodyPr/>
           <a:lstStyle/>
           <a:p>
-            <a:endParaRPr lang="en-US" sz="2400" dirty="0"/>
+            <a:pPr marL="914400" lvl="2" indent="0">
+              <a:buNone/>
+            </a:pPr>
+            <a:r>
+              <a:rPr lang="en-US" sz="4400" dirty="0" smtClean="0"/>
+              <a:t>		 Thank You</a:t>
+            </a:r>
+            <a:endParaRPr lang="en-US" sz="4400" dirty="0"/>
           </a:p>
         </p:txBody>
       </p:sp>
     </p:spTree>
     <p:extLst>
       <p:ext uri="{BB962C8B-B14F-4D97-AF65-F5344CB8AC3E}">
-        <p14:creationId xmlns:p14="http://schemas.microsoft.com/office/powerpoint/2010/main" val="3430005127"/>
+        <p14:creationId xmlns:p14="http://schemas.microsoft.com/office/powerpoint/2010/main" val="2500256256"/>
       </p:ext>
     </p:extLst>
   </p:cSld>
@@ -8208,7 +8702,28 @@
             </a:r>
             <a:r>
               <a:rPr lang="en-US" sz="2400" b="1" dirty="0"/>
-              <a:t>Campbell </a:t>
+              <a:t>Campbell  </a:t>
+            </a:r>
+            <a:r>
+              <a:rPr lang="en-US" sz="2400" b="1" dirty="0" smtClean="0"/>
+              <a:t>(System Architect)</a:t>
+            </a:r>
+          </a:p>
+          <a:p>
+            <a:pPr marL="0" indent="0">
+              <a:buNone/>
+            </a:pPr>
+            <a:r>
+              <a:rPr lang="en-US" sz="2400" b="1" dirty="0" err="1" smtClean="0"/>
+              <a:t>Sankalpa</a:t>
+            </a:r>
+            <a:r>
+              <a:rPr lang="en-US" sz="2400" b="1" dirty="0" smtClean="0"/>
+              <a:t> </a:t>
+            </a:r>
+            <a:r>
+              <a:rPr lang="en-US" sz="2400" b="1" dirty="0" err="1"/>
+              <a:t>Khadka</a:t>
             </a:r>
             <a:r>
               <a:rPr lang="en-US" sz="2400" b="1" dirty="0"/>
@@ -8216,24 +8731,21 @@
             </a:r>
             <a:r>
               <a:rPr lang="en-US" sz="2400" b="1" dirty="0" smtClean="0"/>
-              <a:t>(System Architect)</a:t>
-            </a:r>
+              <a:t>(Language Guru)</a:t>
+            </a:r>
+            <a:endParaRPr lang="en-US" sz="2400" b="1" dirty="0"/>
           </a:p>
           <a:p>
             <a:pPr marL="0" indent="0">
               <a:buNone/>
             </a:pPr>
             <a:r>
-              <a:rPr lang="en-US" sz="2400" b="1" dirty="0" err="1" smtClean="0"/>
-              <a:t>Sankalpa</a:t>
-            </a:r>
-            <a:r>
-              <a:rPr lang="en-US" sz="2400" b="1" dirty="0" smtClean="0"/>
-              <a:t> </a:t>
+              <a:rPr lang="en-US" sz="2400" b="1" dirty="0"/>
+              <a:t>Winnie </a:t>
             </a:r>
             <a:r>
               <a:rPr lang="en-US" sz="2400" b="1" dirty="0" err="1"/>
-              <a:t>Khadka</a:t>
+              <a:t>Narang</a:t>
             </a:r>
             <a:r>
               <a:rPr lang="en-US" sz="2400" b="1" dirty="0"/>
@@ -8241,7 +8753,7 @@
             </a:r>
             <a:r>
               <a:rPr lang="en-US" sz="2400" b="1" dirty="0" smtClean="0"/>
-              <a:t>(Language Guru)</a:t>
+              <a:t>(Verification and Validation)</a:t>
             </a:r>
             <a:endParaRPr lang="en-US" sz="2400" b="1" dirty="0"/>
           </a:p>
@@ -8251,58 +8763,48 @@
             </a:pPr>
             <a:r>
               <a:rPr lang="en-US" sz="2400" b="1" dirty="0"/>
-              <a:t>Winnie </a:t>
-            </a:r>
+              <a:t>J</a:t>
+            </a:r>
+            <a:r>
+              <a:rPr lang="en-US" sz="2400" b="1" dirty="0" smtClean="0"/>
+              <a:t>onathan </a:t>
+            </a:r>
+            <a:r>
+              <a:rPr lang="en-US" sz="2400" b="1" dirty="0"/>
+              <a:t>Wong </a:t>
+            </a:r>
+            <a:r>
+              <a:rPr lang="en-US" sz="2400" b="1" dirty="0" smtClean="0"/>
+              <a:t>(Manager)</a:t>
+            </a:r>
+          </a:p>
+          <a:p>
+            <a:pPr marL="0" indent="0">
+              <a:buNone/>
+            </a:pPr>
             <a:r>
               <a:rPr lang="en-US" sz="2400" b="1" dirty="0" err="1"/>
-              <a:t>Narang</a:t>
+              <a:t>Clément</a:t>
             </a:r>
             <a:r>
               <a:rPr lang="en-US" sz="2400" b="1" dirty="0"/>
               <a:t> </a:t>
             </a:r>
             <a:r>
-              <a:rPr lang="en-US" sz="2400" b="1" dirty="0" smtClean="0"/>
-              <a:t>(Verification and Validation)</a:t>
-            </a:r>
-            <a:endParaRPr lang="en-US" sz="2400" b="1" dirty="0"/>
-          </a:p>
-          <a:p>
-            <a:pPr marL="0" indent="0">
-              <a:buNone/>
-            </a:pPr>
-            <a:r>
-              <a:rPr lang="en-US" sz="2400" b="1" dirty="0"/>
-              <a:t>J</a:t>
-            </a:r>
-            <a:r>
-              <a:rPr lang="en-US" sz="2400" b="1" dirty="0" smtClean="0"/>
-              <a:t>onathan </a:t>
-            </a:r>
-            <a:r>
-              <a:rPr lang="en-US" sz="2400" b="1" dirty="0"/>
-              <a:t>Wong </a:t>
-            </a:r>
-            <a:r>
-              <a:rPr lang="en-US" sz="2400" b="1" dirty="0" smtClean="0"/>
-              <a:t>(Manager)</a:t>
-            </a:r>
-          </a:p>
-          <a:p>
-            <a:pPr marL="0" indent="0">
-              <a:buNone/>
-            </a:pPr>
-            <a:r>
-              <a:rPr lang="en-US" sz="2400" b="1" dirty="0" err="1"/>
-              <a:t>Clément</a:t>
-            </a:r>
-            <a:r>
-              <a:rPr lang="en-US" sz="2400" b="1" dirty="0"/>
-              <a:t> </a:t>
-            </a:r>
-            <a:r>
               <a:rPr lang="en-US" sz="2400" b="1" dirty="0" err="1" smtClean="0"/>
               <a:t>Canonne</a:t>
+            </a:r>
+            <a:r>
+              <a:rPr lang="en-US" sz="2400" b="1" dirty="0" smtClean="0"/>
+              <a:t> (</a:t>
+            </a:r>
+            <a:r>
+              <a:rPr lang="en-US" sz="2400" b="1" dirty="0" err="1" smtClean="0"/>
+              <a:t>LaTex</a:t>
+            </a:r>
+            <a:r>
+              <a:rPr lang="en-US" sz="2400" b="1" dirty="0" smtClean="0"/>
+              <a:t>)</a:t>
             </a:r>
             <a:endParaRPr lang="en-US" sz="2400" b="1" dirty="0"/>
           </a:p>
@@ -8366,7 +8868,7 @@
             <a:pPr algn="l"/>
             <a:r>
               <a:rPr lang="en-US" sz="4000" dirty="0" smtClean="0"/>
-              <a:t>Overview &amp; Motivation</a:t>
+              <a:t>Introduction</a:t>
             </a:r>
             <a:endParaRPr lang="en-US" sz="4000" dirty="0"/>
           </a:p>
@@ -8384,7 +8886,7 @@
         </p:nvSpPr>
         <p:spPr>
           <a:xfrm>
-            <a:off x="1526976" y="1556792"/>
+            <a:off x="1331640" y="1340768"/>
             <a:ext cx="8229600" cy="4525963"/>
           </a:xfrm>
         </p:spPr>
@@ -8399,10 +8901,117 @@
               <a:rPr lang="en-US" sz="2400" b="1" dirty="0" smtClean="0"/>
               <a:t>Quantum Computing</a:t>
             </a:r>
+          </a:p>
+          <a:p>
+            <a:pPr>
+              <a:buFontTx/>
+              <a:buChar char="-"/>
+            </a:pPr>
+            <a:r>
+              <a:rPr lang="en-US" sz="2400" b="1" dirty="0" smtClean="0"/>
+              <a:t>Computing using principle of Quantum Mechanics.</a:t>
+            </a:r>
+          </a:p>
+          <a:p>
+            <a:pPr>
+              <a:buFontTx/>
+              <a:buChar char="-"/>
+            </a:pPr>
+            <a:r>
+              <a:rPr lang="en-US" sz="2400" b="1" dirty="0" smtClean="0"/>
+              <a:t>Simple analogies with Classical Computing.</a:t>
+            </a:r>
+          </a:p>
+          <a:p>
+            <a:pPr lvl="1">
+              <a:buFontTx/>
+              <a:buChar char="-"/>
+            </a:pPr>
+            <a:r>
+              <a:rPr lang="en-US" sz="2000" b="1" dirty="0" smtClean="0"/>
+              <a:t>Bits – 101  -&gt; Qubits (vectors) - |101&gt; </a:t>
+            </a:r>
+          </a:p>
+          <a:p>
+            <a:pPr lvl="1">
+              <a:buFontTx/>
+              <a:buChar char="-"/>
+            </a:pPr>
+            <a:r>
+              <a:rPr lang="en-US" sz="2000" b="1" dirty="0" smtClean="0"/>
+              <a:t>Gates – AND, OR, etc. -&gt; Unitary Matrices – H , X, Y, Z</a:t>
+            </a:r>
+          </a:p>
+          <a:p>
+            <a:pPr marL="457200" lvl="1" indent="0">
+              <a:buNone/>
+            </a:pPr>
+            <a:endParaRPr lang="en-US" sz="2000" b="1" dirty="0" smtClean="0"/>
+          </a:p>
+          <a:p>
+            <a:pPr marL="457200" lvl="1" indent="0">
+              <a:buNone/>
+            </a:pPr>
+            <a:endParaRPr lang="en-US" sz="2000" b="1" dirty="0" smtClean="0"/>
+          </a:p>
+          <a:p>
+            <a:pPr>
+              <a:buFontTx/>
+              <a:buChar char="-"/>
+            </a:pPr>
+            <a:endParaRPr lang="en-US" sz="2400" b="1" dirty="0" smtClean="0"/>
+          </a:p>
+          <a:p>
+            <a:pPr>
+              <a:buFontTx/>
+              <a:buChar char="-"/>
+            </a:pPr>
+            <a:endParaRPr lang="en-US" sz="2400" b="1" dirty="0" smtClean="0"/>
+          </a:p>
+          <a:p>
+            <a:pPr marL="0" indent="0">
+              <a:buNone/>
+            </a:pPr>
             <a:endParaRPr lang="en-US" sz="2400" b="1" dirty="0"/>
           </a:p>
-        </p:txBody>
-      </p:sp>
+          <a:p>
+            <a:pPr marL="0" indent="0">
+              <a:buNone/>
+            </a:pPr>
+            <a:endParaRPr lang="en-US" sz="2400" b="1" dirty="0"/>
+          </a:p>
+        </p:txBody>
+      </p:sp>
+      <p:pic>
+        <p:nvPicPr>
+          <p:cNvPr id="3" name="Picture 2" descr="gate.tiff"/>
+          <p:cNvPicPr>
+            <a:picLocks noChangeAspect="1"/>
+          </p:cNvPicPr>
+          <p:nvPr/>
+        </p:nvPicPr>
+        <p:blipFill>
+          <a:blip r:embed="rId2">
+            <a:extLst>
+              <a:ext uri="{28A0092B-C50C-407E-A947-70E740481C1C}">
+                <a14:useLocalDpi xmlns:a14="http://schemas.microsoft.com/office/drawing/2010/main" val="0"/>
+              </a:ext>
+            </a:extLst>
+          </a:blip>
+          <a:stretch>
+            <a:fillRect/>
+          </a:stretch>
+        </p:blipFill>
+        <p:spPr>
+          <a:xfrm>
+            <a:off x="2555776" y="3645024"/>
+            <a:ext cx="5400600" cy="1944216"/>
+          </a:xfrm>
+          <a:prstGeom prst="rect">
+            <a:avLst/>
+          </a:prstGeom>
+        </p:spPr>
+      </p:pic>
     </p:spTree>
     <p:extLst>
       <p:ext uri="{BB962C8B-B14F-4D97-AF65-F5344CB8AC3E}">
@@ -8463,7 +9072,7 @@
             <a:pPr algn="l"/>
             <a:r>
               <a:rPr lang="en-US" sz="4000" dirty="0" smtClean="0"/>
-              <a:t>Overview &amp; Motivation</a:t>
+              <a:t>Motivations</a:t>
             </a:r>
             <a:endParaRPr lang="en-US" sz="4000" dirty="0"/>
           </a:p>
@@ -8481,8 +9090,8 @@
         </p:nvSpPr>
         <p:spPr>
           <a:xfrm>
-            <a:off x="1526976" y="1556793"/>
-            <a:ext cx="4125144" cy="3528392"/>
+            <a:off x="1526976" y="1556792"/>
+            <a:ext cx="7617024" cy="4525963"/>
           </a:xfrm>
         </p:spPr>
         <p:txBody>
@@ -8493,59 +9102,93 @@
               <a:buNone/>
             </a:pPr>
             <a:r>
-              <a:rPr lang="en-US" sz="2400" b="1" dirty="0" smtClean="0"/>
-              <a:t>Example Code</a:t>
-            </a:r>
-            <a:endParaRPr lang="en-US" sz="2400" dirty="0" smtClean="0">
-              <a:latin typeface="Courier"/>
-              <a:cs typeface="Courier"/>
-            </a:endParaRPr>
+              <a:rPr lang="en-US" sz="2000" dirty="0" smtClean="0"/>
+              <a:t>Design language to perform quantum computation and simulate quantum algorithm through</a:t>
+            </a:r>
           </a:p>
           <a:p>
             <a:pPr marL="0" indent="0">
               <a:buNone/>
             </a:pPr>
-            <a:r>
-              <a:rPr lang="en-US" sz="1400" b="1" dirty="0" err="1">
-                <a:latin typeface="Courier"/>
-                <a:cs typeface="Courier"/>
-              </a:rPr>
-              <a:t>def</a:t>
-            </a:r>
-            <a:r>
-              <a:rPr lang="en-US" sz="1400" b="1" dirty="0">
-                <a:latin typeface="Courier"/>
-                <a:cs typeface="Courier"/>
-              </a:rPr>
+            <a:endParaRPr lang="en-US" sz="2000" dirty="0" smtClean="0"/>
+          </a:p>
+          <a:p>
+            <a:r>
+              <a:rPr lang="en-US" sz="2000" dirty="0"/>
+              <a:t>S</a:t>
+            </a:r>
+            <a:r>
+              <a:rPr lang="en-US" sz="2000" dirty="0" smtClean="0"/>
+              <a:t>imple and intuitive syntax </a:t>
+            </a:r>
+          </a:p>
+          <a:p>
+            <a:r>
+              <a:rPr lang="en-US" sz="2000" dirty="0" smtClean="0"/>
+              <a:t>Leverage well-known and elegant Dirac notation for </a:t>
+            </a:r>
+            <a:r>
+              <a:rPr lang="en-US" sz="2000" dirty="0" err="1" smtClean="0"/>
+              <a:t>qubit</a:t>
+            </a:r>
+            <a:r>
+              <a:rPr lang="en-US" sz="2000" dirty="0" smtClean="0"/>
+              <a:t> representation.</a:t>
+            </a:r>
+          </a:p>
+          <a:p>
+            <a:pPr marL="0" indent="0">
+              <a:buNone/>
+            </a:pPr>
+            <a:r>
+              <a:rPr lang="en-US" sz="1600" dirty="0" smtClean="0"/>
+              <a:t>	</a:t>
+            </a:r>
+            <a:r>
+              <a:rPr lang="en-US" sz="1600" dirty="0"/>
+              <a:t>	</a:t>
+            </a:r>
+            <a:r>
+              <a:rPr lang="en-US" sz="1600" dirty="0" smtClean="0"/>
+              <a:t>&lt;01101| (bra) or |1010&gt; (</a:t>
+            </a:r>
+            <a:r>
+              <a:rPr lang="en-US" sz="1600" dirty="0" err="1" smtClean="0"/>
+              <a:t>ket</a:t>
+            </a:r>
+            <a:r>
+              <a:rPr lang="en-US" sz="1600" dirty="0" smtClean="0"/>
+              <a:t>)</a:t>
+            </a:r>
+          </a:p>
+          <a:p>
+            <a:r>
+              <a:rPr lang="en-US" sz="2000" dirty="0" smtClean="0"/>
+              <a:t>Significantly reduces the complexity of dealing with matrices and their associated operation such as tensor product.</a:t>
+            </a:r>
+          </a:p>
+          <a:p>
+            <a:pPr marL="0" indent="0">
+              <a:buNone/>
+            </a:pPr>
+            <a:r>
+              <a:rPr lang="en-US" sz="1600" dirty="0" smtClean="0"/>
+              <a:t>		|</a:t>
+            </a:r>
+            <a:r>
+              <a:rPr lang="en-US" sz="1600" dirty="0"/>
+              <a:t>0&gt; @ |1&gt; </a:t>
+            </a:r>
+            <a:endParaRPr lang="en-US" sz="1600" dirty="0" smtClean="0"/>
+          </a:p>
+          <a:p>
+            <a:r>
+              <a:rPr lang="en-US" sz="2000" dirty="0"/>
               <a:t> </a:t>
             </a:r>
             <a:r>
-              <a:rPr lang="en-US" sz="1400" b="1" dirty="0" smtClean="0">
-                <a:latin typeface="Courier"/>
-                <a:cs typeface="Courier"/>
-              </a:rPr>
-              <a:t>add01(mat x) </a:t>
-            </a:r>
-            <a:r>
-              <a:rPr lang="en-US" sz="1400" b="1" dirty="0">
-                <a:latin typeface="Courier"/>
-                <a:cs typeface="Courier"/>
-              </a:rPr>
-              <a:t>: mat </a:t>
-            </a:r>
-            <a:r>
-              <a:rPr lang="en-US" sz="1400" b="1" dirty="0" smtClean="0">
-                <a:latin typeface="Courier"/>
-                <a:cs typeface="Courier"/>
-              </a:rPr>
-              <a:t>result </a:t>
-            </a:r>
-            <a:r>
-              <a:rPr lang="en-US" sz="1400" b="1" dirty="0">
-                <a:latin typeface="Courier"/>
-                <a:cs typeface="Courier"/>
-              </a:rPr>
-              <a:t>{</a:t>
+              <a:rPr lang="en-US" sz="2000" dirty="0" smtClean="0"/>
+              <a:t>Provide comprehensive set of operators for quantum computation.</a:t>
             </a:r>
           </a:p>
           <a:p>
@@ -8553,305 +9196,28 @@
               <a:buNone/>
             </a:pPr>
             <a:r>
-              <a:rPr lang="en-US" sz="1400" b="1" dirty="0">
-                <a:latin typeface="Courier"/>
-                <a:cs typeface="Courier"/>
-              </a:rPr>
-              <a:t> </a:t>
-            </a:r>
-            <a:r>
-              <a:rPr lang="en-US" sz="1400" b="1" dirty="0" smtClean="0">
-                <a:latin typeface="Courier"/>
-                <a:cs typeface="Courier"/>
-              </a:rPr>
-              <a:t>   mat </a:t>
-            </a:r>
-            <a:r>
-              <a:rPr lang="en-US" sz="1400" b="1" dirty="0">
-                <a:latin typeface="Courier"/>
-                <a:cs typeface="Courier"/>
-              </a:rPr>
-              <a:t>y</a:t>
-            </a:r>
-            <a:r>
-              <a:rPr lang="en-US" sz="1400" b="1" dirty="0" smtClean="0">
-                <a:latin typeface="Courier"/>
-                <a:cs typeface="Courier"/>
-              </a:rPr>
-              <a:t>;</a:t>
-            </a:r>
-            <a:endParaRPr lang="fi-FI" sz="1400" b="1" dirty="0">
-              <a:latin typeface="Courier"/>
-              <a:cs typeface="Courier"/>
-            </a:endParaRPr>
+              <a:rPr lang="en-US" sz="1600" dirty="0" smtClean="0"/>
+              <a:t>	</a:t>
+            </a:r>
           </a:p>
           <a:p>
             <a:pPr marL="0" indent="0">
               <a:buNone/>
             </a:pPr>
-            <a:r>
-              <a:rPr lang="fr-FR" sz="1400" b="1" dirty="0" smtClean="0">
-                <a:latin typeface="Courier"/>
-                <a:cs typeface="Courier"/>
-              </a:rPr>
-              <a:t>    y </a:t>
-            </a:r>
-            <a:r>
-              <a:rPr lang="fr-FR" sz="1400" b="1" dirty="0">
-                <a:latin typeface="Courier"/>
-                <a:cs typeface="Courier"/>
-              </a:rPr>
-              <a:t>= &lt;01|</a:t>
-            </a:r>
-            <a:r>
-              <a:rPr lang="fr-FR" sz="1400" b="1" dirty="0" smtClean="0">
-                <a:latin typeface="Courier"/>
-                <a:cs typeface="Courier"/>
-              </a:rPr>
-              <a:t>;</a:t>
-            </a:r>
-            <a:endParaRPr lang="es-ES_tradnl" sz="1400" b="1" dirty="0">
-              <a:latin typeface="Courier"/>
-              <a:cs typeface="Courier"/>
-            </a:endParaRPr>
+            <a:endParaRPr lang="en-US" sz="1600" dirty="0" smtClean="0"/>
           </a:p>
           <a:p>
             <a:pPr marL="0" indent="0">
               <a:buNone/>
             </a:pPr>
-            <a:r>
-              <a:rPr lang="es-ES_tradnl" sz="1400" b="1" dirty="0" smtClean="0">
-                <a:latin typeface="Courier"/>
-                <a:cs typeface="Courier"/>
-              </a:rPr>
-              <a:t>    </a:t>
-            </a:r>
-            <a:r>
-              <a:rPr lang="en-US" sz="1400" b="1" dirty="0">
-                <a:latin typeface="Courier"/>
-                <a:cs typeface="Courier"/>
-              </a:rPr>
-              <a:t>result </a:t>
-            </a:r>
-            <a:r>
-              <a:rPr lang="es-ES_tradnl" sz="1400" b="1" dirty="0" smtClean="0">
-                <a:latin typeface="Courier"/>
-                <a:cs typeface="Courier"/>
-              </a:rPr>
-              <a:t>= </a:t>
-            </a:r>
-            <a:r>
-              <a:rPr lang="es-ES_tradnl" sz="1400" b="1" dirty="0">
-                <a:latin typeface="Courier"/>
-                <a:cs typeface="Courier"/>
-              </a:rPr>
-              <a:t>x + y</a:t>
-            </a:r>
-            <a:r>
-              <a:rPr lang="es-ES_tradnl" sz="1400" b="1" dirty="0" smtClean="0">
-                <a:latin typeface="Courier"/>
-                <a:cs typeface="Courier"/>
-              </a:rPr>
-              <a:t>;</a:t>
-            </a:r>
-          </a:p>
-          <a:p>
-            <a:pPr marL="0" indent="0">
-              <a:buNone/>
-            </a:pPr>
-            <a:r>
-              <a:rPr lang="es-ES_tradnl" sz="1400" b="1" dirty="0" smtClean="0">
-                <a:latin typeface="Courier"/>
-                <a:cs typeface="Courier"/>
-              </a:rPr>
-              <a:t>}</a:t>
-            </a:r>
-            <a:endParaRPr lang="es-ES_tradnl" sz="1400" b="1" dirty="0">
-              <a:latin typeface="Courier"/>
-              <a:cs typeface="Courier"/>
-            </a:endParaRPr>
-          </a:p>
-          <a:p>
-            <a:pPr marL="0" indent="0">
-              <a:buNone/>
-            </a:pPr>
-            <a:endParaRPr lang="es-ES_tradnl" sz="1400" b="1" dirty="0">
-              <a:latin typeface="Courier"/>
-              <a:cs typeface="Courier"/>
-            </a:endParaRPr>
-          </a:p>
-          <a:p>
-            <a:pPr marL="0" indent="0">
-              <a:buNone/>
-            </a:pPr>
-            <a:r>
-              <a:rPr lang="es-ES_tradnl" sz="1400" b="1" dirty="0" err="1" smtClean="0">
-                <a:latin typeface="Courier"/>
-                <a:cs typeface="Courier"/>
-              </a:rPr>
-              <a:t>def</a:t>
-            </a:r>
-            <a:r>
-              <a:rPr lang="es-ES_tradnl" sz="1400" b="1" dirty="0" smtClean="0">
-                <a:latin typeface="Courier"/>
-                <a:cs typeface="Courier"/>
-              </a:rPr>
-              <a:t> </a:t>
-            </a:r>
-            <a:r>
-              <a:rPr lang="es-ES_tradnl" sz="1400" b="1" dirty="0">
-                <a:latin typeface="Courier"/>
-                <a:cs typeface="Courier"/>
-              </a:rPr>
-              <a:t>compute(</a:t>
-            </a:r>
-            <a:r>
-              <a:rPr lang="es-ES_tradnl" sz="1400" b="1" dirty="0" smtClean="0">
-                <a:latin typeface="Courier"/>
-                <a:cs typeface="Courier"/>
-              </a:rPr>
-              <a:t>) : </a:t>
-            </a:r>
-            <a:r>
-              <a:rPr lang="es-ES_tradnl" sz="1400" b="1" dirty="0" err="1" smtClean="0">
-                <a:latin typeface="Courier"/>
-                <a:cs typeface="Courier"/>
-              </a:rPr>
-              <a:t>mat</a:t>
-            </a:r>
-            <a:r>
-              <a:rPr lang="es-ES_tradnl" sz="1400" b="1" dirty="0" smtClean="0">
-                <a:latin typeface="Courier"/>
-                <a:cs typeface="Courier"/>
-              </a:rPr>
-              <a:t> </a:t>
-            </a:r>
-            <a:r>
-              <a:rPr lang="es-ES_tradnl" sz="1400" b="1" dirty="0" err="1" smtClean="0">
-                <a:latin typeface="Courier"/>
-                <a:cs typeface="Courier"/>
-              </a:rPr>
-              <a:t>final_result</a:t>
-            </a:r>
-            <a:r>
-              <a:rPr lang="es-ES_tradnl" sz="1400" b="1" dirty="0" smtClean="0">
-                <a:latin typeface="Courier"/>
-                <a:cs typeface="Courier"/>
-              </a:rPr>
-              <a:t> {</a:t>
-            </a:r>
-          </a:p>
-          <a:p>
-            <a:pPr marL="0" indent="0">
-              <a:buNone/>
-            </a:pPr>
-            <a:r>
-              <a:rPr lang="es-ES_tradnl" sz="1400" b="1" dirty="0" smtClean="0">
-                <a:latin typeface="Courier"/>
-                <a:cs typeface="Courier"/>
-              </a:rPr>
-              <a:t>    </a:t>
-            </a:r>
-            <a:r>
-              <a:rPr lang="nl-NL" sz="1400" b="1" dirty="0" smtClean="0">
-                <a:latin typeface="Courier"/>
-                <a:cs typeface="Courier"/>
-              </a:rPr>
-              <a:t>mat x;</a:t>
-            </a:r>
-          </a:p>
-          <a:p>
-            <a:pPr marL="0" indent="0">
-              <a:buNone/>
-            </a:pPr>
-            <a:r>
-              <a:rPr lang="nl-NL" sz="1400" b="1" dirty="0" smtClean="0">
-                <a:latin typeface="Courier"/>
-                <a:cs typeface="Courier"/>
-              </a:rPr>
-              <a:t>    x = &lt;10;</a:t>
-            </a:r>
-          </a:p>
-          <a:p>
-            <a:pPr marL="0" indent="0">
-              <a:buNone/>
-            </a:pPr>
-            <a:r>
-              <a:rPr lang="nl-NL" sz="1400" b="1" dirty="0">
-                <a:latin typeface="Courier"/>
-                <a:cs typeface="Courier"/>
-              </a:rPr>
-              <a:t> </a:t>
-            </a:r>
-            <a:r>
-              <a:rPr lang="nl-NL" sz="1400" b="1" dirty="0" smtClean="0">
-                <a:latin typeface="Courier"/>
-                <a:cs typeface="Courier"/>
-              </a:rPr>
-              <a:t>   </a:t>
-            </a:r>
-            <a:r>
-              <a:rPr lang="es-ES_tradnl" sz="1400" b="1" dirty="0" err="1">
-                <a:latin typeface="Courier"/>
-                <a:cs typeface="Courier"/>
-              </a:rPr>
-              <a:t>final_result</a:t>
-            </a:r>
-            <a:r>
-              <a:rPr lang="es-ES_tradnl" sz="1400" b="1" dirty="0">
-                <a:latin typeface="Courier"/>
-                <a:cs typeface="Courier"/>
-              </a:rPr>
-              <a:t> </a:t>
-            </a:r>
-            <a:r>
-              <a:rPr lang="nl-NL" sz="1400" b="1" dirty="0" smtClean="0">
-                <a:latin typeface="Courier"/>
-                <a:cs typeface="Courier"/>
-              </a:rPr>
-              <a:t>= </a:t>
-            </a:r>
-            <a:r>
-              <a:rPr lang="en-US" sz="1400" b="1" dirty="0" smtClean="0">
-                <a:latin typeface="Courier"/>
-                <a:cs typeface="Courier"/>
-              </a:rPr>
-              <a:t>add01</a:t>
-            </a:r>
-            <a:r>
-              <a:rPr lang="nl-NL" sz="1400" b="1" dirty="0" smtClean="0">
-                <a:latin typeface="Courier"/>
-                <a:cs typeface="Courier"/>
-              </a:rPr>
-              <a:t>(x);</a:t>
-            </a:r>
-            <a:endParaRPr lang="nl-NL" sz="1400" b="1" dirty="0">
-              <a:latin typeface="Courier"/>
-              <a:cs typeface="Courier"/>
-            </a:endParaRPr>
-          </a:p>
-          <a:p>
-            <a:pPr marL="0" indent="0">
-              <a:buNone/>
-            </a:pPr>
-            <a:r>
-              <a:rPr lang="nl-NL" sz="1400" b="1" dirty="0" smtClean="0">
-                <a:latin typeface="Courier"/>
-                <a:cs typeface="Courier"/>
-              </a:rPr>
-              <a:t>}</a:t>
-            </a:r>
-            <a:endParaRPr lang="en-US" sz="1400" dirty="0">
-              <a:latin typeface="Courier"/>
-              <a:cs typeface="Courier"/>
-            </a:endParaRPr>
+            <a:endParaRPr lang="en-US" sz="1600" dirty="0" smtClean="0"/>
           </a:p>
         </p:txBody>
       </p:sp>
     </p:spTree>
     <p:extLst>
       <p:ext uri="{BB962C8B-B14F-4D97-AF65-F5344CB8AC3E}">
-        <p14:creationId xmlns:p14="http://schemas.microsoft.com/office/powerpoint/2010/main" val="2852806127"/>
+        <p14:creationId xmlns:p14="http://schemas.microsoft.com/office/powerpoint/2010/main" val="768119166"/>
       </p:ext>
     </p:extLst>
   </p:cSld>
@@ -8908,7 +9274,11 @@
             <a:pPr algn="l"/>
             <a:r>
               <a:rPr lang="en-US" sz="4000" dirty="0" smtClean="0"/>
-              <a:t>Overview &amp; Motivation</a:t>
+              <a:t>Result: </a:t>
+            </a:r>
+            <a:r>
+              <a:rPr lang="en-US" sz="4000" dirty="0" err="1" smtClean="0"/>
+              <a:t>QLang</a:t>
             </a:r>
             <a:endParaRPr lang="en-US" sz="4000" dirty="0"/>
           </a:p>
@@ -8926,8 +9296,8 @@
         </p:nvSpPr>
         <p:spPr>
           <a:xfrm>
-            <a:off x="1526976" y="1556792"/>
-            <a:ext cx="7617024" cy="4525963"/>
+            <a:off x="2555776" y="1628800"/>
+            <a:ext cx="4824536" cy="3888431"/>
           </a:xfrm>
         </p:spPr>
         <p:txBody>
@@ -8938,20 +9308,39 @@
               <a:buNone/>
             </a:pPr>
             <a:r>
-              <a:rPr lang="en-US" sz="2400" b="1" dirty="0" smtClean="0"/>
-              <a:t>Benefits</a:t>
-            </a:r>
-          </a:p>
-          <a:p>
-            <a:r>
-              <a:rPr lang="en-US" sz="2000" dirty="0" smtClean="0"/>
-              <a:t>Enforces simple and intuitive syntax</a:t>
-            </a:r>
-          </a:p>
-          <a:p>
-            <a:r>
-              <a:rPr lang="en-US" sz="2000" dirty="0" smtClean="0"/>
-              <a:t>Leverages well-known and elegant Dirac notation</a:t>
+              <a:rPr lang="en-US" sz="1800" b="1" dirty="0" err="1" smtClean="0">
+                <a:latin typeface="Courier"/>
+                <a:cs typeface="Courier"/>
+              </a:rPr>
+              <a:t>def</a:t>
+            </a:r>
+            <a:r>
+              <a:rPr lang="en-US" sz="1800" b="1" dirty="0" smtClean="0">
+                <a:latin typeface="Courier"/>
+                <a:cs typeface="Courier"/>
+              </a:rPr>
+              <a:t> apply(mat x) </a:t>
+            </a:r>
+            <a:r>
+              <a:rPr lang="en-US" sz="1800" b="1" dirty="0">
+                <a:latin typeface="Courier"/>
+                <a:cs typeface="Courier"/>
+              </a:rPr>
+              <a:t>: mat </a:t>
+            </a:r>
+            <a:r>
+              <a:rPr lang="en-US" sz="1800" b="1" dirty="0" smtClean="0">
+                <a:latin typeface="Courier"/>
+                <a:cs typeface="Courier"/>
+              </a:rPr>
+              <a:t>result </a:t>
+            </a:r>
+            <a:r>
+              <a:rPr lang="en-US" sz="1800" b="1" dirty="0">
+                <a:latin typeface="Courier"/>
+                <a:cs typeface="Courier"/>
+              </a:rPr>
+              <a:t>{</a:t>
             </a:r>
           </a:p>
           <a:p>
@@ -8959,60 +9348,291 @@
               <a:buNone/>
             </a:pPr>
             <a:r>
-              <a:rPr lang="en-US" sz="1600" dirty="0" smtClean="0"/>
-              <a:t>	&lt;01101|</a:t>
-            </a:r>
-          </a:p>
-          <a:p>
-            <a:r>
-              <a:rPr lang="en-US" sz="2000" dirty="0" smtClean="0"/>
-              <a:t>Significantly reduces the complexity of dealing with </a:t>
-            </a:r>
-            <a:r>
-              <a:rPr lang="en-US" sz="2000" dirty="0" err="1" smtClean="0"/>
-              <a:t>matricies</a:t>
-            </a:r>
-            <a:r>
-              <a:rPr lang="en-US" sz="2000" dirty="0" smtClean="0"/>
-              <a:t> and their associated operations</a:t>
-            </a:r>
+              <a:rPr lang="en-US" sz="1800" b="1" dirty="0">
+                <a:latin typeface="Courier"/>
+                <a:cs typeface="Courier"/>
+              </a:rPr>
+              <a:t> </a:t>
+            </a:r>
+            <a:r>
+              <a:rPr lang="en-US" sz="1800" b="1" dirty="0" smtClean="0">
+                <a:latin typeface="Courier"/>
+                <a:cs typeface="Courier"/>
+              </a:rPr>
+              <a:t>   mat </a:t>
+            </a:r>
+            <a:r>
+              <a:rPr lang="en-US" sz="1800" b="1" dirty="0">
+                <a:latin typeface="Courier"/>
+                <a:cs typeface="Courier"/>
+              </a:rPr>
+              <a:t>y</a:t>
+            </a:r>
+            <a:r>
+              <a:rPr lang="en-US" sz="1800" b="1" dirty="0" smtClean="0">
+                <a:latin typeface="Courier"/>
+                <a:cs typeface="Courier"/>
+              </a:rPr>
+              <a:t>;</a:t>
+            </a:r>
+            <a:endParaRPr lang="fi-FI" sz="1800" b="1" dirty="0">
+              <a:latin typeface="Courier"/>
+              <a:cs typeface="Courier"/>
+            </a:endParaRPr>
           </a:p>
           <a:p>
             <a:pPr marL="0" indent="0">
               <a:buNone/>
             </a:pPr>
             <a:r>
-              <a:rPr lang="en-US" sz="1600" dirty="0" smtClean="0"/>
-              <a:t>	|</a:t>
-            </a:r>
-            <a:r>
-              <a:rPr lang="en-US" sz="1600" dirty="0"/>
-              <a:t>0&gt; @ |1</a:t>
-            </a:r>
-            <a:r>
-              <a:rPr lang="en-US" sz="1600" dirty="0" smtClean="0"/>
-              <a:t>&gt;</a:t>
-            </a:r>
-          </a:p>
-          <a:p>
-            <a:r>
-              <a:rPr lang="en-US" sz="2000" dirty="0" smtClean="0"/>
-              <a:t>Designed for carrying out computations</a:t>
-            </a:r>
-          </a:p>
-          <a:p>
-            <a:r>
-              <a:rPr lang="en-US" sz="2000" dirty="0" smtClean="0"/>
-              <a:t>Excellent for implementing quantum algorithms</a:t>
-            </a:r>
-            <a:endParaRPr lang="en-US" sz="2000" dirty="0"/>
+              <a:rPr lang="fr-FR" sz="1800" b="1" dirty="0" smtClean="0">
+                <a:latin typeface="Courier"/>
+                <a:cs typeface="Courier"/>
+              </a:rPr>
+              <a:t>    y </a:t>
+            </a:r>
+            <a:r>
+              <a:rPr lang="fr-FR" sz="1800" b="1" dirty="0">
+                <a:latin typeface="Courier"/>
+                <a:cs typeface="Courier"/>
+              </a:rPr>
+              <a:t>= </a:t>
+            </a:r>
+            <a:r>
+              <a:rPr lang="fr-FR" sz="1800" b="1" dirty="0" smtClean="0">
+                <a:latin typeface="Courier"/>
+                <a:cs typeface="Courier"/>
+              </a:rPr>
+              <a:t>|0&gt;;</a:t>
+            </a:r>
+            <a:endParaRPr lang="es-ES_tradnl" sz="1800" b="1" dirty="0">
+              <a:latin typeface="Courier"/>
+              <a:cs typeface="Courier"/>
+            </a:endParaRPr>
+          </a:p>
+          <a:p>
+            <a:pPr marL="0" indent="0">
+              <a:buNone/>
+            </a:pPr>
+            <a:r>
+              <a:rPr lang="es-ES_tradnl" sz="1800" b="1" dirty="0" smtClean="0">
+                <a:latin typeface="Courier"/>
+                <a:cs typeface="Courier"/>
+              </a:rPr>
+              <a:t>    </a:t>
+            </a:r>
+            <a:r>
+              <a:rPr lang="en-US" sz="1800" b="1" dirty="0">
+                <a:latin typeface="Courier"/>
+                <a:cs typeface="Courier"/>
+              </a:rPr>
+              <a:t>result </a:t>
+            </a:r>
+            <a:r>
+              <a:rPr lang="es-ES_tradnl" sz="1800" b="1" dirty="0" smtClean="0">
+                <a:latin typeface="Courier"/>
+                <a:cs typeface="Courier"/>
+              </a:rPr>
+              <a:t>= y*x;</a:t>
+            </a:r>
+          </a:p>
+          <a:p>
+            <a:pPr marL="0" indent="0">
+              <a:buNone/>
+            </a:pPr>
+            <a:r>
+              <a:rPr lang="es-ES_tradnl" sz="1800" b="1" dirty="0" smtClean="0">
+                <a:latin typeface="Courier"/>
+                <a:cs typeface="Courier"/>
+              </a:rPr>
+              <a:t>}</a:t>
+            </a:r>
+            <a:endParaRPr lang="es-ES_tradnl" sz="1800" b="1" dirty="0">
+              <a:latin typeface="Courier"/>
+              <a:cs typeface="Courier"/>
+            </a:endParaRPr>
+          </a:p>
+          <a:p>
+            <a:pPr marL="0" indent="0">
+              <a:buNone/>
+            </a:pPr>
+            <a:endParaRPr lang="es-ES_tradnl" sz="1800" b="1" dirty="0">
+              <a:latin typeface="Courier"/>
+              <a:cs typeface="Courier"/>
+            </a:endParaRPr>
+          </a:p>
+          <a:p>
+            <a:pPr marL="0" indent="0">
+              <a:buNone/>
+            </a:pPr>
+            <a:r>
+              <a:rPr lang="es-ES_tradnl" sz="1800" b="1" dirty="0" err="1" smtClean="0">
+                <a:latin typeface="Courier"/>
+                <a:cs typeface="Courier"/>
+              </a:rPr>
+              <a:t>def</a:t>
+            </a:r>
+            <a:r>
+              <a:rPr lang="es-ES_tradnl" sz="1800" b="1" dirty="0" smtClean="0">
+                <a:latin typeface="Courier"/>
+                <a:cs typeface="Courier"/>
+              </a:rPr>
+              <a:t> </a:t>
+            </a:r>
+            <a:r>
+              <a:rPr lang="es-ES_tradnl" sz="1800" b="1" dirty="0">
+                <a:latin typeface="Courier"/>
+                <a:cs typeface="Courier"/>
+              </a:rPr>
+              <a:t>compute(</a:t>
+            </a:r>
+            <a:r>
+              <a:rPr lang="es-ES_tradnl" sz="1800" b="1" dirty="0" smtClean="0">
+                <a:latin typeface="Courier"/>
+                <a:cs typeface="Courier"/>
+              </a:rPr>
+              <a:t>) : </a:t>
+            </a:r>
+            <a:r>
+              <a:rPr lang="es-ES_tradnl" sz="1800" b="1" dirty="0" err="1" smtClean="0">
+                <a:latin typeface="Courier"/>
+                <a:cs typeface="Courier"/>
+              </a:rPr>
+              <a:t>mat</a:t>
+            </a:r>
+            <a:r>
+              <a:rPr lang="es-ES_tradnl" sz="1800" b="1" dirty="0" smtClean="0">
+                <a:latin typeface="Courier"/>
+                <a:cs typeface="Courier"/>
+              </a:rPr>
+              <a:t> </a:t>
+            </a:r>
+            <a:r>
+              <a:rPr lang="es-ES_tradnl" sz="1800" b="1" dirty="0" err="1" smtClean="0">
+                <a:latin typeface="Courier"/>
+                <a:cs typeface="Courier"/>
+              </a:rPr>
+              <a:t>final_result</a:t>
+            </a:r>
+            <a:r>
+              <a:rPr lang="es-ES_tradnl" sz="1800" b="1" dirty="0" smtClean="0">
+                <a:latin typeface="Courier"/>
+                <a:cs typeface="Courier"/>
+              </a:rPr>
+              <a:t>{</a:t>
+            </a:r>
+          </a:p>
+          <a:p>
+            <a:pPr marL="0" indent="0">
+              <a:buNone/>
+            </a:pPr>
+            <a:r>
+              <a:rPr lang="es-ES_tradnl" sz="1800" b="1" dirty="0" smtClean="0">
+                <a:latin typeface="Courier"/>
+                <a:cs typeface="Courier"/>
+              </a:rPr>
+              <a:t>    </a:t>
+            </a:r>
+            <a:r>
+              <a:rPr lang="nl-NL" sz="1800" b="1" dirty="0" smtClean="0">
+                <a:latin typeface="Courier"/>
+                <a:cs typeface="Courier"/>
+              </a:rPr>
+              <a:t>mat x;</a:t>
+            </a:r>
+          </a:p>
+          <a:p>
+            <a:pPr marL="0" indent="0">
+              <a:buNone/>
+            </a:pPr>
+            <a:r>
+              <a:rPr lang="nl-NL" sz="1800" b="1" dirty="0" smtClean="0">
+                <a:latin typeface="Courier"/>
+                <a:cs typeface="Courier"/>
+              </a:rPr>
+              <a:t>    x = [(1,1)(1,-1)];</a:t>
+            </a:r>
+          </a:p>
+          <a:p>
+            <a:pPr marL="0" indent="0">
+              <a:buNone/>
+            </a:pPr>
+            <a:r>
+              <a:rPr lang="nl-NL" sz="1800" b="1" dirty="0">
+                <a:latin typeface="Courier"/>
+                <a:cs typeface="Courier"/>
+              </a:rPr>
+              <a:t> </a:t>
+            </a:r>
+            <a:r>
+              <a:rPr lang="nl-NL" sz="1800" b="1" dirty="0" smtClean="0">
+                <a:latin typeface="Courier"/>
+                <a:cs typeface="Courier"/>
+              </a:rPr>
+              <a:t>   </a:t>
+            </a:r>
+            <a:r>
+              <a:rPr lang="es-ES_tradnl" sz="1800" b="1" dirty="0" err="1">
+                <a:latin typeface="Courier"/>
+                <a:cs typeface="Courier"/>
+              </a:rPr>
+              <a:t>final_result</a:t>
+            </a:r>
+            <a:r>
+              <a:rPr lang="es-ES_tradnl" sz="1800" b="1" dirty="0">
+                <a:latin typeface="Courier"/>
+                <a:cs typeface="Courier"/>
+              </a:rPr>
+              <a:t> </a:t>
+            </a:r>
+            <a:r>
+              <a:rPr lang="nl-NL" sz="1800" b="1" dirty="0" smtClean="0">
+                <a:latin typeface="Courier"/>
+                <a:cs typeface="Courier"/>
+              </a:rPr>
+              <a:t>= </a:t>
+            </a:r>
+            <a:r>
+              <a:rPr lang="en-US" sz="1800" b="1" dirty="0" smtClean="0">
+                <a:latin typeface="Courier"/>
+                <a:cs typeface="Courier"/>
+              </a:rPr>
+              <a:t>apply</a:t>
+            </a:r>
+            <a:r>
+              <a:rPr lang="nl-NL" sz="1800" b="1" dirty="0" smtClean="0">
+                <a:latin typeface="Courier"/>
+                <a:cs typeface="Courier"/>
+              </a:rPr>
+              <a:t>(x);</a:t>
+            </a:r>
+            <a:endParaRPr lang="nl-NL" sz="1800" b="1" dirty="0">
+              <a:latin typeface="Courier"/>
+              <a:cs typeface="Courier"/>
+            </a:endParaRPr>
+          </a:p>
+          <a:p>
+            <a:pPr marL="0" indent="0">
+              <a:buNone/>
+            </a:pPr>
+            <a:r>
+              <a:rPr lang="nl-NL" sz="1800" b="1" dirty="0" smtClean="0">
+                <a:latin typeface="Courier"/>
+                <a:cs typeface="Courier"/>
+              </a:rPr>
+              <a:t>}</a:t>
+            </a:r>
+            <a:endParaRPr lang="en-US" sz="1800" dirty="0">
+              <a:latin typeface="Courier"/>
+              <a:cs typeface="Courier"/>
+            </a:endParaRPr>
           </a:p>
         </p:txBody>
       </p:sp>
     </p:spTree>
     <p:extLst>
       <p:ext uri="{BB962C8B-B14F-4D97-AF65-F5344CB8AC3E}">
-        <p14:creationId xmlns:p14="http://schemas.microsoft.com/office/powerpoint/2010/main" val="768119166"/>
+        <p14:creationId xmlns:p14="http://schemas.microsoft.com/office/powerpoint/2010/main" val="2852806127"/>
       </p:ext>
     </p:extLst>
   </p:cSld>
@@ -9048,9 +9668,9 @@
       </p:grpSpPr>
       <p:sp>
         <p:nvSpPr>
-          <p:cNvPr id="153602" name="Rectangle 2"/>
+          <p:cNvPr id="2" name="Title 1"/>
           <p:cNvSpPr>
-            <a:spLocks noGrp="1" noChangeArrowheads="1"/>
+            <a:spLocks noGrp="1"/>
           </p:cNvSpPr>
           <p:nvPr>
             <p:ph type="title"/>
@@ -9058,8 +9678,8 @@
         </p:nvSpPr>
         <p:spPr>
           <a:xfrm>
-            <a:off x="1547664" y="188913"/>
-            <a:ext cx="7077224" cy="981075"/>
+            <a:off x="1609328" y="188640"/>
+            <a:ext cx="6347048" cy="1143000"/>
           </a:xfrm>
         </p:spPr>
         <p:txBody>
@@ -9068,26 +9688,18 @@
           <a:p>
             <a:pPr algn="l"/>
             <a:r>
-              <a:rPr lang="en-US" sz="4000" dirty="0" smtClean="0">
-                <a:solidFill>
-                  <a:schemeClr val="tx1"/>
-                </a:solidFill>
-              </a:rPr>
-              <a:t>Tutorial Introduction</a:t>
-            </a:r>
-            <a:endParaRPr lang="en-US" sz="4000" dirty="0">
-              <a:solidFill>
-                <a:schemeClr val="tx1"/>
-              </a:solidFill>
-            </a:endParaRPr>
-          </a:p>
-        </p:txBody>
-      </p:sp>
-      <p:sp>
-        <p:nvSpPr>
-          <p:cNvPr id="153603" name="Rectangle 3"/>
+              <a:rPr lang="en-US" sz="4000" dirty="0" smtClean="0"/>
+              <a:t>Brief Tutorial</a:t>
+            </a:r>
+            <a:endParaRPr lang="en-US" sz="4000" dirty="0"/>
+          </a:p>
+        </p:txBody>
+      </p:sp>
+      <p:sp>
+        <p:nvSpPr>
+          <p:cNvPr id="5" name="Content Placeholder 4"/>
           <p:cNvSpPr>
-            <a:spLocks noGrp="1" noChangeArrowheads="1"/>
+            <a:spLocks noGrp="1"/>
           </p:cNvSpPr>
           <p:nvPr>
             <p:ph idx="1"/>
@@ -9095,30 +9707,206 @@
         </p:nvSpPr>
         <p:spPr>
           <a:xfrm>
-            <a:off x="1526976" y="1855788"/>
-            <a:ext cx="8229600" cy="4525962"/>
+            <a:off x="1526976" y="1268761"/>
+            <a:ext cx="8229600" cy="3600400"/>
           </a:xfrm>
         </p:spPr>
         <p:txBody>
           <a:bodyPr/>
           <a:lstStyle/>
           <a:p>
-            <a:endParaRPr lang="en-US" sz="2400" dirty="0"/>
+            <a:pPr marL="0" indent="0">
+              <a:buNone/>
+            </a:pPr>
+            <a:r>
+              <a:rPr lang="en-US" sz="2000" b="1" dirty="0" smtClean="0">
+                <a:latin typeface="Arial"/>
+                <a:cs typeface="Arial"/>
+              </a:rPr>
+              <a:t>Types</a:t>
+            </a:r>
+            <a:endParaRPr lang="en-US" sz="2000" b="1" dirty="0">
+              <a:latin typeface="Arial"/>
+              <a:cs typeface="Arial"/>
+            </a:endParaRPr>
+          </a:p>
+          <a:p>
+            <a:r>
+              <a:rPr lang="en-US" sz="1600" b="1" dirty="0" err="1">
+                <a:latin typeface="Arial"/>
+                <a:cs typeface="Arial"/>
+              </a:rPr>
+              <a:t>int</a:t>
+            </a:r>
+            <a:r>
+              <a:rPr lang="en-US" sz="1600" b="1" dirty="0">
+                <a:latin typeface="Arial"/>
+                <a:cs typeface="Arial"/>
+              </a:rPr>
+              <a:t> (integers): 17, 0, -3489</a:t>
+            </a:r>
+          </a:p>
+          <a:p>
+            <a:r>
+              <a:rPr lang="en-US" sz="1600" b="1" dirty="0">
+                <a:latin typeface="Arial"/>
+                <a:cs typeface="Arial"/>
+              </a:rPr>
+              <a:t>float (floating point): 24.2, -3., 17.006 </a:t>
+            </a:r>
+          </a:p>
+          <a:p>
+            <a:r>
+              <a:rPr lang="en-US" sz="1600" b="1" dirty="0">
+                <a:latin typeface="Arial"/>
+                <a:cs typeface="Arial"/>
+              </a:rPr>
+              <a:t>comp (complex): C(7.4 + 8.1I)</a:t>
+            </a:r>
+          </a:p>
+          <a:p>
+            <a:r>
+              <a:rPr lang="en-US" sz="1600" b="1" dirty="0">
+                <a:latin typeface="Arial"/>
+                <a:cs typeface="Arial"/>
+              </a:rPr>
+              <a:t>mat (matrix): [(1,2,3)(4,5,6)</a:t>
+            </a:r>
+            <a:r>
+              <a:rPr lang="en-US" sz="1600" b="1" dirty="0" smtClean="0">
+                <a:latin typeface="Arial"/>
+                <a:cs typeface="Arial"/>
+              </a:rPr>
+              <a:t>] (gates) , </a:t>
+            </a:r>
+            <a:r>
+              <a:rPr lang="en-US" sz="1600" b="1" dirty="0">
+                <a:latin typeface="Arial"/>
+                <a:cs typeface="Arial"/>
+              </a:rPr>
+              <a:t>|1101</a:t>
+            </a:r>
+            <a:r>
+              <a:rPr lang="en-US" sz="1600" b="1" dirty="0" smtClean="0">
+                <a:latin typeface="Arial"/>
+                <a:cs typeface="Arial"/>
+              </a:rPr>
+              <a:t>&gt; (qubits)</a:t>
+            </a:r>
+            <a:endParaRPr lang="en-US" sz="1600" b="1" dirty="0">
+              <a:latin typeface="Arial"/>
+              <a:cs typeface="Arial"/>
+            </a:endParaRPr>
+          </a:p>
+          <a:p>
+            <a:endParaRPr lang="en-US" sz="1600" b="1" dirty="0">
+              <a:latin typeface="Arial"/>
+              <a:cs typeface="Arial"/>
+            </a:endParaRPr>
+          </a:p>
+          <a:p>
+            <a:pPr marL="0" indent="0">
+              <a:buNone/>
+            </a:pPr>
+            <a:r>
+              <a:rPr lang="en-US" sz="1800" b="1" dirty="0" smtClean="0">
+                <a:latin typeface="Arial"/>
+                <a:cs typeface="Arial"/>
+              </a:rPr>
+              <a:t>Operators (All arithmetic operations + Matrix Operations)</a:t>
+            </a:r>
+          </a:p>
+          <a:p>
+            <a:r>
+              <a:rPr lang="en-US" sz="1600" b="1" dirty="0" smtClean="0"/>
+              <a:t>multiplication , H* X, H*|001&gt;, &lt;010|*|010&gt;</a:t>
+            </a:r>
+          </a:p>
+          <a:p>
+            <a:r>
+              <a:rPr lang="en-US" sz="1600" b="1" dirty="0" smtClean="0"/>
+              <a:t>Tensor Product, H @ X, |001&gt; @ |10&gt;</a:t>
+            </a:r>
+          </a:p>
+          <a:p>
+            <a:r>
+              <a:rPr lang="en-US" sz="1600" b="1" dirty="0" smtClean="0"/>
+              <a:t> norm, norm(|010&gt;)</a:t>
+            </a:r>
+          </a:p>
+          <a:p>
+            <a:r>
+              <a:rPr lang="en-US" sz="1600" b="1" dirty="0" smtClean="0"/>
+              <a:t>transp0se,  trans(H)</a:t>
+            </a:r>
+            <a:endParaRPr lang="en-US" sz="1600" b="1" dirty="0"/>
+          </a:p>
+          <a:p>
+            <a:r>
+              <a:rPr lang="en-US" sz="1600" b="1" dirty="0" smtClean="0"/>
+              <a:t> </a:t>
+            </a:r>
+            <a:r>
+              <a:rPr lang="en-US" sz="1600" b="1" dirty="0" err="1" smtClean="0"/>
+              <a:t>adjoint</a:t>
+            </a:r>
+            <a:r>
+              <a:rPr lang="en-US" sz="1600" b="1" dirty="0" smtClean="0"/>
+              <a:t>, </a:t>
+            </a:r>
+            <a:r>
+              <a:rPr lang="en-US" sz="1600" b="1" dirty="0" err="1" smtClean="0"/>
+              <a:t>adj</a:t>
+            </a:r>
+            <a:r>
+              <a:rPr lang="en-US" sz="1600" b="1" dirty="0" smtClean="0"/>
+              <a:t>(Z)</a:t>
+            </a:r>
+          </a:p>
+          <a:p>
+            <a:r>
+              <a:rPr lang="en-US" sz="1600" b="1" dirty="0" smtClean="0"/>
+              <a:t> conjugate, </a:t>
+            </a:r>
+            <a:r>
+              <a:rPr lang="en-US" sz="1600" b="1" dirty="0" err="1" smtClean="0"/>
+              <a:t>conj</a:t>
+            </a:r>
+            <a:r>
+              <a:rPr lang="en-US" sz="1600" b="1" dirty="0" smtClean="0"/>
+              <a:t>(C(4.+5.7I)</a:t>
+            </a:r>
+          </a:p>
+          <a:p>
+            <a:pPr marL="0" indent="0">
+              <a:buNone/>
+            </a:pPr>
+            <a:endParaRPr lang="en-US" sz="1600" b="1" dirty="0">
+              <a:latin typeface="Arial"/>
+              <a:cs typeface="Arial"/>
+            </a:endParaRPr>
+          </a:p>
+          <a:p>
+            <a:pPr marL="0" indent="0">
+              <a:buNone/>
+            </a:pPr>
+            <a:endParaRPr lang="en-US" sz="1600" b="1" dirty="0">
+              <a:latin typeface="Arial"/>
+              <a:cs typeface="Arial"/>
+            </a:endParaRPr>
           </a:p>
         </p:txBody>
       </p:sp>
     </p:spTree>
+    <p:extLst>
+      <p:ext uri="{BB962C8B-B14F-4D97-AF65-F5344CB8AC3E}">
+        <p14:creationId xmlns:p14="http://schemas.microsoft.com/office/powerpoint/2010/main" val="1043839614"/>
+      </p:ext>
+    </p:extLst>
   </p:cSld>
   <p:clrMapOvr>
     <a:masterClrMapping/>
   </p:clrMapOvr>
-  <p:timing>
-    <p:tnLst>
-      <p:par>
-        <p:cTn xmlns:p14="http://schemas.microsoft.com/office/powerpoint/2010/main" id="1" dur="indefinite" restart="never" nodeType="tmRoot"/>
-      </p:par>
-    </p:tnLst>
-  </p:timing>
 </p:sld>
 </file>
 
@@ -9141,9 +9929,9 @@
       </p:grpSpPr>
       <p:sp>
         <p:nvSpPr>
-          <p:cNvPr id="153602" name="Rectangle 2"/>
+          <p:cNvPr id="2" name="Title 1"/>
           <p:cNvSpPr>
-            <a:spLocks noGrp="1" noChangeArrowheads="1"/>
+            <a:spLocks noGrp="1"/>
           </p:cNvSpPr>
           <p:nvPr>
             <p:ph type="title"/>
@@ -9151,8 +9939,8 @@
         </p:nvSpPr>
         <p:spPr>
           <a:xfrm>
-            <a:off x="1547664" y="188913"/>
-            <a:ext cx="7077224" cy="981075"/>
+            <a:off x="1547664" y="188640"/>
+            <a:ext cx="8229600" cy="1143000"/>
           </a:xfrm>
         </p:spPr>
         <p:txBody>
@@ -9161,26 +9949,18 @@
           <a:p>
             <a:pPr algn="l"/>
             <a:r>
-              <a:rPr lang="en-US" sz="4000" dirty="0" smtClean="0">
-                <a:solidFill>
-                  <a:schemeClr val="tx1"/>
-                </a:solidFill>
-              </a:rPr>
-              <a:t>Tutorial Introduction</a:t>
-            </a:r>
-            <a:endParaRPr lang="en-US" sz="4000" dirty="0">
-              <a:solidFill>
-                <a:schemeClr val="tx1"/>
-              </a:solidFill>
-            </a:endParaRPr>
-          </a:p>
-        </p:txBody>
-      </p:sp>
-      <p:sp>
-        <p:nvSpPr>
-          <p:cNvPr id="153603" name="Rectangle 3"/>
+              <a:rPr lang="en-US" dirty="0" smtClean="0"/>
+              <a:t>Brief Tutorial</a:t>
+            </a:r>
+            <a:endParaRPr lang="en-US" dirty="0"/>
+          </a:p>
+        </p:txBody>
+      </p:sp>
+      <p:sp>
+        <p:nvSpPr>
+          <p:cNvPr id="3" name="Content Placeholder 2"/>
           <p:cNvSpPr>
-            <a:spLocks noGrp="1" noChangeArrowheads="1"/>
+            <a:spLocks noGrp="1"/>
           </p:cNvSpPr>
           <p:nvPr>
             <p:ph idx="1"/>
@@ -9188,35 +9968,152 @@
         </p:nvSpPr>
         <p:spPr>
           <a:xfrm>
-            <a:off x="1526976" y="1855788"/>
-            <a:ext cx="8229600" cy="4525962"/>
+            <a:off x="1547664" y="1556792"/>
+            <a:ext cx="8229600" cy="4525963"/>
           </a:xfrm>
         </p:spPr>
         <p:txBody>
           <a:bodyPr/>
           <a:lstStyle/>
           <a:p>
-            <a:endParaRPr lang="en-US" sz="2400" dirty="0"/>
+            <a:pPr marL="0" indent="0">
+              <a:buNone/>
+            </a:pPr>
+            <a:r>
+              <a:rPr lang="en-US" sz="2000" b="1" dirty="0" smtClean="0"/>
+              <a:t>Control-Flow/Loops</a:t>
+            </a:r>
+          </a:p>
+          <a:p>
+            <a:pPr marL="0" indent="0">
+              <a:buNone/>
+            </a:pPr>
+            <a:endParaRPr lang="en-US" sz="2000" b="1" dirty="0" smtClean="0"/>
+          </a:p>
+          <a:p>
+            <a:r>
+              <a:rPr lang="en-US" sz="2000" b="1" dirty="0" smtClean="0"/>
+              <a:t>If-else</a:t>
+            </a:r>
+          </a:p>
+          <a:p>
+            <a:pPr marL="0" indent="0">
+              <a:buNone/>
+            </a:pPr>
+            <a:r>
+              <a:rPr lang="en-US" sz="2000" dirty="0"/>
+              <a:t>	</a:t>
+            </a:r>
+            <a:r>
+              <a:rPr lang="en-US" sz="1400" dirty="0" smtClean="0"/>
+              <a:t>if (norm(A) </a:t>
+            </a:r>
+            <a:r>
+              <a:rPr lang="en-US" sz="1400" dirty="0" err="1" smtClean="0"/>
+              <a:t>eq</a:t>
+            </a:r>
+            <a:r>
+              <a:rPr lang="en-US" sz="1400" dirty="0" smtClean="0"/>
+              <a:t> 1){  output = 5;  }</a:t>
+            </a:r>
+          </a:p>
+          <a:p>
+            <a:r>
+              <a:rPr lang="en-US" sz="2000" b="1" dirty="0" smtClean="0"/>
+              <a:t>While loop</a:t>
+            </a:r>
+          </a:p>
+          <a:p>
+            <a:pPr marL="457200" lvl="1" indent="0">
+              <a:buNone/>
+            </a:pPr>
+            <a:r>
+              <a:rPr lang="en-US" sz="1600" dirty="0"/>
+              <a:t>	</a:t>
+            </a:r>
+            <a:r>
+              <a:rPr lang="en-US" sz="1600" dirty="0" smtClean="0"/>
+              <a:t>while ( </a:t>
+            </a:r>
+            <a:r>
+              <a:rPr lang="en-US" sz="1600" dirty="0" err="1" smtClean="0"/>
+              <a:t>i</a:t>
+            </a:r>
+            <a:r>
+              <a:rPr lang="en-US" sz="1600" dirty="0" smtClean="0"/>
+              <a:t> &lt; 5){ print (</a:t>
+            </a:r>
+            <a:r>
+              <a:rPr lang="en-US" sz="1600" dirty="0" err="1" smtClean="0"/>
+              <a:t>i</a:t>
+            </a:r>
+            <a:r>
+              <a:rPr lang="en-US" sz="1600" dirty="0" smtClean="0"/>
+              <a:t>);    </a:t>
+            </a:r>
+            <a:r>
+              <a:rPr lang="en-US" sz="1600" dirty="0" err="1" smtClean="0"/>
+              <a:t>i</a:t>
+            </a:r>
+            <a:r>
+              <a:rPr lang="en-US" sz="1600" dirty="0" smtClean="0"/>
+              <a:t>= i+1;}</a:t>
+            </a:r>
+          </a:p>
+          <a:p>
+            <a:r>
+              <a:rPr lang="en-US" sz="2000" b="1" dirty="0" smtClean="0"/>
+              <a:t>For Loop</a:t>
+            </a:r>
+          </a:p>
+          <a:p>
+            <a:pPr marL="457200" lvl="1" indent="0">
+              <a:buNone/>
+            </a:pPr>
+            <a:r>
+              <a:rPr lang="en-US" sz="1600" dirty="0"/>
+              <a:t>	</a:t>
+            </a:r>
+            <a:r>
+              <a:rPr lang="en-US" sz="1600" dirty="0" smtClean="0"/>
+              <a:t>for (</a:t>
+            </a:r>
+            <a:r>
+              <a:rPr lang="en-US" sz="1600" dirty="0" err="1" smtClean="0"/>
+              <a:t>i</a:t>
+            </a:r>
+            <a:r>
+              <a:rPr lang="en-US" sz="1600" dirty="0" smtClean="0"/>
+              <a:t> from 0 to 10 by 2){ print(</a:t>
+            </a:r>
+            <a:r>
+              <a:rPr lang="en-US" sz="1600" dirty="0" err="1" smtClean="0"/>
+              <a:t>i</a:t>
+            </a:r>
+            <a:r>
+              <a:rPr lang="en-US" sz="1600" dirty="0" smtClean="0"/>
+              <a:t>); }</a:t>
+            </a:r>
+          </a:p>
+          <a:p>
+            <a:pPr lvl="1"/>
+            <a:endParaRPr lang="en-US" sz="1600" dirty="0" smtClean="0"/>
+          </a:p>
+          <a:p>
+            <a:endParaRPr lang="en-US" dirty="0"/>
           </a:p>
         </p:txBody>
       </p:sp>
     </p:spTree>
     <p:extLst>
       <p:ext uri="{BB962C8B-B14F-4D97-AF65-F5344CB8AC3E}">
-        <p14:creationId xmlns:p14="http://schemas.microsoft.com/office/powerpoint/2010/main" val="2390145313"/>
+        <p14:creationId xmlns:p14="http://schemas.microsoft.com/office/powerpoint/2010/main" val="1584064392"/>
       </p:ext>
     </p:extLst>
   </p:cSld>
   <p:clrMapOvr>
     <a:masterClrMapping/>
   </p:clrMapOvr>
-  <p:timing>
-    <p:tnLst>
-      <p:par>
-        <p:cTn xmlns:p14="http://schemas.microsoft.com/office/powerpoint/2010/main" id="1" dur="indefinite" restart="never" nodeType="tmRoot"/>
-      </p:par>
-    </p:tnLst>
-  </p:timing>
 </p:sld>
 </file>
 
@@ -9239,9 +10136,9 @@
       </p:grpSpPr>
       <p:sp>
         <p:nvSpPr>
-          <p:cNvPr id="153602" name="Rectangle 2"/>
+          <p:cNvPr id="2" name="Title 1"/>
           <p:cNvSpPr>
-            <a:spLocks noGrp="1" noChangeArrowheads="1"/>
+            <a:spLocks noGrp="1"/>
           </p:cNvSpPr>
           <p:nvPr>
             <p:ph type="title"/>
@@ -9249,8 +10146,8 @@
         </p:nvSpPr>
         <p:spPr>
           <a:xfrm>
-            <a:off x="1547664" y="188913"/>
-            <a:ext cx="7077224" cy="981075"/>
+            <a:off x="1609328" y="188640"/>
+            <a:ext cx="6347048" cy="1143000"/>
           </a:xfrm>
         </p:spPr>
         <p:txBody>
@@ -9259,26 +10156,18 @@
           <a:p>
             <a:pPr algn="l"/>
             <a:r>
-              <a:rPr lang="en-US" sz="4000" dirty="0" smtClean="0">
-                <a:solidFill>
-                  <a:schemeClr val="tx1"/>
-                </a:solidFill>
-              </a:rPr>
-              <a:t>Tutorial Introduction</a:t>
-            </a:r>
-            <a:endParaRPr lang="en-US" sz="4000" dirty="0">
-              <a:solidFill>
-                <a:schemeClr val="tx1"/>
-              </a:solidFill>
-            </a:endParaRPr>
-          </a:p>
-        </p:txBody>
-      </p:sp>
-      <p:sp>
-        <p:nvSpPr>
-          <p:cNvPr id="153603" name="Rectangle 3"/>
+              <a:rPr lang="en-US" sz="4000" dirty="0" smtClean="0"/>
+              <a:t>Brief Tutorial</a:t>
+            </a:r>
+            <a:endParaRPr lang="en-US" sz="4000" dirty="0"/>
+          </a:p>
+        </p:txBody>
+      </p:sp>
+      <p:sp>
+        <p:nvSpPr>
+          <p:cNvPr id="5" name="Content Placeholder 4"/>
           <p:cNvSpPr>
-            <a:spLocks noGrp="1" noChangeArrowheads="1"/>
+            <a:spLocks noGrp="1"/>
           </p:cNvSpPr>
           <p:nvPr>
             <p:ph idx="1"/>
@@ -9286,35 +10175,308 @@
         </p:nvSpPr>
         <p:spPr>
           <a:xfrm>
-            <a:off x="1526976" y="1855788"/>
-            <a:ext cx="8229600" cy="4525962"/>
+            <a:off x="1526976" y="1268760"/>
+            <a:ext cx="8229600" cy="4525963"/>
           </a:xfrm>
         </p:spPr>
         <p:txBody>
           <a:bodyPr/>
           <a:lstStyle/>
           <a:p>
-            <a:endParaRPr lang="en-US" sz="2400" dirty="0"/>
+            <a:pPr marL="0" indent="0">
+              <a:buNone/>
+            </a:pPr>
+            <a:r>
+              <a:rPr lang="en-US" sz="2400" b="1" dirty="0" smtClean="0">
+                <a:latin typeface="Arial"/>
+                <a:cs typeface="Arial"/>
+              </a:rPr>
+              <a:t>Built-In Variables and Functions</a:t>
+            </a:r>
+            <a:endParaRPr lang="en-US" sz="2400" b="1" dirty="0">
+              <a:latin typeface="Arial"/>
+              <a:cs typeface="Arial"/>
+            </a:endParaRPr>
+          </a:p>
+          <a:p>
+            <a:pPr marL="0" indent="0">
+              <a:spcBef>
+                <a:spcPts val="0"/>
+              </a:spcBef>
+              <a:buNone/>
+            </a:pPr>
+            <a:endParaRPr lang="en-US" sz="1600" b="1" dirty="0">
+              <a:latin typeface="Arial"/>
+              <a:cs typeface="Arial"/>
+            </a:endParaRPr>
+          </a:p>
+          <a:p>
+            <a:pPr marL="0" indent="0">
+              <a:buNone/>
+            </a:pPr>
+            <a:r>
+              <a:rPr lang="en-US" sz="1600" b="1" dirty="0"/>
+              <a:t>Variables</a:t>
+            </a:r>
+          </a:p>
+          <a:p>
+            <a:r>
+              <a:rPr lang="en-US" sz="1600" b="1" dirty="0" smtClean="0"/>
+              <a:t>H – </a:t>
+            </a:r>
+            <a:r>
+              <a:rPr lang="en-US" sz="1600" b="1" dirty="0" err="1" smtClean="0"/>
+              <a:t>hadamard</a:t>
+            </a:r>
+            <a:r>
+              <a:rPr lang="en-US" sz="1600" b="1" dirty="0" smtClean="0"/>
+              <a:t> gate</a:t>
+            </a:r>
+          </a:p>
+          <a:p>
+            <a:r>
+              <a:rPr lang="en-US" sz="1600" b="1" dirty="0" smtClean="0"/>
+              <a:t>X – Pauli X</a:t>
+            </a:r>
+          </a:p>
+          <a:p>
+            <a:r>
+              <a:rPr lang="en-US" sz="1600" b="1" dirty="0" smtClean="0"/>
+              <a:t>Y – Pauli Y</a:t>
+            </a:r>
+          </a:p>
+          <a:p>
+            <a:r>
+              <a:rPr lang="en-US" sz="1600" b="1" dirty="0" smtClean="0"/>
+              <a:t>IDT – Identity Matrix (2x2)</a:t>
+            </a:r>
+          </a:p>
+          <a:p>
+            <a:r>
+              <a:rPr lang="en-US" sz="1600" b="1" dirty="0" smtClean="0"/>
+              <a:t>e, pi – the numbers e and pi</a:t>
+            </a:r>
+            <a:endParaRPr lang="en-US" sz="1600" b="1" dirty="0"/>
+          </a:p>
+          <a:p>
+            <a:pPr marL="0" indent="0">
+              <a:buNone/>
+            </a:pPr>
+            <a:endParaRPr lang="en-US" sz="1600" b="1" dirty="0">
+              <a:latin typeface="Arial"/>
+              <a:cs typeface="Arial"/>
+            </a:endParaRPr>
+          </a:p>
+          <a:p>
+            <a:pPr marL="0" indent="0">
+              <a:buNone/>
+            </a:pPr>
+            <a:r>
+              <a:rPr lang="en-US" sz="1600" b="1" dirty="0" smtClean="0">
+                <a:latin typeface="Arial"/>
+                <a:cs typeface="Arial"/>
+              </a:rPr>
+              <a:t>Functions</a:t>
+            </a:r>
+            <a:endParaRPr lang="en-US" sz="1600" b="1" dirty="0">
+              <a:latin typeface="Arial"/>
+              <a:cs typeface="Arial"/>
+            </a:endParaRPr>
+          </a:p>
+          <a:p>
+            <a:r>
+              <a:rPr lang="en-US" sz="1600" b="1" dirty="0" smtClean="0">
+                <a:latin typeface="Arial"/>
+                <a:cs typeface="Arial"/>
+              </a:rPr>
+              <a:t>print(</a:t>
+            </a:r>
+            <a:r>
+              <a:rPr lang="en-US" sz="1600" b="1" dirty="0" err="1" smtClean="0">
+                <a:latin typeface="Arial"/>
+                <a:cs typeface="Arial"/>
+              </a:rPr>
+              <a:t>val</a:t>
+            </a:r>
+            <a:r>
+              <a:rPr lang="en-US" sz="1600" b="1" dirty="0" smtClean="0">
+                <a:latin typeface="Arial"/>
+                <a:cs typeface="Arial"/>
+              </a:rPr>
+              <a:t>) – prints </a:t>
+            </a:r>
+            <a:r>
+              <a:rPr lang="en-US" sz="1600" b="1" dirty="0" err="1" smtClean="0">
+                <a:latin typeface="Arial"/>
+                <a:cs typeface="Arial"/>
+              </a:rPr>
+              <a:t>val</a:t>
+            </a:r>
+            <a:r>
+              <a:rPr lang="en-US" sz="1600" b="1" dirty="0" smtClean="0">
+                <a:latin typeface="Arial"/>
+                <a:cs typeface="Arial"/>
+              </a:rPr>
+              <a:t> (takes any type)</a:t>
+            </a:r>
+          </a:p>
+          <a:p>
+            <a:r>
+              <a:rPr lang="en-US" sz="1600" b="1" dirty="0" err="1" smtClean="0">
+                <a:latin typeface="Arial"/>
+                <a:cs typeface="Arial"/>
+              </a:rPr>
+              <a:t>printq</a:t>
+            </a:r>
+            <a:r>
+              <a:rPr lang="en-US" sz="1600" b="1" dirty="0" smtClean="0">
+                <a:latin typeface="Arial"/>
+                <a:cs typeface="Arial"/>
+              </a:rPr>
+              <a:t>(</a:t>
+            </a:r>
+            <a:r>
+              <a:rPr lang="en-US" sz="1600" b="1" dirty="0" err="1" smtClean="0">
+                <a:latin typeface="Arial"/>
+                <a:cs typeface="Arial"/>
+              </a:rPr>
+              <a:t>qubit</a:t>
+            </a:r>
+            <a:r>
+              <a:rPr lang="en-US" sz="1600" b="1" dirty="0" smtClean="0">
+                <a:latin typeface="Arial"/>
+                <a:cs typeface="Arial"/>
+              </a:rPr>
+              <a:t>) – prints a matrix in </a:t>
+            </a:r>
+            <a:r>
+              <a:rPr lang="en-US" sz="1600" b="1" dirty="0" err="1" smtClean="0">
+                <a:latin typeface="Arial"/>
+                <a:cs typeface="Arial"/>
+              </a:rPr>
+              <a:t>Diract</a:t>
+            </a:r>
+            <a:r>
+              <a:rPr lang="en-US" sz="1600" b="1" dirty="0" smtClean="0">
+                <a:latin typeface="Arial"/>
+                <a:cs typeface="Arial"/>
+              </a:rPr>
+              <a:t> notation if possible</a:t>
+            </a:r>
+          </a:p>
+          <a:p>
+            <a:r>
+              <a:rPr lang="en-US" sz="1600" b="1" dirty="0" smtClean="0">
+                <a:latin typeface="Arial"/>
+                <a:cs typeface="Arial"/>
+              </a:rPr>
+              <a:t>rows(matrix) – returns number of rows in a matrix</a:t>
+            </a:r>
+          </a:p>
+          <a:p>
+            <a:r>
+              <a:rPr lang="en-US" sz="1600" b="1" dirty="0" smtClean="0">
+                <a:latin typeface="Arial"/>
+                <a:cs typeface="Arial"/>
+              </a:rPr>
+              <a:t>cols(</a:t>
+            </a:r>
+            <a:r>
+              <a:rPr lang="en-US" sz="1600" b="1" dirty="0"/>
+              <a:t>matrix</a:t>
+            </a:r>
+            <a:r>
+              <a:rPr lang="en-US" sz="1600" b="1" dirty="0" smtClean="0">
+                <a:latin typeface="Arial"/>
+                <a:cs typeface="Arial"/>
+              </a:rPr>
+              <a:t>) – </a:t>
+            </a:r>
+            <a:r>
+              <a:rPr lang="en-US" sz="1600" b="1" dirty="0"/>
+              <a:t>returns number of </a:t>
+            </a:r>
+            <a:r>
+              <a:rPr lang="en-US" sz="1600" b="1" dirty="0" smtClean="0"/>
+              <a:t>columns in </a:t>
+            </a:r>
+            <a:r>
+              <a:rPr lang="en-US" sz="1600" b="1" dirty="0"/>
+              <a:t>a matrix</a:t>
+            </a:r>
+          </a:p>
+          <a:p>
+            <a:r>
+              <a:rPr lang="en-US" sz="1600" b="1" dirty="0" err="1" smtClean="0">
+                <a:latin typeface="Arial"/>
+                <a:cs typeface="Arial"/>
+              </a:rPr>
+              <a:t>elem</a:t>
+            </a:r>
+            <a:r>
+              <a:rPr lang="en-US" sz="1600" b="1" dirty="0" smtClean="0">
+                <a:latin typeface="Arial"/>
+                <a:cs typeface="Arial"/>
+              </a:rPr>
+              <a:t>(</a:t>
+            </a:r>
+            <a:r>
+              <a:rPr lang="en-US" sz="1600" b="1" dirty="0" smtClean="0"/>
+              <a:t>matrix, row, col</a:t>
+            </a:r>
+            <a:r>
+              <a:rPr lang="en-US" sz="1600" b="1" dirty="0" smtClean="0">
+                <a:latin typeface="Arial"/>
+                <a:cs typeface="Arial"/>
+              </a:rPr>
+              <a:t>) – returns the element given by [</a:t>
+            </a:r>
+            <a:r>
+              <a:rPr lang="en-US" sz="1600" b="1" dirty="0" err="1" smtClean="0">
+                <a:latin typeface="Arial"/>
+                <a:cs typeface="Arial"/>
+              </a:rPr>
+              <a:t>row,col</a:t>
+            </a:r>
+            <a:r>
+              <a:rPr lang="en-US" sz="1600" b="1" dirty="0" smtClean="0">
+                <a:latin typeface="Arial"/>
+                <a:cs typeface="Arial"/>
+              </a:rPr>
+              <a:t>]</a:t>
+            </a:r>
+            <a:endParaRPr lang="en-US" sz="1600" b="1" dirty="0"/>
+          </a:p>
+          <a:p>
+            <a:pPr marL="0" indent="0">
+              <a:buNone/>
+            </a:pPr>
+            <a:endParaRPr lang="en-US" sz="1600" b="1" dirty="0">
+              <a:latin typeface="Arial"/>
+              <a:cs typeface="Arial"/>
+            </a:endParaRPr>
+          </a:p>
+          <a:p>
+            <a:pPr marL="0" indent="0">
+              <a:buNone/>
+            </a:pPr>
+            <a:endParaRPr lang="en-US" sz="1600" b="1" dirty="0">
+              <a:latin typeface="Arial"/>
+              <a:cs typeface="Arial"/>
+            </a:endParaRPr>
           </a:p>
         </p:txBody>
       </p:sp>
     </p:spTree>
     <p:extLst>
       <p:ext uri="{BB962C8B-B14F-4D97-AF65-F5344CB8AC3E}">
-        <p14:creationId xmlns:p14="http://schemas.microsoft.com/office/powerpoint/2010/main" val="882417591"/>
+        <p14:creationId xmlns:p14="http://schemas.microsoft.com/office/powerpoint/2010/main" val="2291917137"/>
       </p:ext>
     </p:extLst>
   </p:cSld>
   <p:clrMapOvr>
     <a:masterClrMapping/>
   </p:clrMapOvr>
-  <p:timing>
-    <p:tnLst>
-      <p:par>
-        <p:cTn xmlns:p14="http://schemas.microsoft.com/office/powerpoint/2010/main" id="1" dur="indefinite" restart="never" nodeType="tmRoot"/>
-      </p:par>
-    </p:tnLst>
-  </p:timing>
 </p:sld>
 </file>
 
@@ -9337,532 +10499,407 @@
       </p:grpSpPr>
       <p:sp>
         <p:nvSpPr>
-          <p:cNvPr id="2" name="Title 1"/>
+          <p:cNvPr id="153602" name="Rectangle 2"/>
+          <p:cNvSpPr>
+            <a:spLocks noGrp="1" noChangeArrowheads="1"/>
+          </p:cNvSpPr>
+          <p:nvPr>
+            <p:ph type="title"/>
+          </p:nvPr>
+        </p:nvSpPr>
+        <p:spPr>
+          <a:xfrm>
+            <a:off x="1547664" y="188913"/>
+            <a:ext cx="7077224" cy="981075"/>
+          </a:xfrm>
+        </p:spPr>
+        <p:txBody>
+          <a:bodyPr/>
+          <a:lstStyle/>
+          <a:p>
+            <a:pPr algn="l"/>
+            <a:r>
+              <a:rPr lang="en-US" sz="4000" dirty="0" smtClean="0">
+                <a:solidFill>
+                  <a:schemeClr val="tx1"/>
+                </a:solidFill>
+              </a:rPr>
+              <a:t>Brief Tutorial</a:t>
+            </a:r>
+            <a:endParaRPr lang="en-US" sz="4000" dirty="0">
+              <a:solidFill>
+                <a:schemeClr val="tx1"/>
+              </a:solidFill>
+            </a:endParaRPr>
+          </a:p>
+        </p:txBody>
+      </p:sp>
+      <p:sp>
+        <p:nvSpPr>
+          <p:cNvPr id="17" name="Content Placeholder 4"/>
           <p:cNvSpPr>
             <a:spLocks noGrp="1"/>
           </p:cNvSpPr>
           <p:nvPr>
-            <p:ph type="title"/>
+            <p:ph idx="1"/>
           </p:nvPr>
         </p:nvSpPr>
         <p:spPr>
           <a:xfrm>
-            <a:off x="1547664" y="116632"/>
-            <a:ext cx="5915000" cy="1143000"/>
+            <a:off x="2267744" y="1844824"/>
+            <a:ext cx="6501408" cy="3816424"/>
           </a:xfrm>
         </p:spPr>
         <p:txBody>
           <a:bodyPr/>
           <a:lstStyle/>
           <a:p>
-            <a:pPr algn="l"/>
-            <a:r>
-              <a:rPr lang="en-US" sz="4000" dirty="0" smtClean="0"/>
-              <a:t>Implementation</a:t>
-            </a:r>
-            <a:endParaRPr lang="en-US" sz="4000" dirty="0"/>
-          </a:p>
-        </p:txBody>
-      </p:sp>
-      <p:sp>
-        <p:nvSpPr>
-          <p:cNvPr id="4" name="Oval 3"/>
-          <p:cNvSpPr/>
-          <p:nvPr/>
-        </p:nvSpPr>
-        <p:spPr>
-          <a:xfrm>
-            <a:off x="3438843" y="1844824"/>
-            <a:ext cx="1224136" cy="504056"/>
-          </a:xfrm>
-          <a:prstGeom prst="ellipse">
-            <a:avLst/>
-          </a:prstGeom>
-          <a:solidFill>
-            <a:schemeClr val="bg1">
-              <a:lumMod val="95000"/>
-            </a:schemeClr>
-          </a:solidFill>
-          <a:ln w="25400">
-            <a:solidFill>
-              <a:schemeClr val="tx1"/>
-            </a:solidFill>
-          </a:ln>
-        </p:spPr>
-        <p:style>
-          <a:lnRef idx="1">
-            <a:schemeClr val="accent1"/>
-          </a:lnRef>
-          <a:fillRef idx="3">
-            <a:schemeClr val="accent1"/>
-          </a:fillRef>
-          <a:effectRef idx="2">
-            <a:schemeClr val="accent1"/>
-          </a:effectRef>
-          <a:fontRef idx="minor">
-            <a:schemeClr val="lt1"/>
-          </a:fontRef>
-        </p:style>
-        <p:txBody>
-          <a:bodyPr rtlCol="0" anchor="ctr"/>
-          <a:lstStyle/>
-          <a:p>
-            <a:pPr algn="ctr"/>
-            <a:endParaRPr lang="en-US"/>
-          </a:p>
-        </p:txBody>
-      </p:sp>
-      <p:sp>
-        <p:nvSpPr>
-          <p:cNvPr id="5" name="TextBox 4"/>
-          <p:cNvSpPr txBox="1"/>
-          <p:nvPr/>
-        </p:nvSpPr>
-        <p:spPr>
-          <a:xfrm>
-            <a:off x="3582859" y="1916832"/>
-            <a:ext cx="971640" cy="338554"/>
-          </a:xfrm>
-          <a:prstGeom prst="rect">
-            <a:avLst/>
-          </a:prstGeom>
-          <a:noFill/>
-        </p:spPr>
-        <p:txBody>
-          <a:bodyPr wrap="none" rtlCol="0">
-            <a:spAutoFit/>
-          </a:bodyPr>
-          <a:lstStyle/>
-          <a:p>
-            <a:r>
-              <a:rPr lang="en-US" sz="1600" b="1" dirty="0" smtClean="0"/>
-              <a:t>scanner</a:t>
-            </a:r>
-            <a:endParaRPr lang="en-US" sz="1600" b="1" dirty="0"/>
-          </a:p>
-        </p:txBody>
-      </p:sp>
-      <p:sp>
-        <p:nvSpPr>
-          <p:cNvPr id="7" name="Oval 6"/>
-          <p:cNvSpPr/>
-          <p:nvPr/>
-        </p:nvSpPr>
-        <p:spPr>
-          <a:xfrm>
-            <a:off x="3438843" y="2852936"/>
-            <a:ext cx="1224136" cy="504056"/>
-          </a:xfrm>
-          <a:prstGeom prst="ellipse">
-            <a:avLst/>
-          </a:prstGeom>
-          <a:solidFill>
-            <a:schemeClr val="bg1">
-              <a:lumMod val="95000"/>
-            </a:schemeClr>
-          </a:solidFill>
-          <a:ln w="25400">
-            <a:solidFill>
-              <a:schemeClr val="tx1"/>
-            </a:solidFill>
-          </a:ln>
-        </p:spPr>
-        <p:style>
-          <a:lnRef idx="1">
-            <a:schemeClr val="accent1"/>
-          </a:lnRef>
-          <a:fillRef idx="3">
-            <a:schemeClr val="accent1"/>
-          </a:fillRef>
-          <a:effectRef idx="2">
-            <a:schemeClr val="accent1"/>
-          </a:effectRef>
-          <a:fontRef idx="minor">
-            <a:schemeClr val="lt1"/>
-          </a:fontRef>
-        </p:style>
-        <p:txBody>
-          <a:bodyPr rtlCol="0" anchor="ctr"/>
-          <a:lstStyle/>
-          <a:p>
-            <a:pPr algn="ctr"/>
-            <a:endParaRPr lang="en-US"/>
-          </a:p>
-        </p:txBody>
-      </p:sp>
-      <p:sp>
-        <p:nvSpPr>
-          <p:cNvPr id="8" name="TextBox 7"/>
-          <p:cNvSpPr txBox="1"/>
-          <p:nvPr/>
-        </p:nvSpPr>
-        <p:spPr>
-          <a:xfrm>
-            <a:off x="3654867" y="2874422"/>
-            <a:ext cx="813043" cy="338554"/>
-          </a:xfrm>
-          <a:prstGeom prst="rect">
-            <a:avLst/>
-          </a:prstGeom>
-          <a:noFill/>
-        </p:spPr>
-        <p:txBody>
-          <a:bodyPr wrap="none" rtlCol="0">
-            <a:spAutoFit/>
-          </a:bodyPr>
-          <a:lstStyle/>
-          <a:p>
-            <a:r>
-              <a:rPr lang="en-US" sz="1600" b="1" dirty="0" smtClean="0"/>
-              <a:t>parser</a:t>
-            </a:r>
-            <a:endParaRPr lang="en-US" sz="1600" b="1" dirty="0"/>
+            <a:pPr marL="0" indent="0">
+              <a:buNone/>
+            </a:pPr>
+            <a:r>
+              <a:rPr lang="en-US" sz="1800" b="1" dirty="0" err="1" smtClean="0">
+                <a:latin typeface="Courier"/>
+                <a:cs typeface="Courier"/>
+              </a:rPr>
+              <a:t>def</a:t>
+            </a:r>
+            <a:r>
+              <a:rPr lang="en-US" sz="1800" b="1" dirty="0" smtClean="0">
+                <a:latin typeface="Courier"/>
+                <a:cs typeface="Courier"/>
+              </a:rPr>
+              <a:t> apply(mat x) </a:t>
+            </a:r>
+            <a:r>
+              <a:rPr lang="en-US" sz="1800" b="1" dirty="0">
+                <a:latin typeface="Courier"/>
+                <a:cs typeface="Courier"/>
+              </a:rPr>
+              <a:t>: mat </a:t>
+            </a:r>
+            <a:r>
+              <a:rPr lang="en-US" sz="1800" b="1" dirty="0" smtClean="0">
+                <a:latin typeface="Courier"/>
+                <a:cs typeface="Courier"/>
+              </a:rPr>
+              <a:t>result </a:t>
+            </a:r>
+            <a:r>
+              <a:rPr lang="en-US" sz="1800" b="1" dirty="0">
+                <a:latin typeface="Courier"/>
+                <a:cs typeface="Courier"/>
+              </a:rPr>
+              <a:t>{</a:t>
+            </a:r>
+          </a:p>
+          <a:p>
+            <a:pPr marL="0" indent="0">
+              <a:buNone/>
+            </a:pPr>
+            <a:r>
+              <a:rPr lang="en-US" sz="1800" b="1" dirty="0">
+                <a:latin typeface="Courier"/>
+                <a:cs typeface="Courier"/>
+              </a:rPr>
+              <a:t> </a:t>
+            </a:r>
+            <a:r>
+              <a:rPr lang="en-US" sz="1800" b="1" dirty="0" smtClean="0">
+                <a:latin typeface="Courier"/>
+                <a:cs typeface="Courier"/>
+              </a:rPr>
+              <a:t>   mat </a:t>
+            </a:r>
+            <a:r>
+              <a:rPr lang="en-US" sz="1800" b="1" dirty="0">
+                <a:latin typeface="Courier"/>
+                <a:cs typeface="Courier"/>
+              </a:rPr>
+              <a:t>y</a:t>
+            </a:r>
+            <a:r>
+              <a:rPr lang="en-US" sz="1800" b="1" dirty="0" smtClean="0">
+                <a:latin typeface="Courier"/>
+                <a:cs typeface="Courier"/>
+              </a:rPr>
+              <a:t>;</a:t>
+            </a:r>
+            <a:endParaRPr lang="fi-FI" sz="1800" b="1" dirty="0">
+              <a:latin typeface="Courier"/>
+              <a:cs typeface="Courier"/>
+            </a:endParaRPr>
+          </a:p>
+          <a:p>
+            <a:pPr marL="0" indent="0">
+              <a:buNone/>
+            </a:pPr>
+            <a:r>
+              <a:rPr lang="fr-FR" sz="1800" b="1" dirty="0" smtClean="0">
+                <a:latin typeface="Courier"/>
+                <a:cs typeface="Courier"/>
+              </a:rPr>
+              <a:t>    y </a:t>
+            </a:r>
+            <a:r>
+              <a:rPr lang="fr-FR" sz="1800" b="1" dirty="0">
+                <a:latin typeface="Courier"/>
+                <a:cs typeface="Courier"/>
+              </a:rPr>
+              <a:t>= </a:t>
+            </a:r>
+            <a:r>
+              <a:rPr lang="fr-FR" sz="1800" b="1" dirty="0" smtClean="0">
+                <a:latin typeface="Courier"/>
+                <a:cs typeface="Courier"/>
+              </a:rPr>
+              <a:t>|0&gt;;</a:t>
+            </a:r>
+            <a:endParaRPr lang="es-ES_tradnl" sz="1800" b="1" dirty="0">
+              <a:latin typeface="Courier"/>
+              <a:cs typeface="Courier"/>
+            </a:endParaRPr>
+          </a:p>
+          <a:p>
+            <a:pPr marL="0" indent="0">
+              <a:buNone/>
+            </a:pPr>
+            <a:r>
+              <a:rPr lang="es-ES_tradnl" sz="1800" b="1" dirty="0" smtClean="0">
+                <a:latin typeface="Courier"/>
+                <a:cs typeface="Courier"/>
+              </a:rPr>
+              <a:t>    </a:t>
+            </a:r>
+            <a:r>
+              <a:rPr lang="en-US" sz="1800" b="1" dirty="0">
+                <a:latin typeface="Courier"/>
+                <a:cs typeface="Courier"/>
+              </a:rPr>
+              <a:t>result </a:t>
+            </a:r>
+            <a:r>
+              <a:rPr lang="es-ES_tradnl" sz="1800" b="1" dirty="0" smtClean="0">
+                <a:latin typeface="Courier"/>
+                <a:cs typeface="Courier"/>
+              </a:rPr>
+              <a:t>= y*x;</a:t>
+            </a:r>
+          </a:p>
+          <a:p>
+            <a:pPr marL="0" indent="0">
+              <a:buNone/>
+            </a:pPr>
+            <a:r>
+              <a:rPr lang="es-ES_tradnl" sz="1800" b="1" dirty="0" smtClean="0">
+                <a:latin typeface="Courier"/>
+                <a:cs typeface="Courier"/>
+              </a:rPr>
+              <a:t>}</a:t>
+            </a:r>
+            <a:endParaRPr lang="es-ES_tradnl" sz="1800" b="1" dirty="0">
+              <a:latin typeface="Courier"/>
+              <a:cs typeface="Courier"/>
+            </a:endParaRPr>
+          </a:p>
+          <a:p>
+            <a:pPr marL="0" indent="0">
+              <a:buNone/>
+            </a:pPr>
+            <a:endParaRPr lang="es-ES_tradnl" sz="1800" b="1" dirty="0">
+              <a:latin typeface="Courier"/>
+              <a:cs typeface="Courier"/>
+            </a:endParaRPr>
+          </a:p>
+          <a:p>
+            <a:pPr marL="0" indent="0">
+              <a:buNone/>
+            </a:pPr>
+            <a:r>
+              <a:rPr lang="es-ES_tradnl" sz="1800" b="1" dirty="0" err="1" smtClean="0">
+                <a:latin typeface="Courier"/>
+                <a:cs typeface="Courier"/>
+              </a:rPr>
+              <a:t>def</a:t>
+            </a:r>
+            <a:r>
+              <a:rPr lang="es-ES_tradnl" sz="1800" b="1" dirty="0" smtClean="0">
+                <a:latin typeface="Courier"/>
+                <a:cs typeface="Courier"/>
+              </a:rPr>
+              <a:t> </a:t>
+            </a:r>
+            <a:r>
+              <a:rPr lang="es-ES_tradnl" sz="1800" b="1" dirty="0">
+                <a:latin typeface="Courier"/>
+                <a:cs typeface="Courier"/>
+              </a:rPr>
+              <a:t>compute(</a:t>
+            </a:r>
+            <a:r>
+              <a:rPr lang="es-ES_tradnl" sz="1800" b="1" dirty="0" smtClean="0">
+                <a:latin typeface="Courier"/>
+                <a:cs typeface="Courier"/>
+              </a:rPr>
+              <a:t>) : </a:t>
+            </a:r>
+            <a:r>
+              <a:rPr lang="es-ES_tradnl" sz="1800" b="1" dirty="0" err="1" smtClean="0">
+                <a:latin typeface="Courier"/>
+                <a:cs typeface="Courier"/>
+              </a:rPr>
+              <a:t>mat</a:t>
+            </a:r>
+            <a:r>
+              <a:rPr lang="es-ES_tradnl" sz="1800" b="1" dirty="0" smtClean="0">
+                <a:latin typeface="Courier"/>
+                <a:cs typeface="Courier"/>
+              </a:rPr>
+              <a:t> </a:t>
+            </a:r>
+            <a:r>
+              <a:rPr lang="es-ES_tradnl" sz="1800" b="1" dirty="0" err="1" smtClean="0">
+                <a:latin typeface="Courier"/>
+                <a:cs typeface="Courier"/>
+              </a:rPr>
+              <a:t>final_result</a:t>
+            </a:r>
+            <a:r>
+              <a:rPr lang="es-ES_tradnl" sz="1800" b="1" dirty="0" smtClean="0">
+                <a:latin typeface="Courier"/>
+                <a:cs typeface="Courier"/>
+              </a:rPr>
+              <a:t>{</a:t>
+            </a:r>
+          </a:p>
+          <a:p>
+            <a:pPr marL="0" indent="0">
+              <a:buNone/>
+            </a:pPr>
+            <a:r>
+              <a:rPr lang="es-ES_tradnl" sz="1800" b="1" dirty="0" smtClean="0">
+                <a:latin typeface="Courier"/>
+                <a:cs typeface="Courier"/>
+              </a:rPr>
+              <a:t>    </a:t>
+            </a:r>
+            <a:r>
+              <a:rPr lang="nl-NL" sz="1800" b="1" dirty="0" smtClean="0">
+                <a:latin typeface="Courier"/>
+                <a:cs typeface="Courier"/>
+              </a:rPr>
+              <a:t>mat x;</a:t>
+            </a:r>
+          </a:p>
+          <a:p>
+            <a:pPr marL="0" indent="0">
+              <a:buNone/>
+            </a:pPr>
+            <a:r>
+              <a:rPr lang="nl-NL" sz="1800" b="1" dirty="0" smtClean="0">
+                <a:latin typeface="Courier"/>
+                <a:cs typeface="Courier"/>
+              </a:rPr>
+              <a:t>    x = [(1,1)(1,-1)];</a:t>
+            </a:r>
+          </a:p>
+          <a:p>
+            <a:pPr marL="0" indent="0">
+              <a:buNone/>
+            </a:pPr>
+            <a:r>
+              <a:rPr lang="nl-NL" sz="1800" b="1" dirty="0">
+                <a:latin typeface="Courier"/>
+                <a:cs typeface="Courier"/>
+              </a:rPr>
+              <a:t> </a:t>
+            </a:r>
+            <a:r>
+              <a:rPr lang="nl-NL" sz="1800" b="1" dirty="0" smtClean="0">
+                <a:latin typeface="Courier"/>
+                <a:cs typeface="Courier"/>
+              </a:rPr>
+              <a:t>   </a:t>
+            </a:r>
+            <a:r>
+              <a:rPr lang="es-ES_tradnl" sz="1800" b="1" dirty="0" err="1">
+                <a:latin typeface="Courier"/>
+                <a:cs typeface="Courier"/>
+              </a:rPr>
+              <a:t>final_result</a:t>
+            </a:r>
+            <a:r>
+              <a:rPr lang="es-ES_tradnl" sz="1800" b="1" dirty="0">
+                <a:latin typeface="Courier"/>
+                <a:cs typeface="Courier"/>
+              </a:rPr>
+              <a:t> </a:t>
+            </a:r>
+            <a:r>
+              <a:rPr lang="nl-NL" sz="1800" b="1" dirty="0" smtClean="0">
+                <a:latin typeface="Courier"/>
+                <a:cs typeface="Courier"/>
+              </a:rPr>
+              <a:t>= </a:t>
+            </a:r>
+            <a:r>
+              <a:rPr lang="en-US" sz="1800" b="1" dirty="0" smtClean="0">
+                <a:latin typeface="Courier"/>
+                <a:cs typeface="Courier"/>
+              </a:rPr>
+              <a:t>apply</a:t>
+            </a:r>
+            <a:r>
+              <a:rPr lang="nl-NL" sz="1800" b="1" dirty="0" smtClean="0">
+                <a:latin typeface="Courier"/>
+                <a:cs typeface="Courier"/>
+              </a:rPr>
+              <a:t>(x);</a:t>
+            </a:r>
+            <a:endParaRPr lang="nl-NL" sz="1800" b="1" dirty="0">
+              <a:latin typeface="Courier"/>
+              <a:cs typeface="Courier"/>
+            </a:endParaRPr>
+          </a:p>
+          <a:p>
+            <a:pPr marL="0" indent="0">
+              <a:buNone/>
+            </a:pPr>
+            <a:r>
+              <a:rPr lang="nl-NL" sz="1800" b="1" dirty="0" smtClean="0">
+                <a:latin typeface="Courier"/>
+                <a:cs typeface="Courier"/>
+              </a:rPr>
+              <a:t>}</a:t>
+            </a:r>
+            <a:endParaRPr lang="en-US" sz="1800" dirty="0">
+              <a:latin typeface="Courier"/>
+              <a:cs typeface="Courier"/>
+            </a:endParaRPr>
           </a:p>
         </p:txBody>
       </p:sp>
       <p:cxnSp>
         <p:nvCxnSpPr>
-          <p:cNvPr id="19" name="Straight Connector 18"/>
-          <p:cNvCxnSpPr/>
+          <p:cNvPr id="3" name="Straight Arrow Connector 2"/>
+          <p:cNvCxnSpPr>
+            <a:endCxn id="153608" idx="2"/>
+          </p:cNvCxnSpPr>
           <p:nvPr/>
         </p:nvCxnSpPr>
         <p:spPr>
-          <a:xfrm>
-            <a:off x="2915816" y="2060849"/>
-            <a:ext cx="523027" cy="0"/>
-          </a:xfrm>
-          <a:prstGeom prst="line">
+          <a:xfrm flipH="1" flipV="1">
+            <a:off x="2663788" y="1504529"/>
+            <a:ext cx="396044" cy="412303"/>
+          </a:xfrm>
+          <a:prstGeom prst="straightConnector1">
             <a:avLst/>
           </a:prstGeom>
           <a:ln>
             <a:solidFill>
-              <a:schemeClr val="tx1"/>
+              <a:srgbClr val="FF0000"/>
             </a:solidFill>
-            <a:tailEnd type="triangle" w="lg" len="med"/>
-          </a:ln>
-        </p:spPr>
-        <p:style>
-          <a:lnRef idx="2">
-            <a:schemeClr val="accent1"/>
-          </a:lnRef>
-          <a:fillRef idx="0">
-            <a:schemeClr val="accent1"/>
-          </a:fillRef>
-          <a:effectRef idx="1">
-            <a:schemeClr val="accent1"/>
-          </a:effectRef>
-          <a:fontRef idx="minor">
-            <a:schemeClr val="tx1"/>
-          </a:fontRef>
-        </p:style>
-      </p:cxnSp>
-      <p:sp>
-        <p:nvSpPr>
-          <p:cNvPr id="22" name="TextBox 21"/>
-          <p:cNvSpPr txBox="1"/>
-          <p:nvPr/>
-        </p:nvSpPr>
-        <p:spPr>
-          <a:xfrm>
-            <a:off x="1403648" y="1844824"/>
-            <a:ext cx="1769635" cy="584776"/>
-          </a:xfrm>
-          <a:prstGeom prst="rect">
-            <a:avLst/>
-          </a:prstGeom>
-          <a:noFill/>
-        </p:spPr>
-        <p:txBody>
-          <a:bodyPr wrap="none" rtlCol="0">
-            <a:spAutoFit/>
-          </a:bodyPr>
-          <a:lstStyle/>
-          <a:p>
-            <a:pPr algn="ctr"/>
-            <a:r>
-              <a:rPr lang="en-US" sz="1600" b="1" dirty="0" smtClean="0"/>
-              <a:t>program</a:t>
-            </a:r>
-          </a:p>
-          <a:p>
-            <a:pPr algn="ctr"/>
-            <a:r>
-              <a:rPr lang="en-US" sz="1600" b="1" dirty="0" smtClean="0"/>
-              <a:t>(symbol stream)</a:t>
-            </a:r>
-            <a:endParaRPr lang="en-US" sz="1600" b="1" dirty="0"/>
-          </a:p>
-        </p:txBody>
-      </p:sp>
-      <p:sp>
-        <p:nvSpPr>
-          <p:cNvPr id="23" name="TextBox 22"/>
-          <p:cNvSpPr txBox="1"/>
-          <p:nvPr/>
-        </p:nvSpPr>
-        <p:spPr>
-          <a:xfrm>
-            <a:off x="4014907" y="3429000"/>
-            <a:ext cx="595035" cy="338554"/>
-          </a:xfrm>
-          <a:prstGeom prst="rect">
-            <a:avLst/>
-          </a:prstGeom>
-          <a:noFill/>
-        </p:spPr>
-        <p:txBody>
-          <a:bodyPr wrap="none" rtlCol="0">
-            <a:spAutoFit/>
-          </a:bodyPr>
-          <a:lstStyle/>
-          <a:p>
-            <a:r>
-              <a:rPr lang="en-US" sz="1600" b="1" dirty="0" smtClean="0"/>
-              <a:t>AST</a:t>
-            </a:r>
-            <a:endParaRPr lang="en-US" sz="1600" b="1" dirty="0"/>
-          </a:p>
-        </p:txBody>
-      </p:sp>
-      <p:sp>
-        <p:nvSpPr>
-          <p:cNvPr id="24" name="Oval 23"/>
-          <p:cNvSpPr/>
-          <p:nvPr/>
-        </p:nvSpPr>
-        <p:spPr>
-          <a:xfrm>
-            <a:off x="3438843" y="3861048"/>
-            <a:ext cx="1224136" cy="504056"/>
-          </a:xfrm>
-          <a:prstGeom prst="ellipse">
-            <a:avLst/>
-          </a:prstGeom>
-          <a:solidFill>
-            <a:schemeClr val="bg1">
-              <a:lumMod val="95000"/>
-            </a:schemeClr>
-          </a:solidFill>
-          <a:ln w="25400">
-            <a:solidFill>
-              <a:schemeClr val="tx1"/>
-            </a:solidFill>
-          </a:ln>
-        </p:spPr>
-        <p:style>
-          <a:lnRef idx="1">
-            <a:schemeClr val="accent1"/>
-          </a:lnRef>
-          <a:fillRef idx="3">
-            <a:schemeClr val="accent1"/>
-          </a:fillRef>
-          <a:effectRef idx="2">
-            <a:schemeClr val="accent1"/>
-          </a:effectRef>
-          <a:fontRef idx="minor">
-            <a:schemeClr val="lt1"/>
-          </a:fontRef>
-        </p:style>
-        <p:txBody>
-          <a:bodyPr rtlCol="0" anchor="ctr"/>
-          <a:lstStyle/>
-          <a:p>
-            <a:pPr algn="ctr"/>
-            <a:endParaRPr lang="en-US"/>
-          </a:p>
-        </p:txBody>
-      </p:sp>
-      <p:sp>
-        <p:nvSpPr>
-          <p:cNvPr id="25" name="TextBox 24"/>
-          <p:cNvSpPr txBox="1"/>
-          <p:nvPr/>
-        </p:nvSpPr>
-        <p:spPr>
-          <a:xfrm>
-            <a:off x="3510851" y="3882534"/>
-            <a:ext cx="1005904" cy="338554"/>
-          </a:xfrm>
-          <a:prstGeom prst="rect">
-            <a:avLst/>
-          </a:prstGeom>
-          <a:noFill/>
-        </p:spPr>
-        <p:txBody>
-          <a:bodyPr wrap="none" rtlCol="0">
-            <a:spAutoFit/>
-          </a:bodyPr>
-          <a:lstStyle/>
-          <a:p>
-            <a:r>
-              <a:rPr lang="en-US" sz="1600" b="1" dirty="0"/>
-              <a:t>a</a:t>
-            </a:r>
-            <a:r>
-              <a:rPr lang="en-US" sz="1600" b="1" dirty="0" smtClean="0"/>
-              <a:t>nalyzer</a:t>
-            </a:r>
-            <a:endParaRPr lang="en-US" sz="1600" b="1" dirty="0"/>
-          </a:p>
-        </p:txBody>
-      </p:sp>
-      <p:sp>
-        <p:nvSpPr>
-          <p:cNvPr id="27" name="TextBox 26"/>
-          <p:cNvSpPr txBox="1"/>
-          <p:nvPr/>
-        </p:nvSpPr>
-        <p:spPr>
-          <a:xfrm>
-            <a:off x="4014907" y="4437112"/>
-            <a:ext cx="736099" cy="338554"/>
-          </a:xfrm>
-          <a:prstGeom prst="rect">
-            <a:avLst/>
-          </a:prstGeom>
-          <a:noFill/>
-        </p:spPr>
-        <p:txBody>
-          <a:bodyPr wrap="none" rtlCol="0">
-            <a:spAutoFit/>
-          </a:bodyPr>
-          <a:lstStyle/>
-          <a:p>
-            <a:r>
-              <a:rPr lang="en-US" sz="1600" b="1" dirty="0" smtClean="0"/>
-              <a:t>SAST</a:t>
-            </a:r>
-            <a:endParaRPr lang="en-US" sz="1600" b="1" dirty="0"/>
-          </a:p>
-        </p:txBody>
-      </p:sp>
-      <p:sp>
-        <p:nvSpPr>
-          <p:cNvPr id="28" name="TextBox 27"/>
-          <p:cNvSpPr txBox="1"/>
-          <p:nvPr/>
-        </p:nvSpPr>
-        <p:spPr>
-          <a:xfrm>
-            <a:off x="3993208" y="2370366"/>
-            <a:ext cx="1461859" cy="338554"/>
-          </a:xfrm>
-          <a:prstGeom prst="rect">
-            <a:avLst/>
-          </a:prstGeom>
-          <a:noFill/>
-        </p:spPr>
-        <p:txBody>
-          <a:bodyPr wrap="none" rtlCol="0">
-            <a:spAutoFit/>
-          </a:bodyPr>
-          <a:lstStyle/>
-          <a:p>
-            <a:r>
-              <a:rPr lang="en-US" sz="1600" b="1" dirty="0" smtClean="0"/>
-              <a:t>token stream</a:t>
-            </a:r>
-            <a:endParaRPr lang="en-US" sz="1600" b="1" dirty="0"/>
-          </a:p>
-        </p:txBody>
-      </p:sp>
-      <p:sp>
-        <p:nvSpPr>
-          <p:cNvPr id="30" name="Oval 29"/>
-          <p:cNvSpPr/>
-          <p:nvPr/>
-        </p:nvSpPr>
-        <p:spPr>
-          <a:xfrm>
-            <a:off x="3438843" y="4869160"/>
-            <a:ext cx="1224136" cy="504056"/>
-          </a:xfrm>
-          <a:prstGeom prst="ellipse">
-            <a:avLst/>
-          </a:prstGeom>
-          <a:solidFill>
-            <a:schemeClr val="bg1">
-              <a:lumMod val="95000"/>
-            </a:schemeClr>
-          </a:solidFill>
-          <a:ln w="25400">
-            <a:solidFill>
-              <a:schemeClr val="tx1"/>
-            </a:solidFill>
-          </a:ln>
-        </p:spPr>
-        <p:style>
-          <a:lnRef idx="1">
-            <a:schemeClr val="accent1"/>
-          </a:lnRef>
-          <a:fillRef idx="3">
-            <a:schemeClr val="accent1"/>
-          </a:fillRef>
-          <a:effectRef idx="2">
-            <a:schemeClr val="accent1"/>
-          </a:effectRef>
-          <a:fontRef idx="minor">
-            <a:schemeClr val="lt1"/>
-          </a:fontRef>
-        </p:style>
-        <p:txBody>
-          <a:bodyPr rtlCol="0" anchor="ctr"/>
-          <a:lstStyle/>
-          <a:p>
-            <a:pPr algn="ctr"/>
-            <a:endParaRPr lang="en-US"/>
-          </a:p>
-        </p:txBody>
-      </p:sp>
-      <p:sp>
-        <p:nvSpPr>
-          <p:cNvPr id="31" name="TextBox 30"/>
-          <p:cNvSpPr txBox="1"/>
-          <p:nvPr/>
-        </p:nvSpPr>
-        <p:spPr>
-          <a:xfrm>
-            <a:off x="3510851" y="4890646"/>
-            <a:ext cx="1133644" cy="338554"/>
-          </a:xfrm>
-          <a:prstGeom prst="rect">
-            <a:avLst/>
-          </a:prstGeom>
-          <a:noFill/>
-        </p:spPr>
-        <p:txBody>
-          <a:bodyPr wrap="none" rtlCol="0">
-            <a:spAutoFit/>
-          </a:bodyPr>
-          <a:lstStyle/>
-          <a:p>
-            <a:r>
-              <a:rPr lang="en-US" sz="1600" b="1" dirty="0" smtClean="0"/>
-              <a:t>generator</a:t>
-            </a:r>
-            <a:endParaRPr lang="en-US" sz="1600" b="1" dirty="0"/>
-          </a:p>
-        </p:txBody>
-      </p:sp>
-      <p:cxnSp>
-        <p:nvCxnSpPr>
-          <p:cNvPr id="32" name="Straight Connector 31"/>
-          <p:cNvCxnSpPr/>
-          <p:nvPr/>
-        </p:nvCxnSpPr>
-        <p:spPr>
-          <a:xfrm>
-            <a:off x="4014907" y="4365104"/>
-            <a:ext cx="0" cy="504056"/>
-          </a:xfrm>
-          <a:prstGeom prst="line">
-            <a:avLst/>
-          </a:prstGeom>
-          <a:ln>
-            <a:solidFill>
-              <a:schemeClr val="tx1"/>
-            </a:solidFill>
-            <a:tailEnd type="triangle" w="lg" len="med"/>
+            <a:tailEnd type="arrow"/>
           </a:ln>
         </p:spPr>
         <p:style>
@@ -9882,23 +10919,23 @@
       </p:cxnSp>
       <p:cxnSp>
         <p:nvCxnSpPr>
-          <p:cNvPr id="35" name="Straight Connector 34"/>
+          <p:cNvPr id="23" name="Straight Arrow Connector 22"/>
           <p:cNvCxnSpPr/>
           <p:nvPr/>
         </p:nvCxnSpPr>
         <p:spPr>
-          <a:xfrm>
-            <a:off x="4014907" y="2348880"/>
-            <a:ext cx="0" cy="504056"/>
-          </a:xfrm>
-          <a:prstGeom prst="line">
+          <a:xfrm flipH="1" flipV="1">
+            <a:off x="3779912" y="1484784"/>
+            <a:ext cx="216024" cy="432048"/>
+          </a:xfrm>
+          <a:prstGeom prst="straightConnector1">
             <a:avLst/>
           </a:prstGeom>
           <a:ln>
             <a:solidFill>
-              <a:schemeClr val="tx1"/>
+              <a:srgbClr val="FF0000"/>
             </a:solidFill>
-            <a:tailEnd type="triangle" w="lg" len="med"/>
+            <a:tailEnd type="arrow"/>
           </a:ln>
         </p:spPr>
         <p:style>
@@ -9918,23 +10955,23 @@
       </p:cxnSp>
       <p:cxnSp>
         <p:nvCxnSpPr>
-          <p:cNvPr id="36" name="Straight Connector 35"/>
+          <p:cNvPr id="24" name="Straight Arrow Connector 23"/>
           <p:cNvCxnSpPr/>
           <p:nvPr/>
         </p:nvCxnSpPr>
         <p:spPr>
-          <a:xfrm>
-            <a:off x="4014907" y="3356992"/>
-            <a:ext cx="0" cy="504056"/>
-          </a:xfrm>
-          <a:prstGeom prst="line">
+          <a:xfrm flipV="1">
+            <a:off x="5004048" y="1484784"/>
+            <a:ext cx="144016" cy="432048"/>
+          </a:xfrm>
+          <a:prstGeom prst="straightConnector1">
             <a:avLst/>
           </a:prstGeom>
           <a:ln>
             <a:solidFill>
-              <a:schemeClr val="tx1"/>
+              <a:srgbClr val="FF0000"/>
             </a:solidFill>
-            <a:tailEnd type="triangle" w="lg" len="med"/>
+            <a:tailEnd type="arrow"/>
           </a:ln>
         </p:spPr>
         <p:style>
@@ -9954,23 +10991,23 @@
       </p:cxnSp>
       <p:cxnSp>
         <p:nvCxnSpPr>
-          <p:cNvPr id="39" name="Straight Connector 38"/>
+          <p:cNvPr id="25" name="Straight Arrow Connector 24"/>
           <p:cNvCxnSpPr/>
           <p:nvPr/>
         </p:nvCxnSpPr>
         <p:spPr>
-          <a:xfrm>
-            <a:off x="4662979" y="5085184"/>
-            <a:ext cx="917133" cy="0"/>
-          </a:xfrm>
-          <a:prstGeom prst="line">
+          <a:xfrm flipV="1">
+            <a:off x="6012160" y="1556792"/>
+            <a:ext cx="360040" cy="360040"/>
+          </a:xfrm>
+          <a:prstGeom prst="straightConnector1">
             <a:avLst/>
           </a:prstGeom>
           <a:ln>
             <a:solidFill>
-              <a:schemeClr val="tx1"/>
+              <a:srgbClr val="FF0000"/>
             </a:solidFill>
-            <a:tailEnd type="triangle" w="lg" len="med"/>
+            <a:tailEnd type="arrow"/>
           </a:ln>
         </p:spPr>
         <p:style>
@@ -9988,141 +11025,25 @@
           </a:fontRef>
         </p:style>
       </p:cxnSp>
-      <p:sp>
-        <p:nvSpPr>
-          <p:cNvPr id="41" name="TextBox 40"/>
-          <p:cNvSpPr txBox="1"/>
-          <p:nvPr/>
-        </p:nvSpPr>
-        <p:spPr>
-          <a:xfrm>
-            <a:off x="4644008" y="4725144"/>
-            <a:ext cx="903513" cy="338554"/>
-          </a:xfrm>
-          <a:prstGeom prst="rect">
-            <a:avLst/>
-          </a:prstGeom>
-          <a:noFill/>
-        </p:spPr>
-        <p:txBody>
-          <a:bodyPr wrap="none" rtlCol="0">
-            <a:spAutoFit/>
-          </a:bodyPr>
-          <a:lstStyle/>
-          <a:p>
-            <a:r>
-              <a:rPr lang="en-US" sz="1600" b="1" dirty="0" err="1" smtClean="0"/>
-              <a:t>c++</a:t>
-            </a:r>
-            <a:r>
-              <a:rPr lang="en-US" sz="1600" b="1" dirty="0" smtClean="0"/>
-              <a:t> </a:t>
-            </a:r>
-            <a:r>
-              <a:rPr lang="en-US" sz="1600" b="1" dirty="0" err="1" smtClean="0"/>
-              <a:t>src</a:t>
-            </a:r>
-            <a:endParaRPr lang="en-US" sz="1600" b="1" dirty="0"/>
-          </a:p>
-        </p:txBody>
-      </p:sp>
-      <p:sp>
-        <p:nvSpPr>
-          <p:cNvPr id="44" name="Oval 43"/>
-          <p:cNvSpPr/>
-          <p:nvPr/>
-        </p:nvSpPr>
-        <p:spPr>
-          <a:xfrm>
-            <a:off x="5671091" y="4797152"/>
-            <a:ext cx="1224136" cy="504056"/>
-          </a:xfrm>
-          <a:prstGeom prst="ellipse">
-            <a:avLst/>
-          </a:prstGeom>
-          <a:solidFill>
-            <a:schemeClr val="bg1">
-              <a:lumMod val="95000"/>
-            </a:schemeClr>
-          </a:solidFill>
-          <a:ln w="25400">
-            <a:solidFill>
-              <a:schemeClr val="tx1"/>
-            </a:solidFill>
-          </a:ln>
-        </p:spPr>
-        <p:style>
-          <a:lnRef idx="1">
-            <a:schemeClr val="accent1"/>
-          </a:lnRef>
-          <a:fillRef idx="3">
-            <a:schemeClr val="accent1"/>
-          </a:fillRef>
-          <a:effectRef idx="2">
-            <a:schemeClr val="accent1"/>
-          </a:effectRef>
-          <a:fontRef idx="minor">
-            <a:schemeClr val="lt1"/>
-          </a:fontRef>
-        </p:style>
-        <p:txBody>
-          <a:bodyPr rtlCol="0" anchor="ctr"/>
-          <a:lstStyle/>
-          <a:p>
-            <a:pPr algn="ctr"/>
-            <a:endParaRPr lang="en-US"/>
-          </a:p>
-        </p:txBody>
-      </p:sp>
-      <p:sp>
-        <p:nvSpPr>
-          <p:cNvPr id="45" name="TextBox 44"/>
-          <p:cNvSpPr txBox="1"/>
-          <p:nvPr/>
-        </p:nvSpPr>
-        <p:spPr>
-          <a:xfrm>
-            <a:off x="5959123" y="4869160"/>
-            <a:ext cx="549650" cy="338554"/>
-          </a:xfrm>
-          <a:prstGeom prst="rect">
-            <a:avLst/>
-          </a:prstGeom>
-          <a:noFill/>
-        </p:spPr>
-        <p:txBody>
-          <a:bodyPr wrap="none" rtlCol="0">
-            <a:spAutoFit/>
-          </a:bodyPr>
-          <a:lstStyle/>
-          <a:p>
-            <a:r>
-              <a:rPr lang="en-US" sz="1600" b="1" dirty="0" smtClean="0"/>
-              <a:t>g++</a:t>
-            </a:r>
-            <a:endParaRPr lang="en-US" sz="1600" b="1" dirty="0"/>
-          </a:p>
-        </p:txBody>
-      </p:sp>
       <p:cxnSp>
         <p:nvCxnSpPr>
-          <p:cNvPr id="48" name="Straight Connector 47"/>
+          <p:cNvPr id="26" name="Straight Arrow Connector 25"/>
           <p:cNvCxnSpPr/>
           <p:nvPr/>
         </p:nvCxnSpPr>
         <p:spPr>
-          <a:xfrm>
-            <a:off x="6247155" y="4293096"/>
-            <a:ext cx="0" cy="504056"/>
-          </a:xfrm>
-          <a:prstGeom prst="line">
+          <a:xfrm flipV="1">
+            <a:off x="3419872" y="3645024"/>
+            <a:ext cx="288032" cy="288032"/>
+          </a:xfrm>
+          <a:prstGeom prst="straightConnector1">
             <a:avLst/>
           </a:prstGeom>
           <a:ln>
             <a:solidFill>
-              <a:schemeClr val="tx1"/>
+              <a:srgbClr val="FF0000"/>
             </a:solidFill>
-            <a:tailEnd type="triangle" w="lg" len="med"/>
+            <a:tailEnd type="arrow"/>
           </a:ln>
         </p:spPr>
         <p:style>
@@ -10140,100 +11061,25 @@
           </a:fontRef>
         </p:style>
       </p:cxnSp>
-      <p:sp>
-        <p:nvSpPr>
-          <p:cNvPr id="49" name="TextBox 48"/>
-          <p:cNvSpPr txBox="1"/>
-          <p:nvPr/>
-        </p:nvSpPr>
-        <p:spPr>
-          <a:xfrm>
-            <a:off x="5743099" y="3462099"/>
-            <a:ext cx="1039668" cy="830997"/>
-          </a:xfrm>
-          <a:prstGeom prst="rect">
-            <a:avLst/>
-          </a:prstGeom>
-          <a:noFill/>
-        </p:spPr>
-        <p:txBody>
-          <a:bodyPr wrap="none" rtlCol="0">
-            <a:spAutoFit/>
-          </a:bodyPr>
-          <a:lstStyle/>
-          <a:p>
-            <a:pPr algn="ctr"/>
-            <a:r>
-              <a:rPr lang="en-US" sz="1600" b="1" dirty="0" smtClean="0"/>
-              <a:t>qlang lib</a:t>
-            </a:r>
-          </a:p>
-          <a:p>
-            <a:pPr algn="ctr"/>
-            <a:r>
-              <a:rPr lang="en-US" sz="1600" b="1" dirty="0" smtClean="0"/>
-              <a:t>Eigen lib</a:t>
-            </a:r>
-          </a:p>
-          <a:p>
-            <a:pPr algn="ctr"/>
-            <a:r>
-              <a:rPr lang="en-US" sz="1600" b="1" dirty="0" smtClean="0"/>
-              <a:t>libc++</a:t>
-            </a:r>
-            <a:endParaRPr lang="en-US" sz="1600" b="1" dirty="0"/>
-          </a:p>
-        </p:txBody>
-      </p:sp>
-      <p:sp>
-        <p:nvSpPr>
-          <p:cNvPr id="51" name="TextBox 50"/>
-          <p:cNvSpPr txBox="1"/>
-          <p:nvPr/>
-        </p:nvSpPr>
-        <p:spPr>
-          <a:xfrm>
-            <a:off x="7740352" y="4797152"/>
-            <a:ext cx="1245353" cy="338554"/>
-          </a:xfrm>
-          <a:prstGeom prst="rect">
-            <a:avLst/>
-          </a:prstGeom>
-          <a:noFill/>
-        </p:spPr>
-        <p:txBody>
-          <a:bodyPr wrap="none" rtlCol="0">
-            <a:spAutoFit/>
-          </a:bodyPr>
-          <a:lstStyle/>
-          <a:p>
-            <a:r>
-              <a:rPr lang="en-US" sz="1600" b="1" dirty="0" smtClean="0"/>
-              <a:t>executable</a:t>
-            </a:r>
-            <a:endParaRPr lang="en-US" sz="1600" b="1" dirty="0"/>
-          </a:p>
-        </p:txBody>
-      </p:sp>
       <p:cxnSp>
         <p:nvCxnSpPr>
-          <p:cNvPr id="53" name="Straight Connector 52"/>
+          <p:cNvPr id="27" name="Straight Arrow Connector 26"/>
           <p:cNvCxnSpPr/>
           <p:nvPr/>
         </p:nvCxnSpPr>
         <p:spPr>
-          <a:xfrm>
-            <a:off x="6876256" y="5013176"/>
-            <a:ext cx="917133" cy="0"/>
-          </a:xfrm>
-          <a:prstGeom prst="line">
+          <a:xfrm flipV="1">
+            <a:off x="5508104" y="3573016"/>
+            <a:ext cx="288032" cy="288032"/>
+          </a:xfrm>
+          <a:prstGeom prst="straightConnector1">
             <a:avLst/>
           </a:prstGeom>
           <a:ln>
             <a:solidFill>
-              <a:schemeClr val="tx1"/>
+              <a:srgbClr val="FF0000"/>
             </a:solidFill>
-            <a:tailEnd type="triangle" w="lg" len="med"/>
+            <a:tailEnd type="arrow"/>
           </a:ln>
         </p:spPr>
         <p:style>
@@ -10253,45 +11099,310 @@
       </p:cxnSp>
       <p:sp>
         <p:nvSpPr>
-          <p:cNvPr id="54" name="Content Placeholder 4"/>
-          <p:cNvSpPr>
-            <a:spLocks noGrp="1"/>
-          </p:cNvSpPr>
-          <p:nvPr>
-            <p:ph idx="1"/>
-          </p:nvPr>
-        </p:nvSpPr>
-        <p:spPr>
-          <a:xfrm>
-            <a:off x="1526976" y="1052736"/>
-            <a:ext cx="8229600" cy="4525963"/>
-          </a:xfrm>
-        </p:spPr>
-        <p:txBody>
-          <a:bodyPr/>
+          <p:cNvPr id="153608" name="TextBox 153607"/>
+          <p:cNvSpPr txBox="1"/>
+          <p:nvPr/>
+        </p:nvSpPr>
+        <p:spPr>
+          <a:xfrm>
+            <a:off x="1907704" y="1196752"/>
+            <a:ext cx="1512168" cy="307777"/>
+          </a:xfrm>
+          <a:prstGeom prst="rect">
+            <a:avLst/>
+          </a:prstGeom>
+          <a:noFill/>
+        </p:spPr>
+        <p:txBody>
+          <a:bodyPr wrap="square" rtlCol="0">
+            <a:spAutoFit/>
+          </a:bodyPr>
           <a:lstStyle/>
           <a:p>
-            <a:pPr marL="0" indent="0">
-              <a:buNone/>
-            </a:pPr>
-            <a:r>
-              <a:rPr lang="en-US" sz="2400" b="1" dirty="0" smtClean="0"/>
-              <a:t>Compilation</a:t>
-            </a:r>
-            <a:endParaRPr lang="en-US" sz="2400" b="1" dirty="0"/>
-          </a:p>
-        </p:txBody>
-      </p:sp>
+            <a:r>
+              <a:rPr lang="en-US" sz="1400" dirty="0" smtClean="0">
+                <a:solidFill>
+                  <a:srgbClr val="FF0000"/>
+                </a:solidFill>
+              </a:rPr>
+              <a:t>Function name</a:t>
+            </a:r>
+            <a:endParaRPr lang="en-US" sz="1400" dirty="0">
+              <a:solidFill>
+                <a:srgbClr val="FF0000"/>
+              </a:solidFill>
+            </a:endParaRPr>
+          </a:p>
+        </p:txBody>
+      </p:sp>
+      <p:sp>
+        <p:nvSpPr>
+          <p:cNvPr id="41" name="TextBox 40"/>
+          <p:cNvSpPr txBox="1"/>
+          <p:nvPr/>
+        </p:nvSpPr>
+        <p:spPr>
+          <a:xfrm>
+            <a:off x="3347864" y="1196752"/>
+            <a:ext cx="1512168" cy="307777"/>
+          </a:xfrm>
+          <a:prstGeom prst="rect">
+            <a:avLst/>
+          </a:prstGeom>
+          <a:noFill/>
+        </p:spPr>
+        <p:txBody>
+          <a:bodyPr wrap="square" rtlCol="0">
+            <a:spAutoFit/>
+          </a:bodyPr>
+          <a:lstStyle/>
+          <a:p>
+            <a:r>
+              <a:rPr lang="en-US" sz="1400" dirty="0" smtClean="0">
+                <a:solidFill>
+                  <a:srgbClr val="FF0000"/>
+                </a:solidFill>
+              </a:rPr>
+              <a:t>parameter</a:t>
+            </a:r>
+            <a:endParaRPr lang="en-US" sz="1400" dirty="0">
+              <a:solidFill>
+                <a:srgbClr val="FF0000"/>
+              </a:solidFill>
+            </a:endParaRPr>
+          </a:p>
+        </p:txBody>
+      </p:sp>
+      <p:sp>
+        <p:nvSpPr>
+          <p:cNvPr id="45" name="TextBox 44"/>
+          <p:cNvSpPr txBox="1"/>
+          <p:nvPr/>
+        </p:nvSpPr>
+        <p:spPr>
+          <a:xfrm>
+            <a:off x="4572000" y="1124744"/>
+            <a:ext cx="1512168" cy="307777"/>
+          </a:xfrm>
+          <a:prstGeom prst="rect">
+            <a:avLst/>
+          </a:prstGeom>
+          <a:noFill/>
+        </p:spPr>
+        <p:txBody>
+          <a:bodyPr wrap="square" rtlCol="0">
+            <a:spAutoFit/>
+          </a:bodyPr>
+          <a:lstStyle/>
+          <a:p>
+            <a:r>
+              <a:rPr lang="en-US" sz="1400" dirty="0" smtClean="0">
+                <a:solidFill>
+                  <a:srgbClr val="FF0000"/>
+                </a:solidFill>
+              </a:rPr>
+              <a:t>Return type</a:t>
+            </a:r>
+            <a:endParaRPr lang="en-US" sz="1400" dirty="0">
+              <a:solidFill>
+                <a:srgbClr val="FF0000"/>
+              </a:solidFill>
+            </a:endParaRPr>
+          </a:p>
+        </p:txBody>
+      </p:sp>
+      <p:sp>
+        <p:nvSpPr>
+          <p:cNvPr id="46" name="TextBox 45"/>
+          <p:cNvSpPr txBox="1"/>
+          <p:nvPr/>
+        </p:nvSpPr>
+        <p:spPr>
+          <a:xfrm>
+            <a:off x="5796136" y="1196752"/>
+            <a:ext cx="1512168" cy="307777"/>
+          </a:xfrm>
+          <a:prstGeom prst="rect">
+            <a:avLst/>
+          </a:prstGeom>
+          <a:noFill/>
+        </p:spPr>
+        <p:txBody>
+          <a:bodyPr wrap="square" rtlCol="0">
+            <a:spAutoFit/>
+          </a:bodyPr>
+          <a:lstStyle/>
+          <a:p>
+            <a:r>
+              <a:rPr lang="en-US" sz="1400" dirty="0" smtClean="0">
+                <a:solidFill>
+                  <a:srgbClr val="FF0000"/>
+                </a:solidFill>
+              </a:rPr>
+              <a:t>Return variable</a:t>
+            </a:r>
+            <a:endParaRPr lang="en-US" sz="1400" dirty="0">
+              <a:solidFill>
+                <a:srgbClr val="FF0000"/>
+              </a:solidFill>
+            </a:endParaRPr>
+          </a:p>
+        </p:txBody>
+      </p:sp>
+      <p:sp>
+        <p:nvSpPr>
+          <p:cNvPr id="47" name="TextBox 46"/>
+          <p:cNvSpPr txBox="1"/>
+          <p:nvPr/>
+        </p:nvSpPr>
+        <p:spPr>
+          <a:xfrm>
+            <a:off x="2699792" y="3356992"/>
+            <a:ext cx="2376264" cy="307777"/>
+          </a:xfrm>
+          <a:prstGeom prst="rect">
+            <a:avLst/>
+          </a:prstGeom>
+          <a:noFill/>
+        </p:spPr>
+        <p:txBody>
+          <a:bodyPr wrap="square" rtlCol="0">
+            <a:spAutoFit/>
+          </a:bodyPr>
+          <a:lstStyle/>
+          <a:p>
+            <a:r>
+              <a:rPr lang="en-US" sz="1400" dirty="0" smtClean="0">
+                <a:solidFill>
+                  <a:srgbClr val="FF0000"/>
+                </a:solidFill>
+              </a:rPr>
+              <a:t>Main Execution function </a:t>
+            </a:r>
+            <a:endParaRPr lang="en-US" sz="1400" dirty="0">
+              <a:solidFill>
+                <a:srgbClr val="FF0000"/>
+              </a:solidFill>
+            </a:endParaRPr>
+          </a:p>
+        </p:txBody>
+      </p:sp>
+      <p:sp>
+        <p:nvSpPr>
+          <p:cNvPr id="48" name="TextBox 47"/>
+          <p:cNvSpPr txBox="1"/>
+          <p:nvPr/>
+        </p:nvSpPr>
+        <p:spPr>
+          <a:xfrm>
+            <a:off x="5292080" y="3212976"/>
+            <a:ext cx="2592288" cy="307777"/>
+          </a:xfrm>
+          <a:prstGeom prst="rect">
+            <a:avLst/>
+          </a:prstGeom>
+          <a:noFill/>
+        </p:spPr>
+        <p:txBody>
+          <a:bodyPr wrap="square" rtlCol="0">
+            <a:spAutoFit/>
+          </a:bodyPr>
+          <a:lstStyle/>
+          <a:p>
+            <a:r>
+              <a:rPr lang="en-US" sz="1400" dirty="0" smtClean="0">
+                <a:solidFill>
+                  <a:srgbClr val="FF0000"/>
+                </a:solidFill>
+              </a:rPr>
+              <a:t>Output variable which prints</a:t>
+            </a:r>
+            <a:endParaRPr lang="en-US" sz="1400" dirty="0">
+              <a:solidFill>
+                <a:srgbClr val="FF0000"/>
+              </a:solidFill>
+            </a:endParaRPr>
+          </a:p>
+        </p:txBody>
+      </p:sp>
+      <p:sp>
+        <p:nvSpPr>
+          <p:cNvPr id="49" name="TextBox 48"/>
+          <p:cNvSpPr txBox="1"/>
+          <p:nvPr/>
+        </p:nvSpPr>
+        <p:spPr>
+          <a:xfrm>
+            <a:off x="4716016" y="2276872"/>
+            <a:ext cx="1512168" cy="307777"/>
+          </a:xfrm>
+          <a:prstGeom prst="rect">
+            <a:avLst/>
+          </a:prstGeom>
+          <a:noFill/>
+        </p:spPr>
+        <p:txBody>
+          <a:bodyPr wrap="square" rtlCol="0">
+            <a:spAutoFit/>
+          </a:bodyPr>
+          <a:lstStyle/>
+          <a:p>
+            <a:r>
+              <a:rPr lang="en-US" sz="1400" dirty="0" smtClean="0"/>
+              <a:t>Function name</a:t>
+            </a:r>
+            <a:endParaRPr lang="en-US" sz="1400" dirty="0"/>
+          </a:p>
+        </p:txBody>
+      </p:sp>
+      <p:cxnSp>
+        <p:nvCxnSpPr>
+          <p:cNvPr id="50" name="Straight Arrow Connector 49"/>
+          <p:cNvCxnSpPr/>
+          <p:nvPr/>
+        </p:nvCxnSpPr>
+        <p:spPr>
+          <a:xfrm>
+            <a:off x="3779912" y="2420888"/>
+            <a:ext cx="936104" cy="0"/>
+          </a:xfrm>
+          <a:prstGeom prst="straightConnector1">
+            <a:avLst/>
+          </a:prstGeom>
+          <a:ln>
+            <a:solidFill>
+              <a:srgbClr val="FF0000"/>
+            </a:solidFill>
+            <a:tailEnd type="arrow"/>
+          </a:ln>
+        </p:spPr>
+        <p:style>
+          <a:lnRef idx="2">
+            <a:schemeClr val="accent1"/>
+          </a:lnRef>
+          <a:fillRef idx="0">
+            <a:schemeClr val="accent1"/>
+          </a:fillRef>
+          <a:effectRef idx="1">
+            <a:schemeClr val="accent1"/>
+          </a:effectRef>
+          <a:fontRef idx="minor">
+            <a:schemeClr val="tx1"/>
+          </a:fontRef>
+        </p:style>
+      </p:cxnSp>
     </p:spTree>
-    <p:extLst>
-      <p:ext uri="{BB962C8B-B14F-4D97-AF65-F5344CB8AC3E}">
-        <p14:creationId xmlns:p14="http://schemas.microsoft.com/office/powerpoint/2010/main" val="2721382723"/>
-      </p:ext>
-    </p:extLst>
   </p:cSld>
   <p:clrMapOvr>
     <a:masterClrMapping/>
   </p:clrMapOvr>
+  <p:timing>
+    <p:tnLst>
+      <p:par>
+        <p:cTn xmlns:p14="http://schemas.microsoft.com/office/powerpoint/2010/main" id="1" dur="indefinite" restart="never" nodeType="tmRoot"/>
+      </p:par>
+    </p:tnLst>
+  </p:timing>
 </p:sld>
 </file>
 
